--- a/project_presentation/project_presentation.pptx
+++ b/project_presentation/project_presentation.pptx
@@ -3721,7 +3721,7 @@
           <a:bodyPr/>
           <a:lstStyle/>
           <a:p>
-            <a:endParaRPr lang="de-DE"/>
+            <a:endParaRPr lang="de-DE" dirty="0"/>
           </a:p>
         </p:txBody>
       </p:sp>
@@ -6754,27 +6754,11 @@
             </a:br>
             <a:r>
               <a:rPr lang="de-DE" dirty="0"/>
-              <a:t>- </a:t>
-            </a:r>
-            <a:r>
-              <a:rPr lang="de-DE" dirty="0" err="1"/>
-              <a:t>setpoint</a:t>
-            </a:r>
-            <a:r>
-              <a:rPr lang="de-DE" dirty="0"/>
-              <a:t> </a:t>
+              <a:t>- Control </a:t>
             </a:r>
             <a:r>
               <a:rPr lang="de-DE" dirty="0" err="1"/>
               <a:t>function</a:t>
-            </a:r>
-            <a:r>
-              <a:rPr lang="de-DE" dirty="0"/>
-              <a:t> </a:t>
-            </a:r>
-            <a:r>
-              <a:rPr lang="de-DE" dirty="0" err="1"/>
-              <a:t>semaphores</a:t>
             </a:r>
             <a:r>
               <a:rPr lang="de-DE" dirty="0"/>
@@ -6801,13 +6785,13 @@
         </p:nvSpPr>
         <p:spPr>
           <a:xfrm>
-            <a:off x="2231136" y="2638044"/>
-            <a:ext cx="7729728" cy="3987839"/>
+            <a:off x="2231136" y="2412960"/>
+            <a:ext cx="7729728" cy="4212923"/>
           </a:xfrm>
         </p:spPr>
         <p:txBody>
           <a:bodyPr>
-            <a:normAutofit fontScale="92500" lnSpcReduction="20000"/>
+            <a:normAutofit/>
           </a:bodyPr>
           <a:lstStyle/>
           <a:p>
@@ -6835,7 +6819,7 @@
             <a:r>
               <a:rPr lang="de-DE" dirty="0" err="1">
                 <a:solidFill>
-                  <a:srgbClr val="D4D4D4"/>
+                  <a:schemeClr val="tx1"/>
                 </a:solidFill>
                 <a:latin typeface="Menlo" panose="020B0609030804020204" pitchFamily="49" charset="0"/>
               </a:rPr>
@@ -6876,7 +6860,7 @@
             <a:r>
               <a:rPr lang="de-DE" dirty="0" err="1">
                 <a:solidFill>
-                  <a:srgbClr val="D4D4D4"/>
+                  <a:schemeClr val="tx1"/>
                 </a:solidFill>
                 <a:latin typeface="Menlo" panose="020B0609030804020204" pitchFamily="49" charset="0"/>
               </a:rPr>
@@ -6903,16 +6887,16 @@
                 </a:solidFill>
                 <a:latin typeface="Menlo" panose="020B0609030804020204" pitchFamily="49" charset="0"/>
               </a:rPr>
-              <a:t>Set </a:t>
-            </a:r>
-            <a:r>
-              <a:rPr lang="de-DE" dirty="0" err="1">
-                <a:solidFill>
-                  <a:schemeClr val="tx1"/>
-                </a:solidFill>
-                <a:latin typeface="Menlo" panose="020B0609030804020204" pitchFamily="49" charset="0"/>
-              </a:rPr>
-              <a:t>point</a:t>
+              <a:t>„</a:t>
+            </a:r>
+            <a:r>
+              <a:rPr lang="de-DE" dirty="0" err="1">
+                <a:solidFill>
+                  <a:schemeClr val="tx1"/>
+                </a:solidFill>
+                <a:latin typeface="Menlo" panose="020B0609030804020204" pitchFamily="49" charset="0"/>
+              </a:rPr>
+              <a:t>Calculate</a:t>
             </a:r>
             <a:r>
               <a:rPr lang="de-DE" dirty="0">
@@ -6930,17 +6914,106 @@
                 </a:solidFill>
                 <a:latin typeface="Menlo" panose="020B0609030804020204" pitchFamily="49" charset="0"/>
               </a:rPr>
-              <a:t>tracking</a:t>
-            </a:r>
-            <a:r>
-              <a:rPr lang="de-DE" dirty="0">
-                <a:solidFill>
-                  <a:schemeClr val="tx1"/>
-                </a:solidFill>
-                <a:latin typeface="Menlo" panose="020B0609030804020204" pitchFamily="49" charset="0"/>
-              </a:rPr>
-              <a:t> etc.</a:t>
-            </a:r>
+              <a:t>difference</a:t>
+            </a:r>
+            <a:r>
+              <a:rPr lang="de-DE" dirty="0">
+                <a:solidFill>
+                  <a:schemeClr val="tx1"/>
+                </a:solidFill>
+                <a:latin typeface="Menlo" panose="020B0609030804020204" pitchFamily="49" charset="0"/>
+              </a:rPr>
+              <a:t> </a:t>
+            </a:r>
+            <a:r>
+              <a:rPr lang="de-DE" dirty="0" err="1">
+                <a:solidFill>
+                  <a:schemeClr val="tx1"/>
+                </a:solidFill>
+                <a:latin typeface="Menlo" panose="020B0609030804020204" pitchFamily="49" charset="0"/>
+              </a:rPr>
+              <a:t>of</a:t>
+            </a:r>
+            <a:r>
+              <a:rPr lang="de-DE" dirty="0">
+                <a:solidFill>
+                  <a:schemeClr val="tx1"/>
+                </a:solidFill>
+                <a:latin typeface="Menlo" panose="020B0609030804020204" pitchFamily="49" charset="0"/>
+              </a:rPr>
+              <a:t> </a:t>
+            </a:r>
+            <a:r>
+              <a:rPr lang="de-DE" dirty="0" err="1">
+                <a:solidFill>
+                  <a:schemeClr val="tx1"/>
+                </a:solidFill>
+                <a:latin typeface="Menlo" panose="020B0609030804020204" pitchFamily="49" charset="0"/>
+              </a:rPr>
+              <a:t>setpoint</a:t>
+            </a:r>
+            <a:r>
+              <a:rPr lang="de-DE" dirty="0">
+                <a:solidFill>
+                  <a:schemeClr val="tx1"/>
+                </a:solidFill>
+                <a:latin typeface="Menlo" panose="020B0609030804020204" pitchFamily="49" charset="0"/>
+              </a:rPr>
+              <a:t> </a:t>
+            </a:r>
+            <a:r>
+              <a:rPr lang="de-DE" dirty="0" err="1">
+                <a:solidFill>
+                  <a:schemeClr val="tx1"/>
+                </a:solidFill>
+                <a:latin typeface="Menlo" panose="020B0609030804020204" pitchFamily="49" charset="0"/>
+              </a:rPr>
+              <a:t>and</a:t>
+            </a:r>
+            <a:r>
+              <a:rPr lang="de-DE" dirty="0">
+                <a:solidFill>
+                  <a:schemeClr val="tx1"/>
+                </a:solidFill>
+                <a:latin typeface="Menlo" panose="020B0609030804020204" pitchFamily="49" charset="0"/>
+              </a:rPr>
+              <a:t> </a:t>
+            </a:r>
+            <a:r>
+              <a:rPr lang="de-DE" dirty="0" err="1">
+                <a:solidFill>
+                  <a:schemeClr val="tx1"/>
+                </a:solidFill>
+                <a:latin typeface="Menlo" panose="020B0609030804020204" pitchFamily="49" charset="0"/>
+              </a:rPr>
+              <a:t>state</a:t>
+            </a:r>
+            <a:r>
+              <a:rPr lang="de-DE" dirty="0">
+                <a:solidFill>
+                  <a:schemeClr val="tx1"/>
+                </a:solidFill>
+                <a:latin typeface="Menlo" panose="020B0609030804020204" pitchFamily="49" charset="0"/>
+              </a:rPr>
+              <a:t>“</a:t>
+            </a:r>
+            <a:r>
+              <a:rPr lang="de-DE" dirty="0">
+                <a:solidFill>
+                  <a:srgbClr val="D4D4D4"/>
+                </a:solidFill>
+                <a:latin typeface="Menlo" panose="020B0609030804020204" pitchFamily="49" charset="0"/>
+              </a:rPr>
+              <a:t>;</a:t>
+            </a:r>
+            <a:endParaRPr lang="de-DE" dirty="0">
+              <a:solidFill>
+                <a:schemeClr val="bg1">
+                  <a:lumMod val="65000"/>
+                </a:schemeClr>
+              </a:solidFill>
+              <a:latin typeface="Menlo" panose="020B0609030804020204" pitchFamily="49" charset="0"/>
+            </a:endParaRPr>
           </a:p>
           <a:p>
             <a:pPr marL="0" indent="0">
@@ -6967,7 +7040,7 @@
             <a:r>
               <a:rPr lang="de-DE" dirty="0" err="1">
                 <a:solidFill>
-                  <a:srgbClr val="D4D4D4"/>
+                  <a:schemeClr val="tx1"/>
                 </a:solidFill>
                 <a:latin typeface="Menlo" panose="020B0609030804020204" pitchFamily="49" charset="0"/>
               </a:rPr>
@@ -6987,6 +7060,197 @@
             <a:pPr marL="0" indent="0">
               <a:buNone/>
             </a:pPr>
+            <a:endParaRPr lang="de-DE" dirty="0">
+              <a:solidFill>
+                <a:srgbClr val="D4D4D4"/>
+              </a:solidFill>
+              <a:latin typeface="Menlo" panose="020B0609030804020204" pitchFamily="49" charset="0"/>
+            </a:endParaRPr>
+          </a:p>
+          <a:p>
+            <a:pPr marL="0" indent="0">
+              <a:buNone/>
+            </a:pPr>
+            <a:r>
+              <a:rPr lang="de-DE" dirty="0">
+                <a:solidFill>
+                  <a:schemeClr val="tx1"/>
+                </a:solidFill>
+                <a:latin typeface="Menlo" panose="020B0609030804020204" pitchFamily="49" charset="0"/>
+              </a:rPr>
+              <a:t>„</a:t>
+            </a:r>
+            <a:r>
+              <a:rPr lang="de-DE" dirty="0" err="1">
+                <a:solidFill>
+                  <a:schemeClr val="tx1"/>
+                </a:solidFill>
+                <a:latin typeface="Menlo" panose="020B0609030804020204" pitchFamily="49" charset="0"/>
+              </a:rPr>
+              <a:t>Multiply</a:t>
+            </a:r>
+            <a:r>
+              <a:rPr lang="de-DE" dirty="0">
+                <a:solidFill>
+                  <a:schemeClr val="tx1"/>
+                </a:solidFill>
+                <a:latin typeface="Menlo" panose="020B0609030804020204" pitchFamily="49" charset="0"/>
+              </a:rPr>
+              <a:t> LQR </a:t>
+            </a:r>
+            <a:r>
+              <a:rPr lang="de-DE" dirty="0" err="1">
+                <a:solidFill>
+                  <a:schemeClr val="tx1"/>
+                </a:solidFill>
+                <a:latin typeface="Menlo" panose="020B0609030804020204" pitchFamily="49" charset="0"/>
+              </a:rPr>
+              <a:t>gain</a:t>
+            </a:r>
+            <a:r>
+              <a:rPr lang="de-DE" dirty="0">
+                <a:solidFill>
+                  <a:schemeClr val="tx1"/>
+                </a:solidFill>
+                <a:latin typeface="Menlo" panose="020B0609030804020204" pitchFamily="49" charset="0"/>
+              </a:rPr>
+              <a:t> </a:t>
+            </a:r>
+            <a:r>
+              <a:rPr lang="de-DE" dirty="0" err="1">
+                <a:solidFill>
+                  <a:schemeClr val="tx1"/>
+                </a:solidFill>
+                <a:latin typeface="Menlo" panose="020B0609030804020204" pitchFamily="49" charset="0"/>
+              </a:rPr>
+              <a:t>matrix</a:t>
+            </a:r>
+            <a:r>
+              <a:rPr lang="de-DE" dirty="0">
+                <a:solidFill>
+                  <a:schemeClr val="tx1"/>
+                </a:solidFill>
+                <a:latin typeface="Menlo" panose="020B0609030804020204" pitchFamily="49" charset="0"/>
+              </a:rPr>
+              <a:t> </a:t>
+            </a:r>
+            <a:r>
+              <a:rPr lang="de-DE" dirty="0" err="1">
+                <a:solidFill>
+                  <a:schemeClr val="tx1"/>
+                </a:solidFill>
+                <a:latin typeface="Menlo" panose="020B0609030804020204" pitchFamily="49" charset="0"/>
+              </a:rPr>
+              <a:t>with</a:t>
+            </a:r>
+            <a:r>
+              <a:rPr lang="de-DE" dirty="0">
+                <a:solidFill>
+                  <a:schemeClr val="tx1"/>
+                </a:solidFill>
+                <a:latin typeface="Menlo" panose="020B0609030804020204" pitchFamily="49" charset="0"/>
+              </a:rPr>
+              <a:t> </a:t>
+            </a:r>
+            <a:r>
+              <a:rPr lang="de-DE" dirty="0" err="1">
+                <a:solidFill>
+                  <a:schemeClr val="tx1"/>
+                </a:solidFill>
+                <a:latin typeface="Menlo" panose="020B0609030804020204" pitchFamily="49" charset="0"/>
+              </a:rPr>
+              <a:t>the</a:t>
+            </a:r>
+            <a:r>
+              <a:rPr lang="de-DE" dirty="0">
+                <a:solidFill>
+                  <a:schemeClr val="tx1"/>
+                </a:solidFill>
+                <a:latin typeface="Menlo" panose="020B0609030804020204" pitchFamily="49" charset="0"/>
+              </a:rPr>
+              <a:t> </a:t>
+            </a:r>
+            <a:r>
+              <a:rPr lang="de-DE" dirty="0" err="1">
+                <a:solidFill>
+                  <a:schemeClr val="tx1"/>
+                </a:solidFill>
+                <a:latin typeface="Menlo" panose="020B0609030804020204" pitchFamily="49" charset="0"/>
+              </a:rPr>
+              <a:t>calculated</a:t>
+            </a:r>
+            <a:r>
+              <a:rPr lang="de-DE" dirty="0">
+                <a:solidFill>
+                  <a:schemeClr val="tx1"/>
+                </a:solidFill>
+                <a:latin typeface="Menlo" panose="020B0609030804020204" pitchFamily="49" charset="0"/>
+              </a:rPr>
+              <a:t> </a:t>
+            </a:r>
+            <a:r>
+              <a:rPr lang="de-DE" dirty="0" err="1">
+                <a:solidFill>
+                  <a:schemeClr val="tx1"/>
+                </a:solidFill>
+                <a:latin typeface="Menlo" panose="020B0609030804020204" pitchFamily="49" charset="0"/>
+              </a:rPr>
+              <a:t>state</a:t>
+            </a:r>
+            <a:r>
+              <a:rPr lang="de-DE" dirty="0">
+                <a:solidFill>
+                  <a:schemeClr val="tx1"/>
+                </a:solidFill>
+                <a:latin typeface="Menlo" panose="020B0609030804020204" pitchFamily="49" charset="0"/>
+              </a:rPr>
+              <a:t>/</a:t>
+            </a:r>
+            <a:r>
+              <a:rPr lang="de-DE" dirty="0" err="1">
+                <a:solidFill>
+                  <a:schemeClr val="tx1"/>
+                </a:solidFill>
+                <a:latin typeface="Menlo" panose="020B0609030804020204" pitchFamily="49" charset="0"/>
+              </a:rPr>
+              <a:t>setpoint</a:t>
+            </a:r>
+            <a:r>
+              <a:rPr lang="de-DE" dirty="0">
+                <a:solidFill>
+                  <a:schemeClr val="tx1"/>
+                </a:solidFill>
+                <a:latin typeface="Menlo" panose="020B0609030804020204" pitchFamily="49" charset="0"/>
+              </a:rPr>
+              <a:t> </a:t>
+            </a:r>
+            <a:r>
+              <a:rPr lang="de-DE" dirty="0" err="1">
+                <a:solidFill>
+                  <a:schemeClr val="tx1"/>
+                </a:solidFill>
+                <a:latin typeface="Menlo" panose="020B0609030804020204" pitchFamily="49" charset="0"/>
+              </a:rPr>
+              <a:t>difference</a:t>
+            </a:r>
+            <a:r>
+              <a:rPr lang="de-DE" dirty="0">
+                <a:solidFill>
+                  <a:schemeClr val="tx1"/>
+                </a:solidFill>
+                <a:latin typeface="Menlo" panose="020B0609030804020204" pitchFamily="49" charset="0"/>
+              </a:rPr>
+              <a:t>“</a:t>
+            </a:r>
+            <a:r>
+              <a:rPr lang="de-DE" dirty="0">
+                <a:solidFill>
+                  <a:srgbClr val="D4D4D4"/>
+                </a:solidFill>
+                <a:latin typeface="Menlo" panose="020B0609030804020204" pitchFamily="49" charset="0"/>
+              </a:rPr>
+              <a:t>;</a:t>
+            </a:r>
             <a:br>
               <a:rPr lang="de-DE" dirty="0">
                 <a:solidFill>
@@ -6995,23 +7259,12 @@
                 <a:latin typeface="Menlo" panose="020B0609030804020204" pitchFamily="49" charset="0"/>
               </a:rPr>
             </a:br>
-            <a:br>
-              <a:rPr lang="de-DE" dirty="0">
-                <a:solidFill>
-                  <a:srgbClr val="D4D4D4"/>
-                </a:solidFill>
-                <a:latin typeface="Menlo" panose="020B0609030804020204" pitchFamily="49" charset="0"/>
-              </a:rPr>
-            </a:br>
-            <a:r>
-              <a:rPr lang="de-DE" dirty="0">
-                <a:solidFill>
-                  <a:schemeClr val="tx1"/>
-                </a:solidFill>
-                <a:latin typeface="Menlo" panose="020B0609030804020204" pitchFamily="49" charset="0"/>
-              </a:rPr>
-              <a:t>value_1 =</a:t>
-            </a:r>
+            <a:endParaRPr lang="de-DE" dirty="0">
+              <a:solidFill>
+                <a:srgbClr val="D4D4D4"/>
+              </a:solidFill>
+              <a:latin typeface="Menlo" panose="020B0609030804020204" pitchFamily="49" charset="0"/>
+            </a:endParaRPr>
           </a:p>
           <a:p>
             <a:pPr marL="0" indent="0">
@@ -7024,21 +7277,135 @@
                 </a:solidFill>
                 <a:latin typeface="Menlo" panose="020B0609030804020204" pitchFamily="49" charset="0"/>
               </a:rPr>
-              <a:t>value_2 = </a:t>
-            </a:r>
+              <a:t>„Add </a:t>
+            </a:r>
+            <a:r>
+              <a:rPr lang="de-DE" dirty="0" err="1">
+                <a:solidFill>
+                  <a:schemeClr val="tx1"/>
+                </a:solidFill>
+                <a:latin typeface="Menlo" panose="020B0609030804020204" pitchFamily="49" charset="0"/>
+              </a:rPr>
+              <a:t>base</a:t>
+            </a:r>
+            <a:r>
+              <a:rPr lang="de-DE" dirty="0">
+                <a:solidFill>
+                  <a:schemeClr val="tx1"/>
+                </a:solidFill>
+                <a:latin typeface="Menlo" panose="020B0609030804020204" pitchFamily="49" charset="0"/>
+              </a:rPr>
+              <a:t> </a:t>
+            </a:r>
+            <a:r>
+              <a:rPr lang="de-DE" dirty="0" err="1">
+                <a:solidFill>
+                  <a:schemeClr val="tx1"/>
+                </a:solidFill>
+                <a:latin typeface="Menlo" panose="020B0609030804020204" pitchFamily="49" charset="0"/>
+              </a:rPr>
+              <a:t>thrust</a:t>
+            </a:r>
+            <a:r>
+              <a:rPr lang="de-DE" dirty="0">
+                <a:solidFill>
+                  <a:schemeClr val="tx1"/>
+                </a:solidFill>
+                <a:latin typeface="Menlo" panose="020B0609030804020204" pitchFamily="49" charset="0"/>
+              </a:rPr>
+              <a:t> </a:t>
+            </a:r>
+            <a:r>
+              <a:rPr lang="de-DE" dirty="0" err="1">
+                <a:solidFill>
+                  <a:schemeClr val="tx1"/>
+                </a:solidFill>
+                <a:latin typeface="Menlo" panose="020B0609030804020204" pitchFamily="49" charset="0"/>
+              </a:rPr>
+              <a:t>to</a:t>
+            </a:r>
+            <a:r>
+              <a:rPr lang="de-DE" dirty="0">
+                <a:solidFill>
+                  <a:schemeClr val="tx1"/>
+                </a:solidFill>
+                <a:latin typeface="Menlo" panose="020B0609030804020204" pitchFamily="49" charset="0"/>
+              </a:rPr>
+              <a:t> </a:t>
+            </a:r>
+            <a:r>
+              <a:rPr lang="de-DE" dirty="0" err="1">
+                <a:solidFill>
+                  <a:schemeClr val="tx1"/>
+                </a:solidFill>
+                <a:latin typeface="Menlo" panose="020B0609030804020204" pitchFamily="49" charset="0"/>
+              </a:rPr>
+              <a:t>values</a:t>
+            </a:r>
+            <a:r>
+              <a:rPr lang="de-DE" dirty="0">
+                <a:solidFill>
+                  <a:schemeClr val="tx1"/>
+                </a:solidFill>
+                <a:latin typeface="Menlo" panose="020B0609030804020204" pitchFamily="49" charset="0"/>
+              </a:rPr>
+              <a:t>“</a:t>
+            </a:r>
+            <a:r>
+              <a:rPr lang="de-DE" dirty="0">
+                <a:solidFill>
+                  <a:srgbClr val="D4D4D4"/>
+                </a:solidFill>
+                <a:latin typeface="Menlo" panose="020B0609030804020204" pitchFamily="49" charset="0"/>
+              </a:rPr>
+              <a:t>;</a:t>
+            </a:r>
+            <a:endParaRPr lang="de-DE" dirty="0">
+              <a:solidFill>
+                <a:schemeClr val="tx1"/>
+              </a:solidFill>
+              <a:latin typeface="Menlo" panose="020B0609030804020204" pitchFamily="49" charset="0"/>
+            </a:endParaRPr>
           </a:p>
           <a:p>
             <a:pPr marL="0" indent="0">
               <a:buNone/>
             </a:pPr>
             <a:r>
-              <a:rPr lang="de-DE" dirty="0">
-                <a:solidFill>
-                  <a:schemeClr val="tx1"/>
-                </a:solidFill>
-                <a:latin typeface="Menlo" panose="020B0609030804020204" pitchFamily="49" charset="0"/>
-              </a:rPr>
-              <a:t>value_3 =</a:t>
+              <a:rPr lang="de-DE" dirty="0" err="1">
+                <a:solidFill>
+                  <a:srgbClr val="DCDCAA"/>
+                </a:solidFill>
+                <a:latin typeface="Menlo" panose="020B0609030804020204" pitchFamily="49" charset="0"/>
+              </a:rPr>
+              <a:t>xSemaphoreGive</a:t>
+            </a:r>
+            <a:r>
+              <a:rPr lang="de-DE" dirty="0">
+                <a:solidFill>
+                  <a:srgbClr val="D4D4D4"/>
+                </a:solidFill>
+                <a:latin typeface="Menlo" panose="020B0609030804020204" pitchFamily="49" charset="0"/>
+              </a:rPr>
+              <a:t>(</a:t>
+            </a:r>
+            <a:r>
+              <a:rPr lang="de-DE" dirty="0" err="1">
+                <a:solidFill>
+                  <a:schemeClr val="tx1"/>
+                </a:solidFill>
+                <a:latin typeface="Menlo" panose="020B0609030804020204" pitchFamily="49" charset="0"/>
+              </a:rPr>
+              <a:t>setsema</a:t>
+            </a:r>
+            <a:r>
+              <a:rPr lang="de-DE" dirty="0">
+                <a:solidFill>
+                  <a:srgbClr val="D4D4D4"/>
+                </a:solidFill>
+                <a:latin typeface="Menlo" panose="020B0609030804020204" pitchFamily="49" charset="0"/>
+              </a:rPr>
+              <a:t>);</a:t>
             </a:r>
           </a:p>
           <a:p>
@@ -7052,54 +7419,8 @@
                 </a:solidFill>
                 <a:latin typeface="Menlo" panose="020B0609030804020204" pitchFamily="49" charset="0"/>
               </a:rPr>
-              <a:t>Value_4 =</a:t>
-            </a:r>
-          </a:p>
-          <a:p>
-            <a:pPr marL="0" indent="0">
-              <a:buNone/>
-            </a:pPr>
-            <a:r>
-              <a:rPr lang="de-DE" dirty="0" err="1">
-                <a:solidFill>
-                  <a:srgbClr val="DCDCAA"/>
-                </a:solidFill>
-                <a:latin typeface="Menlo" panose="020B0609030804020204" pitchFamily="49" charset="0"/>
-              </a:rPr>
-              <a:t>xSemaphoreGive</a:t>
-            </a:r>
-            <a:r>
-              <a:rPr lang="de-DE" dirty="0">
-                <a:solidFill>
-                  <a:srgbClr val="D4D4D4"/>
-                </a:solidFill>
-                <a:latin typeface="Menlo" panose="020B0609030804020204" pitchFamily="49" charset="0"/>
-              </a:rPr>
-              <a:t>(</a:t>
-            </a:r>
-            <a:r>
-              <a:rPr lang="de-DE" dirty="0" err="1">
-                <a:solidFill>
-                  <a:srgbClr val="D4D4D4"/>
-                </a:solidFill>
-                <a:latin typeface="Menlo" panose="020B0609030804020204" pitchFamily="49" charset="0"/>
-              </a:rPr>
-              <a:t>setsema</a:t>
-            </a:r>
-            <a:r>
-              <a:rPr lang="de-DE" dirty="0">
-                <a:solidFill>
-                  <a:srgbClr val="D4D4D4"/>
-                </a:solidFill>
-                <a:latin typeface="Menlo" panose="020B0609030804020204" pitchFamily="49" charset="0"/>
-              </a:rPr>
-              <a:t>);</a:t>
-            </a:r>
-          </a:p>
-          <a:p>
-            <a:pPr marL="0" indent="0">
-              <a:buNone/>
-            </a:pPr>
+              <a:t>„</a:t>
+            </a:r>
             <a:r>
               <a:rPr lang="de-DE" dirty="0" err="1">
                 <a:solidFill>
@@ -7134,8 +7455,23 @@
                 </a:solidFill>
                 <a:latin typeface="Menlo" panose="020B0609030804020204" pitchFamily="49" charset="0"/>
               </a:rPr>
-              <a:t> uint16_t</a:t>
-            </a:r>
+              <a:t> uint16_t“</a:t>
+            </a:r>
+            <a:r>
+              <a:rPr lang="de-DE" dirty="0">
+                <a:solidFill>
+                  <a:srgbClr val="D4D4D4"/>
+                </a:solidFill>
+                <a:latin typeface="Menlo" panose="020B0609030804020204" pitchFamily="49" charset="0"/>
+              </a:rPr>
+              <a:t>;</a:t>
+            </a:r>
+            <a:endParaRPr lang="de-DE" dirty="0">
+              <a:solidFill>
+                <a:schemeClr val="tx1"/>
+              </a:solidFill>
+              <a:latin typeface="Menlo" panose="020B0609030804020204" pitchFamily="49" charset="0"/>
+            </a:endParaRPr>
           </a:p>
           <a:p>
             <a:pPr marL="0" indent="0">

--- a/project_presentation/project_presentation.pptx
+++ b/project_presentation/project_presentation.pptx
@@ -9,13 +9,15 @@
     <p:sldId id="257" r:id="rId3"/>
     <p:sldId id="258" r:id="rId4"/>
     <p:sldId id="259" r:id="rId5"/>
-    <p:sldId id="260" r:id="rId6"/>
-    <p:sldId id="263" r:id="rId7"/>
-    <p:sldId id="264" r:id="rId8"/>
-    <p:sldId id="265" r:id="rId9"/>
-    <p:sldId id="266" r:id="rId10"/>
-    <p:sldId id="261" r:id="rId11"/>
-    <p:sldId id="262" r:id="rId12"/>
+    <p:sldId id="267" r:id="rId6"/>
+    <p:sldId id="268" r:id="rId7"/>
+    <p:sldId id="260" r:id="rId8"/>
+    <p:sldId id="263" r:id="rId9"/>
+    <p:sldId id="264" r:id="rId10"/>
+    <p:sldId id="265" r:id="rId11"/>
+    <p:sldId id="266" r:id="rId12"/>
+    <p:sldId id="261" r:id="rId13"/>
+    <p:sldId id="262" r:id="rId14"/>
   </p:sldIdLst>
   <p:sldSz cx="12192000" cy="6858000"/>
   <p:notesSz cx="6858000" cy="9144000"/>
@@ -114,6 +116,11 @@
       </a:defRPr>
     </a:lvl9pPr>
   </p:defaultTextStyle>
+  <p:extLst>
+    <p:ext uri="{EFAFB233-063F-42B5-8137-9DF3F51BA10A}">
+      <p15:sldGuideLst xmlns:p15="http://schemas.microsoft.com/office/powerpoint/2012/main"/>
+    </p:ext>
+  </p:extLst>
 </p:presentation>
 </file>
 
@@ -280,7 +287,7 @@
           <a:p>
             <a:fld id="{1160EA64-D806-43AC-9DF2-F8C432F32B4C}" type="datetimeFigureOut">
               <a:rPr lang="en-US" dirty="0"/>
-              <a:t>5/26/19</a:t>
+              <a:t>5/26/2019</a:t>
             </a:fld>
             <a:endParaRPr lang="en-US" dirty="0"/>
           </a:p>
@@ -323,7 +330,7 @@
             <a:fld id="{8A7A6979-0714-4377-B894-6BE4C2D6E202}" type="slidenum">
               <a:rPr lang="en-US" dirty="0"/>
               <a:pPr/>
-              <a:t>‹Nr.›</a:t>
+              <a:t>‹#›</a:t>
             </a:fld>
             <a:endParaRPr lang="en-US" dirty="0"/>
           </a:p>
@@ -422,7 +429,7 @@
           <a:p>
             <a:fld id="{E9F9C37B-1D36-470B-8223-D6C91242EC14}" type="datetimeFigureOut">
               <a:rPr lang="en-US" dirty="0"/>
-              <a:t>5/26/19</a:t>
+              <a:t>5/26/2019</a:t>
             </a:fld>
             <a:endParaRPr lang="en-US" dirty="0"/>
           </a:p>
@@ -464,7 +471,7 @@
           <a:p>
             <a:fld id="{8A7A6979-0714-4377-B894-6BE4C2D6E202}" type="slidenum">
               <a:rPr lang="en-US" dirty="0"/>
-              <a:t>‹Nr.›</a:t>
+              <a:t>‹#›</a:t>
             </a:fld>
             <a:endParaRPr lang="en-US" dirty="0"/>
           </a:p>
@@ -573,7 +580,7 @@
           <a:p>
             <a:fld id="{67C6F52A-A82B-47A2-A83A-8C4C91F2D59F}" type="datetimeFigureOut">
               <a:rPr lang="en-US" dirty="0"/>
-              <a:t>5/26/19</a:t>
+              <a:t>5/26/2019</a:t>
             </a:fld>
             <a:endParaRPr lang="en-US" dirty="0"/>
           </a:p>
@@ -615,7 +622,7 @@
           <a:p>
             <a:fld id="{8A7A6979-0714-4377-B894-6BE4C2D6E202}" type="slidenum">
               <a:rPr lang="en-US" dirty="0"/>
-              <a:t>‹Nr.›</a:t>
+              <a:t>‹#›</a:t>
             </a:fld>
             <a:endParaRPr lang="en-US" dirty="0"/>
           </a:p>
@@ -714,7 +721,7 @@
           <a:p>
             <a:fld id="{F070A7B3-6521-4DCA-87E5-044747A908C1}" type="datetimeFigureOut">
               <a:rPr lang="en-US" dirty="0"/>
-              <a:t>5/26/19</a:t>
+              <a:t>5/26/2019</a:t>
             </a:fld>
             <a:endParaRPr lang="en-US" dirty="0"/>
           </a:p>
@@ -757,7 +764,7 @@
             <a:fld id="{8A7A6979-0714-4377-B894-6BE4C2D6E202}" type="slidenum">
               <a:rPr lang="en-US" dirty="0"/>
               <a:pPr/>
-              <a:t>‹Nr.›</a:t>
+              <a:t>‹#›</a:t>
             </a:fld>
             <a:endParaRPr lang="en-US" dirty="0"/>
           </a:p>
@@ -983,7 +990,7 @@
           <a:p>
             <a:fld id="{1160EA64-D806-43AC-9DF2-F8C432F32B4C}" type="datetimeFigureOut">
               <a:rPr lang="en-US" dirty="0"/>
-              <a:t>5/26/19</a:t>
+              <a:t>5/26/2019</a:t>
             </a:fld>
             <a:endParaRPr lang="en-US" dirty="0"/>
           </a:p>
@@ -1026,7 +1033,7 @@
             <a:fld id="{8A7A6979-0714-4377-B894-6BE4C2D6E202}" type="slidenum">
               <a:rPr lang="en-US" dirty="0"/>
               <a:pPr/>
-              <a:t>‹Nr.›</a:t>
+              <a:t>‹#›</a:t>
             </a:fld>
             <a:endParaRPr lang="en-US" dirty="0"/>
           </a:p>
@@ -1163,7 +1170,7 @@
           <a:p>
             <a:fld id="{AB134690-1557-4C89-A502-4959FE7FAD70}" type="datetimeFigureOut">
               <a:rPr lang="en-US" dirty="0"/>
-              <a:t>5/26/19</a:t>
+              <a:t>5/26/2019</a:t>
             </a:fld>
             <a:endParaRPr lang="en-US" dirty="0"/>
           </a:p>
@@ -1205,7 +1212,7 @@
           <a:p>
             <a:fld id="{8A7A6979-0714-4377-B894-6BE4C2D6E202}" type="slidenum">
               <a:rPr lang="en-US" dirty="0"/>
-              <a:t>‹Nr.›</a:t>
+              <a:t>‹#›</a:t>
             </a:fld>
             <a:endParaRPr lang="en-US" dirty="0"/>
           </a:p>
@@ -1479,7 +1486,7 @@
           <a:p>
             <a:fld id="{4F7D4976-E339-4826-83B7-FBD03F55ECF8}" type="datetimeFigureOut">
               <a:rPr lang="en-US" dirty="0"/>
-              <a:t>5/26/19</a:t>
+              <a:t>5/26/2019</a:t>
             </a:fld>
             <a:endParaRPr lang="en-US" dirty="0"/>
           </a:p>
@@ -1521,7 +1528,7 @@
           <a:p>
             <a:fld id="{8A7A6979-0714-4377-B894-6BE4C2D6E202}" type="slidenum">
               <a:rPr lang="en-US" dirty="0"/>
-              <a:t>‹Nr.›</a:t>
+              <a:t>‹#›</a:t>
             </a:fld>
             <a:endParaRPr lang="en-US" dirty="0"/>
           </a:p>
@@ -1615,7 +1622,7 @@
           <a:p>
             <a:fld id="{E1037C31-9E7A-4F99-8774-A0E530DE1A42}" type="datetimeFigureOut">
               <a:rPr lang="en-US" dirty="0"/>
-              <a:t>5/26/19</a:t>
+              <a:t>5/26/2019</a:t>
             </a:fld>
             <a:endParaRPr lang="en-US" dirty="0"/>
           </a:p>
@@ -1657,7 +1664,7 @@
           <a:p>
             <a:fld id="{8A7A6979-0714-4377-B894-6BE4C2D6E202}" type="slidenum">
               <a:rPr lang="en-US" dirty="0"/>
-              <a:t>‹Nr.›</a:t>
+              <a:t>‹#›</a:t>
             </a:fld>
             <a:endParaRPr lang="en-US" dirty="0"/>
           </a:p>
@@ -1705,7 +1712,7 @@
           <a:p>
             <a:fld id="{C278504F-A551-4DE0-9316-4DCD1D8CC752}" type="datetimeFigureOut">
               <a:rPr lang="en-US" dirty="0"/>
-              <a:t>5/26/19</a:t>
+              <a:t>5/26/2019</a:t>
             </a:fld>
             <a:endParaRPr lang="en-US" dirty="0"/>
           </a:p>
@@ -1747,7 +1754,7 @@
           <a:p>
             <a:fld id="{8A7A6979-0714-4377-B894-6BE4C2D6E202}" type="slidenum">
               <a:rPr lang="en-US" dirty="0"/>
-              <a:t>‹Nr.›</a:t>
+              <a:t>‹#›</a:t>
             </a:fld>
             <a:endParaRPr lang="en-US" dirty="0"/>
           </a:p>
@@ -2038,7 +2045,7 @@
           <a:p>
             <a:fld id="{D1BE4249-C0D0-4B06-8692-E8BB871AF643}" type="datetimeFigureOut">
               <a:rPr lang="en-US" dirty="0"/>
-              <a:t>5/26/19</a:t>
+              <a:t>5/26/2019</a:t>
             </a:fld>
             <a:endParaRPr lang="en-US" dirty="0"/>
           </a:p>
@@ -2095,7 +2102,7 @@
           <a:p>
             <a:fld id="{8A7A6979-0714-4377-B894-6BE4C2D6E202}" type="slidenum">
               <a:rPr lang="en-US" dirty="0"/>
-              <a:t>‹Nr.›</a:t>
+              <a:t>‹#›</a:t>
             </a:fld>
             <a:endParaRPr lang="en-US" dirty="0"/>
           </a:p>
@@ -2395,7 +2402,7 @@
           <a:p>
             <a:fld id="{042B0DB6-F5C7-45FB-8CF3-31B45F9C2DAC}" type="datetimeFigureOut">
               <a:rPr lang="en-US" dirty="0"/>
-              <a:t>5/26/19</a:t>
+              <a:t>5/26/2019</a:t>
             </a:fld>
             <a:endParaRPr lang="en-US" dirty="0"/>
           </a:p>
@@ -2452,7 +2459,7 @@
           <a:p>
             <a:fld id="{8A7A6979-0714-4377-B894-6BE4C2D6E202}" type="slidenum">
               <a:rPr lang="en-US" dirty="0"/>
-              <a:t>‹Nr.›</a:t>
+              <a:t>‹#›</a:t>
             </a:fld>
             <a:endParaRPr lang="en-US" dirty="0"/>
           </a:p>
@@ -2631,7 +2638,7 @@
           <a:p>
             <a:fld id="{1160EA64-D806-43AC-9DF2-F8C432F32B4C}" type="datetimeFigureOut">
               <a:rPr lang="en-US" dirty="0"/>
-              <a:t>5/26/19</a:t>
+              <a:t>5/26/2019</a:t>
             </a:fld>
             <a:endParaRPr lang="en-US" dirty="0"/>
           </a:p>
@@ -2715,7 +2722,7 @@
             <a:fld id="{8A7A6979-0714-4377-B894-6BE4C2D6E202}" type="slidenum">
               <a:rPr lang="en-US" dirty="0"/>
               <a:pPr/>
-              <a:t>‹Nr.›</a:t>
+              <a:t>‹#›</a:t>
             </a:fld>
             <a:endParaRPr lang="en-US" dirty="0"/>
           </a:p>
@@ -3132,6 +3139,1119 @@
 <file path=ppt/slides/slide10.xml><?xml version="1.0" encoding="utf-8"?>
 <p:sld xmlns:a="http://schemas.openxmlformats.org/drawingml/2006/main" xmlns:r="http://schemas.openxmlformats.org/officeDocument/2006/relationships" xmlns:p="http://schemas.openxmlformats.org/presentationml/2006/main">
   <p:cSld>
+    <p:spTree>
+      <p:nvGrpSpPr>
+        <p:cNvPr id="1" name=""/>
+        <p:cNvGrpSpPr/>
+        <p:nvPr/>
+      </p:nvGrpSpPr>
+      <p:grpSpPr>
+        <a:xfrm>
+          <a:off x="0" y="0"/>
+          <a:ext cx="0" cy="0"/>
+          <a:chOff x="0" y="0"/>
+          <a:chExt cx="0" cy="0"/>
+        </a:xfrm>
+      </p:grpSpPr>
+      <p:sp>
+        <p:nvSpPr>
+          <p:cNvPr id="2" name="Titel 1">
+            <a:extLst>
+              <a:ext uri="{FF2B5EF4-FFF2-40B4-BE49-F238E27FC236}">
+                <a16:creationId xmlns:a16="http://schemas.microsoft.com/office/drawing/2014/main" id="{BA3027A2-7564-7A4F-B4F8-5EF3DF79167E}"/>
+              </a:ext>
+            </a:extLst>
+          </p:cNvPr>
+          <p:cNvSpPr>
+            <a:spLocks noGrp="1"/>
+          </p:cNvSpPr>
+          <p:nvPr>
+            <p:ph type="title"/>
+          </p:nvPr>
+        </p:nvSpPr>
+        <p:spPr/>
+        <p:txBody>
+          <a:bodyPr/>
+          <a:lstStyle/>
+          <a:p>
+            <a:r>
+              <a:rPr lang="de-DE" dirty="0"/>
+              <a:t>C-code </a:t>
+            </a:r>
+            <a:r>
+              <a:rPr lang="de-DE" dirty="0" err="1"/>
+              <a:t>implementation</a:t>
+            </a:r>
+            <a:br>
+              <a:rPr lang="de-DE" dirty="0"/>
+            </a:br>
+            <a:r>
+              <a:rPr lang="de-DE" dirty="0"/>
+              <a:t>- </a:t>
+            </a:r>
+            <a:r>
+              <a:rPr lang="de-DE" dirty="0" err="1"/>
+              <a:t>setpoint</a:t>
+            </a:r>
+            <a:r>
+              <a:rPr lang="de-DE" dirty="0"/>
+              <a:t> </a:t>
+            </a:r>
+            <a:r>
+              <a:rPr lang="de-DE" dirty="0" err="1"/>
+              <a:t>function</a:t>
+            </a:r>
+            <a:r>
+              <a:rPr lang="de-DE" dirty="0"/>
+              <a:t> </a:t>
+            </a:r>
+            <a:r>
+              <a:rPr lang="de-DE" dirty="0" err="1"/>
+              <a:t>semaphores</a:t>
+            </a:r>
+            <a:r>
+              <a:rPr lang="de-DE" dirty="0"/>
+              <a:t> -</a:t>
+            </a:r>
+          </a:p>
+        </p:txBody>
+      </p:sp>
+      <p:sp>
+        <p:nvSpPr>
+          <p:cNvPr id="6" name="Inhaltsplatzhalter 5">
+            <a:extLst>
+              <a:ext uri="{FF2B5EF4-FFF2-40B4-BE49-F238E27FC236}">
+                <a16:creationId xmlns:a16="http://schemas.microsoft.com/office/drawing/2014/main" id="{7A4B3519-7053-4F4A-9704-0D8536946FB3}"/>
+              </a:ext>
+            </a:extLst>
+          </p:cNvPr>
+          <p:cNvSpPr>
+            <a:spLocks noGrp="1"/>
+          </p:cNvSpPr>
+          <p:nvPr>
+            <p:ph idx="1"/>
+          </p:nvPr>
+        </p:nvSpPr>
+        <p:spPr>
+          <a:xfrm>
+            <a:off x="2231136" y="2497368"/>
+            <a:ext cx="7729728" cy="3664282"/>
+          </a:xfrm>
+        </p:spPr>
+        <p:txBody>
+          <a:bodyPr>
+            <a:normAutofit/>
+          </a:bodyPr>
+          <a:lstStyle/>
+          <a:p>
+            <a:pPr marL="0" indent="0">
+              <a:buNone/>
+            </a:pPr>
+            <a:r>
+              <a:rPr lang="de-DE" dirty="0" err="1">
+                <a:solidFill>
+                  <a:srgbClr val="DCDCAA"/>
+                </a:solidFill>
+                <a:latin typeface="Menlo" panose="020B0609030804020204" pitchFamily="49" charset="0"/>
+              </a:rPr>
+              <a:t>xSemaphoreTake</a:t>
+            </a:r>
+            <a:r>
+              <a:rPr lang="de-DE" dirty="0">
+                <a:solidFill>
+                  <a:srgbClr val="D4D4D4"/>
+                </a:solidFill>
+                <a:latin typeface="Menlo" panose="020B0609030804020204" pitchFamily="49" charset="0"/>
+              </a:rPr>
+              <a:t>(</a:t>
+            </a:r>
+            <a:r>
+              <a:rPr lang="de-DE" dirty="0" err="1">
+                <a:solidFill>
+                  <a:schemeClr val="tx1"/>
+                </a:solidFill>
+                <a:latin typeface="Menlo" panose="020B0609030804020204" pitchFamily="49" charset="0"/>
+              </a:rPr>
+              <a:t>setsema,portMAX_DELAY</a:t>
+            </a:r>
+            <a:r>
+              <a:rPr lang="de-DE" dirty="0">
+                <a:solidFill>
+                  <a:srgbClr val="D4D4D4"/>
+                </a:solidFill>
+                <a:latin typeface="Menlo" panose="020B0609030804020204" pitchFamily="49" charset="0"/>
+              </a:rPr>
+              <a:t>);</a:t>
+            </a:r>
+          </a:p>
+          <a:p>
+            <a:pPr marL="0" indent="0">
+              <a:buNone/>
+            </a:pPr>
+            <a:r>
+              <a:rPr lang="de-DE" dirty="0">
+                <a:solidFill>
+                  <a:srgbClr val="D4D4D4"/>
+                </a:solidFill>
+                <a:latin typeface="Menlo" panose="020B0609030804020204" pitchFamily="49" charset="0"/>
+              </a:rPr>
+              <a:t> </a:t>
+            </a:r>
+          </a:p>
+          <a:p>
+            <a:pPr marL="0" indent="0">
+              <a:buNone/>
+            </a:pPr>
+            <a:r>
+              <a:rPr lang="de-DE" dirty="0" err="1">
+                <a:solidFill>
+                  <a:srgbClr val="DCDCAA"/>
+                </a:solidFill>
+                <a:latin typeface="Menlo" panose="020B0609030804020204" pitchFamily="49" charset="0"/>
+              </a:rPr>
+              <a:t>commanderGetSetpoint</a:t>
+            </a:r>
+            <a:r>
+              <a:rPr lang="de-DE" dirty="0">
+                <a:solidFill>
+                  <a:srgbClr val="D4D4D4"/>
+                </a:solidFill>
+                <a:latin typeface="Menlo" panose="020B0609030804020204" pitchFamily="49" charset="0"/>
+              </a:rPr>
+              <a:t>(</a:t>
+            </a:r>
+            <a:r>
+              <a:rPr lang="de-DE" dirty="0">
+                <a:solidFill>
+                  <a:schemeClr val="tx1"/>
+                </a:solidFill>
+                <a:latin typeface="Menlo" panose="020B0609030804020204" pitchFamily="49" charset="0"/>
+              </a:rPr>
+              <a:t>&amp;</a:t>
+            </a:r>
+            <a:r>
+              <a:rPr lang="de-DE" dirty="0" err="1">
+                <a:solidFill>
+                  <a:schemeClr val="tx1"/>
+                </a:solidFill>
+                <a:latin typeface="Menlo" panose="020B0609030804020204" pitchFamily="49" charset="0"/>
+              </a:rPr>
+              <a:t>setpoint</a:t>
+            </a:r>
+            <a:r>
+              <a:rPr lang="de-DE" dirty="0">
+                <a:solidFill>
+                  <a:schemeClr val="tx1"/>
+                </a:solidFill>
+                <a:latin typeface="Menlo" panose="020B0609030804020204" pitchFamily="49" charset="0"/>
+              </a:rPr>
+              <a:t>, tick</a:t>
+            </a:r>
+            <a:r>
+              <a:rPr lang="de-DE" dirty="0">
+                <a:solidFill>
+                  <a:srgbClr val="D4D4D4"/>
+                </a:solidFill>
+                <a:latin typeface="Menlo" panose="020B0609030804020204" pitchFamily="49" charset="0"/>
+              </a:rPr>
+              <a:t>);</a:t>
+            </a:r>
+          </a:p>
+          <a:p>
+            <a:pPr marL="0" indent="0">
+              <a:buNone/>
+            </a:pPr>
+            <a:r>
+              <a:rPr lang="de-DE" dirty="0">
+                <a:solidFill>
+                  <a:schemeClr val="tx1"/>
+                </a:solidFill>
+                <a:latin typeface="Menlo" panose="020B0609030804020204" pitchFamily="49" charset="0"/>
+              </a:rPr>
+              <a:t>tick++</a:t>
+            </a:r>
+            <a:r>
+              <a:rPr lang="de-DE" dirty="0">
+                <a:solidFill>
+                  <a:srgbClr val="D4D4D4"/>
+                </a:solidFill>
+                <a:latin typeface="Menlo" panose="020B0609030804020204" pitchFamily="49" charset="0"/>
+              </a:rPr>
+              <a:t>;</a:t>
+            </a:r>
+          </a:p>
+          <a:p>
+            <a:pPr marL="0" indent="0">
+              <a:buNone/>
+            </a:pPr>
+            <a:endParaRPr lang="de-DE" dirty="0">
+              <a:solidFill>
+                <a:srgbClr val="D4D4D4"/>
+              </a:solidFill>
+              <a:latin typeface="Menlo" panose="020B0609030804020204" pitchFamily="49" charset="0"/>
+            </a:endParaRPr>
+          </a:p>
+          <a:p>
+            <a:pPr marL="0" indent="0">
+              <a:buNone/>
+            </a:pPr>
+            <a:r>
+              <a:rPr lang="de-DE" dirty="0" err="1">
+                <a:solidFill>
+                  <a:srgbClr val="DCDCAA"/>
+                </a:solidFill>
+                <a:latin typeface="Menlo" panose="020B0609030804020204" pitchFamily="49" charset="0"/>
+              </a:rPr>
+              <a:t>xSemaphoreGive</a:t>
+            </a:r>
+            <a:r>
+              <a:rPr lang="de-DE" dirty="0">
+                <a:solidFill>
+                  <a:srgbClr val="D4D4D4"/>
+                </a:solidFill>
+                <a:latin typeface="Menlo" panose="020B0609030804020204" pitchFamily="49" charset="0"/>
+              </a:rPr>
+              <a:t>(</a:t>
+            </a:r>
+            <a:r>
+              <a:rPr lang="de-DE" dirty="0" err="1">
+                <a:solidFill>
+                  <a:schemeClr val="tx1"/>
+                </a:solidFill>
+                <a:latin typeface="Menlo" panose="020B0609030804020204" pitchFamily="49" charset="0"/>
+              </a:rPr>
+              <a:t>setsema</a:t>
+            </a:r>
+            <a:r>
+              <a:rPr lang="de-DE" dirty="0">
+                <a:solidFill>
+                  <a:srgbClr val="D4D4D4"/>
+                </a:solidFill>
+                <a:latin typeface="Menlo" panose="020B0609030804020204" pitchFamily="49" charset="0"/>
+              </a:rPr>
+              <a:t>);</a:t>
+            </a:r>
+          </a:p>
+          <a:p>
+            <a:pPr marL="0" indent="0">
+              <a:buNone/>
+            </a:pPr>
+            <a:endParaRPr lang="de-DE" dirty="0"/>
+          </a:p>
+        </p:txBody>
+      </p:sp>
+    </p:spTree>
+    <p:extLst>
+      <p:ext uri="{BB962C8B-B14F-4D97-AF65-F5344CB8AC3E}">
+        <p14:creationId xmlns:p14="http://schemas.microsoft.com/office/powerpoint/2010/main" val="2179710947"/>
+      </p:ext>
+    </p:extLst>
+  </p:cSld>
+  <p:clrMapOvr>
+    <a:masterClrMapping/>
+  </p:clrMapOvr>
+</p:sld>
+</file>
+
+<file path=ppt/slides/slide11.xml><?xml version="1.0" encoding="utf-8"?>
+<p:sld xmlns:a="http://schemas.openxmlformats.org/drawingml/2006/main" xmlns:r="http://schemas.openxmlformats.org/officeDocument/2006/relationships" xmlns:p="http://schemas.openxmlformats.org/presentationml/2006/main">
+  <p:cSld>
+    <p:spTree>
+      <p:nvGrpSpPr>
+        <p:cNvPr id="1" name=""/>
+        <p:cNvGrpSpPr/>
+        <p:nvPr/>
+      </p:nvGrpSpPr>
+      <p:grpSpPr>
+        <a:xfrm>
+          <a:off x="0" y="0"/>
+          <a:ext cx="0" cy="0"/>
+          <a:chOff x="0" y="0"/>
+          <a:chExt cx="0" cy="0"/>
+        </a:xfrm>
+      </p:grpSpPr>
+      <p:sp>
+        <p:nvSpPr>
+          <p:cNvPr id="2" name="Titel 1">
+            <a:extLst>
+              <a:ext uri="{FF2B5EF4-FFF2-40B4-BE49-F238E27FC236}">
+                <a16:creationId xmlns:a16="http://schemas.microsoft.com/office/drawing/2014/main" id="{BA3027A2-7564-7A4F-B4F8-5EF3DF79167E}"/>
+              </a:ext>
+            </a:extLst>
+          </p:cNvPr>
+          <p:cNvSpPr>
+            <a:spLocks noGrp="1"/>
+          </p:cNvSpPr>
+          <p:nvPr>
+            <p:ph type="title"/>
+          </p:nvPr>
+        </p:nvSpPr>
+        <p:spPr/>
+        <p:txBody>
+          <a:bodyPr/>
+          <a:lstStyle/>
+          <a:p>
+            <a:r>
+              <a:rPr lang="de-DE" dirty="0"/>
+              <a:t>C-code </a:t>
+            </a:r>
+            <a:r>
+              <a:rPr lang="de-DE" dirty="0" err="1"/>
+              <a:t>implementation</a:t>
+            </a:r>
+            <a:br>
+              <a:rPr lang="de-DE" dirty="0"/>
+            </a:br>
+            <a:r>
+              <a:rPr lang="de-DE" dirty="0"/>
+              <a:t>- Control </a:t>
+            </a:r>
+            <a:r>
+              <a:rPr lang="de-DE" dirty="0" err="1"/>
+              <a:t>function</a:t>
+            </a:r>
+            <a:r>
+              <a:rPr lang="de-DE" dirty="0"/>
+              <a:t> -</a:t>
+            </a:r>
+          </a:p>
+        </p:txBody>
+      </p:sp>
+      <p:sp>
+        <p:nvSpPr>
+          <p:cNvPr id="4" name="Inhaltsplatzhalter 3">
+            <a:extLst>
+              <a:ext uri="{FF2B5EF4-FFF2-40B4-BE49-F238E27FC236}">
+                <a16:creationId xmlns:a16="http://schemas.microsoft.com/office/drawing/2014/main" id="{6E6848F5-729F-1D4F-86D4-A83149154EB3}"/>
+              </a:ext>
+            </a:extLst>
+          </p:cNvPr>
+          <p:cNvSpPr>
+            <a:spLocks noGrp="1"/>
+          </p:cNvSpPr>
+          <p:nvPr>
+            <p:ph idx="1"/>
+          </p:nvPr>
+        </p:nvSpPr>
+        <p:spPr>
+          <a:xfrm>
+            <a:off x="2231136" y="2412960"/>
+            <a:ext cx="7729728" cy="4212923"/>
+          </a:xfrm>
+        </p:spPr>
+        <p:txBody>
+          <a:bodyPr>
+            <a:normAutofit/>
+          </a:bodyPr>
+          <a:lstStyle/>
+          <a:p>
+            <a:pPr marL="0" indent="0">
+              <a:buNone/>
+            </a:pPr>
+            <a:r>
+              <a:rPr lang="de-DE" dirty="0" err="1">
+                <a:solidFill>
+                  <a:srgbClr val="DCDCAA"/>
+                </a:solidFill>
+                <a:latin typeface="Menlo" panose="020B0609030804020204" pitchFamily="49" charset="0"/>
+              </a:rPr>
+              <a:t>xSemaphoreTake</a:t>
+            </a:r>
+            <a:r>
+              <a:rPr lang="de-DE" dirty="0">
+                <a:solidFill>
+                  <a:srgbClr val="D4D4D4"/>
+                </a:solidFill>
+                <a:latin typeface="Menlo" panose="020B0609030804020204" pitchFamily="49" charset="0"/>
+              </a:rPr>
+              <a:t>(</a:t>
+            </a:r>
+            <a:r>
+              <a:rPr lang="de-DE" dirty="0" err="1">
+                <a:solidFill>
+                  <a:schemeClr val="tx1"/>
+                </a:solidFill>
+                <a:latin typeface="Menlo" panose="020B0609030804020204" pitchFamily="49" charset="0"/>
+              </a:rPr>
+              <a:t>setsema,portMAX_DELAY</a:t>
+            </a:r>
+            <a:r>
+              <a:rPr lang="de-DE" dirty="0">
+                <a:solidFill>
+                  <a:srgbClr val="D4D4D4"/>
+                </a:solidFill>
+                <a:latin typeface="Menlo" panose="020B0609030804020204" pitchFamily="49" charset="0"/>
+              </a:rPr>
+              <a:t>); </a:t>
+            </a:r>
+          </a:p>
+          <a:p>
+            <a:pPr marL="0" indent="0">
+              <a:buNone/>
+            </a:pPr>
+            <a:r>
+              <a:rPr lang="de-DE" dirty="0" err="1">
+                <a:solidFill>
+                  <a:srgbClr val="DCDCAA"/>
+                </a:solidFill>
+                <a:latin typeface="Menlo" panose="020B0609030804020204" pitchFamily="49" charset="0"/>
+              </a:rPr>
+              <a:t>xSemaphoreTake</a:t>
+            </a:r>
+            <a:r>
+              <a:rPr lang="de-DE" dirty="0">
+                <a:solidFill>
+                  <a:srgbClr val="D4D4D4"/>
+                </a:solidFill>
+                <a:latin typeface="Menlo" panose="020B0609030804020204" pitchFamily="49" charset="0"/>
+              </a:rPr>
+              <a:t>(</a:t>
+            </a:r>
+            <a:r>
+              <a:rPr lang="de-DE" dirty="0" err="1">
+                <a:solidFill>
+                  <a:schemeClr val="tx1"/>
+                </a:solidFill>
+                <a:latin typeface="Menlo" panose="020B0609030804020204" pitchFamily="49" charset="0"/>
+              </a:rPr>
+              <a:t>filtsema,portMAX_DELAY</a:t>
+            </a:r>
+            <a:r>
+              <a:rPr lang="de-DE" dirty="0">
+                <a:solidFill>
+                  <a:srgbClr val="D4D4D4"/>
+                </a:solidFill>
+                <a:latin typeface="Menlo" panose="020B0609030804020204" pitchFamily="49" charset="0"/>
+              </a:rPr>
+              <a:t>); </a:t>
+            </a:r>
+          </a:p>
+          <a:p>
+            <a:pPr marL="0" indent="0">
+              <a:buNone/>
+            </a:pPr>
+            <a:r>
+              <a:rPr lang="de-DE" dirty="0">
+                <a:solidFill>
+                  <a:schemeClr val="tx1"/>
+                </a:solidFill>
+                <a:latin typeface="Menlo" panose="020B0609030804020204" pitchFamily="49" charset="0"/>
+              </a:rPr>
+              <a:t>„</a:t>
+            </a:r>
+            <a:r>
+              <a:rPr lang="de-DE" dirty="0" err="1">
+                <a:solidFill>
+                  <a:schemeClr val="tx1"/>
+                </a:solidFill>
+                <a:latin typeface="Menlo" panose="020B0609030804020204" pitchFamily="49" charset="0"/>
+              </a:rPr>
+              <a:t>Calculate</a:t>
+            </a:r>
+            <a:r>
+              <a:rPr lang="de-DE" dirty="0">
+                <a:solidFill>
+                  <a:schemeClr val="tx1"/>
+                </a:solidFill>
+                <a:latin typeface="Menlo" panose="020B0609030804020204" pitchFamily="49" charset="0"/>
+              </a:rPr>
+              <a:t> </a:t>
+            </a:r>
+            <a:r>
+              <a:rPr lang="de-DE" dirty="0" err="1">
+                <a:solidFill>
+                  <a:schemeClr val="tx1"/>
+                </a:solidFill>
+                <a:latin typeface="Menlo" panose="020B0609030804020204" pitchFamily="49" charset="0"/>
+              </a:rPr>
+              <a:t>difference</a:t>
+            </a:r>
+            <a:r>
+              <a:rPr lang="de-DE" dirty="0">
+                <a:solidFill>
+                  <a:schemeClr val="tx1"/>
+                </a:solidFill>
+                <a:latin typeface="Menlo" panose="020B0609030804020204" pitchFamily="49" charset="0"/>
+              </a:rPr>
+              <a:t> </a:t>
+            </a:r>
+            <a:r>
+              <a:rPr lang="de-DE" dirty="0" err="1">
+                <a:solidFill>
+                  <a:schemeClr val="tx1"/>
+                </a:solidFill>
+                <a:latin typeface="Menlo" panose="020B0609030804020204" pitchFamily="49" charset="0"/>
+              </a:rPr>
+              <a:t>of</a:t>
+            </a:r>
+            <a:r>
+              <a:rPr lang="de-DE" dirty="0">
+                <a:solidFill>
+                  <a:schemeClr val="tx1"/>
+                </a:solidFill>
+                <a:latin typeface="Menlo" panose="020B0609030804020204" pitchFamily="49" charset="0"/>
+              </a:rPr>
+              <a:t> </a:t>
+            </a:r>
+            <a:r>
+              <a:rPr lang="de-DE" dirty="0" err="1">
+                <a:solidFill>
+                  <a:schemeClr val="tx1"/>
+                </a:solidFill>
+                <a:latin typeface="Menlo" panose="020B0609030804020204" pitchFamily="49" charset="0"/>
+              </a:rPr>
+              <a:t>setpoint</a:t>
+            </a:r>
+            <a:r>
+              <a:rPr lang="de-DE" dirty="0">
+                <a:solidFill>
+                  <a:schemeClr val="tx1"/>
+                </a:solidFill>
+                <a:latin typeface="Menlo" panose="020B0609030804020204" pitchFamily="49" charset="0"/>
+              </a:rPr>
+              <a:t> </a:t>
+            </a:r>
+            <a:r>
+              <a:rPr lang="de-DE" dirty="0" err="1">
+                <a:solidFill>
+                  <a:schemeClr val="tx1"/>
+                </a:solidFill>
+                <a:latin typeface="Menlo" panose="020B0609030804020204" pitchFamily="49" charset="0"/>
+              </a:rPr>
+              <a:t>and</a:t>
+            </a:r>
+            <a:r>
+              <a:rPr lang="de-DE" dirty="0">
+                <a:solidFill>
+                  <a:schemeClr val="tx1"/>
+                </a:solidFill>
+                <a:latin typeface="Menlo" panose="020B0609030804020204" pitchFamily="49" charset="0"/>
+              </a:rPr>
+              <a:t> </a:t>
+            </a:r>
+            <a:r>
+              <a:rPr lang="de-DE" dirty="0" err="1">
+                <a:solidFill>
+                  <a:schemeClr val="tx1"/>
+                </a:solidFill>
+                <a:latin typeface="Menlo" panose="020B0609030804020204" pitchFamily="49" charset="0"/>
+              </a:rPr>
+              <a:t>state</a:t>
+            </a:r>
+            <a:r>
+              <a:rPr lang="de-DE" dirty="0">
+                <a:solidFill>
+                  <a:schemeClr val="tx1"/>
+                </a:solidFill>
+                <a:latin typeface="Menlo" panose="020B0609030804020204" pitchFamily="49" charset="0"/>
+              </a:rPr>
+              <a:t>“</a:t>
+            </a:r>
+            <a:r>
+              <a:rPr lang="de-DE" dirty="0">
+                <a:solidFill>
+                  <a:srgbClr val="D4D4D4"/>
+                </a:solidFill>
+                <a:latin typeface="Menlo" panose="020B0609030804020204" pitchFamily="49" charset="0"/>
+              </a:rPr>
+              <a:t>;</a:t>
+            </a:r>
+            <a:endParaRPr lang="de-DE" dirty="0">
+              <a:solidFill>
+                <a:schemeClr val="bg1">
+                  <a:lumMod val="65000"/>
+                </a:schemeClr>
+              </a:solidFill>
+              <a:latin typeface="Menlo" panose="020B0609030804020204" pitchFamily="49" charset="0"/>
+            </a:endParaRPr>
+          </a:p>
+          <a:p>
+            <a:pPr marL="0" indent="0">
+              <a:buNone/>
+            </a:pPr>
+            <a:r>
+              <a:rPr lang="de-DE" dirty="0" err="1">
+                <a:solidFill>
+                  <a:srgbClr val="DCDCAA"/>
+                </a:solidFill>
+                <a:latin typeface="Menlo" panose="020B0609030804020204" pitchFamily="49" charset="0"/>
+              </a:rPr>
+              <a:t>xSemaphoreGive</a:t>
+            </a:r>
+            <a:r>
+              <a:rPr lang="de-DE" dirty="0">
+                <a:solidFill>
+                  <a:srgbClr val="D4D4D4"/>
+                </a:solidFill>
+                <a:latin typeface="Menlo" panose="020B0609030804020204" pitchFamily="49" charset="0"/>
+              </a:rPr>
+              <a:t>(</a:t>
+            </a:r>
+            <a:r>
+              <a:rPr lang="de-DE" dirty="0" err="1">
+                <a:solidFill>
+                  <a:schemeClr val="tx1"/>
+                </a:solidFill>
+                <a:latin typeface="Menlo" panose="020B0609030804020204" pitchFamily="49" charset="0"/>
+              </a:rPr>
+              <a:t>filtsema</a:t>
+            </a:r>
+            <a:r>
+              <a:rPr lang="de-DE" dirty="0">
+                <a:solidFill>
+                  <a:srgbClr val="D4D4D4"/>
+                </a:solidFill>
+                <a:latin typeface="Menlo" panose="020B0609030804020204" pitchFamily="49" charset="0"/>
+              </a:rPr>
+              <a:t>);</a:t>
+            </a:r>
+          </a:p>
+          <a:p>
+            <a:pPr marL="0" indent="0">
+              <a:buNone/>
+            </a:pPr>
+            <a:endParaRPr lang="de-DE" dirty="0">
+              <a:solidFill>
+                <a:srgbClr val="D4D4D4"/>
+              </a:solidFill>
+              <a:latin typeface="Menlo" panose="020B0609030804020204" pitchFamily="49" charset="0"/>
+            </a:endParaRPr>
+          </a:p>
+          <a:p>
+            <a:pPr marL="0" indent="0">
+              <a:buNone/>
+            </a:pPr>
+            <a:r>
+              <a:rPr lang="de-DE" dirty="0">
+                <a:solidFill>
+                  <a:schemeClr val="tx1"/>
+                </a:solidFill>
+                <a:latin typeface="Menlo" panose="020B0609030804020204" pitchFamily="49" charset="0"/>
+              </a:rPr>
+              <a:t>„</a:t>
+            </a:r>
+            <a:r>
+              <a:rPr lang="de-DE" dirty="0" err="1">
+                <a:solidFill>
+                  <a:schemeClr val="tx1"/>
+                </a:solidFill>
+                <a:latin typeface="Menlo" panose="020B0609030804020204" pitchFamily="49" charset="0"/>
+              </a:rPr>
+              <a:t>Multiply</a:t>
+            </a:r>
+            <a:r>
+              <a:rPr lang="de-DE" dirty="0">
+                <a:solidFill>
+                  <a:schemeClr val="tx1"/>
+                </a:solidFill>
+                <a:latin typeface="Menlo" panose="020B0609030804020204" pitchFamily="49" charset="0"/>
+              </a:rPr>
+              <a:t> LQR </a:t>
+            </a:r>
+            <a:r>
+              <a:rPr lang="de-DE" dirty="0" err="1">
+                <a:solidFill>
+                  <a:schemeClr val="tx1"/>
+                </a:solidFill>
+                <a:latin typeface="Menlo" panose="020B0609030804020204" pitchFamily="49" charset="0"/>
+              </a:rPr>
+              <a:t>gain</a:t>
+            </a:r>
+            <a:r>
+              <a:rPr lang="de-DE" dirty="0">
+                <a:solidFill>
+                  <a:schemeClr val="tx1"/>
+                </a:solidFill>
+                <a:latin typeface="Menlo" panose="020B0609030804020204" pitchFamily="49" charset="0"/>
+              </a:rPr>
+              <a:t> </a:t>
+            </a:r>
+            <a:r>
+              <a:rPr lang="de-DE" dirty="0" err="1">
+                <a:solidFill>
+                  <a:schemeClr val="tx1"/>
+                </a:solidFill>
+                <a:latin typeface="Menlo" panose="020B0609030804020204" pitchFamily="49" charset="0"/>
+              </a:rPr>
+              <a:t>matrix</a:t>
+            </a:r>
+            <a:r>
+              <a:rPr lang="de-DE" dirty="0">
+                <a:solidFill>
+                  <a:schemeClr val="tx1"/>
+                </a:solidFill>
+                <a:latin typeface="Menlo" panose="020B0609030804020204" pitchFamily="49" charset="0"/>
+              </a:rPr>
+              <a:t> </a:t>
+            </a:r>
+            <a:r>
+              <a:rPr lang="de-DE" dirty="0" err="1">
+                <a:solidFill>
+                  <a:schemeClr val="tx1"/>
+                </a:solidFill>
+                <a:latin typeface="Menlo" panose="020B0609030804020204" pitchFamily="49" charset="0"/>
+              </a:rPr>
+              <a:t>with</a:t>
+            </a:r>
+            <a:r>
+              <a:rPr lang="de-DE" dirty="0">
+                <a:solidFill>
+                  <a:schemeClr val="tx1"/>
+                </a:solidFill>
+                <a:latin typeface="Menlo" panose="020B0609030804020204" pitchFamily="49" charset="0"/>
+              </a:rPr>
+              <a:t> </a:t>
+            </a:r>
+            <a:r>
+              <a:rPr lang="de-DE" dirty="0" err="1">
+                <a:solidFill>
+                  <a:schemeClr val="tx1"/>
+                </a:solidFill>
+                <a:latin typeface="Menlo" panose="020B0609030804020204" pitchFamily="49" charset="0"/>
+              </a:rPr>
+              <a:t>the</a:t>
+            </a:r>
+            <a:r>
+              <a:rPr lang="de-DE" dirty="0">
+                <a:solidFill>
+                  <a:schemeClr val="tx1"/>
+                </a:solidFill>
+                <a:latin typeface="Menlo" panose="020B0609030804020204" pitchFamily="49" charset="0"/>
+              </a:rPr>
+              <a:t> </a:t>
+            </a:r>
+            <a:r>
+              <a:rPr lang="de-DE" dirty="0" err="1">
+                <a:solidFill>
+                  <a:schemeClr val="tx1"/>
+                </a:solidFill>
+                <a:latin typeface="Menlo" panose="020B0609030804020204" pitchFamily="49" charset="0"/>
+              </a:rPr>
+              <a:t>calculated</a:t>
+            </a:r>
+            <a:r>
+              <a:rPr lang="de-DE" dirty="0">
+                <a:solidFill>
+                  <a:schemeClr val="tx1"/>
+                </a:solidFill>
+                <a:latin typeface="Menlo" panose="020B0609030804020204" pitchFamily="49" charset="0"/>
+              </a:rPr>
+              <a:t> </a:t>
+            </a:r>
+            <a:r>
+              <a:rPr lang="de-DE" dirty="0" err="1">
+                <a:solidFill>
+                  <a:schemeClr val="tx1"/>
+                </a:solidFill>
+                <a:latin typeface="Menlo" panose="020B0609030804020204" pitchFamily="49" charset="0"/>
+              </a:rPr>
+              <a:t>state</a:t>
+            </a:r>
+            <a:r>
+              <a:rPr lang="de-DE" dirty="0">
+                <a:solidFill>
+                  <a:schemeClr val="tx1"/>
+                </a:solidFill>
+                <a:latin typeface="Menlo" panose="020B0609030804020204" pitchFamily="49" charset="0"/>
+              </a:rPr>
+              <a:t>/</a:t>
+            </a:r>
+            <a:r>
+              <a:rPr lang="de-DE" dirty="0" err="1">
+                <a:solidFill>
+                  <a:schemeClr val="tx1"/>
+                </a:solidFill>
+                <a:latin typeface="Menlo" panose="020B0609030804020204" pitchFamily="49" charset="0"/>
+              </a:rPr>
+              <a:t>setpoint</a:t>
+            </a:r>
+            <a:r>
+              <a:rPr lang="de-DE" dirty="0">
+                <a:solidFill>
+                  <a:schemeClr val="tx1"/>
+                </a:solidFill>
+                <a:latin typeface="Menlo" panose="020B0609030804020204" pitchFamily="49" charset="0"/>
+              </a:rPr>
+              <a:t> </a:t>
+            </a:r>
+            <a:r>
+              <a:rPr lang="de-DE" dirty="0" err="1">
+                <a:solidFill>
+                  <a:schemeClr val="tx1"/>
+                </a:solidFill>
+                <a:latin typeface="Menlo" panose="020B0609030804020204" pitchFamily="49" charset="0"/>
+              </a:rPr>
+              <a:t>difference</a:t>
+            </a:r>
+            <a:r>
+              <a:rPr lang="de-DE" dirty="0">
+                <a:solidFill>
+                  <a:schemeClr val="tx1"/>
+                </a:solidFill>
+                <a:latin typeface="Menlo" panose="020B0609030804020204" pitchFamily="49" charset="0"/>
+              </a:rPr>
+              <a:t>“</a:t>
+            </a:r>
+            <a:r>
+              <a:rPr lang="de-DE" dirty="0">
+                <a:solidFill>
+                  <a:srgbClr val="D4D4D4"/>
+                </a:solidFill>
+                <a:latin typeface="Menlo" panose="020B0609030804020204" pitchFamily="49" charset="0"/>
+              </a:rPr>
+              <a:t>;</a:t>
+            </a:r>
+            <a:br>
+              <a:rPr lang="de-DE" dirty="0">
+                <a:solidFill>
+                  <a:srgbClr val="D4D4D4"/>
+                </a:solidFill>
+                <a:latin typeface="Menlo" panose="020B0609030804020204" pitchFamily="49" charset="0"/>
+              </a:rPr>
+            </a:br>
+            <a:endParaRPr lang="de-DE" dirty="0">
+              <a:solidFill>
+                <a:srgbClr val="D4D4D4"/>
+              </a:solidFill>
+              <a:latin typeface="Menlo" panose="020B0609030804020204" pitchFamily="49" charset="0"/>
+            </a:endParaRPr>
+          </a:p>
+          <a:p>
+            <a:pPr marL="0" indent="0">
+              <a:buNone/>
+            </a:pPr>
+            <a:r>
+              <a:rPr lang="de-DE" dirty="0">
+                <a:solidFill>
+                  <a:schemeClr val="tx1"/>
+                </a:solidFill>
+                <a:latin typeface="Menlo" panose="020B0609030804020204" pitchFamily="49" charset="0"/>
+              </a:rPr>
+              <a:t>„Add </a:t>
+            </a:r>
+            <a:r>
+              <a:rPr lang="de-DE" dirty="0" err="1">
+                <a:solidFill>
+                  <a:schemeClr val="tx1"/>
+                </a:solidFill>
+                <a:latin typeface="Menlo" panose="020B0609030804020204" pitchFamily="49" charset="0"/>
+              </a:rPr>
+              <a:t>base</a:t>
+            </a:r>
+            <a:r>
+              <a:rPr lang="de-DE" dirty="0">
+                <a:solidFill>
+                  <a:schemeClr val="tx1"/>
+                </a:solidFill>
+                <a:latin typeface="Menlo" panose="020B0609030804020204" pitchFamily="49" charset="0"/>
+              </a:rPr>
+              <a:t> </a:t>
+            </a:r>
+            <a:r>
+              <a:rPr lang="de-DE" dirty="0" err="1">
+                <a:solidFill>
+                  <a:schemeClr val="tx1"/>
+                </a:solidFill>
+                <a:latin typeface="Menlo" panose="020B0609030804020204" pitchFamily="49" charset="0"/>
+              </a:rPr>
+              <a:t>thrust</a:t>
+            </a:r>
+            <a:r>
+              <a:rPr lang="de-DE" dirty="0">
+                <a:solidFill>
+                  <a:schemeClr val="tx1"/>
+                </a:solidFill>
+                <a:latin typeface="Menlo" panose="020B0609030804020204" pitchFamily="49" charset="0"/>
+              </a:rPr>
+              <a:t> </a:t>
+            </a:r>
+            <a:r>
+              <a:rPr lang="de-DE" dirty="0" err="1">
+                <a:solidFill>
+                  <a:schemeClr val="tx1"/>
+                </a:solidFill>
+                <a:latin typeface="Menlo" panose="020B0609030804020204" pitchFamily="49" charset="0"/>
+              </a:rPr>
+              <a:t>to</a:t>
+            </a:r>
+            <a:r>
+              <a:rPr lang="de-DE" dirty="0">
+                <a:solidFill>
+                  <a:schemeClr val="tx1"/>
+                </a:solidFill>
+                <a:latin typeface="Menlo" panose="020B0609030804020204" pitchFamily="49" charset="0"/>
+              </a:rPr>
+              <a:t> </a:t>
+            </a:r>
+            <a:r>
+              <a:rPr lang="de-DE" dirty="0" err="1">
+                <a:solidFill>
+                  <a:schemeClr val="tx1"/>
+                </a:solidFill>
+                <a:latin typeface="Menlo" panose="020B0609030804020204" pitchFamily="49" charset="0"/>
+              </a:rPr>
+              <a:t>values</a:t>
+            </a:r>
+            <a:r>
+              <a:rPr lang="de-DE" dirty="0">
+                <a:solidFill>
+                  <a:schemeClr val="tx1"/>
+                </a:solidFill>
+                <a:latin typeface="Menlo" panose="020B0609030804020204" pitchFamily="49" charset="0"/>
+              </a:rPr>
+              <a:t>“</a:t>
+            </a:r>
+            <a:r>
+              <a:rPr lang="de-DE" dirty="0">
+                <a:solidFill>
+                  <a:srgbClr val="D4D4D4"/>
+                </a:solidFill>
+                <a:latin typeface="Menlo" panose="020B0609030804020204" pitchFamily="49" charset="0"/>
+              </a:rPr>
+              <a:t>;</a:t>
+            </a:r>
+            <a:endParaRPr lang="de-DE" dirty="0">
+              <a:solidFill>
+                <a:schemeClr val="tx1"/>
+              </a:solidFill>
+              <a:latin typeface="Menlo" panose="020B0609030804020204" pitchFamily="49" charset="0"/>
+            </a:endParaRPr>
+          </a:p>
+          <a:p>
+            <a:pPr marL="0" indent="0">
+              <a:buNone/>
+            </a:pPr>
+            <a:r>
+              <a:rPr lang="de-DE" dirty="0" err="1">
+                <a:solidFill>
+                  <a:srgbClr val="DCDCAA"/>
+                </a:solidFill>
+                <a:latin typeface="Menlo" panose="020B0609030804020204" pitchFamily="49" charset="0"/>
+              </a:rPr>
+              <a:t>xSemaphoreGive</a:t>
+            </a:r>
+            <a:r>
+              <a:rPr lang="de-DE" dirty="0">
+                <a:solidFill>
+                  <a:srgbClr val="D4D4D4"/>
+                </a:solidFill>
+                <a:latin typeface="Menlo" panose="020B0609030804020204" pitchFamily="49" charset="0"/>
+              </a:rPr>
+              <a:t>(</a:t>
+            </a:r>
+            <a:r>
+              <a:rPr lang="de-DE" dirty="0" err="1">
+                <a:solidFill>
+                  <a:schemeClr val="tx1"/>
+                </a:solidFill>
+                <a:latin typeface="Menlo" panose="020B0609030804020204" pitchFamily="49" charset="0"/>
+              </a:rPr>
+              <a:t>setsema</a:t>
+            </a:r>
+            <a:r>
+              <a:rPr lang="de-DE" dirty="0">
+                <a:solidFill>
+                  <a:srgbClr val="D4D4D4"/>
+                </a:solidFill>
+                <a:latin typeface="Menlo" panose="020B0609030804020204" pitchFamily="49" charset="0"/>
+              </a:rPr>
+              <a:t>);</a:t>
+            </a:r>
+          </a:p>
+          <a:p>
+            <a:pPr marL="0" indent="0">
+              <a:buNone/>
+            </a:pPr>
+            <a:r>
+              <a:rPr lang="de-DE" dirty="0">
+                <a:solidFill>
+                  <a:schemeClr val="tx1"/>
+                </a:solidFill>
+                <a:latin typeface="Menlo" panose="020B0609030804020204" pitchFamily="49" charset="0"/>
+              </a:rPr>
+              <a:t>„</a:t>
+            </a:r>
+            <a:r>
+              <a:rPr lang="de-DE" dirty="0" err="1">
+                <a:solidFill>
+                  <a:schemeClr val="tx1"/>
+                </a:solidFill>
+                <a:latin typeface="Menlo" panose="020B0609030804020204" pitchFamily="49" charset="0"/>
+              </a:rPr>
+              <a:t>Conversion</a:t>
+            </a:r>
+            <a:r>
+              <a:rPr lang="de-DE" dirty="0">
+                <a:solidFill>
+                  <a:schemeClr val="tx1"/>
+                </a:solidFill>
+                <a:latin typeface="Menlo" panose="020B0609030804020204" pitchFamily="49" charset="0"/>
+              </a:rPr>
+              <a:t> </a:t>
+            </a:r>
+            <a:r>
+              <a:rPr lang="de-DE" dirty="0" err="1">
+                <a:solidFill>
+                  <a:schemeClr val="tx1"/>
+                </a:solidFill>
+                <a:latin typeface="Menlo" panose="020B0609030804020204" pitchFamily="49" charset="0"/>
+              </a:rPr>
+              <a:t>to</a:t>
+            </a:r>
+            <a:r>
+              <a:rPr lang="de-DE" dirty="0">
+                <a:solidFill>
+                  <a:schemeClr val="tx1"/>
+                </a:solidFill>
+                <a:latin typeface="Menlo" panose="020B0609030804020204" pitchFamily="49" charset="0"/>
+              </a:rPr>
+              <a:t> uint16_t“</a:t>
+            </a:r>
+            <a:r>
+              <a:rPr lang="de-DE" dirty="0">
+                <a:solidFill>
+                  <a:srgbClr val="D4D4D4"/>
+                </a:solidFill>
+                <a:latin typeface="Menlo" panose="020B0609030804020204" pitchFamily="49" charset="0"/>
+              </a:rPr>
+              <a:t>;</a:t>
+            </a:r>
+            <a:endParaRPr lang="de-DE" dirty="0">
+              <a:solidFill>
+                <a:schemeClr val="tx1"/>
+              </a:solidFill>
+              <a:latin typeface="Menlo" panose="020B0609030804020204" pitchFamily="49" charset="0"/>
+            </a:endParaRPr>
+          </a:p>
+          <a:p>
+            <a:pPr marL="0" indent="0">
+              <a:buNone/>
+            </a:pPr>
+            <a:endParaRPr lang="de-DE" dirty="0">
+              <a:solidFill>
+                <a:srgbClr val="D4D4D4"/>
+              </a:solidFill>
+              <a:latin typeface="Menlo" panose="020B0609030804020204" pitchFamily="49" charset="0"/>
+            </a:endParaRPr>
+          </a:p>
+        </p:txBody>
+      </p:sp>
+    </p:spTree>
+    <p:extLst>
+      <p:ext uri="{BB962C8B-B14F-4D97-AF65-F5344CB8AC3E}">
+        <p14:creationId xmlns:p14="http://schemas.microsoft.com/office/powerpoint/2010/main" val="3382581039"/>
+      </p:ext>
+    </p:extLst>
+  </p:cSld>
+  <p:clrMapOvr>
+    <a:masterClrMapping/>
+  </p:clrMapOvr>
+</p:sld>
+</file>
+
+<file path=ppt/slides/slide12.xml><?xml version="1.0" encoding="utf-8"?>
+<p:sld xmlns:a="http://schemas.openxmlformats.org/drawingml/2006/main" xmlns:r="http://schemas.openxmlformats.org/officeDocument/2006/relationships" xmlns:p="http://schemas.openxmlformats.org/presentationml/2006/main">
+  <p:cSld>
     <p:bg>
       <p:bgPr>
         <a:solidFill>
@@ -3282,7 +4402,7 @@
 </p:sld>
 </file>
 
-<file path=ppt/slides/slide11.xml><?xml version="1.0" encoding="utf-8"?>
+<file path=ppt/slides/slide13.xml><?xml version="1.0" encoding="utf-8"?>
 <p:sld xmlns:a="http://schemas.openxmlformats.org/drawingml/2006/main" xmlns:r="http://schemas.openxmlformats.org/officeDocument/2006/relationships" xmlns:p="http://schemas.openxmlformats.org/presentationml/2006/main">
   <p:cSld>
     <p:bg>
@@ -3542,31 +4662,35 @@
           <a:chExt cx="0" cy="0"/>
         </a:xfrm>
       </p:grpSpPr>
-      <p:sp>
-        <p:nvSpPr>
-          <p:cNvPr id="3" name="Inhaltsplatzhalter 2">
+      <p:pic>
+        <p:nvPicPr>
+          <p:cNvPr id="4" name="Platshållare för innehåll 3" descr="En bild som visar objekt&#10;&#10;Automatiskt genererad beskrivning">
             <a:extLst>
               <a:ext uri="{FF2B5EF4-FFF2-40B4-BE49-F238E27FC236}">
-                <a16:creationId xmlns:a16="http://schemas.microsoft.com/office/drawing/2014/main" id="{3DE16188-EA93-D746-82C7-F62AED9A51D2}"/>
+                <a16:creationId xmlns:a16="http://schemas.microsoft.com/office/drawing/2014/main" id="{326ED907-429E-414A-B1B1-1C40C5C27237}"/>
               </a:ext>
             </a:extLst>
           </p:cNvPr>
-          <p:cNvSpPr>
-            <a:spLocks noGrp="1"/>
-          </p:cNvSpPr>
+          <p:cNvPicPr>
+            <a:picLocks noGrp="1" noChangeAspect="1"/>
+          </p:cNvPicPr>
           <p:nvPr>
             <p:ph idx="1"/>
           </p:nvPr>
-        </p:nvSpPr>
-        <p:spPr/>
-        <p:txBody>
-          <a:bodyPr/>
-          <a:lstStyle/>
-          <a:p>
-            <a:endParaRPr lang="de-DE"/>
-          </a:p>
-        </p:txBody>
-      </p:sp>
+        </p:nvPicPr>
+        <p:blipFill>
+          <a:blip r:embed="rId2"/>
+          <a:stretch>
+            <a:fillRect/>
+          </a:stretch>
+        </p:blipFill>
+        <p:spPr>
+          <a:xfrm>
+            <a:off x="386936" y="2809398"/>
+            <a:ext cx="3688400" cy="1005927"/>
+          </a:xfrm>
+        </p:spPr>
+      </p:pic>
       <p:sp>
         <p:nvSpPr>
           <p:cNvPr id="5" name="Titel 4">
@@ -3592,43 +4716,131 @@
           <a:p>
             <a:r>
               <a:rPr lang="de-DE" dirty="0"/>
-              <a:t>Modeling </a:t>
-            </a:r>
-            <a:r>
-              <a:rPr lang="de-DE" dirty="0" err="1"/>
-              <a:t>and</a:t>
-            </a:r>
-            <a:r>
-              <a:rPr lang="de-DE" dirty="0"/>
-              <a:t> </a:t>
-            </a:r>
-            <a:r>
-              <a:rPr lang="de-DE" dirty="0" err="1"/>
-              <a:t>simulation</a:t>
-            </a:r>
-            <a:r>
-              <a:rPr lang="de-DE" dirty="0"/>
-              <a:t> </a:t>
-            </a:r>
-            <a:r>
-              <a:rPr lang="de-DE" dirty="0" err="1"/>
-              <a:t>of</a:t>
-            </a:r>
-            <a:r>
-              <a:rPr lang="de-DE" dirty="0"/>
-              <a:t> </a:t>
-            </a:r>
-            <a:r>
-              <a:rPr lang="de-DE" dirty="0" err="1"/>
-              <a:t>the</a:t>
-            </a:r>
-            <a:r>
-              <a:rPr lang="de-DE" dirty="0"/>
-              <a:t> plant</a:t>
-            </a:r>
-          </a:p>
-        </p:txBody>
-      </p:sp>
+              <a:t>Modeling of the plant</a:t>
+            </a:r>
+          </a:p>
+        </p:txBody>
+      </p:sp>
+      <p:pic>
+        <p:nvPicPr>
+          <p:cNvPr id="7" name="Bildobjekt 6" descr="En bild som visar objekt&#10;&#10;Automatiskt genererad beskrivning">
+            <a:extLst>
+              <a:ext uri="{FF2B5EF4-FFF2-40B4-BE49-F238E27FC236}">
+                <a16:creationId xmlns:a16="http://schemas.microsoft.com/office/drawing/2014/main" id="{14BCBD39-B1E5-4B96-85A2-E170FC6EAB9D}"/>
+              </a:ext>
+            </a:extLst>
+          </p:cNvPr>
+          <p:cNvPicPr>
+            <a:picLocks noChangeAspect="1"/>
+          </p:cNvPicPr>
+          <p:nvPr/>
+        </p:nvPicPr>
+        <p:blipFill>
+          <a:blip r:embed="rId3"/>
+          <a:stretch>
+            <a:fillRect/>
+          </a:stretch>
+        </p:blipFill>
+        <p:spPr>
+          <a:xfrm>
+            <a:off x="386936" y="4051565"/>
+            <a:ext cx="2088061" cy="472481"/>
+          </a:xfrm>
+          <a:prstGeom prst="rect">
+            <a:avLst/>
+          </a:prstGeom>
+        </p:spPr>
+      </p:pic>
+      <p:pic>
+        <p:nvPicPr>
+          <p:cNvPr id="9" name="Bildobjekt 8" descr="En bild som visar objekt&#10;&#10;Automatiskt genererad beskrivning">
+            <a:extLst>
+              <a:ext uri="{FF2B5EF4-FFF2-40B4-BE49-F238E27FC236}">
+                <a16:creationId xmlns:a16="http://schemas.microsoft.com/office/drawing/2014/main" id="{8A4BE988-E8B1-46F2-9962-0852213312A0}"/>
+              </a:ext>
+            </a:extLst>
+          </p:cNvPr>
+          <p:cNvPicPr>
+            <a:picLocks noChangeAspect="1"/>
+          </p:cNvPicPr>
+          <p:nvPr/>
+        </p:nvPicPr>
+        <p:blipFill>
+          <a:blip r:embed="rId4"/>
+          <a:stretch>
+            <a:fillRect/>
+          </a:stretch>
+        </p:blipFill>
+        <p:spPr>
+          <a:xfrm>
+            <a:off x="6585726" y="4071747"/>
+            <a:ext cx="1104996" cy="495343"/>
+          </a:xfrm>
+          <a:prstGeom prst="rect">
+            <a:avLst/>
+          </a:prstGeom>
+        </p:spPr>
+      </p:pic>
+      <p:pic>
+        <p:nvPicPr>
+          <p:cNvPr id="11" name="Bildobjekt 10">
+            <a:extLst>
+              <a:ext uri="{FF2B5EF4-FFF2-40B4-BE49-F238E27FC236}">
+                <a16:creationId xmlns:a16="http://schemas.microsoft.com/office/drawing/2014/main" id="{5DAFA192-CC7D-43D2-90A1-C1C4015328E2}"/>
+              </a:ext>
+            </a:extLst>
+          </p:cNvPr>
+          <p:cNvPicPr>
+            <a:picLocks noChangeAspect="1"/>
+          </p:cNvPicPr>
+          <p:nvPr/>
+        </p:nvPicPr>
+        <p:blipFill>
+          <a:blip r:embed="rId5"/>
+          <a:stretch>
+            <a:fillRect/>
+          </a:stretch>
+        </p:blipFill>
+        <p:spPr>
+          <a:xfrm>
+            <a:off x="6585726" y="2451227"/>
+            <a:ext cx="4595258" cy="1364098"/>
+          </a:xfrm>
+          <a:prstGeom prst="rect">
+            <a:avLst/>
+          </a:prstGeom>
+        </p:spPr>
+      </p:pic>
+      <p:pic>
+        <p:nvPicPr>
+          <p:cNvPr id="13" name="Bildobjekt 12">
+            <a:extLst>
+              <a:ext uri="{FF2B5EF4-FFF2-40B4-BE49-F238E27FC236}">
+                <a16:creationId xmlns:a16="http://schemas.microsoft.com/office/drawing/2014/main" id="{70170B49-0658-42C3-94F4-B798DEF05585}"/>
+              </a:ext>
+            </a:extLst>
+          </p:cNvPr>
+          <p:cNvPicPr>
+            <a:picLocks noChangeAspect="1"/>
+          </p:cNvPicPr>
+          <p:nvPr/>
+        </p:nvPicPr>
+        <p:blipFill>
+          <a:blip r:embed="rId6"/>
+          <a:stretch>
+            <a:fillRect/>
+          </a:stretch>
+        </p:blipFill>
+        <p:spPr>
+          <a:xfrm>
+            <a:off x="6585726" y="4894383"/>
+            <a:ext cx="1021168" cy="457240"/>
+          </a:xfrm>
+          <a:prstGeom prst="rect">
+            <a:avLst/>
+          </a:prstGeom>
+        </p:spPr>
+      </p:pic>
     </p:spTree>
     <p:extLst>
       <p:ext uri="{BB962C8B-B14F-4D97-AF65-F5344CB8AC3E}">
@@ -3675,56 +4887,52 @@
             <p:ph type="title"/>
           </p:nvPr>
         </p:nvSpPr>
-        <p:spPr/>
+        <p:spPr>
+          <a:xfrm>
+            <a:off x="2231136" y="370332"/>
+            <a:ext cx="7729728" cy="1188720"/>
+          </a:xfrm>
+        </p:spPr>
         <p:txBody>
           <a:bodyPr/>
           <a:lstStyle/>
           <a:p>
             <a:r>
               <a:rPr lang="de-DE" dirty="0"/>
-              <a:t>Evaluation </a:t>
-            </a:r>
-            <a:r>
-              <a:rPr lang="de-DE" dirty="0" err="1"/>
-              <a:t>of</a:t>
-            </a:r>
-            <a:r>
-              <a:rPr lang="de-DE" dirty="0"/>
-              <a:t> Simulink </a:t>
-            </a:r>
-            <a:r>
-              <a:rPr lang="de-DE" dirty="0" err="1"/>
-              <a:t>model</a:t>
-            </a:r>
-            <a:endParaRPr lang="de-DE" dirty="0"/>
-          </a:p>
-        </p:txBody>
-      </p:sp>
-      <p:sp>
-        <p:nvSpPr>
-          <p:cNvPr id="3" name="Inhaltsplatzhalter 2">
+              <a:t>Linear analysis toolbox</a:t>
+            </a:r>
+          </a:p>
+        </p:txBody>
+      </p:sp>
+      <p:pic>
+        <p:nvPicPr>
+          <p:cNvPr id="5" name="Platshållare för innehåll 4" descr="En bild som visar skärmbild&#10;&#10;Automatiskt genererad beskrivning">
             <a:extLst>
               <a:ext uri="{FF2B5EF4-FFF2-40B4-BE49-F238E27FC236}">
-                <a16:creationId xmlns:a16="http://schemas.microsoft.com/office/drawing/2014/main" id="{41CD9931-9B14-B340-90F8-1D80A3A4EAF0}"/>
+                <a16:creationId xmlns:a16="http://schemas.microsoft.com/office/drawing/2014/main" id="{DD166225-92FC-4E4D-B500-6D3924ECE0E2}"/>
               </a:ext>
             </a:extLst>
           </p:cNvPr>
-          <p:cNvSpPr>
-            <a:spLocks noGrp="1"/>
-          </p:cNvSpPr>
+          <p:cNvPicPr>
+            <a:picLocks noGrp="1" noChangeAspect="1"/>
+          </p:cNvPicPr>
           <p:nvPr>
             <p:ph idx="1"/>
           </p:nvPr>
-        </p:nvSpPr>
-        <p:spPr/>
-        <p:txBody>
-          <a:bodyPr/>
-          <a:lstStyle/>
-          <a:p>
-            <a:endParaRPr lang="de-DE" dirty="0"/>
-          </a:p>
-        </p:txBody>
-      </p:sp>
+        </p:nvPicPr>
+        <p:blipFill>
+          <a:blip r:embed="rId2"/>
+          <a:stretch>
+            <a:fillRect/>
+          </a:stretch>
+        </p:blipFill>
+        <p:spPr>
+          <a:xfrm>
+            <a:off x="397435" y="1944851"/>
+            <a:ext cx="11397129" cy="4542817"/>
+          </a:xfrm>
+        </p:spPr>
+      </p:pic>
     </p:spTree>
     <p:extLst>
       <p:ext uri="{BB962C8B-B14F-4D97-AF65-F5344CB8AC3E}">
@@ -3757,10 +4965,10 @@
       </p:grpSpPr>
       <p:sp>
         <p:nvSpPr>
-          <p:cNvPr id="2" name="Titel 1">
+          <p:cNvPr id="2" name="Rubrik 1">
             <a:extLst>
               <a:ext uri="{FF2B5EF4-FFF2-40B4-BE49-F238E27FC236}">
-                <a16:creationId xmlns:a16="http://schemas.microsoft.com/office/drawing/2014/main" id="{BA3027A2-7564-7A4F-B4F8-5EF3DF79167E}"/>
+                <a16:creationId xmlns:a16="http://schemas.microsoft.com/office/drawing/2014/main" id="{D41F9850-D511-4FED-8E9C-DFAF71B9CF9C}"/>
               </a:ext>
             </a:extLst>
           </p:cNvPr>
@@ -3777,437 +4985,136 @@
           <a:lstStyle/>
           <a:p>
             <a:r>
-              <a:rPr lang="de-DE" dirty="0"/>
-              <a:t>C-code </a:t>
-            </a:r>
-            <a:r>
-              <a:rPr lang="de-DE" dirty="0" err="1"/>
-              <a:t>implementation</a:t>
-            </a:r>
-            <a:br>
-              <a:rPr lang="de-DE" dirty="0"/>
-            </a:br>
-            <a:r>
-              <a:rPr lang="de-DE" dirty="0"/>
-              <a:t>- State </a:t>
-            </a:r>
-            <a:r>
-              <a:rPr lang="de-DE" dirty="0" err="1"/>
-              <a:t>vector</a:t>
-            </a:r>
-            <a:r>
-              <a:rPr lang="de-DE" dirty="0"/>
-              <a:t> -</a:t>
-            </a:r>
-          </a:p>
-        </p:txBody>
-      </p:sp>
-      <p:sp>
-        <p:nvSpPr>
-          <p:cNvPr id="3" name="Inhaltsplatzhalter 2">
+              <a:rPr lang="sv-SE" dirty="0" err="1"/>
+              <a:t>Linearization</a:t>
+            </a:r>
+            <a:endParaRPr lang="sv-SE" dirty="0"/>
+          </a:p>
+        </p:txBody>
+      </p:sp>
+      <p:pic>
+        <p:nvPicPr>
+          <p:cNvPr id="5" name="Platshållare för innehåll 4" descr="En bild som visar visar&#10;&#10;Automatiskt genererad beskrivning">
             <a:extLst>
               <a:ext uri="{FF2B5EF4-FFF2-40B4-BE49-F238E27FC236}">
-                <a16:creationId xmlns:a16="http://schemas.microsoft.com/office/drawing/2014/main" id="{5883414A-B3A6-BE40-8248-C6206154A4F0}"/>
+                <a16:creationId xmlns:a16="http://schemas.microsoft.com/office/drawing/2014/main" id="{259B6FDA-F709-4841-B671-DCDC6FBDF436}"/>
               </a:ext>
             </a:extLst>
           </p:cNvPr>
-          <p:cNvSpPr>
-            <a:spLocks noGrp="1"/>
-          </p:cNvSpPr>
+          <p:cNvPicPr>
+            <a:picLocks noGrp="1" noChangeAspect="1"/>
+          </p:cNvPicPr>
           <p:nvPr>
             <p:ph idx="1"/>
           </p:nvPr>
-        </p:nvSpPr>
-        <p:spPr/>
-        <p:txBody>
-          <a:bodyPr>
-            <a:normAutofit fontScale="92500" lnSpcReduction="10000"/>
-          </a:bodyPr>
-          <a:lstStyle/>
-          <a:p>
-            <a:pPr marL="0" indent="0">
-              <a:buNone/>
-            </a:pPr>
-            <a:r>
-              <a:rPr lang="de-DE" dirty="0">
-                <a:solidFill>
-                  <a:srgbClr val="569CD6"/>
-                </a:solidFill>
-                <a:latin typeface="Menlo" panose="020B0609030804020204" pitchFamily="49" charset="0"/>
-              </a:rPr>
-              <a:t>volatile</a:t>
-            </a:r>
-            <a:r>
-              <a:rPr lang="de-DE" dirty="0">
-                <a:solidFill>
-                  <a:srgbClr val="D4D4D4"/>
-                </a:solidFill>
-                <a:latin typeface="Menlo" panose="020B0609030804020204" pitchFamily="49" charset="0"/>
-              </a:rPr>
-              <a:t> </a:t>
-            </a:r>
-            <a:r>
-              <a:rPr lang="de-DE" dirty="0" err="1">
-                <a:solidFill>
-                  <a:srgbClr val="569CD6"/>
-                </a:solidFill>
-                <a:latin typeface="Menlo" panose="020B0609030804020204" pitchFamily="49" charset="0"/>
-              </a:rPr>
-              <a:t>struct</a:t>
-            </a:r>
-            <a:r>
-              <a:rPr lang="de-DE" dirty="0">
-                <a:solidFill>
-                  <a:srgbClr val="D4D4D4"/>
-                </a:solidFill>
-                <a:latin typeface="Menlo" panose="020B0609030804020204" pitchFamily="49" charset="0"/>
-              </a:rPr>
-              <a:t> {</a:t>
-            </a:r>
-          </a:p>
-          <a:p>
-            <a:pPr marL="0" indent="0">
-              <a:buNone/>
-            </a:pPr>
-            <a:r>
-              <a:rPr lang="de-DE" dirty="0">
-                <a:solidFill>
-                  <a:srgbClr val="6A9955"/>
-                </a:solidFill>
-                <a:latin typeface="Menlo" panose="020B0609030804020204" pitchFamily="49" charset="0"/>
-              </a:rPr>
-              <a:t>// </a:t>
-            </a:r>
-            <a:r>
-              <a:rPr lang="de-DE" dirty="0" err="1">
-                <a:solidFill>
-                  <a:srgbClr val="6A9955"/>
-                </a:solidFill>
-                <a:latin typeface="Menlo" panose="020B0609030804020204" pitchFamily="49" charset="0"/>
-              </a:rPr>
-              <a:t>angles</a:t>
-            </a:r>
-            <a:r>
-              <a:rPr lang="de-DE" dirty="0">
-                <a:solidFill>
-                  <a:srgbClr val="6A9955"/>
-                </a:solidFill>
-                <a:latin typeface="Menlo" panose="020B0609030804020204" pitchFamily="49" charset="0"/>
-              </a:rPr>
-              <a:t> - </a:t>
-            </a:r>
-            <a:r>
-              <a:rPr lang="de-DE" dirty="0" err="1">
-                <a:solidFill>
-                  <a:srgbClr val="6A9955"/>
-                </a:solidFill>
-                <a:latin typeface="Menlo" panose="020B0609030804020204" pitchFamily="49" charset="0"/>
-              </a:rPr>
-              <a:t>degree</a:t>
-            </a:r>
-            <a:endParaRPr lang="de-DE" dirty="0">
-              <a:solidFill>
-                <a:srgbClr val="D4D4D4"/>
-              </a:solidFill>
-              <a:latin typeface="Menlo" panose="020B0609030804020204" pitchFamily="49" charset="0"/>
-            </a:endParaRPr>
-          </a:p>
-          <a:p>
-            <a:pPr marL="228600" lvl="1" indent="0">
-              <a:buNone/>
-            </a:pPr>
-            <a:r>
-              <a:rPr lang="de-DE" dirty="0" err="1">
-                <a:solidFill>
-                  <a:srgbClr val="569CD6"/>
-                </a:solidFill>
-                <a:latin typeface="Menlo" panose="020B0609030804020204" pitchFamily="49" charset="0"/>
-              </a:rPr>
-              <a:t>float</a:t>
-            </a:r>
-            <a:r>
-              <a:rPr lang="de-DE" dirty="0">
-                <a:solidFill>
-                  <a:srgbClr val="D4D4D4"/>
-                </a:solidFill>
-                <a:latin typeface="Menlo" panose="020B0609030804020204" pitchFamily="49" charset="0"/>
-              </a:rPr>
-              <a:t> </a:t>
-            </a:r>
-            <a:r>
-              <a:rPr lang="de-DE" dirty="0">
-                <a:solidFill>
-                  <a:schemeClr val="tx1"/>
-                </a:solidFill>
-                <a:latin typeface="Menlo" panose="020B0609030804020204" pitchFamily="49" charset="0"/>
-              </a:rPr>
-              <a:t>roll;</a:t>
-            </a:r>
-          </a:p>
-          <a:p>
-            <a:pPr marL="228600" lvl="1" indent="0">
-              <a:buNone/>
-            </a:pPr>
-            <a:r>
-              <a:rPr lang="de-DE" dirty="0" err="1">
-                <a:solidFill>
-                  <a:srgbClr val="569CD6"/>
-                </a:solidFill>
-                <a:latin typeface="Menlo" panose="020B0609030804020204" pitchFamily="49" charset="0"/>
-              </a:rPr>
-              <a:t>float</a:t>
-            </a:r>
-            <a:r>
-              <a:rPr lang="de-DE" dirty="0">
-                <a:solidFill>
-                  <a:srgbClr val="D4D4D4"/>
-                </a:solidFill>
-                <a:latin typeface="Menlo" panose="020B0609030804020204" pitchFamily="49" charset="0"/>
-              </a:rPr>
-              <a:t> </a:t>
-            </a:r>
-            <a:r>
-              <a:rPr lang="de-DE" dirty="0" err="1">
-                <a:solidFill>
-                  <a:schemeClr val="tx1"/>
-                </a:solidFill>
-                <a:latin typeface="Menlo" panose="020B0609030804020204" pitchFamily="49" charset="0"/>
-              </a:rPr>
-              <a:t>pitch</a:t>
-            </a:r>
-            <a:r>
-              <a:rPr lang="de-DE" dirty="0">
-                <a:solidFill>
-                  <a:schemeClr val="tx1"/>
-                </a:solidFill>
-                <a:latin typeface="Menlo" panose="020B0609030804020204" pitchFamily="49" charset="0"/>
-              </a:rPr>
-              <a:t>;</a:t>
-            </a:r>
-          </a:p>
-          <a:p>
-            <a:pPr marL="0" indent="0">
-              <a:buNone/>
-            </a:pPr>
-            <a:r>
-              <a:rPr lang="de-DE" dirty="0">
-                <a:solidFill>
-                  <a:srgbClr val="6A9955"/>
-                </a:solidFill>
-                <a:latin typeface="Menlo" panose="020B0609030804020204" pitchFamily="49" charset="0"/>
-              </a:rPr>
-              <a:t>// angular </a:t>
-            </a:r>
-            <a:r>
-              <a:rPr lang="de-DE" dirty="0" err="1">
-                <a:solidFill>
-                  <a:srgbClr val="6A9955"/>
-                </a:solidFill>
-                <a:latin typeface="Menlo" panose="020B0609030804020204" pitchFamily="49" charset="0"/>
-              </a:rPr>
-              <a:t>velocity</a:t>
-            </a:r>
-            <a:r>
-              <a:rPr lang="de-DE" dirty="0">
-                <a:solidFill>
-                  <a:srgbClr val="6A9955"/>
-                </a:solidFill>
-                <a:latin typeface="Menlo" panose="020B0609030804020204" pitchFamily="49" charset="0"/>
-              </a:rPr>
-              <a:t> - </a:t>
-            </a:r>
-            <a:r>
-              <a:rPr lang="de-DE" dirty="0" err="1">
-                <a:solidFill>
-                  <a:srgbClr val="6A9955"/>
-                </a:solidFill>
-                <a:latin typeface="Menlo" panose="020B0609030804020204" pitchFamily="49" charset="0"/>
-              </a:rPr>
-              <a:t>degree</a:t>
-            </a:r>
-            <a:r>
-              <a:rPr lang="de-DE" dirty="0">
-                <a:solidFill>
-                  <a:srgbClr val="6A9955"/>
-                </a:solidFill>
-                <a:latin typeface="Menlo" panose="020B0609030804020204" pitchFamily="49" charset="0"/>
-              </a:rPr>
-              <a:t> / sec</a:t>
-            </a:r>
-            <a:endParaRPr lang="de-DE" dirty="0">
-              <a:solidFill>
-                <a:srgbClr val="D4D4D4"/>
-              </a:solidFill>
-              <a:latin typeface="Menlo" panose="020B0609030804020204" pitchFamily="49" charset="0"/>
-            </a:endParaRPr>
-          </a:p>
-          <a:p>
-            <a:pPr marL="228600" lvl="1" indent="0">
-              <a:buNone/>
-            </a:pPr>
-            <a:r>
-              <a:rPr lang="de-DE" dirty="0" err="1">
-                <a:solidFill>
-                  <a:srgbClr val="569CD6"/>
-                </a:solidFill>
-                <a:latin typeface="Menlo" panose="020B0609030804020204" pitchFamily="49" charset="0"/>
-              </a:rPr>
-              <a:t>float</a:t>
-            </a:r>
-            <a:r>
-              <a:rPr lang="de-DE" dirty="0">
-                <a:solidFill>
-                  <a:srgbClr val="D4D4D4"/>
-                </a:solidFill>
-                <a:latin typeface="Menlo" panose="020B0609030804020204" pitchFamily="49" charset="0"/>
-              </a:rPr>
-              <a:t> </a:t>
-            </a:r>
-            <a:r>
-              <a:rPr lang="de-DE" dirty="0" err="1">
-                <a:solidFill>
-                  <a:schemeClr val="tx1"/>
-                </a:solidFill>
-                <a:latin typeface="Menlo" panose="020B0609030804020204" pitchFamily="49" charset="0"/>
-              </a:rPr>
-              <a:t>rateRoll</a:t>
-            </a:r>
-            <a:r>
-              <a:rPr lang="de-DE" dirty="0">
-                <a:solidFill>
-                  <a:schemeClr val="tx1"/>
-                </a:solidFill>
-                <a:latin typeface="Menlo" panose="020B0609030804020204" pitchFamily="49" charset="0"/>
-              </a:rPr>
-              <a:t>;</a:t>
-            </a:r>
-          </a:p>
-          <a:p>
-            <a:pPr marL="228600" lvl="1" indent="0">
-              <a:buNone/>
-            </a:pPr>
-            <a:r>
-              <a:rPr lang="de-DE" dirty="0" err="1">
-                <a:solidFill>
-                  <a:srgbClr val="569CD6"/>
-                </a:solidFill>
-                <a:latin typeface="Menlo" panose="020B0609030804020204" pitchFamily="49" charset="0"/>
-              </a:rPr>
-              <a:t>float</a:t>
-            </a:r>
-            <a:r>
-              <a:rPr lang="de-DE" dirty="0">
-                <a:solidFill>
-                  <a:srgbClr val="569CD6"/>
-                </a:solidFill>
-                <a:latin typeface="Menlo" panose="020B0609030804020204" pitchFamily="49" charset="0"/>
-              </a:rPr>
-              <a:t> </a:t>
-            </a:r>
-            <a:r>
-              <a:rPr lang="de-DE" dirty="0" err="1">
-                <a:solidFill>
-                  <a:schemeClr val="tx1"/>
-                </a:solidFill>
-                <a:latin typeface="Menlo" panose="020B0609030804020204" pitchFamily="49" charset="0"/>
-              </a:rPr>
-              <a:t>ratePitch</a:t>
-            </a:r>
-            <a:r>
-              <a:rPr lang="de-DE" dirty="0">
-                <a:solidFill>
-                  <a:schemeClr val="tx1"/>
-                </a:solidFill>
-                <a:latin typeface="Menlo" panose="020B0609030804020204" pitchFamily="49" charset="0"/>
-              </a:rPr>
-              <a:t>;</a:t>
-            </a:r>
-          </a:p>
-          <a:p>
-            <a:pPr marL="228600" lvl="1" indent="0">
-              <a:buNone/>
-            </a:pPr>
-            <a:r>
-              <a:rPr lang="de-DE" dirty="0" err="1">
-                <a:solidFill>
-                  <a:srgbClr val="569CD6"/>
-                </a:solidFill>
-                <a:latin typeface="Menlo" panose="020B0609030804020204" pitchFamily="49" charset="0"/>
-              </a:rPr>
-              <a:t>float</a:t>
-            </a:r>
-            <a:r>
-              <a:rPr lang="de-DE" dirty="0">
-                <a:solidFill>
-                  <a:srgbClr val="D4D4D4"/>
-                </a:solidFill>
-                <a:latin typeface="Menlo" panose="020B0609030804020204" pitchFamily="49" charset="0"/>
-              </a:rPr>
-              <a:t> </a:t>
-            </a:r>
-            <a:r>
-              <a:rPr lang="de-DE" dirty="0" err="1">
-                <a:solidFill>
-                  <a:schemeClr val="tx1"/>
-                </a:solidFill>
-                <a:latin typeface="Menlo" panose="020B0609030804020204" pitchFamily="49" charset="0"/>
-              </a:rPr>
-              <a:t>rateYaw</a:t>
-            </a:r>
-            <a:r>
-              <a:rPr lang="de-DE" dirty="0">
-                <a:solidFill>
-                  <a:schemeClr val="tx1"/>
-                </a:solidFill>
-                <a:latin typeface="Menlo" panose="020B0609030804020204" pitchFamily="49" charset="0"/>
-              </a:rPr>
-              <a:t>;</a:t>
-            </a:r>
-          </a:p>
-          <a:p>
-            <a:pPr marL="0" indent="0">
-              <a:buNone/>
-            </a:pPr>
-            <a:r>
-              <a:rPr lang="de-DE" dirty="0">
-                <a:solidFill>
-                  <a:srgbClr val="D4D4D4"/>
-                </a:solidFill>
-                <a:latin typeface="Menlo" panose="020B0609030804020204" pitchFamily="49" charset="0"/>
-              </a:rPr>
-              <a:t>} </a:t>
-            </a:r>
-            <a:r>
-              <a:rPr lang="de-DE" dirty="0" err="1">
-                <a:solidFill>
-                  <a:schemeClr val="tx1"/>
-                </a:solidFill>
-                <a:latin typeface="Menlo" panose="020B0609030804020204" pitchFamily="49" charset="0"/>
-              </a:rPr>
-              <a:t>state</a:t>
-            </a:r>
-            <a:r>
-              <a:rPr lang="de-DE" dirty="0">
-                <a:solidFill>
-                  <a:schemeClr val="tx1"/>
-                </a:solidFill>
-                <a:latin typeface="Menlo" panose="020B0609030804020204" pitchFamily="49" charset="0"/>
-              </a:rPr>
-              <a:t>;</a:t>
-            </a:r>
-          </a:p>
-          <a:p>
-            <a:pPr marL="0" indent="0">
-              <a:buNone/>
-            </a:pPr>
-            <a:endParaRPr lang="de-DE" dirty="0"/>
-          </a:p>
-        </p:txBody>
-      </p:sp>
+        </p:nvPicPr>
+        <p:blipFill>
+          <a:blip r:embed="rId2"/>
+          <a:stretch>
+            <a:fillRect/>
+          </a:stretch>
+        </p:blipFill>
+        <p:spPr>
+          <a:xfrm>
+            <a:off x="444604" y="4568679"/>
+            <a:ext cx="2606266" cy="1394581"/>
+          </a:xfrm>
+        </p:spPr>
+      </p:pic>
+      <p:pic>
+        <p:nvPicPr>
+          <p:cNvPr id="7" name="Bildobjekt 6" descr="En bild som visar objekt&#10;&#10;Automatiskt genererad beskrivning">
+            <a:extLst>
+              <a:ext uri="{FF2B5EF4-FFF2-40B4-BE49-F238E27FC236}">
+                <a16:creationId xmlns:a16="http://schemas.microsoft.com/office/drawing/2014/main" id="{11DD9B3F-1B99-43E9-9934-E059A48A6D00}"/>
+              </a:ext>
+            </a:extLst>
+          </p:cNvPr>
+          <p:cNvPicPr>
+            <a:picLocks noChangeAspect="1"/>
+          </p:cNvPicPr>
+          <p:nvPr/>
+        </p:nvPicPr>
+        <p:blipFill>
+          <a:blip r:embed="rId3"/>
+          <a:stretch>
+            <a:fillRect/>
+          </a:stretch>
+        </p:blipFill>
+        <p:spPr>
+          <a:xfrm>
+            <a:off x="3684061" y="4602973"/>
+            <a:ext cx="4823878" cy="1325995"/>
+          </a:xfrm>
+          <a:prstGeom prst="rect">
+            <a:avLst/>
+          </a:prstGeom>
+        </p:spPr>
+      </p:pic>
+      <p:pic>
+        <p:nvPicPr>
+          <p:cNvPr id="9" name="Bildobjekt 8">
+            <a:extLst>
+              <a:ext uri="{FF2B5EF4-FFF2-40B4-BE49-F238E27FC236}">
+                <a16:creationId xmlns:a16="http://schemas.microsoft.com/office/drawing/2014/main" id="{53E5F8F4-A6C8-4B2D-848E-7F2085120D88}"/>
+              </a:ext>
+            </a:extLst>
+          </p:cNvPr>
+          <p:cNvPicPr>
+            <a:picLocks noChangeAspect="1"/>
+          </p:cNvPicPr>
+          <p:nvPr/>
+        </p:nvPicPr>
+        <p:blipFill>
+          <a:blip r:embed="rId4"/>
+          <a:stretch>
+            <a:fillRect/>
+          </a:stretch>
+        </p:blipFill>
+        <p:spPr>
+          <a:xfrm>
+            <a:off x="8947934" y="4538198"/>
+            <a:ext cx="2697714" cy="1455546"/>
+          </a:xfrm>
+          <a:prstGeom prst="rect">
+            <a:avLst/>
+          </a:prstGeom>
+        </p:spPr>
+      </p:pic>
+      <p:pic>
+        <p:nvPicPr>
+          <p:cNvPr id="11" name="Bildobjekt 10">
+            <a:extLst>
+              <a:ext uri="{FF2B5EF4-FFF2-40B4-BE49-F238E27FC236}">
+                <a16:creationId xmlns:a16="http://schemas.microsoft.com/office/drawing/2014/main" id="{FF2BA231-C653-4D22-A888-5820FA565A8A}"/>
+              </a:ext>
+            </a:extLst>
+          </p:cNvPr>
+          <p:cNvPicPr>
+            <a:picLocks noChangeAspect="1"/>
+          </p:cNvPicPr>
+          <p:nvPr/>
+        </p:nvPicPr>
+        <p:blipFill>
+          <a:blip r:embed="rId5"/>
+          <a:stretch>
+            <a:fillRect/>
+          </a:stretch>
+        </p:blipFill>
+        <p:spPr>
+          <a:xfrm>
+            <a:off x="4823349" y="2659945"/>
+            <a:ext cx="2545301" cy="457240"/>
+          </a:xfrm>
+          <a:prstGeom prst="rect">
+            <a:avLst/>
+          </a:prstGeom>
+        </p:spPr>
+      </p:pic>
     </p:spTree>
     <p:extLst>
       <p:ext uri="{BB962C8B-B14F-4D97-AF65-F5344CB8AC3E}">
-        <p14:creationId xmlns:p14="http://schemas.microsoft.com/office/powerpoint/2010/main" val="2246717686"/>
+        <p14:creationId xmlns:p14="http://schemas.microsoft.com/office/powerpoint/2010/main" val="2544992695"/>
       </p:ext>
     </p:extLst>
   </p:cSld>
@@ -4236,10 +5143,10 @@
       </p:grpSpPr>
       <p:sp>
         <p:nvSpPr>
-          <p:cNvPr id="2" name="Titel 1">
+          <p:cNvPr id="2" name="Rubrik 1">
             <a:extLst>
               <a:ext uri="{FF2B5EF4-FFF2-40B4-BE49-F238E27FC236}">
-                <a16:creationId xmlns:a16="http://schemas.microsoft.com/office/drawing/2014/main" id="{BA3027A2-7564-7A4F-B4F8-5EF3DF79167E}"/>
+                <a16:creationId xmlns:a16="http://schemas.microsoft.com/office/drawing/2014/main" id="{94B236A1-3670-460F-9999-29245AB5EA81}"/>
               </a:ext>
             </a:extLst>
           </p:cNvPr>
@@ -4256,37 +5163,18 @@
           <a:lstStyle/>
           <a:p>
             <a:r>
-              <a:rPr lang="de-DE" dirty="0"/>
-              <a:t>C-code </a:t>
-            </a:r>
-            <a:r>
-              <a:rPr lang="de-DE" dirty="0" err="1"/>
-              <a:t>implementation</a:t>
-            </a:r>
-            <a:br>
-              <a:rPr lang="de-DE" dirty="0"/>
-            </a:br>
-            <a:r>
-              <a:rPr lang="de-DE" dirty="0"/>
-              <a:t>- Main </a:t>
-            </a:r>
-            <a:r>
-              <a:rPr lang="de-DE" dirty="0" err="1"/>
-              <a:t>function</a:t>
-            </a:r>
-            <a:r>
-              <a:rPr lang="de-DE" dirty="0"/>
-              <a:t>-</a:t>
-            </a:r>
-          </a:p>
-        </p:txBody>
-      </p:sp>
-      <p:sp>
-        <p:nvSpPr>
-          <p:cNvPr id="3" name="Inhaltsplatzhalter 2">
+              <a:rPr lang="sv-SE" dirty="0"/>
+              <a:t>Integral action</a:t>
+            </a:r>
+          </a:p>
+        </p:txBody>
+      </p:sp>
+      <p:sp>
+        <p:nvSpPr>
+          <p:cNvPr id="3" name="Platshållare för innehåll 2">
             <a:extLst>
               <a:ext uri="{FF2B5EF4-FFF2-40B4-BE49-F238E27FC236}">
-                <a16:creationId xmlns:a16="http://schemas.microsoft.com/office/drawing/2014/main" id="{5883414A-B3A6-BE40-8248-C6206154A4F0}"/>
+                <a16:creationId xmlns:a16="http://schemas.microsoft.com/office/drawing/2014/main" id="{2F98FBAF-B739-4136-84B5-47B69FABA254}"/>
               </a:ext>
             </a:extLst>
           </p:cNvPr>
@@ -4299,1110 +5187,190 @@
         </p:nvSpPr>
         <p:spPr>
           <a:xfrm>
-            <a:off x="754027" y="2441094"/>
-            <a:ext cx="7729728" cy="4072245"/>
+            <a:off x="0" y="2522634"/>
+            <a:ext cx="7729728" cy="3101983"/>
           </a:xfrm>
         </p:spPr>
         <p:txBody>
-          <a:bodyPr>
-            <a:normAutofit/>
-          </a:bodyPr>
+          <a:bodyPr/>
           <a:lstStyle/>
           <a:p>
-            <a:pPr marL="0" indent="0">
-              <a:buNone/>
-            </a:pPr>
-            <a:r>
-              <a:rPr lang="de-DE" sz="1600" dirty="0" err="1">
-                <a:solidFill>
-                  <a:srgbClr val="569CD6"/>
-                </a:solidFill>
-                <a:latin typeface="Menlo" panose="020B0609030804020204" pitchFamily="49" charset="0"/>
-              </a:rPr>
-              <a:t>void</a:t>
-            </a:r>
-            <a:r>
-              <a:rPr lang="de-DE" sz="1600" dirty="0">
-                <a:solidFill>
-                  <a:srgbClr val="D4D4D4"/>
-                </a:solidFill>
-                <a:latin typeface="Menlo" panose="020B0609030804020204" pitchFamily="49" charset="0"/>
-              </a:rPr>
+            <a:r>
+              <a:rPr lang="sv-SE" sz="3600" dirty="0" err="1"/>
+              <a:t>What</a:t>
+            </a:r>
+            <a:r>
+              <a:rPr lang="sv-SE" sz="3600" dirty="0"/>
+              <a:t> is integral action?</a:t>
+            </a:r>
+          </a:p>
+          <a:p>
+            <a:r>
+              <a:rPr lang="sv-SE" sz="3600" dirty="0" err="1"/>
+              <a:t>Why</a:t>
+            </a:r>
+            <a:r>
+              <a:rPr lang="sv-SE" sz="3600" dirty="0"/>
               <a:t> </a:t>
             </a:r>
             <a:r>
-              <a:rPr lang="de-DE" sz="1600" dirty="0" err="1">
-                <a:solidFill>
-                  <a:srgbClr val="DCDCAA"/>
-                </a:solidFill>
-                <a:latin typeface="Menlo" panose="020B0609030804020204" pitchFamily="49" charset="0"/>
-              </a:rPr>
-              <a:t>yourCodeInit</a:t>
-            </a:r>
-            <a:r>
-              <a:rPr lang="de-DE" sz="1600" dirty="0">
-                <a:solidFill>
-                  <a:srgbClr val="D4D4D4"/>
-                </a:solidFill>
-                <a:latin typeface="Menlo" panose="020B0609030804020204" pitchFamily="49" charset="0"/>
-              </a:rPr>
-              <a:t>(</a:t>
-            </a:r>
-            <a:r>
-              <a:rPr lang="de-DE" sz="1600" dirty="0" err="1">
-                <a:solidFill>
-                  <a:srgbClr val="569CD6"/>
-                </a:solidFill>
-                <a:latin typeface="Menlo" panose="020B0609030804020204" pitchFamily="49" charset="0"/>
-              </a:rPr>
-              <a:t>void</a:t>
-            </a:r>
-            <a:r>
-              <a:rPr lang="de-DE" sz="1600" dirty="0">
-                <a:solidFill>
-                  <a:srgbClr val="D4D4D4"/>
-                </a:solidFill>
-                <a:latin typeface="Menlo" panose="020B0609030804020204" pitchFamily="49" charset="0"/>
-              </a:rPr>
-              <a:t>)</a:t>
-            </a:r>
-          </a:p>
-          <a:p>
-            <a:pPr marL="0" indent="0">
-              <a:buNone/>
-            </a:pPr>
-            <a:r>
-              <a:rPr lang="de-DE" sz="1600" dirty="0">
-                <a:solidFill>
-                  <a:srgbClr val="D4D4D4"/>
-                </a:solidFill>
-                <a:latin typeface="Menlo" panose="020B0609030804020204" pitchFamily="49" charset="0"/>
-              </a:rPr>
-              <a:t>{</a:t>
-            </a:r>
-          </a:p>
-          <a:p>
-            <a:pPr marL="0" indent="0">
-              <a:buNone/>
-            </a:pPr>
-            <a:r>
-              <a:rPr lang="de-DE" sz="1600" dirty="0">
-                <a:solidFill>
-                  <a:schemeClr val="tx1"/>
-                </a:solidFill>
-                <a:latin typeface="Menlo" panose="020B0609030804020204" pitchFamily="49" charset="0"/>
-              </a:rPr>
-              <a:t>tick</a:t>
-            </a:r>
-            <a:r>
-              <a:rPr lang="de-DE" sz="1600" dirty="0">
-                <a:solidFill>
-                  <a:srgbClr val="D4D4D4"/>
-                </a:solidFill>
-                <a:latin typeface="Menlo" panose="020B0609030804020204" pitchFamily="49" charset="0"/>
-              </a:rPr>
-              <a:t> = </a:t>
-            </a:r>
-            <a:r>
-              <a:rPr lang="de-DE" sz="1600" dirty="0">
-                <a:solidFill>
-                  <a:srgbClr val="B5CEA8"/>
-                </a:solidFill>
-                <a:latin typeface="Menlo" panose="020B0609030804020204" pitchFamily="49" charset="0"/>
-              </a:rPr>
-              <a:t>1</a:t>
-            </a:r>
-            <a:r>
-              <a:rPr lang="de-DE" sz="1600" dirty="0">
-                <a:solidFill>
-                  <a:srgbClr val="D4D4D4"/>
-                </a:solidFill>
-                <a:latin typeface="Menlo" panose="020B0609030804020204" pitchFamily="49" charset="0"/>
-              </a:rPr>
-              <a:t>;</a:t>
-            </a:r>
-          </a:p>
-          <a:p>
-            <a:pPr marL="0" indent="0">
-              <a:buNone/>
-            </a:pPr>
-            <a:r>
-              <a:rPr lang="de-DE" sz="1600" dirty="0" err="1">
-                <a:solidFill>
-                  <a:srgbClr val="9CDCFE"/>
-                </a:solidFill>
-                <a:latin typeface="Menlo" panose="020B0609030804020204" pitchFamily="49" charset="0"/>
-              </a:rPr>
-              <a:t>state</a:t>
-            </a:r>
-            <a:r>
-              <a:rPr lang="de-DE" sz="1600" dirty="0" err="1">
-                <a:solidFill>
-                  <a:srgbClr val="D4D4D4"/>
-                </a:solidFill>
-                <a:latin typeface="Menlo" panose="020B0609030804020204" pitchFamily="49" charset="0"/>
-              </a:rPr>
-              <a:t>.</a:t>
-            </a:r>
-            <a:r>
-              <a:rPr lang="de-DE" sz="1600" dirty="0" err="1">
-                <a:solidFill>
-                  <a:srgbClr val="9CDCFE"/>
-                </a:solidFill>
-                <a:latin typeface="Menlo" panose="020B0609030804020204" pitchFamily="49" charset="0"/>
-              </a:rPr>
-              <a:t>roll</a:t>
-            </a:r>
-            <a:r>
-              <a:rPr lang="de-DE" sz="1600" dirty="0">
-                <a:solidFill>
-                  <a:srgbClr val="D4D4D4"/>
-                </a:solidFill>
-                <a:latin typeface="Menlo" panose="020B0609030804020204" pitchFamily="49" charset="0"/>
-              </a:rPr>
-              <a:t> = </a:t>
-            </a:r>
-            <a:r>
-              <a:rPr lang="de-DE" sz="1600" dirty="0">
-                <a:solidFill>
-                  <a:srgbClr val="B5CEA8"/>
-                </a:solidFill>
-                <a:latin typeface="Menlo" panose="020B0609030804020204" pitchFamily="49" charset="0"/>
-              </a:rPr>
-              <a:t>0.0f</a:t>
-            </a:r>
-            <a:r>
-              <a:rPr lang="de-DE" sz="1600" dirty="0">
-                <a:solidFill>
-                  <a:srgbClr val="D4D4D4"/>
-                </a:solidFill>
-                <a:latin typeface="Menlo" panose="020B0609030804020204" pitchFamily="49" charset="0"/>
-              </a:rPr>
-              <a:t>;</a:t>
-            </a:r>
-          </a:p>
-          <a:p>
-            <a:pPr marL="0" indent="0">
-              <a:buNone/>
-            </a:pPr>
-            <a:r>
-              <a:rPr lang="de-DE" sz="1600" dirty="0" err="1">
-                <a:solidFill>
-                  <a:srgbClr val="9CDCFE"/>
-                </a:solidFill>
-                <a:latin typeface="Menlo" panose="020B0609030804020204" pitchFamily="49" charset="0"/>
-              </a:rPr>
-              <a:t>state</a:t>
-            </a:r>
-            <a:r>
-              <a:rPr lang="de-DE" sz="1600" dirty="0" err="1">
-                <a:solidFill>
-                  <a:srgbClr val="D4D4D4"/>
-                </a:solidFill>
-                <a:latin typeface="Menlo" panose="020B0609030804020204" pitchFamily="49" charset="0"/>
-              </a:rPr>
-              <a:t>.</a:t>
-            </a:r>
-            <a:r>
-              <a:rPr lang="de-DE" sz="1600" dirty="0" err="1">
-                <a:solidFill>
-                  <a:srgbClr val="9CDCFE"/>
-                </a:solidFill>
-                <a:latin typeface="Menlo" panose="020B0609030804020204" pitchFamily="49" charset="0"/>
-              </a:rPr>
-              <a:t>pitch</a:t>
-            </a:r>
-            <a:r>
-              <a:rPr lang="de-DE" sz="1600" dirty="0">
-                <a:solidFill>
-                  <a:srgbClr val="D4D4D4"/>
-                </a:solidFill>
-                <a:latin typeface="Menlo" panose="020B0609030804020204" pitchFamily="49" charset="0"/>
-              </a:rPr>
-              <a:t> = </a:t>
-            </a:r>
-            <a:r>
-              <a:rPr lang="de-DE" sz="1600" dirty="0">
-                <a:solidFill>
-                  <a:srgbClr val="B5CEA8"/>
-                </a:solidFill>
-                <a:latin typeface="Menlo" panose="020B0609030804020204" pitchFamily="49" charset="0"/>
-              </a:rPr>
-              <a:t>0.0f</a:t>
-            </a:r>
-            <a:r>
-              <a:rPr lang="de-DE" sz="1600" dirty="0">
-                <a:solidFill>
-                  <a:srgbClr val="D4D4D4"/>
-                </a:solidFill>
-                <a:latin typeface="Menlo" panose="020B0609030804020204" pitchFamily="49" charset="0"/>
-              </a:rPr>
-              <a:t>;</a:t>
-            </a:r>
-          </a:p>
-          <a:p>
-            <a:pPr marL="0" indent="0">
-              <a:buNone/>
-            </a:pPr>
-            <a:r>
-              <a:rPr lang="de-DE" sz="1600" dirty="0" err="1">
-                <a:solidFill>
-                  <a:schemeClr val="tx1"/>
-                </a:solidFill>
-                <a:latin typeface="Menlo" panose="020B0609030804020204" pitchFamily="49" charset="0"/>
-              </a:rPr>
-              <a:t>filtsema</a:t>
-            </a:r>
-            <a:r>
-              <a:rPr lang="de-DE" sz="1600" dirty="0">
-                <a:solidFill>
-                  <a:srgbClr val="D4D4D4"/>
-                </a:solidFill>
-                <a:latin typeface="Menlo" panose="020B0609030804020204" pitchFamily="49" charset="0"/>
-              </a:rPr>
-              <a:t> = </a:t>
-            </a:r>
-            <a:r>
-              <a:rPr lang="de-DE" sz="1600" dirty="0" err="1">
-                <a:solidFill>
-                  <a:srgbClr val="DCDCAA"/>
-                </a:solidFill>
-                <a:latin typeface="Menlo" panose="020B0609030804020204" pitchFamily="49" charset="0"/>
-              </a:rPr>
-              <a:t>xSemaphoreCreateMutex</a:t>
-            </a:r>
-            <a:r>
-              <a:rPr lang="de-DE" sz="1600" dirty="0">
-                <a:solidFill>
-                  <a:srgbClr val="D4D4D4"/>
-                </a:solidFill>
-                <a:latin typeface="Menlo" panose="020B0609030804020204" pitchFamily="49" charset="0"/>
-              </a:rPr>
-              <a:t>();</a:t>
-            </a:r>
-          </a:p>
-          <a:p>
-            <a:pPr marL="0" indent="0">
-              <a:buNone/>
-            </a:pPr>
-            <a:r>
-              <a:rPr lang="de-DE" sz="1600" dirty="0">
-                <a:solidFill>
-                  <a:srgbClr val="D4D4D4"/>
-                </a:solidFill>
-                <a:latin typeface="Menlo" panose="020B0609030804020204" pitchFamily="49" charset="0"/>
-              </a:rPr>
-              <a:t>  </a:t>
-            </a:r>
-            <a:r>
-              <a:rPr lang="de-DE" sz="1600" dirty="0" err="1">
-                <a:solidFill>
-                  <a:schemeClr val="tx1"/>
-                </a:solidFill>
-                <a:latin typeface="Menlo" panose="020B0609030804020204" pitchFamily="49" charset="0"/>
-              </a:rPr>
-              <a:t>setsema</a:t>
-            </a:r>
-            <a:r>
-              <a:rPr lang="de-DE" sz="1600" dirty="0">
-                <a:solidFill>
-                  <a:srgbClr val="D4D4D4"/>
-                </a:solidFill>
-                <a:latin typeface="Menlo" panose="020B0609030804020204" pitchFamily="49" charset="0"/>
-              </a:rPr>
-              <a:t> = </a:t>
-            </a:r>
-            <a:r>
-              <a:rPr lang="de-DE" sz="1600" dirty="0" err="1">
-                <a:solidFill>
-                  <a:srgbClr val="DCDCAA"/>
-                </a:solidFill>
-                <a:latin typeface="Menlo" panose="020B0609030804020204" pitchFamily="49" charset="0"/>
-              </a:rPr>
-              <a:t>xSemaphoreCreateMutex</a:t>
-            </a:r>
-            <a:r>
-              <a:rPr lang="de-DE" sz="1600" dirty="0">
-                <a:solidFill>
-                  <a:srgbClr val="D4D4D4"/>
-                </a:solidFill>
-                <a:latin typeface="Menlo" panose="020B0609030804020204" pitchFamily="49" charset="0"/>
-              </a:rPr>
-              <a:t>();</a:t>
-            </a:r>
-          </a:p>
-          <a:p>
-            <a:pPr marL="0" indent="0">
-              <a:buNone/>
-            </a:pPr>
-            <a:br>
-              <a:rPr lang="de-DE" sz="1600" dirty="0">
-                <a:solidFill>
-                  <a:srgbClr val="D4D4D4"/>
-                </a:solidFill>
-                <a:latin typeface="Menlo" panose="020B0609030804020204" pitchFamily="49" charset="0"/>
-              </a:rPr>
-            </a:br>
-            <a:endParaRPr lang="de-DE" sz="1600" dirty="0"/>
-          </a:p>
-        </p:txBody>
-      </p:sp>
-      <p:sp>
-        <p:nvSpPr>
-          <p:cNvPr id="4" name="Inhaltsplatzhalter 2">
+              <a:rPr lang="sv-SE" sz="3600" dirty="0" err="1"/>
+              <a:t>did</a:t>
+            </a:r>
+            <a:r>
+              <a:rPr lang="sv-SE" sz="3600" dirty="0"/>
+              <a:t> </a:t>
+            </a:r>
+            <a:r>
+              <a:rPr lang="sv-SE" sz="3600" dirty="0" err="1"/>
+              <a:t>we</a:t>
+            </a:r>
+            <a:r>
+              <a:rPr lang="sv-SE" sz="3600" dirty="0"/>
+              <a:t> </a:t>
+            </a:r>
+            <a:r>
+              <a:rPr lang="sv-SE" sz="3600" dirty="0" err="1"/>
+              <a:t>add</a:t>
+            </a:r>
+            <a:r>
+              <a:rPr lang="sv-SE" sz="3600" dirty="0"/>
+              <a:t> it?</a:t>
+            </a:r>
+          </a:p>
+          <a:p>
+            <a:r>
+              <a:rPr lang="sv-SE" sz="3600" dirty="0" err="1"/>
+              <a:t>Why</a:t>
+            </a:r>
+            <a:r>
+              <a:rPr lang="sv-SE" sz="3600" dirty="0"/>
+              <a:t> </a:t>
+            </a:r>
+            <a:r>
+              <a:rPr lang="sv-SE" sz="3600" dirty="0" err="1"/>
+              <a:t>did</a:t>
+            </a:r>
+            <a:r>
+              <a:rPr lang="sv-SE" sz="3600" dirty="0"/>
+              <a:t> </a:t>
+            </a:r>
+            <a:r>
+              <a:rPr lang="sv-SE" sz="3600" dirty="0" err="1"/>
+              <a:t>we</a:t>
+            </a:r>
+            <a:r>
+              <a:rPr lang="sv-SE" sz="3600" dirty="0"/>
+              <a:t> </a:t>
+            </a:r>
+            <a:r>
+              <a:rPr lang="sv-SE" sz="3600" dirty="0" err="1"/>
+              <a:t>remove</a:t>
+            </a:r>
+            <a:r>
+              <a:rPr lang="sv-SE" sz="3600" dirty="0"/>
+              <a:t> it?</a:t>
+            </a:r>
+          </a:p>
+          <a:p>
+            <a:endParaRPr lang="sv-SE" dirty="0"/>
+          </a:p>
+        </p:txBody>
+      </p:sp>
+      <p:pic>
+        <p:nvPicPr>
+          <p:cNvPr id="5" name="Bildobjekt 4" descr="En bild som visar objekt, klocka&#10;&#10;Automatiskt genererad beskrivning">
             <a:extLst>
               <a:ext uri="{FF2B5EF4-FFF2-40B4-BE49-F238E27FC236}">
-                <a16:creationId xmlns:a16="http://schemas.microsoft.com/office/drawing/2014/main" id="{622E6183-A73A-4F43-8B05-DF2E45162898}"/>
+                <a16:creationId xmlns:a16="http://schemas.microsoft.com/office/drawing/2014/main" id="{369564A5-6891-42B6-A0E5-51A73263A18A}"/>
               </a:ext>
             </a:extLst>
           </p:cNvPr>
-          <p:cNvSpPr txBox="1">
-            <a:spLocks/>
-          </p:cNvSpPr>
+          <p:cNvPicPr>
+            <a:picLocks noChangeAspect="1"/>
+          </p:cNvPicPr>
           <p:nvPr/>
-        </p:nvSpPr>
+        </p:nvPicPr>
+        <p:blipFill>
+          <a:blip r:embed="rId2"/>
+          <a:stretch>
+            <a:fillRect/>
+          </a:stretch>
+        </p:blipFill>
         <p:spPr>
           <a:xfrm>
-            <a:off x="6096000" y="3144478"/>
-            <a:ext cx="7729728" cy="4072245"/>
+            <a:off x="6021370" y="4198175"/>
+            <a:ext cx="1859441" cy="403895"/>
           </a:xfrm>
           <a:prstGeom prst="rect">
             <a:avLst/>
           </a:prstGeom>
         </p:spPr>
-        <p:txBody>
-          <a:bodyPr vert="horz" lIns="91440" tIns="45720" rIns="91440" bIns="45720" rtlCol="0">
-            <a:normAutofit/>
-          </a:bodyPr>
-          <a:lstStyle>
-            <a:lvl1pPr marL="228600" indent="-228600" algn="l" defTabSz="914400" rtl="0" eaLnBrk="1" latinLnBrk="0" hangingPunct="1">
-              <a:lnSpc>
-                <a:spcPct val="100000"/>
-              </a:lnSpc>
-              <a:spcBef>
-                <a:spcPts val="1000"/>
-              </a:spcBef>
-              <a:buClr>
-                <a:schemeClr val="accent2"/>
-              </a:buClr>
-              <a:buFont typeface="Arial" panose="020B0604020202020204" pitchFamily="34" charset="0"/>
-              <a:buChar char="•"/>
-              <a:defRPr sz="1800" kern="1200">
-                <a:solidFill>
-                  <a:schemeClr val="tx1">
-                    <a:lumMod val="85000"/>
-                    <a:lumOff val="15000"/>
-                  </a:schemeClr>
-                </a:solidFill>
-                <a:latin typeface="+mn-lt"/>
-                <a:ea typeface="+mn-ea"/>
-                <a:cs typeface="+mn-cs"/>
-              </a:defRPr>
-            </a:lvl1pPr>
-            <a:lvl2pPr marL="457200" indent="-228600" algn="l" defTabSz="914400" rtl="0" eaLnBrk="1" latinLnBrk="0" hangingPunct="1">
-              <a:lnSpc>
-                <a:spcPct val="100000"/>
-              </a:lnSpc>
-              <a:spcBef>
-                <a:spcPts val="1000"/>
-              </a:spcBef>
-              <a:buClr>
-                <a:schemeClr val="accent2"/>
-              </a:buClr>
-              <a:buFont typeface="Arial" panose="020B0604020202020204" pitchFamily="34" charset="0"/>
-              <a:buChar char="•"/>
-              <a:defRPr sz="1600" kern="1200">
-                <a:solidFill>
-                  <a:schemeClr val="tx1">
-                    <a:lumMod val="85000"/>
-                    <a:lumOff val="15000"/>
-                  </a:schemeClr>
-                </a:solidFill>
-                <a:latin typeface="+mn-lt"/>
-                <a:ea typeface="+mn-ea"/>
-                <a:cs typeface="+mn-cs"/>
-              </a:defRPr>
-            </a:lvl2pPr>
-            <a:lvl3pPr marL="685800" indent="-228600" algn="l" defTabSz="914400" rtl="0" eaLnBrk="1" latinLnBrk="0" hangingPunct="1">
-              <a:lnSpc>
-                <a:spcPct val="100000"/>
-              </a:lnSpc>
-              <a:spcBef>
-                <a:spcPts val="1000"/>
-              </a:spcBef>
-              <a:buClr>
-                <a:schemeClr val="accent2"/>
-              </a:buClr>
-              <a:buFont typeface="Arial" panose="020B0604020202020204" pitchFamily="34" charset="0"/>
-              <a:buChar char="•"/>
-              <a:defRPr sz="1600" kern="1200">
-                <a:solidFill>
-                  <a:schemeClr val="tx1">
-                    <a:lumMod val="85000"/>
-                    <a:lumOff val="15000"/>
-                  </a:schemeClr>
-                </a:solidFill>
-                <a:latin typeface="+mn-lt"/>
-                <a:ea typeface="+mn-ea"/>
-                <a:cs typeface="+mn-cs"/>
-              </a:defRPr>
-            </a:lvl3pPr>
-            <a:lvl4pPr marL="914400" indent="-228600" algn="l" defTabSz="914400" rtl="0" eaLnBrk="1" latinLnBrk="0" hangingPunct="1">
-              <a:lnSpc>
-                <a:spcPct val="100000"/>
-              </a:lnSpc>
-              <a:spcBef>
-                <a:spcPts val="1000"/>
-              </a:spcBef>
-              <a:buClr>
-                <a:schemeClr val="accent2"/>
-              </a:buClr>
-              <a:buFont typeface="Arial" panose="020B0604020202020204" pitchFamily="34" charset="0"/>
-              <a:buChar char="•"/>
-              <a:defRPr sz="1600" kern="1200">
-                <a:solidFill>
-                  <a:schemeClr val="tx1">
-                    <a:lumMod val="85000"/>
-                    <a:lumOff val="15000"/>
-                  </a:schemeClr>
-                </a:solidFill>
-                <a:latin typeface="+mn-lt"/>
-                <a:ea typeface="+mn-ea"/>
-                <a:cs typeface="+mn-cs"/>
-              </a:defRPr>
-            </a:lvl4pPr>
-            <a:lvl5pPr marL="1143000" indent="-228600" algn="l" defTabSz="914400" rtl="0" eaLnBrk="1" latinLnBrk="0" hangingPunct="1">
-              <a:lnSpc>
-                <a:spcPct val="100000"/>
-              </a:lnSpc>
-              <a:spcBef>
-                <a:spcPts val="1000"/>
-              </a:spcBef>
-              <a:buClr>
-                <a:schemeClr val="accent2"/>
-              </a:buClr>
-              <a:buFont typeface="Arial" panose="020B0604020202020204" pitchFamily="34" charset="0"/>
-              <a:buChar char="•"/>
-              <a:defRPr sz="1600" kern="1200">
-                <a:solidFill>
-                  <a:schemeClr val="tx1">
-                    <a:lumMod val="85000"/>
-                    <a:lumOff val="15000"/>
-                  </a:schemeClr>
-                </a:solidFill>
-                <a:latin typeface="+mn-lt"/>
-                <a:ea typeface="+mn-ea"/>
-                <a:cs typeface="+mn-cs"/>
-              </a:defRPr>
-            </a:lvl5pPr>
-            <a:lvl6pPr marL="1312863" indent="-228600" algn="l" defTabSz="914400" rtl="0" eaLnBrk="1" latinLnBrk="0" hangingPunct="1">
-              <a:lnSpc>
-                <a:spcPct val="100000"/>
-              </a:lnSpc>
-              <a:spcBef>
-                <a:spcPts val="1000"/>
-              </a:spcBef>
-              <a:buClr>
-                <a:schemeClr val="accent2"/>
-              </a:buClr>
-              <a:buFont typeface="Arial" panose="020B0604020202020204" pitchFamily="34" charset="0"/>
-              <a:buChar char="•"/>
-              <a:defRPr sz="1600" kern="1200">
-                <a:solidFill>
-                  <a:schemeClr val="tx1"/>
-                </a:solidFill>
-                <a:latin typeface="+mn-lt"/>
-                <a:ea typeface="+mn-ea"/>
-                <a:cs typeface="+mn-cs"/>
-              </a:defRPr>
-            </a:lvl6pPr>
-            <a:lvl7pPr marL="1484313" indent="-228600" algn="l" defTabSz="914400" rtl="0" eaLnBrk="1" latinLnBrk="0" hangingPunct="1">
-              <a:lnSpc>
-                <a:spcPct val="100000"/>
-              </a:lnSpc>
-              <a:spcBef>
-                <a:spcPts val="1000"/>
-              </a:spcBef>
-              <a:buClr>
-                <a:schemeClr val="accent2"/>
-              </a:buClr>
-              <a:buFont typeface="Arial" panose="020B0604020202020204" pitchFamily="34" charset="0"/>
-              <a:buChar char="•"/>
-              <a:defRPr sz="1600" kern="1200">
-                <a:solidFill>
-                  <a:schemeClr val="tx1"/>
-                </a:solidFill>
-                <a:latin typeface="+mn-lt"/>
-                <a:ea typeface="+mn-ea"/>
-                <a:cs typeface="+mn-cs"/>
-              </a:defRPr>
-            </a:lvl7pPr>
-            <a:lvl8pPr marL="1657350" indent="-228600" algn="l" defTabSz="914400" rtl="0" eaLnBrk="1" latinLnBrk="0" hangingPunct="1">
-              <a:lnSpc>
-                <a:spcPct val="100000"/>
-              </a:lnSpc>
-              <a:spcBef>
-                <a:spcPts val="1000"/>
-              </a:spcBef>
-              <a:buClr>
-                <a:schemeClr val="accent2"/>
-              </a:buClr>
-              <a:buFont typeface="Arial" panose="020B0604020202020204" pitchFamily="34" charset="0"/>
-              <a:buChar char="•"/>
-              <a:defRPr sz="1600" kern="1200" baseline="0">
-                <a:solidFill>
-                  <a:schemeClr val="tx1"/>
-                </a:solidFill>
-                <a:latin typeface="+mn-lt"/>
-                <a:ea typeface="+mn-ea"/>
-                <a:cs typeface="+mn-cs"/>
-              </a:defRPr>
-            </a:lvl8pPr>
-            <a:lvl9pPr marL="1882775" indent="-228600" algn="l" defTabSz="914400" rtl="0" eaLnBrk="1" latinLnBrk="0" hangingPunct="1">
-              <a:lnSpc>
-                <a:spcPct val="100000"/>
-              </a:lnSpc>
-              <a:spcBef>
-                <a:spcPts val="1000"/>
-              </a:spcBef>
-              <a:buClr>
-                <a:schemeClr val="accent2"/>
-              </a:buClr>
-              <a:buFont typeface="Arial" panose="020B0604020202020204" pitchFamily="34" charset="0"/>
-              <a:buChar char="•"/>
-              <a:defRPr sz="1600" kern="1200" baseline="0">
-                <a:solidFill>
-                  <a:schemeClr val="tx1"/>
-                </a:solidFill>
-                <a:latin typeface="+mn-lt"/>
-                <a:ea typeface="+mn-ea"/>
-                <a:cs typeface="+mn-cs"/>
-              </a:defRPr>
-            </a:lvl9pPr>
-          </a:lstStyle>
-          <a:p>
-            <a:pPr marL="0" indent="0">
-              <a:buFont typeface="Arial" panose="020B0604020202020204" pitchFamily="34" charset="0"/>
-              <a:buNone/>
-            </a:pPr>
-            <a:r>
-              <a:rPr lang="de-DE" sz="1600" dirty="0" err="1">
-                <a:solidFill>
-                  <a:srgbClr val="DCDCAA"/>
-                </a:solidFill>
-                <a:latin typeface="Menlo" panose="020B0609030804020204" pitchFamily="49" charset="0"/>
-              </a:rPr>
-              <a:t>xTaskCreate</a:t>
-            </a:r>
-            <a:r>
-              <a:rPr lang="de-DE" sz="1600" dirty="0">
-                <a:solidFill>
-                  <a:srgbClr val="D4D4D4"/>
-                </a:solidFill>
-                <a:latin typeface="Menlo" panose="020B0609030804020204" pitchFamily="49" charset="0"/>
-              </a:rPr>
-              <a:t>(</a:t>
-            </a:r>
-            <a:r>
-              <a:rPr lang="de-DE" sz="1600" dirty="0" err="1">
-                <a:solidFill>
-                  <a:schemeClr val="tx1"/>
-                </a:solidFill>
-                <a:latin typeface="Menlo" panose="020B0609030804020204" pitchFamily="49" charset="0"/>
-              </a:rPr>
-              <a:t>comp_filter</a:t>
-            </a:r>
-            <a:r>
-              <a:rPr lang="de-DE" sz="1600" dirty="0">
-                <a:solidFill>
-                  <a:srgbClr val="D4D4D4"/>
-                </a:solidFill>
-                <a:latin typeface="Menlo" panose="020B0609030804020204" pitchFamily="49" charset="0"/>
-              </a:rPr>
-              <a:t>, </a:t>
-            </a:r>
-            <a:r>
-              <a:rPr lang="de-DE" sz="1600" dirty="0">
-                <a:solidFill>
-                  <a:srgbClr val="CE9178"/>
-                </a:solidFill>
-                <a:latin typeface="Menlo" panose="020B0609030804020204" pitchFamily="49" charset="0"/>
-              </a:rPr>
-              <a:t>"FILTER"</a:t>
-            </a:r>
-            <a:r>
-              <a:rPr lang="de-DE" sz="1600" dirty="0">
-                <a:solidFill>
-                  <a:srgbClr val="D4D4D4"/>
-                </a:solidFill>
-                <a:latin typeface="Menlo" panose="020B0609030804020204" pitchFamily="49" charset="0"/>
-              </a:rPr>
-              <a:t>,</a:t>
-            </a:r>
-          </a:p>
-          <a:p>
-            <a:pPr marL="0" indent="0">
-              <a:buFont typeface="Arial" panose="020B0604020202020204" pitchFamily="34" charset="0"/>
-              <a:buNone/>
-            </a:pPr>
-            <a:r>
-              <a:rPr lang="de-DE" sz="1600" dirty="0">
-                <a:solidFill>
-                  <a:srgbClr val="D4D4D4"/>
-                </a:solidFill>
-                <a:latin typeface="Menlo" panose="020B0609030804020204" pitchFamily="49" charset="0"/>
-              </a:rPr>
-              <a:t>(</a:t>
-            </a:r>
-            <a:r>
-              <a:rPr lang="de-DE" sz="1600" dirty="0">
-                <a:solidFill>
-                  <a:srgbClr val="B5CEA8"/>
-                </a:solidFill>
-                <a:latin typeface="Menlo" panose="020B0609030804020204" pitchFamily="49" charset="0"/>
-              </a:rPr>
-              <a:t>3</a:t>
-            </a:r>
-            <a:r>
-              <a:rPr lang="de-DE" sz="1600" dirty="0">
-                <a:solidFill>
-                  <a:srgbClr val="D4D4D4"/>
-                </a:solidFill>
-                <a:latin typeface="Menlo" panose="020B0609030804020204" pitchFamily="49" charset="0"/>
-              </a:rPr>
-              <a:t> * </a:t>
-            </a:r>
-            <a:r>
-              <a:rPr lang="de-DE" sz="1600" dirty="0" err="1">
-                <a:solidFill>
-                  <a:schemeClr val="tx1"/>
-                </a:solidFill>
-                <a:latin typeface="Menlo" panose="020B0609030804020204" pitchFamily="49" charset="0"/>
-              </a:rPr>
-              <a:t>configMINIMAL_STACK_SIZE</a:t>
-            </a:r>
-            <a:r>
-              <a:rPr lang="de-DE" sz="1600" dirty="0">
-                <a:solidFill>
-                  <a:srgbClr val="D4D4D4"/>
-                </a:solidFill>
-                <a:latin typeface="Menlo" panose="020B0609030804020204" pitchFamily="49" charset="0"/>
-              </a:rPr>
-              <a:t>), </a:t>
-            </a:r>
-            <a:r>
-              <a:rPr lang="de-DE" sz="1600" dirty="0">
-                <a:solidFill>
-                  <a:srgbClr val="569CD6"/>
-                </a:solidFill>
-                <a:latin typeface="Menlo" panose="020B0609030804020204" pitchFamily="49" charset="0"/>
-              </a:rPr>
-              <a:t>NULL</a:t>
-            </a:r>
-            <a:r>
-              <a:rPr lang="de-DE" sz="1600" dirty="0">
-                <a:solidFill>
-                  <a:srgbClr val="D4D4D4"/>
-                </a:solidFill>
-                <a:latin typeface="Menlo" panose="020B0609030804020204" pitchFamily="49" charset="0"/>
-              </a:rPr>
-              <a:t>, </a:t>
-            </a:r>
-            <a:r>
-              <a:rPr lang="de-DE" sz="1600" dirty="0">
-                <a:solidFill>
-                  <a:srgbClr val="B5CEA8"/>
-                </a:solidFill>
-                <a:latin typeface="Menlo" panose="020B0609030804020204" pitchFamily="49" charset="0"/>
-              </a:rPr>
-              <a:t>3</a:t>
-            </a:r>
-            <a:r>
-              <a:rPr lang="de-DE" sz="1600" dirty="0">
-                <a:solidFill>
-                  <a:srgbClr val="D4D4D4"/>
-                </a:solidFill>
-                <a:latin typeface="Menlo" panose="020B0609030804020204" pitchFamily="49" charset="0"/>
-              </a:rPr>
-              <a:t>, </a:t>
-            </a:r>
-            <a:r>
-              <a:rPr lang="de-DE" sz="1600" dirty="0">
-                <a:solidFill>
-                  <a:srgbClr val="569CD6"/>
-                </a:solidFill>
-                <a:latin typeface="Menlo" panose="020B0609030804020204" pitchFamily="49" charset="0"/>
-              </a:rPr>
-              <a:t>NULL</a:t>
-            </a:r>
-            <a:r>
-              <a:rPr lang="de-DE" sz="1600" dirty="0">
-                <a:solidFill>
-                  <a:srgbClr val="D4D4D4"/>
-                </a:solidFill>
-                <a:latin typeface="Menlo" panose="020B0609030804020204" pitchFamily="49" charset="0"/>
-              </a:rPr>
-              <a:t>);</a:t>
-            </a:r>
-          </a:p>
-          <a:p>
-            <a:pPr marL="0" indent="0">
-              <a:buFont typeface="Arial" panose="020B0604020202020204" pitchFamily="34" charset="0"/>
-              <a:buNone/>
-            </a:pPr>
-            <a:r>
-              <a:rPr lang="de-DE" sz="1600" dirty="0" err="1">
-                <a:solidFill>
-                  <a:srgbClr val="DCDCAA"/>
-                </a:solidFill>
-                <a:latin typeface="Menlo" panose="020B0609030804020204" pitchFamily="49" charset="0"/>
-              </a:rPr>
-              <a:t>xTaskCreate</a:t>
-            </a:r>
-            <a:r>
-              <a:rPr lang="de-DE" sz="1600" dirty="0">
-                <a:solidFill>
-                  <a:srgbClr val="D4D4D4"/>
-                </a:solidFill>
-                <a:latin typeface="Menlo" panose="020B0609030804020204" pitchFamily="49" charset="0"/>
-              </a:rPr>
-              <a:t>(</a:t>
-            </a:r>
-            <a:r>
-              <a:rPr lang="de-DE" sz="1600" dirty="0" err="1">
-                <a:solidFill>
-                  <a:schemeClr val="tx1"/>
-                </a:solidFill>
-                <a:latin typeface="Menlo" panose="020B0609030804020204" pitchFamily="49" charset="0"/>
-              </a:rPr>
-              <a:t>setPointtrack</a:t>
-            </a:r>
-            <a:r>
-              <a:rPr lang="de-DE" sz="1600" dirty="0">
-                <a:solidFill>
-                  <a:srgbClr val="D4D4D4"/>
-                </a:solidFill>
-                <a:latin typeface="Menlo" panose="020B0609030804020204" pitchFamily="49" charset="0"/>
-              </a:rPr>
-              <a:t>, </a:t>
-            </a:r>
-            <a:r>
-              <a:rPr lang="de-DE" sz="1600" dirty="0">
-                <a:solidFill>
-                  <a:srgbClr val="CE9178"/>
-                </a:solidFill>
-                <a:latin typeface="Menlo" panose="020B0609030804020204" pitchFamily="49" charset="0"/>
-              </a:rPr>
-              <a:t>"SETPOINT"</a:t>
-            </a:r>
-            <a:r>
-              <a:rPr lang="de-DE" sz="1600" dirty="0">
-                <a:solidFill>
-                  <a:srgbClr val="D4D4D4"/>
-                </a:solidFill>
-                <a:latin typeface="Menlo" panose="020B0609030804020204" pitchFamily="49" charset="0"/>
-              </a:rPr>
-              <a:t>,</a:t>
-            </a:r>
-          </a:p>
-          <a:p>
-            <a:pPr marL="0" indent="0">
-              <a:buFont typeface="Arial" panose="020B0604020202020204" pitchFamily="34" charset="0"/>
-              <a:buNone/>
-            </a:pPr>
-            <a:r>
-              <a:rPr lang="de-DE" sz="1600" dirty="0">
-                <a:solidFill>
-                  <a:srgbClr val="D4D4D4"/>
-                </a:solidFill>
-                <a:latin typeface="Menlo" panose="020B0609030804020204" pitchFamily="49" charset="0"/>
-              </a:rPr>
-              <a:t>(</a:t>
-            </a:r>
-            <a:r>
-              <a:rPr lang="de-DE" sz="1600" dirty="0">
-                <a:solidFill>
-                  <a:srgbClr val="B5CEA8"/>
-                </a:solidFill>
-                <a:latin typeface="Menlo" panose="020B0609030804020204" pitchFamily="49" charset="0"/>
-              </a:rPr>
-              <a:t>3</a:t>
-            </a:r>
-            <a:r>
-              <a:rPr lang="de-DE" sz="1600" dirty="0">
-                <a:solidFill>
-                  <a:srgbClr val="D4D4D4"/>
-                </a:solidFill>
-                <a:latin typeface="Menlo" panose="020B0609030804020204" pitchFamily="49" charset="0"/>
-              </a:rPr>
-              <a:t> * </a:t>
-            </a:r>
-            <a:r>
-              <a:rPr lang="de-DE" sz="1600" dirty="0" err="1">
-                <a:solidFill>
-                  <a:schemeClr val="tx1"/>
-                </a:solidFill>
-                <a:latin typeface="Menlo" panose="020B0609030804020204" pitchFamily="49" charset="0"/>
-              </a:rPr>
-              <a:t>configMINIMAL_STACK_SIZE</a:t>
-            </a:r>
-            <a:r>
-              <a:rPr lang="de-DE" sz="1600" dirty="0">
-                <a:solidFill>
-                  <a:srgbClr val="D4D4D4"/>
-                </a:solidFill>
-                <a:latin typeface="Menlo" panose="020B0609030804020204" pitchFamily="49" charset="0"/>
-              </a:rPr>
-              <a:t>), </a:t>
-            </a:r>
-            <a:r>
-              <a:rPr lang="de-DE" sz="1600" dirty="0">
-                <a:solidFill>
-                  <a:srgbClr val="569CD6"/>
-                </a:solidFill>
-                <a:latin typeface="Menlo" panose="020B0609030804020204" pitchFamily="49" charset="0"/>
-              </a:rPr>
-              <a:t>NULL</a:t>
-            </a:r>
-            <a:r>
-              <a:rPr lang="de-DE" sz="1600" dirty="0">
-                <a:solidFill>
-                  <a:srgbClr val="D4D4D4"/>
-                </a:solidFill>
-                <a:latin typeface="Menlo" panose="020B0609030804020204" pitchFamily="49" charset="0"/>
-              </a:rPr>
-              <a:t>, </a:t>
-            </a:r>
-            <a:r>
-              <a:rPr lang="de-DE" sz="1600" dirty="0">
-                <a:solidFill>
-                  <a:srgbClr val="B5CEA8"/>
-                </a:solidFill>
-                <a:latin typeface="Menlo" panose="020B0609030804020204" pitchFamily="49" charset="0"/>
-              </a:rPr>
-              <a:t>1</a:t>
-            </a:r>
-            <a:r>
-              <a:rPr lang="de-DE" sz="1600" dirty="0">
-                <a:solidFill>
-                  <a:srgbClr val="D4D4D4"/>
-                </a:solidFill>
-                <a:latin typeface="Menlo" panose="020B0609030804020204" pitchFamily="49" charset="0"/>
-              </a:rPr>
-              <a:t>, </a:t>
-            </a:r>
-            <a:r>
-              <a:rPr lang="de-DE" sz="1600" dirty="0">
-                <a:solidFill>
-                  <a:srgbClr val="569CD6"/>
-                </a:solidFill>
-                <a:latin typeface="Menlo" panose="020B0609030804020204" pitchFamily="49" charset="0"/>
-              </a:rPr>
-              <a:t>NULL</a:t>
-            </a:r>
-            <a:r>
-              <a:rPr lang="de-DE" sz="1600" dirty="0">
-                <a:solidFill>
-                  <a:srgbClr val="D4D4D4"/>
-                </a:solidFill>
-                <a:latin typeface="Menlo" panose="020B0609030804020204" pitchFamily="49" charset="0"/>
-              </a:rPr>
-              <a:t>);</a:t>
-            </a:r>
-          </a:p>
-          <a:p>
-            <a:pPr marL="0" indent="0">
-              <a:buFont typeface="Arial" panose="020B0604020202020204" pitchFamily="34" charset="0"/>
-              <a:buNone/>
-            </a:pPr>
-            <a:r>
-              <a:rPr lang="de-DE" sz="1600" dirty="0" err="1">
-                <a:solidFill>
-                  <a:srgbClr val="DCDCAA"/>
-                </a:solidFill>
-                <a:latin typeface="Menlo" panose="020B0609030804020204" pitchFamily="49" charset="0"/>
-              </a:rPr>
-              <a:t>xTaskCreate</a:t>
-            </a:r>
-            <a:r>
-              <a:rPr lang="de-DE" sz="1600" dirty="0">
-                <a:solidFill>
-                  <a:srgbClr val="D4D4D4"/>
-                </a:solidFill>
-                <a:latin typeface="Menlo" panose="020B0609030804020204" pitchFamily="49" charset="0"/>
-              </a:rPr>
-              <a:t>(</a:t>
-            </a:r>
-            <a:r>
-              <a:rPr lang="de-DE" sz="1600" dirty="0" err="1">
-                <a:solidFill>
-                  <a:schemeClr val="tx1"/>
-                </a:solidFill>
-                <a:latin typeface="Menlo" panose="020B0609030804020204" pitchFamily="49" charset="0"/>
-              </a:rPr>
-              <a:t>controller</a:t>
-            </a:r>
-            <a:r>
-              <a:rPr lang="de-DE" sz="1600" dirty="0">
-                <a:solidFill>
-                  <a:srgbClr val="D4D4D4"/>
-                </a:solidFill>
-                <a:latin typeface="Menlo" panose="020B0609030804020204" pitchFamily="49" charset="0"/>
-              </a:rPr>
-              <a:t>, </a:t>
-            </a:r>
-            <a:r>
-              <a:rPr lang="de-DE" sz="1600" dirty="0">
-                <a:solidFill>
-                  <a:srgbClr val="CE9178"/>
-                </a:solidFill>
-                <a:latin typeface="Menlo" panose="020B0609030804020204" pitchFamily="49" charset="0"/>
-              </a:rPr>
-              <a:t>"CONTROL"</a:t>
-            </a:r>
-            <a:r>
-              <a:rPr lang="de-DE" sz="1600" dirty="0">
-                <a:solidFill>
-                  <a:srgbClr val="D4D4D4"/>
-                </a:solidFill>
-                <a:latin typeface="Menlo" panose="020B0609030804020204" pitchFamily="49" charset="0"/>
-              </a:rPr>
-              <a:t>,</a:t>
-            </a:r>
-          </a:p>
-          <a:p>
-            <a:pPr marL="0" indent="0">
-              <a:buFont typeface="Arial" panose="020B0604020202020204" pitchFamily="34" charset="0"/>
-              <a:buNone/>
-            </a:pPr>
-            <a:r>
-              <a:rPr lang="de-DE" sz="1600" dirty="0">
-                <a:solidFill>
-                  <a:srgbClr val="D4D4D4"/>
-                </a:solidFill>
-                <a:latin typeface="Menlo" panose="020B0609030804020204" pitchFamily="49" charset="0"/>
-              </a:rPr>
-              <a:t>(</a:t>
-            </a:r>
-            <a:r>
-              <a:rPr lang="de-DE" sz="1600" dirty="0">
-                <a:solidFill>
-                  <a:srgbClr val="B5CEA8"/>
-                </a:solidFill>
-                <a:latin typeface="Menlo" panose="020B0609030804020204" pitchFamily="49" charset="0"/>
-              </a:rPr>
-              <a:t>3</a:t>
-            </a:r>
-            <a:r>
-              <a:rPr lang="de-DE" sz="1600" dirty="0">
-                <a:solidFill>
-                  <a:srgbClr val="D4D4D4"/>
-                </a:solidFill>
-                <a:latin typeface="Menlo" panose="020B0609030804020204" pitchFamily="49" charset="0"/>
-              </a:rPr>
-              <a:t> * </a:t>
-            </a:r>
-            <a:r>
-              <a:rPr lang="de-DE" sz="1600" dirty="0" err="1">
-                <a:solidFill>
-                  <a:schemeClr val="tx1"/>
-                </a:solidFill>
-                <a:latin typeface="Menlo" panose="020B0609030804020204" pitchFamily="49" charset="0"/>
-              </a:rPr>
-              <a:t>configMINIMAL_STACK_SIZE</a:t>
-            </a:r>
-            <a:r>
-              <a:rPr lang="de-DE" sz="1600" dirty="0">
-                <a:solidFill>
-                  <a:srgbClr val="D4D4D4"/>
-                </a:solidFill>
-                <a:latin typeface="Menlo" panose="020B0609030804020204" pitchFamily="49" charset="0"/>
-              </a:rPr>
-              <a:t>), </a:t>
-            </a:r>
-            <a:r>
-              <a:rPr lang="de-DE" sz="1600" dirty="0">
-                <a:solidFill>
-                  <a:srgbClr val="569CD6"/>
-                </a:solidFill>
-                <a:latin typeface="Menlo" panose="020B0609030804020204" pitchFamily="49" charset="0"/>
-              </a:rPr>
-              <a:t>NULL</a:t>
-            </a:r>
-            <a:r>
-              <a:rPr lang="de-DE" sz="1600" dirty="0">
-                <a:solidFill>
-                  <a:srgbClr val="D4D4D4"/>
-                </a:solidFill>
-                <a:latin typeface="Menlo" panose="020B0609030804020204" pitchFamily="49" charset="0"/>
-              </a:rPr>
-              <a:t>, </a:t>
-            </a:r>
-            <a:r>
-              <a:rPr lang="de-DE" sz="1600" dirty="0">
-                <a:solidFill>
-                  <a:srgbClr val="B5CEA8"/>
-                </a:solidFill>
-                <a:latin typeface="Menlo" panose="020B0609030804020204" pitchFamily="49" charset="0"/>
-              </a:rPr>
-              <a:t>2</a:t>
-            </a:r>
-            <a:r>
-              <a:rPr lang="de-DE" sz="1600" dirty="0">
-                <a:solidFill>
-                  <a:srgbClr val="D4D4D4"/>
-                </a:solidFill>
-                <a:latin typeface="Menlo" panose="020B0609030804020204" pitchFamily="49" charset="0"/>
-              </a:rPr>
-              <a:t>, </a:t>
-            </a:r>
-            <a:r>
-              <a:rPr lang="de-DE" sz="1600" dirty="0">
-                <a:solidFill>
-                  <a:srgbClr val="569CD6"/>
-                </a:solidFill>
-                <a:latin typeface="Menlo" panose="020B0609030804020204" pitchFamily="49" charset="0"/>
-              </a:rPr>
-              <a:t>NULL</a:t>
-            </a:r>
-            <a:r>
-              <a:rPr lang="de-DE" sz="1600" dirty="0">
-                <a:solidFill>
-                  <a:srgbClr val="D4D4D4"/>
-                </a:solidFill>
-                <a:latin typeface="Menlo" panose="020B0609030804020204" pitchFamily="49" charset="0"/>
-              </a:rPr>
-              <a:t>);</a:t>
-            </a:r>
-          </a:p>
-          <a:p>
-            <a:pPr marL="0" indent="0">
-              <a:buFont typeface="Arial" panose="020B0604020202020204" pitchFamily="34" charset="0"/>
-              <a:buNone/>
-            </a:pPr>
-            <a:r>
-              <a:rPr lang="de-DE" sz="1600" dirty="0">
-                <a:solidFill>
-                  <a:srgbClr val="D4D4D4"/>
-                </a:solidFill>
-                <a:latin typeface="Menlo" panose="020B0609030804020204" pitchFamily="49" charset="0"/>
-              </a:rPr>
-              <a:t>}</a:t>
-            </a:r>
-          </a:p>
-          <a:p>
-            <a:pPr marL="0" indent="0">
-              <a:buFont typeface="Arial" panose="020B0604020202020204" pitchFamily="34" charset="0"/>
-              <a:buNone/>
-            </a:pPr>
-            <a:endParaRPr lang="de-DE" sz="1600" dirty="0"/>
-          </a:p>
-        </p:txBody>
-      </p:sp>
+      </p:pic>
+      <p:pic>
+        <p:nvPicPr>
+          <p:cNvPr id="7" name="Bildobjekt 6" descr="En bild som visar objekt, klocka, himmel&#10;&#10;Automatiskt genererad beskrivning">
+            <a:extLst>
+              <a:ext uri="{FF2B5EF4-FFF2-40B4-BE49-F238E27FC236}">
+                <a16:creationId xmlns:a16="http://schemas.microsoft.com/office/drawing/2014/main" id="{168F512C-AAAB-4CDA-9FE3-F9668DD35CAE}"/>
+              </a:ext>
+            </a:extLst>
+          </p:cNvPr>
+          <p:cNvPicPr>
+            <a:picLocks noChangeAspect="1"/>
+          </p:cNvPicPr>
+          <p:nvPr/>
+        </p:nvPicPr>
+        <p:blipFill>
+          <a:blip r:embed="rId3"/>
+          <a:stretch>
+            <a:fillRect/>
+          </a:stretch>
+        </p:blipFill>
+        <p:spPr>
+          <a:xfrm>
+            <a:off x="6020040" y="2482149"/>
+            <a:ext cx="5243014" cy="1501270"/>
+          </a:xfrm>
+          <a:prstGeom prst="rect">
+            <a:avLst/>
+          </a:prstGeom>
+        </p:spPr>
+      </p:pic>
+      <p:pic>
+        <p:nvPicPr>
+          <p:cNvPr id="9" name="Bildobjekt 8" descr="En bild som visar objekt&#10;&#10;Automatiskt genererad beskrivning">
+            <a:extLst>
+              <a:ext uri="{FF2B5EF4-FFF2-40B4-BE49-F238E27FC236}">
+                <a16:creationId xmlns:a16="http://schemas.microsoft.com/office/drawing/2014/main" id="{C66D2278-4A13-4AD3-98BA-C5C9F140DC2D}"/>
+              </a:ext>
+            </a:extLst>
+          </p:cNvPr>
+          <p:cNvPicPr>
+            <a:picLocks noChangeAspect="1"/>
+          </p:cNvPicPr>
+          <p:nvPr/>
+        </p:nvPicPr>
+        <p:blipFill>
+          <a:blip r:embed="rId4"/>
+          <a:stretch>
+            <a:fillRect/>
+          </a:stretch>
+        </p:blipFill>
+        <p:spPr>
+          <a:xfrm>
+            <a:off x="6020040" y="4943500"/>
+            <a:ext cx="3231160" cy="693480"/>
+          </a:xfrm>
+          <a:prstGeom prst="rect">
+            <a:avLst/>
+          </a:prstGeom>
+        </p:spPr>
+      </p:pic>
     </p:spTree>
     <p:extLst>
       <p:ext uri="{BB962C8B-B14F-4D97-AF65-F5344CB8AC3E}">
-        <p14:creationId xmlns:p14="http://schemas.microsoft.com/office/powerpoint/2010/main" val="331199780"/>
+        <p14:creationId xmlns:p14="http://schemas.microsoft.com/office/powerpoint/2010/main" val="2408421508"/>
       </p:ext>
     </p:extLst>
   </p:cSld>
@@ -5463,19 +5431,11 @@
             </a:br>
             <a:r>
               <a:rPr lang="de-DE" dirty="0"/>
-              <a:t>- Filter </a:t>
+              <a:t>- State </a:t>
             </a:r>
             <a:r>
               <a:rPr lang="de-DE" dirty="0" err="1"/>
-              <a:t>function</a:t>
-            </a:r>
-            <a:r>
-              <a:rPr lang="de-DE" dirty="0"/>
-              <a:t> </a:t>
-            </a:r>
-            <a:r>
-              <a:rPr lang="de-DE" dirty="0" err="1"/>
-              <a:t>semaphores</a:t>
+              <a:t>vector</a:t>
             </a:r>
             <a:r>
               <a:rPr lang="de-DE" dirty="0"/>
@@ -5486,10 +5446,10 @@
       </p:sp>
       <p:sp>
         <p:nvSpPr>
-          <p:cNvPr id="6" name="Inhaltsplatzhalter 5">
+          <p:cNvPr id="3" name="Inhaltsplatzhalter 2">
             <a:extLst>
               <a:ext uri="{FF2B5EF4-FFF2-40B4-BE49-F238E27FC236}">
-                <a16:creationId xmlns:a16="http://schemas.microsoft.com/office/drawing/2014/main" id="{7A4B3519-7053-4F4A-9704-0D8536946FB3}"/>
+                <a16:creationId xmlns:a16="http://schemas.microsoft.com/office/drawing/2014/main" id="{5883414A-B3A6-BE40-8248-C6206154A4F0}"/>
               </a:ext>
             </a:extLst>
           </p:cNvPr>
@@ -5500,12 +5460,7 @@
             <p:ph idx="1"/>
           </p:nvPr>
         </p:nvSpPr>
-        <p:spPr>
-          <a:xfrm>
-            <a:off x="468923" y="2497368"/>
-            <a:ext cx="11254153" cy="3664282"/>
-          </a:xfrm>
-        </p:spPr>
+        <p:spPr/>
         <p:txBody>
           <a:bodyPr>
             <a:normAutofit fontScale="92500" lnSpcReduction="10000"/>
@@ -5516,46 +5471,82 @@
               <a:buNone/>
             </a:pPr>
             <a:r>
-              <a:rPr lang="de-DE" dirty="0" err="1">
-                <a:solidFill>
-                  <a:srgbClr val="DCDCAA"/>
-                </a:solidFill>
-                <a:latin typeface="Menlo" panose="020B0609030804020204" pitchFamily="49" charset="0"/>
-              </a:rPr>
-              <a:t>xSemaphoreTake</a:t>
-            </a:r>
-            <a:r>
-              <a:rPr lang="de-DE" dirty="0">
-                <a:solidFill>
-                  <a:srgbClr val="D4D4D4"/>
-                </a:solidFill>
-                <a:latin typeface="Menlo" panose="020B0609030804020204" pitchFamily="49" charset="0"/>
-              </a:rPr>
-              <a:t>(</a:t>
-            </a:r>
-            <a:r>
-              <a:rPr lang="de-DE" dirty="0" err="1">
-                <a:solidFill>
-                  <a:schemeClr val="tx1"/>
-                </a:solidFill>
-                <a:latin typeface="Menlo" panose="020B0609030804020204" pitchFamily="49" charset="0"/>
-              </a:rPr>
-              <a:t>filtsema,portMAX_DELAY</a:t>
-            </a:r>
-            <a:r>
-              <a:rPr lang="de-DE" dirty="0">
-                <a:solidFill>
-                  <a:srgbClr val="D4D4D4"/>
-                </a:solidFill>
-                <a:latin typeface="Menlo" panose="020B0609030804020204" pitchFamily="49" charset="0"/>
-              </a:rPr>
-              <a:t>); </a:t>
+              <a:rPr lang="de-DE" dirty="0">
+                <a:solidFill>
+                  <a:srgbClr val="569CD6"/>
+                </a:solidFill>
+                <a:latin typeface="Menlo" panose="020B0609030804020204" pitchFamily="49" charset="0"/>
+              </a:rPr>
+              <a:t>volatile</a:t>
+            </a:r>
+            <a:r>
+              <a:rPr lang="de-DE" dirty="0">
+                <a:solidFill>
+                  <a:srgbClr val="D4D4D4"/>
+                </a:solidFill>
+                <a:latin typeface="Menlo" panose="020B0609030804020204" pitchFamily="49" charset="0"/>
+              </a:rPr>
+              <a:t> </a:t>
+            </a:r>
+            <a:r>
+              <a:rPr lang="de-DE" dirty="0" err="1">
+                <a:solidFill>
+                  <a:srgbClr val="569CD6"/>
+                </a:solidFill>
+                <a:latin typeface="Menlo" panose="020B0609030804020204" pitchFamily="49" charset="0"/>
+              </a:rPr>
+              <a:t>struct</a:t>
+            </a:r>
+            <a:r>
+              <a:rPr lang="de-DE" dirty="0">
+                <a:solidFill>
+                  <a:srgbClr val="D4D4D4"/>
+                </a:solidFill>
+                <a:latin typeface="Menlo" panose="020B0609030804020204" pitchFamily="49" charset="0"/>
+              </a:rPr>
+              <a:t> {</a:t>
             </a:r>
           </a:p>
           <a:p>
             <a:pPr marL="0" indent="0">
               <a:buNone/>
             </a:pPr>
+            <a:r>
+              <a:rPr lang="de-DE" dirty="0">
+                <a:solidFill>
+                  <a:srgbClr val="6A9955"/>
+                </a:solidFill>
+                <a:latin typeface="Menlo" panose="020B0609030804020204" pitchFamily="49" charset="0"/>
+              </a:rPr>
+              <a:t>// </a:t>
+            </a:r>
+            <a:r>
+              <a:rPr lang="de-DE" dirty="0" err="1">
+                <a:solidFill>
+                  <a:srgbClr val="6A9955"/>
+                </a:solidFill>
+                <a:latin typeface="Menlo" panose="020B0609030804020204" pitchFamily="49" charset="0"/>
+              </a:rPr>
+              <a:t>angles</a:t>
+            </a:r>
+            <a:r>
+              <a:rPr lang="de-DE" dirty="0">
+                <a:solidFill>
+                  <a:srgbClr val="6A9955"/>
+                </a:solidFill>
+                <a:latin typeface="Menlo" panose="020B0609030804020204" pitchFamily="49" charset="0"/>
+              </a:rPr>
+              <a:t> - </a:t>
+            </a:r>
+            <a:r>
+              <a:rPr lang="de-DE" dirty="0" err="1">
+                <a:solidFill>
+                  <a:srgbClr val="6A9955"/>
+                </a:solidFill>
+                <a:latin typeface="Menlo" panose="020B0609030804020204" pitchFamily="49" charset="0"/>
+              </a:rPr>
+              <a:t>degree</a:t>
+            </a:r>
             <a:endParaRPr lang="de-DE" dirty="0">
               <a:solidFill>
                 <a:srgbClr val="D4D4D4"/>
@@ -5564,759 +5555,127 @@
             </a:endParaRPr>
           </a:p>
           <a:p>
+            <a:pPr marL="228600" lvl="1" indent="0">
+              <a:buNone/>
+            </a:pPr>
+            <a:r>
+              <a:rPr lang="de-DE" dirty="0" err="1">
+                <a:solidFill>
+                  <a:srgbClr val="569CD6"/>
+                </a:solidFill>
+                <a:latin typeface="Menlo" panose="020B0609030804020204" pitchFamily="49" charset="0"/>
+              </a:rPr>
+              <a:t>float</a:t>
+            </a:r>
+            <a:r>
+              <a:rPr lang="de-DE" dirty="0">
+                <a:solidFill>
+                  <a:srgbClr val="D4D4D4"/>
+                </a:solidFill>
+                <a:latin typeface="Menlo" panose="020B0609030804020204" pitchFamily="49" charset="0"/>
+              </a:rPr>
+              <a:t> </a:t>
+            </a:r>
+            <a:r>
+              <a:rPr lang="de-DE" dirty="0">
+                <a:solidFill>
+                  <a:schemeClr val="tx1"/>
+                </a:solidFill>
+                <a:latin typeface="Menlo" panose="020B0609030804020204" pitchFamily="49" charset="0"/>
+              </a:rPr>
+              <a:t>roll;</a:t>
+            </a:r>
+          </a:p>
+          <a:p>
+            <a:pPr marL="228600" lvl="1" indent="0">
+              <a:buNone/>
+            </a:pPr>
+            <a:r>
+              <a:rPr lang="de-DE" dirty="0" err="1">
+                <a:solidFill>
+                  <a:srgbClr val="569CD6"/>
+                </a:solidFill>
+                <a:latin typeface="Menlo" panose="020B0609030804020204" pitchFamily="49" charset="0"/>
+              </a:rPr>
+              <a:t>float</a:t>
+            </a:r>
+            <a:r>
+              <a:rPr lang="de-DE" dirty="0">
+                <a:solidFill>
+                  <a:srgbClr val="D4D4D4"/>
+                </a:solidFill>
+                <a:latin typeface="Menlo" panose="020B0609030804020204" pitchFamily="49" charset="0"/>
+              </a:rPr>
+              <a:t> </a:t>
+            </a:r>
+            <a:r>
+              <a:rPr lang="de-DE" dirty="0" err="1">
+                <a:solidFill>
+                  <a:schemeClr val="tx1"/>
+                </a:solidFill>
+                <a:latin typeface="Menlo" panose="020B0609030804020204" pitchFamily="49" charset="0"/>
+              </a:rPr>
+              <a:t>pitch</a:t>
+            </a:r>
+            <a:r>
+              <a:rPr lang="de-DE" dirty="0">
+                <a:solidFill>
+                  <a:schemeClr val="tx1"/>
+                </a:solidFill>
+                <a:latin typeface="Menlo" panose="020B0609030804020204" pitchFamily="49" charset="0"/>
+              </a:rPr>
+              <a:t>;</a:t>
+            </a:r>
+          </a:p>
+          <a:p>
             <a:pPr marL="0" indent="0">
               <a:buNone/>
             </a:pPr>
             <a:r>
-              <a:rPr lang="de-DE" dirty="0" err="1">
-                <a:solidFill>
-                  <a:srgbClr val="9CDCFE"/>
-                </a:solidFill>
-                <a:latin typeface="Menlo" panose="020B0609030804020204" pitchFamily="49" charset="0"/>
-              </a:rPr>
-              <a:t>state</a:t>
-            </a:r>
-            <a:r>
-              <a:rPr lang="de-DE" dirty="0" err="1">
-                <a:solidFill>
-                  <a:srgbClr val="D4D4D4"/>
-                </a:solidFill>
-                <a:latin typeface="Menlo" panose="020B0609030804020204" pitchFamily="49" charset="0"/>
-              </a:rPr>
-              <a:t>.</a:t>
-            </a:r>
-            <a:r>
-              <a:rPr lang="de-DE" dirty="0" err="1">
-                <a:solidFill>
-                  <a:srgbClr val="9CDCFE"/>
-                </a:solidFill>
-                <a:latin typeface="Menlo" panose="020B0609030804020204" pitchFamily="49" charset="0"/>
-              </a:rPr>
-              <a:t>pitch</a:t>
-            </a:r>
-            <a:r>
-              <a:rPr lang="de-DE" dirty="0">
-                <a:solidFill>
-                  <a:srgbClr val="D4D4D4"/>
-                </a:solidFill>
-                <a:latin typeface="Menlo" panose="020B0609030804020204" pitchFamily="49" charset="0"/>
-              </a:rPr>
-              <a:t>= (</a:t>
-            </a:r>
-            <a:r>
-              <a:rPr lang="de-DE" dirty="0">
-                <a:solidFill>
-                  <a:srgbClr val="B5CEA8"/>
-                </a:solidFill>
-                <a:latin typeface="Menlo" panose="020B0609030804020204" pitchFamily="49" charset="0"/>
-              </a:rPr>
-              <a:t>1</a:t>
-            </a:r>
-            <a:r>
-              <a:rPr lang="de-DE" dirty="0">
-                <a:solidFill>
-                  <a:srgbClr val="D4D4D4"/>
-                </a:solidFill>
-                <a:latin typeface="Menlo" panose="020B0609030804020204" pitchFamily="49" charset="0"/>
-              </a:rPr>
-              <a:t>-</a:t>
-            </a:r>
-            <a:r>
-              <a:rPr lang="de-DE" dirty="0">
-                <a:solidFill>
-                  <a:schemeClr val="tx1"/>
-                </a:solidFill>
-                <a:latin typeface="Menlo" panose="020B0609030804020204" pitchFamily="49" charset="0"/>
-              </a:rPr>
-              <a:t>gamma</a:t>
-            </a:r>
-            <a:r>
-              <a:rPr lang="de-DE" dirty="0">
-                <a:solidFill>
-                  <a:srgbClr val="D4D4D4"/>
-                </a:solidFill>
-                <a:latin typeface="Menlo" panose="020B0609030804020204" pitchFamily="49" charset="0"/>
-              </a:rPr>
-              <a:t>)*</a:t>
-            </a:r>
-            <a:r>
-              <a:rPr lang="de-DE" dirty="0" err="1">
-                <a:solidFill>
-                  <a:schemeClr val="tx1"/>
-                </a:solidFill>
-                <a:latin typeface="Menlo" panose="020B0609030804020204" pitchFamily="49" charset="0"/>
-              </a:rPr>
-              <a:t>thetaacc</a:t>
-            </a:r>
-            <a:r>
-              <a:rPr lang="de-DE" dirty="0">
-                <a:solidFill>
-                  <a:srgbClr val="D4D4D4"/>
-                </a:solidFill>
-                <a:latin typeface="Menlo" panose="020B0609030804020204" pitchFamily="49" charset="0"/>
-              </a:rPr>
-              <a:t> + </a:t>
-            </a:r>
-            <a:r>
-              <a:rPr lang="de-DE" dirty="0" err="1">
-                <a:solidFill>
-                  <a:schemeClr val="tx1"/>
-                </a:solidFill>
-                <a:latin typeface="Menlo" panose="020B0609030804020204" pitchFamily="49" charset="0"/>
-              </a:rPr>
-              <a:t>gamma</a:t>
-            </a:r>
-            <a:r>
-              <a:rPr lang="de-DE" dirty="0">
-                <a:solidFill>
-                  <a:srgbClr val="D4D4D4"/>
-                </a:solidFill>
-                <a:latin typeface="Menlo" panose="020B0609030804020204" pitchFamily="49" charset="0"/>
-              </a:rPr>
-              <a:t>*(</a:t>
-            </a:r>
-            <a:r>
-              <a:rPr lang="de-DE" dirty="0" err="1">
-                <a:solidFill>
-                  <a:srgbClr val="9CDCFE"/>
-                </a:solidFill>
-                <a:latin typeface="Menlo" panose="020B0609030804020204" pitchFamily="49" charset="0"/>
-              </a:rPr>
-              <a:t>state</a:t>
-            </a:r>
-            <a:r>
-              <a:rPr lang="de-DE" dirty="0" err="1">
-                <a:solidFill>
-                  <a:srgbClr val="D4D4D4"/>
-                </a:solidFill>
-                <a:latin typeface="Menlo" panose="020B0609030804020204" pitchFamily="49" charset="0"/>
-              </a:rPr>
-              <a:t>.</a:t>
-            </a:r>
-            <a:r>
-              <a:rPr lang="de-DE" dirty="0" err="1">
-                <a:solidFill>
-                  <a:srgbClr val="9CDCFE"/>
-                </a:solidFill>
-                <a:latin typeface="Menlo" panose="020B0609030804020204" pitchFamily="49" charset="0"/>
-              </a:rPr>
-              <a:t>pitch</a:t>
-            </a:r>
-            <a:r>
-              <a:rPr lang="de-DE" dirty="0">
-                <a:solidFill>
-                  <a:srgbClr val="D4D4D4"/>
-                </a:solidFill>
-                <a:latin typeface="Menlo" panose="020B0609030804020204" pitchFamily="49" charset="0"/>
-              </a:rPr>
-              <a:t> + </a:t>
-            </a:r>
-            <a:r>
-              <a:rPr lang="de-DE" dirty="0">
-                <a:solidFill>
-                  <a:schemeClr val="tx1"/>
-                </a:solidFill>
-                <a:latin typeface="Menlo" panose="020B0609030804020204" pitchFamily="49" charset="0"/>
-              </a:rPr>
-              <a:t>h</a:t>
-            </a:r>
-            <a:r>
-              <a:rPr lang="de-DE" dirty="0">
-                <a:solidFill>
-                  <a:srgbClr val="D4D4D4"/>
-                </a:solidFill>
-                <a:latin typeface="Menlo" panose="020B0609030804020204" pitchFamily="49" charset="0"/>
-              </a:rPr>
-              <a:t>*</a:t>
-            </a:r>
-            <a:r>
-              <a:rPr lang="de-DE" dirty="0" err="1">
-                <a:solidFill>
-                  <a:srgbClr val="9CDCFE"/>
-                </a:solidFill>
-                <a:latin typeface="Menlo" panose="020B0609030804020204" pitchFamily="49" charset="0"/>
-              </a:rPr>
-              <a:t>sensorData</a:t>
-            </a:r>
-            <a:r>
-              <a:rPr lang="de-DE" dirty="0" err="1">
-                <a:solidFill>
-                  <a:srgbClr val="D4D4D4"/>
-                </a:solidFill>
-                <a:latin typeface="Menlo" panose="020B0609030804020204" pitchFamily="49" charset="0"/>
-              </a:rPr>
-              <a:t>.</a:t>
-            </a:r>
-            <a:r>
-              <a:rPr lang="de-DE" dirty="0" err="1">
-                <a:solidFill>
-                  <a:srgbClr val="9CDCFE"/>
-                </a:solidFill>
-                <a:latin typeface="Menlo" panose="020B0609030804020204" pitchFamily="49" charset="0"/>
-              </a:rPr>
-              <a:t>gyro</a:t>
-            </a:r>
-            <a:r>
-              <a:rPr lang="de-DE" dirty="0" err="1">
-                <a:solidFill>
-                  <a:srgbClr val="D4D4D4"/>
-                </a:solidFill>
-                <a:latin typeface="Menlo" panose="020B0609030804020204" pitchFamily="49" charset="0"/>
-              </a:rPr>
-              <a:t>.</a:t>
-            </a:r>
-            <a:r>
-              <a:rPr lang="de-DE" dirty="0" err="1">
-                <a:solidFill>
-                  <a:srgbClr val="9CDCFE"/>
-                </a:solidFill>
-                <a:latin typeface="Menlo" panose="020B0609030804020204" pitchFamily="49" charset="0"/>
-              </a:rPr>
-              <a:t>y</a:t>
-            </a:r>
-            <a:r>
-              <a:rPr lang="de-DE" dirty="0">
-                <a:solidFill>
-                  <a:srgbClr val="D4D4D4"/>
-                </a:solidFill>
-                <a:latin typeface="Menlo" panose="020B0609030804020204" pitchFamily="49" charset="0"/>
-              </a:rPr>
-              <a:t>);</a:t>
-            </a:r>
-          </a:p>
-          <a:p>
-            <a:pPr marL="0" indent="0">
-              <a:buNone/>
-            </a:pPr>
-            <a:r>
-              <a:rPr lang="de-DE" dirty="0" err="1">
-                <a:solidFill>
-                  <a:srgbClr val="9CDCFE"/>
-                </a:solidFill>
-                <a:latin typeface="Menlo" panose="020B0609030804020204" pitchFamily="49" charset="0"/>
-              </a:rPr>
-              <a:t>state</a:t>
-            </a:r>
-            <a:r>
-              <a:rPr lang="de-DE" dirty="0" err="1">
-                <a:solidFill>
-                  <a:srgbClr val="D4D4D4"/>
-                </a:solidFill>
-                <a:latin typeface="Menlo" panose="020B0609030804020204" pitchFamily="49" charset="0"/>
-              </a:rPr>
-              <a:t>.</a:t>
-            </a:r>
-            <a:r>
-              <a:rPr lang="de-DE" dirty="0" err="1">
-                <a:solidFill>
-                  <a:srgbClr val="9CDCFE"/>
-                </a:solidFill>
-                <a:latin typeface="Menlo" panose="020B0609030804020204" pitchFamily="49" charset="0"/>
-              </a:rPr>
-              <a:t>roll</a:t>
-            </a:r>
-            <a:r>
-              <a:rPr lang="de-DE" dirty="0">
-                <a:solidFill>
-                  <a:srgbClr val="D4D4D4"/>
-                </a:solidFill>
-                <a:latin typeface="Menlo" panose="020B0609030804020204" pitchFamily="49" charset="0"/>
-              </a:rPr>
-              <a:t>= (</a:t>
-            </a:r>
-            <a:r>
-              <a:rPr lang="de-DE" dirty="0">
-                <a:solidFill>
-                  <a:srgbClr val="B5CEA8"/>
-                </a:solidFill>
-                <a:latin typeface="Menlo" panose="020B0609030804020204" pitchFamily="49" charset="0"/>
-              </a:rPr>
-              <a:t>1</a:t>
-            </a:r>
-            <a:r>
-              <a:rPr lang="de-DE" dirty="0">
-                <a:solidFill>
-                  <a:srgbClr val="D4D4D4"/>
-                </a:solidFill>
-                <a:latin typeface="Menlo" panose="020B0609030804020204" pitchFamily="49" charset="0"/>
-              </a:rPr>
-              <a:t>-</a:t>
-            </a:r>
-            <a:r>
-              <a:rPr lang="de-DE" dirty="0">
-                <a:solidFill>
-                  <a:schemeClr val="tx1"/>
-                </a:solidFill>
-                <a:latin typeface="Menlo" panose="020B0609030804020204" pitchFamily="49" charset="0"/>
-              </a:rPr>
-              <a:t>gamma</a:t>
-            </a:r>
-            <a:r>
-              <a:rPr lang="de-DE" dirty="0">
-                <a:solidFill>
-                  <a:srgbClr val="D4D4D4"/>
-                </a:solidFill>
-                <a:latin typeface="Menlo" panose="020B0609030804020204" pitchFamily="49" charset="0"/>
-              </a:rPr>
-              <a:t>)*</a:t>
-            </a:r>
-            <a:r>
-              <a:rPr lang="de-DE" dirty="0" err="1">
-                <a:solidFill>
-                  <a:schemeClr val="tx1"/>
-                </a:solidFill>
-                <a:latin typeface="Menlo" panose="020B0609030804020204" pitchFamily="49" charset="0"/>
-              </a:rPr>
-              <a:t>phiacc</a:t>
-            </a:r>
-            <a:r>
-              <a:rPr lang="de-DE" dirty="0">
-                <a:solidFill>
-                  <a:srgbClr val="D4D4D4"/>
-                </a:solidFill>
-                <a:latin typeface="Menlo" panose="020B0609030804020204" pitchFamily="49" charset="0"/>
-              </a:rPr>
-              <a:t> + </a:t>
-            </a:r>
-            <a:r>
-              <a:rPr lang="de-DE" dirty="0" err="1">
-                <a:solidFill>
-                  <a:schemeClr val="tx1"/>
-                </a:solidFill>
-                <a:latin typeface="Menlo" panose="020B0609030804020204" pitchFamily="49" charset="0"/>
-              </a:rPr>
-              <a:t>gamma</a:t>
-            </a:r>
-            <a:r>
-              <a:rPr lang="de-DE" dirty="0">
-                <a:solidFill>
-                  <a:srgbClr val="D4D4D4"/>
-                </a:solidFill>
-                <a:latin typeface="Menlo" panose="020B0609030804020204" pitchFamily="49" charset="0"/>
-              </a:rPr>
-              <a:t>*(</a:t>
-            </a:r>
-            <a:r>
-              <a:rPr lang="de-DE" dirty="0" err="1">
-                <a:solidFill>
-                  <a:srgbClr val="9CDCFE"/>
-                </a:solidFill>
-                <a:latin typeface="Menlo" panose="020B0609030804020204" pitchFamily="49" charset="0"/>
-              </a:rPr>
-              <a:t>state</a:t>
-            </a:r>
-            <a:r>
-              <a:rPr lang="de-DE" dirty="0" err="1">
-                <a:solidFill>
-                  <a:srgbClr val="D4D4D4"/>
-                </a:solidFill>
-                <a:latin typeface="Menlo" panose="020B0609030804020204" pitchFamily="49" charset="0"/>
-              </a:rPr>
-              <a:t>.</a:t>
-            </a:r>
-            <a:r>
-              <a:rPr lang="de-DE" dirty="0" err="1">
-                <a:solidFill>
-                  <a:srgbClr val="9CDCFE"/>
-                </a:solidFill>
-                <a:latin typeface="Menlo" panose="020B0609030804020204" pitchFamily="49" charset="0"/>
-              </a:rPr>
-              <a:t>roll</a:t>
-            </a:r>
-            <a:r>
-              <a:rPr lang="de-DE" dirty="0">
-                <a:solidFill>
-                  <a:srgbClr val="D4D4D4"/>
-                </a:solidFill>
-                <a:latin typeface="Menlo" panose="020B0609030804020204" pitchFamily="49" charset="0"/>
-              </a:rPr>
-              <a:t> + </a:t>
-            </a:r>
-            <a:r>
-              <a:rPr lang="de-DE" dirty="0">
-                <a:solidFill>
-                  <a:schemeClr val="tx1"/>
-                </a:solidFill>
-                <a:latin typeface="Menlo" panose="020B0609030804020204" pitchFamily="49" charset="0"/>
-              </a:rPr>
-              <a:t>h</a:t>
-            </a:r>
-            <a:r>
-              <a:rPr lang="de-DE" dirty="0">
-                <a:solidFill>
-                  <a:srgbClr val="D4D4D4"/>
-                </a:solidFill>
-                <a:latin typeface="Menlo" panose="020B0609030804020204" pitchFamily="49" charset="0"/>
-              </a:rPr>
-              <a:t>*</a:t>
-            </a:r>
-            <a:r>
-              <a:rPr lang="de-DE" dirty="0" err="1">
-                <a:solidFill>
-                  <a:srgbClr val="9CDCFE"/>
-                </a:solidFill>
-                <a:latin typeface="Menlo" panose="020B0609030804020204" pitchFamily="49" charset="0"/>
-              </a:rPr>
-              <a:t>sensorData</a:t>
-            </a:r>
-            <a:r>
-              <a:rPr lang="de-DE" dirty="0" err="1">
-                <a:solidFill>
-                  <a:srgbClr val="D4D4D4"/>
-                </a:solidFill>
-                <a:latin typeface="Menlo" panose="020B0609030804020204" pitchFamily="49" charset="0"/>
-              </a:rPr>
-              <a:t>.</a:t>
-            </a:r>
-            <a:r>
-              <a:rPr lang="de-DE" dirty="0" err="1">
-                <a:solidFill>
-                  <a:srgbClr val="9CDCFE"/>
-                </a:solidFill>
-                <a:latin typeface="Menlo" panose="020B0609030804020204" pitchFamily="49" charset="0"/>
-              </a:rPr>
-              <a:t>gyro</a:t>
-            </a:r>
-            <a:r>
-              <a:rPr lang="de-DE" dirty="0" err="1">
-                <a:solidFill>
-                  <a:srgbClr val="D4D4D4"/>
-                </a:solidFill>
-                <a:latin typeface="Menlo" panose="020B0609030804020204" pitchFamily="49" charset="0"/>
-              </a:rPr>
-              <a:t>.</a:t>
-            </a:r>
-            <a:r>
-              <a:rPr lang="de-DE" dirty="0" err="1">
-                <a:solidFill>
-                  <a:srgbClr val="9CDCFE"/>
-                </a:solidFill>
-                <a:latin typeface="Menlo" panose="020B0609030804020204" pitchFamily="49" charset="0"/>
-              </a:rPr>
-              <a:t>x</a:t>
-            </a:r>
-            <a:r>
-              <a:rPr lang="de-DE" dirty="0">
-                <a:solidFill>
-                  <a:srgbClr val="D4D4D4"/>
-                </a:solidFill>
-                <a:latin typeface="Menlo" panose="020B0609030804020204" pitchFamily="49" charset="0"/>
-              </a:rPr>
-              <a:t>);</a:t>
-            </a:r>
-          </a:p>
-          <a:p>
-            <a:pPr marL="0" indent="0">
-              <a:buNone/>
-            </a:pPr>
-            <a:r>
-              <a:rPr lang="de-DE" dirty="0" err="1">
-                <a:solidFill>
-                  <a:srgbClr val="9CDCFE"/>
-                </a:solidFill>
-                <a:latin typeface="Menlo" panose="020B0609030804020204" pitchFamily="49" charset="0"/>
-              </a:rPr>
-              <a:t>state</a:t>
-            </a:r>
-            <a:r>
-              <a:rPr lang="de-DE" dirty="0" err="1">
-                <a:solidFill>
-                  <a:srgbClr val="D4D4D4"/>
-                </a:solidFill>
-                <a:latin typeface="Menlo" panose="020B0609030804020204" pitchFamily="49" charset="0"/>
-              </a:rPr>
-              <a:t>.</a:t>
-            </a:r>
-            <a:r>
-              <a:rPr lang="de-DE" dirty="0" err="1">
-                <a:solidFill>
-                  <a:srgbClr val="9CDCFE"/>
-                </a:solidFill>
-                <a:latin typeface="Menlo" panose="020B0609030804020204" pitchFamily="49" charset="0"/>
-              </a:rPr>
-              <a:t>rateRoll</a:t>
-            </a:r>
-            <a:r>
-              <a:rPr lang="de-DE" dirty="0">
-                <a:solidFill>
-                  <a:srgbClr val="D4D4D4"/>
-                </a:solidFill>
-                <a:latin typeface="Menlo" panose="020B0609030804020204" pitchFamily="49" charset="0"/>
-              </a:rPr>
-              <a:t>= </a:t>
-            </a:r>
-            <a:r>
-              <a:rPr lang="de-DE" dirty="0" err="1">
-                <a:solidFill>
-                  <a:srgbClr val="9CDCFE"/>
-                </a:solidFill>
-                <a:latin typeface="Menlo" panose="020B0609030804020204" pitchFamily="49" charset="0"/>
-              </a:rPr>
-              <a:t>sensorData</a:t>
-            </a:r>
-            <a:r>
-              <a:rPr lang="de-DE" dirty="0" err="1">
-                <a:solidFill>
-                  <a:srgbClr val="D4D4D4"/>
-                </a:solidFill>
-                <a:latin typeface="Menlo" panose="020B0609030804020204" pitchFamily="49" charset="0"/>
-              </a:rPr>
-              <a:t>.</a:t>
-            </a:r>
-            <a:r>
-              <a:rPr lang="de-DE" dirty="0" err="1">
-                <a:solidFill>
-                  <a:srgbClr val="9CDCFE"/>
-                </a:solidFill>
-                <a:latin typeface="Menlo" panose="020B0609030804020204" pitchFamily="49" charset="0"/>
-              </a:rPr>
-              <a:t>gyro</a:t>
-            </a:r>
-            <a:r>
-              <a:rPr lang="de-DE" dirty="0" err="1">
-                <a:solidFill>
-                  <a:srgbClr val="D4D4D4"/>
-                </a:solidFill>
-                <a:latin typeface="Menlo" panose="020B0609030804020204" pitchFamily="49" charset="0"/>
-              </a:rPr>
-              <a:t>.</a:t>
-            </a:r>
-            <a:r>
-              <a:rPr lang="de-DE" dirty="0" err="1">
-                <a:solidFill>
-                  <a:srgbClr val="9CDCFE"/>
-                </a:solidFill>
-                <a:latin typeface="Menlo" panose="020B0609030804020204" pitchFamily="49" charset="0"/>
-              </a:rPr>
-              <a:t>x</a:t>
-            </a:r>
-            <a:r>
-              <a:rPr lang="de-DE" dirty="0">
-                <a:solidFill>
-                  <a:srgbClr val="D4D4D4"/>
-                </a:solidFill>
-                <a:latin typeface="Menlo" panose="020B0609030804020204" pitchFamily="49" charset="0"/>
-              </a:rPr>
-              <a:t>;</a:t>
-            </a:r>
-          </a:p>
-          <a:p>
-            <a:pPr marL="0" indent="0">
-              <a:buNone/>
-            </a:pPr>
-            <a:r>
-              <a:rPr lang="de-DE" dirty="0" err="1">
-                <a:solidFill>
-                  <a:srgbClr val="9CDCFE"/>
-                </a:solidFill>
-                <a:latin typeface="Menlo" panose="020B0609030804020204" pitchFamily="49" charset="0"/>
-              </a:rPr>
-              <a:t>state</a:t>
-            </a:r>
-            <a:r>
-              <a:rPr lang="de-DE" dirty="0" err="1">
-                <a:solidFill>
-                  <a:srgbClr val="D4D4D4"/>
-                </a:solidFill>
-                <a:latin typeface="Menlo" panose="020B0609030804020204" pitchFamily="49" charset="0"/>
-              </a:rPr>
-              <a:t>.</a:t>
-            </a:r>
-            <a:r>
-              <a:rPr lang="de-DE" dirty="0" err="1">
-                <a:solidFill>
-                  <a:srgbClr val="9CDCFE"/>
-                </a:solidFill>
-                <a:latin typeface="Menlo" panose="020B0609030804020204" pitchFamily="49" charset="0"/>
-              </a:rPr>
-              <a:t>ratePitch</a:t>
-            </a:r>
-            <a:r>
-              <a:rPr lang="de-DE" dirty="0">
-                <a:solidFill>
-                  <a:srgbClr val="D4D4D4"/>
-                </a:solidFill>
-                <a:latin typeface="Menlo" panose="020B0609030804020204" pitchFamily="49" charset="0"/>
-              </a:rPr>
-              <a:t>= </a:t>
-            </a:r>
-            <a:r>
-              <a:rPr lang="de-DE" dirty="0" err="1">
-                <a:solidFill>
-                  <a:srgbClr val="9CDCFE"/>
-                </a:solidFill>
-                <a:latin typeface="Menlo" panose="020B0609030804020204" pitchFamily="49" charset="0"/>
-              </a:rPr>
-              <a:t>sensorData</a:t>
-            </a:r>
-            <a:r>
-              <a:rPr lang="de-DE" dirty="0" err="1">
-                <a:solidFill>
-                  <a:srgbClr val="D4D4D4"/>
-                </a:solidFill>
-                <a:latin typeface="Menlo" panose="020B0609030804020204" pitchFamily="49" charset="0"/>
-              </a:rPr>
-              <a:t>.</a:t>
-            </a:r>
-            <a:r>
-              <a:rPr lang="de-DE" dirty="0" err="1">
-                <a:solidFill>
-                  <a:srgbClr val="9CDCFE"/>
-                </a:solidFill>
-                <a:latin typeface="Menlo" panose="020B0609030804020204" pitchFamily="49" charset="0"/>
-              </a:rPr>
-              <a:t>gyro</a:t>
-            </a:r>
-            <a:r>
-              <a:rPr lang="de-DE" dirty="0" err="1">
-                <a:solidFill>
-                  <a:srgbClr val="D4D4D4"/>
-                </a:solidFill>
-                <a:latin typeface="Menlo" panose="020B0609030804020204" pitchFamily="49" charset="0"/>
-              </a:rPr>
-              <a:t>.</a:t>
-            </a:r>
-            <a:r>
-              <a:rPr lang="de-DE" dirty="0" err="1">
-                <a:solidFill>
-                  <a:srgbClr val="9CDCFE"/>
-                </a:solidFill>
-                <a:latin typeface="Menlo" panose="020B0609030804020204" pitchFamily="49" charset="0"/>
-              </a:rPr>
-              <a:t>y</a:t>
-            </a:r>
-            <a:r>
-              <a:rPr lang="de-DE" dirty="0">
-                <a:solidFill>
-                  <a:srgbClr val="D4D4D4"/>
-                </a:solidFill>
-                <a:latin typeface="Menlo" panose="020B0609030804020204" pitchFamily="49" charset="0"/>
-              </a:rPr>
-              <a:t>;</a:t>
-            </a:r>
-          </a:p>
-          <a:p>
-            <a:pPr marL="0" indent="0">
-              <a:buNone/>
-            </a:pPr>
-            <a:r>
-              <a:rPr lang="de-DE" dirty="0" err="1">
-                <a:solidFill>
-                  <a:srgbClr val="9CDCFE"/>
-                </a:solidFill>
-                <a:latin typeface="Menlo" panose="020B0609030804020204" pitchFamily="49" charset="0"/>
-              </a:rPr>
-              <a:t>state</a:t>
-            </a:r>
-            <a:r>
-              <a:rPr lang="de-DE" dirty="0" err="1">
-                <a:solidFill>
-                  <a:srgbClr val="D4D4D4"/>
-                </a:solidFill>
-                <a:latin typeface="Menlo" panose="020B0609030804020204" pitchFamily="49" charset="0"/>
-              </a:rPr>
-              <a:t>.</a:t>
-            </a:r>
-            <a:r>
-              <a:rPr lang="de-DE" dirty="0" err="1">
-                <a:solidFill>
-                  <a:srgbClr val="9CDCFE"/>
-                </a:solidFill>
-                <a:latin typeface="Menlo" panose="020B0609030804020204" pitchFamily="49" charset="0"/>
-              </a:rPr>
-              <a:t>rateYaw</a:t>
-            </a:r>
-            <a:r>
-              <a:rPr lang="de-DE" dirty="0">
-                <a:solidFill>
-                  <a:srgbClr val="D4D4D4"/>
-                </a:solidFill>
-                <a:latin typeface="Menlo" panose="020B0609030804020204" pitchFamily="49" charset="0"/>
-              </a:rPr>
-              <a:t>= </a:t>
-            </a:r>
-            <a:r>
-              <a:rPr lang="de-DE" dirty="0" err="1">
-                <a:solidFill>
-                  <a:srgbClr val="9CDCFE"/>
-                </a:solidFill>
-                <a:latin typeface="Menlo" panose="020B0609030804020204" pitchFamily="49" charset="0"/>
-              </a:rPr>
-              <a:t>sensorData</a:t>
-            </a:r>
-            <a:r>
-              <a:rPr lang="de-DE" dirty="0" err="1">
-                <a:solidFill>
-                  <a:srgbClr val="D4D4D4"/>
-                </a:solidFill>
-                <a:latin typeface="Menlo" panose="020B0609030804020204" pitchFamily="49" charset="0"/>
-              </a:rPr>
-              <a:t>.</a:t>
-            </a:r>
-            <a:r>
-              <a:rPr lang="de-DE" dirty="0" err="1">
-                <a:solidFill>
-                  <a:srgbClr val="9CDCFE"/>
-                </a:solidFill>
-                <a:latin typeface="Menlo" panose="020B0609030804020204" pitchFamily="49" charset="0"/>
-              </a:rPr>
-              <a:t>gyro</a:t>
-            </a:r>
-            <a:r>
-              <a:rPr lang="de-DE" dirty="0" err="1">
-                <a:solidFill>
-                  <a:srgbClr val="D4D4D4"/>
-                </a:solidFill>
-                <a:latin typeface="Menlo" panose="020B0609030804020204" pitchFamily="49" charset="0"/>
-              </a:rPr>
-              <a:t>.</a:t>
-            </a:r>
-            <a:r>
-              <a:rPr lang="de-DE" dirty="0" err="1">
-                <a:solidFill>
-                  <a:srgbClr val="9CDCFE"/>
-                </a:solidFill>
-                <a:latin typeface="Menlo" panose="020B0609030804020204" pitchFamily="49" charset="0"/>
-              </a:rPr>
-              <a:t>z</a:t>
-            </a:r>
-            <a:r>
-              <a:rPr lang="de-DE" dirty="0">
-                <a:solidFill>
-                  <a:srgbClr val="D4D4D4"/>
-                </a:solidFill>
-                <a:latin typeface="Menlo" panose="020B0609030804020204" pitchFamily="49" charset="0"/>
-              </a:rPr>
-              <a:t>;</a:t>
-            </a:r>
-          </a:p>
-          <a:p>
-            <a:pPr marL="0" indent="0">
-              <a:buNone/>
-            </a:pPr>
-            <a:r>
-              <a:rPr lang="de-DE" dirty="0">
-                <a:solidFill>
-                  <a:schemeClr val="tx1"/>
-                </a:solidFill>
-                <a:latin typeface="Menlo" panose="020B0609030804020204" pitchFamily="49" charset="0"/>
-              </a:rPr>
-              <a:t>tick++</a:t>
-            </a:r>
-            <a:r>
-              <a:rPr lang="de-DE" dirty="0">
-                <a:solidFill>
-                  <a:srgbClr val="D4D4D4"/>
-                </a:solidFill>
-                <a:latin typeface="Menlo" panose="020B0609030804020204" pitchFamily="49" charset="0"/>
-              </a:rPr>
-              <a:t>;</a:t>
-            </a:r>
-          </a:p>
-          <a:p>
-            <a:pPr marL="0" indent="0">
-              <a:buNone/>
-            </a:pPr>
+              <a:rPr lang="de-DE" dirty="0">
+                <a:solidFill>
+                  <a:srgbClr val="6A9955"/>
+                </a:solidFill>
+                <a:latin typeface="Menlo" panose="020B0609030804020204" pitchFamily="49" charset="0"/>
+              </a:rPr>
+              <a:t>// angular </a:t>
+            </a:r>
+            <a:r>
+              <a:rPr lang="de-DE" dirty="0" err="1">
+                <a:solidFill>
+                  <a:srgbClr val="6A9955"/>
+                </a:solidFill>
+                <a:latin typeface="Menlo" panose="020B0609030804020204" pitchFamily="49" charset="0"/>
+              </a:rPr>
+              <a:t>velocity</a:t>
+            </a:r>
+            <a:r>
+              <a:rPr lang="de-DE" dirty="0">
+                <a:solidFill>
+                  <a:srgbClr val="6A9955"/>
+                </a:solidFill>
+                <a:latin typeface="Menlo" panose="020B0609030804020204" pitchFamily="49" charset="0"/>
+              </a:rPr>
+              <a:t> - </a:t>
+            </a:r>
+            <a:r>
+              <a:rPr lang="de-DE" dirty="0" err="1">
+                <a:solidFill>
+                  <a:srgbClr val="6A9955"/>
+                </a:solidFill>
+                <a:latin typeface="Menlo" panose="020B0609030804020204" pitchFamily="49" charset="0"/>
+              </a:rPr>
+              <a:t>degree</a:t>
+            </a:r>
+            <a:r>
+              <a:rPr lang="de-DE" dirty="0">
+                <a:solidFill>
+                  <a:srgbClr val="6A9955"/>
+                </a:solidFill>
+                <a:latin typeface="Menlo" panose="020B0609030804020204" pitchFamily="49" charset="0"/>
+              </a:rPr>
+              <a:t> / sec</a:t>
+            </a:r>
             <a:endParaRPr lang="de-DE" dirty="0">
               <a:solidFill>
                 <a:srgbClr val="D4D4D4"/>
@@ -6325,44 +5684,158 @@
             </a:endParaRPr>
           </a:p>
           <a:p>
+            <a:pPr marL="228600" lvl="1" indent="0">
+              <a:buNone/>
+            </a:pPr>
+            <a:r>
+              <a:rPr lang="de-DE" dirty="0" err="1">
+                <a:solidFill>
+                  <a:srgbClr val="569CD6"/>
+                </a:solidFill>
+                <a:latin typeface="Menlo" panose="020B0609030804020204" pitchFamily="49" charset="0"/>
+              </a:rPr>
+              <a:t>float</a:t>
+            </a:r>
+            <a:r>
+              <a:rPr lang="de-DE" dirty="0">
+                <a:solidFill>
+                  <a:srgbClr val="D4D4D4"/>
+                </a:solidFill>
+                <a:latin typeface="Menlo" panose="020B0609030804020204" pitchFamily="49" charset="0"/>
+              </a:rPr>
+              <a:t> </a:t>
+            </a:r>
+            <a:r>
+              <a:rPr lang="de-DE" dirty="0" err="1">
+                <a:solidFill>
+                  <a:schemeClr val="tx1"/>
+                </a:solidFill>
+                <a:latin typeface="Menlo" panose="020B0609030804020204" pitchFamily="49" charset="0"/>
+              </a:rPr>
+              <a:t>rateRoll</a:t>
+            </a:r>
+            <a:r>
+              <a:rPr lang="de-DE" dirty="0">
+                <a:solidFill>
+                  <a:schemeClr val="tx1"/>
+                </a:solidFill>
+                <a:latin typeface="Menlo" panose="020B0609030804020204" pitchFamily="49" charset="0"/>
+              </a:rPr>
+              <a:t>;</a:t>
+            </a:r>
+          </a:p>
+          <a:p>
+            <a:pPr marL="228600" lvl="1" indent="0">
+              <a:buNone/>
+            </a:pPr>
+            <a:r>
+              <a:rPr lang="de-DE" dirty="0" err="1">
+                <a:solidFill>
+                  <a:srgbClr val="569CD6"/>
+                </a:solidFill>
+                <a:latin typeface="Menlo" panose="020B0609030804020204" pitchFamily="49" charset="0"/>
+              </a:rPr>
+              <a:t>float</a:t>
+            </a:r>
+            <a:r>
+              <a:rPr lang="de-DE" dirty="0">
+                <a:solidFill>
+                  <a:srgbClr val="569CD6"/>
+                </a:solidFill>
+                <a:latin typeface="Menlo" panose="020B0609030804020204" pitchFamily="49" charset="0"/>
+              </a:rPr>
+              <a:t> </a:t>
+            </a:r>
+            <a:r>
+              <a:rPr lang="de-DE" dirty="0" err="1">
+                <a:solidFill>
+                  <a:schemeClr val="tx1"/>
+                </a:solidFill>
+                <a:latin typeface="Menlo" panose="020B0609030804020204" pitchFamily="49" charset="0"/>
+              </a:rPr>
+              <a:t>ratePitch</a:t>
+            </a:r>
+            <a:r>
+              <a:rPr lang="de-DE" dirty="0">
+                <a:solidFill>
+                  <a:schemeClr val="tx1"/>
+                </a:solidFill>
+                <a:latin typeface="Menlo" panose="020B0609030804020204" pitchFamily="49" charset="0"/>
+              </a:rPr>
+              <a:t>;</a:t>
+            </a:r>
+          </a:p>
+          <a:p>
+            <a:pPr marL="228600" lvl="1" indent="0">
+              <a:buNone/>
+            </a:pPr>
+            <a:r>
+              <a:rPr lang="de-DE" dirty="0" err="1">
+                <a:solidFill>
+                  <a:srgbClr val="569CD6"/>
+                </a:solidFill>
+                <a:latin typeface="Menlo" panose="020B0609030804020204" pitchFamily="49" charset="0"/>
+              </a:rPr>
+              <a:t>float</a:t>
+            </a:r>
+            <a:r>
+              <a:rPr lang="de-DE" dirty="0">
+                <a:solidFill>
+                  <a:srgbClr val="D4D4D4"/>
+                </a:solidFill>
+                <a:latin typeface="Menlo" panose="020B0609030804020204" pitchFamily="49" charset="0"/>
+              </a:rPr>
+              <a:t> </a:t>
+            </a:r>
+            <a:r>
+              <a:rPr lang="de-DE" dirty="0" err="1">
+                <a:solidFill>
+                  <a:schemeClr val="tx1"/>
+                </a:solidFill>
+                <a:latin typeface="Menlo" panose="020B0609030804020204" pitchFamily="49" charset="0"/>
+              </a:rPr>
+              <a:t>rateYaw</a:t>
+            </a:r>
+            <a:r>
+              <a:rPr lang="de-DE" dirty="0">
+                <a:solidFill>
+                  <a:schemeClr val="tx1"/>
+                </a:solidFill>
+                <a:latin typeface="Menlo" panose="020B0609030804020204" pitchFamily="49" charset="0"/>
+              </a:rPr>
+              <a:t>;</a:t>
+            </a:r>
+          </a:p>
+          <a:p>
             <a:pPr marL="0" indent="0">
               <a:buNone/>
             </a:pPr>
             <a:r>
-              <a:rPr lang="de-DE" dirty="0" err="1">
-                <a:solidFill>
-                  <a:srgbClr val="DCDCAA"/>
-                </a:solidFill>
-                <a:latin typeface="Menlo" panose="020B0609030804020204" pitchFamily="49" charset="0"/>
-              </a:rPr>
-              <a:t>xSemaphoreGive</a:t>
-            </a:r>
-            <a:r>
-              <a:rPr lang="de-DE" dirty="0">
-                <a:solidFill>
-                  <a:srgbClr val="D4D4D4"/>
-                </a:solidFill>
-                <a:latin typeface="Menlo" panose="020B0609030804020204" pitchFamily="49" charset="0"/>
-              </a:rPr>
-              <a:t>(</a:t>
-            </a:r>
-            <a:r>
-              <a:rPr lang="de-DE" dirty="0" err="1">
-                <a:solidFill>
-                  <a:schemeClr val="tx1"/>
-                </a:solidFill>
-                <a:latin typeface="Menlo" panose="020B0609030804020204" pitchFamily="49" charset="0"/>
-              </a:rPr>
-              <a:t>filtsema</a:t>
-            </a:r>
-            <a:r>
-              <a:rPr lang="de-DE" dirty="0">
-                <a:solidFill>
-                  <a:srgbClr val="D4D4D4"/>
-                </a:solidFill>
-                <a:latin typeface="Menlo" panose="020B0609030804020204" pitchFamily="49" charset="0"/>
-              </a:rPr>
-              <a:t>);</a:t>
+              <a:rPr lang="de-DE" dirty="0">
+                <a:solidFill>
+                  <a:srgbClr val="D4D4D4"/>
+                </a:solidFill>
+                <a:latin typeface="Menlo" panose="020B0609030804020204" pitchFamily="49" charset="0"/>
+              </a:rPr>
+              <a:t>} </a:t>
+            </a:r>
+            <a:r>
+              <a:rPr lang="de-DE" dirty="0" err="1">
+                <a:solidFill>
+                  <a:schemeClr val="tx1"/>
+                </a:solidFill>
+                <a:latin typeface="Menlo" panose="020B0609030804020204" pitchFamily="49" charset="0"/>
+              </a:rPr>
+              <a:t>state</a:t>
+            </a:r>
+            <a:r>
+              <a:rPr lang="de-DE" dirty="0">
+                <a:solidFill>
+                  <a:schemeClr val="tx1"/>
+                </a:solidFill>
+                <a:latin typeface="Menlo" panose="020B0609030804020204" pitchFamily="49" charset="0"/>
+              </a:rPr>
+              <a:t>;</a:t>
             </a:r>
           </a:p>
           <a:p>
@@ -6376,7 +5849,7 @@
     </p:spTree>
     <p:extLst>
       <p:ext uri="{BB962C8B-B14F-4D97-AF65-F5344CB8AC3E}">
-        <p14:creationId xmlns:p14="http://schemas.microsoft.com/office/powerpoint/2010/main" val="3961163006"/>
+        <p14:creationId xmlns:p14="http://schemas.microsoft.com/office/powerpoint/2010/main" val="2246717686"/>
       </p:ext>
     </p:extLst>
   </p:cSld>
@@ -6437,15 +5910,7 @@
             </a:br>
             <a:r>
               <a:rPr lang="de-DE" dirty="0"/>
-              <a:t>- </a:t>
-            </a:r>
-            <a:r>
-              <a:rPr lang="de-DE" dirty="0" err="1"/>
-              <a:t>setpoint</a:t>
-            </a:r>
-            <a:r>
-              <a:rPr lang="de-DE" dirty="0"/>
-              <a:t> </a:t>
+              <a:t>- Main </a:t>
             </a:r>
             <a:r>
               <a:rPr lang="de-DE" dirty="0" err="1"/>
@@ -6453,25 +5918,17 @@
             </a:r>
             <a:r>
               <a:rPr lang="de-DE" dirty="0"/>
-              <a:t> </a:t>
-            </a:r>
-            <a:r>
-              <a:rPr lang="de-DE" dirty="0" err="1"/>
-              <a:t>semaphores</a:t>
-            </a:r>
-            <a:r>
-              <a:rPr lang="de-DE" dirty="0"/>
-              <a:t> -</a:t>
-            </a:r>
-          </a:p>
-        </p:txBody>
-      </p:sp>
-      <p:sp>
-        <p:nvSpPr>
-          <p:cNvPr id="6" name="Inhaltsplatzhalter 5">
+              <a:t>-</a:t>
+            </a:r>
+          </a:p>
+        </p:txBody>
+      </p:sp>
+      <p:sp>
+        <p:nvSpPr>
+          <p:cNvPr id="3" name="Inhaltsplatzhalter 2">
             <a:extLst>
               <a:ext uri="{FF2B5EF4-FFF2-40B4-BE49-F238E27FC236}">
-                <a16:creationId xmlns:a16="http://schemas.microsoft.com/office/drawing/2014/main" id="{7A4B3519-7053-4F4A-9704-0D8536946FB3}"/>
+                <a16:creationId xmlns:a16="http://schemas.microsoft.com/office/drawing/2014/main" id="{5883414A-B3A6-BE40-8248-C6206154A4F0}"/>
               </a:ext>
             </a:extLst>
           </p:cNvPr>
@@ -6484,8 +5941,8 @@
         </p:nvSpPr>
         <p:spPr>
           <a:xfrm>
-            <a:off x="2231136" y="2497368"/>
-            <a:ext cx="7729728" cy="3664282"/>
+            <a:off x="754027" y="2441094"/>
+            <a:ext cx="7729728" cy="4072245"/>
           </a:xfrm>
         </p:spPr>
         <p:txBody>
@@ -6498,16 +5955,34 @@
               <a:buNone/>
             </a:pPr>
             <a:r>
-              <a:rPr lang="de-DE" dirty="0" err="1">
+              <a:rPr lang="de-DE" sz="1600" dirty="0" err="1">
+                <a:solidFill>
+                  <a:srgbClr val="569CD6"/>
+                </a:solidFill>
+                <a:latin typeface="Menlo" panose="020B0609030804020204" pitchFamily="49" charset="0"/>
+              </a:rPr>
+              <a:t>void</a:t>
+            </a:r>
+            <a:r>
+              <a:rPr lang="de-DE" sz="1600" dirty="0">
+                <a:solidFill>
+                  <a:srgbClr val="D4D4D4"/>
+                </a:solidFill>
+                <a:latin typeface="Menlo" panose="020B0609030804020204" pitchFamily="49" charset="0"/>
+              </a:rPr>
+              <a:t> </a:t>
+            </a:r>
+            <a:r>
+              <a:rPr lang="de-DE" sz="1600" dirty="0" err="1">
                 <a:solidFill>
                   <a:srgbClr val="DCDCAA"/>
                 </a:solidFill>
                 <a:latin typeface="Menlo" panose="020B0609030804020204" pitchFamily="49" charset="0"/>
               </a:rPr>
-              <a:t>xSemaphoreTake</a:t>
-            </a:r>
-            <a:r>
-              <a:rPr lang="de-DE" dirty="0">
+              <a:t>yourCodeInit</a:t>
+            </a:r>
+            <a:r>
+              <a:rPr lang="de-DE" sz="1600" dirty="0">
                 <a:solidFill>
                   <a:srgbClr val="D4D4D4"/>
                 </a:solidFill>
@@ -6516,16 +5991,694 @@
               <a:t>(</a:t>
             </a:r>
             <a:r>
-              <a:rPr lang="de-DE" dirty="0" err="1">
-                <a:solidFill>
-                  <a:schemeClr val="tx1"/>
-                </a:solidFill>
-                <a:latin typeface="Menlo" panose="020B0609030804020204" pitchFamily="49" charset="0"/>
-              </a:rPr>
-              <a:t>setsema,portMAX_DELAY</a:t>
-            </a:r>
-            <a:r>
-              <a:rPr lang="de-DE" dirty="0">
+              <a:rPr lang="de-DE" sz="1600" dirty="0" err="1">
+                <a:solidFill>
+                  <a:srgbClr val="569CD6"/>
+                </a:solidFill>
+                <a:latin typeface="Menlo" panose="020B0609030804020204" pitchFamily="49" charset="0"/>
+              </a:rPr>
+              <a:t>void</a:t>
+            </a:r>
+            <a:r>
+              <a:rPr lang="de-DE" sz="1600" dirty="0">
+                <a:solidFill>
+                  <a:srgbClr val="D4D4D4"/>
+                </a:solidFill>
+                <a:latin typeface="Menlo" panose="020B0609030804020204" pitchFamily="49" charset="0"/>
+              </a:rPr>
+              <a:t>)</a:t>
+            </a:r>
+          </a:p>
+          <a:p>
+            <a:pPr marL="0" indent="0">
+              <a:buNone/>
+            </a:pPr>
+            <a:r>
+              <a:rPr lang="de-DE" sz="1600" dirty="0">
+                <a:solidFill>
+                  <a:srgbClr val="D4D4D4"/>
+                </a:solidFill>
+                <a:latin typeface="Menlo" panose="020B0609030804020204" pitchFamily="49" charset="0"/>
+              </a:rPr>
+              <a:t>{</a:t>
+            </a:r>
+          </a:p>
+          <a:p>
+            <a:pPr marL="0" indent="0">
+              <a:buNone/>
+            </a:pPr>
+            <a:r>
+              <a:rPr lang="de-DE" sz="1600" dirty="0">
+                <a:solidFill>
+                  <a:schemeClr val="tx1"/>
+                </a:solidFill>
+                <a:latin typeface="Menlo" panose="020B0609030804020204" pitchFamily="49" charset="0"/>
+              </a:rPr>
+              <a:t>tick</a:t>
+            </a:r>
+            <a:r>
+              <a:rPr lang="de-DE" sz="1600" dirty="0">
+                <a:solidFill>
+                  <a:srgbClr val="D4D4D4"/>
+                </a:solidFill>
+                <a:latin typeface="Menlo" panose="020B0609030804020204" pitchFamily="49" charset="0"/>
+              </a:rPr>
+              <a:t> = </a:t>
+            </a:r>
+            <a:r>
+              <a:rPr lang="de-DE" sz="1600" dirty="0">
+                <a:solidFill>
+                  <a:srgbClr val="B5CEA8"/>
+                </a:solidFill>
+                <a:latin typeface="Menlo" panose="020B0609030804020204" pitchFamily="49" charset="0"/>
+              </a:rPr>
+              <a:t>1</a:t>
+            </a:r>
+            <a:r>
+              <a:rPr lang="de-DE" sz="1600" dirty="0">
+                <a:solidFill>
+                  <a:srgbClr val="D4D4D4"/>
+                </a:solidFill>
+                <a:latin typeface="Menlo" panose="020B0609030804020204" pitchFamily="49" charset="0"/>
+              </a:rPr>
+              <a:t>;</a:t>
+            </a:r>
+          </a:p>
+          <a:p>
+            <a:pPr marL="0" indent="0">
+              <a:buNone/>
+            </a:pPr>
+            <a:r>
+              <a:rPr lang="de-DE" sz="1600" dirty="0" err="1">
+                <a:solidFill>
+                  <a:srgbClr val="9CDCFE"/>
+                </a:solidFill>
+                <a:latin typeface="Menlo" panose="020B0609030804020204" pitchFamily="49" charset="0"/>
+              </a:rPr>
+              <a:t>state</a:t>
+            </a:r>
+            <a:r>
+              <a:rPr lang="de-DE" sz="1600" dirty="0" err="1">
+                <a:solidFill>
+                  <a:srgbClr val="D4D4D4"/>
+                </a:solidFill>
+                <a:latin typeface="Menlo" panose="020B0609030804020204" pitchFamily="49" charset="0"/>
+              </a:rPr>
+              <a:t>.</a:t>
+            </a:r>
+            <a:r>
+              <a:rPr lang="de-DE" sz="1600" dirty="0" err="1">
+                <a:solidFill>
+                  <a:srgbClr val="9CDCFE"/>
+                </a:solidFill>
+                <a:latin typeface="Menlo" panose="020B0609030804020204" pitchFamily="49" charset="0"/>
+              </a:rPr>
+              <a:t>roll</a:t>
+            </a:r>
+            <a:r>
+              <a:rPr lang="de-DE" sz="1600" dirty="0">
+                <a:solidFill>
+                  <a:srgbClr val="D4D4D4"/>
+                </a:solidFill>
+                <a:latin typeface="Menlo" panose="020B0609030804020204" pitchFamily="49" charset="0"/>
+              </a:rPr>
+              <a:t> = </a:t>
+            </a:r>
+            <a:r>
+              <a:rPr lang="de-DE" sz="1600" dirty="0">
+                <a:solidFill>
+                  <a:srgbClr val="B5CEA8"/>
+                </a:solidFill>
+                <a:latin typeface="Menlo" panose="020B0609030804020204" pitchFamily="49" charset="0"/>
+              </a:rPr>
+              <a:t>0.0f</a:t>
+            </a:r>
+            <a:r>
+              <a:rPr lang="de-DE" sz="1600" dirty="0">
+                <a:solidFill>
+                  <a:srgbClr val="D4D4D4"/>
+                </a:solidFill>
+                <a:latin typeface="Menlo" panose="020B0609030804020204" pitchFamily="49" charset="0"/>
+              </a:rPr>
+              <a:t>;</a:t>
+            </a:r>
+          </a:p>
+          <a:p>
+            <a:pPr marL="0" indent="0">
+              <a:buNone/>
+            </a:pPr>
+            <a:r>
+              <a:rPr lang="de-DE" sz="1600" dirty="0" err="1">
+                <a:solidFill>
+                  <a:srgbClr val="9CDCFE"/>
+                </a:solidFill>
+                <a:latin typeface="Menlo" panose="020B0609030804020204" pitchFamily="49" charset="0"/>
+              </a:rPr>
+              <a:t>state</a:t>
+            </a:r>
+            <a:r>
+              <a:rPr lang="de-DE" sz="1600" dirty="0" err="1">
+                <a:solidFill>
+                  <a:srgbClr val="D4D4D4"/>
+                </a:solidFill>
+                <a:latin typeface="Menlo" panose="020B0609030804020204" pitchFamily="49" charset="0"/>
+              </a:rPr>
+              <a:t>.</a:t>
+            </a:r>
+            <a:r>
+              <a:rPr lang="de-DE" sz="1600" dirty="0" err="1">
+                <a:solidFill>
+                  <a:srgbClr val="9CDCFE"/>
+                </a:solidFill>
+                <a:latin typeface="Menlo" panose="020B0609030804020204" pitchFamily="49" charset="0"/>
+              </a:rPr>
+              <a:t>pitch</a:t>
+            </a:r>
+            <a:r>
+              <a:rPr lang="de-DE" sz="1600" dirty="0">
+                <a:solidFill>
+                  <a:srgbClr val="D4D4D4"/>
+                </a:solidFill>
+                <a:latin typeface="Menlo" panose="020B0609030804020204" pitchFamily="49" charset="0"/>
+              </a:rPr>
+              <a:t> = </a:t>
+            </a:r>
+            <a:r>
+              <a:rPr lang="de-DE" sz="1600" dirty="0">
+                <a:solidFill>
+                  <a:srgbClr val="B5CEA8"/>
+                </a:solidFill>
+                <a:latin typeface="Menlo" panose="020B0609030804020204" pitchFamily="49" charset="0"/>
+              </a:rPr>
+              <a:t>0.0f</a:t>
+            </a:r>
+            <a:r>
+              <a:rPr lang="de-DE" sz="1600" dirty="0">
+                <a:solidFill>
+                  <a:srgbClr val="D4D4D4"/>
+                </a:solidFill>
+                <a:latin typeface="Menlo" panose="020B0609030804020204" pitchFamily="49" charset="0"/>
+              </a:rPr>
+              <a:t>;</a:t>
+            </a:r>
+          </a:p>
+          <a:p>
+            <a:pPr marL="0" indent="0">
+              <a:buNone/>
+            </a:pPr>
+            <a:r>
+              <a:rPr lang="de-DE" sz="1600" dirty="0" err="1">
+                <a:solidFill>
+                  <a:schemeClr val="tx1"/>
+                </a:solidFill>
+                <a:latin typeface="Menlo" panose="020B0609030804020204" pitchFamily="49" charset="0"/>
+              </a:rPr>
+              <a:t>filtsema</a:t>
+            </a:r>
+            <a:r>
+              <a:rPr lang="de-DE" sz="1600" dirty="0">
+                <a:solidFill>
+                  <a:srgbClr val="D4D4D4"/>
+                </a:solidFill>
+                <a:latin typeface="Menlo" panose="020B0609030804020204" pitchFamily="49" charset="0"/>
+              </a:rPr>
+              <a:t> = </a:t>
+            </a:r>
+            <a:r>
+              <a:rPr lang="de-DE" sz="1600" dirty="0" err="1">
+                <a:solidFill>
+                  <a:srgbClr val="DCDCAA"/>
+                </a:solidFill>
+                <a:latin typeface="Menlo" panose="020B0609030804020204" pitchFamily="49" charset="0"/>
+              </a:rPr>
+              <a:t>xSemaphoreCreateMutex</a:t>
+            </a:r>
+            <a:r>
+              <a:rPr lang="de-DE" sz="1600" dirty="0">
+                <a:solidFill>
+                  <a:srgbClr val="D4D4D4"/>
+                </a:solidFill>
+                <a:latin typeface="Menlo" panose="020B0609030804020204" pitchFamily="49" charset="0"/>
+              </a:rPr>
+              <a:t>();</a:t>
+            </a:r>
+          </a:p>
+          <a:p>
+            <a:pPr marL="0" indent="0">
+              <a:buNone/>
+            </a:pPr>
+            <a:r>
+              <a:rPr lang="de-DE" sz="1600" dirty="0">
+                <a:solidFill>
+                  <a:srgbClr val="D4D4D4"/>
+                </a:solidFill>
+                <a:latin typeface="Menlo" panose="020B0609030804020204" pitchFamily="49" charset="0"/>
+              </a:rPr>
+              <a:t>  </a:t>
+            </a:r>
+            <a:r>
+              <a:rPr lang="de-DE" sz="1600" dirty="0" err="1">
+                <a:solidFill>
+                  <a:schemeClr val="tx1"/>
+                </a:solidFill>
+                <a:latin typeface="Menlo" panose="020B0609030804020204" pitchFamily="49" charset="0"/>
+              </a:rPr>
+              <a:t>setsema</a:t>
+            </a:r>
+            <a:r>
+              <a:rPr lang="de-DE" sz="1600" dirty="0">
+                <a:solidFill>
+                  <a:srgbClr val="D4D4D4"/>
+                </a:solidFill>
+                <a:latin typeface="Menlo" panose="020B0609030804020204" pitchFamily="49" charset="0"/>
+              </a:rPr>
+              <a:t> = </a:t>
+            </a:r>
+            <a:r>
+              <a:rPr lang="de-DE" sz="1600" dirty="0" err="1">
+                <a:solidFill>
+                  <a:srgbClr val="DCDCAA"/>
+                </a:solidFill>
+                <a:latin typeface="Menlo" panose="020B0609030804020204" pitchFamily="49" charset="0"/>
+              </a:rPr>
+              <a:t>xSemaphoreCreateMutex</a:t>
+            </a:r>
+            <a:r>
+              <a:rPr lang="de-DE" sz="1600" dirty="0">
+                <a:solidFill>
+                  <a:srgbClr val="D4D4D4"/>
+                </a:solidFill>
+                <a:latin typeface="Menlo" panose="020B0609030804020204" pitchFamily="49" charset="0"/>
+              </a:rPr>
+              <a:t>();</a:t>
+            </a:r>
+          </a:p>
+          <a:p>
+            <a:pPr marL="0" indent="0">
+              <a:buNone/>
+            </a:pPr>
+            <a:br>
+              <a:rPr lang="de-DE" sz="1600" dirty="0">
+                <a:solidFill>
+                  <a:srgbClr val="D4D4D4"/>
+                </a:solidFill>
+                <a:latin typeface="Menlo" panose="020B0609030804020204" pitchFamily="49" charset="0"/>
+              </a:rPr>
+            </a:br>
+            <a:endParaRPr lang="de-DE" sz="1600" dirty="0"/>
+          </a:p>
+        </p:txBody>
+      </p:sp>
+      <p:sp>
+        <p:nvSpPr>
+          <p:cNvPr id="4" name="Inhaltsplatzhalter 2">
+            <a:extLst>
+              <a:ext uri="{FF2B5EF4-FFF2-40B4-BE49-F238E27FC236}">
+                <a16:creationId xmlns:a16="http://schemas.microsoft.com/office/drawing/2014/main" id="{622E6183-A73A-4F43-8B05-DF2E45162898}"/>
+              </a:ext>
+            </a:extLst>
+          </p:cNvPr>
+          <p:cNvSpPr txBox="1">
+            <a:spLocks/>
+          </p:cNvSpPr>
+          <p:nvPr/>
+        </p:nvSpPr>
+        <p:spPr>
+          <a:xfrm>
+            <a:off x="6096000" y="3144478"/>
+            <a:ext cx="7729728" cy="4072245"/>
+          </a:xfrm>
+          <a:prstGeom prst="rect">
+            <a:avLst/>
+          </a:prstGeom>
+        </p:spPr>
+        <p:txBody>
+          <a:bodyPr vert="horz" lIns="91440" tIns="45720" rIns="91440" bIns="45720" rtlCol="0">
+            <a:normAutofit/>
+          </a:bodyPr>
+          <a:lstStyle>
+            <a:lvl1pPr marL="228600" indent="-228600" algn="l" defTabSz="914400" rtl="0" eaLnBrk="1" latinLnBrk="0" hangingPunct="1">
+              <a:lnSpc>
+                <a:spcPct val="100000"/>
+              </a:lnSpc>
+              <a:spcBef>
+                <a:spcPts val="1000"/>
+              </a:spcBef>
+              <a:buClr>
+                <a:schemeClr val="accent2"/>
+              </a:buClr>
+              <a:buFont typeface="Arial" panose="020B0604020202020204" pitchFamily="34" charset="0"/>
+              <a:buChar char="•"/>
+              <a:defRPr sz="1800" kern="1200">
+                <a:solidFill>
+                  <a:schemeClr val="tx1">
+                    <a:lumMod val="85000"/>
+                    <a:lumOff val="15000"/>
+                  </a:schemeClr>
+                </a:solidFill>
+                <a:latin typeface="+mn-lt"/>
+                <a:ea typeface="+mn-ea"/>
+                <a:cs typeface="+mn-cs"/>
+              </a:defRPr>
+            </a:lvl1pPr>
+            <a:lvl2pPr marL="457200" indent="-228600" algn="l" defTabSz="914400" rtl="0" eaLnBrk="1" latinLnBrk="0" hangingPunct="1">
+              <a:lnSpc>
+                <a:spcPct val="100000"/>
+              </a:lnSpc>
+              <a:spcBef>
+                <a:spcPts val="1000"/>
+              </a:spcBef>
+              <a:buClr>
+                <a:schemeClr val="accent2"/>
+              </a:buClr>
+              <a:buFont typeface="Arial" panose="020B0604020202020204" pitchFamily="34" charset="0"/>
+              <a:buChar char="•"/>
+              <a:defRPr sz="1600" kern="1200">
+                <a:solidFill>
+                  <a:schemeClr val="tx1">
+                    <a:lumMod val="85000"/>
+                    <a:lumOff val="15000"/>
+                  </a:schemeClr>
+                </a:solidFill>
+                <a:latin typeface="+mn-lt"/>
+                <a:ea typeface="+mn-ea"/>
+                <a:cs typeface="+mn-cs"/>
+              </a:defRPr>
+            </a:lvl2pPr>
+            <a:lvl3pPr marL="685800" indent="-228600" algn="l" defTabSz="914400" rtl="0" eaLnBrk="1" latinLnBrk="0" hangingPunct="1">
+              <a:lnSpc>
+                <a:spcPct val="100000"/>
+              </a:lnSpc>
+              <a:spcBef>
+                <a:spcPts val="1000"/>
+              </a:spcBef>
+              <a:buClr>
+                <a:schemeClr val="accent2"/>
+              </a:buClr>
+              <a:buFont typeface="Arial" panose="020B0604020202020204" pitchFamily="34" charset="0"/>
+              <a:buChar char="•"/>
+              <a:defRPr sz="1600" kern="1200">
+                <a:solidFill>
+                  <a:schemeClr val="tx1">
+                    <a:lumMod val="85000"/>
+                    <a:lumOff val="15000"/>
+                  </a:schemeClr>
+                </a:solidFill>
+                <a:latin typeface="+mn-lt"/>
+                <a:ea typeface="+mn-ea"/>
+                <a:cs typeface="+mn-cs"/>
+              </a:defRPr>
+            </a:lvl3pPr>
+            <a:lvl4pPr marL="914400" indent="-228600" algn="l" defTabSz="914400" rtl="0" eaLnBrk="1" latinLnBrk="0" hangingPunct="1">
+              <a:lnSpc>
+                <a:spcPct val="100000"/>
+              </a:lnSpc>
+              <a:spcBef>
+                <a:spcPts val="1000"/>
+              </a:spcBef>
+              <a:buClr>
+                <a:schemeClr val="accent2"/>
+              </a:buClr>
+              <a:buFont typeface="Arial" panose="020B0604020202020204" pitchFamily="34" charset="0"/>
+              <a:buChar char="•"/>
+              <a:defRPr sz="1600" kern="1200">
+                <a:solidFill>
+                  <a:schemeClr val="tx1">
+                    <a:lumMod val="85000"/>
+                    <a:lumOff val="15000"/>
+                  </a:schemeClr>
+                </a:solidFill>
+                <a:latin typeface="+mn-lt"/>
+                <a:ea typeface="+mn-ea"/>
+                <a:cs typeface="+mn-cs"/>
+              </a:defRPr>
+            </a:lvl4pPr>
+            <a:lvl5pPr marL="1143000" indent="-228600" algn="l" defTabSz="914400" rtl="0" eaLnBrk="1" latinLnBrk="0" hangingPunct="1">
+              <a:lnSpc>
+                <a:spcPct val="100000"/>
+              </a:lnSpc>
+              <a:spcBef>
+                <a:spcPts val="1000"/>
+              </a:spcBef>
+              <a:buClr>
+                <a:schemeClr val="accent2"/>
+              </a:buClr>
+              <a:buFont typeface="Arial" panose="020B0604020202020204" pitchFamily="34" charset="0"/>
+              <a:buChar char="•"/>
+              <a:defRPr sz="1600" kern="1200">
+                <a:solidFill>
+                  <a:schemeClr val="tx1">
+                    <a:lumMod val="85000"/>
+                    <a:lumOff val="15000"/>
+                  </a:schemeClr>
+                </a:solidFill>
+                <a:latin typeface="+mn-lt"/>
+                <a:ea typeface="+mn-ea"/>
+                <a:cs typeface="+mn-cs"/>
+              </a:defRPr>
+            </a:lvl5pPr>
+            <a:lvl6pPr marL="1312863" indent="-228600" algn="l" defTabSz="914400" rtl="0" eaLnBrk="1" latinLnBrk="0" hangingPunct="1">
+              <a:lnSpc>
+                <a:spcPct val="100000"/>
+              </a:lnSpc>
+              <a:spcBef>
+                <a:spcPts val="1000"/>
+              </a:spcBef>
+              <a:buClr>
+                <a:schemeClr val="accent2"/>
+              </a:buClr>
+              <a:buFont typeface="Arial" panose="020B0604020202020204" pitchFamily="34" charset="0"/>
+              <a:buChar char="•"/>
+              <a:defRPr sz="1600" kern="1200">
+                <a:solidFill>
+                  <a:schemeClr val="tx1"/>
+                </a:solidFill>
+                <a:latin typeface="+mn-lt"/>
+                <a:ea typeface="+mn-ea"/>
+                <a:cs typeface="+mn-cs"/>
+              </a:defRPr>
+            </a:lvl6pPr>
+            <a:lvl7pPr marL="1484313" indent="-228600" algn="l" defTabSz="914400" rtl="0" eaLnBrk="1" latinLnBrk="0" hangingPunct="1">
+              <a:lnSpc>
+                <a:spcPct val="100000"/>
+              </a:lnSpc>
+              <a:spcBef>
+                <a:spcPts val="1000"/>
+              </a:spcBef>
+              <a:buClr>
+                <a:schemeClr val="accent2"/>
+              </a:buClr>
+              <a:buFont typeface="Arial" panose="020B0604020202020204" pitchFamily="34" charset="0"/>
+              <a:buChar char="•"/>
+              <a:defRPr sz="1600" kern="1200">
+                <a:solidFill>
+                  <a:schemeClr val="tx1"/>
+                </a:solidFill>
+                <a:latin typeface="+mn-lt"/>
+                <a:ea typeface="+mn-ea"/>
+                <a:cs typeface="+mn-cs"/>
+              </a:defRPr>
+            </a:lvl7pPr>
+            <a:lvl8pPr marL="1657350" indent="-228600" algn="l" defTabSz="914400" rtl="0" eaLnBrk="1" latinLnBrk="0" hangingPunct="1">
+              <a:lnSpc>
+                <a:spcPct val="100000"/>
+              </a:lnSpc>
+              <a:spcBef>
+                <a:spcPts val="1000"/>
+              </a:spcBef>
+              <a:buClr>
+                <a:schemeClr val="accent2"/>
+              </a:buClr>
+              <a:buFont typeface="Arial" panose="020B0604020202020204" pitchFamily="34" charset="0"/>
+              <a:buChar char="•"/>
+              <a:defRPr sz="1600" kern="1200" baseline="0">
+                <a:solidFill>
+                  <a:schemeClr val="tx1"/>
+                </a:solidFill>
+                <a:latin typeface="+mn-lt"/>
+                <a:ea typeface="+mn-ea"/>
+                <a:cs typeface="+mn-cs"/>
+              </a:defRPr>
+            </a:lvl8pPr>
+            <a:lvl9pPr marL="1882775" indent="-228600" algn="l" defTabSz="914400" rtl="0" eaLnBrk="1" latinLnBrk="0" hangingPunct="1">
+              <a:lnSpc>
+                <a:spcPct val="100000"/>
+              </a:lnSpc>
+              <a:spcBef>
+                <a:spcPts val="1000"/>
+              </a:spcBef>
+              <a:buClr>
+                <a:schemeClr val="accent2"/>
+              </a:buClr>
+              <a:buFont typeface="Arial" panose="020B0604020202020204" pitchFamily="34" charset="0"/>
+              <a:buChar char="•"/>
+              <a:defRPr sz="1600" kern="1200" baseline="0">
+                <a:solidFill>
+                  <a:schemeClr val="tx1"/>
+                </a:solidFill>
+                <a:latin typeface="+mn-lt"/>
+                <a:ea typeface="+mn-ea"/>
+                <a:cs typeface="+mn-cs"/>
+              </a:defRPr>
+            </a:lvl9pPr>
+          </a:lstStyle>
+          <a:p>
+            <a:pPr marL="0" indent="0">
+              <a:buFont typeface="Arial" panose="020B0604020202020204" pitchFamily="34" charset="0"/>
+              <a:buNone/>
+            </a:pPr>
+            <a:r>
+              <a:rPr lang="de-DE" sz="1600" dirty="0" err="1">
+                <a:solidFill>
+                  <a:srgbClr val="DCDCAA"/>
+                </a:solidFill>
+                <a:latin typeface="Menlo" panose="020B0609030804020204" pitchFamily="49" charset="0"/>
+              </a:rPr>
+              <a:t>xTaskCreate</a:t>
+            </a:r>
+            <a:r>
+              <a:rPr lang="de-DE" sz="1600" dirty="0">
+                <a:solidFill>
+                  <a:srgbClr val="D4D4D4"/>
+                </a:solidFill>
+                <a:latin typeface="Menlo" panose="020B0609030804020204" pitchFamily="49" charset="0"/>
+              </a:rPr>
+              <a:t>(</a:t>
+            </a:r>
+            <a:r>
+              <a:rPr lang="de-DE" sz="1600" dirty="0" err="1">
+                <a:solidFill>
+                  <a:schemeClr val="tx1"/>
+                </a:solidFill>
+                <a:latin typeface="Menlo" panose="020B0609030804020204" pitchFamily="49" charset="0"/>
+              </a:rPr>
+              <a:t>comp_filter</a:t>
+            </a:r>
+            <a:r>
+              <a:rPr lang="de-DE" sz="1600" dirty="0">
+                <a:solidFill>
+                  <a:srgbClr val="D4D4D4"/>
+                </a:solidFill>
+                <a:latin typeface="Menlo" panose="020B0609030804020204" pitchFamily="49" charset="0"/>
+              </a:rPr>
+              <a:t>, </a:t>
+            </a:r>
+            <a:r>
+              <a:rPr lang="de-DE" sz="1600" dirty="0">
+                <a:solidFill>
+                  <a:srgbClr val="CE9178"/>
+                </a:solidFill>
+                <a:latin typeface="Menlo" panose="020B0609030804020204" pitchFamily="49" charset="0"/>
+              </a:rPr>
+              <a:t>"FILTER"</a:t>
+            </a:r>
+            <a:r>
+              <a:rPr lang="de-DE" sz="1600" dirty="0">
+                <a:solidFill>
+                  <a:srgbClr val="D4D4D4"/>
+                </a:solidFill>
+                <a:latin typeface="Menlo" panose="020B0609030804020204" pitchFamily="49" charset="0"/>
+              </a:rPr>
+              <a:t>,</a:t>
+            </a:r>
+          </a:p>
+          <a:p>
+            <a:pPr marL="0" indent="0">
+              <a:buFont typeface="Arial" panose="020B0604020202020204" pitchFamily="34" charset="0"/>
+              <a:buNone/>
+            </a:pPr>
+            <a:r>
+              <a:rPr lang="de-DE" sz="1600" dirty="0">
+                <a:solidFill>
+                  <a:srgbClr val="D4D4D4"/>
+                </a:solidFill>
+                <a:latin typeface="Menlo" panose="020B0609030804020204" pitchFamily="49" charset="0"/>
+              </a:rPr>
+              <a:t>(</a:t>
+            </a:r>
+            <a:r>
+              <a:rPr lang="de-DE" sz="1600" dirty="0">
+                <a:solidFill>
+                  <a:srgbClr val="B5CEA8"/>
+                </a:solidFill>
+                <a:latin typeface="Menlo" panose="020B0609030804020204" pitchFamily="49" charset="0"/>
+              </a:rPr>
+              <a:t>3</a:t>
+            </a:r>
+            <a:r>
+              <a:rPr lang="de-DE" sz="1600" dirty="0">
+                <a:solidFill>
+                  <a:srgbClr val="D4D4D4"/>
+                </a:solidFill>
+                <a:latin typeface="Menlo" panose="020B0609030804020204" pitchFamily="49" charset="0"/>
+              </a:rPr>
+              <a:t> * </a:t>
+            </a:r>
+            <a:r>
+              <a:rPr lang="de-DE" sz="1600" dirty="0" err="1">
+                <a:solidFill>
+                  <a:schemeClr val="tx1"/>
+                </a:solidFill>
+                <a:latin typeface="Menlo" panose="020B0609030804020204" pitchFamily="49" charset="0"/>
+              </a:rPr>
+              <a:t>configMINIMAL_STACK_SIZE</a:t>
+            </a:r>
+            <a:r>
+              <a:rPr lang="de-DE" sz="1600" dirty="0">
+                <a:solidFill>
+                  <a:srgbClr val="D4D4D4"/>
+                </a:solidFill>
+                <a:latin typeface="Menlo" panose="020B0609030804020204" pitchFamily="49" charset="0"/>
+              </a:rPr>
+              <a:t>), </a:t>
+            </a:r>
+            <a:r>
+              <a:rPr lang="de-DE" sz="1600" dirty="0">
+                <a:solidFill>
+                  <a:srgbClr val="569CD6"/>
+                </a:solidFill>
+                <a:latin typeface="Menlo" panose="020B0609030804020204" pitchFamily="49" charset="0"/>
+              </a:rPr>
+              <a:t>NULL</a:t>
+            </a:r>
+            <a:r>
+              <a:rPr lang="de-DE" sz="1600" dirty="0">
+                <a:solidFill>
+                  <a:srgbClr val="D4D4D4"/>
+                </a:solidFill>
+                <a:latin typeface="Menlo" panose="020B0609030804020204" pitchFamily="49" charset="0"/>
+              </a:rPr>
+              <a:t>, </a:t>
+            </a:r>
+            <a:r>
+              <a:rPr lang="de-DE" sz="1600" dirty="0">
+                <a:solidFill>
+                  <a:srgbClr val="B5CEA8"/>
+                </a:solidFill>
+                <a:latin typeface="Menlo" panose="020B0609030804020204" pitchFamily="49" charset="0"/>
+              </a:rPr>
+              <a:t>3</a:t>
+            </a:r>
+            <a:r>
+              <a:rPr lang="de-DE" sz="1600" dirty="0">
+                <a:solidFill>
+                  <a:srgbClr val="D4D4D4"/>
+                </a:solidFill>
+                <a:latin typeface="Menlo" panose="020B0609030804020204" pitchFamily="49" charset="0"/>
+              </a:rPr>
+              <a:t>, </a:t>
+            </a:r>
+            <a:r>
+              <a:rPr lang="de-DE" sz="1600" dirty="0">
+                <a:solidFill>
+                  <a:srgbClr val="569CD6"/>
+                </a:solidFill>
+                <a:latin typeface="Menlo" panose="020B0609030804020204" pitchFamily="49" charset="0"/>
+              </a:rPr>
+              <a:t>NULL</a:t>
+            </a:r>
+            <a:r>
+              <a:rPr lang="de-DE" sz="1600" dirty="0">
                 <a:solidFill>
                   <a:srgbClr val="D4D4D4"/>
                 </a:solidFill>
@@ -6536,33 +6689,185 @@
           </a:p>
           <a:p>
             <a:pPr marL="0" indent="0">
+              <a:buFont typeface="Arial" panose="020B0604020202020204" pitchFamily="34" charset="0"/>
               <a:buNone/>
             </a:pPr>
             <a:r>
-              <a:rPr lang="de-DE" dirty="0">
-                <a:solidFill>
-                  <a:srgbClr val="D4D4D4"/>
-                </a:solidFill>
-                <a:latin typeface="Menlo" panose="020B0609030804020204" pitchFamily="49" charset="0"/>
-              </a:rPr>
-              <a:t> </a:t>
+              <a:rPr lang="de-DE" sz="1600" dirty="0" err="1">
+                <a:solidFill>
+                  <a:srgbClr val="DCDCAA"/>
+                </a:solidFill>
+                <a:latin typeface="Menlo" panose="020B0609030804020204" pitchFamily="49" charset="0"/>
+              </a:rPr>
+              <a:t>xTaskCreate</a:t>
+            </a:r>
+            <a:r>
+              <a:rPr lang="de-DE" sz="1600" dirty="0">
+                <a:solidFill>
+                  <a:srgbClr val="D4D4D4"/>
+                </a:solidFill>
+                <a:latin typeface="Menlo" panose="020B0609030804020204" pitchFamily="49" charset="0"/>
+              </a:rPr>
+              <a:t>(</a:t>
+            </a:r>
+            <a:r>
+              <a:rPr lang="de-DE" sz="1600" dirty="0" err="1">
+                <a:solidFill>
+                  <a:schemeClr val="tx1"/>
+                </a:solidFill>
+                <a:latin typeface="Menlo" panose="020B0609030804020204" pitchFamily="49" charset="0"/>
+              </a:rPr>
+              <a:t>setPointtrack</a:t>
+            </a:r>
+            <a:r>
+              <a:rPr lang="de-DE" sz="1600" dirty="0">
+                <a:solidFill>
+                  <a:srgbClr val="D4D4D4"/>
+                </a:solidFill>
+                <a:latin typeface="Menlo" panose="020B0609030804020204" pitchFamily="49" charset="0"/>
+              </a:rPr>
+              <a:t>, </a:t>
+            </a:r>
+            <a:r>
+              <a:rPr lang="de-DE" sz="1600" dirty="0">
+                <a:solidFill>
+                  <a:srgbClr val="CE9178"/>
+                </a:solidFill>
+                <a:latin typeface="Menlo" panose="020B0609030804020204" pitchFamily="49" charset="0"/>
+              </a:rPr>
+              <a:t>"SETPOINT"</a:t>
+            </a:r>
+            <a:r>
+              <a:rPr lang="de-DE" sz="1600" dirty="0">
+                <a:solidFill>
+                  <a:srgbClr val="D4D4D4"/>
+                </a:solidFill>
+                <a:latin typeface="Menlo" panose="020B0609030804020204" pitchFamily="49" charset="0"/>
+              </a:rPr>
+              <a:t>,</a:t>
             </a:r>
           </a:p>
           <a:p>
             <a:pPr marL="0" indent="0">
+              <a:buFont typeface="Arial" panose="020B0604020202020204" pitchFamily="34" charset="0"/>
               <a:buNone/>
             </a:pPr>
             <a:r>
-              <a:rPr lang="de-DE" dirty="0" err="1">
+              <a:rPr lang="de-DE" sz="1600" dirty="0">
+                <a:solidFill>
+                  <a:srgbClr val="D4D4D4"/>
+                </a:solidFill>
+                <a:latin typeface="Menlo" panose="020B0609030804020204" pitchFamily="49" charset="0"/>
+              </a:rPr>
+              <a:t>(</a:t>
+            </a:r>
+            <a:r>
+              <a:rPr lang="de-DE" sz="1600" dirty="0">
+                <a:solidFill>
+                  <a:srgbClr val="B5CEA8"/>
+                </a:solidFill>
+                <a:latin typeface="Menlo" panose="020B0609030804020204" pitchFamily="49" charset="0"/>
+              </a:rPr>
+              <a:t>3</a:t>
+            </a:r>
+            <a:r>
+              <a:rPr lang="de-DE" sz="1600" dirty="0">
+                <a:solidFill>
+                  <a:srgbClr val="D4D4D4"/>
+                </a:solidFill>
+                <a:latin typeface="Menlo" panose="020B0609030804020204" pitchFamily="49" charset="0"/>
+              </a:rPr>
+              <a:t> * </a:t>
+            </a:r>
+            <a:r>
+              <a:rPr lang="de-DE" sz="1600" dirty="0" err="1">
+                <a:solidFill>
+                  <a:schemeClr val="tx1"/>
+                </a:solidFill>
+                <a:latin typeface="Menlo" panose="020B0609030804020204" pitchFamily="49" charset="0"/>
+              </a:rPr>
+              <a:t>configMINIMAL_STACK_SIZE</a:t>
+            </a:r>
+            <a:r>
+              <a:rPr lang="de-DE" sz="1600" dirty="0">
+                <a:solidFill>
+                  <a:srgbClr val="D4D4D4"/>
+                </a:solidFill>
+                <a:latin typeface="Menlo" panose="020B0609030804020204" pitchFamily="49" charset="0"/>
+              </a:rPr>
+              <a:t>), </a:t>
+            </a:r>
+            <a:r>
+              <a:rPr lang="de-DE" sz="1600" dirty="0">
+                <a:solidFill>
+                  <a:srgbClr val="569CD6"/>
+                </a:solidFill>
+                <a:latin typeface="Menlo" panose="020B0609030804020204" pitchFamily="49" charset="0"/>
+              </a:rPr>
+              <a:t>NULL</a:t>
+            </a:r>
+            <a:r>
+              <a:rPr lang="de-DE" sz="1600" dirty="0">
+                <a:solidFill>
+                  <a:srgbClr val="D4D4D4"/>
+                </a:solidFill>
+                <a:latin typeface="Menlo" panose="020B0609030804020204" pitchFamily="49" charset="0"/>
+              </a:rPr>
+              <a:t>, </a:t>
+            </a:r>
+            <a:r>
+              <a:rPr lang="de-DE" sz="1600" dirty="0">
+                <a:solidFill>
+                  <a:srgbClr val="B5CEA8"/>
+                </a:solidFill>
+                <a:latin typeface="Menlo" panose="020B0609030804020204" pitchFamily="49" charset="0"/>
+              </a:rPr>
+              <a:t>1</a:t>
+            </a:r>
+            <a:r>
+              <a:rPr lang="de-DE" sz="1600" dirty="0">
+                <a:solidFill>
+                  <a:srgbClr val="D4D4D4"/>
+                </a:solidFill>
+                <a:latin typeface="Menlo" panose="020B0609030804020204" pitchFamily="49" charset="0"/>
+              </a:rPr>
+              <a:t>, </a:t>
+            </a:r>
+            <a:r>
+              <a:rPr lang="de-DE" sz="1600" dirty="0">
+                <a:solidFill>
+                  <a:srgbClr val="569CD6"/>
+                </a:solidFill>
+                <a:latin typeface="Menlo" panose="020B0609030804020204" pitchFamily="49" charset="0"/>
+              </a:rPr>
+              <a:t>NULL</a:t>
+            </a:r>
+            <a:r>
+              <a:rPr lang="de-DE" sz="1600" dirty="0">
+                <a:solidFill>
+                  <a:srgbClr val="D4D4D4"/>
+                </a:solidFill>
+                <a:latin typeface="Menlo" panose="020B0609030804020204" pitchFamily="49" charset="0"/>
+              </a:rPr>
+              <a:t>);</a:t>
+            </a:r>
+          </a:p>
+          <a:p>
+            <a:pPr marL="0" indent="0">
+              <a:buFont typeface="Arial" panose="020B0604020202020204" pitchFamily="34" charset="0"/>
+              <a:buNone/>
+            </a:pPr>
+            <a:r>
+              <a:rPr lang="de-DE" sz="1600" dirty="0" err="1">
                 <a:solidFill>
                   <a:srgbClr val="DCDCAA"/>
                 </a:solidFill>
                 <a:latin typeface="Menlo" panose="020B0609030804020204" pitchFamily="49" charset="0"/>
               </a:rPr>
-              <a:t>commanderGetSetpoint</a:t>
-            </a:r>
-            <a:r>
-              <a:rPr lang="de-DE" dirty="0">
+              <a:t>xTaskCreate</a:t>
+            </a:r>
+            <a:r>
+              <a:rPr lang="de-DE" sz="1600" dirty="0">
                 <a:solidFill>
                   <a:srgbClr val="D4D4D4"/>
                 </a:solidFill>
@@ -6571,34 +6876,139 @@
               <a:t>(</a:t>
             </a:r>
             <a:r>
-              <a:rPr lang="de-DE" dirty="0">
-                <a:solidFill>
-                  <a:schemeClr val="tx1"/>
-                </a:solidFill>
-                <a:latin typeface="Menlo" panose="020B0609030804020204" pitchFamily="49" charset="0"/>
-              </a:rPr>
-              <a:t>&amp;</a:t>
-            </a:r>
-            <a:r>
-              <a:rPr lang="de-DE" dirty="0" err="1">
-                <a:solidFill>
-                  <a:schemeClr val="tx1"/>
-                </a:solidFill>
-                <a:latin typeface="Menlo" panose="020B0609030804020204" pitchFamily="49" charset="0"/>
-              </a:rPr>
-              <a:t>setpoint</a:t>
-            </a:r>
-            <a:r>
-              <a:rPr lang="de-DE" dirty="0">
-                <a:solidFill>
-                  <a:schemeClr val="tx1"/>
-                </a:solidFill>
-                <a:latin typeface="Menlo" panose="020B0609030804020204" pitchFamily="49" charset="0"/>
-              </a:rPr>
-              <a:t>, tick</a:t>
-            </a:r>
-            <a:r>
-              <a:rPr lang="de-DE" dirty="0">
+              <a:rPr lang="de-DE" sz="1600" dirty="0" err="1">
+                <a:solidFill>
+                  <a:schemeClr val="tx1"/>
+                </a:solidFill>
+                <a:latin typeface="Menlo" panose="020B0609030804020204" pitchFamily="49" charset="0"/>
+              </a:rPr>
+              <a:t>controller</a:t>
+            </a:r>
+            <a:r>
+              <a:rPr lang="de-DE" sz="1600" dirty="0">
+                <a:solidFill>
+                  <a:srgbClr val="D4D4D4"/>
+                </a:solidFill>
+                <a:latin typeface="Menlo" panose="020B0609030804020204" pitchFamily="49" charset="0"/>
+              </a:rPr>
+              <a:t>, </a:t>
+            </a:r>
+            <a:r>
+              <a:rPr lang="de-DE" sz="1600" dirty="0">
+                <a:solidFill>
+                  <a:srgbClr val="CE9178"/>
+                </a:solidFill>
+                <a:latin typeface="Menlo" panose="020B0609030804020204" pitchFamily="49" charset="0"/>
+              </a:rPr>
+              <a:t>"CONTROL"</a:t>
+            </a:r>
+            <a:r>
+              <a:rPr lang="de-DE" sz="1600" dirty="0">
+                <a:solidFill>
+                  <a:srgbClr val="D4D4D4"/>
+                </a:solidFill>
+                <a:latin typeface="Menlo" panose="020B0609030804020204" pitchFamily="49" charset="0"/>
+              </a:rPr>
+              <a:t>,</a:t>
+            </a:r>
+          </a:p>
+          <a:p>
+            <a:pPr marL="0" indent="0">
+              <a:buFont typeface="Arial" panose="020B0604020202020204" pitchFamily="34" charset="0"/>
+              <a:buNone/>
+            </a:pPr>
+            <a:r>
+              <a:rPr lang="de-DE" sz="1600" dirty="0">
+                <a:solidFill>
+                  <a:srgbClr val="D4D4D4"/>
+                </a:solidFill>
+                <a:latin typeface="Menlo" panose="020B0609030804020204" pitchFamily="49" charset="0"/>
+              </a:rPr>
+              <a:t>(</a:t>
+            </a:r>
+            <a:r>
+              <a:rPr lang="de-DE" sz="1600" dirty="0">
+                <a:solidFill>
+                  <a:srgbClr val="B5CEA8"/>
+                </a:solidFill>
+                <a:latin typeface="Menlo" panose="020B0609030804020204" pitchFamily="49" charset="0"/>
+              </a:rPr>
+              <a:t>3</a:t>
+            </a:r>
+            <a:r>
+              <a:rPr lang="de-DE" sz="1600" dirty="0">
+                <a:solidFill>
+                  <a:srgbClr val="D4D4D4"/>
+                </a:solidFill>
+                <a:latin typeface="Menlo" panose="020B0609030804020204" pitchFamily="49" charset="0"/>
+              </a:rPr>
+              <a:t> * </a:t>
+            </a:r>
+            <a:r>
+              <a:rPr lang="de-DE" sz="1600" dirty="0" err="1">
+                <a:solidFill>
+                  <a:schemeClr val="tx1"/>
+                </a:solidFill>
+                <a:latin typeface="Menlo" panose="020B0609030804020204" pitchFamily="49" charset="0"/>
+              </a:rPr>
+              <a:t>configMINIMAL_STACK_SIZE</a:t>
+            </a:r>
+            <a:r>
+              <a:rPr lang="de-DE" sz="1600" dirty="0">
+                <a:solidFill>
+                  <a:srgbClr val="D4D4D4"/>
+                </a:solidFill>
+                <a:latin typeface="Menlo" panose="020B0609030804020204" pitchFamily="49" charset="0"/>
+              </a:rPr>
+              <a:t>), </a:t>
+            </a:r>
+            <a:r>
+              <a:rPr lang="de-DE" sz="1600" dirty="0">
+                <a:solidFill>
+                  <a:srgbClr val="569CD6"/>
+                </a:solidFill>
+                <a:latin typeface="Menlo" panose="020B0609030804020204" pitchFamily="49" charset="0"/>
+              </a:rPr>
+              <a:t>NULL</a:t>
+            </a:r>
+            <a:r>
+              <a:rPr lang="de-DE" sz="1600" dirty="0">
+                <a:solidFill>
+                  <a:srgbClr val="D4D4D4"/>
+                </a:solidFill>
+                <a:latin typeface="Menlo" panose="020B0609030804020204" pitchFamily="49" charset="0"/>
+              </a:rPr>
+              <a:t>, </a:t>
+            </a:r>
+            <a:r>
+              <a:rPr lang="de-DE" sz="1600" dirty="0">
+                <a:solidFill>
+                  <a:srgbClr val="B5CEA8"/>
+                </a:solidFill>
+                <a:latin typeface="Menlo" panose="020B0609030804020204" pitchFamily="49" charset="0"/>
+              </a:rPr>
+              <a:t>2</a:t>
+            </a:r>
+            <a:r>
+              <a:rPr lang="de-DE" sz="1600" dirty="0">
+                <a:solidFill>
+                  <a:srgbClr val="D4D4D4"/>
+                </a:solidFill>
+                <a:latin typeface="Menlo" panose="020B0609030804020204" pitchFamily="49" charset="0"/>
+              </a:rPr>
+              <a:t>, </a:t>
+            </a:r>
+            <a:r>
+              <a:rPr lang="de-DE" sz="1600" dirty="0">
+                <a:solidFill>
+                  <a:srgbClr val="569CD6"/>
+                </a:solidFill>
+                <a:latin typeface="Menlo" panose="020B0609030804020204" pitchFamily="49" charset="0"/>
+              </a:rPr>
+              <a:t>NULL</a:t>
+            </a:r>
+            <a:r>
+              <a:rPr lang="de-DE" sz="1600" dirty="0">
                 <a:solidFill>
                   <a:srgbClr val="D4D4D4"/>
                 </a:solidFill>
@@ -6609,91 +7019,32 @@
           </a:p>
           <a:p>
             <a:pPr marL="0" indent="0">
+              <a:buFont typeface="Arial" panose="020B0604020202020204" pitchFamily="34" charset="0"/>
               <a:buNone/>
             </a:pPr>
             <a:r>
-              <a:rPr lang="de-DE" dirty="0">
-                <a:solidFill>
-                  <a:schemeClr val="tx1"/>
-                </a:solidFill>
-                <a:latin typeface="Menlo" panose="020B0609030804020204" pitchFamily="49" charset="0"/>
-              </a:rPr>
-              <a:t>tick++</a:t>
-            </a:r>
-            <a:r>
-              <a:rPr lang="de-DE" dirty="0">
-                <a:solidFill>
-                  <a:srgbClr val="D4D4D4"/>
-                </a:solidFill>
-                <a:latin typeface="Menlo" panose="020B0609030804020204" pitchFamily="49" charset="0"/>
-              </a:rPr>
-              <a:t>;</a:t>
+              <a:rPr lang="de-DE" sz="1600" dirty="0">
+                <a:solidFill>
+                  <a:srgbClr val="D4D4D4"/>
+                </a:solidFill>
+                <a:latin typeface="Menlo" panose="020B0609030804020204" pitchFamily="49" charset="0"/>
+              </a:rPr>
+              <a:t>}</a:t>
             </a:r>
           </a:p>
           <a:p>
             <a:pPr marL="0" indent="0">
+              <a:buFont typeface="Arial" panose="020B0604020202020204" pitchFamily="34" charset="0"/>
               <a:buNone/>
             </a:pPr>
-            <a:endParaRPr lang="de-DE" dirty="0">
-              <a:solidFill>
-                <a:srgbClr val="D4D4D4"/>
-              </a:solidFill>
-              <a:latin typeface="Menlo" panose="020B0609030804020204" pitchFamily="49" charset="0"/>
-            </a:endParaRPr>
-          </a:p>
-          <a:p>
-            <a:pPr marL="0" indent="0">
-              <a:buNone/>
-            </a:pPr>
-            <a:r>
-              <a:rPr lang="de-DE" dirty="0" err="1">
-                <a:solidFill>
-                  <a:srgbClr val="DCDCAA"/>
-                </a:solidFill>
-                <a:latin typeface="Menlo" panose="020B0609030804020204" pitchFamily="49" charset="0"/>
-              </a:rPr>
-              <a:t>xSemaphoreGive</a:t>
-            </a:r>
-            <a:r>
-              <a:rPr lang="de-DE" dirty="0">
-                <a:solidFill>
-                  <a:srgbClr val="D4D4D4"/>
-                </a:solidFill>
-                <a:latin typeface="Menlo" panose="020B0609030804020204" pitchFamily="49" charset="0"/>
-              </a:rPr>
-              <a:t>(</a:t>
-            </a:r>
-            <a:r>
-              <a:rPr lang="de-DE" dirty="0" err="1">
-                <a:solidFill>
-                  <a:schemeClr val="tx1"/>
-                </a:solidFill>
-                <a:latin typeface="Menlo" panose="020B0609030804020204" pitchFamily="49" charset="0"/>
-              </a:rPr>
-              <a:t>setsema</a:t>
-            </a:r>
-            <a:r>
-              <a:rPr lang="de-DE" dirty="0">
-                <a:solidFill>
-                  <a:srgbClr val="D4D4D4"/>
-                </a:solidFill>
-                <a:latin typeface="Menlo" panose="020B0609030804020204" pitchFamily="49" charset="0"/>
-              </a:rPr>
-              <a:t>);</a:t>
-            </a:r>
-          </a:p>
-          <a:p>
-            <a:pPr marL="0" indent="0">
-              <a:buNone/>
-            </a:pPr>
-            <a:endParaRPr lang="de-DE" dirty="0"/>
+            <a:endParaRPr lang="de-DE" sz="1600" dirty="0"/>
           </a:p>
         </p:txBody>
       </p:sp>
     </p:spTree>
     <p:extLst>
       <p:ext uri="{BB962C8B-B14F-4D97-AF65-F5344CB8AC3E}">
-        <p14:creationId xmlns:p14="http://schemas.microsoft.com/office/powerpoint/2010/main" val="2179710947"/>
+        <p14:creationId xmlns:p14="http://schemas.microsoft.com/office/powerpoint/2010/main" val="331199780"/>
       </p:ext>
     </p:extLst>
   </p:cSld>
@@ -6754,7 +7105,7 @@
             </a:br>
             <a:r>
               <a:rPr lang="de-DE" dirty="0"/>
-              <a:t>- Control </a:t>
+              <a:t>- Filter </a:t>
             </a:r>
             <a:r>
               <a:rPr lang="de-DE" dirty="0" err="1"/>
@@ -6762,6 +7113,14 @@
             </a:r>
             <a:r>
               <a:rPr lang="de-DE" dirty="0"/>
+              <a:t> </a:t>
+            </a:r>
+            <a:r>
+              <a:rPr lang="de-DE" dirty="0" err="1"/>
+              <a:t>semaphores</a:t>
+            </a:r>
+            <a:r>
+              <a:rPr lang="de-DE" dirty="0"/>
               <a:t> -</a:t>
             </a:r>
           </a:p>
@@ -6769,10 +7128,10 @@
       </p:sp>
       <p:sp>
         <p:nvSpPr>
-          <p:cNvPr id="4" name="Inhaltsplatzhalter 3">
+          <p:cNvPr id="6" name="Inhaltsplatzhalter 5">
             <a:extLst>
               <a:ext uri="{FF2B5EF4-FFF2-40B4-BE49-F238E27FC236}">
-                <a16:creationId xmlns:a16="http://schemas.microsoft.com/office/drawing/2014/main" id="{6E6848F5-729F-1D4F-86D4-A83149154EB3}"/>
+                <a16:creationId xmlns:a16="http://schemas.microsoft.com/office/drawing/2014/main" id="{7A4B3519-7053-4F4A-9704-0D8536946FB3}"/>
               </a:ext>
             </a:extLst>
           </p:cNvPr>
@@ -6785,13 +7144,13 @@
         </p:nvSpPr>
         <p:spPr>
           <a:xfrm>
-            <a:off x="2231136" y="2412960"/>
-            <a:ext cx="7729728" cy="4212923"/>
+            <a:off x="468923" y="2497368"/>
+            <a:ext cx="11254153" cy="3664282"/>
           </a:xfrm>
         </p:spPr>
         <p:txBody>
           <a:bodyPr>
-            <a:normAutofit/>
+            <a:normAutofit fontScale="92500" lnSpcReduction="10000"/>
           </a:bodyPr>
           <a:lstStyle/>
           <a:p>
@@ -6823,7 +7182,7 @@
                 </a:solidFill>
                 <a:latin typeface="Menlo" panose="020B0609030804020204" pitchFamily="49" charset="0"/>
               </a:rPr>
-              <a:t>setsema,portMAX_DELAY</a:t>
+              <a:t>filtsema,portMAX_DELAY</a:t>
             </a:r>
             <a:r>
               <a:rPr lang="de-DE" dirty="0">
@@ -6833,227 +7192,6 @@
                 <a:latin typeface="Menlo" panose="020B0609030804020204" pitchFamily="49" charset="0"/>
               </a:rPr>
               <a:t>); </a:t>
-            </a:r>
-          </a:p>
-          <a:p>
-            <a:pPr marL="0" indent="0">
-              <a:buNone/>
-            </a:pPr>
-            <a:r>
-              <a:rPr lang="de-DE" dirty="0" err="1">
-                <a:solidFill>
-                  <a:srgbClr val="DCDCAA"/>
-                </a:solidFill>
-                <a:latin typeface="Menlo" panose="020B0609030804020204" pitchFamily="49" charset="0"/>
-              </a:rPr>
-              <a:t>xSemaphoreTake</a:t>
-            </a:r>
-            <a:r>
-              <a:rPr lang="de-DE" dirty="0">
-                <a:solidFill>
-                  <a:srgbClr val="D4D4D4"/>
-                </a:solidFill>
-                <a:latin typeface="Menlo" panose="020B0609030804020204" pitchFamily="49" charset="0"/>
-              </a:rPr>
-              <a:t>(</a:t>
-            </a:r>
-            <a:r>
-              <a:rPr lang="de-DE" dirty="0" err="1">
-                <a:solidFill>
-                  <a:schemeClr val="tx1"/>
-                </a:solidFill>
-                <a:latin typeface="Menlo" panose="020B0609030804020204" pitchFamily="49" charset="0"/>
-              </a:rPr>
-              <a:t>filtsema,portMAX_DELAY</a:t>
-            </a:r>
-            <a:r>
-              <a:rPr lang="de-DE" dirty="0">
-                <a:solidFill>
-                  <a:srgbClr val="D4D4D4"/>
-                </a:solidFill>
-                <a:latin typeface="Menlo" panose="020B0609030804020204" pitchFamily="49" charset="0"/>
-              </a:rPr>
-              <a:t>); </a:t>
-            </a:r>
-          </a:p>
-          <a:p>
-            <a:pPr marL="0" indent="0">
-              <a:buNone/>
-            </a:pPr>
-            <a:r>
-              <a:rPr lang="de-DE" dirty="0">
-                <a:solidFill>
-                  <a:schemeClr val="tx1"/>
-                </a:solidFill>
-                <a:latin typeface="Menlo" panose="020B0609030804020204" pitchFamily="49" charset="0"/>
-              </a:rPr>
-              <a:t>„</a:t>
-            </a:r>
-            <a:r>
-              <a:rPr lang="de-DE" dirty="0" err="1">
-                <a:solidFill>
-                  <a:schemeClr val="tx1"/>
-                </a:solidFill>
-                <a:latin typeface="Menlo" panose="020B0609030804020204" pitchFamily="49" charset="0"/>
-              </a:rPr>
-              <a:t>Calculate</a:t>
-            </a:r>
-            <a:r>
-              <a:rPr lang="de-DE" dirty="0">
-                <a:solidFill>
-                  <a:schemeClr val="tx1"/>
-                </a:solidFill>
-                <a:latin typeface="Menlo" panose="020B0609030804020204" pitchFamily="49" charset="0"/>
-              </a:rPr>
-              <a:t> </a:t>
-            </a:r>
-            <a:r>
-              <a:rPr lang="de-DE" dirty="0" err="1">
-                <a:solidFill>
-                  <a:schemeClr val="tx1"/>
-                </a:solidFill>
-                <a:latin typeface="Menlo" panose="020B0609030804020204" pitchFamily="49" charset="0"/>
-              </a:rPr>
-              <a:t>difference</a:t>
-            </a:r>
-            <a:r>
-              <a:rPr lang="de-DE" dirty="0">
-                <a:solidFill>
-                  <a:schemeClr val="tx1"/>
-                </a:solidFill>
-                <a:latin typeface="Menlo" panose="020B0609030804020204" pitchFamily="49" charset="0"/>
-              </a:rPr>
-              <a:t> </a:t>
-            </a:r>
-            <a:r>
-              <a:rPr lang="de-DE" dirty="0" err="1">
-                <a:solidFill>
-                  <a:schemeClr val="tx1"/>
-                </a:solidFill>
-                <a:latin typeface="Menlo" panose="020B0609030804020204" pitchFamily="49" charset="0"/>
-              </a:rPr>
-              <a:t>of</a:t>
-            </a:r>
-            <a:r>
-              <a:rPr lang="de-DE" dirty="0">
-                <a:solidFill>
-                  <a:schemeClr val="tx1"/>
-                </a:solidFill>
-                <a:latin typeface="Menlo" panose="020B0609030804020204" pitchFamily="49" charset="0"/>
-              </a:rPr>
-              <a:t> </a:t>
-            </a:r>
-            <a:r>
-              <a:rPr lang="de-DE" dirty="0" err="1">
-                <a:solidFill>
-                  <a:schemeClr val="tx1"/>
-                </a:solidFill>
-                <a:latin typeface="Menlo" panose="020B0609030804020204" pitchFamily="49" charset="0"/>
-              </a:rPr>
-              <a:t>setpoint</a:t>
-            </a:r>
-            <a:r>
-              <a:rPr lang="de-DE" dirty="0">
-                <a:solidFill>
-                  <a:schemeClr val="tx1"/>
-                </a:solidFill>
-                <a:latin typeface="Menlo" panose="020B0609030804020204" pitchFamily="49" charset="0"/>
-              </a:rPr>
-              <a:t> </a:t>
-            </a:r>
-            <a:r>
-              <a:rPr lang="de-DE" dirty="0" err="1">
-                <a:solidFill>
-                  <a:schemeClr val="tx1"/>
-                </a:solidFill>
-                <a:latin typeface="Menlo" panose="020B0609030804020204" pitchFamily="49" charset="0"/>
-              </a:rPr>
-              <a:t>and</a:t>
-            </a:r>
-            <a:r>
-              <a:rPr lang="de-DE" dirty="0">
-                <a:solidFill>
-                  <a:schemeClr val="tx1"/>
-                </a:solidFill>
-                <a:latin typeface="Menlo" panose="020B0609030804020204" pitchFamily="49" charset="0"/>
-              </a:rPr>
-              <a:t> </a:t>
-            </a:r>
-            <a:r>
-              <a:rPr lang="de-DE" dirty="0" err="1">
-                <a:solidFill>
-                  <a:schemeClr val="tx1"/>
-                </a:solidFill>
-                <a:latin typeface="Menlo" panose="020B0609030804020204" pitchFamily="49" charset="0"/>
-              </a:rPr>
-              <a:t>state</a:t>
-            </a:r>
-            <a:r>
-              <a:rPr lang="de-DE" dirty="0">
-                <a:solidFill>
-                  <a:schemeClr val="tx1"/>
-                </a:solidFill>
-                <a:latin typeface="Menlo" panose="020B0609030804020204" pitchFamily="49" charset="0"/>
-              </a:rPr>
-              <a:t>“</a:t>
-            </a:r>
-            <a:r>
-              <a:rPr lang="de-DE" dirty="0">
-                <a:solidFill>
-                  <a:srgbClr val="D4D4D4"/>
-                </a:solidFill>
-                <a:latin typeface="Menlo" panose="020B0609030804020204" pitchFamily="49" charset="0"/>
-              </a:rPr>
-              <a:t>;</a:t>
-            </a:r>
-            <a:endParaRPr lang="de-DE" dirty="0">
-              <a:solidFill>
-                <a:schemeClr val="bg1">
-                  <a:lumMod val="65000"/>
-                </a:schemeClr>
-              </a:solidFill>
-              <a:latin typeface="Menlo" panose="020B0609030804020204" pitchFamily="49" charset="0"/>
-            </a:endParaRPr>
-          </a:p>
-          <a:p>
-            <a:pPr marL="0" indent="0">
-              <a:buNone/>
-            </a:pPr>
-            <a:r>
-              <a:rPr lang="de-DE" dirty="0" err="1">
-                <a:solidFill>
-                  <a:srgbClr val="DCDCAA"/>
-                </a:solidFill>
-                <a:latin typeface="Menlo" panose="020B0609030804020204" pitchFamily="49" charset="0"/>
-              </a:rPr>
-              <a:t>xSemaphoreGive</a:t>
-            </a:r>
-            <a:r>
-              <a:rPr lang="de-DE" dirty="0">
-                <a:solidFill>
-                  <a:srgbClr val="D4D4D4"/>
-                </a:solidFill>
-                <a:latin typeface="Menlo" panose="020B0609030804020204" pitchFamily="49" charset="0"/>
-              </a:rPr>
-              <a:t>(</a:t>
-            </a:r>
-            <a:r>
-              <a:rPr lang="de-DE" dirty="0" err="1">
-                <a:solidFill>
-                  <a:schemeClr val="tx1"/>
-                </a:solidFill>
-                <a:latin typeface="Menlo" panose="020B0609030804020204" pitchFamily="49" charset="0"/>
-              </a:rPr>
-              <a:t>filtsema</a:t>
-            </a:r>
-            <a:r>
-              <a:rPr lang="de-DE" dirty="0">
-                <a:solidFill>
-                  <a:srgbClr val="D4D4D4"/>
-                </a:solidFill>
-                <a:latin typeface="Menlo" panose="020B0609030804020204" pitchFamily="49" charset="0"/>
-              </a:rPr>
-              <a:t>);</a:t>
             </a:r>
           </a:p>
           <a:p>
@@ -7072,175 +7210,527 @@
               <a:buNone/>
             </a:pPr>
             <a:r>
-              <a:rPr lang="de-DE" dirty="0">
-                <a:solidFill>
-                  <a:schemeClr val="tx1"/>
-                </a:solidFill>
-                <a:latin typeface="Menlo" panose="020B0609030804020204" pitchFamily="49" charset="0"/>
-              </a:rPr>
-              <a:t>„</a:t>
-            </a:r>
-            <a:r>
-              <a:rPr lang="de-DE" dirty="0" err="1">
-                <a:solidFill>
-                  <a:schemeClr val="tx1"/>
-                </a:solidFill>
-                <a:latin typeface="Menlo" panose="020B0609030804020204" pitchFamily="49" charset="0"/>
-              </a:rPr>
-              <a:t>Multiply</a:t>
-            </a:r>
-            <a:r>
-              <a:rPr lang="de-DE" dirty="0">
-                <a:solidFill>
-                  <a:schemeClr val="tx1"/>
-                </a:solidFill>
-                <a:latin typeface="Menlo" panose="020B0609030804020204" pitchFamily="49" charset="0"/>
-              </a:rPr>
-              <a:t> LQR </a:t>
-            </a:r>
-            <a:r>
-              <a:rPr lang="de-DE" dirty="0" err="1">
-                <a:solidFill>
-                  <a:schemeClr val="tx1"/>
-                </a:solidFill>
-                <a:latin typeface="Menlo" panose="020B0609030804020204" pitchFamily="49" charset="0"/>
-              </a:rPr>
-              <a:t>gain</a:t>
-            </a:r>
-            <a:r>
-              <a:rPr lang="de-DE" dirty="0">
-                <a:solidFill>
-                  <a:schemeClr val="tx1"/>
-                </a:solidFill>
-                <a:latin typeface="Menlo" panose="020B0609030804020204" pitchFamily="49" charset="0"/>
-              </a:rPr>
-              <a:t> </a:t>
-            </a:r>
-            <a:r>
-              <a:rPr lang="de-DE" dirty="0" err="1">
-                <a:solidFill>
-                  <a:schemeClr val="tx1"/>
-                </a:solidFill>
-                <a:latin typeface="Menlo" panose="020B0609030804020204" pitchFamily="49" charset="0"/>
-              </a:rPr>
-              <a:t>matrix</a:t>
-            </a:r>
-            <a:r>
-              <a:rPr lang="de-DE" dirty="0">
-                <a:solidFill>
-                  <a:schemeClr val="tx1"/>
-                </a:solidFill>
-                <a:latin typeface="Menlo" panose="020B0609030804020204" pitchFamily="49" charset="0"/>
-              </a:rPr>
-              <a:t> </a:t>
-            </a:r>
-            <a:r>
-              <a:rPr lang="de-DE" dirty="0" err="1">
-                <a:solidFill>
-                  <a:schemeClr val="tx1"/>
-                </a:solidFill>
-                <a:latin typeface="Menlo" panose="020B0609030804020204" pitchFamily="49" charset="0"/>
-              </a:rPr>
-              <a:t>with</a:t>
-            </a:r>
-            <a:r>
-              <a:rPr lang="de-DE" dirty="0">
-                <a:solidFill>
-                  <a:schemeClr val="tx1"/>
-                </a:solidFill>
-                <a:latin typeface="Menlo" panose="020B0609030804020204" pitchFamily="49" charset="0"/>
-              </a:rPr>
-              <a:t> </a:t>
-            </a:r>
-            <a:r>
-              <a:rPr lang="de-DE" dirty="0" err="1">
-                <a:solidFill>
-                  <a:schemeClr val="tx1"/>
-                </a:solidFill>
-                <a:latin typeface="Menlo" panose="020B0609030804020204" pitchFamily="49" charset="0"/>
-              </a:rPr>
-              <a:t>the</a:t>
-            </a:r>
-            <a:r>
-              <a:rPr lang="de-DE" dirty="0">
-                <a:solidFill>
-                  <a:schemeClr val="tx1"/>
-                </a:solidFill>
-                <a:latin typeface="Menlo" panose="020B0609030804020204" pitchFamily="49" charset="0"/>
-              </a:rPr>
-              <a:t> </a:t>
-            </a:r>
-            <a:r>
-              <a:rPr lang="de-DE" dirty="0" err="1">
-                <a:solidFill>
-                  <a:schemeClr val="tx1"/>
-                </a:solidFill>
-                <a:latin typeface="Menlo" panose="020B0609030804020204" pitchFamily="49" charset="0"/>
-              </a:rPr>
-              <a:t>calculated</a:t>
-            </a:r>
-            <a:r>
-              <a:rPr lang="de-DE" dirty="0">
-                <a:solidFill>
-                  <a:schemeClr val="tx1"/>
-                </a:solidFill>
-                <a:latin typeface="Menlo" panose="020B0609030804020204" pitchFamily="49" charset="0"/>
-              </a:rPr>
-              <a:t> </a:t>
-            </a:r>
-            <a:r>
-              <a:rPr lang="de-DE" dirty="0" err="1">
-                <a:solidFill>
-                  <a:schemeClr val="tx1"/>
+              <a:rPr lang="de-DE" dirty="0" err="1">
+                <a:solidFill>
+                  <a:srgbClr val="9CDCFE"/>
                 </a:solidFill>
                 <a:latin typeface="Menlo" panose="020B0609030804020204" pitchFamily="49" charset="0"/>
               </a:rPr>
               <a:t>state</a:t>
             </a:r>
             <a:r>
-              <a:rPr lang="de-DE" dirty="0">
-                <a:solidFill>
-                  <a:schemeClr val="tx1"/>
-                </a:solidFill>
-                <a:latin typeface="Menlo" panose="020B0609030804020204" pitchFamily="49" charset="0"/>
-              </a:rPr>
-              <a:t>/</a:t>
-            </a:r>
-            <a:r>
-              <a:rPr lang="de-DE" dirty="0" err="1">
-                <a:solidFill>
-                  <a:schemeClr val="tx1"/>
-                </a:solidFill>
-                <a:latin typeface="Menlo" panose="020B0609030804020204" pitchFamily="49" charset="0"/>
-              </a:rPr>
-              <a:t>setpoint</a:t>
-            </a:r>
-            <a:r>
-              <a:rPr lang="de-DE" dirty="0">
-                <a:solidFill>
-                  <a:schemeClr val="tx1"/>
-                </a:solidFill>
-                <a:latin typeface="Menlo" panose="020B0609030804020204" pitchFamily="49" charset="0"/>
-              </a:rPr>
-              <a:t> </a:t>
-            </a:r>
-            <a:r>
-              <a:rPr lang="de-DE" dirty="0" err="1">
-                <a:solidFill>
-                  <a:schemeClr val="tx1"/>
-                </a:solidFill>
-                <a:latin typeface="Menlo" panose="020B0609030804020204" pitchFamily="49" charset="0"/>
-              </a:rPr>
-              <a:t>difference</a:t>
-            </a:r>
-            <a:r>
-              <a:rPr lang="de-DE" dirty="0">
-                <a:solidFill>
-                  <a:schemeClr val="tx1"/>
-                </a:solidFill>
-                <a:latin typeface="Menlo" panose="020B0609030804020204" pitchFamily="49" charset="0"/>
-              </a:rPr>
-              <a:t>“</a:t>
+              <a:rPr lang="de-DE" dirty="0" err="1">
+                <a:solidFill>
+                  <a:srgbClr val="D4D4D4"/>
+                </a:solidFill>
+                <a:latin typeface="Menlo" panose="020B0609030804020204" pitchFamily="49" charset="0"/>
+              </a:rPr>
+              <a:t>.</a:t>
+            </a:r>
+            <a:r>
+              <a:rPr lang="de-DE" dirty="0" err="1">
+                <a:solidFill>
+                  <a:srgbClr val="9CDCFE"/>
+                </a:solidFill>
+                <a:latin typeface="Menlo" panose="020B0609030804020204" pitchFamily="49" charset="0"/>
+              </a:rPr>
+              <a:t>pitch</a:t>
+            </a:r>
+            <a:r>
+              <a:rPr lang="de-DE" dirty="0">
+                <a:solidFill>
+                  <a:srgbClr val="D4D4D4"/>
+                </a:solidFill>
+                <a:latin typeface="Menlo" panose="020B0609030804020204" pitchFamily="49" charset="0"/>
+              </a:rPr>
+              <a:t>= (</a:t>
+            </a:r>
+            <a:r>
+              <a:rPr lang="de-DE" dirty="0">
+                <a:solidFill>
+                  <a:srgbClr val="B5CEA8"/>
+                </a:solidFill>
+                <a:latin typeface="Menlo" panose="020B0609030804020204" pitchFamily="49" charset="0"/>
+              </a:rPr>
+              <a:t>1</a:t>
+            </a:r>
+            <a:r>
+              <a:rPr lang="de-DE" dirty="0">
+                <a:solidFill>
+                  <a:srgbClr val="D4D4D4"/>
+                </a:solidFill>
+                <a:latin typeface="Menlo" panose="020B0609030804020204" pitchFamily="49" charset="0"/>
+              </a:rPr>
+              <a:t>-</a:t>
+            </a:r>
+            <a:r>
+              <a:rPr lang="de-DE" dirty="0">
+                <a:solidFill>
+                  <a:schemeClr val="tx1"/>
+                </a:solidFill>
+                <a:latin typeface="Menlo" panose="020B0609030804020204" pitchFamily="49" charset="0"/>
+              </a:rPr>
+              <a:t>gamma</a:t>
+            </a:r>
+            <a:r>
+              <a:rPr lang="de-DE" dirty="0">
+                <a:solidFill>
+                  <a:srgbClr val="D4D4D4"/>
+                </a:solidFill>
+                <a:latin typeface="Menlo" panose="020B0609030804020204" pitchFamily="49" charset="0"/>
+              </a:rPr>
+              <a:t>)*</a:t>
+            </a:r>
+            <a:r>
+              <a:rPr lang="de-DE" dirty="0" err="1">
+                <a:solidFill>
+                  <a:schemeClr val="tx1"/>
+                </a:solidFill>
+                <a:latin typeface="Menlo" panose="020B0609030804020204" pitchFamily="49" charset="0"/>
+              </a:rPr>
+              <a:t>thetaacc</a:t>
+            </a:r>
+            <a:r>
+              <a:rPr lang="de-DE" dirty="0">
+                <a:solidFill>
+                  <a:srgbClr val="D4D4D4"/>
+                </a:solidFill>
+                <a:latin typeface="Menlo" panose="020B0609030804020204" pitchFamily="49" charset="0"/>
+              </a:rPr>
+              <a:t> + </a:t>
+            </a:r>
+            <a:r>
+              <a:rPr lang="de-DE" dirty="0" err="1">
+                <a:solidFill>
+                  <a:schemeClr val="tx1"/>
+                </a:solidFill>
+                <a:latin typeface="Menlo" panose="020B0609030804020204" pitchFamily="49" charset="0"/>
+              </a:rPr>
+              <a:t>gamma</a:t>
+            </a:r>
+            <a:r>
+              <a:rPr lang="de-DE" dirty="0">
+                <a:solidFill>
+                  <a:srgbClr val="D4D4D4"/>
+                </a:solidFill>
+                <a:latin typeface="Menlo" panose="020B0609030804020204" pitchFamily="49" charset="0"/>
+              </a:rPr>
+              <a:t>*(</a:t>
+            </a:r>
+            <a:r>
+              <a:rPr lang="de-DE" dirty="0" err="1">
+                <a:solidFill>
+                  <a:srgbClr val="9CDCFE"/>
+                </a:solidFill>
+                <a:latin typeface="Menlo" panose="020B0609030804020204" pitchFamily="49" charset="0"/>
+              </a:rPr>
+              <a:t>state</a:t>
+            </a:r>
+            <a:r>
+              <a:rPr lang="de-DE" dirty="0" err="1">
+                <a:solidFill>
+                  <a:srgbClr val="D4D4D4"/>
+                </a:solidFill>
+                <a:latin typeface="Menlo" panose="020B0609030804020204" pitchFamily="49" charset="0"/>
+              </a:rPr>
+              <a:t>.</a:t>
+            </a:r>
+            <a:r>
+              <a:rPr lang="de-DE" dirty="0" err="1">
+                <a:solidFill>
+                  <a:srgbClr val="9CDCFE"/>
+                </a:solidFill>
+                <a:latin typeface="Menlo" panose="020B0609030804020204" pitchFamily="49" charset="0"/>
+              </a:rPr>
+              <a:t>pitch</a:t>
+            </a:r>
+            <a:r>
+              <a:rPr lang="de-DE" dirty="0">
+                <a:solidFill>
+                  <a:srgbClr val="D4D4D4"/>
+                </a:solidFill>
+                <a:latin typeface="Menlo" panose="020B0609030804020204" pitchFamily="49" charset="0"/>
+              </a:rPr>
+              <a:t> + </a:t>
+            </a:r>
+            <a:r>
+              <a:rPr lang="de-DE" dirty="0">
+                <a:solidFill>
+                  <a:schemeClr val="tx1"/>
+                </a:solidFill>
+                <a:latin typeface="Menlo" panose="020B0609030804020204" pitchFamily="49" charset="0"/>
+              </a:rPr>
+              <a:t>h</a:t>
+            </a:r>
+            <a:r>
+              <a:rPr lang="de-DE" dirty="0">
+                <a:solidFill>
+                  <a:srgbClr val="D4D4D4"/>
+                </a:solidFill>
+                <a:latin typeface="Menlo" panose="020B0609030804020204" pitchFamily="49" charset="0"/>
+              </a:rPr>
+              <a:t>*</a:t>
+            </a:r>
+            <a:r>
+              <a:rPr lang="de-DE" dirty="0" err="1">
+                <a:solidFill>
+                  <a:srgbClr val="9CDCFE"/>
+                </a:solidFill>
+                <a:latin typeface="Menlo" panose="020B0609030804020204" pitchFamily="49" charset="0"/>
+              </a:rPr>
+              <a:t>sensorData</a:t>
+            </a:r>
+            <a:r>
+              <a:rPr lang="de-DE" dirty="0" err="1">
+                <a:solidFill>
+                  <a:srgbClr val="D4D4D4"/>
+                </a:solidFill>
+                <a:latin typeface="Menlo" panose="020B0609030804020204" pitchFamily="49" charset="0"/>
+              </a:rPr>
+              <a:t>.</a:t>
+            </a:r>
+            <a:r>
+              <a:rPr lang="de-DE" dirty="0" err="1">
+                <a:solidFill>
+                  <a:srgbClr val="9CDCFE"/>
+                </a:solidFill>
+                <a:latin typeface="Menlo" panose="020B0609030804020204" pitchFamily="49" charset="0"/>
+              </a:rPr>
+              <a:t>gyro</a:t>
+            </a:r>
+            <a:r>
+              <a:rPr lang="de-DE" dirty="0" err="1">
+                <a:solidFill>
+                  <a:srgbClr val="D4D4D4"/>
+                </a:solidFill>
+                <a:latin typeface="Menlo" panose="020B0609030804020204" pitchFamily="49" charset="0"/>
+              </a:rPr>
+              <a:t>.</a:t>
+            </a:r>
+            <a:r>
+              <a:rPr lang="de-DE" dirty="0" err="1">
+                <a:solidFill>
+                  <a:srgbClr val="9CDCFE"/>
+                </a:solidFill>
+                <a:latin typeface="Menlo" panose="020B0609030804020204" pitchFamily="49" charset="0"/>
+              </a:rPr>
+              <a:t>y</a:t>
+            </a:r>
+            <a:r>
+              <a:rPr lang="de-DE" dirty="0">
+                <a:solidFill>
+                  <a:srgbClr val="D4D4D4"/>
+                </a:solidFill>
+                <a:latin typeface="Menlo" panose="020B0609030804020204" pitchFamily="49" charset="0"/>
+              </a:rPr>
+              <a:t>);</a:t>
+            </a:r>
+          </a:p>
+          <a:p>
+            <a:pPr marL="0" indent="0">
+              <a:buNone/>
+            </a:pPr>
+            <a:r>
+              <a:rPr lang="de-DE" dirty="0" err="1">
+                <a:solidFill>
+                  <a:srgbClr val="9CDCFE"/>
+                </a:solidFill>
+                <a:latin typeface="Menlo" panose="020B0609030804020204" pitchFamily="49" charset="0"/>
+              </a:rPr>
+              <a:t>state</a:t>
+            </a:r>
+            <a:r>
+              <a:rPr lang="de-DE" dirty="0" err="1">
+                <a:solidFill>
+                  <a:srgbClr val="D4D4D4"/>
+                </a:solidFill>
+                <a:latin typeface="Menlo" panose="020B0609030804020204" pitchFamily="49" charset="0"/>
+              </a:rPr>
+              <a:t>.</a:t>
+            </a:r>
+            <a:r>
+              <a:rPr lang="de-DE" dirty="0" err="1">
+                <a:solidFill>
+                  <a:srgbClr val="9CDCFE"/>
+                </a:solidFill>
+                <a:latin typeface="Menlo" panose="020B0609030804020204" pitchFamily="49" charset="0"/>
+              </a:rPr>
+              <a:t>roll</a:t>
+            </a:r>
+            <a:r>
+              <a:rPr lang="de-DE" dirty="0">
+                <a:solidFill>
+                  <a:srgbClr val="D4D4D4"/>
+                </a:solidFill>
+                <a:latin typeface="Menlo" panose="020B0609030804020204" pitchFamily="49" charset="0"/>
+              </a:rPr>
+              <a:t>= (</a:t>
+            </a:r>
+            <a:r>
+              <a:rPr lang="de-DE" dirty="0">
+                <a:solidFill>
+                  <a:srgbClr val="B5CEA8"/>
+                </a:solidFill>
+                <a:latin typeface="Menlo" panose="020B0609030804020204" pitchFamily="49" charset="0"/>
+              </a:rPr>
+              <a:t>1</a:t>
+            </a:r>
+            <a:r>
+              <a:rPr lang="de-DE" dirty="0">
+                <a:solidFill>
+                  <a:srgbClr val="D4D4D4"/>
+                </a:solidFill>
+                <a:latin typeface="Menlo" panose="020B0609030804020204" pitchFamily="49" charset="0"/>
+              </a:rPr>
+              <a:t>-</a:t>
+            </a:r>
+            <a:r>
+              <a:rPr lang="de-DE" dirty="0">
+                <a:solidFill>
+                  <a:schemeClr val="tx1"/>
+                </a:solidFill>
+                <a:latin typeface="Menlo" panose="020B0609030804020204" pitchFamily="49" charset="0"/>
+              </a:rPr>
+              <a:t>gamma</a:t>
+            </a:r>
+            <a:r>
+              <a:rPr lang="de-DE" dirty="0">
+                <a:solidFill>
+                  <a:srgbClr val="D4D4D4"/>
+                </a:solidFill>
+                <a:latin typeface="Menlo" panose="020B0609030804020204" pitchFamily="49" charset="0"/>
+              </a:rPr>
+              <a:t>)*</a:t>
+            </a:r>
+            <a:r>
+              <a:rPr lang="de-DE" dirty="0" err="1">
+                <a:solidFill>
+                  <a:schemeClr val="tx1"/>
+                </a:solidFill>
+                <a:latin typeface="Menlo" panose="020B0609030804020204" pitchFamily="49" charset="0"/>
+              </a:rPr>
+              <a:t>phiacc</a:t>
+            </a:r>
+            <a:r>
+              <a:rPr lang="de-DE" dirty="0">
+                <a:solidFill>
+                  <a:srgbClr val="D4D4D4"/>
+                </a:solidFill>
+                <a:latin typeface="Menlo" panose="020B0609030804020204" pitchFamily="49" charset="0"/>
+              </a:rPr>
+              <a:t> + </a:t>
+            </a:r>
+            <a:r>
+              <a:rPr lang="de-DE" dirty="0" err="1">
+                <a:solidFill>
+                  <a:schemeClr val="tx1"/>
+                </a:solidFill>
+                <a:latin typeface="Menlo" panose="020B0609030804020204" pitchFamily="49" charset="0"/>
+              </a:rPr>
+              <a:t>gamma</a:t>
+            </a:r>
+            <a:r>
+              <a:rPr lang="de-DE" dirty="0">
+                <a:solidFill>
+                  <a:srgbClr val="D4D4D4"/>
+                </a:solidFill>
+                <a:latin typeface="Menlo" panose="020B0609030804020204" pitchFamily="49" charset="0"/>
+              </a:rPr>
+              <a:t>*(</a:t>
+            </a:r>
+            <a:r>
+              <a:rPr lang="de-DE" dirty="0" err="1">
+                <a:solidFill>
+                  <a:srgbClr val="9CDCFE"/>
+                </a:solidFill>
+                <a:latin typeface="Menlo" panose="020B0609030804020204" pitchFamily="49" charset="0"/>
+              </a:rPr>
+              <a:t>state</a:t>
+            </a:r>
+            <a:r>
+              <a:rPr lang="de-DE" dirty="0" err="1">
+                <a:solidFill>
+                  <a:srgbClr val="D4D4D4"/>
+                </a:solidFill>
+                <a:latin typeface="Menlo" panose="020B0609030804020204" pitchFamily="49" charset="0"/>
+              </a:rPr>
+              <a:t>.</a:t>
+            </a:r>
+            <a:r>
+              <a:rPr lang="de-DE" dirty="0" err="1">
+                <a:solidFill>
+                  <a:srgbClr val="9CDCFE"/>
+                </a:solidFill>
+                <a:latin typeface="Menlo" panose="020B0609030804020204" pitchFamily="49" charset="0"/>
+              </a:rPr>
+              <a:t>roll</a:t>
+            </a:r>
+            <a:r>
+              <a:rPr lang="de-DE" dirty="0">
+                <a:solidFill>
+                  <a:srgbClr val="D4D4D4"/>
+                </a:solidFill>
+                <a:latin typeface="Menlo" panose="020B0609030804020204" pitchFamily="49" charset="0"/>
+              </a:rPr>
+              <a:t> + </a:t>
+            </a:r>
+            <a:r>
+              <a:rPr lang="de-DE" dirty="0">
+                <a:solidFill>
+                  <a:schemeClr val="tx1"/>
+                </a:solidFill>
+                <a:latin typeface="Menlo" panose="020B0609030804020204" pitchFamily="49" charset="0"/>
+              </a:rPr>
+              <a:t>h</a:t>
+            </a:r>
+            <a:r>
+              <a:rPr lang="de-DE" dirty="0">
+                <a:solidFill>
+                  <a:srgbClr val="D4D4D4"/>
+                </a:solidFill>
+                <a:latin typeface="Menlo" panose="020B0609030804020204" pitchFamily="49" charset="0"/>
+              </a:rPr>
+              <a:t>*</a:t>
+            </a:r>
+            <a:r>
+              <a:rPr lang="de-DE" dirty="0" err="1">
+                <a:solidFill>
+                  <a:srgbClr val="9CDCFE"/>
+                </a:solidFill>
+                <a:latin typeface="Menlo" panose="020B0609030804020204" pitchFamily="49" charset="0"/>
+              </a:rPr>
+              <a:t>sensorData</a:t>
+            </a:r>
+            <a:r>
+              <a:rPr lang="de-DE" dirty="0" err="1">
+                <a:solidFill>
+                  <a:srgbClr val="D4D4D4"/>
+                </a:solidFill>
+                <a:latin typeface="Menlo" panose="020B0609030804020204" pitchFamily="49" charset="0"/>
+              </a:rPr>
+              <a:t>.</a:t>
+            </a:r>
+            <a:r>
+              <a:rPr lang="de-DE" dirty="0" err="1">
+                <a:solidFill>
+                  <a:srgbClr val="9CDCFE"/>
+                </a:solidFill>
+                <a:latin typeface="Menlo" panose="020B0609030804020204" pitchFamily="49" charset="0"/>
+              </a:rPr>
+              <a:t>gyro</a:t>
+            </a:r>
+            <a:r>
+              <a:rPr lang="de-DE" dirty="0" err="1">
+                <a:solidFill>
+                  <a:srgbClr val="D4D4D4"/>
+                </a:solidFill>
+                <a:latin typeface="Menlo" panose="020B0609030804020204" pitchFamily="49" charset="0"/>
+              </a:rPr>
+              <a:t>.</a:t>
+            </a:r>
+            <a:r>
+              <a:rPr lang="de-DE" dirty="0" err="1">
+                <a:solidFill>
+                  <a:srgbClr val="9CDCFE"/>
+                </a:solidFill>
+                <a:latin typeface="Menlo" panose="020B0609030804020204" pitchFamily="49" charset="0"/>
+              </a:rPr>
+              <a:t>x</a:t>
+            </a:r>
+            <a:r>
+              <a:rPr lang="de-DE" dirty="0">
+                <a:solidFill>
+                  <a:srgbClr val="D4D4D4"/>
+                </a:solidFill>
+                <a:latin typeface="Menlo" panose="020B0609030804020204" pitchFamily="49" charset="0"/>
+              </a:rPr>
+              <a:t>);</a:t>
+            </a:r>
+          </a:p>
+          <a:p>
+            <a:pPr marL="0" indent="0">
+              <a:buNone/>
+            </a:pPr>
+            <a:r>
+              <a:rPr lang="de-DE" dirty="0" err="1">
+                <a:solidFill>
+                  <a:srgbClr val="9CDCFE"/>
+                </a:solidFill>
+                <a:latin typeface="Menlo" panose="020B0609030804020204" pitchFamily="49" charset="0"/>
+              </a:rPr>
+              <a:t>state</a:t>
+            </a:r>
+            <a:r>
+              <a:rPr lang="de-DE" dirty="0" err="1">
+                <a:solidFill>
+                  <a:srgbClr val="D4D4D4"/>
+                </a:solidFill>
+                <a:latin typeface="Menlo" panose="020B0609030804020204" pitchFamily="49" charset="0"/>
+              </a:rPr>
+              <a:t>.</a:t>
+            </a:r>
+            <a:r>
+              <a:rPr lang="de-DE" dirty="0" err="1">
+                <a:solidFill>
+                  <a:srgbClr val="9CDCFE"/>
+                </a:solidFill>
+                <a:latin typeface="Menlo" panose="020B0609030804020204" pitchFamily="49" charset="0"/>
+              </a:rPr>
+              <a:t>rateRoll</a:t>
+            </a:r>
+            <a:r>
+              <a:rPr lang="de-DE" dirty="0">
+                <a:solidFill>
+                  <a:srgbClr val="D4D4D4"/>
+                </a:solidFill>
+                <a:latin typeface="Menlo" panose="020B0609030804020204" pitchFamily="49" charset="0"/>
+              </a:rPr>
+              <a:t>= </a:t>
+            </a:r>
+            <a:r>
+              <a:rPr lang="de-DE" dirty="0" err="1">
+                <a:solidFill>
+                  <a:srgbClr val="9CDCFE"/>
+                </a:solidFill>
+                <a:latin typeface="Menlo" panose="020B0609030804020204" pitchFamily="49" charset="0"/>
+              </a:rPr>
+              <a:t>sensorData</a:t>
+            </a:r>
+            <a:r>
+              <a:rPr lang="de-DE" dirty="0" err="1">
+                <a:solidFill>
+                  <a:srgbClr val="D4D4D4"/>
+                </a:solidFill>
+                <a:latin typeface="Menlo" panose="020B0609030804020204" pitchFamily="49" charset="0"/>
+              </a:rPr>
+              <a:t>.</a:t>
+            </a:r>
+            <a:r>
+              <a:rPr lang="de-DE" dirty="0" err="1">
+                <a:solidFill>
+                  <a:srgbClr val="9CDCFE"/>
+                </a:solidFill>
+                <a:latin typeface="Menlo" panose="020B0609030804020204" pitchFamily="49" charset="0"/>
+              </a:rPr>
+              <a:t>gyro</a:t>
+            </a:r>
+            <a:r>
+              <a:rPr lang="de-DE" dirty="0" err="1">
+                <a:solidFill>
+                  <a:srgbClr val="D4D4D4"/>
+                </a:solidFill>
+                <a:latin typeface="Menlo" panose="020B0609030804020204" pitchFamily="49" charset="0"/>
+              </a:rPr>
+              <a:t>.</a:t>
+            </a:r>
+            <a:r>
+              <a:rPr lang="de-DE" dirty="0" err="1">
+                <a:solidFill>
+                  <a:srgbClr val="9CDCFE"/>
+                </a:solidFill>
+                <a:latin typeface="Menlo" panose="020B0609030804020204" pitchFamily="49" charset="0"/>
+              </a:rPr>
+              <a:t>x</a:t>
             </a:r>
             <a:r>
               <a:rPr lang="de-DE" dirty="0">
@@ -7251,105 +7741,91 @@
               </a:rPr>
               <a:t>;</a:t>
             </a:r>
-            <a:br>
-              <a:rPr lang="de-DE" dirty="0">
-                <a:solidFill>
-                  <a:srgbClr val="D4D4D4"/>
-                </a:solidFill>
-                <a:latin typeface="Menlo" panose="020B0609030804020204" pitchFamily="49" charset="0"/>
-              </a:rPr>
-            </a:br>
-            <a:endParaRPr lang="de-DE" dirty="0">
-              <a:solidFill>
-                <a:srgbClr val="D4D4D4"/>
-              </a:solidFill>
-              <a:latin typeface="Menlo" panose="020B0609030804020204" pitchFamily="49" charset="0"/>
-            </a:endParaRPr>
           </a:p>
           <a:p>
             <a:pPr marL="0" indent="0">
               <a:buNone/>
             </a:pPr>
             <a:r>
-              <a:rPr lang="de-DE" dirty="0">
-                <a:solidFill>
-                  <a:schemeClr val="tx1"/>
-                </a:solidFill>
-                <a:latin typeface="Menlo" panose="020B0609030804020204" pitchFamily="49" charset="0"/>
-              </a:rPr>
-              <a:t>„Add </a:t>
-            </a:r>
-            <a:r>
-              <a:rPr lang="de-DE" dirty="0" err="1">
-                <a:solidFill>
-                  <a:schemeClr val="tx1"/>
-                </a:solidFill>
-                <a:latin typeface="Menlo" panose="020B0609030804020204" pitchFamily="49" charset="0"/>
-              </a:rPr>
-              <a:t>base</a:t>
-            </a:r>
-            <a:r>
-              <a:rPr lang="de-DE" dirty="0">
-                <a:solidFill>
-                  <a:schemeClr val="tx1"/>
-                </a:solidFill>
-                <a:latin typeface="Menlo" panose="020B0609030804020204" pitchFamily="49" charset="0"/>
-              </a:rPr>
-              <a:t> </a:t>
-            </a:r>
-            <a:r>
-              <a:rPr lang="de-DE" dirty="0" err="1">
-                <a:solidFill>
-                  <a:schemeClr val="tx1"/>
-                </a:solidFill>
-                <a:latin typeface="Menlo" panose="020B0609030804020204" pitchFamily="49" charset="0"/>
-              </a:rPr>
-              <a:t>thrust</a:t>
-            </a:r>
-            <a:r>
-              <a:rPr lang="de-DE" dirty="0">
-                <a:solidFill>
-                  <a:schemeClr val="tx1"/>
-                </a:solidFill>
-                <a:latin typeface="Menlo" panose="020B0609030804020204" pitchFamily="49" charset="0"/>
-              </a:rPr>
-              <a:t> </a:t>
-            </a:r>
-            <a:r>
-              <a:rPr lang="de-DE" dirty="0" err="1">
-                <a:solidFill>
-                  <a:schemeClr val="tx1"/>
-                </a:solidFill>
-                <a:latin typeface="Menlo" panose="020B0609030804020204" pitchFamily="49" charset="0"/>
-              </a:rPr>
-              <a:t>to</a:t>
-            </a:r>
-            <a:r>
-              <a:rPr lang="de-DE" dirty="0">
-                <a:solidFill>
-                  <a:schemeClr val="tx1"/>
-                </a:solidFill>
-                <a:latin typeface="Menlo" panose="020B0609030804020204" pitchFamily="49" charset="0"/>
-              </a:rPr>
-              <a:t> </a:t>
-            </a:r>
-            <a:r>
-              <a:rPr lang="de-DE" dirty="0" err="1">
-                <a:solidFill>
-                  <a:schemeClr val="tx1"/>
-                </a:solidFill>
-                <a:latin typeface="Menlo" panose="020B0609030804020204" pitchFamily="49" charset="0"/>
-              </a:rPr>
-              <a:t>values</a:t>
-            </a:r>
-            <a:r>
-              <a:rPr lang="de-DE" dirty="0">
-                <a:solidFill>
-                  <a:schemeClr val="tx1"/>
-                </a:solidFill>
-                <a:latin typeface="Menlo" panose="020B0609030804020204" pitchFamily="49" charset="0"/>
-              </a:rPr>
-              <a:t>“</a:t>
+              <a:rPr lang="de-DE" dirty="0" err="1">
+                <a:solidFill>
+                  <a:srgbClr val="9CDCFE"/>
+                </a:solidFill>
+                <a:latin typeface="Menlo" panose="020B0609030804020204" pitchFamily="49" charset="0"/>
+              </a:rPr>
+              <a:t>state</a:t>
+            </a:r>
+            <a:r>
+              <a:rPr lang="de-DE" dirty="0" err="1">
+                <a:solidFill>
+                  <a:srgbClr val="D4D4D4"/>
+                </a:solidFill>
+                <a:latin typeface="Menlo" panose="020B0609030804020204" pitchFamily="49" charset="0"/>
+              </a:rPr>
+              <a:t>.</a:t>
+            </a:r>
+            <a:r>
+              <a:rPr lang="de-DE" dirty="0" err="1">
+                <a:solidFill>
+                  <a:srgbClr val="9CDCFE"/>
+                </a:solidFill>
+                <a:latin typeface="Menlo" panose="020B0609030804020204" pitchFamily="49" charset="0"/>
+              </a:rPr>
+              <a:t>ratePitch</a:t>
+            </a:r>
+            <a:r>
+              <a:rPr lang="de-DE" dirty="0">
+                <a:solidFill>
+                  <a:srgbClr val="D4D4D4"/>
+                </a:solidFill>
+                <a:latin typeface="Menlo" panose="020B0609030804020204" pitchFamily="49" charset="0"/>
+              </a:rPr>
+              <a:t>= </a:t>
+            </a:r>
+            <a:r>
+              <a:rPr lang="de-DE" dirty="0" err="1">
+                <a:solidFill>
+                  <a:srgbClr val="9CDCFE"/>
+                </a:solidFill>
+                <a:latin typeface="Menlo" panose="020B0609030804020204" pitchFamily="49" charset="0"/>
+              </a:rPr>
+              <a:t>sensorData</a:t>
+            </a:r>
+            <a:r>
+              <a:rPr lang="de-DE" dirty="0" err="1">
+                <a:solidFill>
+                  <a:srgbClr val="D4D4D4"/>
+                </a:solidFill>
+                <a:latin typeface="Menlo" panose="020B0609030804020204" pitchFamily="49" charset="0"/>
+              </a:rPr>
+              <a:t>.</a:t>
+            </a:r>
+            <a:r>
+              <a:rPr lang="de-DE" dirty="0" err="1">
+                <a:solidFill>
+                  <a:srgbClr val="9CDCFE"/>
+                </a:solidFill>
+                <a:latin typeface="Menlo" panose="020B0609030804020204" pitchFamily="49" charset="0"/>
+              </a:rPr>
+              <a:t>gyro</a:t>
+            </a:r>
+            <a:r>
+              <a:rPr lang="de-DE" dirty="0" err="1">
+                <a:solidFill>
+                  <a:srgbClr val="D4D4D4"/>
+                </a:solidFill>
+                <a:latin typeface="Menlo" panose="020B0609030804020204" pitchFamily="49" charset="0"/>
+              </a:rPr>
+              <a:t>.</a:t>
+            </a:r>
+            <a:r>
+              <a:rPr lang="de-DE" dirty="0" err="1">
+                <a:solidFill>
+                  <a:srgbClr val="9CDCFE"/>
+                </a:solidFill>
+                <a:latin typeface="Menlo" panose="020B0609030804020204" pitchFamily="49" charset="0"/>
+              </a:rPr>
+              <a:t>y</a:t>
             </a:r>
             <a:r>
               <a:rPr lang="de-DE" dirty="0">
@@ -7360,12 +7836,6 @@
               </a:rPr>
               <a:t>;</a:t>
             </a:r>
-            <a:endParaRPr lang="de-DE" dirty="0">
-              <a:solidFill>
-                <a:schemeClr val="tx1"/>
-              </a:solidFill>
-              <a:latin typeface="Menlo" panose="020B0609030804020204" pitchFamily="49" charset="0"/>
-            </a:endParaRPr>
           </a:p>
           <a:p>
             <a:pPr marL="0" indent="0">
@@ -7374,38 +7844,92 @@
             <a:r>
               <a:rPr lang="de-DE" dirty="0" err="1">
                 <a:solidFill>
-                  <a:srgbClr val="DCDCAA"/>
-                </a:solidFill>
-                <a:latin typeface="Menlo" panose="020B0609030804020204" pitchFamily="49" charset="0"/>
-              </a:rPr>
-              <a:t>xSemaphoreGive</a:t>
-            </a:r>
-            <a:r>
-              <a:rPr lang="de-DE" dirty="0">
-                <a:solidFill>
-                  <a:srgbClr val="D4D4D4"/>
-                </a:solidFill>
-                <a:latin typeface="Menlo" panose="020B0609030804020204" pitchFamily="49" charset="0"/>
-              </a:rPr>
-              <a:t>(</a:t>
-            </a:r>
-            <a:r>
-              <a:rPr lang="de-DE" dirty="0" err="1">
-                <a:solidFill>
-                  <a:schemeClr val="tx1"/>
-                </a:solidFill>
-                <a:latin typeface="Menlo" panose="020B0609030804020204" pitchFamily="49" charset="0"/>
-              </a:rPr>
-              <a:t>setsema</a:t>
-            </a:r>
-            <a:r>
-              <a:rPr lang="de-DE" dirty="0">
-                <a:solidFill>
-                  <a:srgbClr val="D4D4D4"/>
-                </a:solidFill>
-                <a:latin typeface="Menlo" panose="020B0609030804020204" pitchFamily="49" charset="0"/>
-              </a:rPr>
-              <a:t>);</a:t>
+                  <a:srgbClr val="9CDCFE"/>
+                </a:solidFill>
+                <a:latin typeface="Menlo" panose="020B0609030804020204" pitchFamily="49" charset="0"/>
+              </a:rPr>
+              <a:t>state</a:t>
+            </a:r>
+            <a:r>
+              <a:rPr lang="de-DE" dirty="0" err="1">
+                <a:solidFill>
+                  <a:srgbClr val="D4D4D4"/>
+                </a:solidFill>
+                <a:latin typeface="Menlo" panose="020B0609030804020204" pitchFamily="49" charset="0"/>
+              </a:rPr>
+              <a:t>.</a:t>
+            </a:r>
+            <a:r>
+              <a:rPr lang="de-DE" dirty="0" err="1">
+                <a:solidFill>
+                  <a:srgbClr val="9CDCFE"/>
+                </a:solidFill>
+                <a:latin typeface="Menlo" panose="020B0609030804020204" pitchFamily="49" charset="0"/>
+              </a:rPr>
+              <a:t>rateYaw</a:t>
+            </a:r>
+            <a:r>
+              <a:rPr lang="de-DE" dirty="0">
+                <a:solidFill>
+                  <a:srgbClr val="D4D4D4"/>
+                </a:solidFill>
+                <a:latin typeface="Menlo" panose="020B0609030804020204" pitchFamily="49" charset="0"/>
+              </a:rPr>
+              <a:t>= </a:t>
+            </a:r>
+            <a:r>
+              <a:rPr lang="de-DE" dirty="0" err="1">
+                <a:solidFill>
+                  <a:srgbClr val="9CDCFE"/>
+                </a:solidFill>
+                <a:latin typeface="Menlo" panose="020B0609030804020204" pitchFamily="49" charset="0"/>
+              </a:rPr>
+              <a:t>sensorData</a:t>
+            </a:r>
+            <a:r>
+              <a:rPr lang="de-DE" dirty="0" err="1">
+                <a:solidFill>
+                  <a:srgbClr val="D4D4D4"/>
+                </a:solidFill>
+                <a:latin typeface="Menlo" panose="020B0609030804020204" pitchFamily="49" charset="0"/>
+              </a:rPr>
+              <a:t>.</a:t>
+            </a:r>
+            <a:r>
+              <a:rPr lang="de-DE" dirty="0" err="1">
+                <a:solidFill>
+                  <a:srgbClr val="9CDCFE"/>
+                </a:solidFill>
+                <a:latin typeface="Menlo" panose="020B0609030804020204" pitchFamily="49" charset="0"/>
+              </a:rPr>
+              <a:t>gyro</a:t>
+            </a:r>
+            <a:r>
+              <a:rPr lang="de-DE" dirty="0" err="1">
+                <a:solidFill>
+                  <a:srgbClr val="D4D4D4"/>
+                </a:solidFill>
+                <a:latin typeface="Menlo" panose="020B0609030804020204" pitchFamily="49" charset="0"/>
+              </a:rPr>
+              <a:t>.</a:t>
+            </a:r>
+            <a:r>
+              <a:rPr lang="de-DE" dirty="0" err="1">
+                <a:solidFill>
+                  <a:srgbClr val="9CDCFE"/>
+                </a:solidFill>
+                <a:latin typeface="Menlo" panose="020B0609030804020204" pitchFamily="49" charset="0"/>
+              </a:rPr>
+              <a:t>z</a:t>
+            </a:r>
+            <a:r>
+              <a:rPr lang="de-DE" dirty="0">
+                <a:solidFill>
+                  <a:srgbClr val="D4D4D4"/>
+                </a:solidFill>
+                <a:latin typeface="Menlo" panose="020B0609030804020204" pitchFamily="49" charset="0"/>
+              </a:rPr>
+              <a:t>;</a:t>
             </a:r>
           </a:p>
           <a:p>
@@ -7419,43 +7943,7 @@
                 </a:solidFill>
                 <a:latin typeface="Menlo" panose="020B0609030804020204" pitchFamily="49" charset="0"/>
               </a:rPr>
-              <a:t>„</a:t>
-            </a:r>
-            <a:r>
-              <a:rPr lang="de-DE" dirty="0" err="1">
-                <a:solidFill>
-                  <a:schemeClr val="tx1"/>
-                </a:solidFill>
-                <a:latin typeface="Menlo" panose="020B0609030804020204" pitchFamily="49" charset="0"/>
-              </a:rPr>
-              <a:t>Conversion</a:t>
-            </a:r>
-            <a:r>
-              <a:rPr lang="de-DE" dirty="0">
-                <a:solidFill>
-                  <a:schemeClr val="tx1"/>
-                </a:solidFill>
-                <a:latin typeface="Menlo" panose="020B0609030804020204" pitchFamily="49" charset="0"/>
-              </a:rPr>
-              <a:t> </a:t>
-            </a:r>
-            <a:r>
-              <a:rPr lang="de-DE" dirty="0" err="1">
-                <a:solidFill>
-                  <a:schemeClr val="tx1"/>
-                </a:solidFill>
-                <a:latin typeface="Menlo" panose="020B0609030804020204" pitchFamily="49" charset="0"/>
-              </a:rPr>
-              <a:t>to</a:t>
-            </a:r>
-            <a:r>
-              <a:rPr lang="de-DE" dirty="0">
-                <a:solidFill>
-                  <a:schemeClr val="tx1"/>
-                </a:solidFill>
-                <a:latin typeface="Menlo" panose="020B0609030804020204" pitchFamily="49" charset="0"/>
-              </a:rPr>
-              <a:t> uint16_t“</a:t>
+              <a:t>tick++</a:t>
             </a:r>
             <a:r>
               <a:rPr lang="de-DE" dirty="0">
@@ -7466,12 +7954,6 @@
               </a:rPr>
               <a:t>;</a:t>
             </a:r>
-            <a:endParaRPr lang="de-DE" dirty="0">
-              <a:solidFill>
-                <a:schemeClr val="tx1"/>
-              </a:solidFill>
-              <a:latin typeface="Menlo" panose="020B0609030804020204" pitchFamily="49" charset="0"/>
-            </a:endParaRPr>
           </a:p>
           <a:p>
             <a:pPr marL="0" indent="0">
@@ -7484,12 +7966,59 @@
               <a:latin typeface="Menlo" panose="020B0609030804020204" pitchFamily="49" charset="0"/>
             </a:endParaRPr>
           </a:p>
+          <a:p>
+            <a:pPr marL="0" indent="0">
+              <a:buNone/>
+            </a:pPr>
+            <a:r>
+              <a:rPr lang="de-DE" dirty="0" err="1">
+                <a:solidFill>
+                  <a:srgbClr val="DCDCAA"/>
+                </a:solidFill>
+                <a:latin typeface="Menlo" panose="020B0609030804020204" pitchFamily="49" charset="0"/>
+              </a:rPr>
+              <a:t>xSemaphoreGive</a:t>
+            </a:r>
+            <a:r>
+              <a:rPr lang="de-DE" dirty="0">
+                <a:solidFill>
+                  <a:srgbClr val="D4D4D4"/>
+                </a:solidFill>
+                <a:latin typeface="Menlo" panose="020B0609030804020204" pitchFamily="49" charset="0"/>
+              </a:rPr>
+              <a:t>(</a:t>
+            </a:r>
+            <a:r>
+              <a:rPr lang="de-DE" dirty="0" err="1">
+                <a:solidFill>
+                  <a:schemeClr val="tx1"/>
+                </a:solidFill>
+                <a:latin typeface="Menlo" panose="020B0609030804020204" pitchFamily="49" charset="0"/>
+              </a:rPr>
+              <a:t>filtsema</a:t>
+            </a:r>
+            <a:r>
+              <a:rPr lang="de-DE" dirty="0">
+                <a:solidFill>
+                  <a:srgbClr val="D4D4D4"/>
+                </a:solidFill>
+                <a:latin typeface="Menlo" panose="020B0609030804020204" pitchFamily="49" charset="0"/>
+              </a:rPr>
+              <a:t>);</a:t>
+            </a:r>
+          </a:p>
+          <a:p>
+            <a:pPr marL="0" indent="0">
+              <a:buNone/>
+            </a:pPr>
+            <a:endParaRPr lang="de-DE" dirty="0"/>
+          </a:p>
         </p:txBody>
       </p:sp>
     </p:spTree>
     <p:extLst>
       <p:ext uri="{BB962C8B-B14F-4D97-AF65-F5344CB8AC3E}">
-        <p14:creationId xmlns:p14="http://schemas.microsoft.com/office/powerpoint/2010/main" val="3382581039"/>
+        <p14:creationId xmlns:p14="http://schemas.microsoft.com/office/powerpoint/2010/main" val="3961163006"/>
       </p:ext>
     </p:extLst>
   </p:cSld>

--- a/project_presentation/project_presentation.pptx
+++ b/project_presentation/project_presentation.pptx
@@ -12,15 +12,16 @@
     <p:sldId id="267" r:id="rId6"/>
     <p:sldId id="268" r:id="rId7"/>
     <p:sldId id="270" r:id="rId8"/>
-    <p:sldId id="271" r:id="rId9"/>
-    <p:sldId id="272" r:id="rId10"/>
-    <p:sldId id="260" r:id="rId11"/>
-    <p:sldId id="263" r:id="rId12"/>
-    <p:sldId id="264" r:id="rId13"/>
-    <p:sldId id="265" r:id="rId14"/>
-    <p:sldId id="266" r:id="rId15"/>
-    <p:sldId id="261" r:id="rId16"/>
-    <p:sldId id="262" r:id="rId17"/>
+    <p:sldId id="273" r:id="rId9"/>
+    <p:sldId id="271" r:id="rId10"/>
+    <p:sldId id="272" r:id="rId11"/>
+    <p:sldId id="260" r:id="rId12"/>
+    <p:sldId id="263" r:id="rId13"/>
+    <p:sldId id="264" r:id="rId14"/>
+    <p:sldId id="265" r:id="rId15"/>
+    <p:sldId id="266" r:id="rId16"/>
+    <p:sldId id="261" r:id="rId17"/>
+    <p:sldId id="262" r:id="rId18"/>
   </p:sldIdLst>
   <p:sldSz cx="12192000" cy="6858000"/>
   <p:notesSz cx="6858000" cy="9144000"/>
@@ -1070,8 +1071,8 @@
         <a:lstStyle/>
         <a:p>
           <a:r>
-            <a:rPr lang="en-US"/>
-            <a:t>Very nice, w8 for the demo bruh</a:t>
+            <a:rPr lang="en-US" dirty="0"/>
+            <a:t>Controllable and stable</a:t>
           </a:r>
         </a:p>
       </dgm:t>
@@ -1106,8 +1107,8 @@
         <a:lstStyle/>
         <a:p>
           <a:r>
-            <a:rPr lang="en-US"/>
-            <a:t>Can hit walls, and recover strongly</a:t>
+            <a:rPr lang="en-US" dirty="0"/>
+            <a:t>Difficulties to correct small angles bias to zero</a:t>
           </a:r>
         </a:p>
       </dgm:t>
@@ -1142,8 +1143,8 @@
         <a:lstStyle/>
         <a:p>
           <a:r>
-            <a:rPr lang="en-US"/>
-            <a:t>Sometimes roll bias</a:t>
+            <a:rPr lang="en-US" dirty="0"/>
+            <a:t>A pitch bias present</a:t>
           </a:r>
         </a:p>
       </dgm:t>
@@ -1178,8 +1179,8 @@
         <a:lstStyle/>
         <a:p>
           <a:r>
-            <a:rPr lang="en-US"/>
-            <a:t>Long oscillations</a:t>
+            <a:rPr lang="en-US" dirty="0"/>
+            <a:t>Long oscillations trying to stabilize</a:t>
           </a:r>
         </a:p>
       </dgm:t>
@@ -1214,8 +1215,8 @@
         <a:lstStyle/>
         <a:p>
           <a:r>
-            <a:rPr lang="en-US"/>
-            <a:t>Diffuculties to correct small angles biases</a:t>
+            <a:rPr lang="en-US" dirty="0"/>
+            <a:t>Robust. Recovers hitting walls/ceilings</a:t>
           </a:r>
         </a:p>
       </dgm:t>
@@ -1250,8 +1251,8 @@
         <a:lstStyle/>
         <a:p>
           <a:r>
-            <a:rPr lang="en-US"/>
-            <a:t>Further stability could be solved using intergration states</a:t>
+            <a:rPr lang="en-US" dirty="0"/>
+            <a:t>Further stability could be solved using integral states</a:t>
           </a:r>
         </a:p>
       </dgm:t>
@@ -1810,8 +1811,8 @@
             <a:buNone/>
           </a:pPr>
           <a:r>
-            <a:rPr lang="en-US" sz="1900" kern="1200"/>
-            <a:t>Very nice, w8 for the demo bruh</a:t>
+            <a:rPr lang="en-US" sz="1900" kern="1200" dirty="0"/>
+            <a:t>Controllable and stable</a:t>
           </a:r>
         </a:p>
       </dsp:txBody>
@@ -1960,8 +1961,8 @@
             <a:buNone/>
           </a:pPr>
           <a:r>
-            <a:rPr lang="en-US" sz="1900" kern="1200"/>
-            <a:t>Can hit walls, and recover strongly</a:t>
+            <a:rPr lang="en-US" sz="1900" kern="1200" dirty="0"/>
+            <a:t>Difficulties to correct small angles bias to zero</a:t>
           </a:r>
         </a:p>
       </dsp:txBody>
@@ -2110,8 +2111,8 @@
             <a:buNone/>
           </a:pPr>
           <a:r>
-            <a:rPr lang="en-US" sz="1900" kern="1200"/>
-            <a:t>Sometimes roll bias</a:t>
+            <a:rPr lang="en-US" sz="1900" kern="1200" dirty="0"/>
+            <a:t>A pitch bias present</a:t>
           </a:r>
         </a:p>
       </dsp:txBody>
@@ -2260,8 +2261,8 @@
             <a:buNone/>
           </a:pPr>
           <a:r>
-            <a:rPr lang="en-US" sz="1900" kern="1200"/>
-            <a:t>Long oscillations</a:t>
+            <a:rPr lang="en-US" sz="1900" kern="1200" dirty="0"/>
+            <a:t>Long oscillations trying to stabilize</a:t>
           </a:r>
         </a:p>
       </dsp:txBody>
@@ -2410,8 +2411,8 @@
             <a:buNone/>
           </a:pPr>
           <a:r>
-            <a:rPr lang="en-US" sz="1900" kern="1200"/>
-            <a:t>Diffuculties to correct small angles biases</a:t>
+            <a:rPr lang="en-US" sz="1900" kern="1200" dirty="0"/>
+            <a:t>Robust. Recovers hitting walls/ceilings</a:t>
           </a:r>
         </a:p>
       </dsp:txBody>
@@ -2560,8 +2561,8 @@
             <a:buNone/>
           </a:pPr>
           <a:r>
-            <a:rPr lang="en-US" sz="1900" kern="1200"/>
-            <a:t>Further stability could be solved using intergration states</a:t>
+            <a:rPr lang="en-US" sz="1900" kern="1200" dirty="0"/>
+            <a:t>Further stability could be solved using integral states</a:t>
           </a:r>
         </a:p>
       </dsp:txBody>
@@ -4065,7 +4066,7 @@
           <a:p>
             <a:fld id="{1160EA64-D806-43AC-9DF2-F8C432F32B4C}" type="datetimeFigureOut">
               <a:rPr lang="en-US" dirty="0"/>
-              <a:t>2019-05-26</a:t>
+              <a:t>2019-05-27</a:t>
             </a:fld>
             <a:endParaRPr lang="en-US" dirty="0"/>
           </a:p>
@@ -4207,7 +4208,7 @@
           <a:p>
             <a:fld id="{E9F9C37B-1D36-470B-8223-D6C91242EC14}" type="datetimeFigureOut">
               <a:rPr lang="en-US" dirty="0"/>
-              <a:t>2019-05-26</a:t>
+              <a:t>2019-05-27</a:t>
             </a:fld>
             <a:endParaRPr lang="en-US" dirty="0"/>
           </a:p>
@@ -4358,7 +4359,7 @@
           <a:p>
             <a:fld id="{67C6F52A-A82B-47A2-A83A-8C4C91F2D59F}" type="datetimeFigureOut">
               <a:rPr lang="en-US" dirty="0"/>
-              <a:t>2019-05-26</a:t>
+              <a:t>2019-05-27</a:t>
             </a:fld>
             <a:endParaRPr lang="en-US" dirty="0"/>
           </a:p>
@@ -4499,7 +4500,7 @@
           <a:p>
             <a:fld id="{F070A7B3-6521-4DCA-87E5-044747A908C1}" type="datetimeFigureOut">
               <a:rPr lang="en-US" dirty="0"/>
-              <a:t>2019-05-26</a:t>
+              <a:t>2019-05-27</a:t>
             </a:fld>
             <a:endParaRPr lang="en-US" dirty="0"/>
           </a:p>
@@ -4768,7 +4769,7 @@
           <a:p>
             <a:fld id="{1160EA64-D806-43AC-9DF2-F8C432F32B4C}" type="datetimeFigureOut">
               <a:rPr lang="en-US" dirty="0"/>
-              <a:t>2019-05-26</a:t>
+              <a:t>2019-05-27</a:t>
             </a:fld>
             <a:endParaRPr lang="en-US" dirty="0"/>
           </a:p>
@@ -4948,7 +4949,7 @@
           <a:p>
             <a:fld id="{AB134690-1557-4C89-A502-4959FE7FAD70}" type="datetimeFigureOut">
               <a:rPr lang="en-US" dirty="0"/>
-              <a:t>2019-05-26</a:t>
+              <a:t>2019-05-27</a:t>
             </a:fld>
             <a:endParaRPr lang="en-US" dirty="0"/>
           </a:p>
@@ -5264,7 +5265,7 @@
           <a:p>
             <a:fld id="{4F7D4976-E339-4826-83B7-FBD03F55ECF8}" type="datetimeFigureOut">
               <a:rPr lang="en-US" dirty="0"/>
-              <a:t>2019-05-26</a:t>
+              <a:t>2019-05-27</a:t>
             </a:fld>
             <a:endParaRPr lang="en-US" dirty="0"/>
           </a:p>
@@ -5400,7 +5401,7 @@
           <a:p>
             <a:fld id="{E1037C31-9E7A-4F99-8774-A0E530DE1A42}" type="datetimeFigureOut">
               <a:rPr lang="en-US" dirty="0"/>
-              <a:t>2019-05-26</a:t>
+              <a:t>2019-05-27</a:t>
             </a:fld>
             <a:endParaRPr lang="en-US" dirty="0"/>
           </a:p>
@@ -5490,7 +5491,7 @@
           <a:p>
             <a:fld id="{C278504F-A551-4DE0-9316-4DCD1D8CC752}" type="datetimeFigureOut">
               <a:rPr lang="en-US" dirty="0"/>
-              <a:t>2019-05-26</a:t>
+              <a:t>2019-05-27</a:t>
             </a:fld>
             <a:endParaRPr lang="en-US" dirty="0"/>
           </a:p>
@@ -5823,7 +5824,7 @@
           <a:p>
             <a:fld id="{D1BE4249-C0D0-4B06-8692-E8BB871AF643}" type="datetimeFigureOut">
               <a:rPr lang="en-US" dirty="0"/>
-              <a:t>2019-05-26</a:t>
+              <a:t>2019-05-27</a:t>
             </a:fld>
             <a:endParaRPr lang="en-US" dirty="0"/>
           </a:p>
@@ -6180,7 +6181,7 @@
           <a:p>
             <a:fld id="{042B0DB6-F5C7-45FB-8CF3-31B45F9C2DAC}" type="datetimeFigureOut">
               <a:rPr lang="en-US" dirty="0"/>
-              <a:t>2019-05-26</a:t>
+              <a:t>2019-05-27</a:t>
             </a:fld>
             <a:endParaRPr lang="en-US" dirty="0"/>
           </a:p>
@@ -6416,7 +6417,7 @@
           <a:p>
             <a:fld id="{1160EA64-D806-43AC-9DF2-F8C432F32B4C}" type="datetimeFigureOut">
               <a:rPr lang="en-US" dirty="0"/>
-              <a:t>2019-05-26</a:t>
+              <a:t>2019-05-27</a:t>
             </a:fld>
             <a:endParaRPr lang="en-US" dirty="0"/>
           </a:p>
@@ -6917,6 +6918,14 @@
 <file path=ppt/slides/slide10.xml><?xml version="1.0" encoding="utf-8"?>
 <p:sld xmlns:a="http://schemas.openxmlformats.org/drawingml/2006/main" xmlns:r="http://schemas.openxmlformats.org/officeDocument/2006/relationships" xmlns:p="http://schemas.openxmlformats.org/presentationml/2006/main">
   <p:cSld>
+    <p:bg>
+      <p:bgPr>
+        <a:solidFill>
+          <a:schemeClr val="bg1"/>
+        </a:solidFill>
+        <a:effectLst/>
+      </p:bgPr>
+    </p:bg>
     <p:spTree>
       <p:nvGrpSpPr>
         <p:cNvPr id="1" name=""/>
@@ -6933,10 +6942,76 @@
       </p:grpSpPr>
       <p:sp>
         <p:nvSpPr>
-          <p:cNvPr id="2" name="Titel 1">
+          <p:cNvPr id="10" name="Rectangle 9">
             <a:extLst>
               <a:ext uri="{FF2B5EF4-FFF2-40B4-BE49-F238E27FC236}">
-                <a16:creationId xmlns:a16="http://schemas.microsoft.com/office/drawing/2014/main" id="{BA3027A2-7564-7A4F-B4F8-5EF3DF79167E}"/>
+                <a16:creationId xmlns:a16="http://schemas.microsoft.com/office/drawing/2014/main" id="{4E866FF9-A729-45F0-A163-10E89E871602}"/>
+              </a:ext>
+              <a:ext uri="{C183D7F6-B498-43B3-948B-1728B52AA6E4}">
+                <adec:decorative xmlns:adec="http://schemas.microsoft.com/office/drawing/2017/decorative" val="1"/>
+              </a:ext>
+            </a:extLst>
+          </p:cNvPr>
+          <p:cNvSpPr>
+            <a:spLocks noGrp="1" noRot="1" noChangeAspect="1" noMove="1" noResize="1" noEditPoints="1" noAdjustHandles="1" noChangeArrowheads="1" noChangeShapeType="1" noTextEdit="1"/>
+          </p:cNvSpPr>
+          <p:nvPr>
+            <p:extLst>
+              <p:ext uri="{386F3935-93C4-4BCD-93E2-E3B085C9AB24}">
+                <p16:designElem xmlns:p16="http://schemas.microsoft.com/office/powerpoint/2015/main" val="1"/>
+              </p:ext>
+            </p:extLst>
+          </p:nvPr>
+        </p:nvSpPr>
+        <p:spPr>
+          <a:xfrm>
+            <a:off x="0" y="0"/>
+            <a:ext cx="4738255" cy="6858000"/>
+          </a:xfrm>
+          <a:prstGeom prst="rect">
+            <a:avLst/>
+          </a:prstGeom>
+          <a:solidFill>
+            <a:schemeClr val="accent6">
+              <a:lumMod val="60000"/>
+              <a:lumOff val="40000"/>
+            </a:schemeClr>
+          </a:solidFill>
+          <a:ln>
+            <a:noFill/>
+          </a:ln>
+        </p:spPr>
+        <p:style>
+          <a:lnRef idx="2">
+            <a:schemeClr val="accent1">
+              <a:shade val="50000"/>
+            </a:schemeClr>
+          </a:lnRef>
+          <a:fillRef idx="1">
+            <a:schemeClr val="accent1"/>
+          </a:fillRef>
+          <a:effectRef idx="0">
+            <a:schemeClr val="accent1"/>
+          </a:effectRef>
+          <a:fontRef idx="minor">
+            <a:schemeClr val="lt1"/>
+          </a:fontRef>
+        </p:style>
+        <p:txBody>
+          <a:bodyPr rtlCol="0" anchor="ctr"/>
+          <a:lstStyle/>
+          <a:p>
+            <a:pPr algn="ctr"/>
+            <a:endParaRPr lang="en-US"/>
+          </a:p>
+        </p:txBody>
+      </p:sp>
+      <p:sp>
+        <p:nvSpPr>
+          <p:cNvPr id="2" name="Rubrik 1">
+            <a:extLst>
+              <a:ext uri="{FF2B5EF4-FFF2-40B4-BE49-F238E27FC236}">
+                <a16:creationId xmlns:a16="http://schemas.microsoft.com/office/drawing/2014/main" id="{3EAE79DF-8DCA-4485-97CD-A7891C6303D9}"/>
               </a:ext>
             </a:extLst>
           </p:cNvPr>
@@ -6947,443 +7022,145 @@
             <p:ph type="title"/>
           </p:nvPr>
         </p:nvSpPr>
-        <p:spPr/>
+        <p:spPr>
+          <a:xfrm>
+            <a:off x="640080" y="2681105"/>
+            <a:ext cx="3401568" cy="1495794"/>
+          </a:xfrm>
+          <a:solidFill>
+            <a:srgbClr val="FFFFFF"/>
+          </a:solidFill>
+          <a:ln>
+            <a:solidFill>
+              <a:srgbClr val="262626"/>
+            </a:solidFill>
+          </a:ln>
+        </p:spPr>
         <p:txBody>
-          <a:bodyPr/>
+          <a:bodyPr>
+            <a:normAutofit/>
+          </a:bodyPr>
           <a:lstStyle/>
           <a:p>
             <a:r>
-              <a:rPr lang="de-DE" dirty="0"/>
-              <a:t>C-code </a:t>
-            </a:r>
-            <a:r>
-              <a:rPr lang="de-DE" dirty="0" err="1"/>
-              <a:t>implementation</a:t>
-            </a:r>
-            <a:br>
-              <a:rPr lang="de-DE" dirty="0"/>
-            </a:br>
-            <a:r>
-              <a:rPr lang="de-DE" dirty="0"/>
-              <a:t>- State </a:t>
-            </a:r>
-            <a:r>
-              <a:rPr lang="de-DE" dirty="0" err="1"/>
-              <a:t>vector</a:t>
-            </a:r>
-            <a:r>
-              <a:rPr lang="de-DE" dirty="0"/>
-              <a:t> -</a:t>
-            </a:r>
+              <a:rPr lang="sv-SE" dirty="0" err="1"/>
+              <a:t>Flying</a:t>
+            </a:r>
+            <a:r>
+              <a:rPr lang="sv-SE" dirty="0"/>
+              <a:t> </a:t>
+            </a:r>
+            <a:r>
+              <a:rPr lang="sv-SE" dirty="0" err="1"/>
+              <a:t>freely</a:t>
+            </a:r>
+            <a:r>
+              <a:rPr lang="sv-SE" dirty="0"/>
+              <a:t> in the </a:t>
+            </a:r>
+            <a:r>
+              <a:rPr lang="sv-SE" dirty="0" err="1"/>
+              <a:t>world</a:t>
+            </a:r>
+            <a:endParaRPr lang="LID4096" dirty="0"/>
           </a:p>
         </p:txBody>
       </p:sp>
-      <p:sp>
+      <p:sp useBgFill="1">
         <p:nvSpPr>
-          <p:cNvPr id="3" name="Inhaltsplatzhalter 2">
+          <p:cNvPr id="12" name="Rectangle 11">
             <a:extLst>
               <a:ext uri="{FF2B5EF4-FFF2-40B4-BE49-F238E27FC236}">
-                <a16:creationId xmlns:a16="http://schemas.microsoft.com/office/drawing/2014/main" id="{5883414A-B3A6-BE40-8248-C6206154A4F0}"/>
+                <a16:creationId xmlns:a16="http://schemas.microsoft.com/office/drawing/2014/main" id="{A804366F-2366-4688-98E7-B101C7BC6146}"/>
+              </a:ext>
+              <a:ext uri="{C183D7F6-B498-43B3-948B-1728B52AA6E4}">
+                <adec:decorative xmlns:adec="http://schemas.microsoft.com/office/drawing/2017/decorative" val="1"/>
               </a:ext>
             </a:extLst>
           </p:cNvPr>
           <p:cNvSpPr>
-            <a:spLocks noGrp="1"/>
+            <a:spLocks noGrp="1" noRot="1" noChangeAspect="1" noMove="1" noResize="1" noEditPoints="1" noAdjustHandles="1" noChangeArrowheads="1" noChangeShapeType="1" noTextEdit="1"/>
           </p:cNvSpPr>
           <p:nvPr>
-            <p:ph idx="1"/>
+            <p:extLst>
+              <p:ext uri="{386F3935-93C4-4BCD-93E2-E3B085C9AB24}">
+                <p16:designElem xmlns:p16="http://schemas.microsoft.com/office/powerpoint/2015/main" val="1"/>
+              </p:ext>
+            </p:extLst>
           </p:nvPr>
         </p:nvSpPr>
-        <p:spPr/>
+        <p:spPr>
+          <a:xfrm>
+            <a:off x="4753278" y="0"/>
+            <a:ext cx="7438722" cy="6857999"/>
+          </a:xfrm>
+          <a:prstGeom prst="rect">
+            <a:avLst/>
+          </a:prstGeom>
+          <a:ln>
+            <a:noFill/>
+          </a:ln>
+        </p:spPr>
+        <p:style>
+          <a:lnRef idx="2">
+            <a:schemeClr val="accent1">
+              <a:shade val="50000"/>
+            </a:schemeClr>
+          </a:lnRef>
+          <a:fillRef idx="1">
+            <a:schemeClr val="accent1"/>
+          </a:fillRef>
+          <a:effectRef idx="0">
+            <a:schemeClr val="accent1"/>
+          </a:effectRef>
+          <a:fontRef idx="minor">
+            <a:schemeClr val="lt1"/>
+          </a:fontRef>
+        </p:style>
         <p:txBody>
-          <a:bodyPr>
-            <a:normAutofit fontScale="92500" lnSpcReduction="10000"/>
-          </a:bodyPr>
+          <a:bodyPr rtlCol="0" anchor="ctr"/>
           <a:lstStyle/>
           <a:p>
-            <a:pPr marL="0" indent="0">
-              <a:buNone/>
-            </a:pPr>
-            <a:r>
-              <a:rPr lang="de-DE" dirty="0">
-                <a:solidFill>
-                  <a:srgbClr val="569CD6"/>
-                </a:solidFill>
-                <a:latin typeface="Menlo" panose="020B0609030804020204" pitchFamily="49" charset="0"/>
-              </a:rPr>
-              <a:t>volatile</a:t>
-            </a:r>
-            <a:r>
-              <a:rPr lang="de-DE" dirty="0">
-                <a:solidFill>
-                  <a:srgbClr val="D4D4D4"/>
-                </a:solidFill>
-                <a:latin typeface="Menlo" panose="020B0609030804020204" pitchFamily="49" charset="0"/>
-              </a:rPr>
-              <a:t> </a:t>
-            </a:r>
-            <a:r>
-              <a:rPr lang="de-DE" dirty="0" err="1">
-                <a:solidFill>
-                  <a:srgbClr val="569CD6"/>
-                </a:solidFill>
-                <a:latin typeface="Menlo" panose="020B0609030804020204" pitchFamily="49" charset="0"/>
-              </a:rPr>
-              <a:t>struct</a:t>
-            </a:r>
-            <a:r>
-              <a:rPr lang="de-DE" dirty="0">
-                <a:solidFill>
-                  <a:srgbClr val="D4D4D4"/>
-                </a:solidFill>
-                <a:latin typeface="Menlo" panose="020B0609030804020204" pitchFamily="49" charset="0"/>
-              </a:rPr>
-              <a:t> {</a:t>
-            </a:r>
-          </a:p>
-          <a:p>
-            <a:pPr marL="0" indent="0">
-              <a:buNone/>
-            </a:pPr>
-            <a:r>
-              <a:rPr lang="de-DE" dirty="0">
-                <a:solidFill>
-                  <a:srgbClr val="6A9955"/>
-                </a:solidFill>
-                <a:latin typeface="Menlo" panose="020B0609030804020204" pitchFamily="49" charset="0"/>
-              </a:rPr>
-              <a:t>// </a:t>
-            </a:r>
-            <a:r>
-              <a:rPr lang="de-DE" dirty="0" err="1">
-                <a:solidFill>
-                  <a:srgbClr val="6A9955"/>
-                </a:solidFill>
-                <a:latin typeface="Menlo" panose="020B0609030804020204" pitchFamily="49" charset="0"/>
-              </a:rPr>
-              <a:t>angles</a:t>
-            </a:r>
-            <a:r>
-              <a:rPr lang="de-DE" dirty="0">
-                <a:solidFill>
-                  <a:srgbClr val="6A9955"/>
-                </a:solidFill>
-                <a:latin typeface="Menlo" panose="020B0609030804020204" pitchFamily="49" charset="0"/>
-              </a:rPr>
-              <a:t> - </a:t>
-            </a:r>
-            <a:r>
-              <a:rPr lang="de-DE" dirty="0" err="1">
-                <a:solidFill>
-                  <a:srgbClr val="6A9955"/>
-                </a:solidFill>
-                <a:latin typeface="Menlo" panose="020B0609030804020204" pitchFamily="49" charset="0"/>
-              </a:rPr>
-              <a:t>degree</a:t>
-            </a:r>
-            <a:endParaRPr lang="de-DE" dirty="0">
-              <a:solidFill>
-                <a:srgbClr val="D4D4D4"/>
-              </a:solidFill>
-              <a:latin typeface="Menlo" panose="020B0609030804020204" pitchFamily="49" charset="0"/>
-            </a:endParaRPr>
-          </a:p>
-          <a:p>
-            <a:pPr marL="228600" lvl="1" indent="0">
-              <a:buNone/>
-            </a:pPr>
-            <a:r>
-              <a:rPr lang="de-DE" dirty="0" err="1">
-                <a:solidFill>
-                  <a:srgbClr val="569CD6"/>
-                </a:solidFill>
-                <a:latin typeface="Menlo" panose="020B0609030804020204" pitchFamily="49" charset="0"/>
-              </a:rPr>
-              <a:t>float</a:t>
-            </a:r>
-            <a:r>
-              <a:rPr lang="de-DE" dirty="0">
-                <a:solidFill>
-                  <a:srgbClr val="D4D4D4"/>
-                </a:solidFill>
-                <a:latin typeface="Menlo" panose="020B0609030804020204" pitchFamily="49" charset="0"/>
-              </a:rPr>
-              <a:t> </a:t>
-            </a:r>
-            <a:r>
-              <a:rPr lang="de-DE" dirty="0">
-                <a:solidFill>
-                  <a:schemeClr val="tx1"/>
-                </a:solidFill>
-                <a:latin typeface="Menlo" panose="020B0609030804020204" pitchFamily="49" charset="0"/>
-              </a:rPr>
-              <a:t>roll;</a:t>
-            </a:r>
-          </a:p>
-          <a:p>
-            <a:pPr marL="228600" lvl="1" indent="0">
-              <a:buNone/>
-            </a:pPr>
-            <a:r>
-              <a:rPr lang="de-DE" dirty="0" err="1">
-                <a:solidFill>
-                  <a:srgbClr val="569CD6"/>
-                </a:solidFill>
-                <a:latin typeface="Menlo" panose="020B0609030804020204" pitchFamily="49" charset="0"/>
-              </a:rPr>
-              <a:t>float</a:t>
-            </a:r>
-            <a:r>
-              <a:rPr lang="de-DE" dirty="0">
-                <a:solidFill>
-                  <a:srgbClr val="D4D4D4"/>
-                </a:solidFill>
-                <a:latin typeface="Menlo" panose="020B0609030804020204" pitchFamily="49" charset="0"/>
-              </a:rPr>
-              <a:t> </a:t>
-            </a:r>
-            <a:r>
-              <a:rPr lang="de-DE" dirty="0" err="1">
-                <a:solidFill>
-                  <a:schemeClr val="tx1"/>
-                </a:solidFill>
-                <a:latin typeface="Menlo" panose="020B0609030804020204" pitchFamily="49" charset="0"/>
-              </a:rPr>
-              <a:t>pitch</a:t>
-            </a:r>
-            <a:r>
-              <a:rPr lang="de-DE" dirty="0">
-                <a:solidFill>
-                  <a:schemeClr val="tx1"/>
-                </a:solidFill>
-                <a:latin typeface="Menlo" panose="020B0609030804020204" pitchFamily="49" charset="0"/>
-              </a:rPr>
-              <a:t>;</a:t>
-            </a:r>
-          </a:p>
-          <a:p>
-            <a:pPr marL="0" indent="0">
-              <a:buNone/>
-            </a:pPr>
-            <a:r>
-              <a:rPr lang="de-DE" dirty="0">
-                <a:solidFill>
-                  <a:srgbClr val="6A9955"/>
-                </a:solidFill>
-                <a:latin typeface="Menlo" panose="020B0609030804020204" pitchFamily="49" charset="0"/>
-              </a:rPr>
-              <a:t>// angular </a:t>
-            </a:r>
-            <a:r>
-              <a:rPr lang="de-DE" dirty="0" err="1">
-                <a:solidFill>
-                  <a:srgbClr val="6A9955"/>
-                </a:solidFill>
-                <a:latin typeface="Menlo" panose="020B0609030804020204" pitchFamily="49" charset="0"/>
-              </a:rPr>
-              <a:t>velocity</a:t>
-            </a:r>
-            <a:r>
-              <a:rPr lang="de-DE" dirty="0">
-                <a:solidFill>
-                  <a:srgbClr val="6A9955"/>
-                </a:solidFill>
-                <a:latin typeface="Menlo" panose="020B0609030804020204" pitchFamily="49" charset="0"/>
-              </a:rPr>
-              <a:t> - </a:t>
-            </a:r>
-            <a:r>
-              <a:rPr lang="de-DE" dirty="0" err="1">
-                <a:solidFill>
-                  <a:srgbClr val="6A9955"/>
-                </a:solidFill>
-                <a:latin typeface="Menlo" panose="020B0609030804020204" pitchFamily="49" charset="0"/>
-              </a:rPr>
-              <a:t>degree</a:t>
-            </a:r>
-            <a:r>
-              <a:rPr lang="de-DE" dirty="0">
-                <a:solidFill>
-                  <a:srgbClr val="6A9955"/>
-                </a:solidFill>
-                <a:latin typeface="Menlo" panose="020B0609030804020204" pitchFamily="49" charset="0"/>
-              </a:rPr>
-              <a:t> / sec</a:t>
-            </a:r>
-            <a:endParaRPr lang="de-DE" dirty="0">
-              <a:solidFill>
-                <a:srgbClr val="D4D4D4"/>
-              </a:solidFill>
-              <a:latin typeface="Menlo" panose="020B0609030804020204" pitchFamily="49" charset="0"/>
-            </a:endParaRPr>
-          </a:p>
-          <a:p>
-            <a:pPr marL="228600" lvl="1" indent="0">
-              <a:buNone/>
-            </a:pPr>
-            <a:r>
-              <a:rPr lang="de-DE" dirty="0" err="1">
-                <a:solidFill>
-                  <a:srgbClr val="569CD6"/>
-                </a:solidFill>
-                <a:latin typeface="Menlo" panose="020B0609030804020204" pitchFamily="49" charset="0"/>
-              </a:rPr>
-              <a:t>float</a:t>
-            </a:r>
-            <a:r>
-              <a:rPr lang="de-DE" dirty="0">
-                <a:solidFill>
-                  <a:srgbClr val="D4D4D4"/>
-                </a:solidFill>
-                <a:latin typeface="Menlo" panose="020B0609030804020204" pitchFamily="49" charset="0"/>
-              </a:rPr>
-              <a:t> </a:t>
-            </a:r>
-            <a:r>
-              <a:rPr lang="de-DE" dirty="0" err="1">
-                <a:solidFill>
-                  <a:schemeClr val="tx1"/>
-                </a:solidFill>
-                <a:latin typeface="Menlo" panose="020B0609030804020204" pitchFamily="49" charset="0"/>
-              </a:rPr>
-              <a:t>rateRoll</a:t>
-            </a:r>
-            <a:r>
-              <a:rPr lang="de-DE" dirty="0">
-                <a:solidFill>
-                  <a:schemeClr val="tx1"/>
-                </a:solidFill>
-                <a:latin typeface="Menlo" panose="020B0609030804020204" pitchFamily="49" charset="0"/>
-              </a:rPr>
-              <a:t>;</a:t>
-            </a:r>
-          </a:p>
-          <a:p>
-            <a:pPr marL="228600" lvl="1" indent="0">
-              <a:buNone/>
-            </a:pPr>
-            <a:r>
-              <a:rPr lang="de-DE" dirty="0" err="1">
-                <a:solidFill>
-                  <a:srgbClr val="569CD6"/>
-                </a:solidFill>
-                <a:latin typeface="Menlo" panose="020B0609030804020204" pitchFamily="49" charset="0"/>
-              </a:rPr>
-              <a:t>float</a:t>
-            </a:r>
-            <a:r>
-              <a:rPr lang="de-DE" dirty="0">
-                <a:solidFill>
-                  <a:srgbClr val="569CD6"/>
-                </a:solidFill>
-                <a:latin typeface="Menlo" panose="020B0609030804020204" pitchFamily="49" charset="0"/>
-              </a:rPr>
-              <a:t> </a:t>
-            </a:r>
-            <a:r>
-              <a:rPr lang="de-DE" dirty="0" err="1">
-                <a:solidFill>
-                  <a:schemeClr val="tx1"/>
-                </a:solidFill>
-                <a:latin typeface="Menlo" panose="020B0609030804020204" pitchFamily="49" charset="0"/>
-              </a:rPr>
-              <a:t>ratePitch</a:t>
-            </a:r>
-            <a:r>
-              <a:rPr lang="de-DE" dirty="0">
-                <a:solidFill>
-                  <a:schemeClr val="tx1"/>
-                </a:solidFill>
-                <a:latin typeface="Menlo" panose="020B0609030804020204" pitchFamily="49" charset="0"/>
-              </a:rPr>
-              <a:t>;</a:t>
-            </a:r>
-          </a:p>
-          <a:p>
-            <a:pPr marL="228600" lvl="1" indent="0">
-              <a:buNone/>
-            </a:pPr>
-            <a:r>
-              <a:rPr lang="de-DE" dirty="0" err="1">
-                <a:solidFill>
-                  <a:srgbClr val="569CD6"/>
-                </a:solidFill>
-                <a:latin typeface="Menlo" panose="020B0609030804020204" pitchFamily="49" charset="0"/>
-              </a:rPr>
-              <a:t>float</a:t>
-            </a:r>
-            <a:r>
-              <a:rPr lang="de-DE" dirty="0">
-                <a:solidFill>
-                  <a:srgbClr val="D4D4D4"/>
-                </a:solidFill>
-                <a:latin typeface="Menlo" panose="020B0609030804020204" pitchFamily="49" charset="0"/>
-              </a:rPr>
-              <a:t> </a:t>
-            </a:r>
-            <a:r>
-              <a:rPr lang="de-DE" dirty="0" err="1">
-                <a:solidFill>
-                  <a:schemeClr val="tx1"/>
-                </a:solidFill>
-                <a:latin typeface="Menlo" panose="020B0609030804020204" pitchFamily="49" charset="0"/>
-              </a:rPr>
-              <a:t>rateYaw</a:t>
-            </a:r>
-            <a:r>
-              <a:rPr lang="de-DE" dirty="0">
-                <a:solidFill>
-                  <a:schemeClr val="tx1"/>
-                </a:solidFill>
-                <a:latin typeface="Menlo" panose="020B0609030804020204" pitchFamily="49" charset="0"/>
-              </a:rPr>
-              <a:t>;</a:t>
-            </a:r>
-          </a:p>
-          <a:p>
-            <a:pPr marL="0" indent="0">
-              <a:buNone/>
-            </a:pPr>
-            <a:r>
-              <a:rPr lang="de-DE" dirty="0">
-                <a:solidFill>
-                  <a:srgbClr val="D4D4D4"/>
-                </a:solidFill>
-                <a:latin typeface="Menlo" panose="020B0609030804020204" pitchFamily="49" charset="0"/>
-              </a:rPr>
-              <a:t>} </a:t>
-            </a:r>
-            <a:r>
-              <a:rPr lang="de-DE" dirty="0" err="1">
-                <a:solidFill>
-                  <a:schemeClr val="tx1"/>
-                </a:solidFill>
-                <a:latin typeface="Menlo" panose="020B0609030804020204" pitchFamily="49" charset="0"/>
-              </a:rPr>
-              <a:t>state</a:t>
-            </a:r>
-            <a:r>
-              <a:rPr lang="de-DE" dirty="0">
-                <a:solidFill>
-                  <a:schemeClr val="tx1"/>
-                </a:solidFill>
-                <a:latin typeface="Menlo" panose="020B0609030804020204" pitchFamily="49" charset="0"/>
-              </a:rPr>
-              <a:t>;</a:t>
-            </a:r>
-          </a:p>
-          <a:p>
-            <a:pPr marL="0" indent="0">
-              <a:buNone/>
-            </a:pPr>
-            <a:endParaRPr lang="de-DE" dirty="0"/>
+            <a:pPr algn="ctr"/>
+            <a:endParaRPr lang="en-US"/>
           </a:p>
         </p:txBody>
       </p:sp>
+      <p:graphicFrame>
+        <p:nvGraphicFramePr>
+          <p:cNvPr id="5" name="Platshållare för innehåll 2">
+            <a:extLst>
+              <a:ext uri="{FF2B5EF4-FFF2-40B4-BE49-F238E27FC236}">
+                <a16:creationId xmlns:a16="http://schemas.microsoft.com/office/drawing/2014/main" id="{CC3F6FD6-DC7B-416C-BE97-4762CF292410}"/>
+              </a:ext>
+            </a:extLst>
+          </p:cNvPr>
+          <p:cNvGraphicFramePr>
+            <a:graphicFrameLocks noGrp="1"/>
+          </p:cNvGraphicFramePr>
+          <p:nvPr>
+            <p:ph idx="1"/>
+            <p:extLst>
+              <p:ext uri="{D42A27DB-BD31-4B8C-83A1-F6EECF244321}">
+                <p14:modId xmlns:p14="http://schemas.microsoft.com/office/powerpoint/2010/main" val="3403567787"/>
+              </p:ext>
+            </p:extLst>
+          </p:nvPr>
+        </p:nvGraphicFramePr>
+        <p:xfrm>
+          <a:off x="5397500" y="639763"/>
+          <a:ext cx="6151563" cy="5276850"/>
+        </p:xfrm>
+        <a:graphic>
+          <a:graphicData uri="http://schemas.openxmlformats.org/drawingml/2006/diagram">
+            <dgm:relIds xmlns:dgm="http://schemas.openxmlformats.org/drawingml/2006/diagram" xmlns:r="http://schemas.openxmlformats.org/officeDocument/2006/relationships" r:dm="rId2" r:lo="rId3" r:qs="rId4" r:cs="rId5"/>
+          </a:graphicData>
+        </a:graphic>
+      </p:graphicFrame>
     </p:spTree>
     <p:extLst>
       <p:ext uri="{BB962C8B-B14F-4D97-AF65-F5344CB8AC3E}">
-        <p14:creationId xmlns:p14="http://schemas.microsoft.com/office/powerpoint/2010/main" val="2246717686"/>
+        <p14:creationId xmlns:p14="http://schemas.microsoft.com/office/powerpoint/2010/main" val="2331177368"/>
       </p:ext>
     </p:extLst>
   </p:cSld>
@@ -7444,15 +7221,15 @@
             </a:br>
             <a:r>
               <a:rPr lang="de-DE" dirty="0"/>
-              <a:t>- Main </a:t>
+              <a:t>- State </a:t>
             </a:r>
             <a:r>
               <a:rPr lang="de-DE" dirty="0" err="1"/>
-              <a:t>function</a:t>
+              <a:t>vector</a:t>
             </a:r>
             <a:r>
               <a:rPr lang="de-DE" dirty="0"/>
-              <a:t>-</a:t>
+              <a:t> -</a:t>
             </a:r>
           </a:p>
         </p:txBody>
@@ -7473,15 +7250,10 @@
             <p:ph idx="1"/>
           </p:nvPr>
         </p:nvSpPr>
-        <p:spPr>
-          <a:xfrm>
-            <a:off x="754027" y="2441094"/>
-            <a:ext cx="7729728" cy="4072245"/>
-          </a:xfrm>
-        </p:spPr>
+        <p:spPr/>
         <p:txBody>
           <a:bodyPr>
-            <a:normAutofit/>
+            <a:normAutofit fontScale="92500" lnSpcReduction="10000"/>
           </a:bodyPr>
           <a:lstStyle/>
           <a:p>
@@ -7489,16 +7261,16 @@
               <a:buNone/>
             </a:pPr>
             <a:r>
-              <a:rPr lang="de-DE" sz="1600" dirty="0" err="1">
+              <a:rPr lang="de-DE" dirty="0">
                 <a:solidFill>
                   <a:srgbClr val="569CD6"/>
                 </a:solidFill>
                 <a:latin typeface="Menlo" panose="020B0609030804020204" pitchFamily="49" charset="0"/>
               </a:rPr>
-              <a:t>void</a:t>
-            </a:r>
-            <a:r>
-              <a:rPr lang="de-DE" sz="1600" dirty="0">
+              <a:t>volatile</a:t>
+            </a:r>
+            <a:r>
+              <a:rPr lang="de-DE" dirty="0">
                 <a:solidFill>
                   <a:srgbClr val="D4D4D4"/>
                 </a:solidFill>
@@ -7507,40 +7279,22 @@
               <a:t> </a:t>
             </a:r>
             <a:r>
-              <a:rPr lang="de-DE" sz="1600" dirty="0" err="1">
-                <a:solidFill>
-                  <a:srgbClr val="DCDCAA"/>
-                </a:solidFill>
-                <a:latin typeface="Menlo" panose="020B0609030804020204" pitchFamily="49" charset="0"/>
-              </a:rPr>
-              <a:t>yourCodeInit</a:t>
-            </a:r>
-            <a:r>
-              <a:rPr lang="de-DE" sz="1600" dirty="0">
+              <a:rPr lang="de-DE" dirty="0" err="1">
+                <a:solidFill>
+                  <a:srgbClr val="569CD6"/>
+                </a:solidFill>
+                <a:latin typeface="Menlo" panose="020B0609030804020204" pitchFamily="49" charset="0"/>
+              </a:rPr>
+              <a:t>struct</a:t>
+            </a:r>
+            <a:r>
+              <a:rPr lang="de-DE" dirty="0">
                 <a:solidFill>
                   <a:srgbClr val="D4D4D4"/>
                 </a:solidFill>
                 <a:latin typeface="Menlo" panose="020B0609030804020204" pitchFamily="49" charset="0"/>
               </a:rPr>
-              <a:t>(</a:t>
-            </a:r>
-            <a:r>
-              <a:rPr lang="de-DE" sz="1600" dirty="0" err="1">
-                <a:solidFill>
-                  <a:srgbClr val="569CD6"/>
-                </a:solidFill>
-                <a:latin typeface="Menlo" panose="020B0609030804020204" pitchFamily="49" charset="0"/>
-              </a:rPr>
-              <a:t>void</a:t>
-            </a:r>
-            <a:r>
-              <a:rPr lang="de-DE" sz="1600" dirty="0">
-                <a:solidFill>
-                  <a:srgbClr val="D4D4D4"/>
-                </a:solidFill>
-                <a:latin typeface="Menlo" panose="020B0609030804020204" pitchFamily="49" charset="0"/>
-              </a:rPr>
-              <a:t>)</a:t>
+              <a:t> {</a:t>
             </a:r>
           </a:p>
           <a:p>
@@ -7548,13 +7302,119 @@
               <a:buNone/>
             </a:pPr>
             <a:r>
-              <a:rPr lang="de-DE" sz="1600" dirty="0">
+              <a:rPr lang="de-DE" dirty="0">
+                <a:solidFill>
+                  <a:srgbClr val="6A9955"/>
+                </a:solidFill>
+                <a:latin typeface="Menlo" panose="020B0609030804020204" pitchFamily="49" charset="0"/>
+              </a:rPr>
+              <a:t>// </a:t>
+            </a:r>
+            <a:r>
+              <a:rPr lang="de-DE" dirty="0" err="1">
+                <a:solidFill>
+                  <a:srgbClr val="6A9955"/>
+                </a:solidFill>
+                <a:latin typeface="Menlo" panose="020B0609030804020204" pitchFamily="49" charset="0"/>
+              </a:rPr>
+              <a:t>angles</a:t>
+            </a:r>
+            <a:r>
+              <a:rPr lang="de-DE" dirty="0">
+                <a:solidFill>
+                  <a:srgbClr val="6A9955"/>
+                </a:solidFill>
+                <a:latin typeface="Menlo" panose="020B0609030804020204" pitchFamily="49" charset="0"/>
+              </a:rPr>
+              <a:t> - </a:t>
+            </a:r>
+            <a:r>
+              <a:rPr lang="de-DE" dirty="0" err="1">
+                <a:solidFill>
+                  <a:srgbClr val="6A9955"/>
+                </a:solidFill>
+                <a:latin typeface="Menlo" panose="020B0609030804020204" pitchFamily="49" charset="0"/>
+              </a:rPr>
+              <a:t>degree</a:t>
+            </a:r>
+            <a:endParaRPr lang="de-DE" dirty="0">
+              <a:solidFill>
+                <a:srgbClr val="D4D4D4"/>
+              </a:solidFill>
+              <a:latin typeface="Menlo" panose="020B0609030804020204" pitchFamily="49" charset="0"/>
+            </a:endParaRPr>
+          </a:p>
+          <a:p>
+            <a:pPr marL="228600" lvl="1" indent="0">
+              <a:buNone/>
+            </a:pPr>
+            <a:r>
+              <a:rPr lang="de-DE" dirty="0" err="1">
+                <a:solidFill>
+                  <a:srgbClr val="569CD6"/>
+                </a:solidFill>
+                <a:latin typeface="Menlo" panose="020B0609030804020204" pitchFamily="49" charset="0"/>
+              </a:rPr>
+              <a:t>float</a:t>
+            </a:r>
+            <a:r>
+              <a:rPr lang="de-DE" dirty="0">
                 <a:solidFill>
                   <a:srgbClr val="D4D4D4"/>
                 </a:solidFill>
                 <a:latin typeface="Menlo" panose="020B0609030804020204" pitchFamily="49" charset="0"/>
               </a:rPr>
-              <a:t>{</a:t>
+              <a:t> </a:t>
+            </a:r>
+            <a:r>
+              <a:rPr lang="de-DE" dirty="0">
+                <a:solidFill>
+                  <a:schemeClr val="tx1"/>
+                </a:solidFill>
+                <a:latin typeface="Menlo" panose="020B0609030804020204" pitchFamily="49" charset="0"/>
+              </a:rPr>
+              <a:t>roll;</a:t>
+            </a:r>
+          </a:p>
+          <a:p>
+            <a:pPr marL="228600" lvl="1" indent="0">
+              <a:buNone/>
+            </a:pPr>
+            <a:r>
+              <a:rPr lang="de-DE" dirty="0" err="1">
+                <a:solidFill>
+                  <a:srgbClr val="569CD6"/>
+                </a:solidFill>
+                <a:latin typeface="Menlo" panose="020B0609030804020204" pitchFamily="49" charset="0"/>
+              </a:rPr>
+              <a:t>float</a:t>
+            </a:r>
+            <a:r>
+              <a:rPr lang="de-DE" dirty="0">
+                <a:solidFill>
+                  <a:srgbClr val="D4D4D4"/>
+                </a:solidFill>
+                <a:latin typeface="Menlo" panose="020B0609030804020204" pitchFamily="49" charset="0"/>
+              </a:rPr>
+              <a:t> </a:t>
+            </a:r>
+            <a:r>
+              <a:rPr lang="de-DE" dirty="0" err="1">
+                <a:solidFill>
+                  <a:schemeClr val="tx1"/>
+                </a:solidFill>
+                <a:latin typeface="Menlo" panose="020B0609030804020204" pitchFamily="49" charset="0"/>
+              </a:rPr>
+              <a:t>pitch</a:t>
+            </a:r>
+            <a:r>
+              <a:rPr lang="de-DE" dirty="0">
+                <a:solidFill>
+                  <a:schemeClr val="tx1"/>
+                </a:solidFill>
+                <a:latin typeface="Menlo" panose="020B0609030804020204" pitchFamily="49" charset="0"/>
+              </a:rPr>
+              <a:t>;</a:t>
             </a:r>
           </a:p>
           <a:p>
@@ -7562,36 +7422,174 @@
               <a:buNone/>
             </a:pPr>
             <a:r>
-              <a:rPr lang="de-DE" sz="1600" dirty="0">
+              <a:rPr lang="de-DE" dirty="0">
+                <a:solidFill>
+                  <a:srgbClr val="6A9955"/>
+                </a:solidFill>
+                <a:latin typeface="Menlo" panose="020B0609030804020204" pitchFamily="49" charset="0"/>
+              </a:rPr>
+              <a:t>// angular </a:t>
+            </a:r>
+            <a:r>
+              <a:rPr lang="de-DE" dirty="0" err="1">
+                <a:solidFill>
+                  <a:srgbClr val="6A9955"/>
+                </a:solidFill>
+                <a:latin typeface="Menlo" panose="020B0609030804020204" pitchFamily="49" charset="0"/>
+              </a:rPr>
+              <a:t>velocity</a:t>
+            </a:r>
+            <a:r>
+              <a:rPr lang="de-DE" dirty="0">
+                <a:solidFill>
+                  <a:srgbClr val="6A9955"/>
+                </a:solidFill>
+                <a:latin typeface="Menlo" panose="020B0609030804020204" pitchFamily="49" charset="0"/>
+              </a:rPr>
+              <a:t> - </a:t>
+            </a:r>
+            <a:r>
+              <a:rPr lang="de-DE" dirty="0" err="1">
+                <a:solidFill>
+                  <a:srgbClr val="6A9955"/>
+                </a:solidFill>
+                <a:latin typeface="Menlo" panose="020B0609030804020204" pitchFamily="49" charset="0"/>
+              </a:rPr>
+              <a:t>degree</a:t>
+            </a:r>
+            <a:r>
+              <a:rPr lang="de-DE" dirty="0">
+                <a:solidFill>
+                  <a:srgbClr val="6A9955"/>
+                </a:solidFill>
+                <a:latin typeface="Menlo" panose="020B0609030804020204" pitchFamily="49" charset="0"/>
+              </a:rPr>
+              <a:t> / sec</a:t>
+            </a:r>
+            <a:endParaRPr lang="de-DE" dirty="0">
+              <a:solidFill>
+                <a:srgbClr val="D4D4D4"/>
+              </a:solidFill>
+              <a:latin typeface="Menlo" panose="020B0609030804020204" pitchFamily="49" charset="0"/>
+            </a:endParaRPr>
+          </a:p>
+          <a:p>
+            <a:pPr marL="228600" lvl="1" indent="0">
+              <a:buNone/>
+            </a:pPr>
+            <a:r>
+              <a:rPr lang="de-DE" dirty="0" err="1">
+                <a:solidFill>
+                  <a:srgbClr val="569CD6"/>
+                </a:solidFill>
+                <a:latin typeface="Menlo" panose="020B0609030804020204" pitchFamily="49" charset="0"/>
+              </a:rPr>
+              <a:t>float</a:t>
+            </a:r>
+            <a:r>
+              <a:rPr lang="de-DE" dirty="0">
+                <a:solidFill>
+                  <a:srgbClr val="D4D4D4"/>
+                </a:solidFill>
+                <a:latin typeface="Menlo" panose="020B0609030804020204" pitchFamily="49" charset="0"/>
+              </a:rPr>
+              <a:t> </a:t>
+            </a:r>
+            <a:r>
+              <a:rPr lang="de-DE" dirty="0" err="1">
                 <a:solidFill>
                   <a:schemeClr val="tx1"/>
                 </a:solidFill>
                 <a:latin typeface="Menlo" panose="020B0609030804020204" pitchFamily="49" charset="0"/>
               </a:rPr>
-              <a:t>tick</a:t>
-            </a:r>
-            <a:r>
-              <a:rPr lang="de-DE" sz="1600" dirty="0">
+              <a:t>rateRoll</a:t>
+            </a:r>
+            <a:r>
+              <a:rPr lang="de-DE" dirty="0">
+                <a:solidFill>
+                  <a:schemeClr val="tx1"/>
+                </a:solidFill>
+                <a:latin typeface="Menlo" panose="020B0609030804020204" pitchFamily="49" charset="0"/>
+              </a:rPr>
+              <a:t>;</a:t>
+            </a:r>
+          </a:p>
+          <a:p>
+            <a:pPr marL="228600" lvl="1" indent="0">
+              <a:buNone/>
+            </a:pPr>
+            <a:r>
+              <a:rPr lang="de-DE" dirty="0" err="1">
+                <a:solidFill>
+                  <a:srgbClr val="569CD6"/>
+                </a:solidFill>
+                <a:latin typeface="Menlo" panose="020B0609030804020204" pitchFamily="49" charset="0"/>
+              </a:rPr>
+              <a:t>float</a:t>
+            </a:r>
+            <a:r>
+              <a:rPr lang="de-DE" dirty="0">
+                <a:solidFill>
+                  <a:srgbClr val="569CD6"/>
+                </a:solidFill>
+                <a:latin typeface="Menlo" panose="020B0609030804020204" pitchFamily="49" charset="0"/>
+              </a:rPr>
+              <a:t> </a:t>
+            </a:r>
+            <a:r>
+              <a:rPr lang="de-DE" dirty="0" err="1">
+                <a:solidFill>
+                  <a:schemeClr val="tx1"/>
+                </a:solidFill>
+                <a:latin typeface="Menlo" panose="020B0609030804020204" pitchFamily="49" charset="0"/>
+              </a:rPr>
+              <a:t>ratePitch</a:t>
+            </a:r>
+            <a:r>
+              <a:rPr lang="de-DE" dirty="0">
+                <a:solidFill>
+                  <a:schemeClr val="tx1"/>
+                </a:solidFill>
+                <a:latin typeface="Menlo" panose="020B0609030804020204" pitchFamily="49" charset="0"/>
+              </a:rPr>
+              <a:t>;</a:t>
+            </a:r>
+          </a:p>
+          <a:p>
+            <a:pPr marL="228600" lvl="1" indent="0">
+              <a:buNone/>
+            </a:pPr>
+            <a:r>
+              <a:rPr lang="de-DE" dirty="0" err="1">
+                <a:solidFill>
+                  <a:srgbClr val="569CD6"/>
+                </a:solidFill>
+                <a:latin typeface="Menlo" panose="020B0609030804020204" pitchFamily="49" charset="0"/>
+              </a:rPr>
+              <a:t>float</a:t>
+            </a:r>
+            <a:r>
+              <a:rPr lang="de-DE" dirty="0">
                 <a:solidFill>
                   <a:srgbClr val="D4D4D4"/>
                 </a:solidFill>
                 <a:latin typeface="Menlo" panose="020B0609030804020204" pitchFamily="49" charset="0"/>
               </a:rPr>
-              <a:t> = </a:t>
-            </a:r>
-            <a:r>
-              <a:rPr lang="de-DE" sz="1600" dirty="0">
-                <a:solidFill>
-                  <a:srgbClr val="B5CEA8"/>
-                </a:solidFill>
-                <a:latin typeface="Menlo" panose="020B0609030804020204" pitchFamily="49" charset="0"/>
-              </a:rPr>
-              <a:t>1</a:t>
-            </a:r>
-            <a:r>
-              <a:rPr lang="de-DE" sz="1600" dirty="0">
-                <a:solidFill>
-                  <a:srgbClr val="D4D4D4"/>
+              <a:t> </a:t>
+            </a:r>
+            <a:r>
+              <a:rPr lang="de-DE" dirty="0" err="1">
+                <a:solidFill>
+                  <a:schemeClr val="tx1"/>
+                </a:solidFill>
+                <a:latin typeface="Menlo" panose="020B0609030804020204" pitchFamily="49" charset="0"/>
+              </a:rPr>
+              <a:t>rateYaw</a:t>
+            </a:r>
+            <a:r>
+              <a:rPr lang="de-DE" dirty="0">
+                <a:solidFill>
+                  <a:schemeClr val="tx1"/>
                 </a:solidFill>
                 <a:latin typeface="Menlo" panose="020B0609030804020204" pitchFamily="49" charset="0"/>
               </a:rPr>
@@ -7603,54 +7601,27 @@
               <a:buNone/>
             </a:pPr>
             <a:r>
-              <a:rPr lang="de-DE" sz="1600" dirty="0" err="1">
-                <a:solidFill>
-                  <a:srgbClr val="9CDCFE"/>
+              <a:rPr lang="de-DE" dirty="0">
+                <a:solidFill>
+                  <a:srgbClr val="D4D4D4"/>
+                </a:solidFill>
+                <a:latin typeface="Menlo" panose="020B0609030804020204" pitchFamily="49" charset="0"/>
+              </a:rPr>
+              <a:t>} </a:t>
+            </a:r>
+            <a:r>
+              <a:rPr lang="de-DE" dirty="0" err="1">
+                <a:solidFill>
+                  <a:schemeClr val="tx1"/>
                 </a:solidFill>
                 <a:latin typeface="Menlo" panose="020B0609030804020204" pitchFamily="49" charset="0"/>
               </a:rPr>
               <a:t>state</a:t>
             </a:r>
             <a:r>
-              <a:rPr lang="de-DE" sz="1600" dirty="0" err="1">
-                <a:solidFill>
-                  <a:srgbClr val="D4D4D4"/>
-                </a:solidFill>
-                <a:latin typeface="Menlo" panose="020B0609030804020204" pitchFamily="49" charset="0"/>
-              </a:rPr>
-              <a:t>.</a:t>
-            </a:r>
-            <a:r>
-              <a:rPr lang="de-DE" sz="1600" dirty="0" err="1">
-                <a:solidFill>
-                  <a:srgbClr val="9CDCFE"/>
-                </a:solidFill>
-                <a:latin typeface="Menlo" panose="020B0609030804020204" pitchFamily="49" charset="0"/>
-              </a:rPr>
-              <a:t>roll</a:t>
-            </a:r>
-            <a:r>
-              <a:rPr lang="de-DE" sz="1600" dirty="0">
-                <a:solidFill>
-                  <a:srgbClr val="D4D4D4"/>
-                </a:solidFill>
-                <a:latin typeface="Menlo" panose="020B0609030804020204" pitchFamily="49" charset="0"/>
-              </a:rPr>
-              <a:t> = </a:t>
-            </a:r>
-            <a:r>
-              <a:rPr lang="de-DE" sz="1600" dirty="0">
-                <a:solidFill>
-                  <a:srgbClr val="B5CEA8"/>
-                </a:solidFill>
-                <a:latin typeface="Menlo" panose="020B0609030804020204" pitchFamily="49" charset="0"/>
-              </a:rPr>
-              <a:t>0.0f</a:t>
-            </a:r>
-            <a:r>
-              <a:rPr lang="de-DE" sz="1600" dirty="0">
-                <a:solidFill>
-                  <a:srgbClr val="D4D4D4"/>
+              <a:rPr lang="de-DE" dirty="0">
+                <a:solidFill>
+                  <a:schemeClr val="tx1"/>
                 </a:solidFill>
                 <a:latin typeface="Menlo" panose="020B0609030804020204" pitchFamily="49" charset="0"/>
               </a:rPr>
@@ -7661,924 +7632,14 @@
             <a:pPr marL="0" indent="0">
               <a:buNone/>
             </a:pPr>
-            <a:r>
-              <a:rPr lang="de-DE" sz="1600" dirty="0" err="1">
-                <a:solidFill>
-                  <a:srgbClr val="9CDCFE"/>
-                </a:solidFill>
-                <a:latin typeface="Menlo" panose="020B0609030804020204" pitchFamily="49" charset="0"/>
-              </a:rPr>
-              <a:t>state</a:t>
-            </a:r>
-            <a:r>
-              <a:rPr lang="de-DE" sz="1600" dirty="0" err="1">
-                <a:solidFill>
-                  <a:srgbClr val="D4D4D4"/>
-                </a:solidFill>
-                <a:latin typeface="Menlo" panose="020B0609030804020204" pitchFamily="49" charset="0"/>
-              </a:rPr>
-              <a:t>.</a:t>
-            </a:r>
-            <a:r>
-              <a:rPr lang="de-DE" sz="1600" dirty="0" err="1">
-                <a:solidFill>
-                  <a:srgbClr val="9CDCFE"/>
-                </a:solidFill>
-                <a:latin typeface="Menlo" panose="020B0609030804020204" pitchFamily="49" charset="0"/>
-              </a:rPr>
-              <a:t>pitch</a:t>
-            </a:r>
-            <a:r>
-              <a:rPr lang="de-DE" sz="1600" dirty="0">
-                <a:solidFill>
-                  <a:srgbClr val="D4D4D4"/>
-                </a:solidFill>
-                <a:latin typeface="Menlo" panose="020B0609030804020204" pitchFamily="49" charset="0"/>
-              </a:rPr>
-              <a:t> = </a:t>
-            </a:r>
-            <a:r>
-              <a:rPr lang="de-DE" sz="1600" dirty="0">
-                <a:solidFill>
-                  <a:srgbClr val="B5CEA8"/>
-                </a:solidFill>
-                <a:latin typeface="Menlo" panose="020B0609030804020204" pitchFamily="49" charset="0"/>
-              </a:rPr>
-              <a:t>0.0f</a:t>
-            </a:r>
-            <a:r>
-              <a:rPr lang="de-DE" sz="1600" dirty="0">
-                <a:solidFill>
-                  <a:srgbClr val="D4D4D4"/>
-                </a:solidFill>
-                <a:latin typeface="Menlo" panose="020B0609030804020204" pitchFamily="49" charset="0"/>
-              </a:rPr>
-              <a:t>;</a:t>
-            </a:r>
-          </a:p>
-          <a:p>
-            <a:pPr marL="0" indent="0">
-              <a:buNone/>
-            </a:pPr>
-            <a:r>
-              <a:rPr lang="de-DE" sz="1600" dirty="0" err="1">
-                <a:solidFill>
-                  <a:schemeClr val="tx1"/>
-                </a:solidFill>
-                <a:latin typeface="Menlo" panose="020B0609030804020204" pitchFamily="49" charset="0"/>
-              </a:rPr>
-              <a:t>filtsema</a:t>
-            </a:r>
-            <a:r>
-              <a:rPr lang="de-DE" sz="1600" dirty="0">
-                <a:solidFill>
-                  <a:srgbClr val="D4D4D4"/>
-                </a:solidFill>
-                <a:latin typeface="Menlo" panose="020B0609030804020204" pitchFamily="49" charset="0"/>
-              </a:rPr>
-              <a:t> = </a:t>
-            </a:r>
-            <a:r>
-              <a:rPr lang="de-DE" sz="1600" dirty="0" err="1">
-                <a:solidFill>
-                  <a:srgbClr val="DCDCAA"/>
-                </a:solidFill>
-                <a:latin typeface="Menlo" panose="020B0609030804020204" pitchFamily="49" charset="0"/>
-              </a:rPr>
-              <a:t>xSemaphoreCreateMutex</a:t>
-            </a:r>
-            <a:r>
-              <a:rPr lang="de-DE" sz="1600" dirty="0">
-                <a:solidFill>
-                  <a:srgbClr val="D4D4D4"/>
-                </a:solidFill>
-                <a:latin typeface="Menlo" panose="020B0609030804020204" pitchFamily="49" charset="0"/>
-              </a:rPr>
-              <a:t>();</a:t>
-            </a:r>
-          </a:p>
-          <a:p>
-            <a:pPr marL="0" indent="0">
-              <a:buNone/>
-            </a:pPr>
-            <a:r>
-              <a:rPr lang="de-DE" sz="1600" dirty="0">
-                <a:solidFill>
-                  <a:srgbClr val="D4D4D4"/>
-                </a:solidFill>
-                <a:latin typeface="Menlo" panose="020B0609030804020204" pitchFamily="49" charset="0"/>
-              </a:rPr>
-              <a:t>  </a:t>
-            </a:r>
-            <a:r>
-              <a:rPr lang="de-DE" sz="1600" dirty="0" err="1">
-                <a:solidFill>
-                  <a:schemeClr val="tx1"/>
-                </a:solidFill>
-                <a:latin typeface="Menlo" panose="020B0609030804020204" pitchFamily="49" charset="0"/>
-              </a:rPr>
-              <a:t>setsema</a:t>
-            </a:r>
-            <a:r>
-              <a:rPr lang="de-DE" sz="1600" dirty="0">
-                <a:solidFill>
-                  <a:srgbClr val="D4D4D4"/>
-                </a:solidFill>
-                <a:latin typeface="Menlo" panose="020B0609030804020204" pitchFamily="49" charset="0"/>
-              </a:rPr>
-              <a:t> = </a:t>
-            </a:r>
-            <a:r>
-              <a:rPr lang="de-DE" sz="1600" dirty="0" err="1">
-                <a:solidFill>
-                  <a:srgbClr val="DCDCAA"/>
-                </a:solidFill>
-                <a:latin typeface="Menlo" panose="020B0609030804020204" pitchFamily="49" charset="0"/>
-              </a:rPr>
-              <a:t>xSemaphoreCreateMutex</a:t>
-            </a:r>
-            <a:r>
-              <a:rPr lang="de-DE" sz="1600" dirty="0">
-                <a:solidFill>
-                  <a:srgbClr val="D4D4D4"/>
-                </a:solidFill>
-                <a:latin typeface="Menlo" panose="020B0609030804020204" pitchFamily="49" charset="0"/>
-              </a:rPr>
-              <a:t>();</a:t>
-            </a:r>
-          </a:p>
-          <a:p>
-            <a:pPr marL="0" indent="0">
-              <a:buNone/>
-            </a:pPr>
-            <a:br>
-              <a:rPr lang="de-DE" sz="1600" dirty="0">
-                <a:solidFill>
-                  <a:srgbClr val="D4D4D4"/>
-                </a:solidFill>
-                <a:latin typeface="Menlo" panose="020B0609030804020204" pitchFamily="49" charset="0"/>
-              </a:rPr>
-            </a:br>
-            <a:endParaRPr lang="de-DE" sz="1600" dirty="0"/>
-          </a:p>
-        </p:txBody>
-      </p:sp>
-      <p:sp>
-        <p:nvSpPr>
-          <p:cNvPr id="4" name="Inhaltsplatzhalter 2">
-            <a:extLst>
-              <a:ext uri="{FF2B5EF4-FFF2-40B4-BE49-F238E27FC236}">
-                <a16:creationId xmlns:a16="http://schemas.microsoft.com/office/drawing/2014/main" id="{622E6183-A73A-4F43-8B05-DF2E45162898}"/>
-              </a:ext>
-            </a:extLst>
-          </p:cNvPr>
-          <p:cNvSpPr txBox="1">
-            <a:spLocks/>
-          </p:cNvSpPr>
-          <p:nvPr/>
-        </p:nvSpPr>
-        <p:spPr>
-          <a:xfrm>
-            <a:off x="6096000" y="3144478"/>
-            <a:ext cx="7729728" cy="4072245"/>
-          </a:xfrm>
-          <a:prstGeom prst="rect">
-            <a:avLst/>
-          </a:prstGeom>
-        </p:spPr>
-        <p:txBody>
-          <a:bodyPr vert="horz" lIns="91440" tIns="45720" rIns="91440" bIns="45720" rtlCol="0">
-            <a:normAutofit/>
-          </a:bodyPr>
-          <a:lstStyle>
-            <a:lvl1pPr marL="228600" indent="-228600" algn="l" defTabSz="914400" rtl="0" eaLnBrk="1" latinLnBrk="0" hangingPunct="1">
-              <a:lnSpc>
-                <a:spcPct val="100000"/>
-              </a:lnSpc>
-              <a:spcBef>
-                <a:spcPts val="1000"/>
-              </a:spcBef>
-              <a:buClr>
-                <a:schemeClr val="accent2"/>
-              </a:buClr>
-              <a:buFont typeface="Arial" panose="020B0604020202020204" pitchFamily="34" charset="0"/>
-              <a:buChar char="•"/>
-              <a:defRPr sz="1800" kern="1200">
-                <a:solidFill>
-                  <a:schemeClr val="tx1">
-                    <a:lumMod val="85000"/>
-                    <a:lumOff val="15000"/>
-                  </a:schemeClr>
-                </a:solidFill>
-                <a:latin typeface="+mn-lt"/>
-                <a:ea typeface="+mn-ea"/>
-                <a:cs typeface="+mn-cs"/>
-              </a:defRPr>
-            </a:lvl1pPr>
-            <a:lvl2pPr marL="457200" indent="-228600" algn="l" defTabSz="914400" rtl="0" eaLnBrk="1" latinLnBrk="0" hangingPunct="1">
-              <a:lnSpc>
-                <a:spcPct val="100000"/>
-              </a:lnSpc>
-              <a:spcBef>
-                <a:spcPts val="1000"/>
-              </a:spcBef>
-              <a:buClr>
-                <a:schemeClr val="accent2"/>
-              </a:buClr>
-              <a:buFont typeface="Arial" panose="020B0604020202020204" pitchFamily="34" charset="0"/>
-              <a:buChar char="•"/>
-              <a:defRPr sz="1600" kern="1200">
-                <a:solidFill>
-                  <a:schemeClr val="tx1">
-                    <a:lumMod val="85000"/>
-                    <a:lumOff val="15000"/>
-                  </a:schemeClr>
-                </a:solidFill>
-                <a:latin typeface="+mn-lt"/>
-                <a:ea typeface="+mn-ea"/>
-                <a:cs typeface="+mn-cs"/>
-              </a:defRPr>
-            </a:lvl2pPr>
-            <a:lvl3pPr marL="685800" indent="-228600" algn="l" defTabSz="914400" rtl="0" eaLnBrk="1" latinLnBrk="0" hangingPunct="1">
-              <a:lnSpc>
-                <a:spcPct val="100000"/>
-              </a:lnSpc>
-              <a:spcBef>
-                <a:spcPts val="1000"/>
-              </a:spcBef>
-              <a:buClr>
-                <a:schemeClr val="accent2"/>
-              </a:buClr>
-              <a:buFont typeface="Arial" panose="020B0604020202020204" pitchFamily="34" charset="0"/>
-              <a:buChar char="•"/>
-              <a:defRPr sz="1600" kern="1200">
-                <a:solidFill>
-                  <a:schemeClr val="tx1">
-                    <a:lumMod val="85000"/>
-                    <a:lumOff val="15000"/>
-                  </a:schemeClr>
-                </a:solidFill>
-                <a:latin typeface="+mn-lt"/>
-                <a:ea typeface="+mn-ea"/>
-                <a:cs typeface="+mn-cs"/>
-              </a:defRPr>
-            </a:lvl3pPr>
-            <a:lvl4pPr marL="914400" indent="-228600" algn="l" defTabSz="914400" rtl="0" eaLnBrk="1" latinLnBrk="0" hangingPunct="1">
-              <a:lnSpc>
-                <a:spcPct val="100000"/>
-              </a:lnSpc>
-              <a:spcBef>
-                <a:spcPts val="1000"/>
-              </a:spcBef>
-              <a:buClr>
-                <a:schemeClr val="accent2"/>
-              </a:buClr>
-              <a:buFont typeface="Arial" panose="020B0604020202020204" pitchFamily="34" charset="0"/>
-              <a:buChar char="•"/>
-              <a:defRPr sz="1600" kern="1200">
-                <a:solidFill>
-                  <a:schemeClr val="tx1">
-                    <a:lumMod val="85000"/>
-                    <a:lumOff val="15000"/>
-                  </a:schemeClr>
-                </a:solidFill>
-                <a:latin typeface="+mn-lt"/>
-                <a:ea typeface="+mn-ea"/>
-                <a:cs typeface="+mn-cs"/>
-              </a:defRPr>
-            </a:lvl4pPr>
-            <a:lvl5pPr marL="1143000" indent="-228600" algn="l" defTabSz="914400" rtl="0" eaLnBrk="1" latinLnBrk="0" hangingPunct="1">
-              <a:lnSpc>
-                <a:spcPct val="100000"/>
-              </a:lnSpc>
-              <a:spcBef>
-                <a:spcPts val="1000"/>
-              </a:spcBef>
-              <a:buClr>
-                <a:schemeClr val="accent2"/>
-              </a:buClr>
-              <a:buFont typeface="Arial" panose="020B0604020202020204" pitchFamily="34" charset="0"/>
-              <a:buChar char="•"/>
-              <a:defRPr sz="1600" kern="1200">
-                <a:solidFill>
-                  <a:schemeClr val="tx1">
-                    <a:lumMod val="85000"/>
-                    <a:lumOff val="15000"/>
-                  </a:schemeClr>
-                </a:solidFill>
-                <a:latin typeface="+mn-lt"/>
-                <a:ea typeface="+mn-ea"/>
-                <a:cs typeface="+mn-cs"/>
-              </a:defRPr>
-            </a:lvl5pPr>
-            <a:lvl6pPr marL="1312863" indent="-228600" algn="l" defTabSz="914400" rtl="0" eaLnBrk="1" latinLnBrk="0" hangingPunct="1">
-              <a:lnSpc>
-                <a:spcPct val="100000"/>
-              </a:lnSpc>
-              <a:spcBef>
-                <a:spcPts val="1000"/>
-              </a:spcBef>
-              <a:buClr>
-                <a:schemeClr val="accent2"/>
-              </a:buClr>
-              <a:buFont typeface="Arial" panose="020B0604020202020204" pitchFamily="34" charset="0"/>
-              <a:buChar char="•"/>
-              <a:defRPr sz="1600" kern="1200">
-                <a:solidFill>
-                  <a:schemeClr val="tx1"/>
-                </a:solidFill>
-                <a:latin typeface="+mn-lt"/>
-                <a:ea typeface="+mn-ea"/>
-                <a:cs typeface="+mn-cs"/>
-              </a:defRPr>
-            </a:lvl6pPr>
-            <a:lvl7pPr marL="1484313" indent="-228600" algn="l" defTabSz="914400" rtl="0" eaLnBrk="1" latinLnBrk="0" hangingPunct="1">
-              <a:lnSpc>
-                <a:spcPct val="100000"/>
-              </a:lnSpc>
-              <a:spcBef>
-                <a:spcPts val="1000"/>
-              </a:spcBef>
-              <a:buClr>
-                <a:schemeClr val="accent2"/>
-              </a:buClr>
-              <a:buFont typeface="Arial" panose="020B0604020202020204" pitchFamily="34" charset="0"/>
-              <a:buChar char="•"/>
-              <a:defRPr sz="1600" kern="1200">
-                <a:solidFill>
-                  <a:schemeClr val="tx1"/>
-                </a:solidFill>
-                <a:latin typeface="+mn-lt"/>
-                <a:ea typeface="+mn-ea"/>
-                <a:cs typeface="+mn-cs"/>
-              </a:defRPr>
-            </a:lvl7pPr>
-            <a:lvl8pPr marL="1657350" indent="-228600" algn="l" defTabSz="914400" rtl="0" eaLnBrk="1" latinLnBrk="0" hangingPunct="1">
-              <a:lnSpc>
-                <a:spcPct val="100000"/>
-              </a:lnSpc>
-              <a:spcBef>
-                <a:spcPts val="1000"/>
-              </a:spcBef>
-              <a:buClr>
-                <a:schemeClr val="accent2"/>
-              </a:buClr>
-              <a:buFont typeface="Arial" panose="020B0604020202020204" pitchFamily="34" charset="0"/>
-              <a:buChar char="•"/>
-              <a:defRPr sz="1600" kern="1200" baseline="0">
-                <a:solidFill>
-                  <a:schemeClr val="tx1"/>
-                </a:solidFill>
-                <a:latin typeface="+mn-lt"/>
-                <a:ea typeface="+mn-ea"/>
-                <a:cs typeface="+mn-cs"/>
-              </a:defRPr>
-            </a:lvl8pPr>
-            <a:lvl9pPr marL="1882775" indent="-228600" algn="l" defTabSz="914400" rtl="0" eaLnBrk="1" latinLnBrk="0" hangingPunct="1">
-              <a:lnSpc>
-                <a:spcPct val="100000"/>
-              </a:lnSpc>
-              <a:spcBef>
-                <a:spcPts val="1000"/>
-              </a:spcBef>
-              <a:buClr>
-                <a:schemeClr val="accent2"/>
-              </a:buClr>
-              <a:buFont typeface="Arial" panose="020B0604020202020204" pitchFamily="34" charset="0"/>
-              <a:buChar char="•"/>
-              <a:defRPr sz="1600" kern="1200" baseline="0">
-                <a:solidFill>
-                  <a:schemeClr val="tx1"/>
-                </a:solidFill>
-                <a:latin typeface="+mn-lt"/>
-                <a:ea typeface="+mn-ea"/>
-                <a:cs typeface="+mn-cs"/>
-              </a:defRPr>
-            </a:lvl9pPr>
-          </a:lstStyle>
-          <a:p>
-            <a:pPr marL="0" indent="0">
-              <a:buFont typeface="Arial" panose="020B0604020202020204" pitchFamily="34" charset="0"/>
-              <a:buNone/>
-            </a:pPr>
-            <a:r>
-              <a:rPr lang="de-DE" sz="1600" dirty="0" err="1">
-                <a:solidFill>
-                  <a:srgbClr val="DCDCAA"/>
-                </a:solidFill>
-                <a:latin typeface="Menlo" panose="020B0609030804020204" pitchFamily="49" charset="0"/>
-              </a:rPr>
-              <a:t>xTaskCreate</a:t>
-            </a:r>
-            <a:r>
-              <a:rPr lang="de-DE" sz="1600" dirty="0">
-                <a:solidFill>
-                  <a:srgbClr val="D4D4D4"/>
-                </a:solidFill>
-                <a:latin typeface="Menlo" panose="020B0609030804020204" pitchFamily="49" charset="0"/>
-              </a:rPr>
-              <a:t>(</a:t>
-            </a:r>
-            <a:r>
-              <a:rPr lang="de-DE" sz="1600" dirty="0" err="1">
-                <a:solidFill>
-                  <a:schemeClr val="tx1"/>
-                </a:solidFill>
-                <a:latin typeface="Menlo" panose="020B0609030804020204" pitchFamily="49" charset="0"/>
-              </a:rPr>
-              <a:t>comp_filter</a:t>
-            </a:r>
-            <a:r>
-              <a:rPr lang="de-DE" sz="1600" dirty="0">
-                <a:solidFill>
-                  <a:srgbClr val="D4D4D4"/>
-                </a:solidFill>
-                <a:latin typeface="Menlo" panose="020B0609030804020204" pitchFamily="49" charset="0"/>
-              </a:rPr>
-              <a:t>, </a:t>
-            </a:r>
-            <a:r>
-              <a:rPr lang="de-DE" sz="1600" dirty="0">
-                <a:solidFill>
-                  <a:srgbClr val="CE9178"/>
-                </a:solidFill>
-                <a:latin typeface="Menlo" panose="020B0609030804020204" pitchFamily="49" charset="0"/>
-              </a:rPr>
-              <a:t>"FILTER"</a:t>
-            </a:r>
-            <a:r>
-              <a:rPr lang="de-DE" sz="1600" dirty="0">
-                <a:solidFill>
-                  <a:srgbClr val="D4D4D4"/>
-                </a:solidFill>
-                <a:latin typeface="Menlo" panose="020B0609030804020204" pitchFamily="49" charset="0"/>
-              </a:rPr>
-              <a:t>,</a:t>
-            </a:r>
-          </a:p>
-          <a:p>
-            <a:pPr marL="0" indent="0">
-              <a:buFont typeface="Arial" panose="020B0604020202020204" pitchFamily="34" charset="0"/>
-              <a:buNone/>
-            </a:pPr>
-            <a:r>
-              <a:rPr lang="de-DE" sz="1600" dirty="0">
-                <a:solidFill>
-                  <a:srgbClr val="D4D4D4"/>
-                </a:solidFill>
-                <a:latin typeface="Menlo" panose="020B0609030804020204" pitchFamily="49" charset="0"/>
-              </a:rPr>
-              <a:t>(</a:t>
-            </a:r>
-            <a:r>
-              <a:rPr lang="de-DE" sz="1600" dirty="0">
-                <a:solidFill>
-                  <a:srgbClr val="B5CEA8"/>
-                </a:solidFill>
-                <a:latin typeface="Menlo" panose="020B0609030804020204" pitchFamily="49" charset="0"/>
-              </a:rPr>
-              <a:t>3</a:t>
-            </a:r>
-            <a:r>
-              <a:rPr lang="de-DE" sz="1600" dirty="0">
-                <a:solidFill>
-                  <a:srgbClr val="D4D4D4"/>
-                </a:solidFill>
-                <a:latin typeface="Menlo" panose="020B0609030804020204" pitchFamily="49" charset="0"/>
-              </a:rPr>
-              <a:t> * </a:t>
-            </a:r>
-            <a:r>
-              <a:rPr lang="de-DE" sz="1600" dirty="0" err="1">
-                <a:solidFill>
-                  <a:schemeClr val="tx1"/>
-                </a:solidFill>
-                <a:latin typeface="Menlo" panose="020B0609030804020204" pitchFamily="49" charset="0"/>
-              </a:rPr>
-              <a:t>configMINIMAL_STACK_SIZE</a:t>
-            </a:r>
-            <a:r>
-              <a:rPr lang="de-DE" sz="1600" dirty="0">
-                <a:solidFill>
-                  <a:srgbClr val="D4D4D4"/>
-                </a:solidFill>
-                <a:latin typeface="Menlo" panose="020B0609030804020204" pitchFamily="49" charset="0"/>
-              </a:rPr>
-              <a:t>), </a:t>
-            </a:r>
-            <a:r>
-              <a:rPr lang="de-DE" sz="1600" dirty="0">
-                <a:solidFill>
-                  <a:srgbClr val="569CD6"/>
-                </a:solidFill>
-                <a:latin typeface="Menlo" panose="020B0609030804020204" pitchFamily="49" charset="0"/>
-              </a:rPr>
-              <a:t>NULL</a:t>
-            </a:r>
-            <a:r>
-              <a:rPr lang="de-DE" sz="1600" dirty="0">
-                <a:solidFill>
-                  <a:srgbClr val="D4D4D4"/>
-                </a:solidFill>
-                <a:latin typeface="Menlo" panose="020B0609030804020204" pitchFamily="49" charset="0"/>
-              </a:rPr>
-              <a:t>, </a:t>
-            </a:r>
-            <a:r>
-              <a:rPr lang="de-DE" sz="1600" dirty="0">
-                <a:solidFill>
-                  <a:srgbClr val="B5CEA8"/>
-                </a:solidFill>
-                <a:latin typeface="Menlo" panose="020B0609030804020204" pitchFamily="49" charset="0"/>
-              </a:rPr>
-              <a:t>3</a:t>
-            </a:r>
-            <a:r>
-              <a:rPr lang="de-DE" sz="1600" dirty="0">
-                <a:solidFill>
-                  <a:srgbClr val="D4D4D4"/>
-                </a:solidFill>
-                <a:latin typeface="Menlo" panose="020B0609030804020204" pitchFamily="49" charset="0"/>
-              </a:rPr>
-              <a:t>, </a:t>
-            </a:r>
-            <a:r>
-              <a:rPr lang="de-DE" sz="1600" dirty="0">
-                <a:solidFill>
-                  <a:srgbClr val="569CD6"/>
-                </a:solidFill>
-                <a:latin typeface="Menlo" panose="020B0609030804020204" pitchFamily="49" charset="0"/>
-              </a:rPr>
-              <a:t>NULL</a:t>
-            </a:r>
-            <a:r>
-              <a:rPr lang="de-DE" sz="1600" dirty="0">
-                <a:solidFill>
-                  <a:srgbClr val="D4D4D4"/>
-                </a:solidFill>
-                <a:latin typeface="Menlo" panose="020B0609030804020204" pitchFamily="49" charset="0"/>
-              </a:rPr>
-              <a:t>);</a:t>
-            </a:r>
-          </a:p>
-          <a:p>
-            <a:pPr marL="0" indent="0">
-              <a:buFont typeface="Arial" panose="020B0604020202020204" pitchFamily="34" charset="0"/>
-              <a:buNone/>
-            </a:pPr>
-            <a:r>
-              <a:rPr lang="de-DE" sz="1600" dirty="0" err="1">
-                <a:solidFill>
-                  <a:srgbClr val="DCDCAA"/>
-                </a:solidFill>
-                <a:latin typeface="Menlo" panose="020B0609030804020204" pitchFamily="49" charset="0"/>
-              </a:rPr>
-              <a:t>xTaskCreate</a:t>
-            </a:r>
-            <a:r>
-              <a:rPr lang="de-DE" sz="1600" dirty="0">
-                <a:solidFill>
-                  <a:srgbClr val="D4D4D4"/>
-                </a:solidFill>
-                <a:latin typeface="Menlo" panose="020B0609030804020204" pitchFamily="49" charset="0"/>
-              </a:rPr>
-              <a:t>(</a:t>
-            </a:r>
-            <a:r>
-              <a:rPr lang="de-DE" sz="1600" dirty="0" err="1">
-                <a:solidFill>
-                  <a:schemeClr val="tx1"/>
-                </a:solidFill>
-                <a:latin typeface="Menlo" panose="020B0609030804020204" pitchFamily="49" charset="0"/>
-              </a:rPr>
-              <a:t>setPointtrack</a:t>
-            </a:r>
-            <a:r>
-              <a:rPr lang="de-DE" sz="1600" dirty="0">
-                <a:solidFill>
-                  <a:srgbClr val="D4D4D4"/>
-                </a:solidFill>
-                <a:latin typeface="Menlo" panose="020B0609030804020204" pitchFamily="49" charset="0"/>
-              </a:rPr>
-              <a:t>, </a:t>
-            </a:r>
-            <a:r>
-              <a:rPr lang="de-DE" sz="1600" dirty="0">
-                <a:solidFill>
-                  <a:srgbClr val="CE9178"/>
-                </a:solidFill>
-                <a:latin typeface="Menlo" panose="020B0609030804020204" pitchFamily="49" charset="0"/>
-              </a:rPr>
-              <a:t>"SETPOINT"</a:t>
-            </a:r>
-            <a:r>
-              <a:rPr lang="de-DE" sz="1600" dirty="0">
-                <a:solidFill>
-                  <a:srgbClr val="D4D4D4"/>
-                </a:solidFill>
-                <a:latin typeface="Menlo" panose="020B0609030804020204" pitchFamily="49" charset="0"/>
-              </a:rPr>
-              <a:t>,</a:t>
-            </a:r>
-          </a:p>
-          <a:p>
-            <a:pPr marL="0" indent="0">
-              <a:buFont typeface="Arial" panose="020B0604020202020204" pitchFamily="34" charset="0"/>
-              <a:buNone/>
-            </a:pPr>
-            <a:r>
-              <a:rPr lang="de-DE" sz="1600" dirty="0">
-                <a:solidFill>
-                  <a:srgbClr val="D4D4D4"/>
-                </a:solidFill>
-                <a:latin typeface="Menlo" panose="020B0609030804020204" pitchFamily="49" charset="0"/>
-              </a:rPr>
-              <a:t>(</a:t>
-            </a:r>
-            <a:r>
-              <a:rPr lang="de-DE" sz="1600" dirty="0">
-                <a:solidFill>
-                  <a:srgbClr val="B5CEA8"/>
-                </a:solidFill>
-                <a:latin typeface="Menlo" panose="020B0609030804020204" pitchFamily="49" charset="0"/>
-              </a:rPr>
-              <a:t>3</a:t>
-            </a:r>
-            <a:r>
-              <a:rPr lang="de-DE" sz="1600" dirty="0">
-                <a:solidFill>
-                  <a:srgbClr val="D4D4D4"/>
-                </a:solidFill>
-                <a:latin typeface="Menlo" panose="020B0609030804020204" pitchFamily="49" charset="0"/>
-              </a:rPr>
-              <a:t> * </a:t>
-            </a:r>
-            <a:r>
-              <a:rPr lang="de-DE" sz="1600" dirty="0" err="1">
-                <a:solidFill>
-                  <a:schemeClr val="tx1"/>
-                </a:solidFill>
-                <a:latin typeface="Menlo" panose="020B0609030804020204" pitchFamily="49" charset="0"/>
-              </a:rPr>
-              <a:t>configMINIMAL_STACK_SIZE</a:t>
-            </a:r>
-            <a:r>
-              <a:rPr lang="de-DE" sz="1600" dirty="0">
-                <a:solidFill>
-                  <a:srgbClr val="D4D4D4"/>
-                </a:solidFill>
-                <a:latin typeface="Menlo" panose="020B0609030804020204" pitchFamily="49" charset="0"/>
-              </a:rPr>
-              <a:t>), </a:t>
-            </a:r>
-            <a:r>
-              <a:rPr lang="de-DE" sz="1600" dirty="0">
-                <a:solidFill>
-                  <a:srgbClr val="569CD6"/>
-                </a:solidFill>
-                <a:latin typeface="Menlo" panose="020B0609030804020204" pitchFamily="49" charset="0"/>
-              </a:rPr>
-              <a:t>NULL</a:t>
-            </a:r>
-            <a:r>
-              <a:rPr lang="de-DE" sz="1600" dirty="0">
-                <a:solidFill>
-                  <a:srgbClr val="D4D4D4"/>
-                </a:solidFill>
-                <a:latin typeface="Menlo" panose="020B0609030804020204" pitchFamily="49" charset="0"/>
-              </a:rPr>
-              <a:t>, </a:t>
-            </a:r>
-            <a:r>
-              <a:rPr lang="de-DE" sz="1600" dirty="0">
-                <a:solidFill>
-                  <a:srgbClr val="B5CEA8"/>
-                </a:solidFill>
-                <a:latin typeface="Menlo" panose="020B0609030804020204" pitchFamily="49" charset="0"/>
-              </a:rPr>
-              <a:t>1</a:t>
-            </a:r>
-            <a:r>
-              <a:rPr lang="de-DE" sz="1600" dirty="0">
-                <a:solidFill>
-                  <a:srgbClr val="D4D4D4"/>
-                </a:solidFill>
-                <a:latin typeface="Menlo" panose="020B0609030804020204" pitchFamily="49" charset="0"/>
-              </a:rPr>
-              <a:t>, </a:t>
-            </a:r>
-            <a:r>
-              <a:rPr lang="de-DE" sz="1600" dirty="0">
-                <a:solidFill>
-                  <a:srgbClr val="569CD6"/>
-                </a:solidFill>
-                <a:latin typeface="Menlo" panose="020B0609030804020204" pitchFamily="49" charset="0"/>
-              </a:rPr>
-              <a:t>NULL</a:t>
-            </a:r>
-            <a:r>
-              <a:rPr lang="de-DE" sz="1600" dirty="0">
-                <a:solidFill>
-                  <a:srgbClr val="D4D4D4"/>
-                </a:solidFill>
-                <a:latin typeface="Menlo" panose="020B0609030804020204" pitchFamily="49" charset="0"/>
-              </a:rPr>
-              <a:t>);</a:t>
-            </a:r>
-          </a:p>
-          <a:p>
-            <a:pPr marL="0" indent="0">
-              <a:buFont typeface="Arial" panose="020B0604020202020204" pitchFamily="34" charset="0"/>
-              <a:buNone/>
-            </a:pPr>
-            <a:r>
-              <a:rPr lang="de-DE" sz="1600" dirty="0" err="1">
-                <a:solidFill>
-                  <a:srgbClr val="DCDCAA"/>
-                </a:solidFill>
-                <a:latin typeface="Menlo" panose="020B0609030804020204" pitchFamily="49" charset="0"/>
-              </a:rPr>
-              <a:t>xTaskCreate</a:t>
-            </a:r>
-            <a:r>
-              <a:rPr lang="de-DE" sz="1600" dirty="0">
-                <a:solidFill>
-                  <a:srgbClr val="D4D4D4"/>
-                </a:solidFill>
-                <a:latin typeface="Menlo" panose="020B0609030804020204" pitchFamily="49" charset="0"/>
-              </a:rPr>
-              <a:t>(</a:t>
-            </a:r>
-            <a:r>
-              <a:rPr lang="de-DE" sz="1600" dirty="0" err="1">
-                <a:solidFill>
-                  <a:schemeClr val="tx1"/>
-                </a:solidFill>
-                <a:latin typeface="Menlo" panose="020B0609030804020204" pitchFamily="49" charset="0"/>
-              </a:rPr>
-              <a:t>controller</a:t>
-            </a:r>
-            <a:r>
-              <a:rPr lang="de-DE" sz="1600" dirty="0">
-                <a:solidFill>
-                  <a:srgbClr val="D4D4D4"/>
-                </a:solidFill>
-                <a:latin typeface="Menlo" panose="020B0609030804020204" pitchFamily="49" charset="0"/>
-              </a:rPr>
-              <a:t>, </a:t>
-            </a:r>
-            <a:r>
-              <a:rPr lang="de-DE" sz="1600" dirty="0">
-                <a:solidFill>
-                  <a:srgbClr val="CE9178"/>
-                </a:solidFill>
-                <a:latin typeface="Menlo" panose="020B0609030804020204" pitchFamily="49" charset="0"/>
-              </a:rPr>
-              <a:t>"CONTROL"</a:t>
-            </a:r>
-            <a:r>
-              <a:rPr lang="de-DE" sz="1600" dirty="0">
-                <a:solidFill>
-                  <a:srgbClr val="D4D4D4"/>
-                </a:solidFill>
-                <a:latin typeface="Menlo" panose="020B0609030804020204" pitchFamily="49" charset="0"/>
-              </a:rPr>
-              <a:t>,</a:t>
-            </a:r>
-          </a:p>
-          <a:p>
-            <a:pPr marL="0" indent="0">
-              <a:buFont typeface="Arial" panose="020B0604020202020204" pitchFamily="34" charset="0"/>
-              <a:buNone/>
-            </a:pPr>
-            <a:r>
-              <a:rPr lang="de-DE" sz="1600" dirty="0">
-                <a:solidFill>
-                  <a:srgbClr val="D4D4D4"/>
-                </a:solidFill>
-                <a:latin typeface="Menlo" panose="020B0609030804020204" pitchFamily="49" charset="0"/>
-              </a:rPr>
-              <a:t>(</a:t>
-            </a:r>
-            <a:r>
-              <a:rPr lang="de-DE" sz="1600" dirty="0">
-                <a:solidFill>
-                  <a:srgbClr val="B5CEA8"/>
-                </a:solidFill>
-                <a:latin typeface="Menlo" panose="020B0609030804020204" pitchFamily="49" charset="0"/>
-              </a:rPr>
-              <a:t>3</a:t>
-            </a:r>
-            <a:r>
-              <a:rPr lang="de-DE" sz="1600" dirty="0">
-                <a:solidFill>
-                  <a:srgbClr val="D4D4D4"/>
-                </a:solidFill>
-                <a:latin typeface="Menlo" panose="020B0609030804020204" pitchFamily="49" charset="0"/>
-              </a:rPr>
-              <a:t> * </a:t>
-            </a:r>
-            <a:r>
-              <a:rPr lang="de-DE" sz="1600" dirty="0" err="1">
-                <a:solidFill>
-                  <a:schemeClr val="tx1"/>
-                </a:solidFill>
-                <a:latin typeface="Menlo" panose="020B0609030804020204" pitchFamily="49" charset="0"/>
-              </a:rPr>
-              <a:t>configMINIMAL_STACK_SIZE</a:t>
-            </a:r>
-            <a:r>
-              <a:rPr lang="de-DE" sz="1600" dirty="0">
-                <a:solidFill>
-                  <a:srgbClr val="D4D4D4"/>
-                </a:solidFill>
-                <a:latin typeface="Menlo" panose="020B0609030804020204" pitchFamily="49" charset="0"/>
-              </a:rPr>
-              <a:t>), </a:t>
-            </a:r>
-            <a:r>
-              <a:rPr lang="de-DE" sz="1600" dirty="0">
-                <a:solidFill>
-                  <a:srgbClr val="569CD6"/>
-                </a:solidFill>
-                <a:latin typeface="Menlo" panose="020B0609030804020204" pitchFamily="49" charset="0"/>
-              </a:rPr>
-              <a:t>NULL</a:t>
-            </a:r>
-            <a:r>
-              <a:rPr lang="de-DE" sz="1600" dirty="0">
-                <a:solidFill>
-                  <a:srgbClr val="D4D4D4"/>
-                </a:solidFill>
-                <a:latin typeface="Menlo" panose="020B0609030804020204" pitchFamily="49" charset="0"/>
-              </a:rPr>
-              <a:t>, </a:t>
-            </a:r>
-            <a:r>
-              <a:rPr lang="de-DE" sz="1600" dirty="0">
-                <a:solidFill>
-                  <a:srgbClr val="B5CEA8"/>
-                </a:solidFill>
-                <a:latin typeface="Menlo" panose="020B0609030804020204" pitchFamily="49" charset="0"/>
-              </a:rPr>
-              <a:t>2</a:t>
-            </a:r>
-            <a:r>
-              <a:rPr lang="de-DE" sz="1600" dirty="0">
-                <a:solidFill>
-                  <a:srgbClr val="D4D4D4"/>
-                </a:solidFill>
-                <a:latin typeface="Menlo" panose="020B0609030804020204" pitchFamily="49" charset="0"/>
-              </a:rPr>
-              <a:t>, </a:t>
-            </a:r>
-            <a:r>
-              <a:rPr lang="de-DE" sz="1600" dirty="0">
-                <a:solidFill>
-                  <a:srgbClr val="569CD6"/>
-                </a:solidFill>
-                <a:latin typeface="Menlo" panose="020B0609030804020204" pitchFamily="49" charset="0"/>
-              </a:rPr>
-              <a:t>NULL</a:t>
-            </a:r>
-            <a:r>
-              <a:rPr lang="de-DE" sz="1600" dirty="0">
-                <a:solidFill>
-                  <a:srgbClr val="D4D4D4"/>
-                </a:solidFill>
-                <a:latin typeface="Menlo" panose="020B0609030804020204" pitchFamily="49" charset="0"/>
-              </a:rPr>
-              <a:t>);</a:t>
-            </a:r>
-          </a:p>
-          <a:p>
-            <a:pPr marL="0" indent="0">
-              <a:buFont typeface="Arial" panose="020B0604020202020204" pitchFamily="34" charset="0"/>
-              <a:buNone/>
-            </a:pPr>
-            <a:r>
-              <a:rPr lang="de-DE" sz="1600" dirty="0">
-                <a:solidFill>
-                  <a:srgbClr val="D4D4D4"/>
-                </a:solidFill>
-                <a:latin typeface="Menlo" panose="020B0609030804020204" pitchFamily="49" charset="0"/>
-              </a:rPr>
-              <a:t>}</a:t>
-            </a:r>
-          </a:p>
-          <a:p>
-            <a:pPr marL="0" indent="0">
-              <a:buFont typeface="Arial" panose="020B0604020202020204" pitchFamily="34" charset="0"/>
-              <a:buNone/>
-            </a:pPr>
-            <a:endParaRPr lang="de-DE" sz="1600" dirty="0"/>
+            <a:endParaRPr lang="de-DE" dirty="0"/>
           </a:p>
         </p:txBody>
       </p:sp>
     </p:spTree>
     <p:extLst>
       <p:ext uri="{BB962C8B-B14F-4D97-AF65-F5344CB8AC3E}">
-        <p14:creationId xmlns:p14="http://schemas.microsoft.com/office/powerpoint/2010/main" val="331199780"/>
+        <p14:creationId xmlns:p14="http://schemas.microsoft.com/office/powerpoint/2010/main" val="2246717686"/>
       </p:ext>
     </p:extLst>
   </p:cSld>
@@ -8639,7 +7700,7 @@
             </a:br>
             <a:r>
               <a:rPr lang="de-DE" dirty="0"/>
-              <a:t>- Filter </a:t>
+              <a:t>- Main </a:t>
             </a:r>
             <a:r>
               <a:rPr lang="de-DE" dirty="0" err="1"/>
@@ -8647,25 +7708,17 @@
             </a:r>
             <a:r>
               <a:rPr lang="de-DE" dirty="0"/>
-              <a:t> </a:t>
-            </a:r>
-            <a:r>
-              <a:rPr lang="de-DE" dirty="0" err="1"/>
-              <a:t>semaphores</a:t>
-            </a:r>
-            <a:r>
-              <a:rPr lang="de-DE" dirty="0"/>
-              <a:t> -</a:t>
+              <a:t>-</a:t>
             </a:r>
           </a:p>
         </p:txBody>
       </p:sp>
       <p:sp>
         <p:nvSpPr>
-          <p:cNvPr id="6" name="Inhaltsplatzhalter 5">
+          <p:cNvPr id="3" name="Inhaltsplatzhalter 2">
             <a:extLst>
               <a:ext uri="{FF2B5EF4-FFF2-40B4-BE49-F238E27FC236}">
-                <a16:creationId xmlns:a16="http://schemas.microsoft.com/office/drawing/2014/main" id="{7A4B3519-7053-4F4A-9704-0D8536946FB3}"/>
+                <a16:creationId xmlns:a16="http://schemas.microsoft.com/office/drawing/2014/main" id="{5883414A-B3A6-BE40-8248-C6206154A4F0}"/>
               </a:ext>
             </a:extLst>
           </p:cNvPr>
@@ -8678,13 +7731,13 @@
         </p:nvSpPr>
         <p:spPr>
           <a:xfrm>
-            <a:off x="468923" y="2497368"/>
-            <a:ext cx="11254153" cy="3664282"/>
+            <a:off x="754027" y="2441094"/>
+            <a:ext cx="7729728" cy="4072245"/>
           </a:xfrm>
         </p:spPr>
         <p:txBody>
           <a:bodyPr>
-            <a:normAutofit fontScale="92500" lnSpcReduction="10000"/>
+            <a:normAutofit/>
           </a:bodyPr>
           <a:lstStyle/>
           <a:p>
@@ -8692,16 +7745,34 @@
               <a:buNone/>
             </a:pPr>
             <a:r>
-              <a:rPr lang="de-DE" dirty="0" err="1">
+              <a:rPr lang="de-DE" sz="1600" dirty="0" err="1">
+                <a:solidFill>
+                  <a:srgbClr val="569CD6"/>
+                </a:solidFill>
+                <a:latin typeface="Menlo" panose="020B0609030804020204" pitchFamily="49" charset="0"/>
+              </a:rPr>
+              <a:t>void</a:t>
+            </a:r>
+            <a:r>
+              <a:rPr lang="de-DE" sz="1600" dirty="0">
+                <a:solidFill>
+                  <a:srgbClr val="D4D4D4"/>
+                </a:solidFill>
+                <a:latin typeface="Menlo" panose="020B0609030804020204" pitchFamily="49" charset="0"/>
+              </a:rPr>
+              <a:t> </a:t>
+            </a:r>
+            <a:r>
+              <a:rPr lang="de-DE" sz="1600" dirty="0" err="1">
                 <a:solidFill>
                   <a:srgbClr val="DCDCAA"/>
                 </a:solidFill>
                 <a:latin typeface="Menlo" panose="020B0609030804020204" pitchFamily="49" charset="0"/>
               </a:rPr>
-              <a:t>xSemaphoreTake</a:t>
-            </a:r>
-            <a:r>
-              <a:rPr lang="de-DE" dirty="0">
+              <a:t>yourCodeInit</a:t>
+            </a:r>
+            <a:r>
+              <a:rPr lang="de-DE" sz="1600" dirty="0">
                 <a:solidFill>
                   <a:srgbClr val="D4D4D4"/>
                 </a:solidFill>
@@ -8710,254 +7781,77 @@
               <a:t>(</a:t>
             </a:r>
             <a:r>
-              <a:rPr lang="de-DE" dirty="0" err="1">
-                <a:solidFill>
-                  <a:schemeClr val="tx1"/>
-                </a:solidFill>
-                <a:latin typeface="Menlo" panose="020B0609030804020204" pitchFamily="49" charset="0"/>
-              </a:rPr>
-              <a:t>filtsema,portMAX_DELAY</a:t>
-            </a:r>
-            <a:r>
-              <a:rPr lang="de-DE" dirty="0">
+              <a:rPr lang="de-DE" sz="1600" dirty="0" err="1">
+                <a:solidFill>
+                  <a:srgbClr val="569CD6"/>
+                </a:solidFill>
+                <a:latin typeface="Menlo" panose="020B0609030804020204" pitchFamily="49" charset="0"/>
+              </a:rPr>
+              <a:t>void</a:t>
+            </a:r>
+            <a:r>
+              <a:rPr lang="de-DE" sz="1600" dirty="0">
                 <a:solidFill>
                   <a:srgbClr val="D4D4D4"/>
                 </a:solidFill>
                 <a:latin typeface="Menlo" panose="020B0609030804020204" pitchFamily="49" charset="0"/>
               </a:rPr>
-              <a:t>); </a:t>
+              <a:t>)</a:t>
             </a:r>
           </a:p>
           <a:p>
             <a:pPr marL="0" indent="0">
               <a:buNone/>
             </a:pPr>
-            <a:endParaRPr lang="de-DE" dirty="0">
-              <a:solidFill>
-                <a:srgbClr val="D4D4D4"/>
-              </a:solidFill>
-              <a:latin typeface="Menlo" panose="020B0609030804020204" pitchFamily="49" charset="0"/>
-            </a:endParaRPr>
+            <a:r>
+              <a:rPr lang="de-DE" sz="1600" dirty="0">
+                <a:solidFill>
+                  <a:srgbClr val="D4D4D4"/>
+                </a:solidFill>
+                <a:latin typeface="Menlo" panose="020B0609030804020204" pitchFamily="49" charset="0"/>
+              </a:rPr>
+              <a:t>{</a:t>
+            </a:r>
           </a:p>
           <a:p>
             <a:pPr marL="0" indent="0">
               <a:buNone/>
             </a:pPr>
             <a:r>
-              <a:rPr lang="de-DE" dirty="0" err="1">
-                <a:solidFill>
-                  <a:srgbClr val="9CDCFE"/>
-                </a:solidFill>
-                <a:latin typeface="Menlo" panose="020B0609030804020204" pitchFamily="49" charset="0"/>
-              </a:rPr>
-              <a:t>state</a:t>
-            </a:r>
-            <a:r>
-              <a:rPr lang="de-DE" dirty="0" err="1">
+              <a:rPr lang="de-DE" sz="1600" dirty="0">
+                <a:solidFill>
+                  <a:schemeClr val="tx1"/>
+                </a:solidFill>
+                <a:latin typeface="Menlo" panose="020B0609030804020204" pitchFamily="49" charset="0"/>
+              </a:rPr>
+              <a:t>tick</a:t>
+            </a:r>
+            <a:r>
+              <a:rPr lang="de-DE" sz="1600" dirty="0">
                 <a:solidFill>
                   <a:srgbClr val="D4D4D4"/>
                 </a:solidFill>
                 <a:latin typeface="Menlo" panose="020B0609030804020204" pitchFamily="49" charset="0"/>
               </a:rPr>
-              <a:t>.</a:t>
-            </a:r>
-            <a:r>
-              <a:rPr lang="de-DE" dirty="0" err="1">
-                <a:solidFill>
-                  <a:srgbClr val="9CDCFE"/>
-                </a:solidFill>
-                <a:latin typeface="Menlo" panose="020B0609030804020204" pitchFamily="49" charset="0"/>
-              </a:rPr>
-              <a:t>pitch</a:t>
-            </a:r>
-            <a:r>
-              <a:rPr lang="de-DE" dirty="0">
+              <a:t> = </a:t>
+            </a:r>
+            <a:r>
+              <a:rPr lang="de-DE" sz="1600" dirty="0">
+                <a:solidFill>
+                  <a:srgbClr val="B5CEA8"/>
+                </a:solidFill>
+                <a:latin typeface="Menlo" panose="020B0609030804020204" pitchFamily="49" charset="0"/>
+              </a:rPr>
+              <a:t>1</a:t>
+            </a:r>
+            <a:r>
+              <a:rPr lang="de-DE" sz="1600" dirty="0">
                 <a:solidFill>
                   <a:srgbClr val="D4D4D4"/>
                 </a:solidFill>
                 <a:latin typeface="Menlo" panose="020B0609030804020204" pitchFamily="49" charset="0"/>
               </a:rPr>
-              <a:t>= (</a:t>
-            </a:r>
-            <a:r>
-              <a:rPr lang="de-DE" dirty="0">
-                <a:solidFill>
-                  <a:srgbClr val="B5CEA8"/>
-                </a:solidFill>
-                <a:latin typeface="Menlo" panose="020B0609030804020204" pitchFamily="49" charset="0"/>
-              </a:rPr>
-              <a:t>1</a:t>
-            </a:r>
-            <a:r>
-              <a:rPr lang="de-DE" dirty="0">
-                <a:solidFill>
-                  <a:srgbClr val="D4D4D4"/>
-                </a:solidFill>
-                <a:latin typeface="Menlo" panose="020B0609030804020204" pitchFamily="49" charset="0"/>
-              </a:rPr>
-              <a:t>-</a:t>
-            </a:r>
-            <a:r>
-              <a:rPr lang="de-DE" dirty="0">
-                <a:solidFill>
-                  <a:schemeClr val="tx1"/>
-                </a:solidFill>
-                <a:latin typeface="Menlo" panose="020B0609030804020204" pitchFamily="49" charset="0"/>
-              </a:rPr>
-              <a:t>gamma</a:t>
-            </a:r>
-            <a:r>
-              <a:rPr lang="de-DE" dirty="0">
-                <a:solidFill>
-                  <a:srgbClr val="D4D4D4"/>
-                </a:solidFill>
-                <a:latin typeface="Menlo" panose="020B0609030804020204" pitchFamily="49" charset="0"/>
-              </a:rPr>
-              <a:t>)*</a:t>
-            </a:r>
-            <a:r>
-              <a:rPr lang="de-DE" dirty="0" err="1">
-                <a:solidFill>
-                  <a:schemeClr val="tx1"/>
-                </a:solidFill>
-                <a:latin typeface="Menlo" panose="020B0609030804020204" pitchFamily="49" charset="0"/>
-              </a:rPr>
-              <a:t>thetaacc</a:t>
-            </a:r>
-            <a:r>
-              <a:rPr lang="de-DE" dirty="0">
-                <a:solidFill>
-                  <a:srgbClr val="D4D4D4"/>
-                </a:solidFill>
-                <a:latin typeface="Menlo" panose="020B0609030804020204" pitchFamily="49" charset="0"/>
-              </a:rPr>
-              <a:t> + </a:t>
-            </a:r>
-            <a:r>
-              <a:rPr lang="de-DE" dirty="0" err="1">
-                <a:solidFill>
-                  <a:schemeClr val="tx1"/>
-                </a:solidFill>
-                <a:latin typeface="Menlo" panose="020B0609030804020204" pitchFamily="49" charset="0"/>
-              </a:rPr>
-              <a:t>gamma</a:t>
-            </a:r>
-            <a:r>
-              <a:rPr lang="de-DE" dirty="0">
-                <a:solidFill>
-                  <a:srgbClr val="D4D4D4"/>
-                </a:solidFill>
-                <a:latin typeface="Menlo" panose="020B0609030804020204" pitchFamily="49" charset="0"/>
-              </a:rPr>
-              <a:t>*(</a:t>
-            </a:r>
-            <a:r>
-              <a:rPr lang="de-DE" dirty="0" err="1">
-                <a:solidFill>
-                  <a:srgbClr val="9CDCFE"/>
-                </a:solidFill>
-                <a:latin typeface="Menlo" panose="020B0609030804020204" pitchFamily="49" charset="0"/>
-              </a:rPr>
-              <a:t>state</a:t>
-            </a:r>
-            <a:r>
-              <a:rPr lang="de-DE" dirty="0" err="1">
-                <a:solidFill>
-                  <a:srgbClr val="D4D4D4"/>
-                </a:solidFill>
-                <a:latin typeface="Menlo" panose="020B0609030804020204" pitchFamily="49" charset="0"/>
-              </a:rPr>
-              <a:t>.</a:t>
-            </a:r>
-            <a:r>
-              <a:rPr lang="de-DE" dirty="0" err="1">
-                <a:solidFill>
-                  <a:srgbClr val="9CDCFE"/>
-                </a:solidFill>
-                <a:latin typeface="Menlo" panose="020B0609030804020204" pitchFamily="49" charset="0"/>
-              </a:rPr>
-              <a:t>pitch</a:t>
-            </a:r>
-            <a:r>
-              <a:rPr lang="de-DE" dirty="0">
-                <a:solidFill>
-                  <a:srgbClr val="D4D4D4"/>
-                </a:solidFill>
-                <a:latin typeface="Menlo" panose="020B0609030804020204" pitchFamily="49" charset="0"/>
-              </a:rPr>
-              <a:t> + </a:t>
-            </a:r>
-            <a:r>
-              <a:rPr lang="de-DE" dirty="0">
-                <a:solidFill>
-                  <a:schemeClr val="tx1"/>
-                </a:solidFill>
-                <a:latin typeface="Menlo" panose="020B0609030804020204" pitchFamily="49" charset="0"/>
-              </a:rPr>
-              <a:t>h</a:t>
-            </a:r>
-            <a:r>
-              <a:rPr lang="de-DE" dirty="0">
-                <a:solidFill>
-                  <a:srgbClr val="D4D4D4"/>
-                </a:solidFill>
-                <a:latin typeface="Menlo" panose="020B0609030804020204" pitchFamily="49" charset="0"/>
-              </a:rPr>
-              <a:t>*</a:t>
-            </a:r>
-            <a:r>
-              <a:rPr lang="de-DE" dirty="0" err="1">
-                <a:solidFill>
-                  <a:srgbClr val="9CDCFE"/>
-                </a:solidFill>
-                <a:latin typeface="Menlo" panose="020B0609030804020204" pitchFamily="49" charset="0"/>
-              </a:rPr>
-              <a:t>sensorData</a:t>
-            </a:r>
-            <a:r>
-              <a:rPr lang="de-DE" dirty="0" err="1">
-                <a:solidFill>
-                  <a:srgbClr val="D4D4D4"/>
-                </a:solidFill>
-                <a:latin typeface="Menlo" panose="020B0609030804020204" pitchFamily="49" charset="0"/>
-              </a:rPr>
-              <a:t>.</a:t>
-            </a:r>
-            <a:r>
-              <a:rPr lang="de-DE" dirty="0" err="1">
-                <a:solidFill>
-                  <a:srgbClr val="9CDCFE"/>
-                </a:solidFill>
-                <a:latin typeface="Menlo" panose="020B0609030804020204" pitchFamily="49" charset="0"/>
-              </a:rPr>
-              <a:t>gyro</a:t>
-            </a:r>
-            <a:r>
-              <a:rPr lang="de-DE" dirty="0" err="1">
-                <a:solidFill>
-                  <a:srgbClr val="D4D4D4"/>
-                </a:solidFill>
-                <a:latin typeface="Menlo" panose="020B0609030804020204" pitchFamily="49" charset="0"/>
-              </a:rPr>
-              <a:t>.</a:t>
-            </a:r>
-            <a:r>
-              <a:rPr lang="de-DE" dirty="0" err="1">
-                <a:solidFill>
-                  <a:srgbClr val="9CDCFE"/>
-                </a:solidFill>
-                <a:latin typeface="Menlo" panose="020B0609030804020204" pitchFamily="49" charset="0"/>
-              </a:rPr>
-              <a:t>y</a:t>
-            </a:r>
-            <a:r>
-              <a:rPr lang="de-DE" dirty="0">
-                <a:solidFill>
-                  <a:srgbClr val="D4D4D4"/>
-                </a:solidFill>
-                <a:latin typeface="Menlo" panose="020B0609030804020204" pitchFamily="49" charset="0"/>
-              </a:rPr>
-              <a:t>);</a:t>
+              <a:t>;</a:t>
             </a:r>
           </a:p>
           <a:p>
@@ -8965,7 +7859,7 @@
               <a:buNone/>
             </a:pPr>
             <a:r>
-              <a:rPr lang="de-DE" dirty="0" err="1">
+              <a:rPr lang="de-DE" sz="1600" dirty="0" err="1">
                 <a:solidFill>
                   <a:srgbClr val="9CDCFE"/>
                 </a:solidFill>
@@ -8974,7 +7868,7 @@
               <a:t>state</a:t>
             </a:r>
             <a:r>
-              <a:rPr lang="de-DE" dirty="0" err="1">
+              <a:rPr lang="de-DE" sz="1600" dirty="0" err="1">
                 <a:solidFill>
                   <a:srgbClr val="D4D4D4"/>
                 </a:solidFill>
@@ -8983,7 +7877,7 @@
               <a:t>.</a:t>
             </a:r>
             <a:r>
-              <a:rPr lang="de-DE" dirty="0" err="1">
+              <a:rPr lang="de-DE" sz="1600" dirty="0" err="1">
                 <a:solidFill>
                   <a:srgbClr val="9CDCFE"/>
                 </a:solidFill>
@@ -8992,193 +7886,31 @@
               <a:t>roll</a:t>
             </a:r>
             <a:r>
-              <a:rPr lang="de-DE" dirty="0">
+              <a:rPr lang="de-DE" sz="1600" dirty="0">
                 <a:solidFill>
                   <a:srgbClr val="D4D4D4"/>
                 </a:solidFill>
                 <a:latin typeface="Menlo" panose="020B0609030804020204" pitchFamily="49" charset="0"/>
               </a:rPr>
-              <a:t>= (</a:t>
-            </a:r>
-            <a:r>
-              <a:rPr lang="de-DE" dirty="0">
+              <a:t> = </a:t>
+            </a:r>
+            <a:r>
+              <a:rPr lang="de-DE" sz="1600" dirty="0">
                 <a:solidFill>
                   <a:srgbClr val="B5CEA8"/>
                 </a:solidFill>
                 <a:latin typeface="Menlo" panose="020B0609030804020204" pitchFamily="49" charset="0"/>
               </a:rPr>
-              <a:t>1</a:t>
-            </a:r>
-            <a:r>
-              <a:rPr lang="de-DE" dirty="0">
+              <a:t>0.0f</a:t>
+            </a:r>
+            <a:r>
+              <a:rPr lang="de-DE" sz="1600" dirty="0">
                 <a:solidFill>
                   <a:srgbClr val="D4D4D4"/>
                 </a:solidFill>
                 <a:latin typeface="Menlo" panose="020B0609030804020204" pitchFamily="49" charset="0"/>
               </a:rPr>
-              <a:t>-</a:t>
-            </a:r>
-            <a:r>
-              <a:rPr lang="de-DE" dirty="0">
-                <a:solidFill>
-                  <a:schemeClr val="tx1"/>
-                </a:solidFill>
-                <a:latin typeface="Menlo" panose="020B0609030804020204" pitchFamily="49" charset="0"/>
-              </a:rPr>
-              <a:t>gamma</a:t>
-            </a:r>
-            <a:r>
-              <a:rPr lang="de-DE" dirty="0">
-                <a:solidFill>
-                  <a:srgbClr val="D4D4D4"/>
-                </a:solidFill>
-                <a:latin typeface="Menlo" panose="020B0609030804020204" pitchFamily="49" charset="0"/>
-              </a:rPr>
-              <a:t>)*</a:t>
-            </a:r>
-            <a:r>
-              <a:rPr lang="de-DE" dirty="0" err="1">
-                <a:solidFill>
-                  <a:schemeClr val="tx1"/>
-                </a:solidFill>
-                <a:latin typeface="Menlo" panose="020B0609030804020204" pitchFamily="49" charset="0"/>
-              </a:rPr>
-              <a:t>phiacc</a:t>
-            </a:r>
-            <a:r>
-              <a:rPr lang="de-DE" dirty="0">
-                <a:solidFill>
-                  <a:srgbClr val="D4D4D4"/>
-                </a:solidFill>
-                <a:latin typeface="Menlo" panose="020B0609030804020204" pitchFamily="49" charset="0"/>
-              </a:rPr>
-              <a:t> + </a:t>
-            </a:r>
-            <a:r>
-              <a:rPr lang="de-DE" dirty="0" err="1">
-                <a:solidFill>
-                  <a:schemeClr val="tx1"/>
-                </a:solidFill>
-                <a:latin typeface="Menlo" panose="020B0609030804020204" pitchFamily="49" charset="0"/>
-              </a:rPr>
-              <a:t>gamma</a:t>
-            </a:r>
-            <a:r>
-              <a:rPr lang="de-DE" dirty="0">
-                <a:solidFill>
-                  <a:srgbClr val="D4D4D4"/>
-                </a:solidFill>
-                <a:latin typeface="Menlo" panose="020B0609030804020204" pitchFamily="49" charset="0"/>
-              </a:rPr>
-              <a:t>*(</a:t>
-            </a:r>
-            <a:r>
-              <a:rPr lang="de-DE" dirty="0" err="1">
-                <a:solidFill>
-                  <a:srgbClr val="9CDCFE"/>
-                </a:solidFill>
-                <a:latin typeface="Menlo" panose="020B0609030804020204" pitchFamily="49" charset="0"/>
-              </a:rPr>
-              <a:t>state</a:t>
-            </a:r>
-            <a:r>
-              <a:rPr lang="de-DE" dirty="0" err="1">
-                <a:solidFill>
-                  <a:srgbClr val="D4D4D4"/>
-                </a:solidFill>
-                <a:latin typeface="Menlo" panose="020B0609030804020204" pitchFamily="49" charset="0"/>
-              </a:rPr>
-              <a:t>.</a:t>
-            </a:r>
-            <a:r>
-              <a:rPr lang="de-DE" dirty="0" err="1">
-                <a:solidFill>
-                  <a:srgbClr val="9CDCFE"/>
-                </a:solidFill>
-                <a:latin typeface="Menlo" panose="020B0609030804020204" pitchFamily="49" charset="0"/>
-              </a:rPr>
-              <a:t>roll</a:t>
-            </a:r>
-            <a:r>
-              <a:rPr lang="de-DE" dirty="0">
-                <a:solidFill>
-                  <a:srgbClr val="D4D4D4"/>
-                </a:solidFill>
-                <a:latin typeface="Menlo" panose="020B0609030804020204" pitchFamily="49" charset="0"/>
-              </a:rPr>
-              <a:t> + </a:t>
-            </a:r>
-            <a:r>
-              <a:rPr lang="de-DE" dirty="0">
-                <a:solidFill>
-                  <a:schemeClr val="tx1"/>
-                </a:solidFill>
-                <a:latin typeface="Menlo" panose="020B0609030804020204" pitchFamily="49" charset="0"/>
-              </a:rPr>
-              <a:t>h</a:t>
-            </a:r>
-            <a:r>
-              <a:rPr lang="de-DE" dirty="0">
-                <a:solidFill>
-                  <a:srgbClr val="D4D4D4"/>
-                </a:solidFill>
-                <a:latin typeface="Menlo" panose="020B0609030804020204" pitchFamily="49" charset="0"/>
-              </a:rPr>
-              <a:t>*</a:t>
-            </a:r>
-            <a:r>
-              <a:rPr lang="de-DE" dirty="0" err="1">
-                <a:solidFill>
-                  <a:srgbClr val="9CDCFE"/>
-                </a:solidFill>
-                <a:latin typeface="Menlo" panose="020B0609030804020204" pitchFamily="49" charset="0"/>
-              </a:rPr>
-              <a:t>sensorData</a:t>
-            </a:r>
-            <a:r>
-              <a:rPr lang="de-DE" dirty="0" err="1">
-                <a:solidFill>
-                  <a:srgbClr val="D4D4D4"/>
-                </a:solidFill>
-                <a:latin typeface="Menlo" panose="020B0609030804020204" pitchFamily="49" charset="0"/>
-              </a:rPr>
-              <a:t>.</a:t>
-            </a:r>
-            <a:r>
-              <a:rPr lang="de-DE" dirty="0" err="1">
-                <a:solidFill>
-                  <a:srgbClr val="9CDCFE"/>
-                </a:solidFill>
-                <a:latin typeface="Menlo" panose="020B0609030804020204" pitchFamily="49" charset="0"/>
-              </a:rPr>
-              <a:t>gyro</a:t>
-            </a:r>
-            <a:r>
-              <a:rPr lang="de-DE" dirty="0" err="1">
-                <a:solidFill>
-                  <a:srgbClr val="D4D4D4"/>
-                </a:solidFill>
-                <a:latin typeface="Menlo" panose="020B0609030804020204" pitchFamily="49" charset="0"/>
-              </a:rPr>
-              <a:t>.</a:t>
-            </a:r>
-            <a:r>
-              <a:rPr lang="de-DE" dirty="0" err="1">
-                <a:solidFill>
-                  <a:srgbClr val="9CDCFE"/>
-                </a:solidFill>
-                <a:latin typeface="Menlo" panose="020B0609030804020204" pitchFamily="49" charset="0"/>
-              </a:rPr>
-              <a:t>x</a:t>
-            </a:r>
-            <a:r>
-              <a:rPr lang="de-DE" dirty="0">
-                <a:solidFill>
-                  <a:srgbClr val="D4D4D4"/>
-                </a:solidFill>
-                <a:latin typeface="Menlo" panose="020B0609030804020204" pitchFamily="49" charset="0"/>
-              </a:rPr>
-              <a:t>);</a:t>
+              <a:t>;</a:t>
             </a:r>
           </a:p>
           <a:p>
@@ -9186,7 +7918,7 @@
               <a:buNone/>
             </a:pPr>
             <a:r>
-              <a:rPr lang="de-DE" dirty="0" err="1">
+              <a:rPr lang="de-DE" sz="1600" dirty="0" err="1">
                 <a:solidFill>
                   <a:srgbClr val="9CDCFE"/>
                 </a:solidFill>
@@ -9195,7 +7927,7 @@
               <a:t>state</a:t>
             </a:r>
             <a:r>
-              <a:rPr lang="de-DE" dirty="0" err="1">
+              <a:rPr lang="de-DE" sz="1600" dirty="0" err="1">
                 <a:solidFill>
                   <a:srgbClr val="D4D4D4"/>
                 </a:solidFill>
@@ -9204,70 +7936,34 @@
               <a:t>.</a:t>
             </a:r>
             <a:r>
-              <a:rPr lang="de-DE" dirty="0" err="1">
+              <a:rPr lang="de-DE" sz="1600" dirty="0" err="1">
                 <a:solidFill>
                   <a:srgbClr val="9CDCFE"/>
                 </a:solidFill>
                 <a:latin typeface="Menlo" panose="020B0609030804020204" pitchFamily="49" charset="0"/>
               </a:rPr>
-              <a:t>rateRoll</a:t>
-            </a:r>
-            <a:r>
-              <a:rPr lang="de-DE" dirty="0">
+              <a:t>pitch</a:t>
+            </a:r>
+            <a:r>
+              <a:rPr lang="de-DE" sz="1600" dirty="0">
                 <a:solidFill>
                   <a:srgbClr val="D4D4D4"/>
                 </a:solidFill>
                 <a:latin typeface="Menlo" panose="020B0609030804020204" pitchFamily="49" charset="0"/>
               </a:rPr>
-              <a:t>= </a:t>
-            </a:r>
-            <a:r>
-              <a:rPr lang="de-DE" dirty="0" err="1">
-                <a:solidFill>
-                  <a:srgbClr val="9CDCFE"/>
-                </a:solidFill>
-                <a:latin typeface="Menlo" panose="020B0609030804020204" pitchFamily="49" charset="0"/>
-              </a:rPr>
-              <a:t>sensorData</a:t>
-            </a:r>
-            <a:r>
-              <a:rPr lang="de-DE" dirty="0" err="1">
-                <a:solidFill>
-                  <a:srgbClr val="D4D4D4"/>
-                </a:solidFill>
-                <a:latin typeface="Menlo" panose="020B0609030804020204" pitchFamily="49" charset="0"/>
-              </a:rPr>
-              <a:t>.</a:t>
-            </a:r>
-            <a:r>
-              <a:rPr lang="de-DE" dirty="0" err="1">
-                <a:solidFill>
-                  <a:srgbClr val="9CDCFE"/>
-                </a:solidFill>
-                <a:latin typeface="Menlo" panose="020B0609030804020204" pitchFamily="49" charset="0"/>
-              </a:rPr>
-              <a:t>gyro</a:t>
-            </a:r>
-            <a:r>
-              <a:rPr lang="de-DE" dirty="0" err="1">
-                <a:solidFill>
-                  <a:srgbClr val="D4D4D4"/>
-                </a:solidFill>
-                <a:latin typeface="Menlo" panose="020B0609030804020204" pitchFamily="49" charset="0"/>
-              </a:rPr>
-              <a:t>.</a:t>
-            </a:r>
-            <a:r>
-              <a:rPr lang="de-DE" dirty="0" err="1">
-                <a:solidFill>
-                  <a:srgbClr val="9CDCFE"/>
-                </a:solidFill>
-                <a:latin typeface="Menlo" panose="020B0609030804020204" pitchFamily="49" charset="0"/>
-              </a:rPr>
-              <a:t>x</a:t>
-            </a:r>
-            <a:r>
-              <a:rPr lang="de-DE" dirty="0">
+              <a:t> = </a:t>
+            </a:r>
+            <a:r>
+              <a:rPr lang="de-DE" sz="1600" dirty="0">
+                <a:solidFill>
+                  <a:srgbClr val="B5CEA8"/>
+                </a:solidFill>
+                <a:latin typeface="Menlo" panose="020B0609030804020204" pitchFamily="49" charset="0"/>
+              </a:rPr>
+              <a:t>0.0f</a:t>
+            </a:r>
+            <a:r>
+              <a:rPr lang="de-DE" sz="1600" dirty="0">
                 <a:solidFill>
                   <a:srgbClr val="D4D4D4"/>
                 </a:solidFill>
@@ -9281,94 +7977,40 @@
               <a:buNone/>
             </a:pPr>
             <a:r>
-              <a:rPr lang="de-DE" dirty="0" err="1">
-                <a:solidFill>
-                  <a:srgbClr val="9CDCFE"/>
-                </a:solidFill>
-                <a:latin typeface="Menlo" panose="020B0609030804020204" pitchFamily="49" charset="0"/>
-              </a:rPr>
-              <a:t>state</a:t>
-            </a:r>
-            <a:r>
-              <a:rPr lang="de-DE" dirty="0" err="1">
+              <a:rPr lang="de-DE" sz="1600" dirty="0" err="1">
+                <a:solidFill>
+                  <a:schemeClr val="tx1"/>
+                </a:solidFill>
+                <a:latin typeface="Menlo" panose="020B0609030804020204" pitchFamily="49" charset="0"/>
+              </a:rPr>
+              <a:t>filtsema</a:t>
+            </a:r>
+            <a:r>
+              <a:rPr lang="de-DE" sz="1600" dirty="0">
                 <a:solidFill>
                   <a:srgbClr val="D4D4D4"/>
                 </a:solidFill>
                 <a:latin typeface="Menlo" panose="020B0609030804020204" pitchFamily="49" charset="0"/>
               </a:rPr>
-              <a:t>.</a:t>
-            </a:r>
-            <a:r>
-              <a:rPr lang="de-DE" dirty="0" err="1">
-                <a:solidFill>
-                  <a:srgbClr val="9CDCFE"/>
-                </a:solidFill>
-                <a:latin typeface="Menlo" panose="020B0609030804020204" pitchFamily="49" charset="0"/>
-              </a:rPr>
-              <a:t>ratePitch</a:t>
-            </a:r>
-            <a:r>
-              <a:rPr lang="de-DE" dirty="0">
+              <a:t> = </a:t>
+            </a:r>
+            <a:r>
+              <a:rPr lang="de-DE" sz="1600" dirty="0" err="1">
+                <a:solidFill>
+                  <a:srgbClr val="DCDCAA"/>
+                </a:solidFill>
+                <a:latin typeface="Menlo" panose="020B0609030804020204" pitchFamily="49" charset="0"/>
+              </a:rPr>
+              <a:t>xSemaphoreCreateMutex</a:t>
+            </a:r>
+            <a:r>
+              <a:rPr lang="de-DE" sz="1600" dirty="0">
                 <a:solidFill>
                   <a:srgbClr val="D4D4D4"/>
                 </a:solidFill>
                 <a:latin typeface="Menlo" panose="020B0609030804020204" pitchFamily="49" charset="0"/>
               </a:rPr>
-              <a:t>= </a:t>
-            </a:r>
-            <a:r>
-              <a:rPr lang="de-DE" dirty="0" err="1">
-                <a:solidFill>
-                  <a:srgbClr val="9CDCFE"/>
-                </a:solidFill>
-                <a:latin typeface="Menlo" panose="020B0609030804020204" pitchFamily="49" charset="0"/>
-              </a:rPr>
-              <a:t>sensorData</a:t>
-            </a:r>
-            <a:r>
-              <a:rPr lang="de-DE" dirty="0" err="1">
-                <a:solidFill>
-                  <a:srgbClr val="D4D4D4"/>
-                </a:solidFill>
-                <a:latin typeface="Menlo" panose="020B0609030804020204" pitchFamily="49" charset="0"/>
-              </a:rPr>
-              <a:t>.</a:t>
-            </a:r>
-            <a:r>
-              <a:rPr lang="de-DE" dirty="0" err="1">
-                <a:solidFill>
-                  <a:srgbClr val="9CDCFE"/>
-                </a:solidFill>
-                <a:latin typeface="Menlo" panose="020B0609030804020204" pitchFamily="49" charset="0"/>
-              </a:rPr>
-              <a:t>gyro</a:t>
-            </a:r>
-            <a:r>
-              <a:rPr lang="de-DE" dirty="0" err="1">
-                <a:solidFill>
-                  <a:srgbClr val="D4D4D4"/>
-                </a:solidFill>
-                <a:latin typeface="Menlo" panose="020B0609030804020204" pitchFamily="49" charset="0"/>
-              </a:rPr>
-              <a:t>.</a:t>
-            </a:r>
-            <a:r>
-              <a:rPr lang="de-DE" dirty="0" err="1">
-                <a:solidFill>
-                  <a:srgbClr val="9CDCFE"/>
-                </a:solidFill>
-                <a:latin typeface="Menlo" panose="020B0609030804020204" pitchFamily="49" charset="0"/>
-              </a:rPr>
-              <a:t>y</a:t>
-            </a:r>
-            <a:r>
-              <a:rPr lang="de-DE" dirty="0">
-                <a:solidFill>
-                  <a:srgbClr val="D4D4D4"/>
-                </a:solidFill>
-                <a:latin typeface="Menlo" panose="020B0609030804020204" pitchFamily="49" charset="0"/>
-              </a:rPr>
-              <a:t>;</a:t>
+              <a:t>();</a:t>
             </a:r>
           </a:p>
           <a:p>
@@ -9376,145 +8018,367 @@
               <a:buNone/>
             </a:pPr>
             <a:r>
-              <a:rPr lang="de-DE" dirty="0" err="1">
-                <a:solidFill>
-                  <a:srgbClr val="9CDCFE"/>
-                </a:solidFill>
-                <a:latin typeface="Menlo" panose="020B0609030804020204" pitchFamily="49" charset="0"/>
-              </a:rPr>
-              <a:t>state</a:t>
-            </a:r>
-            <a:r>
-              <a:rPr lang="de-DE" dirty="0" err="1">
+              <a:rPr lang="de-DE" sz="1600" dirty="0">
                 <a:solidFill>
                   <a:srgbClr val="D4D4D4"/>
                 </a:solidFill>
                 <a:latin typeface="Menlo" panose="020B0609030804020204" pitchFamily="49" charset="0"/>
               </a:rPr>
-              <a:t>.</a:t>
-            </a:r>
-            <a:r>
-              <a:rPr lang="de-DE" dirty="0" err="1">
-                <a:solidFill>
-                  <a:srgbClr val="9CDCFE"/>
-                </a:solidFill>
-                <a:latin typeface="Menlo" panose="020B0609030804020204" pitchFamily="49" charset="0"/>
-              </a:rPr>
-              <a:t>rateYaw</a:t>
-            </a:r>
-            <a:r>
-              <a:rPr lang="de-DE" dirty="0">
+              <a:t>  </a:t>
+            </a:r>
+            <a:r>
+              <a:rPr lang="de-DE" sz="1600" dirty="0" err="1">
+                <a:solidFill>
+                  <a:schemeClr val="tx1"/>
+                </a:solidFill>
+                <a:latin typeface="Menlo" panose="020B0609030804020204" pitchFamily="49" charset="0"/>
+              </a:rPr>
+              <a:t>setsema</a:t>
+            </a:r>
+            <a:r>
+              <a:rPr lang="de-DE" sz="1600" dirty="0">
                 <a:solidFill>
                   <a:srgbClr val="D4D4D4"/>
                 </a:solidFill>
                 <a:latin typeface="Menlo" panose="020B0609030804020204" pitchFamily="49" charset="0"/>
               </a:rPr>
-              <a:t>= </a:t>
-            </a:r>
-            <a:r>
-              <a:rPr lang="de-DE" dirty="0" err="1">
-                <a:solidFill>
-                  <a:srgbClr val="9CDCFE"/>
-                </a:solidFill>
-                <a:latin typeface="Menlo" panose="020B0609030804020204" pitchFamily="49" charset="0"/>
-              </a:rPr>
-              <a:t>sensorData</a:t>
-            </a:r>
-            <a:r>
-              <a:rPr lang="de-DE" dirty="0" err="1">
+              <a:t> = </a:t>
+            </a:r>
+            <a:r>
+              <a:rPr lang="de-DE" sz="1600" dirty="0" err="1">
+                <a:solidFill>
+                  <a:srgbClr val="DCDCAA"/>
+                </a:solidFill>
+                <a:latin typeface="Menlo" panose="020B0609030804020204" pitchFamily="49" charset="0"/>
+              </a:rPr>
+              <a:t>xSemaphoreCreateMutex</a:t>
+            </a:r>
+            <a:r>
+              <a:rPr lang="de-DE" sz="1600" dirty="0">
                 <a:solidFill>
                   <a:srgbClr val="D4D4D4"/>
                 </a:solidFill>
                 <a:latin typeface="Menlo" panose="020B0609030804020204" pitchFamily="49" charset="0"/>
               </a:rPr>
-              <a:t>.</a:t>
-            </a:r>
-            <a:r>
-              <a:rPr lang="de-DE" dirty="0" err="1">
-                <a:solidFill>
-                  <a:srgbClr val="9CDCFE"/>
-                </a:solidFill>
-                <a:latin typeface="Menlo" panose="020B0609030804020204" pitchFamily="49" charset="0"/>
-              </a:rPr>
-              <a:t>gyro</a:t>
-            </a:r>
-            <a:r>
-              <a:rPr lang="de-DE" dirty="0" err="1">
-                <a:solidFill>
-                  <a:srgbClr val="D4D4D4"/>
-                </a:solidFill>
-                <a:latin typeface="Menlo" panose="020B0609030804020204" pitchFamily="49" charset="0"/>
-              </a:rPr>
-              <a:t>.</a:t>
-            </a:r>
-            <a:r>
-              <a:rPr lang="de-DE" dirty="0" err="1">
-                <a:solidFill>
-                  <a:srgbClr val="9CDCFE"/>
-                </a:solidFill>
-                <a:latin typeface="Menlo" panose="020B0609030804020204" pitchFamily="49" charset="0"/>
-              </a:rPr>
-              <a:t>z</a:t>
-            </a:r>
-            <a:r>
-              <a:rPr lang="de-DE" dirty="0">
-                <a:solidFill>
-                  <a:srgbClr val="D4D4D4"/>
-                </a:solidFill>
-                <a:latin typeface="Menlo" panose="020B0609030804020204" pitchFamily="49" charset="0"/>
-              </a:rPr>
-              <a:t>;</a:t>
+              <a:t>();</a:t>
             </a:r>
           </a:p>
           <a:p>
             <a:pPr marL="0" indent="0">
               <a:buNone/>
             </a:pPr>
-            <a:r>
-              <a:rPr lang="de-DE" dirty="0">
+            <a:br>
+              <a:rPr lang="de-DE" sz="1600" dirty="0">
+                <a:solidFill>
+                  <a:srgbClr val="D4D4D4"/>
+                </a:solidFill>
+                <a:latin typeface="Menlo" panose="020B0609030804020204" pitchFamily="49" charset="0"/>
+              </a:rPr>
+            </a:br>
+            <a:endParaRPr lang="de-DE" sz="1600" dirty="0"/>
+          </a:p>
+        </p:txBody>
+      </p:sp>
+      <p:sp>
+        <p:nvSpPr>
+          <p:cNvPr id="4" name="Inhaltsplatzhalter 2">
+            <a:extLst>
+              <a:ext uri="{FF2B5EF4-FFF2-40B4-BE49-F238E27FC236}">
+                <a16:creationId xmlns:a16="http://schemas.microsoft.com/office/drawing/2014/main" id="{622E6183-A73A-4F43-8B05-DF2E45162898}"/>
+              </a:ext>
+            </a:extLst>
+          </p:cNvPr>
+          <p:cNvSpPr txBox="1">
+            <a:spLocks/>
+          </p:cNvSpPr>
+          <p:nvPr/>
+        </p:nvSpPr>
+        <p:spPr>
+          <a:xfrm>
+            <a:off x="6096000" y="3144478"/>
+            <a:ext cx="7729728" cy="4072245"/>
+          </a:xfrm>
+          <a:prstGeom prst="rect">
+            <a:avLst/>
+          </a:prstGeom>
+        </p:spPr>
+        <p:txBody>
+          <a:bodyPr vert="horz" lIns="91440" tIns="45720" rIns="91440" bIns="45720" rtlCol="0">
+            <a:normAutofit/>
+          </a:bodyPr>
+          <a:lstStyle>
+            <a:lvl1pPr marL="228600" indent="-228600" algn="l" defTabSz="914400" rtl="0" eaLnBrk="1" latinLnBrk="0" hangingPunct="1">
+              <a:lnSpc>
+                <a:spcPct val="100000"/>
+              </a:lnSpc>
+              <a:spcBef>
+                <a:spcPts val="1000"/>
+              </a:spcBef>
+              <a:buClr>
+                <a:schemeClr val="accent2"/>
+              </a:buClr>
+              <a:buFont typeface="Arial" panose="020B0604020202020204" pitchFamily="34" charset="0"/>
+              <a:buChar char="•"/>
+              <a:defRPr sz="1800" kern="1200">
+                <a:solidFill>
+                  <a:schemeClr val="tx1">
+                    <a:lumMod val="85000"/>
+                    <a:lumOff val="15000"/>
+                  </a:schemeClr>
+                </a:solidFill>
+                <a:latin typeface="+mn-lt"/>
+                <a:ea typeface="+mn-ea"/>
+                <a:cs typeface="+mn-cs"/>
+              </a:defRPr>
+            </a:lvl1pPr>
+            <a:lvl2pPr marL="457200" indent="-228600" algn="l" defTabSz="914400" rtl="0" eaLnBrk="1" latinLnBrk="0" hangingPunct="1">
+              <a:lnSpc>
+                <a:spcPct val="100000"/>
+              </a:lnSpc>
+              <a:spcBef>
+                <a:spcPts val="1000"/>
+              </a:spcBef>
+              <a:buClr>
+                <a:schemeClr val="accent2"/>
+              </a:buClr>
+              <a:buFont typeface="Arial" panose="020B0604020202020204" pitchFamily="34" charset="0"/>
+              <a:buChar char="•"/>
+              <a:defRPr sz="1600" kern="1200">
+                <a:solidFill>
+                  <a:schemeClr val="tx1">
+                    <a:lumMod val="85000"/>
+                    <a:lumOff val="15000"/>
+                  </a:schemeClr>
+                </a:solidFill>
+                <a:latin typeface="+mn-lt"/>
+                <a:ea typeface="+mn-ea"/>
+                <a:cs typeface="+mn-cs"/>
+              </a:defRPr>
+            </a:lvl2pPr>
+            <a:lvl3pPr marL="685800" indent="-228600" algn="l" defTabSz="914400" rtl="0" eaLnBrk="1" latinLnBrk="0" hangingPunct="1">
+              <a:lnSpc>
+                <a:spcPct val="100000"/>
+              </a:lnSpc>
+              <a:spcBef>
+                <a:spcPts val="1000"/>
+              </a:spcBef>
+              <a:buClr>
+                <a:schemeClr val="accent2"/>
+              </a:buClr>
+              <a:buFont typeface="Arial" panose="020B0604020202020204" pitchFamily="34" charset="0"/>
+              <a:buChar char="•"/>
+              <a:defRPr sz="1600" kern="1200">
+                <a:solidFill>
+                  <a:schemeClr val="tx1">
+                    <a:lumMod val="85000"/>
+                    <a:lumOff val="15000"/>
+                  </a:schemeClr>
+                </a:solidFill>
+                <a:latin typeface="+mn-lt"/>
+                <a:ea typeface="+mn-ea"/>
+                <a:cs typeface="+mn-cs"/>
+              </a:defRPr>
+            </a:lvl3pPr>
+            <a:lvl4pPr marL="914400" indent="-228600" algn="l" defTabSz="914400" rtl="0" eaLnBrk="1" latinLnBrk="0" hangingPunct="1">
+              <a:lnSpc>
+                <a:spcPct val="100000"/>
+              </a:lnSpc>
+              <a:spcBef>
+                <a:spcPts val="1000"/>
+              </a:spcBef>
+              <a:buClr>
+                <a:schemeClr val="accent2"/>
+              </a:buClr>
+              <a:buFont typeface="Arial" panose="020B0604020202020204" pitchFamily="34" charset="0"/>
+              <a:buChar char="•"/>
+              <a:defRPr sz="1600" kern="1200">
+                <a:solidFill>
+                  <a:schemeClr val="tx1">
+                    <a:lumMod val="85000"/>
+                    <a:lumOff val="15000"/>
+                  </a:schemeClr>
+                </a:solidFill>
+                <a:latin typeface="+mn-lt"/>
+                <a:ea typeface="+mn-ea"/>
+                <a:cs typeface="+mn-cs"/>
+              </a:defRPr>
+            </a:lvl4pPr>
+            <a:lvl5pPr marL="1143000" indent="-228600" algn="l" defTabSz="914400" rtl="0" eaLnBrk="1" latinLnBrk="0" hangingPunct="1">
+              <a:lnSpc>
+                <a:spcPct val="100000"/>
+              </a:lnSpc>
+              <a:spcBef>
+                <a:spcPts val="1000"/>
+              </a:spcBef>
+              <a:buClr>
+                <a:schemeClr val="accent2"/>
+              </a:buClr>
+              <a:buFont typeface="Arial" panose="020B0604020202020204" pitchFamily="34" charset="0"/>
+              <a:buChar char="•"/>
+              <a:defRPr sz="1600" kern="1200">
+                <a:solidFill>
+                  <a:schemeClr val="tx1">
+                    <a:lumMod val="85000"/>
+                    <a:lumOff val="15000"/>
+                  </a:schemeClr>
+                </a:solidFill>
+                <a:latin typeface="+mn-lt"/>
+                <a:ea typeface="+mn-ea"/>
+                <a:cs typeface="+mn-cs"/>
+              </a:defRPr>
+            </a:lvl5pPr>
+            <a:lvl6pPr marL="1312863" indent="-228600" algn="l" defTabSz="914400" rtl="0" eaLnBrk="1" latinLnBrk="0" hangingPunct="1">
+              <a:lnSpc>
+                <a:spcPct val="100000"/>
+              </a:lnSpc>
+              <a:spcBef>
+                <a:spcPts val="1000"/>
+              </a:spcBef>
+              <a:buClr>
+                <a:schemeClr val="accent2"/>
+              </a:buClr>
+              <a:buFont typeface="Arial" panose="020B0604020202020204" pitchFamily="34" charset="0"/>
+              <a:buChar char="•"/>
+              <a:defRPr sz="1600" kern="1200">
                 <a:solidFill>
                   <a:schemeClr val="tx1"/>
                 </a:solidFill>
-                <a:latin typeface="Menlo" panose="020B0609030804020204" pitchFamily="49" charset="0"/>
-              </a:rPr>
-              <a:t>tick++</a:t>
-            </a:r>
-            <a:r>
-              <a:rPr lang="de-DE" dirty="0">
-                <a:solidFill>
-                  <a:srgbClr val="D4D4D4"/>
-                </a:solidFill>
-                <a:latin typeface="Menlo" panose="020B0609030804020204" pitchFamily="49" charset="0"/>
-              </a:rPr>
-              <a:t>;</a:t>
-            </a:r>
-          </a:p>
+                <a:latin typeface="+mn-lt"/>
+                <a:ea typeface="+mn-ea"/>
+                <a:cs typeface="+mn-cs"/>
+              </a:defRPr>
+            </a:lvl6pPr>
+            <a:lvl7pPr marL="1484313" indent="-228600" algn="l" defTabSz="914400" rtl="0" eaLnBrk="1" latinLnBrk="0" hangingPunct="1">
+              <a:lnSpc>
+                <a:spcPct val="100000"/>
+              </a:lnSpc>
+              <a:spcBef>
+                <a:spcPts val="1000"/>
+              </a:spcBef>
+              <a:buClr>
+                <a:schemeClr val="accent2"/>
+              </a:buClr>
+              <a:buFont typeface="Arial" panose="020B0604020202020204" pitchFamily="34" charset="0"/>
+              <a:buChar char="•"/>
+              <a:defRPr sz="1600" kern="1200">
+                <a:solidFill>
+                  <a:schemeClr val="tx1"/>
+                </a:solidFill>
+                <a:latin typeface="+mn-lt"/>
+                <a:ea typeface="+mn-ea"/>
+                <a:cs typeface="+mn-cs"/>
+              </a:defRPr>
+            </a:lvl7pPr>
+            <a:lvl8pPr marL="1657350" indent="-228600" algn="l" defTabSz="914400" rtl="0" eaLnBrk="1" latinLnBrk="0" hangingPunct="1">
+              <a:lnSpc>
+                <a:spcPct val="100000"/>
+              </a:lnSpc>
+              <a:spcBef>
+                <a:spcPts val="1000"/>
+              </a:spcBef>
+              <a:buClr>
+                <a:schemeClr val="accent2"/>
+              </a:buClr>
+              <a:buFont typeface="Arial" panose="020B0604020202020204" pitchFamily="34" charset="0"/>
+              <a:buChar char="•"/>
+              <a:defRPr sz="1600" kern="1200" baseline="0">
+                <a:solidFill>
+                  <a:schemeClr val="tx1"/>
+                </a:solidFill>
+                <a:latin typeface="+mn-lt"/>
+                <a:ea typeface="+mn-ea"/>
+                <a:cs typeface="+mn-cs"/>
+              </a:defRPr>
+            </a:lvl8pPr>
+            <a:lvl9pPr marL="1882775" indent="-228600" algn="l" defTabSz="914400" rtl="0" eaLnBrk="1" latinLnBrk="0" hangingPunct="1">
+              <a:lnSpc>
+                <a:spcPct val="100000"/>
+              </a:lnSpc>
+              <a:spcBef>
+                <a:spcPts val="1000"/>
+              </a:spcBef>
+              <a:buClr>
+                <a:schemeClr val="accent2"/>
+              </a:buClr>
+              <a:buFont typeface="Arial" panose="020B0604020202020204" pitchFamily="34" charset="0"/>
+              <a:buChar char="•"/>
+              <a:defRPr sz="1600" kern="1200" baseline="0">
+                <a:solidFill>
+                  <a:schemeClr val="tx1"/>
+                </a:solidFill>
+                <a:latin typeface="+mn-lt"/>
+                <a:ea typeface="+mn-ea"/>
+                <a:cs typeface="+mn-cs"/>
+              </a:defRPr>
+            </a:lvl9pPr>
+          </a:lstStyle>
           <a:p>
             <a:pPr marL="0" indent="0">
+              <a:buFont typeface="Arial" panose="020B0604020202020204" pitchFamily="34" charset="0"/>
               <a:buNone/>
             </a:pPr>
-            <a:endParaRPr lang="de-DE" dirty="0">
-              <a:solidFill>
-                <a:srgbClr val="D4D4D4"/>
-              </a:solidFill>
-              <a:latin typeface="Menlo" panose="020B0609030804020204" pitchFamily="49" charset="0"/>
-            </a:endParaRPr>
+            <a:r>
+              <a:rPr lang="de-DE" sz="1600" dirty="0" err="1">
+                <a:solidFill>
+                  <a:srgbClr val="DCDCAA"/>
+                </a:solidFill>
+                <a:latin typeface="Menlo" panose="020B0609030804020204" pitchFamily="49" charset="0"/>
+              </a:rPr>
+              <a:t>xTaskCreate</a:t>
+            </a:r>
+            <a:r>
+              <a:rPr lang="de-DE" sz="1600" dirty="0">
+                <a:solidFill>
+                  <a:srgbClr val="D4D4D4"/>
+                </a:solidFill>
+                <a:latin typeface="Menlo" panose="020B0609030804020204" pitchFamily="49" charset="0"/>
+              </a:rPr>
+              <a:t>(</a:t>
+            </a:r>
+            <a:r>
+              <a:rPr lang="de-DE" sz="1600" dirty="0" err="1">
+                <a:solidFill>
+                  <a:schemeClr val="tx1"/>
+                </a:solidFill>
+                <a:latin typeface="Menlo" panose="020B0609030804020204" pitchFamily="49" charset="0"/>
+              </a:rPr>
+              <a:t>comp_filter</a:t>
+            </a:r>
+            <a:r>
+              <a:rPr lang="de-DE" sz="1600" dirty="0">
+                <a:solidFill>
+                  <a:srgbClr val="D4D4D4"/>
+                </a:solidFill>
+                <a:latin typeface="Menlo" panose="020B0609030804020204" pitchFamily="49" charset="0"/>
+              </a:rPr>
+              <a:t>, </a:t>
+            </a:r>
+            <a:r>
+              <a:rPr lang="de-DE" sz="1600" dirty="0">
+                <a:solidFill>
+                  <a:srgbClr val="CE9178"/>
+                </a:solidFill>
+                <a:latin typeface="Menlo" panose="020B0609030804020204" pitchFamily="49" charset="0"/>
+              </a:rPr>
+              <a:t>"FILTER"</a:t>
+            </a:r>
+            <a:r>
+              <a:rPr lang="de-DE" sz="1600" dirty="0">
+                <a:solidFill>
+                  <a:srgbClr val="D4D4D4"/>
+                </a:solidFill>
+                <a:latin typeface="Menlo" panose="020B0609030804020204" pitchFamily="49" charset="0"/>
+              </a:rPr>
+              <a:t>,</a:t>
+            </a:r>
           </a:p>
           <a:p>
             <a:pPr marL="0" indent="0">
+              <a:buFont typeface="Arial" panose="020B0604020202020204" pitchFamily="34" charset="0"/>
               <a:buNone/>
             </a:pPr>
             <a:r>
-              <a:rPr lang="de-DE" dirty="0" err="1">
-                <a:solidFill>
-                  <a:srgbClr val="DCDCAA"/>
-                </a:solidFill>
-                <a:latin typeface="Menlo" panose="020B0609030804020204" pitchFamily="49" charset="0"/>
-              </a:rPr>
-              <a:t>xSemaphoreGive</a:t>
-            </a:r>
-            <a:r>
-              <a:rPr lang="de-DE" dirty="0">
+              <a:rPr lang="de-DE" sz="1600" dirty="0">
                 <a:solidFill>
                   <a:srgbClr val="D4D4D4"/>
                 </a:solidFill>
@@ -9523,36 +8387,454 @@
               <a:t>(</a:t>
             </a:r>
             <a:r>
-              <a:rPr lang="de-DE" dirty="0" err="1">
+              <a:rPr lang="de-DE" sz="1600" dirty="0">
+                <a:solidFill>
+                  <a:srgbClr val="B5CEA8"/>
+                </a:solidFill>
+                <a:latin typeface="Menlo" panose="020B0609030804020204" pitchFamily="49" charset="0"/>
+              </a:rPr>
+              <a:t>3</a:t>
+            </a:r>
+            <a:r>
+              <a:rPr lang="de-DE" sz="1600" dirty="0">
+                <a:solidFill>
+                  <a:srgbClr val="D4D4D4"/>
+                </a:solidFill>
+                <a:latin typeface="Menlo" panose="020B0609030804020204" pitchFamily="49" charset="0"/>
+              </a:rPr>
+              <a:t> * </a:t>
+            </a:r>
+            <a:r>
+              <a:rPr lang="de-DE" sz="1600" dirty="0" err="1">
                 <a:solidFill>
                   <a:schemeClr val="tx1"/>
                 </a:solidFill>
                 <a:latin typeface="Menlo" panose="020B0609030804020204" pitchFamily="49" charset="0"/>
               </a:rPr>
-              <a:t>filtsema</a:t>
-            </a:r>
-            <a:r>
-              <a:rPr lang="de-DE" dirty="0">
+              <a:t>configMINIMAL_STACK_SIZE</a:t>
+            </a:r>
+            <a:r>
+              <a:rPr lang="de-DE" sz="1600" dirty="0">
                 <a:solidFill>
                   <a:srgbClr val="D4D4D4"/>
                 </a:solidFill>
                 <a:latin typeface="Menlo" panose="020B0609030804020204" pitchFamily="49" charset="0"/>
               </a:rPr>
+              <a:t>), </a:t>
+            </a:r>
+            <a:r>
+              <a:rPr lang="de-DE" sz="1600" dirty="0">
+                <a:solidFill>
+                  <a:srgbClr val="569CD6"/>
+                </a:solidFill>
+                <a:latin typeface="Menlo" panose="020B0609030804020204" pitchFamily="49" charset="0"/>
+              </a:rPr>
+              <a:t>NULL</a:t>
+            </a:r>
+            <a:r>
+              <a:rPr lang="de-DE" sz="1600" dirty="0">
+                <a:solidFill>
+                  <a:srgbClr val="D4D4D4"/>
+                </a:solidFill>
+                <a:latin typeface="Menlo" panose="020B0609030804020204" pitchFamily="49" charset="0"/>
+              </a:rPr>
+              <a:t>, </a:t>
+            </a:r>
+            <a:r>
+              <a:rPr lang="de-DE" sz="1600" dirty="0">
+                <a:solidFill>
+                  <a:srgbClr val="B5CEA8"/>
+                </a:solidFill>
+                <a:latin typeface="Menlo" panose="020B0609030804020204" pitchFamily="49" charset="0"/>
+              </a:rPr>
+              <a:t>3</a:t>
+            </a:r>
+            <a:r>
+              <a:rPr lang="de-DE" sz="1600" dirty="0">
+                <a:solidFill>
+                  <a:srgbClr val="D4D4D4"/>
+                </a:solidFill>
+                <a:latin typeface="Menlo" panose="020B0609030804020204" pitchFamily="49" charset="0"/>
+              </a:rPr>
+              <a:t>, </a:t>
+            </a:r>
+            <a:r>
+              <a:rPr lang="de-DE" sz="1600" dirty="0">
+                <a:solidFill>
+                  <a:srgbClr val="569CD6"/>
+                </a:solidFill>
+                <a:latin typeface="Menlo" panose="020B0609030804020204" pitchFamily="49" charset="0"/>
+              </a:rPr>
+              <a:t>NULL</a:t>
+            </a:r>
+            <a:r>
+              <a:rPr lang="de-DE" sz="1600" dirty="0">
+                <a:solidFill>
+                  <a:srgbClr val="D4D4D4"/>
+                </a:solidFill>
+                <a:latin typeface="Menlo" panose="020B0609030804020204" pitchFamily="49" charset="0"/>
+              </a:rPr>
               <a:t>);</a:t>
             </a:r>
           </a:p>
           <a:p>
             <a:pPr marL="0" indent="0">
+              <a:buFont typeface="Arial" panose="020B0604020202020204" pitchFamily="34" charset="0"/>
               <a:buNone/>
             </a:pPr>
-            <a:endParaRPr lang="de-DE" dirty="0"/>
+            <a:r>
+              <a:rPr lang="de-DE" sz="1600" dirty="0" err="1">
+                <a:solidFill>
+                  <a:srgbClr val="DCDCAA"/>
+                </a:solidFill>
+                <a:latin typeface="Menlo" panose="020B0609030804020204" pitchFamily="49" charset="0"/>
+              </a:rPr>
+              <a:t>xTaskCreate</a:t>
+            </a:r>
+            <a:r>
+              <a:rPr lang="de-DE" sz="1600" dirty="0">
+                <a:solidFill>
+                  <a:srgbClr val="D4D4D4"/>
+                </a:solidFill>
+                <a:latin typeface="Menlo" panose="020B0609030804020204" pitchFamily="49" charset="0"/>
+              </a:rPr>
+              <a:t>(</a:t>
+            </a:r>
+            <a:r>
+              <a:rPr lang="de-DE" sz="1600" dirty="0" err="1">
+                <a:solidFill>
+                  <a:schemeClr val="tx1"/>
+                </a:solidFill>
+                <a:latin typeface="Menlo" panose="020B0609030804020204" pitchFamily="49" charset="0"/>
+              </a:rPr>
+              <a:t>setPointtrack</a:t>
+            </a:r>
+            <a:r>
+              <a:rPr lang="de-DE" sz="1600" dirty="0">
+                <a:solidFill>
+                  <a:srgbClr val="D4D4D4"/>
+                </a:solidFill>
+                <a:latin typeface="Menlo" panose="020B0609030804020204" pitchFamily="49" charset="0"/>
+              </a:rPr>
+              <a:t>, </a:t>
+            </a:r>
+            <a:r>
+              <a:rPr lang="de-DE" sz="1600" dirty="0">
+                <a:solidFill>
+                  <a:srgbClr val="CE9178"/>
+                </a:solidFill>
+                <a:latin typeface="Menlo" panose="020B0609030804020204" pitchFamily="49" charset="0"/>
+              </a:rPr>
+              <a:t>"SETPOINT"</a:t>
+            </a:r>
+            <a:r>
+              <a:rPr lang="de-DE" sz="1600" dirty="0">
+                <a:solidFill>
+                  <a:srgbClr val="D4D4D4"/>
+                </a:solidFill>
+                <a:latin typeface="Menlo" panose="020B0609030804020204" pitchFamily="49" charset="0"/>
+              </a:rPr>
+              <a:t>,</a:t>
+            </a:r>
+          </a:p>
+          <a:p>
+            <a:pPr marL="0" indent="0">
+              <a:buFont typeface="Arial" panose="020B0604020202020204" pitchFamily="34" charset="0"/>
+              <a:buNone/>
+            </a:pPr>
+            <a:r>
+              <a:rPr lang="de-DE" sz="1600" dirty="0">
+                <a:solidFill>
+                  <a:srgbClr val="D4D4D4"/>
+                </a:solidFill>
+                <a:latin typeface="Menlo" panose="020B0609030804020204" pitchFamily="49" charset="0"/>
+              </a:rPr>
+              <a:t>(</a:t>
+            </a:r>
+            <a:r>
+              <a:rPr lang="de-DE" sz="1600" dirty="0">
+                <a:solidFill>
+                  <a:srgbClr val="B5CEA8"/>
+                </a:solidFill>
+                <a:latin typeface="Menlo" panose="020B0609030804020204" pitchFamily="49" charset="0"/>
+              </a:rPr>
+              <a:t>3</a:t>
+            </a:r>
+            <a:r>
+              <a:rPr lang="de-DE" sz="1600" dirty="0">
+                <a:solidFill>
+                  <a:srgbClr val="D4D4D4"/>
+                </a:solidFill>
+                <a:latin typeface="Menlo" panose="020B0609030804020204" pitchFamily="49" charset="0"/>
+              </a:rPr>
+              <a:t> * </a:t>
+            </a:r>
+            <a:r>
+              <a:rPr lang="de-DE" sz="1600" dirty="0" err="1">
+                <a:solidFill>
+                  <a:schemeClr val="tx1"/>
+                </a:solidFill>
+                <a:latin typeface="Menlo" panose="020B0609030804020204" pitchFamily="49" charset="0"/>
+              </a:rPr>
+              <a:t>configMINIMAL_STACK_SIZE</a:t>
+            </a:r>
+            <a:r>
+              <a:rPr lang="de-DE" sz="1600" dirty="0">
+                <a:solidFill>
+                  <a:srgbClr val="D4D4D4"/>
+                </a:solidFill>
+                <a:latin typeface="Menlo" panose="020B0609030804020204" pitchFamily="49" charset="0"/>
+              </a:rPr>
+              <a:t>), </a:t>
+            </a:r>
+            <a:r>
+              <a:rPr lang="de-DE" sz="1600" dirty="0">
+                <a:solidFill>
+                  <a:srgbClr val="569CD6"/>
+                </a:solidFill>
+                <a:latin typeface="Menlo" panose="020B0609030804020204" pitchFamily="49" charset="0"/>
+              </a:rPr>
+              <a:t>NULL</a:t>
+            </a:r>
+            <a:r>
+              <a:rPr lang="de-DE" sz="1600" dirty="0">
+                <a:solidFill>
+                  <a:srgbClr val="D4D4D4"/>
+                </a:solidFill>
+                <a:latin typeface="Menlo" panose="020B0609030804020204" pitchFamily="49" charset="0"/>
+              </a:rPr>
+              <a:t>, </a:t>
+            </a:r>
+            <a:r>
+              <a:rPr lang="de-DE" sz="1600" dirty="0">
+                <a:solidFill>
+                  <a:srgbClr val="B5CEA8"/>
+                </a:solidFill>
+                <a:latin typeface="Menlo" panose="020B0609030804020204" pitchFamily="49" charset="0"/>
+              </a:rPr>
+              <a:t>1</a:t>
+            </a:r>
+            <a:r>
+              <a:rPr lang="de-DE" sz="1600" dirty="0">
+                <a:solidFill>
+                  <a:srgbClr val="D4D4D4"/>
+                </a:solidFill>
+                <a:latin typeface="Menlo" panose="020B0609030804020204" pitchFamily="49" charset="0"/>
+              </a:rPr>
+              <a:t>, </a:t>
+            </a:r>
+            <a:r>
+              <a:rPr lang="de-DE" sz="1600" dirty="0">
+                <a:solidFill>
+                  <a:srgbClr val="569CD6"/>
+                </a:solidFill>
+                <a:latin typeface="Menlo" panose="020B0609030804020204" pitchFamily="49" charset="0"/>
+              </a:rPr>
+              <a:t>NULL</a:t>
+            </a:r>
+            <a:r>
+              <a:rPr lang="de-DE" sz="1600" dirty="0">
+                <a:solidFill>
+                  <a:srgbClr val="D4D4D4"/>
+                </a:solidFill>
+                <a:latin typeface="Menlo" panose="020B0609030804020204" pitchFamily="49" charset="0"/>
+              </a:rPr>
+              <a:t>);</a:t>
+            </a:r>
+          </a:p>
+          <a:p>
+            <a:pPr marL="0" indent="0">
+              <a:buFont typeface="Arial" panose="020B0604020202020204" pitchFamily="34" charset="0"/>
+              <a:buNone/>
+            </a:pPr>
+            <a:r>
+              <a:rPr lang="de-DE" sz="1600" dirty="0" err="1">
+                <a:solidFill>
+                  <a:srgbClr val="DCDCAA"/>
+                </a:solidFill>
+                <a:latin typeface="Menlo" panose="020B0609030804020204" pitchFamily="49" charset="0"/>
+              </a:rPr>
+              <a:t>xTaskCreate</a:t>
+            </a:r>
+            <a:r>
+              <a:rPr lang="de-DE" sz="1600" dirty="0">
+                <a:solidFill>
+                  <a:srgbClr val="D4D4D4"/>
+                </a:solidFill>
+                <a:latin typeface="Menlo" panose="020B0609030804020204" pitchFamily="49" charset="0"/>
+              </a:rPr>
+              <a:t>(</a:t>
+            </a:r>
+            <a:r>
+              <a:rPr lang="de-DE" sz="1600" dirty="0" err="1">
+                <a:solidFill>
+                  <a:schemeClr val="tx1"/>
+                </a:solidFill>
+                <a:latin typeface="Menlo" panose="020B0609030804020204" pitchFamily="49" charset="0"/>
+              </a:rPr>
+              <a:t>controller</a:t>
+            </a:r>
+            <a:r>
+              <a:rPr lang="de-DE" sz="1600" dirty="0">
+                <a:solidFill>
+                  <a:srgbClr val="D4D4D4"/>
+                </a:solidFill>
+                <a:latin typeface="Menlo" panose="020B0609030804020204" pitchFamily="49" charset="0"/>
+              </a:rPr>
+              <a:t>, </a:t>
+            </a:r>
+            <a:r>
+              <a:rPr lang="de-DE" sz="1600" dirty="0">
+                <a:solidFill>
+                  <a:srgbClr val="CE9178"/>
+                </a:solidFill>
+                <a:latin typeface="Menlo" panose="020B0609030804020204" pitchFamily="49" charset="0"/>
+              </a:rPr>
+              <a:t>"CONTROL"</a:t>
+            </a:r>
+            <a:r>
+              <a:rPr lang="de-DE" sz="1600" dirty="0">
+                <a:solidFill>
+                  <a:srgbClr val="D4D4D4"/>
+                </a:solidFill>
+                <a:latin typeface="Menlo" panose="020B0609030804020204" pitchFamily="49" charset="0"/>
+              </a:rPr>
+              <a:t>,</a:t>
+            </a:r>
+          </a:p>
+          <a:p>
+            <a:pPr marL="0" indent="0">
+              <a:buFont typeface="Arial" panose="020B0604020202020204" pitchFamily="34" charset="0"/>
+              <a:buNone/>
+            </a:pPr>
+            <a:r>
+              <a:rPr lang="de-DE" sz="1600" dirty="0">
+                <a:solidFill>
+                  <a:srgbClr val="D4D4D4"/>
+                </a:solidFill>
+                <a:latin typeface="Menlo" panose="020B0609030804020204" pitchFamily="49" charset="0"/>
+              </a:rPr>
+              <a:t>(</a:t>
+            </a:r>
+            <a:r>
+              <a:rPr lang="de-DE" sz="1600" dirty="0">
+                <a:solidFill>
+                  <a:srgbClr val="B5CEA8"/>
+                </a:solidFill>
+                <a:latin typeface="Menlo" panose="020B0609030804020204" pitchFamily="49" charset="0"/>
+              </a:rPr>
+              <a:t>3</a:t>
+            </a:r>
+            <a:r>
+              <a:rPr lang="de-DE" sz="1600" dirty="0">
+                <a:solidFill>
+                  <a:srgbClr val="D4D4D4"/>
+                </a:solidFill>
+                <a:latin typeface="Menlo" panose="020B0609030804020204" pitchFamily="49" charset="0"/>
+              </a:rPr>
+              <a:t> * </a:t>
+            </a:r>
+            <a:r>
+              <a:rPr lang="de-DE" sz="1600" dirty="0" err="1">
+                <a:solidFill>
+                  <a:schemeClr val="tx1"/>
+                </a:solidFill>
+                <a:latin typeface="Menlo" panose="020B0609030804020204" pitchFamily="49" charset="0"/>
+              </a:rPr>
+              <a:t>configMINIMAL_STACK_SIZE</a:t>
+            </a:r>
+            <a:r>
+              <a:rPr lang="de-DE" sz="1600" dirty="0">
+                <a:solidFill>
+                  <a:srgbClr val="D4D4D4"/>
+                </a:solidFill>
+                <a:latin typeface="Menlo" panose="020B0609030804020204" pitchFamily="49" charset="0"/>
+              </a:rPr>
+              <a:t>), </a:t>
+            </a:r>
+            <a:r>
+              <a:rPr lang="de-DE" sz="1600" dirty="0">
+                <a:solidFill>
+                  <a:srgbClr val="569CD6"/>
+                </a:solidFill>
+                <a:latin typeface="Menlo" panose="020B0609030804020204" pitchFamily="49" charset="0"/>
+              </a:rPr>
+              <a:t>NULL</a:t>
+            </a:r>
+            <a:r>
+              <a:rPr lang="de-DE" sz="1600" dirty="0">
+                <a:solidFill>
+                  <a:srgbClr val="D4D4D4"/>
+                </a:solidFill>
+                <a:latin typeface="Menlo" panose="020B0609030804020204" pitchFamily="49" charset="0"/>
+              </a:rPr>
+              <a:t>, </a:t>
+            </a:r>
+            <a:r>
+              <a:rPr lang="de-DE" sz="1600" dirty="0">
+                <a:solidFill>
+                  <a:srgbClr val="B5CEA8"/>
+                </a:solidFill>
+                <a:latin typeface="Menlo" panose="020B0609030804020204" pitchFamily="49" charset="0"/>
+              </a:rPr>
+              <a:t>2</a:t>
+            </a:r>
+            <a:r>
+              <a:rPr lang="de-DE" sz="1600" dirty="0">
+                <a:solidFill>
+                  <a:srgbClr val="D4D4D4"/>
+                </a:solidFill>
+                <a:latin typeface="Menlo" panose="020B0609030804020204" pitchFamily="49" charset="0"/>
+              </a:rPr>
+              <a:t>, </a:t>
+            </a:r>
+            <a:r>
+              <a:rPr lang="de-DE" sz="1600" dirty="0">
+                <a:solidFill>
+                  <a:srgbClr val="569CD6"/>
+                </a:solidFill>
+                <a:latin typeface="Menlo" panose="020B0609030804020204" pitchFamily="49" charset="0"/>
+              </a:rPr>
+              <a:t>NULL</a:t>
+            </a:r>
+            <a:r>
+              <a:rPr lang="de-DE" sz="1600" dirty="0">
+                <a:solidFill>
+                  <a:srgbClr val="D4D4D4"/>
+                </a:solidFill>
+                <a:latin typeface="Menlo" panose="020B0609030804020204" pitchFamily="49" charset="0"/>
+              </a:rPr>
+              <a:t>);</a:t>
+            </a:r>
+          </a:p>
+          <a:p>
+            <a:pPr marL="0" indent="0">
+              <a:buFont typeface="Arial" panose="020B0604020202020204" pitchFamily="34" charset="0"/>
+              <a:buNone/>
+            </a:pPr>
+            <a:r>
+              <a:rPr lang="de-DE" sz="1600" dirty="0">
+                <a:solidFill>
+                  <a:srgbClr val="D4D4D4"/>
+                </a:solidFill>
+                <a:latin typeface="Menlo" panose="020B0609030804020204" pitchFamily="49" charset="0"/>
+              </a:rPr>
+              <a:t>}</a:t>
+            </a:r>
+          </a:p>
+          <a:p>
+            <a:pPr marL="0" indent="0">
+              <a:buFont typeface="Arial" panose="020B0604020202020204" pitchFamily="34" charset="0"/>
+              <a:buNone/>
+            </a:pPr>
+            <a:endParaRPr lang="de-DE" sz="1600" dirty="0"/>
           </a:p>
         </p:txBody>
       </p:sp>
     </p:spTree>
     <p:extLst>
       <p:ext uri="{BB962C8B-B14F-4D97-AF65-F5344CB8AC3E}">
-        <p14:creationId xmlns:p14="http://schemas.microsoft.com/office/powerpoint/2010/main" val="3961163006"/>
+        <p14:creationId xmlns:p14="http://schemas.microsoft.com/office/powerpoint/2010/main" val="331199780"/>
       </p:ext>
     </p:extLst>
   </p:cSld>
@@ -9613,15 +8895,7 @@
             </a:br>
             <a:r>
               <a:rPr lang="de-DE" dirty="0"/>
-              <a:t>- </a:t>
-            </a:r>
-            <a:r>
-              <a:rPr lang="de-DE" dirty="0" err="1"/>
-              <a:t>setpoint</a:t>
-            </a:r>
-            <a:r>
-              <a:rPr lang="de-DE" dirty="0"/>
-              <a:t> </a:t>
+              <a:t>- Filter </a:t>
             </a:r>
             <a:r>
               <a:rPr lang="de-DE" dirty="0" err="1"/>
@@ -9660,13 +8934,13 @@
         </p:nvSpPr>
         <p:spPr>
           <a:xfrm>
-            <a:off x="2231136" y="2497368"/>
-            <a:ext cx="7729728" cy="3664282"/>
+            <a:off x="468923" y="2497368"/>
+            <a:ext cx="11254153" cy="3664282"/>
           </a:xfrm>
         </p:spPr>
         <p:txBody>
           <a:bodyPr>
-            <a:normAutofit/>
+            <a:normAutofit fontScale="92500" lnSpcReduction="10000"/>
           </a:bodyPr>
           <a:lstStyle/>
           <a:p>
@@ -9698,7 +8972,7 @@
                 </a:solidFill>
                 <a:latin typeface="Menlo" panose="020B0609030804020204" pitchFamily="49" charset="0"/>
               </a:rPr>
-              <a:t>setsema,portMAX_DELAY</a:t>
+              <a:t>filtsema,portMAX_DELAY</a:t>
             </a:r>
             <a:r>
               <a:rPr lang="de-DE" dirty="0">
@@ -9707,103 +8981,7 @@
                 </a:solidFill>
                 <a:latin typeface="Menlo" panose="020B0609030804020204" pitchFamily="49" charset="0"/>
               </a:rPr>
-              <a:t>);</a:t>
-            </a:r>
-          </a:p>
-          <a:p>
-            <a:pPr marL="0" indent="0">
-              <a:buNone/>
-            </a:pPr>
-            <a:r>
-              <a:rPr lang="de-DE" dirty="0">
-                <a:solidFill>
-                  <a:srgbClr val="D4D4D4"/>
-                </a:solidFill>
-                <a:latin typeface="Menlo" panose="020B0609030804020204" pitchFamily="49" charset="0"/>
-              </a:rPr>
-              <a:t> </a:t>
-            </a:r>
-          </a:p>
-          <a:p>
-            <a:pPr marL="0" indent="0">
-              <a:buNone/>
-            </a:pPr>
-            <a:r>
-              <a:rPr lang="de-DE" dirty="0" err="1">
-                <a:solidFill>
-                  <a:srgbClr val="DCDCAA"/>
-                </a:solidFill>
-                <a:latin typeface="Menlo" panose="020B0609030804020204" pitchFamily="49" charset="0"/>
-              </a:rPr>
-              <a:t>commanderGetSetpoint</a:t>
-            </a:r>
-            <a:r>
-              <a:rPr lang="de-DE" dirty="0">
-                <a:solidFill>
-                  <a:srgbClr val="D4D4D4"/>
-                </a:solidFill>
-                <a:latin typeface="Menlo" panose="020B0609030804020204" pitchFamily="49" charset="0"/>
-              </a:rPr>
-              <a:t>(</a:t>
-            </a:r>
-            <a:r>
-              <a:rPr lang="de-DE" dirty="0">
-                <a:solidFill>
-                  <a:schemeClr val="tx1"/>
-                </a:solidFill>
-                <a:latin typeface="Menlo" panose="020B0609030804020204" pitchFamily="49" charset="0"/>
-              </a:rPr>
-              <a:t>&amp;</a:t>
-            </a:r>
-            <a:r>
-              <a:rPr lang="de-DE" dirty="0" err="1">
-                <a:solidFill>
-                  <a:schemeClr val="tx1"/>
-                </a:solidFill>
-                <a:latin typeface="Menlo" panose="020B0609030804020204" pitchFamily="49" charset="0"/>
-              </a:rPr>
-              <a:t>setpoint</a:t>
-            </a:r>
-            <a:r>
-              <a:rPr lang="de-DE" dirty="0">
-                <a:solidFill>
-                  <a:schemeClr val="tx1"/>
-                </a:solidFill>
-                <a:latin typeface="Menlo" panose="020B0609030804020204" pitchFamily="49" charset="0"/>
-              </a:rPr>
-              <a:t>, tick</a:t>
-            </a:r>
-            <a:r>
-              <a:rPr lang="de-DE" dirty="0">
-                <a:solidFill>
-                  <a:srgbClr val="D4D4D4"/>
-                </a:solidFill>
-                <a:latin typeface="Menlo" panose="020B0609030804020204" pitchFamily="49" charset="0"/>
-              </a:rPr>
-              <a:t>);</a:t>
-            </a:r>
-          </a:p>
-          <a:p>
-            <a:pPr marL="0" indent="0">
-              <a:buNone/>
-            </a:pPr>
-            <a:r>
-              <a:rPr lang="de-DE" dirty="0">
-                <a:solidFill>
-                  <a:schemeClr val="tx1"/>
-                </a:solidFill>
-                <a:latin typeface="Menlo" panose="020B0609030804020204" pitchFamily="49" charset="0"/>
-              </a:rPr>
-              <a:t>tick++</a:t>
-            </a:r>
-            <a:r>
-              <a:rPr lang="de-DE" dirty="0">
-                <a:solidFill>
-                  <a:srgbClr val="D4D4D4"/>
-                </a:solidFill>
-                <a:latin typeface="Menlo" panose="020B0609030804020204" pitchFamily="49" charset="0"/>
-              </a:rPr>
-              <a:t>;</a:t>
+              <a:t>); </a:t>
             </a:r>
           </a:p>
           <a:p>
@@ -9824,6 +9002,767 @@
             <a:r>
               <a:rPr lang="de-DE" dirty="0" err="1">
                 <a:solidFill>
+                  <a:srgbClr val="9CDCFE"/>
+                </a:solidFill>
+                <a:latin typeface="Menlo" panose="020B0609030804020204" pitchFamily="49" charset="0"/>
+              </a:rPr>
+              <a:t>state</a:t>
+            </a:r>
+            <a:r>
+              <a:rPr lang="de-DE" dirty="0" err="1">
+                <a:solidFill>
+                  <a:srgbClr val="D4D4D4"/>
+                </a:solidFill>
+                <a:latin typeface="Menlo" panose="020B0609030804020204" pitchFamily="49" charset="0"/>
+              </a:rPr>
+              <a:t>.</a:t>
+            </a:r>
+            <a:r>
+              <a:rPr lang="de-DE" dirty="0" err="1">
+                <a:solidFill>
+                  <a:srgbClr val="9CDCFE"/>
+                </a:solidFill>
+                <a:latin typeface="Menlo" panose="020B0609030804020204" pitchFamily="49" charset="0"/>
+              </a:rPr>
+              <a:t>pitch</a:t>
+            </a:r>
+            <a:r>
+              <a:rPr lang="de-DE" dirty="0">
+                <a:solidFill>
+                  <a:srgbClr val="D4D4D4"/>
+                </a:solidFill>
+                <a:latin typeface="Menlo" panose="020B0609030804020204" pitchFamily="49" charset="0"/>
+              </a:rPr>
+              <a:t>= (</a:t>
+            </a:r>
+            <a:r>
+              <a:rPr lang="de-DE" dirty="0">
+                <a:solidFill>
+                  <a:srgbClr val="B5CEA8"/>
+                </a:solidFill>
+                <a:latin typeface="Menlo" panose="020B0609030804020204" pitchFamily="49" charset="0"/>
+              </a:rPr>
+              <a:t>1</a:t>
+            </a:r>
+            <a:r>
+              <a:rPr lang="de-DE" dirty="0">
+                <a:solidFill>
+                  <a:srgbClr val="D4D4D4"/>
+                </a:solidFill>
+                <a:latin typeface="Menlo" panose="020B0609030804020204" pitchFamily="49" charset="0"/>
+              </a:rPr>
+              <a:t>-</a:t>
+            </a:r>
+            <a:r>
+              <a:rPr lang="de-DE" dirty="0">
+                <a:solidFill>
+                  <a:schemeClr val="tx1"/>
+                </a:solidFill>
+                <a:latin typeface="Menlo" panose="020B0609030804020204" pitchFamily="49" charset="0"/>
+              </a:rPr>
+              <a:t>gamma</a:t>
+            </a:r>
+            <a:r>
+              <a:rPr lang="de-DE" dirty="0">
+                <a:solidFill>
+                  <a:srgbClr val="D4D4D4"/>
+                </a:solidFill>
+                <a:latin typeface="Menlo" panose="020B0609030804020204" pitchFamily="49" charset="0"/>
+              </a:rPr>
+              <a:t>)*</a:t>
+            </a:r>
+            <a:r>
+              <a:rPr lang="de-DE" dirty="0" err="1">
+                <a:solidFill>
+                  <a:schemeClr val="tx1"/>
+                </a:solidFill>
+                <a:latin typeface="Menlo" panose="020B0609030804020204" pitchFamily="49" charset="0"/>
+              </a:rPr>
+              <a:t>thetaacc</a:t>
+            </a:r>
+            <a:r>
+              <a:rPr lang="de-DE" dirty="0">
+                <a:solidFill>
+                  <a:srgbClr val="D4D4D4"/>
+                </a:solidFill>
+                <a:latin typeface="Menlo" panose="020B0609030804020204" pitchFamily="49" charset="0"/>
+              </a:rPr>
+              <a:t> + </a:t>
+            </a:r>
+            <a:r>
+              <a:rPr lang="de-DE" dirty="0" err="1">
+                <a:solidFill>
+                  <a:schemeClr val="tx1"/>
+                </a:solidFill>
+                <a:latin typeface="Menlo" panose="020B0609030804020204" pitchFamily="49" charset="0"/>
+              </a:rPr>
+              <a:t>gamma</a:t>
+            </a:r>
+            <a:r>
+              <a:rPr lang="de-DE" dirty="0">
+                <a:solidFill>
+                  <a:srgbClr val="D4D4D4"/>
+                </a:solidFill>
+                <a:latin typeface="Menlo" panose="020B0609030804020204" pitchFamily="49" charset="0"/>
+              </a:rPr>
+              <a:t>*(</a:t>
+            </a:r>
+            <a:r>
+              <a:rPr lang="de-DE" dirty="0" err="1">
+                <a:solidFill>
+                  <a:srgbClr val="9CDCFE"/>
+                </a:solidFill>
+                <a:latin typeface="Menlo" panose="020B0609030804020204" pitchFamily="49" charset="0"/>
+              </a:rPr>
+              <a:t>state</a:t>
+            </a:r>
+            <a:r>
+              <a:rPr lang="de-DE" dirty="0" err="1">
+                <a:solidFill>
+                  <a:srgbClr val="D4D4D4"/>
+                </a:solidFill>
+                <a:latin typeface="Menlo" panose="020B0609030804020204" pitchFamily="49" charset="0"/>
+              </a:rPr>
+              <a:t>.</a:t>
+            </a:r>
+            <a:r>
+              <a:rPr lang="de-DE" dirty="0" err="1">
+                <a:solidFill>
+                  <a:srgbClr val="9CDCFE"/>
+                </a:solidFill>
+                <a:latin typeface="Menlo" panose="020B0609030804020204" pitchFamily="49" charset="0"/>
+              </a:rPr>
+              <a:t>pitch</a:t>
+            </a:r>
+            <a:r>
+              <a:rPr lang="de-DE" dirty="0">
+                <a:solidFill>
+                  <a:srgbClr val="D4D4D4"/>
+                </a:solidFill>
+                <a:latin typeface="Menlo" panose="020B0609030804020204" pitchFamily="49" charset="0"/>
+              </a:rPr>
+              <a:t> + </a:t>
+            </a:r>
+            <a:r>
+              <a:rPr lang="de-DE" dirty="0">
+                <a:solidFill>
+                  <a:schemeClr val="tx1"/>
+                </a:solidFill>
+                <a:latin typeface="Menlo" panose="020B0609030804020204" pitchFamily="49" charset="0"/>
+              </a:rPr>
+              <a:t>h</a:t>
+            </a:r>
+            <a:r>
+              <a:rPr lang="de-DE" dirty="0">
+                <a:solidFill>
+                  <a:srgbClr val="D4D4D4"/>
+                </a:solidFill>
+                <a:latin typeface="Menlo" panose="020B0609030804020204" pitchFamily="49" charset="0"/>
+              </a:rPr>
+              <a:t>*</a:t>
+            </a:r>
+            <a:r>
+              <a:rPr lang="de-DE" dirty="0" err="1">
+                <a:solidFill>
+                  <a:srgbClr val="9CDCFE"/>
+                </a:solidFill>
+                <a:latin typeface="Menlo" panose="020B0609030804020204" pitchFamily="49" charset="0"/>
+              </a:rPr>
+              <a:t>sensorData</a:t>
+            </a:r>
+            <a:r>
+              <a:rPr lang="de-DE" dirty="0" err="1">
+                <a:solidFill>
+                  <a:srgbClr val="D4D4D4"/>
+                </a:solidFill>
+                <a:latin typeface="Menlo" panose="020B0609030804020204" pitchFamily="49" charset="0"/>
+              </a:rPr>
+              <a:t>.</a:t>
+            </a:r>
+            <a:r>
+              <a:rPr lang="de-DE" dirty="0" err="1">
+                <a:solidFill>
+                  <a:srgbClr val="9CDCFE"/>
+                </a:solidFill>
+                <a:latin typeface="Menlo" panose="020B0609030804020204" pitchFamily="49" charset="0"/>
+              </a:rPr>
+              <a:t>gyro</a:t>
+            </a:r>
+            <a:r>
+              <a:rPr lang="de-DE" dirty="0" err="1">
+                <a:solidFill>
+                  <a:srgbClr val="D4D4D4"/>
+                </a:solidFill>
+                <a:latin typeface="Menlo" panose="020B0609030804020204" pitchFamily="49" charset="0"/>
+              </a:rPr>
+              <a:t>.</a:t>
+            </a:r>
+            <a:r>
+              <a:rPr lang="de-DE" dirty="0" err="1">
+                <a:solidFill>
+                  <a:srgbClr val="9CDCFE"/>
+                </a:solidFill>
+                <a:latin typeface="Menlo" panose="020B0609030804020204" pitchFamily="49" charset="0"/>
+              </a:rPr>
+              <a:t>y</a:t>
+            </a:r>
+            <a:r>
+              <a:rPr lang="de-DE" dirty="0">
+                <a:solidFill>
+                  <a:srgbClr val="D4D4D4"/>
+                </a:solidFill>
+                <a:latin typeface="Menlo" panose="020B0609030804020204" pitchFamily="49" charset="0"/>
+              </a:rPr>
+              <a:t>);</a:t>
+            </a:r>
+          </a:p>
+          <a:p>
+            <a:pPr marL="0" indent="0">
+              <a:buNone/>
+            </a:pPr>
+            <a:r>
+              <a:rPr lang="de-DE" dirty="0" err="1">
+                <a:solidFill>
+                  <a:srgbClr val="9CDCFE"/>
+                </a:solidFill>
+                <a:latin typeface="Menlo" panose="020B0609030804020204" pitchFamily="49" charset="0"/>
+              </a:rPr>
+              <a:t>state</a:t>
+            </a:r>
+            <a:r>
+              <a:rPr lang="de-DE" dirty="0" err="1">
+                <a:solidFill>
+                  <a:srgbClr val="D4D4D4"/>
+                </a:solidFill>
+                <a:latin typeface="Menlo" panose="020B0609030804020204" pitchFamily="49" charset="0"/>
+              </a:rPr>
+              <a:t>.</a:t>
+            </a:r>
+            <a:r>
+              <a:rPr lang="de-DE" dirty="0" err="1">
+                <a:solidFill>
+                  <a:srgbClr val="9CDCFE"/>
+                </a:solidFill>
+                <a:latin typeface="Menlo" panose="020B0609030804020204" pitchFamily="49" charset="0"/>
+              </a:rPr>
+              <a:t>roll</a:t>
+            </a:r>
+            <a:r>
+              <a:rPr lang="de-DE" dirty="0">
+                <a:solidFill>
+                  <a:srgbClr val="D4D4D4"/>
+                </a:solidFill>
+                <a:latin typeface="Menlo" panose="020B0609030804020204" pitchFamily="49" charset="0"/>
+              </a:rPr>
+              <a:t>= (</a:t>
+            </a:r>
+            <a:r>
+              <a:rPr lang="de-DE" dirty="0">
+                <a:solidFill>
+                  <a:srgbClr val="B5CEA8"/>
+                </a:solidFill>
+                <a:latin typeface="Menlo" panose="020B0609030804020204" pitchFamily="49" charset="0"/>
+              </a:rPr>
+              <a:t>1</a:t>
+            </a:r>
+            <a:r>
+              <a:rPr lang="de-DE" dirty="0">
+                <a:solidFill>
+                  <a:srgbClr val="D4D4D4"/>
+                </a:solidFill>
+                <a:latin typeface="Menlo" panose="020B0609030804020204" pitchFamily="49" charset="0"/>
+              </a:rPr>
+              <a:t>-</a:t>
+            </a:r>
+            <a:r>
+              <a:rPr lang="de-DE" dirty="0">
+                <a:solidFill>
+                  <a:schemeClr val="tx1"/>
+                </a:solidFill>
+                <a:latin typeface="Menlo" panose="020B0609030804020204" pitchFamily="49" charset="0"/>
+              </a:rPr>
+              <a:t>gamma</a:t>
+            </a:r>
+            <a:r>
+              <a:rPr lang="de-DE" dirty="0">
+                <a:solidFill>
+                  <a:srgbClr val="D4D4D4"/>
+                </a:solidFill>
+                <a:latin typeface="Menlo" panose="020B0609030804020204" pitchFamily="49" charset="0"/>
+              </a:rPr>
+              <a:t>)*</a:t>
+            </a:r>
+            <a:r>
+              <a:rPr lang="de-DE" dirty="0" err="1">
+                <a:solidFill>
+                  <a:schemeClr val="tx1"/>
+                </a:solidFill>
+                <a:latin typeface="Menlo" panose="020B0609030804020204" pitchFamily="49" charset="0"/>
+              </a:rPr>
+              <a:t>phiacc</a:t>
+            </a:r>
+            <a:r>
+              <a:rPr lang="de-DE" dirty="0">
+                <a:solidFill>
+                  <a:srgbClr val="D4D4D4"/>
+                </a:solidFill>
+                <a:latin typeface="Menlo" panose="020B0609030804020204" pitchFamily="49" charset="0"/>
+              </a:rPr>
+              <a:t> + </a:t>
+            </a:r>
+            <a:r>
+              <a:rPr lang="de-DE" dirty="0" err="1">
+                <a:solidFill>
+                  <a:schemeClr val="tx1"/>
+                </a:solidFill>
+                <a:latin typeface="Menlo" panose="020B0609030804020204" pitchFamily="49" charset="0"/>
+              </a:rPr>
+              <a:t>gamma</a:t>
+            </a:r>
+            <a:r>
+              <a:rPr lang="de-DE" dirty="0">
+                <a:solidFill>
+                  <a:srgbClr val="D4D4D4"/>
+                </a:solidFill>
+                <a:latin typeface="Menlo" panose="020B0609030804020204" pitchFamily="49" charset="0"/>
+              </a:rPr>
+              <a:t>*(</a:t>
+            </a:r>
+            <a:r>
+              <a:rPr lang="de-DE" dirty="0" err="1">
+                <a:solidFill>
+                  <a:srgbClr val="9CDCFE"/>
+                </a:solidFill>
+                <a:latin typeface="Menlo" panose="020B0609030804020204" pitchFamily="49" charset="0"/>
+              </a:rPr>
+              <a:t>state</a:t>
+            </a:r>
+            <a:r>
+              <a:rPr lang="de-DE" dirty="0" err="1">
+                <a:solidFill>
+                  <a:srgbClr val="D4D4D4"/>
+                </a:solidFill>
+                <a:latin typeface="Menlo" panose="020B0609030804020204" pitchFamily="49" charset="0"/>
+              </a:rPr>
+              <a:t>.</a:t>
+            </a:r>
+            <a:r>
+              <a:rPr lang="de-DE" dirty="0" err="1">
+                <a:solidFill>
+                  <a:srgbClr val="9CDCFE"/>
+                </a:solidFill>
+                <a:latin typeface="Menlo" panose="020B0609030804020204" pitchFamily="49" charset="0"/>
+              </a:rPr>
+              <a:t>roll</a:t>
+            </a:r>
+            <a:r>
+              <a:rPr lang="de-DE" dirty="0">
+                <a:solidFill>
+                  <a:srgbClr val="D4D4D4"/>
+                </a:solidFill>
+                <a:latin typeface="Menlo" panose="020B0609030804020204" pitchFamily="49" charset="0"/>
+              </a:rPr>
+              <a:t> + </a:t>
+            </a:r>
+            <a:r>
+              <a:rPr lang="de-DE" dirty="0">
+                <a:solidFill>
+                  <a:schemeClr val="tx1"/>
+                </a:solidFill>
+                <a:latin typeface="Menlo" panose="020B0609030804020204" pitchFamily="49" charset="0"/>
+              </a:rPr>
+              <a:t>h</a:t>
+            </a:r>
+            <a:r>
+              <a:rPr lang="de-DE" dirty="0">
+                <a:solidFill>
+                  <a:srgbClr val="D4D4D4"/>
+                </a:solidFill>
+                <a:latin typeface="Menlo" panose="020B0609030804020204" pitchFamily="49" charset="0"/>
+              </a:rPr>
+              <a:t>*</a:t>
+            </a:r>
+            <a:r>
+              <a:rPr lang="de-DE" dirty="0" err="1">
+                <a:solidFill>
+                  <a:srgbClr val="9CDCFE"/>
+                </a:solidFill>
+                <a:latin typeface="Menlo" panose="020B0609030804020204" pitchFamily="49" charset="0"/>
+              </a:rPr>
+              <a:t>sensorData</a:t>
+            </a:r>
+            <a:r>
+              <a:rPr lang="de-DE" dirty="0" err="1">
+                <a:solidFill>
+                  <a:srgbClr val="D4D4D4"/>
+                </a:solidFill>
+                <a:latin typeface="Menlo" panose="020B0609030804020204" pitchFamily="49" charset="0"/>
+              </a:rPr>
+              <a:t>.</a:t>
+            </a:r>
+            <a:r>
+              <a:rPr lang="de-DE" dirty="0" err="1">
+                <a:solidFill>
+                  <a:srgbClr val="9CDCFE"/>
+                </a:solidFill>
+                <a:latin typeface="Menlo" panose="020B0609030804020204" pitchFamily="49" charset="0"/>
+              </a:rPr>
+              <a:t>gyro</a:t>
+            </a:r>
+            <a:r>
+              <a:rPr lang="de-DE" dirty="0" err="1">
+                <a:solidFill>
+                  <a:srgbClr val="D4D4D4"/>
+                </a:solidFill>
+                <a:latin typeface="Menlo" panose="020B0609030804020204" pitchFamily="49" charset="0"/>
+              </a:rPr>
+              <a:t>.</a:t>
+            </a:r>
+            <a:r>
+              <a:rPr lang="de-DE" dirty="0" err="1">
+                <a:solidFill>
+                  <a:srgbClr val="9CDCFE"/>
+                </a:solidFill>
+                <a:latin typeface="Menlo" panose="020B0609030804020204" pitchFamily="49" charset="0"/>
+              </a:rPr>
+              <a:t>x</a:t>
+            </a:r>
+            <a:r>
+              <a:rPr lang="de-DE" dirty="0">
+                <a:solidFill>
+                  <a:srgbClr val="D4D4D4"/>
+                </a:solidFill>
+                <a:latin typeface="Menlo" panose="020B0609030804020204" pitchFamily="49" charset="0"/>
+              </a:rPr>
+              <a:t>);</a:t>
+            </a:r>
+          </a:p>
+          <a:p>
+            <a:pPr marL="0" indent="0">
+              <a:buNone/>
+            </a:pPr>
+            <a:r>
+              <a:rPr lang="de-DE" dirty="0" err="1">
+                <a:solidFill>
+                  <a:srgbClr val="9CDCFE"/>
+                </a:solidFill>
+                <a:latin typeface="Menlo" panose="020B0609030804020204" pitchFamily="49" charset="0"/>
+              </a:rPr>
+              <a:t>state</a:t>
+            </a:r>
+            <a:r>
+              <a:rPr lang="de-DE" dirty="0" err="1">
+                <a:solidFill>
+                  <a:srgbClr val="D4D4D4"/>
+                </a:solidFill>
+                <a:latin typeface="Menlo" panose="020B0609030804020204" pitchFamily="49" charset="0"/>
+              </a:rPr>
+              <a:t>.</a:t>
+            </a:r>
+            <a:r>
+              <a:rPr lang="de-DE" dirty="0" err="1">
+                <a:solidFill>
+                  <a:srgbClr val="9CDCFE"/>
+                </a:solidFill>
+                <a:latin typeface="Menlo" panose="020B0609030804020204" pitchFamily="49" charset="0"/>
+              </a:rPr>
+              <a:t>rateRoll</a:t>
+            </a:r>
+            <a:r>
+              <a:rPr lang="de-DE" dirty="0">
+                <a:solidFill>
+                  <a:srgbClr val="D4D4D4"/>
+                </a:solidFill>
+                <a:latin typeface="Menlo" panose="020B0609030804020204" pitchFamily="49" charset="0"/>
+              </a:rPr>
+              <a:t>= </a:t>
+            </a:r>
+            <a:r>
+              <a:rPr lang="de-DE" dirty="0" err="1">
+                <a:solidFill>
+                  <a:srgbClr val="9CDCFE"/>
+                </a:solidFill>
+                <a:latin typeface="Menlo" panose="020B0609030804020204" pitchFamily="49" charset="0"/>
+              </a:rPr>
+              <a:t>sensorData</a:t>
+            </a:r>
+            <a:r>
+              <a:rPr lang="de-DE" dirty="0" err="1">
+                <a:solidFill>
+                  <a:srgbClr val="D4D4D4"/>
+                </a:solidFill>
+                <a:latin typeface="Menlo" panose="020B0609030804020204" pitchFamily="49" charset="0"/>
+              </a:rPr>
+              <a:t>.</a:t>
+            </a:r>
+            <a:r>
+              <a:rPr lang="de-DE" dirty="0" err="1">
+                <a:solidFill>
+                  <a:srgbClr val="9CDCFE"/>
+                </a:solidFill>
+                <a:latin typeface="Menlo" panose="020B0609030804020204" pitchFamily="49" charset="0"/>
+              </a:rPr>
+              <a:t>gyro</a:t>
+            </a:r>
+            <a:r>
+              <a:rPr lang="de-DE" dirty="0" err="1">
+                <a:solidFill>
+                  <a:srgbClr val="D4D4D4"/>
+                </a:solidFill>
+                <a:latin typeface="Menlo" panose="020B0609030804020204" pitchFamily="49" charset="0"/>
+              </a:rPr>
+              <a:t>.</a:t>
+            </a:r>
+            <a:r>
+              <a:rPr lang="de-DE" dirty="0" err="1">
+                <a:solidFill>
+                  <a:srgbClr val="9CDCFE"/>
+                </a:solidFill>
+                <a:latin typeface="Menlo" panose="020B0609030804020204" pitchFamily="49" charset="0"/>
+              </a:rPr>
+              <a:t>x</a:t>
+            </a:r>
+            <a:r>
+              <a:rPr lang="de-DE" dirty="0">
+                <a:solidFill>
+                  <a:srgbClr val="D4D4D4"/>
+                </a:solidFill>
+                <a:latin typeface="Menlo" panose="020B0609030804020204" pitchFamily="49" charset="0"/>
+              </a:rPr>
+              <a:t>;</a:t>
+            </a:r>
+          </a:p>
+          <a:p>
+            <a:pPr marL="0" indent="0">
+              <a:buNone/>
+            </a:pPr>
+            <a:r>
+              <a:rPr lang="de-DE" dirty="0" err="1">
+                <a:solidFill>
+                  <a:srgbClr val="9CDCFE"/>
+                </a:solidFill>
+                <a:latin typeface="Menlo" panose="020B0609030804020204" pitchFamily="49" charset="0"/>
+              </a:rPr>
+              <a:t>state</a:t>
+            </a:r>
+            <a:r>
+              <a:rPr lang="de-DE" dirty="0" err="1">
+                <a:solidFill>
+                  <a:srgbClr val="D4D4D4"/>
+                </a:solidFill>
+                <a:latin typeface="Menlo" panose="020B0609030804020204" pitchFamily="49" charset="0"/>
+              </a:rPr>
+              <a:t>.</a:t>
+            </a:r>
+            <a:r>
+              <a:rPr lang="de-DE" dirty="0" err="1">
+                <a:solidFill>
+                  <a:srgbClr val="9CDCFE"/>
+                </a:solidFill>
+                <a:latin typeface="Menlo" panose="020B0609030804020204" pitchFamily="49" charset="0"/>
+              </a:rPr>
+              <a:t>ratePitch</a:t>
+            </a:r>
+            <a:r>
+              <a:rPr lang="de-DE" dirty="0">
+                <a:solidFill>
+                  <a:srgbClr val="D4D4D4"/>
+                </a:solidFill>
+                <a:latin typeface="Menlo" panose="020B0609030804020204" pitchFamily="49" charset="0"/>
+              </a:rPr>
+              <a:t>= </a:t>
+            </a:r>
+            <a:r>
+              <a:rPr lang="de-DE" dirty="0" err="1">
+                <a:solidFill>
+                  <a:srgbClr val="9CDCFE"/>
+                </a:solidFill>
+                <a:latin typeface="Menlo" panose="020B0609030804020204" pitchFamily="49" charset="0"/>
+              </a:rPr>
+              <a:t>sensorData</a:t>
+            </a:r>
+            <a:r>
+              <a:rPr lang="de-DE" dirty="0" err="1">
+                <a:solidFill>
+                  <a:srgbClr val="D4D4D4"/>
+                </a:solidFill>
+                <a:latin typeface="Menlo" panose="020B0609030804020204" pitchFamily="49" charset="0"/>
+              </a:rPr>
+              <a:t>.</a:t>
+            </a:r>
+            <a:r>
+              <a:rPr lang="de-DE" dirty="0" err="1">
+                <a:solidFill>
+                  <a:srgbClr val="9CDCFE"/>
+                </a:solidFill>
+                <a:latin typeface="Menlo" panose="020B0609030804020204" pitchFamily="49" charset="0"/>
+              </a:rPr>
+              <a:t>gyro</a:t>
+            </a:r>
+            <a:r>
+              <a:rPr lang="de-DE" dirty="0" err="1">
+                <a:solidFill>
+                  <a:srgbClr val="D4D4D4"/>
+                </a:solidFill>
+                <a:latin typeface="Menlo" panose="020B0609030804020204" pitchFamily="49" charset="0"/>
+              </a:rPr>
+              <a:t>.</a:t>
+            </a:r>
+            <a:r>
+              <a:rPr lang="de-DE" dirty="0" err="1">
+                <a:solidFill>
+                  <a:srgbClr val="9CDCFE"/>
+                </a:solidFill>
+                <a:latin typeface="Menlo" panose="020B0609030804020204" pitchFamily="49" charset="0"/>
+              </a:rPr>
+              <a:t>y</a:t>
+            </a:r>
+            <a:r>
+              <a:rPr lang="de-DE" dirty="0">
+                <a:solidFill>
+                  <a:srgbClr val="D4D4D4"/>
+                </a:solidFill>
+                <a:latin typeface="Menlo" panose="020B0609030804020204" pitchFamily="49" charset="0"/>
+              </a:rPr>
+              <a:t>;</a:t>
+            </a:r>
+          </a:p>
+          <a:p>
+            <a:pPr marL="0" indent="0">
+              <a:buNone/>
+            </a:pPr>
+            <a:r>
+              <a:rPr lang="de-DE" dirty="0" err="1">
+                <a:solidFill>
+                  <a:srgbClr val="9CDCFE"/>
+                </a:solidFill>
+                <a:latin typeface="Menlo" panose="020B0609030804020204" pitchFamily="49" charset="0"/>
+              </a:rPr>
+              <a:t>state</a:t>
+            </a:r>
+            <a:r>
+              <a:rPr lang="de-DE" dirty="0" err="1">
+                <a:solidFill>
+                  <a:srgbClr val="D4D4D4"/>
+                </a:solidFill>
+                <a:latin typeface="Menlo" panose="020B0609030804020204" pitchFamily="49" charset="0"/>
+              </a:rPr>
+              <a:t>.</a:t>
+            </a:r>
+            <a:r>
+              <a:rPr lang="de-DE" dirty="0" err="1">
+                <a:solidFill>
+                  <a:srgbClr val="9CDCFE"/>
+                </a:solidFill>
+                <a:latin typeface="Menlo" panose="020B0609030804020204" pitchFamily="49" charset="0"/>
+              </a:rPr>
+              <a:t>rateYaw</a:t>
+            </a:r>
+            <a:r>
+              <a:rPr lang="de-DE" dirty="0">
+                <a:solidFill>
+                  <a:srgbClr val="D4D4D4"/>
+                </a:solidFill>
+                <a:latin typeface="Menlo" panose="020B0609030804020204" pitchFamily="49" charset="0"/>
+              </a:rPr>
+              <a:t>= </a:t>
+            </a:r>
+            <a:r>
+              <a:rPr lang="de-DE" dirty="0" err="1">
+                <a:solidFill>
+                  <a:srgbClr val="9CDCFE"/>
+                </a:solidFill>
+                <a:latin typeface="Menlo" panose="020B0609030804020204" pitchFamily="49" charset="0"/>
+              </a:rPr>
+              <a:t>sensorData</a:t>
+            </a:r>
+            <a:r>
+              <a:rPr lang="de-DE" dirty="0" err="1">
+                <a:solidFill>
+                  <a:srgbClr val="D4D4D4"/>
+                </a:solidFill>
+                <a:latin typeface="Menlo" panose="020B0609030804020204" pitchFamily="49" charset="0"/>
+              </a:rPr>
+              <a:t>.</a:t>
+            </a:r>
+            <a:r>
+              <a:rPr lang="de-DE" dirty="0" err="1">
+                <a:solidFill>
+                  <a:srgbClr val="9CDCFE"/>
+                </a:solidFill>
+                <a:latin typeface="Menlo" panose="020B0609030804020204" pitchFamily="49" charset="0"/>
+              </a:rPr>
+              <a:t>gyro</a:t>
+            </a:r>
+            <a:r>
+              <a:rPr lang="de-DE" dirty="0" err="1">
+                <a:solidFill>
+                  <a:srgbClr val="D4D4D4"/>
+                </a:solidFill>
+                <a:latin typeface="Menlo" panose="020B0609030804020204" pitchFamily="49" charset="0"/>
+              </a:rPr>
+              <a:t>.</a:t>
+            </a:r>
+            <a:r>
+              <a:rPr lang="de-DE" dirty="0" err="1">
+                <a:solidFill>
+                  <a:srgbClr val="9CDCFE"/>
+                </a:solidFill>
+                <a:latin typeface="Menlo" panose="020B0609030804020204" pitchFamily="49" charset="0"/>
+              </a:rPr>
+              <a:t>z</a:t>
+            </a:r>
+            <a:r>
+              <a:rPr lang="de-DE" dirty="0">
+                <a:solidFill>
+                  <a:srgbClr val="D4D4D4"/>
+                </a:solidFill>
+                <a:latin typeface="Menlo" panose="020B0609030804020204" pitchFamily="49" charset="0"/>
+              </a:rPr>
+              <a:t>;</a:t>
+            </a:r>
+          </a:p>
+          <a:p>
+            <a:pPr marL="0" indent="0">
+              <a:buNone/>
+            </a:pPr>
+            <a:r>
+              <a:rPr lang="de-DE" dirty="0">
+                <a:solidFill>
+                  <a:schemeClr val="tx1"/>
+                </a:solidFill>
+                <a:latin typeface="Menlo" panose="020B0609030804020204" pitchFamily="49" charset="0"/>
+              </a:rPr>
+              <a:t>tick++</a:t>
+            </a:r>
+            <a:r>
+              <a:rPr lang="de-DE" dirty="0">
+                <a:solidFill>
+                  <a:srgbClr val="D4D4D4"/>
+                </a:solidFill>
+                <a:latin typeface="Menlo" panose="020B0609030804020204" pitchFamily="49" charset="0"/>
+              </a:rPr>
+              <a:t>;</a:t>
+            </a:r>
+          </a:p>
+          <a:p>
+            <a:pPr marL="0" indent="0">
+              <a:buNone/>
+            </a:pPr>
+            <a:endParaRPr lang="de-DE" dirty="0">
+              <a:solidFill>
+                <a:srgbClr val="D4D4D4"/>
+              </a:solidFill>
+              <a:latin typeface="Menlo" panose="020B0609030804020204" pitchFamily="49" charset="0"/>
+            </a:endParaRPr>
+          </a:p>
+          <a:p>
+            <a:pPr marL="0" indent="0">
+              <a:buNone/>
+            </a:pPr>
+            <a:r>
+              <a:rPr lang="de-DE" dirty="0" err="1">
+                <a:solidFill>
                   <a:srgbClr val="DCDCAA"/>
                 </a:solidFill>
                 <a:latin typeface="Menlo" panose="020B0609030804020204" pitchFamily="49" charset="0"/>
@@ -9846,7 +9785,7 @@
                 </a:solidFill>
                 <a:latin typeface="Menlo" panose="020B0609030804020204" pitchFamily="49" charset="0"/>
               </a:rPr>
-              <a:t>setsema</a:t>
+              <a:t>filtsema</a:t>
             </a:r>
             <a:r>
               <a:rPr lang="de-DE" dirty="0">
@@ -9869,7 +9808,7 @@
     </p:spTree>
     <p:extLst>
       <p:ext uri="{BB962C8B-B14F-4D97-AF65-F5344CB8AC3E}">
-        <p14:creationId xmlns:p14="http://schemas.microsoft.com/office/powerpoint/2010/main" val="2179710947"/>
+        <p14:creationId xmlns:p14="http://schemas.microsoft.com/office/powerpoint/2010/main" val="3961163006"/>
       </p:ext>
     </p:extLst>
   </p:cSld>
@@ -9930,6 +9869,323 @@
             </a:br>
             <a:r>
               <a:rPr lang="de-DE" dirty="0"/>
+              <a:t>- </a:t>
+            </a:r>
+            <a:r>
+              <a:rPr lang="de-DE" dirty="0" err="1"/>
+              <a:t>setpoint</a:t>
+            </a:r>
+            <a:r>
+              <a:rPr lang="de-DE" dirty="0"/>
+              <a:t> </a:t>
+            </a:r>
+            <a:r>
+              <a:rPr lang="de-DE" dirty="0" err="1"/>
+              <a:t>function</a:t>
+            </a:r>
+            <a:r>
+              <a:rPr lang="de-DE" dirty="0"/>
+              <a:t> </a:t>
+            </a:r>
+            <a:r>
+              <a:rPr lang="de-DE" dirty="0" err="1"/>
+              <a:t>semaphores</a:t>
+            </a:r>
+            <a:r>
+              <a:rPr lang="de-DE" dirty="0"/>
+              <a:t> -</a:t>
+            </a:r>
+          </a:p>
+        </p:txBody>
+      </p:sp>
+      <p:sp>
+        <p:nvSpPr>
+          <p:cNvPr id="6" name="Inhaltsplatzhalter 5">
+            <a:extLst>
+              <a:ext uri="{FF2B5EF4-FFF2-40B4-BE49-F238E27FC236}">
+                <a16:creationId xmlns:a16="http://schemas.microsoft.com/office/drawing/2014/main" id="{7A4B3519-7053-4F4A-9704-0D8536946FB3}"/>
+              </a:ext>
+            </a:extLst>
+          </p:cNvPr>
+          <p:cNvSpPr>
+            <a:spLocks noGrp="1"/>
+          </p:cNvSpPr>
+          <p:nvPr>
+            <p:ph idx="1"/>
+          </p:nvPr>
+        </p:nvSpPr>
+        <p:spPr>
+          <a:xfrm>
+            <a:off x="2231136" y="2497368"/>
+            <a:ext cx="7729728" cy="3664282"/>
+          </a:xfrm>
+        </p:spPr>
+        <p:txBody>
+          <a:bodyPr>
+            <a:normAutofit/>
+          </a:bodyPr>
+          <a:lstStyle/>
+          <a:p>
+            <a:pPr marL="0" indent="0">
+              <a:buNone/>
+            </a:pPr>
+            <a:r>
+              <a:rPr lang="de-DE" dirty="0" err="1">
+                <a:solidFill>
+                  <a:srgbClr val="DCDCAA"/>
+                </a:solidFill>
+                <a:latin typeface="Menlo" panose="020B0609030804020204" pitchFamily="49" charset="0"/>
+              </a:rPr>
+              <a:t>xSemaphoreTake</a:t>
+            </a:r>
+            <a:r>
+              <a:rPr lang="de-DE" dirty="0">
+                <a:solidFill>
+                  <a:srgbClr val="D4D4D4"/>
+                </a:solidFill>
+                <a:latin typeface="Menlo" panose="020B0609030804020204" pitchFamily="49" charset="0"/>
+              </a:rPr>
+              <a:t>(</a:t>
+            </a:r>
+            <a:r>
+              <a:rPr lang="de-DE" dirty="0" err="1">
+                <a:solidFill>
+                  <a:schemeClr val="tx1"/>
+                </a:solidFill>
+                <a:latin typeface="Menlo" panose="020B0609030804020204" pitchFamily="49" charset="0"/>
+              </a:rPr>
+              <a:t>setsema,portMAX_DELAY</a:t>
+            </a:r>
+            <a:r>
+              <a:rPr lang="de-DE" dirty="0">
+                <a:solidFill>
+                  <a:srgbClr val="D4D4D4"/>
+                </a:solidFill>
+                <a:latin typeface="Menlo" panose="020B0609030804020204" pitchFamily="49" charset="0"/>
+              </a:rPr>
+              <a:t>);</a:t>
+            </a:r>
+          </a:p>
+          <a:p>
+            <a:pPr marL="0" indent="0">
+              <a:buNone/>
+            </a:pPr>
+            <a:r>
+              <a:rPr lang="de-DE" dirty="0">
+                <a:solidFill>
+                  <a:srgbClr val="D4D4D4"/>
+                </a:solidFill>
+                <a:latin typeface="Menlo" panose="020B0609030804020204" pitchFamily="49" charset="0"/>
+              </a:rPr>
+              <a:t> </a:t>
+            </a:r>
+          </a:p>
+          <a:p>
+            <a:pPr marL="0" indent="0">
+              <a:buNone/>
+            </a:pPr>
+            <a:r>
+              <a:rPr lang="de-DE" dirty="0" err="1">
+                <a:solidFill>
+                  <a:srgbClr val="DCDCAA"/>
+                </a:solidFill>
+                <a:latin typeface="Menlo" panose="020B0609030804020204" pitchFamily="49" charset="0"/>
+              </a:rPr>
+              <a:t>commanderGetSetpoint</a:t>
+            </a:r>
+            <a:r>
+              <a:rPr lang="de-DE" dirty="0">
+                <a:solidFill>
+                  <a:srgbClr val="D4D4D4"/>
+                </a:solidFill>
+                <a:latin typeface="Menlo" panose="020B0609030804020204" pitchFamily="49" charset="0"/>
+              </a:rPr>
+              <a:t>(</a:t>
+            </a:r>
+            <a:r>
+              <a:rPr lang="de-DE" dirty="0">
+                <a:solidFill>
+                  <a:schemeClr val="tx1"/>
+                </a:solidFill>
+                <a:latin typeface="Menlo" panose="020B0609030804020204" pitchFamily="49" charset="0"/>
+              </a:rPr>
+              <a:t>&amp;</a:t>
+            </a:r>
+            <a:r>
+              <a:rPr lang="de-DE" dirty="0" err="1">
+                <a:solidFill>
+                  <a:schemeClr val="tx1"/>
+                </a:solidFill>
+                <a:latin typeface="Menlo" panose="020B0609030804020204" pitchFamily="49" charset="0"/>
+              </a:rPr>
+              <a:t>setpoint</a:t>
+            </a:r>
+            <a:r>
+              <a:rPr lang="de-DE" dirty="0">
+                <a:solidFill>
+                  <a:schemeClr val="tx1"/>
+                </a:solidFill>
+                <a:latin typeface="Menlo" panose="020B0609030804020204" pitchFamily="49" charset="0"/>
+              </a:rPr>
+              <a:t>, tick</a:t>
+            </a:r>
+            <a:r>
+              <a:rPr lang="de-DE" dirty="0">
+                <a:solidFill>
+                  <a:srgbClr val="D4D4D4"/>
+                </a:solidFill>
+                <a:latin typeface="Menlo" panose="020B0609030804020204" pitchFamily="49" charset="0"/>
+              </a:rPr>
+              <a:t>);</a:t>
+            </a:r>
+          </a:p>
+          <a:p>
+            <a:pPr marL="0" indent="0">
+              <a:buNone/>
+            </a:pPr>
+            <a:r>
+              <a:rPr lang="de-DE" dirty="0">
+                <a:solidFill>
+                  <a:schemeClr val="tx1"/>
+                </a:solidFill>
+                <a:latin typeface="Menlo" panose="020B0609030804020204" pitchFamily="49" charset="0"/>
+              </a:rPr>
+              <a:t>tick++</a:t>
+            </a:r>
+            <a:r>
+              <a:rPr lang="de-DE" dirty="0">
+                <a:solidFill>
+                  <a:srgbClr val="D4D4D4"/>
+                </a:solidFill>
+                <a:latin typeface="Menlo" panose="020B0609030804020204" pitchFamily="49" charset="0"/>
+              </a:rPr>
+              <a:t>;</a:t>
+            </a:r>
+          </a:p>
+          <a:p>
+            <a:pPr marL="0" indent="0">
+              <a:buNone/>
+            </a:pPr>
+            <a:endParaRPr lang="de-DE" dirty="0">
+              <a:solidFill>
+                <a:srgbClr val="D4D4D4"/>
+              </a:solidFill>
+              <a:latin typeface="Menlo" panose="020B0609030804020204" pitchFamily="49" charset="0"/>
+            </a:endParaRPr>
+          </a:p>
+          <a:p>
+            <a:pPr marL="0" indent="0">
+              <a:buNone/>
+            </a:pPr>
+            <a:r>
+              <a:rPr lang="de-DE" dirty="0" err="1">
+                <a:solidFill>
+                  <a:srgbClr val="DCDCAA"/>
+                </a:solidFill>
+                <a:latin typeface="Menlo" panose="020B0609030804020204" pitchFamily="49" charset="0"/>
+              </a:rPr>
+              <a:t>xSemaphoreGive</a:t>
+            </a:r>
+            <a:r>
+              <a:rPr lang="de-DE" dirty="0">
+                <a:solidFill>
+                  <a:srgbClr val="D4D4D4"/>
+                </a:solidFill>
+                <a:latin typeface="Menlo" panose="020B0609030804020204" pitchFamily="49" charset="0"/>
+              </a:rPr>
+              <a:t>(</a:t>
+            </a:r>
+            <a:r>
+              <a:rPr lang="de-DE" dirty="0" err="1">
+                <a:solidFill>
+                  <a:schemeClr val="tx1"/>
+                </a:solidFill>
+                <a:latin typeface="Menlo" panose="020B0609030804020204" pitchFamily="49" charset="0"/>
+              </a:rPr>
+              <a:t>setsema</a:t>
+            </a:r>
+            <a:r>
+              <a:rPr lang="de-DE" dirty="0">
+                <a:solidFill>
+                  <a:srgbClr val="D4D4D4"/>
+                </a:solidFill>
+                <a:latin typeface="Menlo" panose="020B0609030804020204" pitchFamily="49" charset="0"/>
+              </a:rPr>
+              <a:t>);</a:t>
+            </a:r>
+          </a:p>
+          <a:p>
+            <a:pPr marL="0" indent="0">
+              <a:buNone/>
+            </a:pPr>
+            <a:endParaRPr lang="de-DE" dirty="0"/>
+          </a:p>
+        </p:txBody>
+      </p:sp>
+    </p:spTree>
+    <p:extLst>
+      <p:ext uri="{BB962C8B-B14F-4D97-AF65-F5344CB8AC3E}">
+        <p14:creationId xmlns:p14="http://schemas.microsoft.com/office/powerpoint/2010/main" val="2179710947"/>
+      </p:ext>
+    </p:extLst>
+  </p:cSld>
+  <p:clrMapOvr>
+    <a:masterClrMapping/>
+  </p:clrMapOvr>
+</p:sld>
+</file>
+
+<file path=ppt/slides/slide15.xml><?xml version="1.0" encoding="utf-8"?>
+<p:sld xmlns:a="http://schemas.openxmlformats.org/drawingml/2006/main" xmlns:r="http://schemas.openxmlformats.org/officeDocument/2006/relationships" xmlns:p="http://schemas.openxmlformats.org/presentationml/2006/main">
+  <p:cSld>
+    <p:spTree>
+      <p:nvGrpSpPr>
+        <p:cNvPr id="1" name=""/>
+        <p:cNvGrpSpPr/>
+        <p:nvPr/>
+      </p:nvGrpSpPr>
+      <p:grpSpPr>
+        <a:xfrm>
+          <a:off x="0" y="0"/>
+          <a:ext cx="0" cy="0"/>
+          <a:chOff x="0" y="0"/>
+          <a:chExt cx="0" cy="0"/>
+        </a:xfrm>
+      </p:grpSpPr>
+      <p:sp>
+        <p:nvSpPr>
+          <p:cNvPr id="2" name="Titel 1">
+            <a:extLst>
+              <a:ext uri="{FF2B5EF4-FFF2-40B4-BE49-F238E27FC236}">
+                <a16:creationId xmlns:a16="http://schemas.microsoft.com/office/drawing/2014/main" id="{BA3027A2-7564-7A4F-B4F8-5EF3DF79167E}"/>
+              </a:ext>
+            </a:extLst>
+          </p:cNvPr>
+          <p:cNvSpPr>
+            <a:spLocks noGrp="1"/>
+          </p:cNvSpPr>
+          <p:nvPr>
+            <p:ph type="title"/>
+          </p:nvPr>
+        </p:nvSpPr>
+        <p:spPr/>
+        <p:txBody>
+          <a:bodyPr/>
+          <a:lstStyle/>
+          <a:p>
+            <a:r>
+              <a:rPr lang="de-DE" dirty="0"/>
+              <a:t>C-code </a:t>
+            </a:r>
+            <a:r>
+              <a:rPr lang="de-DE" dirty="0" err="1"/>
+              <a:t>implementation</a:t>
+            </a:r>
+            <a:br>
+              <a:rPr lang="de-DE" dirty="0"/>
+            </a:br>
+            <a:r>
+              <a:rPr lang="de-DE" dirty="0"/>
               <a:t>- Control </a:t>
             </a:r>
             <a:r>
@@ -10675,7 +10931,7 @@
 </p:sld>
 </file>
 
-<file path=ppt/slides/slide15.xml><?xml version="1.0" encoding="utf-8"?>
+<file path=ppt/slides/slide16.xml><?xml version="1.0" encoding="utf-8"?>
 <p:sld xmlns:a="http://schemas.openxmlformats.org/drawingml/2006/main" xmlns:r="http://schemas.openxmlformats.org/officeDocument/2006/relationships" xmlns:p="http://schemas.openxmlformats.org/presentationml/2006/main">
   <p:cSld>
     <p:bg>
@@ -10828,7 +11084,7 @@
 </p:sld>
 </file>
 
-<file path=ppt/slides/slide16.xml><?xml version="1.0" encoding="utf-8"?>
+<file path=ppt/slides/slide17.xml><?xml version="1.0" encoding="utf-8"?>
 <p:sld xmlns:a="http://schemas.openxmlformats.org/drawingml/2006/main" xmlns:r="http://schemas.openxmlformats.org/officeDocument/2006/relationships" xmlns:p="http://schemas.openxmlformats.org/presentationml/2006/main">
   <p:cSld>
     <p:bg>
@@ -11937,44 +12193,37 @@
           </a:bodyPr>
           <a:lstStyle/>
           <a:p>
-            <a:r>
-              <a:rPr lang="en-US" dirty="0"/>
-              <a:t>Flawl3sss</a:t>
-            </a:r>
-          </a:p>
-          <a:p>
-            <a:r>
-              <a:rPr lang="en-US" dirty="0"/>
-              <a:t>Superb</a:t>
-            </a:r>
-          </a:p>
-          <a:p>
-            <a:r>
-              <a:rPr lang="en-US" dirty="0"/>
-              <a:t>No problems</a:t>
-            </a:r>
-          </a:p>
-          <a:p>
-            <a:r>
-              <a:rPr lang="en-US" dirty="0"/>
-              <a:t>A=0</a:t>
-            </a:r>
-          </a:p>
-          <a:p>
-            <a:r>
-              <a:rPr lang="en-US" dirty="0"/>
-              <a:t>Why u gay</a:t>
-            </a:r>
-          </a:p>
-          <a:p>
-            <a:r>
-              <a:rPr lang="en-US" dirty="0" err="1"/>
-              <a:t>Wheres</a:t>
-            </a:r>
-            <a:r>
-              <a:rPr lang="en-US" dirty="0"/>
-              <a:t> the my plate</a:t>
-            </a:r>
+            <a:endParaRPr lang="en-US" sz="2400" dirty="0"/>
+          </a:p>
+          <a:p>
+            <a:endParaRPr lang="en-US" sz="2400" dirty="0"/>
+          </a:p>
+          <a:p>
+            <a:endParaRPr lang="en-US" sz="2400" dirty="0"/>
+          </a:p>
+          <a:p>
+            <a:r>
+              <a:rPr lang="en-US" sz="2400" dirty="0"/>
+              <a:t>Stable behavior</a:t>
+            </a:r>
+          </a:p>
+          <a:p>
+            <a:r>
+              <a:rPr lang="en-US" sz="2400" dirty="0"/>
+              <a:t>~2s to stabilize</a:t>
+            </a:r>
+          </a:p>
+          <a:p>
+            <a:r>
+              <a:rPr lang="en-US" sz="2400" dirty="0"/>
+              <a:t>Simplified as acceleration is set to zero</a:t>
+            </a:r>
+          </a:p>
+          <a:p>
+            <a:pPr marL="0" indent="0">
+              <a:buNone/>
+            </a:pPr>
+            <a:endParaRPr lang="en-US" dirty="0"/>
           </a:p>
           <a:p>
             <a:endParaRPr lang="en-US" dirty="0"/>
@@ -12053,6 +12302,122 @@
           </a:ln>
         </p:spPr>
       </p:pic>
+      <p:sp>
+        <p:nvSpPr>
+          <p:cNvPr id="3" name="textruta 2">
+            <a:extLst>
+              <a:ext uri="{FF2B5EF4-FFF2-40B4-BE49-F238E27FC236}">
+                <a16:creationId xmlns:a16="http://schemas.microsoft.com/office/drawing/2014/main" id="{87E75910-AA45-4CF6-A467-324AB87C0BF0}"/>
+              </a:ext>
+            </a:extLst>
+          </p:cNvPr>
+          <p:cNvSpPr txBox="1"/>
+          <p:nvPr/>
+        </p:nvSpPr>
+        <p:spPr>
+          <a:xfrm>
+            <a:off x="5574832" y="5708642"/>
+            <a:ext cx="2078454" cy="369332"/>
+          </a:xfrm>
+          <a:prstGeom prst="rect">
+            <a:avLst/>
+          </a:prstGeom>
+          <a:noFill/>
+        </p:spPr>
+        <p:txBody>
+          <a:bodyPr wrap="none" rtlCol="0">
+            <a:spAutoFit/>
+          </a:bodyPr>
+          <a:lstStyle/>
+          <a:p>
+            <a:r>
+              <a:rPr lang="sv-SE" dirty="0"/>
+              <a:t>Roll from 10</a:t>
+            </a:r>
+            <a:r>
+              <a:rPr lang="en-SE" b="1" dirty="0"/>
+              <a:t>°</a:t>
+            </a:r>
+            <a:r>
+              <a:rPr lang="en-SE" dirty="0"/>
+              <a:t> </a:t>
+            </a:r>
+            <a:r>
+              <a:rPr lang="sv-SE" dirty="0">
+                <a:sym typeface="Wingdings" panose="05000000000000000000" pitchFamily="2" charset="2"/>
+              </a:rPr>
+              <a:t> 0</a:t>
+            </a:r>
+            <a:r>
+              <a:rPr lang="en-SE" b="1" dirty="0"/>
+              <a:t>°</a:t>
+            </a:r>
+            <a:r>
+              <a:rPr lang="en-SE" dirty="0"/>
+              <a:t> </a:t>
+            </a:r>
+            <a:endParaRPr lang="LID4096" dirty="0"/>
+          </a:p>
+        </p:txBody>
+      </p:sp>
+      <p:sp>
+        <p:nvSpPr>
+          <p:cNvPr id="8" name="textruta 7">
+            <a:extLst>
+              <a:ext uri="{FF2B5EF4-FFF2-40B4-BE49-F238E27FC236}">
+                <a16:creationId xmlns:a16="http://schemas.microsoft.com/office/drawing/2014/main" id="{CAEEEA8F-996E-408A-B6F4-673228B9D862}"/>
+              </a:ext>
+            </a:extLst>
+          </p:cNvPr>
+          <p:cNvSpPr txBox="1"/>
+          <p:nvPr/>
+        </p:nvSpPr>
+        <p:spPr>
+          <a:xfrm>
+            <a:off x="8749847" y="5708642"/>
+            <a:ext cx="2169825" cy="369332"/>
+          </a:xfrm>
+          <a:prstGeom prst="rect">
+            <a:avLst/>
+          </a:prstGeom>
+          <a:noFill/>
+        </p:spPr>
+        <p:txBody>
+          <a:bodyPr wrap="none" rtlCol="0">
+            <a:spAutoFit/>
+          </a:bodyPr>
+          <a:lstStyle/>
+          <a:p>
+            <a:r>
+              <a:rPr lang="sv-SE" dirty="0"/>
+              <a:t>Pitch from 0</a:t>
+            </a:r>
+            <a:r>
+              <a:rPr lang="en-SE" b="1" dirty="0"/>
+              <a:t>°</a:t>
+            </a:r>
+            <a:r>
+              <a:rPr lang="en-SE" dirty="0"/>
+              <a:t> </a:t>
+            </a:r>
+            <a:r>
+              <a:rPr lang="sv-SE" dirty="0">
+                <a:sym typeface="Wingdings" panose="05000000000000000000" pitchFamily="2" charset="2"/>
+              </a:rPr>
+              <a:t> 10</a:t>
+            </a:r>
+            <a:r>
+              <a:rPr lang="en-SE" b="1" dirty="0"/>
+              <a:t>°</a:t>
+            </a:r>
+            <a:r>
+              <a:rPr lang="en-SE" dirty="0"/>
+              <a:t> </a:t>
+            </a:r>
+            <a:endParaRPr lang="LID4096" dirty="0"/>
+          </a:p>
+        </p:txBody>
+      </p:sp>
     </p:spTree>
     <p:extLst>
       <p:ext uri="{BB962C8B-B14F-4D97-AF65-F5344CB8AC3E}">
@@ -12098,7 +12463,7 @@
           <p:cNvPr id="2" name="Rubrik 1">
             <a:extLst>
               <a:ext uri="{FF2B5EF4-FFF2-40B4-BE49-F238E27FC236}">
-                <a16:creationId xmlns:a16="http://schemas.microsoft.com/office/drawing/2014/main" id="{6DA66F8A-537F-4E8A-B670-02DFBA0A1895}"/>
+                <a16:creationId xmlns:a16="http://schemas.microsoft.com/office/drawing/2014/main" id="{94F6A1BA-2953-45EA-BD91-EFC7B0A7506F}"/>
               </a:ext>
             </a:extLst>
           </p:cNvPr>
@@ -12117,51 +12482,35 @@
         </p:spPr>
         <p:txBody>
           <a:bodyPr>
-            <a:normAutofit/>
+            <a:normAutofit fontScale="90000"/>
           </a:bodyPr>
           <a:lstStyle/>
           <a:p>
             <a:r>
-              <a:rPr lang="sv-SE" sz="2000" err="1"/>
+              <a:rPr lang="sv-SE" dirty="0" err="1"/>
               <a:t>Evaluation</a:t>
             </a:r>
             <a:r>
-              <a:rPr lang="sv-SE" sz="2000"/>
+              <a:rPr lang="sv-SE" dirty="0"/>
               <a:t> </a:t>
             </a:r>
             <a:r>
-              <a:rPr lang="sv-SE" sz="2000" err="1"/>
+              <a:rPr lang="sv-SE" dirty="0" err="1"/>
               <a:t>of</a:t>
             </a:r>
             <a:r>
-              <a:rPr lang="sv-SE" sz="2000"/>
+              <a:rPr lang="sv-SE" dirty="0"/>
               <a:t> </a:t>
             </a:r>
             <a:r>
-              <a:rPr lang="sv-SE" sz="2000" err="1"/>
-              <a:t>Simulink</a:t>
-            </a:r>
-            <a:r>
-              <a:rPr lang="sv-SE" sz="2000"/>
-              <a:t> </a:t>
-            </a:r>
-            <a:r>
-              <a:rPr lang="sv-SE" sz="2000" err="1"/>
-              <a:t>model</a:t>
-            </a:r>
-            <a:r>
-              <a:rPr lang="sv-SE" sz="2000"/>
-              <a:t> </a:t>
-            </a:r>
-            <a:r>
-              <a:rPr lang="sv-SE" sz="2000" err="1"/>
-              <a:t>using</a:t>
-            </a:r>
-            <a:r>
-              <a:rPr lang="sv-SE" sz="2000"/>
-              <a:t> fishingline</a:t>
-            </a:r>
-            <a:endParaRPr lang="LID4096" sz="2000"/>
+              <a:rPr lang="sv-SE" dirty="0" err="1"/>
+              <a:t>complemetary</a:t>
+            </a:r>
+            <a:r>
+              <a:rPr lang="sv-SE" dirty="0"/>
+              <a:t> filter</a:t>
+            </a:r>
+            <a:endParaRPr lang="LID4096" dirty="0"/>
           </a:p>
         </p:txBody>
       </p:sp>
@@ -12170,7 +12519,7 @@
           <p:cNvPr id="10" name="Content Placeholder 9">
             <a:extLst>
               <a:ext uri="{FF2B5EF4-FFF2-40B4-BE49-F238E27FC236}">
-                <a16:creationId xmlns:a16="http://schemas.microsoft.com/office/drawing/2014/main" id="{64D4DC6F-C7B6-4C85-8E87-5C1883BE0E8E}"/>
+                <a16:creationId xmlns:a16="http://schemas.microsoft.com/office/drawing/2014/main" id="{1047A181-BD44-497B-BFBB-648779D00078}"/>
               </a:ext>
             </a:extLst>
           </p:cNvPr>
@@ -12195,48 +12544,19 @@
           <a:p>
             <a:r>
               <a:rPr lang="en-US" dirty="0"/>
-              <a:t>Wobbly </a:t>
-            </a:r>
-            <a:r>
-              <a:rPr lang="en-US" dirty="0" err="1"/>
-              <a:t>af</a:t>
-            </a:r>
-            <a:endParaRPr lang="en-US" dirty="0"/>
-          </a:p>
-          <a:p>
-            <a:r>
-              <a:rPr lang="en-US" dirty="0" err="1"/>
-              <a:t>Kinda</a:t>
-            </a:r>
+              <a:t>Stable in stationary conditions</a:t>
+            </a:r>
+          </a:p>
+          <a:p>
             <a:r>
               <a:rPr lang="en-US" dirty="0"/>
-              <a:t> stabilizes around 10 or 0</a:t>
+              <a:t>Gamma = 0.98</a:t>
             </a:r>
           </a:p>
           <a:p>
             <a:r>
               <a:rPr lang="en-US" dirty="0"/>
-              <a:t>Not like simulations</a:t>
-            </a:r>
-          </a:p>
-          <a:p>
-            <a:r>
-              <a:rPr lang="en-US" dirty="0"/>
-              <a:t>Simulink simple, real world has wind and air </a:t>
-            </a:r>
-            <a:r>
-              <a:rPr lang="en-US" dirty="0" err="1"/>
-              <a:t>restiance</a:t>
-            </a:r>
-            <a:r>
-              <a:rPr lang="en-US" dirty="0"/>
-              <a:t>, also a fishing line is not nice?</a:t>
-            </a:r>
-          </a:p>
-          <a:p>
-            <a:r>
-              <a:rPr lang="en-US" dirty="0"/>
-              <a:t>Finish line holder must be strong</a:t>
+              <a:t>Unstable when flying</a:t>
             </a:r>
           </a:p>
         </p:txBody>
@@ -12373,6 +12693,432 @@
           <p:cNvPr id="8" name="Platshållare för innehåll 4">
             <a:extLst>
               <a:ext uri="{FF2B5EF4-FFF2-40B4-BE49-F238E27FC236}">
+                <a16:creationId xmlns:a16="http://schemas.microsoft.com/office/drawing/2014/main" id="{409D0512-5CED-41EF-B936-5A38322B2052}"/>
+              </a:ext>
+            </a:extLst>
+          </p:cNvPr>
+          <p:cNvPicPr>
+            <a:picLocks noChangeAspect="1"/>
+          </p:cNvPicPr>
+          <p:nvPr/>
+        </p:nvPicPr>
+        <p:blipFill>
+          <a:blip r:embed="rId2"/>
+          <a:stretch>
+            <a:fillRect/>
+          </a:stretch>
+        </p:blipFill>
+        <p:spPr>
+          <a:xfrm>
+            <a:off x="4823366" y="2421073"/>
+            <a:ext cx="6227064" cy="2023795"/>
+          </a:xfrm>
+          <a:prstGeom prst="rect">
+            <a:avLst/>
+          </a:prstGeom>
+        </p:spPr>
+      </p:pic>
+      <p:sp>
+        <p:nvSpPr>
+          <p:cNvPr id="11" name="textruta 10">
+            <a:extLst>
+              <a:ext uri="{FF2B5EF4-FFF2-40B4-BE49-F238E27FC236}">
+                <a16:creationId xmlns:a16="http://schemas.microsoft.com/office/drawing/2014/main" id="{F34CC8B7-1B3E-4058-8576-F084AC1632F5}"/>
+              </a:ext>
+            </a:extLst>
+          </p:cNvPr>
+          <p:cNvSpPr txBox="1"/>
+          <p:nvPr/>
+        </p:nvSpPr>
+        <p:spPr>
+          <a:xfrm>
+            <a:off x="6582007" y="4721731"/>
+            <a:ext cx="2709781" cy="369332"/>
+          </a:xfrm>
+          <a:prstGeom prst="rect">
+            <a:avLst/>
+          </a:prstGeom>
+          <a:noFill/>
+        </p:spPr>
+        <p:txBody>
+          <a:bodyPr wrap="none" rtlCol="0">
+            <a:spAutoFit/>
+          </a:bodyPr>
+          <a:lstStyle/>
+          <a:p>
+            <a:r>
+              <a:rPr lang="sv-SE" dirty="0"/>
+              <a:t>Pitch </a:t>
+            </a:r>
+            <a:r>
+              <a:rPr lang="sv-SE" dirty="0" err="1"/>
+              <a:t>when</a:t>
+            </a:r>
+            <a:r>
+              <a:rPr lang="sv-SE" dirty="0"/>
+              <a:t> </a:t>
+            </a:r>
+            <a:r>
+              <a:rPr lang="sv-SE" dirty="0" err="1"/>
+              <a:t>laying</a:t>
+            </a:r>
+            <a:r>
+              <a:rPr lang="sv-SE" dirty="0"/>
+              <a:t> flat at</a:t>
+            </a:r>
+            <a:r>
+              <a:rPr lang="sv-SE" dirty="0">
+                <a:sym typeface="Wingdings" panose="05000000000000000000" pitchFamily="2" charset="2"/>
+              </a:rPr>
+              <a:t> 0</a:t>
+            </a:r>
+            <a:r>
+              <a:rPr lang="en-SE" b="1" dirty="0"/>
+              <a:t>°</a:t>
+            </a:r>
+            <a:r>
+              <a:rPr lang="en-SE" dirty="0"/>
+              <a:t> </a:t>
+            </a:r>
+            <a:endParaRPr lang="LID4096" dirty="0"/>
+          </a:p>
+        </p:txBody>
+      </p:sp>
+    </p:spTree>
+    <p:extLst>
+      <p:ext uri="{BB962C8B-B14F-4D97-AF65-F5344CB8AC3E}">
+        <p14:creationId xmlns:p14="http://schemas.microsoft.com/office/powerpoint/2010/main" val="141860491"/>
+      </p:ext>
+    </p:extLst>
+  </p:cSld>
+  <p:clrMapOvr>
+    <a:masterClrMapping/>
+  </p:clrMapOvr>
+</p:sld>
+</file>
+
+<file path=ppt/slides/slide9.xml><?xml version="1.0" encoding="utf-8"?>
+<p:sld xmlns:a="http://schemas.openxmlformats.org/drawingml/2006/main" xmlns:r="http://schemas.openxmlformats.org/officeDocument/2006/relationships" xmlns:p="http://schemas.openxmlformats.org/presentationml/2006/main">
+  <p:cSld>
+    <p:bg>
+      <p:bgPr>
+        <a:solidFill>
+          <a:schemeClr val="bg1">
+            <a:lumMod val="95000"/>
+          </a:schemeClr>
+        </a:solidFill>
+        <a:effectLst/>
+      </p:bgPr>
+    </p:bg>
+    <p:spTree>
+      <p:nvGrpSpPr>
+        <p:cNvPr id="1" name=""/>
+        <p:cNvGrpSpPr/>
+        <p:nvPr/>
+      </p:nvGrpSpPr>
+      <p:grpSpPr>
+        <a:xfrm>
+          <a:off x="0" y="0"/>
+          <a:ext cx="0" cy="0"/>
+          <a:chOff x="0" y="0"/>
+          <a:chExt cx="0" cy="0"/>
+        </a:xfrm>
+      </p:grpSpPr>
+      <p:sp>
+        <p:nvSpPr>
+          <p:cNvPr id="2" name="Rubrik 1">
+            <a:extLst>
+              <a:ext uri="{FF2B5EF4-FFF2-40B4-BE49-F238E27FC236}">
+                <a16:creationId xmlns:a16="http://schemas.microsoft.com/office/drawing/2014/main" id="{6DA66F8A-537F-4E8A-B670-02DFBA0A1895}"/>
+              </a:ext>
+            </a:extLst>
+          </p:cNvPr>
+          <p:cNvSpPr>
+            <a:spLocks noGrp="1"/>
+          </p:cNvSpPr>
+          <p:nvPr>
+            <p:ph type="title"/>
+          </p:nvPr>
+        </p:nvSpPr>
+        <p:spPr>
+          <a:xfrm>
+            <a:off x="804672" y="964692"/>
+            <a:ext cx="3066937" cy="1188720"/>
+          </a:xfrm>
+        </p:spPr>
+        <p:txBody>
+          <a:bodyPr>
+            <a:normAutofit/>
+          </a:bodyPr>
+          <a:lstStyle/>
+          <a:p>
+            <a:r>
+              <a:rPr lang="sv-SE" sz="2000" err="1"/>
+              <a:t>Evaluation</a:t>
+            </a:r>
+            <a:r>
+              <a:rPr lang="sv-SE" sz="2000"/>
+              <a:t> </a:t>
+            </a:r>
+            <a:r>
+              <a:rPr lang="sv-SE" sz="2000" err="1"/>
+              <a:t>of</a:t>
+            </a:r>
+            <a:r>
+              <a:rPr lang="sv-SE" sz="2000"/>
+              <a:t> </a:t>
+            </a:r>
+            <a:r>
+              <a:rPr lang="sv-SE" sz="2000" err="1"/>
+              <a:t>Simulink</a:t>
+            </a:r>
+            <a:r>
+              <a:rPr lang="sv-SE" sz="2000"/>
+              <a:t> </a:t>
+            </a:r>
+            <a:r>
+              <a:rPr lang="sv-SE" sz="2000" err="1"/>
+              <a:t>model</a:t>
+            </a:r>
+            <a:r>
+              <a:rPr lang="sv-SE" sz="2000"/>
+              <a:t> </a:t>
+            </a:r>
+            <a:r>
+              <a:rPr lang="sv-SE" sz="2000" err="1"/>
+              <a:t>using</a:t>
+            </a:r>
+            <a:r>
+              <a:rPr lang="sv-SE" sz="2000"/>
+              <a:t> fishingline</a:t>
+            </a:r>
+            <a:endParaRPr lang="LID4096" sz="2000"/>
+          </a:p>
+        </p:txBody>
+      </p:sp>
+      <p:sp>
+        <p:nvSpPr>
+          <p:cNvPr id="10" name="Content Placeholder 9">
+            <a:extLst>
+              <a:ext uri="{FF2B5EF4-FFF2-40B4-BE49-F238E27FC236}">
+                <a16:creationId xmlns:a16="http://schemas.microsoft.com/office/drawing/2014/main" id="{64D4DC6F-C7B6-4C85-8E87-5C1883BE0E8E}"/>
+              </a:ext>
+            </a:extLst>
+          </p:cNvPr>
+          <p:cNvSpPr>
+            <a:spLocks noGrp="1"/>
+          </p:cNvSpPr>
+          <p:nvPr>
+            <p:ph idx="1"/>
+          </p:nvPr>
+        </p:nvSpPr>
+        <p:spPr>
+          <a:xfrm>
+            <a:off x="803244" y="2638044"/>
+            <a:ext cx="3063765" cy="3263206"/>
+          </a:xfrm>
+        </p:spPr>
+        <p:txBody>
+          <a:bodyPr>
+            <a:normAutofit/>
+          </a:bodyPr>
+          <a:lstStyle/>
+          <a:p>
+            <a:r>
+              <a:rPr lang="en-US" dirty="0"/>
+              <a:t>Simulink simulations does not reflect real world</a:t>
+            </a:r>
+          </a:p>
+          <a:p>
+            <a:r>
+              <a:rPr lang="en-US" dirty="0"/>
+              <a:t>Oscillating pitch-angle around 0</a:t>
+            </a:r>
+            <a:r>
+              <a:rPr lang="en-SE" b="1" dirty="0"/>
+              <a:t>°</a:t>
+            </a:r>
+            <a:r>
+              <a:rPr lang="sv-SE" b="1" dirty="0"/>
+              <a:t>/</a:t>
+            </a:r>
+            <a:r>
+              <a:rPr lang="sv-SE" dirty="0"/>
+              <a:t>10</a:t>
+            </a:r>
+            <a:r>
+              <a:rPr lang="en-SE" b="1" dirty="0"/>
+              <a:t>°</a:t>
+            </a:r>
+            <a:r>
+              <a:rPr lang="en-SE" dirty="0"/>
+              <a:t> </a:t>
+            </a:r>
+            <a:endParaRPr lang="en-US" dirty="0"/>
+          </a:p>
+          <a:p>
+            <a:r>
+              <a:rPr lang="en-US" dirty="0"/>
+              <a:t>Wobbly roll-angle behavior</a:t>
+            </a:r>
+          </a:p>
+          <a:p>
+            <a:r>
+              <a:rPr lang="en-US" dirty="0"/>
+              <a:t>Possible reasons</a:t>
+            </a:r>
+            <a:br>
+              <a:rPr lang="en-US" dirty="0"/>
+            </a:br>
+            <a:r>
+              <a:rPr lang="en-US" dirty="0"/>
+              <a:t>- Plant model simplified</a:t>
+            </a:r>
+            <a:br>
+              <a:rPr lang="en-US" dirty="0"/>
+            </a:br>
+            <a:r>
+              <a:rPr lang="en-US" dirty="0"/>
+              <a:t>- Fishing line not influence</a:t>
+            </a:r>
+          </a:p>
+          <a:p>
+            <a:endParaRPr lang="en-US" dirty="0"/>
+          </a:p>
+        </p:txBody>
+      </p:sp>
+      <p:sp>
+        <p:nvSpPr>
+          <p:cNvPr id="13" name="Rectangle 12">
+            <a:extLst>
+              <a:ext uri="{FF2B5EF4-FFF2-40B4-BE49-F238E27FC236}">
+                <a16:creationId xmlns:a16="http://schemas.microsoft.com/office/drawing/2014/main" id="{6515FC82-3453-4CBE-8895-4CCFF339529E}"/>
+              </a:ext>
+              <a:ext uri="{C183D7F6-B498-43B3-948B-1728B52AA6E4}">
+                <adec:decorative xmlns:adec="http://schemas.microsoft.com/office/drawing/2017/decorative" val="1"/>
+              </a:ext>
+            </a:extLst>
+          </p:cNvPr>
+          <p:cNvSpPr>
+            <a:spLocks noGrp="1" noRot="1" noChangeAspect="1" noMove="1" noResize="1" noEditPoints="1" noAdjustHandles="1" noChangeArrowheads="1" noChangeShapeType="1" noTextEdit="1"/>
+          </p:cNvSpPr>
+          <p:nvPr>
+            <p:extLst>
+              <p:ext uri="{386F3935-93C4-4BCD-93E2-E3B085C9AB24}">
+                <p16:designElem xmlns:p16="http://schemas.microsoft.com/office/powerpoint/2015/main" val="1"/>
+              </p:ext>
+            </p:extLst>
+          </p:nvPr>
+        </p:nvSpPr>
+        <p:spPr>
+          <a:xfrm>
+            <a:off x="4494182" y="964692"/>
+            <a:ext cx="6885432" cy="4936558"/>
+          </a:xfrm>
+          <a:prstGeom prst="rect">
+            <a:avLst/>
+          </a:prstGeom>
+          <a:noFill/>
+          <a:ln w="31750" cap="sq">
+            <a:solidFill>
+              <a:srgbClr val="FFFFFF"/>
+            </a:solidFill>
+            <a:miter lim="800000"/>
+          </a:ln>
+        </p:spPr>
+        <p:style>
+          <a:lnRef idx="2">
+            <a:schemeClr val="accent1">
+              <a:shade val="50000"/>
+            </a:schemeClr>
+          </a:lnRef>
+          <a:fillRef idx="1">
+            <a:schemeClr val="accent1"/>
+          </a:fillRef>
+          <a:effectRef idx="0">
+            <a:schemeClr val="accent1"/>
+          </a:effectRef>
+          <a:fontRef idx="minor">
+            <a:schemeClr val="lt1"/>
+          </a:fontRef>
+        </p:style>
+        <p:txBody>
+          <a:bodyPr rtlCol="0" anchor="ctr"/>
+          <a:lstStyle/>
+          <a:p>
+            <a:pPr algn="ctr"/>
+            <a:endParaRPr lang="en-US" dirty="0"/>
+          </a:p>
+        </p:txBody>
+      </p:sp>
+      <p:sp>
+        <p:nvSpPr>
+          <p:cNvPr id="15" name="Rectangle 14">
+            <a:extLst>
+              <a:ext uri="{FF2B5EF4-FFF2-40B4-BE49-F238E27FC236}">
+                <a16:creationId xmlns:a16="http://schemas.microsoft.com/office/drawing/2014/main" id="{C5FD847B-65C0-4027-8DFC-70CB424514F8}"/>
+              </a:ext>
+              <a:ext uri="{C183D7F6-B498-43B3-948B-1728B52AA6E4}">
+                <adec:decorative xmlns:adec="http://schemas.microsoft.com/office/drawing/2017/decorative" val="1"/>
+              </a:ext>
+            </a:extLst>
+          </p:cNvPr>
+          <p:cNvSpPr>
+            <a:spLocks noGrp="1" noRot="1" noChangeAspect="1" noMove="1" noResize="1" noEditPoints="1" noAdjustHandles="1" noChangeArrowheads="1" noChangeShapeType="1" noTextEdit="1"/>
+          </p:cNvSpPr>
+          <p:nvPr>
+            <p:extLst>
+              <p:ext uri="{386F3935-93C4-4BCD-93E2-E3B085C9AB24}">
+                <p16:designElem xmlns:p16="http://schemas.microsoft.com/office/powerpoint/2015/main" val="1"/>
+              </p:ext>
+            </p:extLst>
+          </p:nvPr>
+        </p:nvSpPr>
+        <p:spPr>
+          <a:xfrm>
+            <a:off x="4657802" y="1128683"/>
+            <a:ext cx="6558192" cy="4608576"/>
+          </a:xfrm>
+          <a:prstGeom prst="rect">
+            <a:avLst/>
+          </a:prstGeom>
+          <a:solidFill>
+            <a:srgbClr val="FFFFFF"/>
+          </a:solidFill>
+          <a:ln>
+            <a:noFill/>
+          </a:ln>
+        </p:spPr>
+        <p:style>
+          <a:lnRef idx="2">
+            <a:schemeClr val="accent1">
+              <a:shade val="50000"/>
+            </a:schemeClr>
+          </a:lnRef>
+          <a:fillRef idx="1">
+            <a:schemeClr val="accent1"/>
+          </a:fillRef>
+          <a:effectRef idx="0">
+            <a:schemeClr val="accent1"/>
+          </a:effectRef>
+          <a:fontRef idx="minor">
+            <a:schemeClr val="lt1"/>
+          </a:fontRef>
+        </p:style>
+        <p:txBody>
+          <a:bodyPr rtlCol="0" anchor="ctr"/>
+          <a:lstStyle/>
+          <a:p>
+            <a:pPr algn="ctr"/>
+            <a:endParaRPr lang="en-US"/>
+          </a:p>
+        </p:txBody>
+      </p:sp>
+      <p:pic>
+        <p:nvPicPr>
+          <p:cNvPr id="8" name="Platshållare för innehåll 4">
+            <a:extLst>
+              <a:ext uri="{FF2B5EF4-FFF2-40B4-BE49-F238E27FC236}">
                 <a16:creationId xmlns:a16="http://schemas.microsoft.com/office/drawing/2014/main" id="{86EC22ED-5B16-4F65-BB18-46796F20E9FE}"/>
               </a:ext>
             </a:extLst>
@@ -12398,265 +13144,76 @@
           </a:prstGeom>
         </p:spPr>
       </p:pic>
+      <p:sp>
+        <p:nvSpPr>
+          <p:cNvPr id="7" name="textruta 6">
+            <a:extLst>
+              <a:ext uri="{FF2B5EF4-FFF2-40B4-BE49-F238E27FC236}">
+                <a16:creationId xmlns:a16="http://schemas.microsoft.com/office/drawing/2014/main" id="{C39B3143-58FD-4EEF-935A-2A5E35065937}"/>
+              </a:ext>
+            </a:extLst>
+          </p:cNvPr>
+          <p:cNvSpPr txBox="1"/>
+          <p:nvPr/>
+        </p:nvSpPr>
+        <p:spPr>
+          <a:xfrm>
+            <a:off x="6498844" y="4721731"/>
+            <a:ext cx="2876108" cy="369332"/>
+          </a:xfrm>
+          <a:prstGeom prst="rect">
+            <a:avLst/>
+          </a:prstGeom>
+          <a:noFill/>
+        </p:spPr>
+        <p:txBody>
+          <a:bodyPr wrap="none" rtlCol="0">
+            <a:spAutoFit/>
+          </a:bodyPr>
+          <a:lstStyle/>
+          <a:p>
+            <a:r>
+              <a:rPr lang="sv-SE" dirty="0"/>
+              <a:t>Pitch </a:t>
+            </a:r>
+            <a:r>
+              <a:rPr lang="sv-SE" dirty="0" err="1"/>
+              <a:t>angle</a:t>
+            </a:r>
+            <a:r>
+              <a:rPr lang="sv-SE" dirty="0"/>
+              <a:t> </a:t>
+            </a:r>
+            <a:r>
+              <a:rPr lang="sv-SE" dirty="0" err="1"/>
+              <a:t>stabalizing</a:t>
+            </a:r>
+            <a:r>
+              <a:rPr lang="sv-SE" dirty="0"/>
+              <a:t> at</a:t>
+            </a:r>
+            <a:r>
+              <a:rPr lang="sv-SE" dirty="0">
+                <a:sym typeface="Wingdings" panose="05000000000000000000" pitchFamily="2" charset="2"/>
+              </a:rPr>
+              <a:t> 10</a:t>
+            </a:r>
+            <a:r>
+              <a:rPr lang="en-SE" b="1" dirty="0"/>
+              <a:t>°</a:t>
+            </a:r>
+            <a:r>
+              <a:rPr lang="en-SE" dirty="0"/>
+              <a:t> </a:t>
+            </a:r>
+            <a:endParaRPr lang="LID4096" dirty="0"/>
+          </a:p>
+        </p:txBody>
+      </p:sp>
     </p:spTree>
     <p:extLst>
       <p:ext uri="{BB962C8B-B14F-4D97-AF65-F5344CB8AC3E}">
         <p14:creationId xmlns:p14="http://schemas.microsoft.com/office/powerpoint/2010/main" val="2922900679"/>
-      </p:ext>
-    </p:extLst>
-  </p:cSld>
-  <p:clrMapOvr>
-    <a:masterClrMapping/>
-  </p:clrMapOvr>
-</p:sld>
-</file>
-
-<file path=ppt/slides/slide9.xml><?xml version="1.0" encoding="utf-8"?>
-<p:sld xmlns:a="http://schemas.openxmlformats.org/drawingml/2006/main" xmlns:r="http://schemas.openxmlformats.org/officeDocument/2006/relationships" xmlns:p="http://schemas.openxmlformats.org/presentationml/2006/main">
-  <p:cSld>
-    <p:bg>
-      <p:bgPr>
-        <a:solidFill>
-          <a:schemeClr val="bg1"/>
-        </a:solidFill>
-        <a:effectLst/>
-      </p:bgPr>
-    </p:bg>
-    <p:spTree>
-      <p:nvGrpSpPr>
-        <p:cNvPr id="1" name=""/>
-        <p:cNvGrpSpPr/>
-        <p:nvPr/>
-      </p:nvGrpSpPr>
-      <p:grpSpPr>
-        <a:xfrm>
-          <a:off x="0" y="0"/>
-          <a:ext cx="0" cy="0"/>
-          <a:chOff x="0" y="0"/>
-          <a:chExt cx="0" cy="0"/>
-        </a:xfrm>
-      </p:grpSpPr>
-      <p:sp>
-        <p:nvSpPr>
-          <p:cNvPr id="10" name="Rectangle 9">
-            <a:extLst>
-              <a:ext uri="{FF2B5EF4-FFF2-40B4-BE49-F238E27FC236}">
-                <a16:creationId xmlns:a16="http://schemas.microsoft.com/office/drawing/2014/main" id="{4E866FF9-A729-45F0-A163-10E89E871602}"/>
-              </a:ext>
-              <a:ext uri="{C183D7F6-B498-43B3-948B-1728B52AA6E4}">
-                <adec:decorative xmlns:adec="http://schemas.microsoft.com/office/drawing/2017/decorative" val="1"/>
-              </a:ext>
-            </a:extLst>
-          </p:cNvPr>
-          <p:cNvSpPr>
-            <a:spLocks noGrp="1" noRot="1" noChangeAspect="1" noMove="1" noResize="1" noEditPoints="1" noAdjustHandles="1" noChangeArrowheads="1" noChangeShapeType="1" noTextEdit="1"/>
-          </p:cNvSpPr>
-          <p:nvPr>
-            <p:extLst>
-              <p:ext uri="{386F3935-93C4-4BCD-93E2-E3B085C9AB24}">
-                <p16:designElem xmlns:p16="http://schemas.microsoft.com/office/powerpoint/2015/main" val="1"/>
-              </p:ext>
-            </p:extLst>
-          </p:nvPr>
-        </p:nvSpPr>
-        <p:spPr>
-          <a:xfrm>
-            <a:off x="0" y="0"/>
-            <a:ext cx="4738255" cy="6858000"/>
-          </a:xfrm>
-          <a:prstGeom prst="rect">
-            <a:avLst/>
-          </a:prstGeom>
-          <a:solidFill>
-            <a:schemeClr val="accent6">
-              <a:lumMod val="60000"/>
-              <a:lumOff val="40000"/>
-            </a:schemeClr>
-          </a:solidFill>
-          <a:ln>
-            <a:noFill/>
-          </a:ln>
-        </p:spPr>
-        <p:style>
-          <a:lnRef idx="2">
-            <a:schemeClr val="accent1">
-              <a:shade val="50000"/>
-            </a:schemeClr>
-          </a:lnRef>
-          <a:fillRef idx="1">
-            <a:schemeClr val="accent1"/>
-          </a:fillRef>
-          <a:effectRef idx="0">
-            <a:schemeClr val="accent1"/>
-          </a:effectRef>
-          <a:fontRef idx="minor">
-            <a:schemeClr val="lt1"/>
-          </a:fontRef>
-        </p:style>
-        <p:txBody>
-          <a:bodyPr rtlCol="0" anchor="ctr"/>
-          <a:lstStyle/>
-          <a:p>
-            <a:pPr algn="ctr"/>
-            <a:endParaRPr lang="en-US"/>
-          </a:p>
-        </p:txBody>
-      </p:sp>
-      <p:sp>
-        <p:nvSpPr>
-          <p:cNvPr id="2" name="Rubrik 1">
-            <a:extLst>
-              <a:ext uri="{FF2B5EF4-FFF2-40B4-BE49-F238E27FC236}">
-                <a16:creationId xmlns:a16="http://schemas.microsoft.com/office/drawing/2014/main" id="{3EAE79DF-8DCA-4485-97CD-A7891C6303D9}"/>
-              </a:ext>
-            </a:extLst>
-          </p:cNvPr>
-          <p:cNvSpPr>
-            <a:spLocks noGrp="1"/>
-          </p:cNvSpPr>
-          <p:nvPr>
-            <p:ph type="title"/>
-          </p:nvPr>
-        </p:nvSpPr>
-        <p:spPr>
-          <a:xfrm>
-            <a:off x="640080" y="2681105"/>
-            <a:ext cx="3401568" cy="1495794"/>
-          </a:xfrm>
-          <a:solidFill>
-            <a:srgbClr val="FFFFFF"/>
-          </a:solidFill>
-          <a:ln>
-            <a:solidFill>
-              <a:srgbClr val="262626"/>
-            </a:solidFill>
-          </a:ln>
-        </p:spPr>
-        <p:txBody>
-          <a:bodyPr>
-            <a:normAutofit/>
-          </a:bodyPr>
-          <a:lstStyle/>
-          <a:p>
-            <a:r>
-              <a:rPr lang="sv-SE" dirty="0" err="1"/>
-              <a:t>Flying</a:t>
-            </a:r>
-            <a:r>
-              <a:rPr lang="sv-SE" dirty="0"/>
-              <a:t> </a:t>
-            </a:r>
-            <a:r>
-              <a:rPr lang="sv-SE" dirty="0" err="1"/>
-              <a:t>freely</a:t>
-            </a:r>
-            <a:r>
-              <a:rPr lang="sv-SE" dirty="0"/>
-              <a:t> in the </a:t>
-            </a:r>
-            <a:r>
-              <a:rPr lang="sv-SE" dirty="0" err="1"/>
-              <a:t>world</a:t>
-            </a:r>
-            <a:endParaRPr lang="LID4096" dirty="0"/>
-          </a:p>
-        </p:txBody>
-      </p:sp>
-      <p:sp useBgFill="1">
-        <p:nvSpPr>
-          <p:cNvPr id="12" name="Rectangle 11">
-            <a:extLst>
-              <a:ext uri="{FF2B5EF4-FFF2-40B4-BE49-F238E27FC236}">
-                <a16:creationId xmlns:a16="http://schemas.microsoft.com/office/drawing/2014/main" id="{A804366F-2366-4688-98E7-B101C7BC6146}"/>
-              </a:ext>
-              <a:ext uri="{C183D7F6-B498-43B3-948B-1728B52AA6E4}">
-                <adec:decorative xmlns:adec="http://schemas.microsoft.com/office/drawing/2017/decorative" val="1"/>
-              </a:ext>
-            </a:extLst>
-          </p:cNvPr>
-          <p:cNvSpPr>
-            <a:spLocks noGrp="1" noRot="1" noChangeAspect="1" noMove="1" noResize="1" noEditPoints="1" noAdjustHandles="1" noChangeArrowheads="1" noChangeShapeType="1" noTextEdit="1"/>
-          </p:cNvSpPr>
-          <p:nvPr>
-            <p:extLst>
-              <p:ext uri="{386F3935-93C4-4BCD-93E2-E3B085C9AB24}">
-                <p16:designElem xmlns:p16="http://schemas.microsoft.com/office/powerpoint/2015/main" val="1"/>
-              </p:ext>
-            </p:extLst>
-          </p:nvPr>
-        </p:nvSpPr>
-        <p:spPr>
-          <a:xfrm>
-            <a:off x="4753278" y="0"/>
-            <a:ext cx="7438722" cy="6857999"/>
-          </a:xfrm>
-          <a:prstGeom prst="rect">
-            <a:avLst/>
-          </a:prstGeom>
-          <a:ln>
-            <a:noFill/>
-          </a:ln>
-        </p:spPr>
-        <p:style>
-          <a:lnRef idx="2">
-            <a:schemeClr val="accent1">
-              <a:shade val="50000"/>
-            </a:schemeClr>
-          </a:lnRef>
-          <a:fillRef idx="1">
-            <a:schemeClr val="accent1"/>
-          </a:fillRef>
-          <a:effectRef idx="0">
-            <a:schemeClr val="accent1"/>
-          </a:effectRef>
-          <a:fontRef idx="minor">
-            <a:schemeClr val="lt1"/>
-          </a:fontRef>
-        </p:style>
-        <p:txBody>
-          <a:bodyPr rtlCol="0" anchor="ctr"/>
-          <a:lstStyle/>
-          <a:p>
-            <a:pPr algn="ctr"/>
-            <a:endParaRPr lang="en-US"/>
-          </a:p>
-        </p:txBody>
-      </p:sp>
-      <p:graphicFrame>
-        <p:nvGraphicFramePr>
-          <p:cNvPr id="5" name="Platshållare för innehåll 2">
-            <a:extLst>
-              <a:ext uri="{FF2B5EF4-FFF2-40B4-BE49-F238E27FC236}">
-                <a16:creationId xmlns:a16="http://schemas.microsoft.com/office/drawing/2014/main" id="{CC3F6FD6-DC7B-416C-BE97-4762CF292410}"/>
-              </a:ext>
-            </a:extLst>
-          </p:cNvPr>
-          <p:cNvGraphicFramePr>
-            <a:graphicFrameLocks noGrp="1"/>
-          </p:cNvGraphicFramePr>
-          <p:nvPr>
-            <p:ph idx="1"/>
-            <p:extLst>
-              <p:ext uri="{D42A27DB-BD31-4B8C-83A1-F6EECF244321}">
-                <p14:modId xmlns:p14="http://schemas.microsoft.com/office/powerpoint/2010/main" val="828883844"/>
-              </p:ext>
-            </p:extLst>
-          </p:nvPr>
-        </p:nvGraphicFramePr>
-        <p:xfrm>
-          <a:off x="5397500" y="639763"/>
-          <a:ext cx="6151563" cy="5276850"/>
-        </p:xfrm>
-        <a:graphic>
-          <a:graphicData uri="http://schemas.openxmlformats.org/drawingml/2006/diagram">
-            <dgm:relIds xmlns:dgm="http://schemas.openxmlformats.org/drawingml/2006/diagram" xmlns:r="http://schemas.openxmlformats.org/officeDocument/2006/relationships" r:dm="rId2" r:lo="rId3" r:qs="rId4" r:cs="rId5"/>
-          </a:graphicData>
-        </a:graphic>
-      </p:graphicFrame>
-    </p:spTree>
-    <p:extLst>
-      <p:ext uri="{BB962C8B-B14F-4D97-AF65-F5344CB8AC3E}">
-        <p14:creationId xmlns:p14="http://schemas.microsoft.com/office/powerpoint/2010/main" val="2331177368"/>
       </p:ext>
     </p:extLst>
   </p:cSld>

--- a/project_presentation/project_presentation.pptx
+++ b/project_presentation/project_presentation.pptx
@@ -10,17 +10,18 @@
     <p:sldId id="258" r:id="rId4"/>
     <p:sldId id="259" r:id="rId5"/>
     <p:sldId id="267" r:id="rId6"/>
-    <p:sldId id="268" r:id="rId7"/>
-    <p:sldId id="270" r:id="rId8"/>
-    <p:sldId id="271" r:id="rId9"/>
-    <p:sldId id="272" r:id="rId10"/>
-    <p:sldId id="260" r:id="rId11"/>
-    <p:sldId id="263" r:id="rId12"/>
-    <p:sldId id="264" r:id="rId13"/>
-    <p:sldId id="265" r:id="rId14"/>
-    <p:sldId id="266" r:id="rId15"/>
-    <p:sldId id="261" r:id="rId16"/>
-    <p:sldId id="262" r:id="rId17"/>
+    <p:sldId id="273" r:id="rId7"/>
+    <p:sldId id="268" r:id="rId8"/>
+    <p:sldId id="270" r:id="rId9"/>
+    <p:sldId id="271" r:id="rId10"/>
+    <p:sldId id="272" r:id="rId11"/>
+    <p:sldId id="260" r:id="rId12"/>
+    <p:sldId id="263" r:id="rId13"/>
+    <p:sldId id="264" r:id="rId14"/>
+    <p:sldId id="265" r:id="rId15"/>
+    <p:sldId id="266" r:id="rId16"/>
+    <p:sldId id="261" r:id="rId17"/>
+    <p:sldId id="262" r:id="rId18"/>
   </p:sldIdLst>
   <p:sldSz cx="12192000" cy="6858000"/>
   <p:notesSz cx="6858000" cy="9144000"/>
@@ -4065,7 +4066,7 @@
           <a:p>
             <a:fld id="{1160EA64-D806-43AC-9DF2-F8C432F32B4C}" type="datetimeFigureOut">
               <a:rPr lang="en-US" dirty="0"/>
-              <a:t>2019-05-26</a:t>
+              <a:t>5/27/2019</a:t>
             </a:fld>
             <a:endParaRPr lang="en-US" dirty="0"/>
           </a:p>
@@ -4207,7 +4208,7 @@
           <a:p>
             <a:fld id="{E9F9C37B-1D36-470B-8223-D6C91242EC14}" type="datetimeFigureOut">
               <a:rPr lang="en-US" dirty="0"/>
-              <a:t>2019-05-26</a:t>
+              <a:t>5/27/2019</a:t>
             </a:fld>
             <a:endParaRPr lang="en-US" dirty="0"/>
           </a:p>
@@ -4358,7 +4359,7 @@
           <a:p>
             <a:fld id="{67C6F52A-A82B-47A2-A83A-8C4C91F2D59F}" type="datetimeFigureOut">
               <a:rPr lang="en-US" dirty="0"/>
-              <a:t>2019-05-26</a:t>
+              <a:t>5/27/2019</a:t>
             </a:fld>
             <a:endParaRPr lang="en-US" dirty="0"/>
           </a:p>
@@ -4499,7 +4500,7 @@
           <a:p>
             <a:fld id="{F070A7B3-6521-4DCA-87E5-044747A908C1}" type="datetimeFigureOut">
               <a:rPr lang="en-US" dirty="0"/>
-              <a:t>2019-05-26</a:t>
+              <a:t>5/27/2019</a:t>
             </a:fld>
             <a:endParaRPr lang="en-US" dirty="0"/>
           </a:p>
@@ -4768,7 +4769,7 @@
           <a:p>
             <a:fld id="{1160EA64-D806-43AC-9DF2-F8C432F32B4C}" type="datetimeFigureOut">
               <a:rPr lang="en-US" dirty="0"/>
-              <a:t>2019-05-26</a:t>
+              <a:t>5/27/2019</a:t>
             </a:fld>
             <a:endParaRPr lang="en-US" dirty="0"/>
           </a:p>
@@ -4948,7 +4949,7 @@
           <a:p>
             <a:fld id="{AB134690-1557-4C89-A502-4959FE7FAD70}" type="datetimeFigureOut">
               <a:rPr lang="en-US" dirty="0"/>
-              <a:t>2019-05-26</a:t>
+              <a:t>5/27/2019</a:t>
             </a:fld>
             <a:endParaRPr lang="en-US" dirty="0"/>
           </a:p>
@@ -5264,7 +5265,7 @@
           <a:p>
             <a:fld id="{4F7D4976-E339-4826-83B7-FBD03F55ECF8}" type="datetimeFigureOut">
               <a:rPr lang="en-US" dirty="0"/>
-              <a:t>2019-05-26</a:t>
+              <a:t>5/27/2019</a:t>
             </a:fld>
             <a:endParaRPr lang="en-US" dirty="0"/>
           </a:p>
@@ -5400,7 +5401,7 @@
           <a:p>
             <a:fld id="{E1037C31-9E7A-4F99-8774-A0E530DE1A42}" type="datetimeFigureOut">
               <a:rPr lang="en-US" dirty="0"/>
-              <a:t>2019-05-26</a:t>
+              <a:t>5/27/2019</a:t>
             </a:fld>
             <a:endParaRPr lang="en-US" dirty="0"/>
           </a:p>
@@ -5490,7 +5491,7 @@
           <a:p>
             <a:fld id="{C278504F-A551-4DE0-9316-4DCD1D8CC752}" type="datetimeFigureOut">
               <a:rPr lang="en-US" dirty="0"/>
-              <a:t>2019-05-26</a:t>
+              <a:t>5/27/2019</a:t>
             </a:fld>
             <a:endParaRPr lang="en-US" dirty="0"/>
           </a:p>
@@ -5823,7 +5824,7 @@
           <a:p>
             <a:fld id="{D1BE4249-C0D0-4B06-8692-E8BB871AF643}" type="datetimeFigureOut">
               <a:rPr lang="en-US" dirty="0"/>
-              <a:t>2019-05-26</a:t>
+              <a:t>5/27/2019</a:t>
             </a:fld>
             <a:endParaRPr lang="en-US" dirty="0"/>
           </a:p>
@@ -6180,7 +6181,7 @@
           <a:p>
             <a:fld id="{042B0DB6-F5C7-45FB-8CF3-31B45F9C2DAC}" type="datetimeFigureOut">
               <a:rPr lang="en-US" dirty="0"/>
-              <a:t>2019-05-26</a:t>
+              <a:t>5/27/2019</a:t>
             </a:fld>
             <a:endParaRPr lang="en-US" dirty="0"/>
           </a:p>
@@ -6416,7 +6417,7 @@
           <a:p>
             <a:fld id="{1160EA64-D806-43AC-9DF2-F8C432F32B4C}" type="datetimeFigureOut">
               <a:rPr lang="en-US" dirty="0"/>
-              <a:t>2019-05-26</a:t>
+              <a:t>5/27/2019</a:t>
             </a:fld>
             <a:endParaRPr lang="en-US" dirty="0"/>
           </a:p>
@@ -6917,6 +6918,14 @@
 <file path=ppt/slides/slide10.xml><?xml version="1.0" encoding="utf-8"?>
 <p:sld xmlns:a="http://schemas.openxmlformats.org/drawingml/2006/main" xmlns:r="http://schemas.openxmlformats.org/officeDocument/2006/relationships" xmlns:p="http://schemas.openxmlformats.org/presentationml/2006/main">
   <p:cSld>
+    <p:bg>
+      <p:bgPr>
+        <a:solidFill>
+          <a:schemeClr val="bg1"/>
+        </a:solidFill>
+        <a:effectLst/>
+      </p:bgPr>
+    </p:bg>
     <p:spTree>
       <p:nvGrpSpPr>
         <p:cNvPr id="1" name=""/>
@@ -6933,10 +6942,76 @@
       </p:grpSpPr>
       <p:sp>
         <p:nvSpPr>
-          <p:cNvPr id="2" name="Titel 1">
+          <p:cNvPr id="10" name="Rectangle 9">
             <a:extLst>
               <a:ext uri="{FF2B5EF4-FFF2-40B4-BE49-F238E27FC236}">
-                <a16:creationId xmlns:a16="http://schemas.microsoft.com/office/drawing/2014/main" id="{BA3027A2-7564-7A4F-B4F8-5EF3DF79167E}"/>
+                <a16:creationId xmlns:a16="http://schemas.microsoft.com/office/drawing/2014/main" id="{4E866FF9-A729-45F0-A163-10E89E871602}"/>
+              </a:ext>
+              <a:ext uri="{C183D7F6-B498-43B3-948B-1728B52AA6E4}">
+                <adec:decorative xmlns:adec="http://schemas.microsoft.com/office/drawing/2017/decorative" val="1"/>
+              </a:ext>
+            </a:extLst>
+          </p:cNvPr>
+          <p:cNvSpPr>
+            <a:spLocks noGrp="1" noRot="1" noChangeAspect="1" noMove="1" noResize="1" noEditPoints="1" noAdjustHandles="1" noChangeArrowheads="1" noChangeShapeType="1" noTextEdit="1"/>
+          </p:cNvSpPr>
+          <p:nvPr>
+            <p:extLst>
+              <p:ext uri="{386F3935-93C4-4BCD-93E2-E3B085C9AB24}">
+                <p16:designElem xmlns:p16="http://schemas.microsoft.com/office/powerpoint/2015/main" val="1"/>
+              </p:ext>
+            </p:extLst>
+          </p:nvPr>
+        </p:nvSpPr>
+        <p:spPr>
+          <a:xfrm>
+            <a:off x="0" y="0"/>
+            <a:ext cx="4738255" cy="6858000"/>
+          </a:xfrm>
+          <a:prstGeom prst="rect">
+            <a:avLst/>
+          </a:prstGeom>
+          <a:solidFill>
+            <a:schemeClr val="accent6">
+              <a:lumMod val="60000"/>
+              <a:lumOff val="40000"/>
+            </a:schemeClr>
+          </a:solidFill>
+          <a:ln>
+            <a:noFill/>
+          </a:ln>
+        </p:spPr>
+        <p:style>
+          <a:lnRef idx="2">
+            <a:schemeClr val="accent1">
+              <a:shade val="50000"/>
+            </a:schemeClr>
+          </a:lnRef>
+          <a:fillRef idx="1">
+            <a:schemeClr val="accent1"/>
+          </a:fillRef>
+          <a:effectRef idx="0">
+            <a:schemeClr val="accent1"/>
+          </a:effectRef>
+          <a:fontRef idx="minor">
+            <a:schemeClr val="lt1"/>
+          </a:fontRef>
+        </p:style>
+        <p:txBody>
+          <a:bodyPr rtlCol="0" anchor="ctr"/>
+          <a:lstStyle/>
+          <a:p>
+            <a:pPr algn="ctr"/>
+            <a:endParaRPr lang="en-US"/>
+          </a:p>
+        </p:txBody>
+      </p:sp>
+      <p:sp>
+        <p:nvSpPr>
+          <p:cNvPr id="2" name="Rubrik 1">
+            <a:extLst>
+              <a:ext uri="{FF2B5EF4-FFF2-40B4-BE49-F238E27FC236}">
+                <a16:creationId xmlns:a16="http://schemas.microsoft.com/office/drawing/2014/main" id="{3EAE79DF-8DCA-4485-97CD-A7891C6303D9}"/>
               </a:ext>
             </a:extLst>
           </p:cNvPr>
@@ -6947,443 +7022,145 @@
             <p:ph type="title"/>
           </p:nvPr>
         </p:nvSpPr>
-        <p:spPr/>
+        <p:spPr>
+          <a:xfrm>
+            <a:off x="640080" y="2681105"/>
+            <a:ext cx="3401568" cy="1495794"/>
+          </a:xfrm>
+          <a:solidFill>
+            <a:srgbClr val="FFFFFF"/>
+          </a:solidFill>
+          <a:ln>
+            <a:solidFill>
+              <a:srgbClr val="262626"/>
+            </a:solidFill>
+          </a:ln>
+        </p:spPr>
         <p:txBody>
-          <a:bodyPr/>
+          <a:bodyPr>
+            <a:normAutofit/>
+          </a:bodyPr>
           <a:lstStyle/>
           <a:p>
             <a:r>
-              <a:rPr lang="de-DE" dirty="0"/>
-              <a:t>C-code </a:t>
-            </a:r>
-            <a:r>
-              <a:rPr lang="de-DE" dirty="0" err="1"/>
-              <a:t>implementation</a:t>
-            </a:r>
-            <a:br>
-              <a:rPr lang="de-DE" dirty="0"/>
-            </a:br>
-            <a:r>
-              <a:rPr lang="de-DE" dirty="0"/>
-              <a:t>- State </a:t>
-            </a:r>
-            <a:r>
-              <a:rPr lang="de-DE" dirty="0" err="1"/>
-              <a:t>vector</a:t>
-            </a:r>
-            <a:r>
-              <a:rPr lang="de-DE" dirty="0"/>
-              <a:t> -</a:t>
-            </a:r>
+              <a:rPr lang="sv-SE" dirty="0" err="1"/>
+              <a:t>Flying</a:t>
+            </a:r>
+            <a:r>
+              <a:rPr lang="sv-SE" dirty="0"/>
+              <a:t> </a:t>
+            </a:r>
+            <a:r>
+              <a:rPr lang="sv-SE" dirty="0" err="1"/>
+              <a:t>freely</a:t>
+            </a:r>
+            <a:r>
+              <a:rPr lang="sv-SE" dirty="0"/>
+              <a:t> in the </a:t>
+            </a:r>
+            <a:r>
+              <a:rPr lang="sv-SE" dirty="0" err="1"/>
+              <a:t>world</a:t>
+            </a:r>
+            <a:endParaRPr lang="LID4096" dirty="0"/>
           </a:p>
         </p:txBody>
       </p:sp>
-      <p:sp>
+      <p:sp useBgFill="1">
         <p:nvSpPr>
-          <p:cNvPr id="3" name="Inhaltsplatzhalter 2">
+          <p:cNvPr id="12" name="Rectangle 11">
             <a:extLst>
               <a:ext uri="{FF2B5EF4-FFF2-40B4-BE49-F238E27FC236}">
-                <a16:creationId xmlns:a16="http://schemas.microsoft.com/office/drawing/2014/main" id="{5883414A-B3A6-BE40-8248-C6206154A4F0}"/>
+                <a16:creationId xmlns:a16="http://schemas.microsoft.com/office/drawing/2014/main" id="{A804366F-2366-4688-98E7-B101C7BC6146}"/>
+              </a:ext>
+              <a:ext uri="{C183D7F6-B498-43B3-948B-1728B52AA6E4}">
+                <adec:decorative xmlns:adec="http://schemas.microsoft.com/office/drawing/2017/decorative" val="1"/>
               </a:ext>
             </a:extLst>
           </p:cNvPr>
           <p:cNvSpPr>
-            <a:spLocks noGrp="1"/>
+            <a:spLocks noGrp="1" noRot="1" noChangeAspect="1" noMove="1" noResize="1" noEditPoints="1" noAdjustHandles="1" noChangeArrowheads="1" noChangeShapeType="1" noTextEdit="1"/>
           </p:cNvSpPr>
           <p:nvPr>
-            <p:ph idx="1"/>
+            <p:extLst>
+              <p:ext uri="{386F3935-93C4-4BCD-93E2-E3B085C9AB24}">
+                <p16:designElem xmlns:p16="http://schemas.microsoft.com/office/powerpoint/2015/main" val="1"/>
+              </p:ext>
+            </p:extLst>
           </p:nvPr>
         </p:nvSpPr>
-        <p:spPr/>
+        <p:spPr>
+          <a:xfrm>
+            <a:off x="4753278" y="0"/>
+            <a:ext cx="7438722" cy="6857999"/>
+          </a:xfrm>
+          <a:prstGeom prst="rect">
+            <a:avLst/>
+          </a:prstGeom>
+          <a:ln>
+            <a:noFill/>
+          </a:ln>
+        </p:spPr>
+        <p:style>
+          <a:lnRef idx="2">
+            <a:schemeClr val="accent1">
+              <a:shade val="50000"/>
+            </a:schemeClr>
+          </a:lnRef>
+          <a:fillRef idx="1">
+            <a:schemeClr val="accent1"/>
+          </a:fillRef>
+          <a:effectRef idx="0">
+            <a:schemeClr val="accent1"/>
+          </a:effectRef>
+          <a:fontRef idx="minor">
+            <a:schemeClr val="lt1"/>
+          </a:fontRef>
+        </p:style>
         <p:txBody>
-          <a:bodyPr>
-            <a:normAutofit fontScale="92500" lnSpcReduction="10000"/>
-          </a:bodyPr>
+          <a:bodyPr rtlCol="0" anchor="ctr"/>
           <a:lstStyle/>
           <a:p>
-            <a:pPr marL="0" indent="0">
-              <a:buNone/>
-            </a:pPr>
-            <a:r>
-              <a:rPr lang="de-DE" dirty="0">
-                <a:solidFill>
-                  <a:srgbClr val="569CD6"/>
-                </a:solidFill>
-                <a:latin typeface="Menlo" panose="020B0609030804020204" pitchFamily="49" charset="0"/>
-              </a:rPr>
-              <a:t>volatile</a:t>
-            </a:r>
-            <a:r>
-              <a:rPr lang="de-DE" dirty="0">
-                <a:solidFill>
-                  <a:srgbClr val="D4D4D4"/>
-                </a:solidFill>
-                <a:latin typeface="Menlo" panose="020B0609030804020204" pitchFamily="49" charset="0"/>
-              </a:rPr>
-              <a:t> </a:t>
-            </a:r>
-            <a:r>
-              <a:rPr lang="de-DE" dirty="0" err="1">
-                <a:solidFill>
-                  <a:srgbClr val="569CD6"/>
-                </a:solidFill>
-                <a:latin typeface="Menlo" panose="020B0609030804020204" pitchFamily="49" charset="0"/>
-              </a:rPr>
-              <a:t>struct</a:t>
-            </a:r>
-            <a:r>
-              <a:rPr lang="de-DE" dirty="0">
-                <a:solidFill>
-                  <a:srgbClr val="D4D4D4"/>
-                </a:solidFill>
-                <a:latin typeface="Menlo" panose="020B0609030804020204" pitchFamily="49" charset="0"/>
-              </a:rPr>
-              <a:t> {</a:t>
-            </a:r>
-          </a:p>
-          <a:p>
-            <a:pPr marL="0" indent="0">
-              <a:buNone/>
-            </a:pPr>
-            <a:r>
-              <a:rPr lang="de-DE" dirty="0">
-                <a:solidFill>
-                  <a:srgbClr val="6A9955"/>
-                </a:solidFill>
-                <a:latin typeface="Menlo" panose="020B0609030804020204" pitchFamily="49" charset="0"/>
-              </a:rPr>
-              <a:t>// </a:t>
-            </a:r>
-            <a:r>
-              <a:rPr lang="de-DE" dirty="0" err="1">
-                <a:solidFill>
-                  <a:srgbClr val="6A9955"/>
-                </a:solidFill>
-                <a:latin typeface="Menlo" panose="020B0609030804020204" pitchFamily="49" charset="0"/>
-              </a:rPr>
-              <a:t>angles</a:t>
-            </a:r>
-            <a:r>
-              <a:rPr lang="de-DE" dirty="0">
-                <a:solidFill>
-                  <a:srgbClr val="6A9955"/>
-                </a:solidFill>
-                <a:latin typeface="Menlo" panose="020B0609030804020204" pitchFamily="49" charset="0"/>
-              </a:rPr>
-              <a:t> - </a:t>
-            </a:r>
-            <a:r>
-              <a:rPr lang="de-DE" dirty="0" err="1">
-                <a:solidFill>
-                  <a:srgbClr val="6A9955"/>
-                </a:solidFill>
-                <a:latin typeface="Menlo" panose="020B0609030804020204" pitchFamily="49" charset="0"/>
-              </a:rPr>
-              <a:t>degree</a:t>
-            </a:r>
-            <a:endParaRPr lang="de-DE" dirty="0">
-              <a:solidFill>
-                <a:srgbClr val="D4D4D4"/>
-              </a:solidFill>
-              <a:latin typeface="Menlo" panose="020B0609030804020204" pitchFamily="49" charset="0"/>
-            </a:endParaRPr>
-          </a:p>
-          <a:p>
-            <a:pPr marL="228600" lvl="1" indent="0">
-              <a:buNone/>
-            </a:pPr>
-            <a:r>
-              <a:rPr lang="de-DE" dirty="0" err="1">
-                <a:solidFill>
-                  <a:srgbClr val="569CD6"/>
-                </a:solidFill>
-                <a:latin typeface="Menlo" panose="020B0609030804020204" pitchFamily="49" charset="0"/>
-              </a:rPr>
-              <a:t>float</a:t>
-            </a:r>
-            <a:r>
-              <a:rPr lang="de-DE" dirty="0">
-                <a:solidFill>
-                  <a:srgbClr val="D4D4D4"/>
-                </a:solidFill>
-                <a:latin typeface="Menlo" panose="020B0609030804020204" pitchFamily="49" charset="0"/>
-              </a:rPr>
-              <a:t> </a:t>
-            </a:r>
-            <a:r>
-              <a:rPr lang="de-DE" dirty="0">
-                <a:solidFill>
-                  <a:schemeClr val="tx1"/>
-                </a:solidFill>
-                <a:latin typeface="Menlo" panose="020B0609030804020204" pitchFamily="49" charset="0"/>
-              </a:rPr>
-              <a:t>roll;</a:t>
-            </a:r>
-          </a:p>
-          <a:p>
-            <a:pPr marL="228600" lvl="1" indent="0">
-              <a:buNone/>
-            </a:pPr>
-            <a:r>
-              <a:rPr lang="de-DE" dirty="0" err="1">
-                <a:solidFill>
-                  <a:srgbClr val="569CD6"/>
-                </a:solidFill>
-                <a:latin typeface="Menlo" panose="020B0609030804020204" pitchFamily="49" charset="0"/>
-              </a:rPr>
-              <a:t>float</a:t>
-            </a:r>
-            <a:r>
-              <a:rPr lang="de-DE" dirty="0">
-                <a:solidFill>
-                  <a:srgbClr val="D4D4D4"/>
-                </a:solidFill>
-                <a:latin typeface="Menlo" panose="020B0609030804020204" pitchFamily="49" charset="0"/>
-              </a:rPr>
-              <a:t> </a:t>
-            </a:r>
-            <a:r>
-              <a:rPr lang="de-DE" dirty="0" err="1">
-                <a:solidFill>
-                  <a:schemeClr val="tx1"/>
-                </a:solidFill>
-                <a:latin typeface="Menlo" panose="020B0609030804020204" pitchFamily="49" charset="0"/>
-              </a:rPr>
-              <a:t>pitch</a:t>
-            </a:r>
-            <a:r>
-              <a:rPr lang="de-DE" dirty="0">
-                <a:solidFill>
-                  <a:schemeClr val="tx1"/>
-                </a:solidFill>
-                <a:latin typeface="Menlo" panose="020B0609030804020204" pitchFamily="49" charset="0"/>
-              </a:rPr>
-              <a:t>;</a:t>
-            </a:r>
-          </a:p>
-          <a:p>
-            <a:pPr marL="0" indent="0">
-              <a:buNone/>
-            </a:pPr>
-            <a:r>
-              <a:rPr lang="de-DE" dirty="0">
-                <a:solidFill>
-                  <a:srgbClr val="6A9955"/>
-                </a:solidFill>
-                <a:latin typeface="Menlo" panose="020B0609030804020204" pitchFamily="49" charset="0"/>
-              </a:rPr>
-              <a:t>// angular </a:t>
-            </a:r>
-            <a:r>
-              <a:rPr lang="de-DE" dirty="0" err="1">
-                <a:solidFill>
-                  <a:srgbClr val="6A9955"/>
-                </a:solidFill>
-                <a:latin typeface="Menlo" panose="020B0609030804020204" pitchFamily="49" charset="0"/>
-              </a:rPr>
-              <a:t>velocity</a:t>
-            </a:r>
-            <a:r>
-              <a:rPr lang="de-DE" dirty="0">
-                <a:solidFill>
-                  <a:srgbClr val="6A9955"/>
-                </a:solidFill>
-                <a:latin typeface="Menlo" panose="020B0609030804020204" pitchFamily="49" charset="0"/>
-              </a:rPr>
-              <a:t> - </a:t>
-            </a:r>
-            <a:r>
-              <a:rPr lang="de-DE" dirty="0" err="1">
-                <a:solidFill>
-                  <a:srgbClr val="6A9955"/>
-                </a:solidFill>
-                <a:latin typeface="Menlo" panose="020B0609030804020204" pitchFamily="49" charset="0"/>
-              </a:rPr>
-              <a:t>degree</a:t>
-            </a:r>
-            <a:r>
-              <a:rPr lang="de-DE" dirty="0">
-                <a:solidFill>
-                  <a:srgbClr val="6A9955"/>
-                </a:solidFill>
-                <a:latin typeface="Menlo" panose="020B0609030804020204" pitchFamily="49" charset="0"/>
-              </a:rPr>
-              <a:t> / sec</a:t>
-            </a:r>
-            <a:endParaRPr lang="de-DE" dirty="0">
-              <a:solidFill>
-                <a:srgbClr val="D4D4D4"/>
-              </a:solidFill>
-              <a:latin typeface="Menlo" panose="020B0609030804020204" pitchFamily="49" charset="0"/>
-            </a:endParaRPr>
-          </a:p>
-          <a:p>
-            <a:pPr marL="228600" lvl="1" indent="0">
-              <a:buNone/>
-            </a:pPr>
-            <a:r>
-              <a:rPr lang="de-DE" dirty="0" err="1">
-                <a:solidFill>
-                  <a:srgbClr val="569CD6"/>
-                </a:solidFill>
-                <a:latin typeface="Menlo" panose="020B0609030804020204" pitchFamily="49" charset="0"/>
-              </a:rPr>
-              <a:t>float</a:t>
-            </a:r>
-            <a:r>
-              <a:rPr lang="de-DE" dirty="0">
-                <a:solidFill>
-                  <a:srgbClr val="D4D4D4"/>
-                </a:solidFill>
-                <a:latin typeface="Menlo" panose="020B0609030804020204" pitchFamily="49" charset="0"/>
-              </a:rPr>
-              <a:t> </a:t>
-            </a:r>
-            <a:r>
-              <a:rPr lang="de-DE" dirty="0" err="1">
-                <a:solidFill>
-                  <a:schemeClr val="tx1"/>
-                </a:solidFill>
-                <a:latin typeface="Menlo" panose="020B0609030804020204" pitchFamily="49" charset="0"/>
-              </a:rPr>
-              <a:t>rateRoll</a:t>
-            </a:r>
-            <a:r>
-              <a:rPr lang="de-DE" dirty="0">
-                <a:solidFill>
-                  <a:schemeClr val="tx1"/>
-                </a:solidFill>
-                <a:latin typeface="Menlo" panose="020B0609030804020204" pitchFamily="49" charset="0"/>
-              </a:rPr>
-              <a:t>;</a:t>
-            </a:r>
-          </a:p>
-          <a:p>
-            <a:pPr marL="228600" lvl="1" indent="0">
-              <a:buNone/>
-            </a:pPr>
-            <a:r>
-              <a:rPr lang="de-DE" dirty="0" err="1">
-                <a:solidFill>
-                  <a:srgbClr val="569CD6"/>
-                </a:solidFill>
-                <a:latin typeface="Menlo" panose="020B0609030804020204" pitchFamily="49" charset="0"/>
-              </a:rPr>
-              <a:t>float</a:t>
-            </a:r>
-            <a:r>
-              <a:rPr lang="de-DE" dirty="0">
-                <a:solidFill>
-                  <a:srgbClr val="569CD6"/>
-                </a:solidFill>
-                <a:latin typeface="Menlo" panose="020B0609030804020204" pitchFamily="49" charset="0"/>
-              </a:rPr>
-              <a:t> </a:t>
-            </a:r>
-            <a:r>
-              <a:rPr lang="de-DE" dirty="0" err="1">
-                <a:solidFill>
-                  <a:schemeClr val="tx1"/>
-                </a:solidFill>
-                <a:latin typeface="Menlo" panose="020B0609030804020204" pitchFamily="49" charset="0"/>
-              </a:rPr>
-              <a:t>ratePitch</a:t>
-            </a:r>
-            <a:r>
-              <a:rPr lang="de-DE" dirty="0">
-                <a:solidFill>
-                  <a:schemeClr val="tx1"/>
-                </a:solidFill>
-                <a:latin typeface="Menlo" panose="020B0609030804020204" pitchFamily="49" charset="0"/>
-              </a:rPr>
-              <a:t>;</a:t>
-            </a:r>
-          </a:p>
-          <a:p>
-            <a:pPr marL="228600" lvl="1" indent="0">
-              <a:buNone/>
-            </a:pPr>
-            <a:r>
-              <a:rPr lang="de-DE" dirty="0" err="1">
-                <a:solidFill>
-                  <a:srgbClr val="569CD6"/>
-                </a:solidFill>
-                <a:latin typeface="Menlo" panose="020B0609030804020204" pitchFamily="49" charset="0"/>
-              </a:rPr>
-              <a:t>float</a:t>
-            </a:r>
-            <a:r>
-              <a:rPr lang="de-DE" dirty="0">
-                <a:solidFill>
-                  <a:srgbClr val="D4D4D4"/>
-                </a:solidFill>
-                <a:latin typeface="Menlo" panose="020B0609030804020204" pitchFamily="49" charset="0"/>
-              </a:rPr>
-              <a:t> </a:t>
-            </a:r>
-            <a:r>
-              <a:rPr lang="de-DE" dirty="0" err="1">
-                <a:solidFill>
-                  <a:schemeClr val="tx1"/>
-                </a:solidFill>
-                <a:latin typeface="Menlo" panose="020B0609030804020204" pitchFamily="49" charset="0"/>
-              </a:rPr>
-              <a:t>rateYaw</a:t>
-            </a:r>
-            <a:r>
-              <a:rPr lang="de-DE" dirty="0">
-                <a:solidFill>
-                  <a:schemeClr val="tx1"/>
-                </a:solidFill>
-                <a:latin typeface="Menlo" panose="020B0609030804020204" pitchFamily="49" charset="0"/>
-              </a:rPr>
-              <a:t>;</a:t>
-            </a:r>
-          </a:p>
-          <a:p>
-            <a:pPr marL="0" indent="0">
-              <a:buNone/>
-            </a:pPr>
-            <a:r>
-              <a:rPr lang="de-DE" dirty="0">
-                <a:solidFill>
-                  <a:srgbClr val="D4D4D4"/>
-                </a:solidFill>
-                <a:latin typeface="Menlo" panose="020B0609030804020204" pitchFamily="49" charset="0"/>
-              </a:rPr>
-              <a:t>} </a:t>
-            </a:r>
-            <a:r>
-              <a:rPr lang="de-DE" dirty="0" err="1">
-                <a:solidFill>
-                  <a:schemeClr val="tx1"/>
-                </a:solidFill>
-                <a:latin typeface="Menlo" panose="020B0609030804020204" pitchFamily="49" charset="0"/>
-              </a:rPr>
-              <a:t>state</a:t>
-            </a:r>
-            <a:r>
-              <a:rPr lang="de-DE" dirty="0">
-                <a:solidFill>
-                  <a:schemeClr val="tx1"/>
-                </a:solidFill>
-                <a:latin typeface="Menlo" panose="020B0609030804020204" pitchFamily="49" charset="0"/>
-              </a:rPr>
-              <a:t>;</a:t>
-            </a:r>
-          </a:p>
-          <a:p>
-            <a:pPr marL="0" indent="0">
-              <a:buNone/>
-            </a:pPr>
-            <a:endParaRPr lang="de-DE" dirty="0"/>
+            <a:pPr algn="ctr"/>
+            <a:endParaRPr lang="en-US"/>
           </a:p>
         </p:txBody>
       </p:sp>
+      <p:graphicFrame>
+        <p:nvGraphicFramePr>
+          <p:cNvPr id="5" name="Platshållare för innehåll 2">
+            <a:extLst>
+              <a:ext uri="{FF2B5EF4-FFF2-40B4-BE49-F238E27FC236}">
+                <a16:creationId xmlns:a16="http://schemas.microsoft.com/office/drawing/2014/main" id="{CC3F6FD6-DC7B-416C-BE97-4762CF292410}"/>
+              </a:ext>
+            </a:extLst>
+          </p:cNvPr>
+          <p:cNvGraphicFramePr>
+            <a:graphicFrameLocks noGrp="1"/>
+          </p:cNvGraphicFramePr>
+          <p:nvPr>
+            <p:ph idx="1"/>
+            <p:extLst>
+              <p:ext uri="{D42A27DB-BD31-4B8C-83A1-F6EECF244321}">
+                <p14:modId xmlns:p14="http://schemas.microsoft.com/office/powerpoint/2010/main" val="828883844"/>
+              </p:ext>
+            </p:extLst>
+          </p:nvPr>
+        </p:nvGraphicFramePr>
+        <p:xfrm>
+          <a:off x="5397500" y="639763"/>
+          <a:ext cx="6151563" cy="5276850"/>
+        </p:xfrm>
+        <a:graphic>
+          <a:graphicData uri="http://schemas.openxmlformats.org/drawingml/2006/diagram">
+            <dgm:relIds xmlns:dgm="http://schemas.openxmlformats.org/drawingml/2006/diagram" xmlns:r="http://schemas.openxmlformats.org/officeDocument/2006/relationships" r:dm="rId2" r:lo="rId3" r:qs="rId4" r:cs="rId5"/>
+          </a:graphicData>
+        </a:graphic>
+      </p:graphicFrame>
     </p:spTree>
     <p:extLst>
       <p:ext uri="{BB962C8B-B14F-4D97-AF65-F5344CB8AC3E}">
-        <p14:creationId xmlns:p14="http://schemas.microsoft.com/office/powerpoint/2010/main" val="2246717686"/>
+        <p14:creationId xmlns:p14="http://schemas.microsoft.com/office/powerpoint/2010/main" val="2331177368"/>
       </p:ext>
     </p:extLst>
   </p:cSld>
@@ -7444,15 +7221,15 @@
             </a:br>
             <a:r>
               <a:rPr lang="de-DE" dirty="0"/>
-              <a:t>- Main </a:t>
+              <a:t>- State </a:t>
             </a:r>
             <a:r>
               <a:rPr lang="de-DE" dirty="0" err="1"/>
-              <a:t>function</a:t>
+              <a:t>vector</a:t>
             </a:r>
             <a:r>
               <a:rPr lang="de-DE" dirty="0"/>
-              <a:t>-</a:t>
+              <a:t> -</a:t>
             </a:r>
           </a:p>
         </p:txBody>
@@ -7473,15 +7250,10 @@
             <p:ph idx="1"/>
           </p:nvPr>
         </p:nvSpPr>
-        <p:spPr>
-          <a:xfrm>
-            <a:off x="754027" y="2441094"/>
-            <a:ext cx="7729728" cy="4072245"/>
-          </a:xfrm>
-        </p:spPr>
+        <p:spPr/>
         <p:txBody>
           <a:bodyPr>
-            <a:normAutofit/>
+            <a:normAutofit fontScale="92500" lnSpcReduction="10000"/>
           </a:bodyPr>
           <a:lstStyle/>
           <a:p>
@@ -7489,16 +7261,16 @@
               <a:buNone/>
             </a:pPr>
             <a:r>
-              <a:rPr lang="de-DE" sz="1600" dirty="0" err="1">
+              <a:rPr lang="de-DE" dirty="0">
                 <a:solidFill>
                   <a:srgbClr val="569CD6"/>
                 </a:solidFill>
                 <a:latin typeface="Menlo" panose="020B0609030804020204" pitchFamily="49" charset="0"/>
               </a:rPr>
-              <a:t>void</a:t>
-            </a:r>
-            <a:r>
-              <a:rPr lang="de-DE" sz="1600" dirty="0">
+              <a:t>volatile</a:t>
+            </a:r>
+            <a:r>
+              <a:rPr lang="de-DE" dirty="0">
                 <a:solidFill>
                   <a:srgbClr val="D4D4D4"/>
                 </a:solidFill>
@@ -7507,40 +7279,22 @@
               <a:t> </a:t>
             </a:r>
             <a:r>
-              <a:rPr lang="de-DE" sz="1600" dirty="0" err="1">
-                <a:solidFill>
-                  <a:srgbClr val="DCDCAA"/>
-                </a:solidFill>
-                <a:latin typeface="Menlo" panose="020B0609030804020204" pitchFamily="49" charset="0"/>
-              </a:rPr>
-              <a:t>yourCodeInit</a:t>
-            </a:r>
-            <a:r>
-              <a:rPr lang="de-DE" sz="1600" dirty="0">
+              <a:rPr lang="de-DE" dirty="0" err="1">
+                <a:solidFill>
+                  <a:srgbClr val="569CD6"/>
+                </a:solidFill>
+                <a:latin typeface="Menlo" panose="020B0609030804020204" pitchFamily="49" charset="0"/>
+              </a:rPr>
+              <a:t>struct</a:t>
+            </a:r>
+            <a:r>
+              <a:rPr lang="de-DE" dirty="0">
                 <a:solidFill>
                   <a:srgbClr val="D4D4D4"/>
                 </a:solidFill>
                 <a:latin typeface="Menlo" panose="020B0609030804020204" pitchFamily="49" charset="0"/>
               </a:rPr>
-              <a:t>(</a:t>
-            </a:r>
-            <a:r>
-              <a:rPr lang="de-DE" sz="1600" dirty="0" err="1">
-                <a:solidFill>
-                  <a:srgbClr val="569CD6"/>
-                </a:solidFill>
-                <a:latin typeface="Menlo" panose="020B0609030804020204" pitchFamily="49" charset="0"/>
-              </a:rPr>
-              <a:t>void</a:t>
-            </a:r>
-            <a:r>
-              <a:rPr lang="de-DE" sz="1600" dirty="0">
-                <a:solidFill>
-                  <a:srgbClr val="D4D4D4"/>
-                </a:solidFill>
-                <a:latin typeface="Menlo" panose="020B0609030804020204" pitchFamily="49" charset="0"/>
-              </a:rPr>
-              <a:t>)</a:t>
+              <a:t> {</a:t>
             </a:r>
           </a:p>
           <a:p>
@@ -7548,13 +7302,119 @@
               <a:buNone/>
             </a:pPr>
             <a:r>
-              <a:rPr lang="de-DE" sz="1600" dirty="0">
+              <a:rPr lang="de-DE" dirty="0">
+                <a:solidFill>
+                  <a:srgbClr val="6A9955"/>
+                </a:solidFill>
+                <a:latin typeface="Menlo" panose="020B0609030804020204" pitchFamily="49" charset="0"/>
+              </a:rPr>
+              <a:t>// </a:t>
+            </a:r>
+            <a:r>
+              <a:rPr lang="de-DE" dirty="0" err="1">
+                <a:solidFill>
+                  <a:srgbClr val="6A9955"/>
+                </a:solidFill>
+                <a:latin typeface="Menlo" panose="020B0609030804020204" pitchFamily="49" charset="0"/>
+              </a:rPr>
+              <a:t>angles</a:t>
+            </a:r>
+            <a:r>
+              <a:rPr lang="de-DE" dirty="0">
+                <a:solidFill>
+                  <a:srgbClr val="6A9955"/>
+                </a:solidFill>
+                <a:latin typeface="Menlo" panose="020B0609030804020204" pitchFamily="49" charset="0"/>
+              </a:rPr>
+              <a:t> - </a:t>
+            </a:r>
+            <a:r>
+              <a:rPr lang="de-DE" dirty="0" err="1">
+                <a:solidFill>
+                  <a:srgbClr val="6A9955"/>
+                </a:solidFill>
+                <a:latin typeface="Menlo" panose="020B0609030804020204" pitchFamily="49" charset="0"/>
+              </a:rPr>
+              <a:t>degree</a:t>
+            </a:r>
+            <a:endParaRPr lang="de-DE" dirty="0">
+              <a:solidFill>
+                <a:srgbClr val="D4D4D4"/>
+              </a:solidFill>
+              <a:latin typeface="Menlo" panose="020B0609030804020204" pitchFamily="49" charset="0"/>
+            </a:endParaRPr>
+          </a:p>
+          <a:p>
+            <a:pPr marL="228600" lvl="1" indent="0">
+              <a:buNone/>
+            </a:pPr>
+            <a:r>
+              <a:rPr lang="de-DE" dirty="0" err="1">
+                <a:solidFill>
+                  <a:srgbClr val="569CD6"/>
+                </a:solidFill>
+                <a:latin typeface="Menlo" panose="020B0609030804020204" pitchFamily="49" charset="0"/>
+              </a:rPr>
+              <a:t>float</a:t>
+            </a:r>
+            <a:r>
+              <a:rPr lang="de-DE" dirty="0">
                 <a:solidFill>
                   <a:srgbClr val="D4D4D4"/>
                 </a:solidFill>
                 <a:latin typeface="Menlo" panose="020B0609030804020204" pitchFamily="49" charset="0"/>
               </a:rPr>
-              <a:t>{</a:t>
+              <a:t> </a:t>
+            </a:r>
+            <a:r>
+              <a:rPr lang="de-DE" dirty="0">
+                <a:solidFill>
+                  <a:schemeClr val="tx1"/>
+                </a:solidFill>
+                <a:latin typeface="Menlo" panose="020B0609030804020204" pitchFamily="49" charset="0"/>
+              </a:rPr>
+              <a:t>roll;</a:t>
+            </a:r>
+          </a:p>
+          <a:p>
+            <a:pPr marL="228600" lvl="1" indent="0">
+              <a:buNone/>
+            </a:pPr>
+            <a:r>
+              <a:rPr lang="de-DE" dirty="0" err="1">
+                <a:solidFill>
+                  <a:srgbClr val="569CD6"/>
+                </a:solidFill>
+                <a:latin typeface="Menlo" panose="020B0609030804020204" pitchFamily="49" charset="0"/>
+              </a:rPr>
+              <a:t>float</a:t>
+            </a:r>
+            <a:r>
+              <a:rPr lang="de-DE" dirty="0">
+                <a:solidFill>
+                  <a:srgbClr val="D4D4D4"/>
+                </a:solidFill>
+                <a:latin typeface="Menlo" panose="020B0609030804020204" pitchFamily="49" charset="0"/>
+              </a:rPr>
+              <a:t> </a:t>
+            </a:r>
+            <a:r>
+              <a:rPr lang="de-DE" dirty="0" err="1">
+                <a:solidFill>
+                  <a:schemeClr val="tx1"/>
+                </a:solidFill>
+                <a:latin typeface="Menlo" panose="020B0609030804020204" pitchFamily="49" charset="0"/>
+              </a:rPr>
+              <a:t>pitch</a:t>
+            </a:r>
+            <a:r>
+              <a:rPr lang="de-DE" dirty="0">
+                <a:solidFill>
+                  <a:schemeClr val="tx1"/>
+                </a:solidFill>
+                <a:latin typeface="Menlo" panose="020B0609030804020204" pitchFamily="49" charset="0"/>
+              </a:rPr>
+              <a:t>;</a:t>
             </a:r>
           </a:p>
           <a:p>
@@ -7562,36 +7422,174 @@
               <a:buNone/>
             </a:pPr>
             <a:r>
-              <a:rPr lang="de-DE" sz="1600" dirty="0">
+              <a:rPr lang="de-DE" dirty="0">
+                <a:solidFill>
+                  <a:srgbClr val="6A9955"/>
+                </a:solidFill>
+                <a:latin typeface="Menlo" panose="020B0609030804020204" pitchFamily="49" charset="0"/>
+              </a:rPr>
+              <a:t>// angular </a:t>
+            </a:r>
+            <a:r>
+              <a:rPr lang="de-DE" dirty="0" err="1">
+                <a:solidFill>
+                  <a:srgbClr val="6A9955"/>
+                </a:solidFill>
+                <a:latin typeface="Menlo" panose="020B0609030804020204" pitchFamily="49" charset="0"/>
+              </a:rPr>
+              <a:t>velocity</a:t>
+            </a:r>
+            <a:r>
+              <a:rPr lang="de-DE" dirty="0">
+                <a:solidFill>
+                  <a:srgbClr val="6A9955"/>
+                </a:solidFill>
+                <a:latin typeface="Menlo" panose="020B0609030804020204" pitchFamily="49" charset="0"/>
+              </a:rPr>
+              <a:t> - </a:t>
+            </a:r>
+            <a:r>
+              <a:rPr lang="de-DE" dirty="0" err="1">
+                <a:solidFill>
+                  <a:srgbClr val="6A9955"/>
+                </a:solidFill>
+                <a:latin typeface="Menlo" panose="020B0609030804020204" pitchFamily="49" charset="0"/>
+              </a:rPr>
+              <a:t>degree</a:t>
+            </a:r>
+            <a:r>
+              <a:rPr lang="de-DE" dirty="0">
+                <a:solidFill>
+                  <a:srgbClr val="6A9955"/>
+                </a:solidFill>
+                <a:latin typeface="Menlo" panose="020B0609030804020204" pitchFamily="49" charset="0"/>
+              </a:rPr>
+              <a:t> / sec</a:t>
+            </a:r>
+            <a:endParaRPr lang="de-DE" dirty="0">
+              <a:solidFill>
+                <a:srgbClr val="D4D4D4"/>
+              </a:solidFill>
+              <a:latin typeface="Menlo" panose="020B0609030804020204" pitchFamily="49" charset="0"/>
+            </a:endParaRPr>
+          </a:p>
+          <a:p>
+            <a:pPr marL="228600" lvl="1" indent="0">
+              <a:buNone/>
+            </a:pPr>
+            <a:r>
+              <a:rPr lang="de-DE" dirty="0" err="1">
+                <a:solidFill>
+                  <a:srgbClr val="569CD6"/>
+                </a:solidFill>
+                <a:latin typeface="Menlo" panose="020B0609030804020204" pitchFamily="49" charset="0"/>
+              </a:rPr>
+              <a:t>float</a:t>
+            </a:r>
+            <a:r>
+              <a:rPr lang="de-DE" dirty="0">
+                <a:solidFill>
+                  <a:srgbClr val="D4D4D4"/>
+                </a:solidFill>
+                <a:latin typeface="Menlo" panose="020B0609030804020204" pitchFamily="49" charset="0"/>
+              </a:rPr>
+              <a:t> </a:t>
+            </a:r>
+            <a:r>
+              <a:rPr lang="de-DE" dirty="0" err="1">
                 <a:solidFill>
                   <a:schemeClr val="tx1"/>
                 </a:solidFill>
                 <a:latin typeface="Menlo" panose="020B0609030804020204" pitchFamily="49" charset="0"/>
               </a:rPr>
-              <a:t>tick</a:t>
-            </a:r>
-            <a:r>
-              <a:rPr lang="de-DE" sz="1600" dirty="0">
+              <a:t>rateRoll</a:t>
+            </a:r>
+            <a:r>
+              <a:rPr lang="de-DE" dirty="0">
+                <a:solidFill>
+                  <a:schemeClr val="tx1"/>
+                </a:solidFill>
+                <a:latin typeface="Menlo" panose="020B0609030804020204" pitchFamily="49" charset="0"/>
+              </a:rPr>
+              <a:t>;</a:t>
+            </a:r>
+          </a:p>
+          <a:p>
+            <a:pPr marL="228600" lvl="1" indent="0">
+              <a:buNone/>
+            </a:pPr>
+            <a:r>
+              <a:rPr lang="de-DE" dirty="0" err="1">
+                <a:solidFill>
+                  <a:srgbClr val="569CD6"/>
+                </a:solidFill>
+                <a:latin typeface="Menlo" panose="020B0609030804020204" pitchFamily="49" charset="0"/>
+              </a:rPr>
+              <a:t>float</a:t>
+            </a:r>
+            <a:r>
+              <a:rPr lang="de-DE" dirty="0">
+                <a:solidFill>
+                  <a:srgbClr val="569CD6"/>
+                </a:solidFill>
+                <a:latin typeface="Menlo" panose="020B0609030804020204" pitchFamily="49" charset="0"/>
+              </a:rPr>
+              <a:t> </a:t>
+            </a:r>
+            <a:r>
+              <a:rPr lang="de-DE" dirty="0" err="1">
+                <a:solidFill>
+                  <a:schemeClr val="tx1"/>
+                </a:solidFill>
+                <a:latin typeface="Menlo" panose="020B0609030804020204" pitchFamily="49" charset="0"/>
+              </a:rPr>
+              <a:t>ratePitch</a:t>
+            </a:r>
+            <a:r>
+              <a:rPr lang="de-DE" dirty="0">
+                <a:solidFill>
+                  <a:schemeClr val="tx1"/>
+                </a:solidFill>
+                <a:latin typeface="Menlo" panose="020B0609030804020204" pitchFamily="49" charset="0"/>
+              </a:rPr>
+              <a:t>;</a:t>
+            </a:r>
+          </a:p>
+          <a:p>
+            <a:pPr marL="228600" lvl="1" indent="0">
+              <a:buNone/>
+            </a:pPr>
+            <a:r>
+              <a:rPr lang="de-DE" dirty="0" err="1">
+                <a:solidFill>
+                  <a:srgbClr val="569CD6"/>
+                </a:solidFill>
+                <a:latin typeface="Menlo" panose="020B0609030804020204" pitchFamily="49" charset="0"/>
+              </a:rPr>
+              <a:t>float</a:t>
+            </a:r>
+            <a:r>
+              <a:rPr lang="de-DE" dirty="0">
                 <a:solidFill>
                   <a:srgbClr val="D4D4D4"/>
                 </a:solidFill>
                 <a:latin typeface="Menlo" panose="020B0609030804020204" pitchFamily="49" charset="0"/>
               </a:rPr>
-              <a:t> = </a:t>
-            </a:r>
-            <a:r>
-              <a:rPr lang="de-DE" sz="1600" dirty="0">
-                <a:solidFill>
-                  <a:srgbClr val="B5CEA8"/>
-                </a:solidFill>
-                <a:latin typeface="Menlo" panose="020B0609030804020204" pitchFamily="49" charset="0"/>
-              </a:rPr>
-              <a:t>1</a:t>
-            </a:r>
-            <a:r>
-              <a:rPr lang="de-DE" sz="1600" dirty="0">
-                <a:solidFill>
-                  <a:srgbClr val="D4D4D4"/>
+              <a:t> </a:t>
+            </a:r>
+            <a:r>
+              <a:rPr lang="de-DE" dirty="0" err="1">
+                <a:solidFill>
+                  <a:schemeClr val="tx1"/>
+                </a:solidFill>
+                <a:latin typeface="Menlo" panose="020B0609030804020204" pitchFamily="49" charset="0"/>
+              </a:rPr>
+              <a:t>rateYaw</a:t>
+            </a:r>
+            <a:r>
+              <a:rPr lang="de-DE" dirty="0">
+                <a:solidFill>
+                  <a:schemeClr val="tx1"/>
                 </a:solidFill>
                 <a:latin typeface="Menlo" panose="020B0609030804020204" pitchFamily="49" charset="0"/>
               </a:rPr>
@@ -7603,54 +7601,27 @@
               <a:buNone/>
             </a:pPr>
             <a:r>
-              <a:rPr lang="de-DE" sz="1600" dirty="0" err="1">
-                <a:solidFill>
-                  <a:srgbClr val="9CDCFE"/>
+              <a:rPr lang="de-DE" dirty="0">
+                <a:solidFill>
+                  <a:srgbClr val="D4D4D4"/>
+                </a:solidFill>
+                <a:latin typeface="Menlo" panose="020B0609030804020204" pitchFamily="49" charset="0"/>
+              </a:rPr>
+              <a:t>} </a:t>
+            </a:r>
+            <a:r>
+              <a:rPr lang="de-DE" dirty="0" err="1">
+                <a:solidFill>
+                  <a:schemeClr val="tx1"/>
                 </a:solidFill>
                 <a:latin typeface="Menlo" panose="020B0609030804020204" pitchFamily="49" charset="0"/>
               </a:rPr>
               <a:t>state</a:t>
             </a:r>
             <a:r>
-              <a:rPr lang="de-DE" sz="1600" dirty="0" err="1">
-                <a:solidFill>
-                  <a:srgbClr val="D4D4D4"/>
-                </a:solidFill>
-                <a:latin typeface="Menlo" panose="020B0609030804020204" pitchFamily="49" charset="0"/>
-              </a:rPr>
-              <a:t>.</a:t>
-            </a:r>
-            <a:r>
-              <a:rPr lang="de-DE" sz="1600" dirty="0" err="1">
-                <a:solidFill>
-                  <a:srgbClr val="9CDCFE"/>
-                </a:solidFill>
-                <a:latin typeface="Menlo" panose="020B0609030804020204" pitchFamily="49" charset="0"/>
-              </a:rPr>
-              <a:t>roll</a:t>
-            </a:r>
-            <a:r>
-              <a:rPr lang="de-DE" sz="1600" dirty="0">
-                <a:solidFill>
-                  <a:srgbClr val="D4D4D4"/>
-                </a:solidFill>
-                <a:latin typeface="Menlo" panose="020B0609030804020204" pitchFamily="49" charset="0"/>
-              </a:rPr>
-              <a:t> = </a:t>
-            </a:r>
-            <a:r>
-              <a:rPr lang="de-DE" sz="1600" dirty="0">
-                <a:solidFill>
-                  <a:srgbClr val="B5CEA8"/>
-                </a:solidFill>
-                <a:latin typeface="Menlo" panose="020B0609030804020204" pitchFamily="49" charset="0"/>
-              </a:rPr>
-              <a:t>0.0f</a:t>
-            </a:r>
-            <a:r>
-              <a:rPr lang="de-DE" sz="1600" dirty="0">
-                <a:solidFill>
-                  <a:srgbClr val="D4D4D4"/>
+              <a:rPr lang="de-DE" dirty="0">
+                <a:solidFill>
+                  <a:schemeClr val="tx1"/>
                 </a:solidFill>
                 <a:latin typeface="Menlo" panose="020B0609030804020204" pitchFamily="49" charset="0"/>
               </a:rPr>
@@ -7661,924 +7632,14 @@
             <a:pPr marL="0" indent="0">
               <a:buNone/>
             </a:pPr>
-            <a:r>
-              <a:rPr lang="de-DE" sz="1600" dirty="0" err="1">
-                <a:solidFill>
-                  <a:srgbClr val="9CDCFE"/>
-                </a:solidFill>
-                <a:latin typeface="Menlo" panose="020B0609030804020204" pitchFamily="49" charset="0"/>
-              </a:rPr>
-              <a:t>state</a:t>
-            </a:r>
-            <a:r>
-              <a:rPr lang="de-DE" sz="1600" dirty="0" err="1">
-                <a:solidFill>
-                  <a:srgbClr val="D4D4D4"/>
-                </a:solidFill>
-                <a:latin typeface="Menlo" panose="020B0609030804020204" pitchFamily="49" charset="0"/>
-              </a:rPr>
-              <a:t>.</a:t>
-            </a:r>
-            <a:r>
-              <a:rPr lang="de-DE" sz="1600" dirty="0" err="1">
-                <a:solidFill>
-                  <a:srgbClr val="9CDCFE"/>
-                </a:solidFill>
-                <a:latin typeface="Menlo" panose="020B0609030804020204" pitchFamily="49" charset="0"/>
-              </a:rPr>
-              <a:t>pitch</a:t>
-            </a:r>
-            <a:r>
-              <a:rPr lang="de-DE" sz="1600" dirty="0">
-                <a:solidFill>
-                  <a:srgbClr val="D4D4D4"/>
-                </a:solidFill>
-                <a:latin typeface="Menlo" panose="020B0609030804020204" pitchFamily="49" charset="0"/>
-              </a:rPr>
-              <a:t> = </a:t>
-            </a:r>
-            <a:r>
-              <a:rPr lang="de-DE" sz="1600" dirty="0">
-                <a:solidFill>
-                  <a:srgbClr val="B5CEA8"/>
-                </a:solidFill>
-                <a:latin typeface="Menlo" panose="020B0609030804020204" pitchFamily="49" charset="0"/>
-              </a:rPr>
-              <a:t>0.0f</a:t>
-            </a:r>
-            <a:r>
-              <a:rPr lang="de-DE" sz="1600" dirty="0">
-                <a:solidFill>
-                  <a:srgbClr val="D4D4D4"/>
-                </a:solidFill>
-                <a:latin typeface="Menlo" panose="020B0609030804020204" pitchFamily="49" charset="0"/>
-              </a:rPr>
-              <a:t>;</a:t>
-            </a:r>
-          </a:p>
-          <a:p>
-            <a:pPr marL="0" indent="0">
-              <a:buNone/>
-            </a:pPr>
-            <a:r>
-              <a:rPr lang="de-DE" sz="1600" dirty="0" err="1">
-                <a:solidFill>
-                  <a:schemeClr val="tx1"/>
-                </a:solidFill>
-                <a:latin typeface="Menlo" panose="020B0609030804020204" pitchFamily="49" charset="0"/>
-              </a:rPr>
-              <a:t>filtsema</a:t>
-            </a:r>
-            <a:r>
-              <a:rPr lang="de-DE" sz="1600" dirty="0">
-                <a:solidFill>
-                  <a:srgbClr val="D4D4D4"/>
-                </a:solidFill>
-                <a:latin typeface="Menlo" panose="020B0609030804020204" pitchFamily="49" charset="0"/>
-              </a:rPr>
-              <a:t> = </a:t>
-            </a:r>
-            <a:r>
-              <a:rPr lang="de-DE" sz="1600" dirty="0" err="1">
-                <a:solidFill>
-                  <a:srgbClr val="DCDCAA"/>
-                </a:solidFill>
-                <a:latin typeface="Menlo" panose="020B0609030804020204" pitchFamily="49" charset="0"/>
-              </a:rPr>
-              <a:t>xSemaphoreCreateMutex</a:t>
-            </a:r>
-            <a:r>
-              <a:rPr lang="de-DE" sz="1600" dirty="0">
-                <a:solidFill>
-                  <a:srgbClr val="D4D4D4"/>
-                </a:solidFill>
-                <a:latin typeface="Menlo" panose="020B0609030804020204" pitchFamily="49" charset="0"/>
-              </a:rPr>
-              <a:t>();</a:t>
-            </a:r>
-          </a:p>
-          <a:p>
-            <a:pPr marL="0" indent="0">
-              <a:buNone/>
-            </a:pPr>
-            <a:r>
-              <a:rPr lang="de-DE" sz="1600" dirty="0">
-                <a:solidFill>
-                  <a:srgbClr val="D4D4D4"/>
-                </a:solidFill>
-                <a:latin typeface="Menlo" panose="020B0609030804020204" pitchFamily="49" charset="0"/>
-              </a:rPr>
-              <a:t>  </a:t>
-            </a:r>
-            <a:r>
-              <a:rPr lang="de-DE" sz="1600" dirty="0" err="1">
-                <a:solidFill>
-                  <a:schemeClr val="tx1"/>
-                </a:solidFill>
-                <a:latin typeface="Menlo" panose="020B0609030804020204" pitchFamily="49" charset="0"/>
-              </a:rPr>
-              <a:t>setsema</a:t>
-            </a:r>
-            <a:r>
-              <a:rPr lang="de-DE" sz="1600" dirty="0">
-                <a:solidFill>
-                  <a:srgbClr val="D4D4D4"/>
-                </a:solidFill>
-                <a:latin typeface="Menlo" panose="020B0609030804020204" pitchFamily="49" charset="0"/>
-              </a:rPr>
-              <a:t> = </a:t>
-            </a:r>
-            <a:r>
-              <a:rPr lang="de-DE" sz="1600" dirty="0" err="1">
-                <a:solidFill>
-                  <a:srgbClr val="DCDCAA"/>
-                </a:solidFill>
-                <a:latin typeface="Menlo" panose="020B0609030804020204" pitchFamily="49" charset="0"/>
-              </a:rPr>
-              <a:t>xSemaphoreCreateMutex</a:t>
-            </a:r>
-            <a:r>
-              <a:rPr lang="de-DE" sz="1600" dirty="0">
-                <a:solidFill>
-                  <a:srgbClr val="D4D4D4"/>
-                </a:solidFill>
-                <a:latin typeface="Menlo" panose="020B0609030804020204" pitchFamily="49" charset="0"/>
-              </a:rPr>
-              <a:t>();</a:t>
-            </a:r>
-          </a:p>
-          <a:p>
-            <a:pPr marL="0" indent="0">
-              <a:buNone/>
-            </a:pPr>
-            <a:br>
-              <a:rPr lang="de-DE" sz="1600" dirty="0">
-                <a:solidFill>
-                  <a:srgbClr val="D4D4D4"/>
-                </a:solidFill>
-                <a:latin typeface="Menlo" panose="020B0609030804020204" pitchFamily="49" charset="0"/>
-              </a:rPr>
-            </a:br>
-            <a:endParaRPr lang="de-DE" sz="1600" dirty="0"/>
-          </a:p>
-        </p:txBody>
-      </p:sp>
-      <p:sp>
-        <p:nvSpPr>
-          <p:cNvPr id="4" name="Inhaltsplatzhalter 2">
-            <a:extLst>
-              <a:ext uri="{FF2B5EF4-FFF2-40B4-BE49-F238E27FC236}">
-                <a16:creationId xmlns:a16="http://schemas.microsoft.com/office/drawing/2014/main" id="{622E6183-A73A-4F43-8B05-DF2E45162898}"/>
-              </a:ext>
-            </a:extLst>
-          </p:cNvPr>
-          <p:cNvSpPr txBox="1">
-            <a:spLocks/>
-          </p:cNvSpPr>
-          <p:nvPr/>
-        </p:nvSpPr>
-        <p:spPr>
-          <a:xfrm>
-            <a:off x="6096000" y="3144478"/>
-            <a:ext cx="7729728" cy="4072245"/>
-          </a:xfrm>
-          <a:prstGeom prst="rect">
-            <a:avLst/>
-          </a:prstGeom>
-        </p:spPr>
-        <p:txBody>
-          <a:bodyPr vert="horz" lIns="91440" tIns="45720" rIns="91440" bIns="45720" rtlCol="0">
-            <a:normAutofit/>
-          </a:bodyPr>
-          <a:lstStyle>
-            <a:lvl1pPr marL="228600" indent="-228600" algn="l" defTabSz="914400" rtl="0" eaLnBrk="1" latinLnBrk="0" hangingPunct="1">
-              <a:lnSpc>
-                <a:spcPct val="100000"/>
-              </a:lnSpc>
-              <a:spcBef>
-                <a:spcPts val="1000"/>
-              </a:spcBef>
-              <a:buClr>
-                <a:schemeClr val="accent2"/>
-              </a:buClr>
-              <a:buFont typeface="Arial" panose="020B0604020202020204" pitchFamily="34" charset="0"/>
-              <a:buChar char="•"/>
-              <a:defRPr sz="1800" kern="1200">
-                <a:solidFill>
-                  <a:schemeClr val="tx1">
-                    <a:lumMod val="85000"/>
-                    <a:lumOff val="15000"/>
-                  </a:schemeClr>
-                </a:solidFill>
-                <a:latin typeface="+mn-lt"/>
-                <a:ea typeface="+mn-ea"/>
-                <a:cs typeface="+mn-cs"/>
-              </a:defRPr>
-            </a:lvl1pPr>
-            <a:lvl2pPr marL="457200" indent="-228600" algn="l" defTabSz="914400" rtl="0" eaLnBrk="1" latinLnBrk="0" hangingPunct="1">
-              <a:lnSpc>
-                <a:spcPct val="100000"/>
-              </a:lnSpc>
-              <a:spcBef>
-                <a:spcPts val="1000"/>
-              </a:spcBef>
-              <a:buClr>
-                <a:schemeClr val="accent2"/>
-              </a:buClr>
-              <a:buFont typeface="Arial" panose="020B0604020202020204" pitchFamily="34" charset="0"/>
-              <a:buChar char="•"/>
-              <a:defRPr sz="1600" kern="1200">
-                <a:solidFill>
-                  <a:schemeClr val="tx1">
-                    <a:lumMod val="85000"/>
-                    <a:lumOff val="15000"/>
-                  </a:schemeClr>
-                </a:solidFill>
-                <a:latin typeface="+mn-lt"/>
-                <a:ea typeface="+mn-ea"/>
-                <a:cs typeface="+mn-cs"/>
-              </a:defRPr>
-            </a:lvl2pPr>
-            <a:lvl3pPr marL="685800" indent="-228600" algn="l" defTabSz="914400" rtl="0" eaLnBrk="1" latinLnBrk="0" hangingPunct="1">
-              <a:lnSpc>
-                <a:spcPct val="100000"/>
-              </a:lnSpc>
-              <a:spcBef>
-                <a:spcPts val="1000"/>
-              </a:spcBef>
-              <a:buClr>
-                <a:schemeClr val="accent2"/>
-              </a:buClr>
-              <a:buFont typeface="Arial" panose="020B0604020202020204" pitchFamily="34" charset="0"/>
-              <a:buChar char="•"/>
-              <a:defRPr sz="1600" kern="1200">
-                <a:solidFill>
-                  <a:schemeClr val="tx1">
-                    <a:lumMod val="85000"/>
-                    <a:lumOff val="15000"/>
-                  </a:schemeClr>
-                </a:solidFill>
-                <a:latin typeface="+mn-lt"/>
-                <a:ea typeface="+mn-ea"/>
-                <a:cs typeface="+mn-cs"/>
-              </a:defRPr>
-            </a:lvl3pPr>
-            <a:lvl4pPr marL="914400" indent="-228600" algn="l" defTabSz="914400" rtl="0" eaLnBrk="1" latinLnBrk="0" hangingPunct="1">
-              <a:lnSpc>
-                <a:spcPct val="100000"/>
-              </a:lnSpc>
-              <a:spcBef>
-                <a:spcPts val="1000"/>
-              </a:spcBef>
-              <a:buClr>
-                <a:schemeClr val="accent2"/>
-              </a:buClr>
-              <a:buFont typeface="Arial" panose="020B0604020202020204" pitchFamily="34" charset="0"/>
-              <a:buChar char="•"/>
-              <a:defRPr sz="1600" kern="1200">
-                <a:solidFill>
-                  <a:schemeClr val="tx1">
-                    <a:lumMod val="85000"/>
-                    <a:lumOff val="15000"/>
-                  </a:schemeClr>
-                </a:solidFill>
-                <a:latin typeface="+mn-lt"/>
-                <a:ea typeface="+mn-ea"/>
-                <a:cs typeface="+mn-cs"/>
-              </a:defRPr>
-            </a:lvl4pPr>
-            <a:lvl5pPr marL="1143000" indent="-228600" algn="l" defTabSz="914400" rtl="0" eaLnBrk="1" latinLnBrk="0" hangingPunct="1">
-              <a:lnSpc>
-                <a:spcPct val="100000"/>
-              </a:lnSpc>
-              <a:spcBef>
-                <a:spcPts val="1000"/>
-              </a:spcBef>
-              <a:buClr>
-                <a:schemeClr val="accent2"/>
-              </a:buClr>
-              <a:buFont typeface="Arial" panose="020B0604020202020204" pitchFamily="34" charset="0"/>
-              <a:buChar char="•"/>
-              <a:defRPr sz="1600" kern="1200">
-                <a:solidFill>
-                  <a:schemeClr val="tx1">
-                    <a:lumMod val="85000"/>
-                    <a:lumOff val="15000"/>
-                  </a:schemeClr>
-                </a:solidFill>
-                <a:latin typeface="+mn-lt"/>
-                <a:ea typeface="+mn-ea"/>
-                <a:cs typeface="+mn-cs"/>
-              </a:defRPr>
-            </a:lvl5pPr>
-            <a:lvl6pPr marL="1312863" indent="-228600" algn="l" defTabSz="914400" rtl="0" eaLnBrk="1" latinLnBrk="0" hangingPunct="1">
-              <a:lnSpc>
-                <a:spcPct val="100000"/>
-              </a:lnSpc>
-              <a:spcBef>
-                <a:spcPts val="1000"/>
-              </a:spcBef>
-              <a:buClr>
-                <a:schemeClr val="accent2"/>
-              </a:buClr>
-              <a:buFont typeface="Arial" panose="020B0604020202020204" pitchFamily="34" charset="0"/>
-              <a:buChar char="•"/>
-              <a:defRPr sz="1600" kern="1200">
-                <a:solidFill>
-                  <a:schemeClr val="tx1"/>
-                </a:solidFill>
-                <a:latin typeface="+mn-lt"/>
-                <a:ea typeface="+mn-ea"/>
-                <a:cs typeface="+mn-cs"/>
-              </a:defRPr>
-            </a:lvl6pPr>
-            <a:lvl7pPr marL="1484313" indent="-228600" algn="l" defTabSz="914400" rtl="0" eaLnBrk="1" latinLnBrk="0" hangingPunct="1">
-              <a:lnSpc>
-                <a:spcPct val="100000"/>
-              </a:lnSpc>
-              <a:spcBef>
-                <a:spcPts val="1000"/>
-              </a:spcBef>
-              <a:buClr>
-                <a:schemeClr val="accent2"/>
-              </a:buClr>
-              <a:buFont typeface="Arial" panose="020B0604020202020204" pitchFamily="34" charset="0"/>
-              <a:buChar char="•"/>
-              <a:defRPr sz="1600" kern="1200">
-                <a:solidFill>
-                  <a:schemeClr val="tx1"/>
-                </a:solidFill>
-                <a:latin typeface="+mn-lt"/>
-                <a:ea typeface="+mn-ea"/>
-                <a:cs typeface="+mn-cs"/>
-              </a:defRPr>
-            </a:lvl7pPr>
-            <a:lvl8pPr marL="1657350" indent="-228600" algn="l" defTabSz="914400" rtl="0" eaLnBrk="1" latinLnBrk="0" hangingPunct="1">
-              <a:lnSpc>
-                <a:spcPct val="100000"/>
-              </a:lnSpc>
-              <a:spcBef>
-                <a:spcPts val="1000"/>
-              </a:spcBef>
-              <a:buClr>
-                <a:schemeClr val="accent2"/>
-              </a:buClr>
-              <a:buFont typeface="Arial" panose="020B0604020202020204" pitchFamily="34" charset="0"/>
-              <a:buChar char="•"/>
-              <a:defRPr sz="1600" kern="1200" baseline="0">
-                <a:solidFill>
-                  <a:schemeClr val="tx1"/>
-                </a:solidFill>
-                <a:latin typeface="+mn-lt"/>
-                <a:ea typeface="+mn-ea"/>
-                <a:cs typeface="+mn-cs"/>
-              </a:defRPr>
-            </a:lvl8pPr>
-            <a:lvl9pPr marL="1882775" indent="-228600" algn="l" defTabSz="914400" rtl="0" eaLnBrk="1" latinLnBrk="0" hangingPunct="1">
-              <a:lnSpc>
-                <a:spcPct val="100000"/>
-              </a:lnSpc>
-              <a:spcBef>
-                <a:spcPts val="1000"/>
-              </a:spcBef>
-              <a:buClr>
-                <a:schemeClr val="accent2"/>
-              </a:buClr>
-              <a:buFont typeface="Arial" panose="020B0604020202020204" pitchFamily="34" charset="0"/>
-              <a:buChar char="•"/>
-              <a:defRPr sz="1600" kern="1200" baseline="0">
-                <a:solidFill>
-                  <a:schemeClr val="tx1"/>
-                </a:solidFill>
-                <a:latin typeface="+mn-lt"/>
-                <a:ea typeface="+mn-ea"/>
-                <a:cs typeface="+mn-cs"/>
-              </a:defRPr>
-            </a:lvl9pPr>
-          </a:lstStyle>
-          <a:p>
-            <a:pPr marL="0" indent="0">
-              <a:buFont typeface="Arial" panose="020B0604020202020204" pitchFamily="34" charset="0"/>
-              <a:buNone/>
-            </a:pPr>
-            <a:r>
-              <a:rPr lang="de-DE" sz="1600" dirty="0" err="1">
-                <a:solidFill>
-                  <a:srgbClr val="DCDCAA"/>
-                </a:solidFill>
-                <a:latin typeface="Menlo" panose="020B0609030804020204" pitchFamily="49" charset="0"/>
-              </a:rPr>
-              <a:t>xTaskCreate</a:t>
-            </a:r>
-            <a:r>
-              <a:rPr lang="de-DE" sz="1600" dirty="0">
-                <a:solidFill>
-                  <a:srgbClr val="D4D4D4"/>
-                </a:solidFill>
-                <a:latin typeface="Menlo" panose="020B0609030804020204" pitchFamily="49" charset="0"/>
-              </a:rPr>
-              <a:t>(</a:t>
-            </a:r>
-            <a:r>
-              <a:rPr lang="de-DE" sz="1600" dirty="0" err="1">
-                <a:solidFill>
-                  <a:schemeClr val="tx1"/>
-                </a:solidFill>
-                <a:latin typeface="Menlo" panose="020B0609030804020204" pitchFamily="49" charset="0"/>
-              </a:rPr>
-              <a:t>comp_filter</a:t>
-            </a:r>
-            <a:r>
-              <a:rPr lang="de-DE" sz="1600" dirty="0">
-                <a:solidFill>
-                  <a:srgbClr val="D4D4D4"/>
-                </a:solidFill>
-                <a:latin typeface="Menlo" panose="020B0609030804020204" pitchFamily="49" charset="0"/>
-              </a:rPr>
-              <a:t>, </a:t>
-            </a:r>
-            <a:r>
-              <a:rPr lang="de-DE" sz="1600" dirty="0">
-                <a:solidFill>
-                  <a:srgbClr val="CE9178"/>
-                </a:solidFill>
-                <a:latin typeface="Menlo" panose="020B0609030804020204" pitchFamily="49" charset="0"/>
-              </a:rPr>
-              <a:t>"FILTER"</a:t>
-            </a:r>
-            <a:r>
-              <a:rPr lang="de-DE" sz="1600" dirty="0">
-                <a:solidFill>
-                  <a:srgbClr val="D4D4D4"/>
-                </a:solidFill>
-                <a:latin typeface="Menlo" panose="020B0609030804020204" pitchFamily="49" charset="0"/>
-              </a:rPr>
-              <a:t>,</a:t>
-            </a:r>
-          </a:p>
-          <a:p>
-            <a:pPr marL="0" indent="0">
-              <a:buFont typeface="Arial" panose="020B0604020202020204" pitchFamily="34" charset="0"/>
-              <a:buNone/>
-            </a:pPr>
-            <a:r>
-              <a:rPr lang="de-DE" sz="1600" dirty="0">
-                <a:solidFill>
-                  <a:srgbClr val="D4D4D4"/>
-                </a:solidFill>
-                <a:latin typeface="Menlo" panose="020B0609030804020204" pitchFamily="49" charset="0"/>
-              </a:rPr>
-              <a:t>(</a:t>
-            </a:r>
-            <a:r>
-              <a:rPr lang="de-DE" sz="1600" dirty="0">
-                <a:solidFill>
-                  <a:srgbClr val="B5CEA8"/>
-                </a:solidFill>
-                <a:latin typeface="Menlo" panose="020B0609030804020204" pitchFamily="49" charset="0"/>
-              </a:rPr>
-              <a:t>3</a:t>
-            </a:r>
-            <a:r>
-              <a:rPr lang="de-DE" sz="1600" dirty="0">
-                <a:solidFill>
-                  <a:srgbClr val="D4D4D4"/>
-                </a:solidFill>
-                <a:latin typeface="Menlo" panose="020B0609030804020204" pitchFamily="49" charset="0"/>
-              </a:rPr>
-              <a:t> * </a:t>
-            </a:r>
-            <a:r>
-              <a:rPr lang="de-DE" sz="1600" dirty="0" err="1">
-                <a:solidFill>
-                  <a:schemeClr val="tx1"/>
-                </a:solidFill>
-                <a:latin typeface="Menlo" panose="020B0609030804020204" pitchFamily="49" charset="0"/>
-              </a:rPr>
-              <a:t>configMINIMAL_STACK_SIZE</a:t>
-            </a:r>
-            <a:r>
-              <a:rPr lang="de-DE" sz="1600" dirty="0">
-                <a:solidFill>
-                  <a:srgbClr val="D4D4D4"/>
-                </a:solidFill>
-                <a:latin typeface="Menlo" panose="020B0609030804020204" pitchFamily="49" charset="0"/>
-              </a:rPr>
-              <a:t>), </a:t>
-            </a:r>
-            <a:r>
-              <a:rPr lang="de-DE" sz="1600" dirty="0">
-                <a:solidFill>
-                  <a:srgbClr val="569CD6"/>
-                </a:solidFill>
-                <a:latin typeface="Menlo" panose="020B0609030804020204" pitchFamily="49" charset="0"/>
-              </a:rPr>
-              <a:t>NULL</a:t>
-            </a:r>
-            <a:r>
-              <a:rPr lang="de-DE" sz="1600" dirty="0">
-                <a:solidFill>
-                  <a:srgbClr val="D4D4D4"/>
-                </a:solidFill>
-                <a:latin typeface="Menlo" panose="020B0609030804020204" pitchFamily="49" charset="0"/>
-              </a:rPr>
-              <a:t>, </a:t>
-            </a:r>
-            <a:r>
-              <a:rPr lang="de-DE" sz="1600" dirty="0">
-                <a:solidFill>
-                  <a:srgbClr val="B5CEA8"/>
-                </a:solidFill>
-                <a:latin typeface="Menlo" panose="020B0609030804020204" pitchFamily="49" charset="0"/>
-              </a:rPr>
-              <a:t>3</a:t>
-            </a:r>
-            <a:r>
-              <a:rPr lang="de-DE" sz="1600" dirty="0">
-                <a:solidFill>
-                  <a:srgbClr val="D4D4D4"/>
-                </a:solidFill>
-                <a:latin typeface="Menlo" panose="020B0609030804020204" pitchFamily="49" charset="0"/>
-              </a:rPr>
-              <a:t>, </a:t>
-            </a:r>
-            <a:r>
-              <a:rPr lang="de-DE" sz="1600" dirty="0">
-                <a:solidFill>
-                  <a:srgbClr val="569CD6"/>
-                </a:solidFill>
-                <a:latin typeface="Menlo" panose="020B0609030804020204" pitchFamily="49" charset="0"/>
-              </a:rPr>
-              <a:t>NULL</a:t>
-            </a:r>
-            <a:r>
-              <a:rPr lang="de-DE" sz="1600" dirty="0">
-                <a:solidFill>
-                  <a:srgbClr val="D4D4D4"/>
-                </a:solidFill>
-                <a:latin typeface="Menlo" panose="020B0609030804020204" pitchFamily="49" charset="0"/>
-              </a:rPr>
-              <a:t>);</a:t>
-            </a:r>
-          </a:p>
-          <a:p>
-            <a:pPr marL="0" indent="0">
-              <a:buFont typeface="Arial" panose="020B0604020202020204" pitchFamily="34" charset="0"/>
-              <a:buNone/>
-            </a:pPr>
-            <a:r>
-              <a:rPr lang="de-DE" sz="1600" dirty="0" err="1">
-                <a:solidFill>
-                  <a:srgbClr val="DCDCAA"/>
-                </a:solidFill>
-                <a:latin typeface="Menlo" panose="020B0609030804020204" pitchFamily="49" charset="0"/>
-              </a:rPr>
-              <a:t>xTaskCreate</a:t>
-            </a:r>
-            <a:r>
-              <a:rPr lang="de-DE" sz="1600" dirty="0">
-                <a:solidFill>
-                  <a:srgbClr val="D4D4D4"/>
-                </a:solidFill>
-                <a:latin typeface="Menlo" panose="020B0609030804020204" pitchFamily="49" charset="0"/>
-              </a:rPr>
-              <a:t>(</a:t>
-            </a:r>
-            <a:r>
-              <a:rPr lang="de-DE" sz="1600" dirty="0" err="1">
-                <a:solidFill>
-                  <a:schemeClr val="tx1"/>
-                </a:solidFill>
-                <a:latin typeface="Menlo" panose="020B0609030804020204" pitchFamily="49" charset="0"/>
-              </a:rPr>
-              <a:t>setPointtrack</a:t>
-            </a:r>
-            <a:r>
-              <a:rPr lang="de-DE" sz="1600" dirty="0">
-                <a:solidFill>
-                  <a:srgbClr val="D4D4D4"/>
-                </a:solidFill>
-                <a:latin typeface="Menlo" panose="020B0609030804020204" pitchFamily="49" charset="0"/>
-              </a:rPr>
-              <a:t>, </a:t>
-            </a:r>
-            <a:r>
-              <a:rPr lang="de-DE" sz="1600" dirty="0">
-                <a:solidFill>
-                  <a:srgbClr val="CE9178"/>
-                </a:solidFill>
-                <a:latin typeface="Menlo" panose="020B0609030804020204" pitchFamily="49" charset="0"/>
-              </a:rPr>
-              <a:t>"SETPOINT"</a:t>
-            </a:r>
-            <a:r>
-              <a:rPr lang="de-DE" sz="1600" dirty="0">
-                <a:solidFill>
-                  <a:srgbClr val="D4D4D4"/>
-                </a:solidFill>
-                <a:latin typeface="Menlo" panose="020B0609030804020204" pitchFamily="49" charset="0"/>
-              </a:rPr>
-              <a:t>,</a:t>
-            </a:r>
-          </a:p>
-          <a:p>
-            <a:pPr marL="0" indent="0">
-              <a:buFont typeface="Arial" panose="020B0604020202020204" pitchFamily="34" charset="0"/>
-              <a:buNone/>
-            </a:pPr>
-            <a:r>
-              <a:rPr lang="de-DE" sz="1600" dirty="0">
-                <a:solidFill>
-                  <a:srgbClr val="D4D4D4"/>
-                </a:solidFill>
-                <a:latin typeface="Menlo" panose="020B0609030804020204" pitchFamily="49" charset="0"/>
-              </a:rPr>
-              <a:t>(</a:t>
-            </a:r>
-            <a:r>
-              <a:rPr lang="de-DE" sz="1600" dirty="0">
-                <a:solidFill>
-                  <a:srgbClr val="B5CEA8"/>
-                </a:solidFill>
-                <a:latin typeface="Menlo" panose="020B0609030804020204" pitchFamily="49" charset="0"/>
-              </a:rPr>
-              <a:t>3</a:t>
-            </a:r>
-            <a:r>
-              <a:rPr lang="de-DE" sz="1600" dirty="0">
-                <a:solidFill>
-                  <a:srgbClr val="D4D4D4"/>
-                </a:solidFill>
-                <a:latin typeface="Menlo" panose="020B0609030804020204" pitchFamily="49" charset="0"/>
-              </a:rPr>
-              <a:t> * </a:t>
-            </a:r>
-            <a:r>
-              <a:rPr lang="de-DE" sz="1600" dirty="0" err="1">
-                <a:solidFill>
-                  <a:schemeClr val="tx1"/>
-                </a:solidFill>
-                <a:latin typeface="Menlo" panose="020B0609030804020204" pitchFamily="49" charset="0"/>
-              </a:rPr>
-              <a:t>configMINIMAL_STACK_SIZE</a:t>
-            </a:r>
-            <a:r>
-              <a:rPr lang="de-DE" sz="1600" dirty="0">
-                <a:solidFill>
-                  <a:srgbClr val="D4D4D4"/>
-                </a:solidFill>
-                <a:latin typeface="Menlo" panose="020B0609030804020204" pitchFamily="49" charset="0"/>
-              </a:rPr>
-              <a:t>), </a:t>
-            </a:r>
-            <a:r>
-              <a:rPr lang="de-DE" sz="1600" dirty="0">
-                <a:solidFill>
-                  <a:srgbClr val="569CD6"/>
-                </a:solidFill>
-                <a:latin typeface="Menlo" panose="020B0609030804020204" pitchFamily="49" charset="0"/>
-              </a:rPr>
-              <a:t>NULL</a:t>
-            </a:r>
-            <a:r>
-              <a:rPr lang="de-DE" sz="1600" dirty="0">
-                <a:solidFill>
-                  <a:srgbClr val="D4D4D4"/>
-                </a:solidFill>
-                <a:latin typeface="Menlo" panose="020B0609030804020204" pitchFamily="49" charset="0"/>
-              </a:rPr>
-              <a:t>, </a:t>
-            </a:r>
-            <a:r>
-              <a:rPr lang="de-DE" sz="1600" dirty="0">
-                <a:solidFill>
-                  <a:srgbClr val="B5CEA8"/>
-                </a:solidFill>
-                <a:latin typeface="Menlo" panose="020B0609030804020204" pitchFamily="49" charset="0"/>
-              </a:rPr>
-              <a:t>1</a:t>
-            </a:r>
-            <a:r>
-              <a:rPr lang="de-DE" sz="1600" dirty="0">
-                <a:solidFill>
-                  <a:srgbClr val="D4D4D4"/>
-                </a:solidFill>
-                <a:latin typeface="Menlo" panose="020B0609030804020204" pitchFamily="49" charset="0"/>
-              </a:rPr>
-              <a:t>, </a:t>
-            </a:r>
-            <a:r>
-              <a:rPr lang="de-DE" sz="1600" dirty="0">
-                <a:solidFill>
-                  <a:srgbClr val="569CD6"/>
-                </a:solidFill>
-                <a:latin typeface="Menlo" panose="020B0609030804020204" pitchFamily="49" charset="0"/>
-              </a:rPr>
-              <a:t>NULL</a:t>
-            </a:r>
-            <a:r>
-              <a:rPr lang="de-DE" sz="1600" dirty="0">
-                <a:solidFill>
-                  <a:srgbClr val="D4D4D4"/>
-                </a:solidFill>
-                <a:latin typeface="Menlo" panose="020B0609030804020204" pitchFamily="49" charset="0"/>
-              </a:rPr>
-              <a:t>);</a:t>
-            </a:r>
-          </a:p>
-          <a:p>
-            <a:pPr marL="0" indent="0">
-              <a:buFont typeface="Arial" panose="020B0604020202020204" pitchFamily="34" charset="0"/>
-              <a:buNone/>
-            </a:pPr>
-            <a:r>
-              <a:rPr lang="de-DE" sz="1600" dirty="0" err="1">
-                <a:solidFill>
-                  <a:srgbClr val="DCDCAA"/>
-                </a:solidFill>
-                <a:latin typeface="Menlo" panose="020B0609030804020204" pitchFamily="49" charset="0"/>
-              </a:rPr>
-              <a:t>xTaskCreate</a:t>
-            </a:r>
-            <a:r>
-              <a:rPr lang="de-DE" sz="1600" dirty="0">
-                <a:solidFill>
-                  <a:srgbClr val="D4D4D4"/>
-                </a:solidFill>
-                <a:latin typeface="Menlo" panose="020B0609030804020204" pitchFamily="49" charset="0"/>
-              </a:rPr>
-              <a:t>(</a:t>
-            </a:r>
-            <a:r>
-              <a:rPr lang="de-DE" sz="1600" dirty="0" err="1">
-                <a:solidFill>
-                  <a:schemeClr val="tx1"/>
-                </a:solidFill>
-                <a:latin typeface="Menlo" panose="020B0609030804020204" pitchFamily="49" charset="0"/>
-              </a:rPr>
-              <a:t>controller</a:t>
-            </a:r>
-            <a:r>
-              <a:rPr lang="de-DE" sz="1600" dirty="0">
-                <a:solidFill>
-                  <a:srgbClr val="D4D4D4"/>
-                </a:solidFill>
-                <a:latin typeface="Menlo" panose="020B0609030804020204" pitchFamily="49" charset="0"/>
-              </a:rPr>
-              <a:t>, </a:t>
-            </a:r>
-            <a:r>
-              <a:rPr lang="de-DE" sz="1600" dirty="0">
-                <a:solidFill>
-                  <a:srgbClr val="CE9178"/>
-                </a:solidFill>
-                <a:latin typeface="Menlo" panose="020B0609030804020204" pitchFamily="49" charset="0"/>
-              </a:rPr>
-              <a:t>"CONTROL"</a:t>
-            </a:r>
-            <a:r>
-              <a:rPr lang="de-DE" sz="1600" dirty="0">
-                <a:solidFill>
-                  <a:srgbClr val="D4D4D4"/>
-                </a:solidFill>
-                <a:latin typeface="Menlo" panose="020B0609030804020204" pitchFamily="49" charset="0"/>
-              </a:rPr>
-              <a:t>,</a:t>
-            </a:r>
-          </a:p>
-          <a:p>
-            <a:pPr marL="0" indent="0">
-              <a:buFont typeface="Arial" panose="020B0604020202020204" pitchFamily="34" charset="0"/>
-              <a:buNone/>
-            </a:pPr>
-            <a:r>
-              <a:rPr lang="de-DE" sz="1600" dirty="0">
-                <a:solidFill>
-                  <a:srgbClr val="D4D4D4"/>
-                </a:solidFill>
-                <a:latin typeface="Menlo" panose="020B0609030804020204" pitchFamily="49" charset="0"/>
-              </a:rPr>
-              <a:t>(</a:t>
-            </a:r>
-            <a:r>
-              <a:rPr lang="de-DE" sz="1600" dirty="0">
-                <a:solidFill>
-                  <a:srgbClr val="B5CEA8"/>
-                </a:solidFill>
-                <a:latin typeface="Menlo" panose="020B0609030804020204" pitchFamily="49" charset="0"/>
-              </a:rPr>
-              <a:t>3</a:t>
-            </a:r>
-            <a:r>
-              <a:rPr lang="de-DE" sz="1600" dirty="0">
-                <a:solidFill>
-                  <a:srgbClr val="D4D4D4"/>
-                </a:solidFill>
-                <a:latin typeface="Menlo" panose="020B0609030804020204" pitchFamily="49" charset="0"/>
-              </a:rPr>
-              <a:t> * </a:t>
-            </a:r>
-            <a:r>
-              <a:rPr lang="de-DE" sz="1600" dirty="0" err="1">
-                <a:solidFill>
-                  <a:schemeClr val="tx1"/>
-                </a:solidFill>
-                <a:latin typeface="Menlo" panose="020B0609030804020204" pitchFamily="49" charset="0"/>
-              </a:rPr>
-              <a:t>configMINIMAL_STACK_SIZE</a:t>
-            </a:r>
-            <a:r>
-              <a:rPr lang="de-DE" sz="1600" dirty="0">
-                <a:solidFill>
-                  <a:srgbClr val="D4D4D4"/>
-                </a:solidFill>
-                <a:latin typeface="Menlo" panose="020B0609030804020204" pitchFamily="49" charset="0"/>
-              </a:rPr>
-              <a:t>), </a:t>
-            </a:r>
-            <a:r>
-              <a:rPr lang="de-DE" sz="1600" dirty="0">
-                <a:solidFill>
-                  <a:srgbClr val="569CD6"/>
-                </a:solidFill>
-                <a:latin typeface="Menlo" panose="020B0609030804020204" pitchFamily="49" charset="0"/>
-              </a:rPr>
-              <a:t>NULL</a:t>
-            </a:r>
-            <a:r>
-              <a:rPr lang="de-DE" sz="1600" dirty="0">
-                <a:solidFill>
-                  <a:srgbClr val="D4D4D4"/>
-                </a:solidFill>
-                <a:latin typeface="Menlo" panose="020B0609030804020204" pitchFamily="49" charset="0"/>
-              </a:rPr>
-              <a:t>, </a:t>
-            </a:r>
-            <a:r>
-              <a:rPr lang="de-DE" sz="1600" dirty="0">
-                <a:solidFill>
-                  <a:srgbClr val="B5CEA8"/>
-                </a:solidFill>
-                <a:latin typeface="Menlo" panose="020B0609030804020204" pitchFamily="49" charset="0"/>
-              </a:rPr>
-              <a:t>2</a:t>
-            </a:r>
-            <a:r>
-              <a:rPr lang="de-DE" sz="1600" dirty="0">
-                <a:solidFill>
-                  <a:srgbClr val="D4D4D4"/>
-                </a:solidFill>
-                <a:latin typeface="Menlo" panose="020B0609030804020204" pitchFamily="49" charset="0"/>
-              </a:rPr>
-              <a:t>, </a:t>
-            </a:r>
-            <a:r>
-              <a:rPr lang="de-DE" sz="1600" dirty="0">
-                <a:solidFill>
-                  <a:srgbClr val="569CD6"/>
-                </a:solidFill>
-                <a:latin typeface="Menlo" panose="020B0609030804020204" pitchFamily="49" charset="0"/>
-              </a:rPr>
-              <a:t>NULL</a:t>
-            </a:r>
-            <a:r>
-              <a:rPr lang="de-DE" sz="1600" dirty="0">
-                <a:solidFill>
-                  <a:srgbClr val="D4D4D4"/>
-                </a:solidFill>
-                <a:latin typeface="Menlo" panose="020B0609030804020204" pitchFamily="49" charset="0"/>
-              </a:rPr>
-              <a:t>);</a:t>
-            </a:r>
-          </a:p>
-          <a:p>
-            <a:pPr marL="0" indent="0">
-              <a:buFont typeface="Arial" panose="020B0604020202020204" pitchFamily="34" charset="0"/>
-              <a:buNone/>
-            </a:pPr>
-            <a:r>
-              <a:rPr lang="de-DE" sz="1600" dirty="0">
-                <a:solidFill>
-                  <a:srgbClr val="D4D4D4"/>
-                </a:solidFill>
-                <a:latin typeface="Menlo" panose="020B0609030804020204" pitchFamily="49" charset="0"/>
-              </a:rPr>
-              <a:t>}</a:t>
-            </a:r>
-          </a:p>
-          <a:p>
-            <a:pPr marL="0" indent="0">
-              <a:buFont typeface="Arial" panose="020B0604020202020204" pitchFamily="34" charset="0"/>
-              <a:buNone/>
-            </a:pPr>
-            <a:endParaRPr lang="de-DE" sz="1600" dirty="0"/>
+            <a:endParaRPr lang="de-DE" dirty="0"/>
           </a:p>
         </p:txBody>
       </p:sp>
     </p:spTree>
     <p:extLst>
       <p:ext uri="{BB962C8B-B14F-4D97-AF65-F5344CB8AC3E}">
-        <p14:creationId xmlns:p14="http://schemas.microsoft.com/office/powerpoint/2010/main" val="331199780"/>
+        <p14:creationId xmlns:p14="http://schemas.microsoft.com/office/powerpoint/2010/main" val="2246717686"/>
       </p:ext>
     </p:extLst>
   </p:cSld>
@@ -8639,7 +7700,7 @@
             </a:br>
             <a:r>
               <a:rPr lang="de-DE" dirty="0"/>
-              <a:t>- Filter </a:t>
+              <a:t>- Main </a:t>
             </a:r>
             <a:r>
               <a:rPr lang="de-DE" dirty="0" err="1"/>
@@ -8647,25 +7708,17 @@
             </a:r>
             <a:r>
               <a:rPr lang="de-DE" dirty="0"/>
-              <a:t> </a:t>
-            </a:r>
-            <a:r>
-              <a:rPr lang="de-DE" dirty="0" err="1"/>
-              <a:t>semaphores</a:t>
-            </a:r>
-            <a:r>
-              <a:rPr lang="de-DE" dirty="0"/>
-              <a:t> -</a:t>
+              <a:t>-</a:t>
             </a:r>
           </a:p>
         </p:txBody>
       </p:sp>
       <p:sp>
         <p:nvSpPr>
-          <p:cNvPr id="6" name="Inhaltsplatzhalter 5">
+          <p:cNvPr id="3" name="Inhaltsplatzhalter 2">
             <a:extLst>
               <a:ext uri="{FF2B5EF4-FFF2-40B4-BE49-F238E27FC236}">
-                <a16:creationId xmlns:a16="http://schemas.microsoft.com/office/drawing/2014/main" id="{7A4B3519-7053-4F4A-9704-0D8536946FB3}"/>
+                <a16:creationId xmlns:a16="http://schemas.microsoft.com/office/drawing/2014/main" id="{5883414A-B3A6-BE40-8248-C6206154A4F0}"/>
               </a:ext>
             </a:extLst>
           </p:cNvPr>
@@ -8678,13 +7731,13 @@
         </p:nvSpPr>
         <p:spPr>
           <a:xfrm>
-            <a:off x="468923" y="2497368"/>
-            <a:ext cx="11254153" cy="3664282"/>
+            <a:off x="754027" y="2441094"/>
+            <a:ext cx="7729728" cy="4072245"/>
           </a:xfrm>
         </p:spPr>
         <p:txBody>
           <a:bodyPr>
-            <a:normAutofit fontScale="92500" lnSpcReduction="10000"/>
+            <a:normAutofit/>
           </a:bodyPr>
           <a:lstStyle/>
           <a:p>
@@ -8692,16 +7745,34 @@
               <a:buNone/>
             </a:pPr>
             <a:r>
-              <a:rPr lang="de-DE" dirty="0" err="1">
+              <a:rPr lang="de-DE" sz="1600" dirty="0" err="1">
+                <a:solidFill>
+                  <a:srgbClr val="569CD6"/>
+                </a:solidFill>
+                <a:latin typeface="Menlo" panose="020B0609030804020204" pitchFamily="49" charset="0"/>
+              </a:rPr>
+              <a:t>void</a:t>
+            </a:r>
+            <a:r>
+              <a:rPr lang="de-DE" sz="1600" dirty="0">
+                <a:solidFill>
+                  <a:srgbClr val="D4D4D4"/>
+                </a:solidFill>
+                <a:latin typeface="Menlo" panose="020B0609030804020204" pitchFamily="49" charset="0"/>
+              </a:rPr>
+              <a:t> </a:t>
+            </a:r>
+            <a:r>
+              <a:rPr lang="de-DE" sz="1600" dirty="0" err="1">
                 <a:solidFill>
                   <a:srgbClr val="DCDCAA"/>
                 </a:solidFill>
                 <a:latin typeface="Menlo" panose="020B0609030804020204" pitchFamily="49" charset="0"/>
               </a:rPr>
-              <a:t>xSemaphoreTake</a:t>
-            </a:r>
-            <a:r>
-              <a:rPr lang="de-DE" dirty="0">
+              <a:t>yourCodeInit</a:t>
+            </a:r>
+            <a:r>
+              <a:rPr lang="de-DE" sz="1600" dirty="0">
                 <a:solidFill>
                   <a:srgbClr val="D4D4D4"/>
                 </a:solidFill>
@@ -8710,254 +7781,77 @@
               <a:t>(</a:t>
             </a:r>
             <a:r>
-              <a:rPr lang="de-DE" dirty="0" err="1">
-                <a:solidFill>
-                  <a:schemeClr val="tx1"/>
-                </a:solidFill>
-                <a:latin typeface="Menlo" panose="020B0609030804020204" pitchFamily="49" charset="0"/>
-              </a:rPr>
-              <a:t>filtsema,portMAX_DELAY</a:t>
-            </a:r>
-            <a:r>
-              <a:rPr lang="de-DE" dirty="0">
+              <a:rPr lang="de-DE" sz="1600" dirty="0" err="1">
+                <a:solidFill>
+                  <a:srgbClr val="569CD6"/>
+                </a:solidFill>
+                <a:latin typeface="Menlo" panose="020B0609030804020204" pitchFamily="49" charset="0"/>
+              </a:rPr>
+              <a:t>void</a:t>
+            </a:r>
+            <a:r>
+              <a:rPr lang="de-DE" sz="1600" dirty="0">
                 <a:solidFill>
                   <a:srgbClr val="D4D4D4"/>
                 </a:solidFill>
                 <a:latin typeface="Menlo" panose="020B0609030804020204" pitchFamily="49" charset="0"/>
               </a:rPr>
-              <a:t>); </a:t>
+              <a:t>)</a:t>
             </a:r>
           </a:p>
           <a:p>
             <a:pPr marL="0" indent="0">
               <a:buNone/>
             </a:pPr>
-            <a:endParaRPr lang="de-DE" dirty="0">
-              <a:solidFill>
-                <a:srgbClr val="D4D4D4"/>
-              </a:solidFill>
-              <a:latin typeface="Menlo" panose="020B0609030804020204" pitchFamily="49" charset="0"/>
-            </a:endParaRPr>
+            <a:r>
+              <a:rPr lang="de-DE" sz="1600" dirty="0">
+                <a:solidFill>
+                  <a:srgbClr val="D4D4D4"/>
+                </a:solidFill>
+                <a:latin typeface="Menlo" panose="020B0609030804020204" pitchFamily="49" charset="0"/>
+              </a:rPr>
+              <a:t>{</a:t>
+            </a:r>
           </a:p>
           <a:p>
             <a:pPr marL="0" indent="0">
               <a:buNone/>
             </a:pPr>
             <a:r>
-              <a:rPr lang="de-DE" dirty="0" err="1">
-                <a:solidFill>
-                  <a:srgbClr val="9CDCFE"/>
-                </a:solidFill>
-                <a:latin typeface="Menlo" panose="020B0609030804020204" pitchFamily="49" charset="0"/>
-              </a:rPr>
-              <a:t>state</a:t>
-            </a:r>
-            <a:r>
-              <a:rPr lang="de-DE" dirty="0" err="1">
+              <a:rPr lang="de-DE" sz="1600" dirty="0">
+                <a:solidFill>
+                  <a:schemeClr val="tx1"/>
+                </a:solidFill>
+                <a:latin typeface="Menlo" panose="020B0609030804020204" pitchFamily="49" charset="0"/>
+              </a:rPr>
+              <a:t>tick</a:t>
+            </a:r>
+            <a:r>
+              <a:rPr lang="de-DE" sz="1600" dirty="0">
                 <a:solidFill>
                   <a:srgbClr val="D4D4D4"/>
                 </a:solidFill>
                 <a:latin typeface="Menlo" panose="020B0609030804020204" pitchFamily="49" charset="0"/>
               </a:rPr>
-              <a:t>.</a:t>
-            </a:r>
-            <a:r>
-              <a:rPr lang="de-DE" dirty="0" err="1">
-                <a:solidFill>
-                  <a:srgbClr val="9CDCFE"/>
-                </a:solidFill>
-                <a:latin typeface="Menlo" panose="020B0609030804020204" pitchFamily="49" charset="0"/>
-              </a:rPr>
-              <a:t>pitch</a:t>
-            </a:r>
-            <a:r>
-              <a:rPr lang="de-DE" dirty="0">
+              <a:t> = </a:t>
+            </a:r>
+            <a:r>
+              <a:rPr lang="de-DE" sz="1600" dirty="0">
+                <a:solidFill>
+                  <a:srgbClr val="B5CEA8"/>
+                </a:solidFill>
+                <a:latin typeface="Menlo" panose="020B0609030804020204" pitchFamily="49" charset="0"/>
+              </a:rPr>
+              <a:t>1</a:t>
+            </a:r>
+            <a:r>
+              <a:rPr lang="de-DE" sz="1600" dirty="0">
                 <a:solidFill>
                   <a:srgbClr val="D4D4D4"/>
                 </a:solidFill>
                 <a:latin typeface="Menlo" panose="020B0609030804020204" pitchFamily="49" charset="0"/>
               </a:rPr>
-              <a:t>= (</a:t>
-            </a:r>
-            <a:r>
-              <a:rPr lang="de-DE" dirty="0">
-                <a:solidFill>
-                  <a:srgbClr val="B5CEA8"/>
-                </a:solidFill>
-                <a:latin typeface="Menlo" panose="020B0609030804020204" pitchFamily="49" charset="0"/>
-              </a:rPr>
-              <a:t>1</a:t>
-            </a:r>
-            <a:r>
-              <a:rPr lang="de-DE" dirty="0">
-                <a:solidFill>
-                  <a:srgbClr val="D4D4D4"/>
-                </a:solidFill>
-                <a:latin typeface="Menlo" panose="020B0609030804020204" pitchFamily="49" charset="0"/>
-              </a:rPr>
-              <a:t>-</a:t>
-            </a:r>
-            <a:r>
-              <a:rPr lang="de-DE" dirty="0">
-                <a:solidFill>
-                  <a:schemeClr val="tx1"/>
-                </a:solidFill>
-                <a:latin typeface="Menlo" panose="020B0609030804020204" pitchFamily="49" charset="0"/>
-              </a:rPr>
-              <a:t>gamma</a:t>
-            </a:r>
-            <a:r>
-              <a:rPr lang="de-DE" dirty="0">
-                <a:solidFill>
-                  <a:srgbClr val="D4D4D4"/>
-                </a:solidFill>
-                <a:latin typeface="Menlo" panose="020B0609030804020204" pitchFamily="49" charset="0"/>
-              </a:rPr>
-              <a:t>)*</a:t>
-            </a:r>
-            <a:r>
-              <a:rPr lang="de-DE" dirty="0" err="1">
-                <a:solidFill>
-                  <a:schemeClr val="tx1"/>
-                </a:solidFill>
-                <a:latin typeface="Menlo" panose="020B0609030804020204" pitchFamily="49" charset="0"/>
-              </a:rPr>
-              <a:t>thetaacc</a:t>
-            </a:r>
-            <a:r>
-              <a:rPr lang="de-DE" dirty="0">
-                <a:solidFill>
-                  <a:srgbClr val="D4D4D4"/>
-                </a:solidFill>
-                <a:latin typeface="Menlo" panose="020B0609030804020204" pitchFamily="49" charset="0"/>
-              </a:rPr>
-              <a:t> + </a:t>
-            </a:r>
-            <a:r>
-              <a:rPr lang="de-DE" dirty="0" err="1">
-                <a:solidFill>
-                  <a:schemeClr val="tx1"/>
-                </a:solidFill>
-                <a:latin typeface="Menlo" panose="020B0609030804020204" pitchFamily="49" charset="0"/>
-              </a:rPr>
-              <a:t>gamma</a:t>
-            </a:r>
-            <a:r>
-              <a:rPr lang="de-DE" dirty="0">
-                <a:solidFill>
-                  <a:srgbClr val="D4D4D4"/>
-                </a:solidFill>
-                <a:latin typeface="Menlo" panose="020B0609030804020204" pitchFamily="49" charset="0"/>
-              </a:rPr>
-              <a:t>*(</a:t>
-            </a:r>
-            <a:r>
-              <a:rPr lang="de-DE" dirty="0" err="1">
-                <a:solidFill>
-                  <a:srgbClr val="9CDCFE"/>
-                </a:solidFill>
-                <a:latin typeface="Menlo" panose="020B0609030804020204" pitchFamily="49" charset="0"/>
-              </a:rPr>
-              <a:t>state</a:t>
-            </a:r>
-            <a:r>
-              <a:rPr lang="de-DE" dirty="0" err="1">
-                <a:solidFill>
-                  <a:srgbClr val="D4D4D4"/>
-                </a:solidFill>
-                <a:latin typeface="Menlo" panose="020B0609030804020204" pitchFamily="49" charset="0"/>
-              </a:rPr>
-              <a:t>.</a:t>
-            </a:r>
-            <a:r>
-              <a:rPr lang="de-DE" dirty="0" err="1">
-                <a:solidFill>
-                  <a:srgbClr val="9CDCFE"/>
-                </a:solidFill>
-                <a:latin typeface="Menlo" panose="020B0609030804020204" pitchFamily="49" charset="0"/>
-              </a:rPr>
-              <a:t>pitch</a:t>
-            </a:r>
-            <a:r>
-              <a:rPr lang="de-DE" dirty="0">
-                <a:solidFill>
-                  <a:srgbClr val="D4D4D4"/>
-                </a:solidFill>
-                <a:latin typeface="Menlo" panose="020B0609030804020204" pitchFamily="49" charset="0"/>
-              </a:rPr>
-              <a:t> + </a:t>
-            </a:r>
-            <a:r>
-              <a:rPr lang="de-DE" dirty="0">
-                <a:solidFill>
-                  <a:schemeClr val="tx1"/>
-                </a:solidFill>
-                <a:latin typeface="Menlo" panose="020B0609030804020204" pitchFamily="49" charset="0"/>
-              </a:rPr>
-              <a:t>h</a:t>
-            </a:r>
-            <a:r>
-              <a:rPr lang="de-DE" dirty="0">
-                <a:solidFill>
-                  <a:srgbClr val="D4D4D4"/>
-                </a:solidFill>
-                <a:latin typeface="Menlo" panose="020B0609030804020204" pitchFamily="49" charset="0"/>
-              </a:rPr>
-              <a:t>*</a:t>
-            </a:r>
-            <a:r>
-              <a:rPr lang="de-DE" dirty="0" err="1">
-                <a:solidFill>
-                  <a:srgbClr val="9CDCFE"/>
-                </a:solidFill>
-                <a:latin typeface="Menlo" panose="020B0609030804020204" pitchFamily="49" charset="0"/>
-              </a:rPr>
-              <a:t>sensorData</a:t>
-            </a:r>
-            <a:r>
-              <a:rPr lang="de-DE" dirty="0" err="1">
-                <a:solidFill>
-                  <a:srgbClr val="D4D4D4"/>
-                </a:solidFill>
-                <a:latin typeface="Menlo" panose="020B0609030804020204" pitchFamily="49" charset="0"/>
-              </a:rPr>
-              <a:t>.</a:t>
-            </a:r>
-            <a:r>
-              <a:rPr lang="de-DE" dirty="0" err="1">
-                <a:solidFill>
-                  <a:srgbClr val="9CDCFE"/>
-                </a:solidFill>
-                <a:latin typeface="Menlo" panose="020B0609030804020204" pitchFamily="49" charset="0"/>
-              </a:rPr>
-              <a:t>gyro</a:t>
-            </a:r>
-            <a:r>
-              <a:rPr lang="de-DE" dirty="0" err="1">
-                <a:solidFill>
-                  <a:srgbClr val="D4D4D4"/>
-                </a:solidFill>
-                <a:latin typeface="Menlo" panose="020B0609030804020204" pitchFamily="49" charset="0"/>
-              </a:rPr>
-              <a:t>.</a:t>
-            </a:r>
-            <a:r>
-              <a:rPr lang="de-DE" dirty="0" err="1">
-                <a:solidFill>
-                  <a:srgbClr val="9CDCFE"/>
-                </a:solidFill>
-                <a:latin typeface="Menlo" panose="020B0609030804020204" pitchFamily="49" charset="0"/>
-              </a:rPr>
-              <a:t>y</a:t>
-            </a:r>
-            <a:r>
-              <a:rPr lang="de-DE" dirty="0">
-                <a:solidFill>
-                  <a:srgbClr val="D4D4D4"/>
-                </a:solidFill>
-                <a:latin typeface="Menlo" panose="020B0609030804020204" pitchFamily="49" charset="0"/>
-              </a:rPr>
-              <a:t>);</a:t>
+              <a:t>;</a:t>
             </a:r>
           </a:p>
           <a:p>
@@ -8965,7 +7859,7 @@
               <a:buNone/>
             </a:pPr>
             <a:r>
-              <a:rPr lang="de-DE" dirty="0" err="1">
+              <a:rPr lang="de-DE" sz="1600" dirty="0" err="1">
                 <a:solidFill>
                   <a:srgbClr val="9CDCFE"/>
                 </a:solidFill>
@@ -8974,7 +7868,7 @@
               <a:t>state</a:t>
             </a:r>
             <a:r>
-              <a:rPr lang="de-DE" dirty="0" err="1">
+              <a:rPr lang="de-DE" sz="1600" dirty="0" err="1">
                 <a:solidFill>
                   <a:srgbClr val="D4D4D4"/>
                 </a:solidFill>
@@ -8983,7 +7877,7 @@
               <a:t>.</a:t>
             </a:r>
             <a:r>
-              <a:rPr lang="de-DE" dirty="0" err="1">
+              <a:rPr lang="de-DE" sz="1600" dirty="0" err="1">
                 <a:solidFill>
                   <a:srgbClr val="9CDCFE"/>
                 </a:solidFill>
@@ -8992,193 +7886,31 @@
               <a:t>roll</a:t>
             </a:r>
             <a:r>
-              <a:rPr lang="de-DE" dirty="0">
+              <a:rPr lang="de-DE" sz="1600" dirty="0">
                 <a:solidFill>
                   <a:srgbClr val="D4D4D4"/>
                 </a:solidFill>
                 <a:latin typeface="Menlo" panose="020B0609030804020204" pitchFamily="49" charset="0"/>
               </a:rPr>
-              <a:t>= (</a:t>
-            </a:r>
-            <a:r>
-              <a:rPr lang="de-DE" dirty="0">
+              <a:t> = </a:t>
+            </a:r>
+            <a:r>
+              <a:rPr lang="de-DE" sz="1600" dirty="0">
                 <a:solidFill>
                   <a:srgbClr val="B5CEA8"/>
                 </a:solidFill>
                 <a:latin typeface="Menlo" panose="020B0609030804020204" pitchFamily="49" charset="0"/>
               </a:rPr>
-              <a:t>1</a:t>
-            </a:r>
-            <a:r>
-              <a:rPr lang="de-DE" dirty="0">
+              <a:t>0.0f</a:t>
+            </a:r>
+            <a:r>
+              <a:rPr lang="de-DE" sz="1600" dirty="0">
                 <a:solidFill>
                   <a:srgbClr val="D4D4D4"/>
                 </a:solidFill>
                 <a:latin typeface="Menlo" panose="020B0609030804020204" pitchFamily="49" charset="0"/>
               </a:rPr>
-              <a:t>-</a:t>
-            </a:r>
-            <a:r>
-              <a:rPr lang="de-DE" dirty="0">
-                <a:solidFill>
-                  <a:schemeClr val="tx1"/>
-                </a:solidFill>
-                <a:latin typeface="Menlo" panose="020B0609030804020204" pitchFamily="49" charset="0"/>
-              </a:rPr>
-              <a:t>gamma</a:t>
-            </a:r>
-            <a:r>
-              <a:rPr lang="de-DE" dirty="0">
-                <a:solidFill>
-                  <a:srgbClr val="D4D4D4"/>
-                </a:solidFill>
-                <a:latin typeface="Menlo" panose="020B0609030804020204" pitchFamily="49" charset="0"/>
-              </a:rPr>
-              <a:t>)*</a:t>
-            </a:r>
-            <a:r>
-              <a:rPr lang="de-DE" dirty="0" err="1">
-                <a:solidFill>
-                  <a:schemeClr val="tx1"/>
-                </a:solidFill>
-                <a:latin typeface="Menlo" panose="020B0609030804020204" pitchFamily="49" charset="0"/>
-              </a:rPr>
-              <a:t>phiacc</a:t>
-            </a:r>
-            <a:r>
-              <a:rPr lang="de-DE" dirty="0">
-                <a:solidFill>
-                  <a:srgbClr val="D4D4D4"/>
-                </a:solidFill>
-                <a:latin typeface="Menlo" panose="020B0609030804020204" pitchFamily="49" charset="0"/>
-              </a:rPr>
-              <a:t> + </a:t>
-            </a:r>
-            <a:r>
-              <a:rPr lang="de-DE" dirty="0" err="1">
-                <a:solidFill>
-                  <a:schemeClr val="tx1"/>
-                </a:solidFill>
-                <a:latin typeface="Menlo" panose="020B0609030804020204" pitchFamily="49" charset="0"/>
-              </a:rPr>
-              <a:t>gamma</a:t>
-            </a:r>
-            <a:r>
-              <a:rPr lang="de-DE" dirty="0">
-                <a:solidFill>
-                  <a:srgbClr val="D4D4D4"/>
-                </a:solidFill>
-                <a:latin typeface="Menlo" panose="020B0609030804020204" pitchFamily="49" charset="0"/>
-              </a:rPr>
-              <a:t>*(</a:t>
-            </a:r>
-            <a:r>
-              <a:rPr lang="de-DE" dirty="0" err="1">
-                <a:solidFill>
-                  <a:srgbClr val="9CDCFE"/>
-                </a:solidFill>
-                <a:latin typeface="Menlo" panose="020B0609030804020204" pitchFamily="49" charset="0"/>
-              </a:rPr>
-              <a:t>state</a:t>
-            </a:r>
-            <a:r>
-              <a:rPr lang="de-DE" dirty="0" err="1">
-                <a:solidFill>
-                  <a:srgbClr val="D4D4D4"/>
-                </a:solidFill>
-                <a:latin typeface="Menlo" panose="020B0609030804020204" pitchFamily="49" charset="0"/>
-              </a:rPr>
-              <a:t>.</a:t>
-            </a:r>
-            <a:r>
-              <a:rPr lang="de-DE" dirty="0" err="1">
-                <a:solidFill>
-                  <a:srgbClr val="9CDCFE"/>
-                </a:solidFill>
-                <a:latin typeface="Menlo" panose="020B0609030804020204" pitchFamily="49" charset="0"/>
-              </a:rPr>
-              <a:t>roll</a:t>
-            </a:r>
-            <a:r>
-              <a:rPr lang="de-DE" dirty="0">
-                <a:solidFill>
-                  <a:srgbClr val="D4D4D4"/>
-                </a:solidFill>
-                <a:latin typeface="Menlo" panose="020B0609030804020204" pitchFamily="49" charset="0"/>
-              </a:rPr>
-              <a:t> + </a:t>
-            </a:r>
-            <a:r>
-              <a:rPr lang="de-DE" dirty="0">
-                <a:solidFill>
-                  <a:schemeClr val="tx1"/>
-                </a:solidFill>
-                <a:latin typeface="Menlo" panose="020B0609030804020204" pitchFamily="49" charset="0"/>
-              </a:rPr>
-              <a:t>h</a:t>
-            </a:r>
-            <a:r>
-              <a:rPr lang="de-DE" dirty="0">
-                <a:solidFill>
-                  <a:srgbClr val="D4D4D4"/>
-                </a:solidFill>
-                <a:latin typeface="Menlo" panose="020B0609030804020204" pitchFamily="49" charset="0"/>
-              </a:rPr>
-              <a:t>*</a:t>
-            </a:r>
-            <a:r>
-              <a:rPr lang="de-DE" dirty="0" err="1">
-                <a:solidFill>
-                  <a:srgbClr val="9CDCFE"/>
-                </a:solidFill>
-                <a:latin typeface="Menlo" panose="020B0609030804020204" pitchFamily="49" charset="0"/>
-              </a:rPr>
-              <a:t>sensorData</a:t>
-            </a:r>
-            <a:r>
-              <a:rPr lang="de-DE" dirty="0" err="1">
-                <a:solidFill>
-                  <a:srgbClr val="D4D4D4"/>
-                </a:solidFill>
-                <a:latin typeface="Menlo" panose="020B0609030804020204" pitchFamily="49" charset="0"/>
-              </a:rPr>
-              <a:t>.</a:t>
-            </a:r>
-            <a:r>
-              <a:rPr lang="de-DE" dirty="0" err="1">
-                <a:solidFill>
-                  <a:srgbClr val="9CDCFE"/>
-                </a:solidFill>
-                <a:latin typeface="Menlo" panose="020B0609030804020204" pitchFamily="49" charset="0"/>
-              </a:rPr>
-              <a:t>gyro</a:t>
-            </a:r>
-            <a:r>
-              <a:rPr lang="de-DE" dirty="0" err="1">
-                <a:solidFill>
-                  <a:srgbClr val="D4D4D4"/>
-                </a:solidFill>
-                <a:latin typeface="Menlo" panose="020B0609030804020204" pitchFamily="49" charset="0"/>
-              </a:rPr>
-              <a:t>.</a:t>
-            </a:r>
-            <a:r>
-              <a:rPr lang="de-DE" dirty="0" err="1">
-                <a:solidFill>
-                  <a:srgbClr val="9CDCFE"/>
-                </a:solidFill>
-                <a:latin typeface="Menlo" panose="020B0609030804020204" pitchFamily="49" charset="0"/>
-              </a:rPr>
-              <a:t>x</a:t>
-            </a:r>
-            <a:r>
-              <a:rPr lang="de-DE" dirty="0">
-                <a:solidFill>
-                  <a:srgbClr val="D4D4D4"/>
-                </a:solidFill>
-                <a:latin typeface="Menlo" panose="020B0609030804020204" pitchFamily="49" charset="0"/>
-              </a:rPr>
-              <a:t>);</a:t>
+              <a:t>;</a:t>
             </a:r>
           </a:p>
           <a:p>
@@ -9186,7 +7918,7 @@
               <a:buNone/>
             </a:pPr>
             <a:r>
-              <a:rPr lang="de-DE" dirty="0" err="1">
+              <a:rPr lang="de-DE" sz="1600" dirty="0" err="1">
                 <a:solidFill>
                   <a:srgbClr val="9CDCFE"/>
                 </a:solidFill>
@@ -9195,7 +7927,7 @@
               <a:t>state</a:t>
             </a:r>
             <a:r>
-              <a:rPr lang="de-DE" dirty="0" err="1">
+              <a:rPr lang="de-DE" sz="1600" dirty="0" err="1">
                 <a:solidFill>
                   <a:srgbClr val="D4D4D4"/>
                 </a:solidFill>
@@ -9204,70 +7936,34 @@
               <a:t>.</a:t>
             </a:r>
             <a:r>
-              <a:rPr lang="de-DE" dirty="0" err="1">
+              <a:rPr lang="de-DE" sz="1600" dirty="0" err="1">
                 <a:solidFill>
                   <a:srgbClr val="9CDCFE"/>
                 </a:solidFill>
                 <a:latin typeface="Menlo" panose="020B0609030804020204" pitchFamily="49" charset="0"/>
               </a:rPr>
-              <a:t>rateRoll</a:t>
-            </a:r>
-            <a:r>
-              <a:rPr lang="de-DE" dirty="0">
+              <a:t>pitch</a:t>
+            </a:r>
+            <a:r>
+              <a:rPr lang="de-DE" sz="1600" dirty="0">
                 <a:solidFill>
                   <a:srgbClr val="D4D4D4"/>
                 </a:solidFill>
                 <a:latin typeface="Menlo" panose="020B0609030804020204" pitchFamily="49" charset="0"/>
               </a:rPr>
-              <a:t>= </a:t>
-            </a:r>
-            <a:r>
-              <a:rPr lang="de-DE" dirty="0" err="1">
-                <a:solidFill>
-                  <a:srgbClr val="9CDCFE"/>
-                </a:solidFill>
-                <a:latin typeface="Menlo" panose="020B0609030804020204" pitchFamily="49" charset="0"/>
-              </a:rPr>
-              <a:t>sensorData</a:t>
-            </a:r>
-            <a:r>
-              <a:rPr lang="de-DE" dirty="0" err="1">
-                <a:solidFill>
-                  <a:srgbClr val="D4D4D4"/>
-                </a:solidFill>
-                <a:latin typeface="Menlo" panose="020B0609030804020204" pitchFamily="49" charset="0"/>
-              </a:rPr>
-              <a:t>.</a:t>
-            </a:r>
-            <a:r>
-              <a:rPr lang="de-DE" dirty="0" err="1">
-                <a:solidFill>
-                  <a:srgbClr val="9CDCFE"/>
-                </a:solidFill>
-                <a:latin typeface="Menlo" panose="020B0609030804020204" pitchFamily="49" charset="0"/>
-              </a:rPr>
-              <a:t>gyro</a:t>
-            </a:r>
-            <a:r>
-              <a:rPr lang="de-DE" dirty="0" err="1">
-                <a:solidFill>
-                  <a:srgbClr val="D4D4D4"/>
-                </a:solidFill>
-                <a:latin typeface="Menlo" panose="020B0609030804020204" pitchFamily="49" charset="0"/>
-              </a:rPr>
-              <a:t>.</a:t>
-            </a:r>
-            <a:r>
-              <a:rPr lang="de-DE" dirty="0" err="1">
-                <a:solidFill>
-                  <a:srgbClr val="9CDCFE"/>
-                </a:solidFill>
-                <a:latin typeface="Menlo" panose="020B0609030804020204" pitchFamily="49" charset="0"/>
-              </a:rPr>
-              <a:t>x</a:t>
-            </a:r>
-            <a:r>
-              <a:rPr lang="de-DE" dirty="0">
+              <a:t> = </a:t>
+            </a:r>
+            <a:r>
+              <a:rPr lang="de-DE" sz="1600" dirty="0">
+                <a:solidFill>
+                  <a:srgbClr val="B5CEA8"/>
+                </a:solidFill>
+                <a:latin typeface="Menlo" panose="020B0609030804020204" pitchFamily="49" charset="0"/>
+              </a:rPr>
+              <a:t>0.0f</a:t>
+            </a:r>
+            <a:r>
+              <a:rPr lang="de-DE" sz="1600" dirty="0">
                 <a:solidFill>
                   <a:srgbClr val="D4D4D4"/>
                 </a:solidFill>
@@ -9281,94 +7977,40 @@
               <a:buNone/>
             </a:pPr>
             <a:r>
-              <a:rPr lang="de-DE" dirty="0" err="1">
-                <a:solidFill>
-                  <a:srgbClr val="9CDCFE"/>
-                </a:solidFill>
-                <a:latin typeface="Menlo" panose="020B0609030804020204" pitchFamily="49" charset="0"/>
-              </a:rPr>
-              <a:t>state</a:t>
-            </a:r>
-            <a:r>
-              <a:rPr lang="de-DE" dirty="0" err="1">
+              <a:rPr lang="de-DE" sz="1600" dirty="0" err="1">
+                <a:solidFill>
+                  <a:schemeClr val="tx1"/>
+                </a:solidFill>
+                <a:latin typeface="Menlo" panose="020B0609030804020204" pitchFamily="49" charset="0"/>
+              </a:rPr>
+              <a:t>filtsema</a:t>
+            </a:r>
+            <a:r>
+              <a:rPr lang="de-DE" sz="1600" dirty="0">
                 <a:solidFill>
                   <a:srgbClr val="D4D4D4"/>
                 </a:solidFill>
                 <a:latin typeface="Menlo" panose="020B0609030804020204" pitchFamily="49" charset="0"/>
               </a:rPr>
-              <a:t>.</a:t>
-            </a:r>
-            <a:r>
-              <a:rPr lang="de-DE" dirty="0" err="1">
-                <a:solidFill>
-                  <a:srgbClr val="9CDCFE"/>
-                </a:solidFill>
-                <a:latin typeface="Menlo" panose="020B0609030804020204" pitchFamily="49" charset="0"/>
-              </a:rPr>
-              <a:t>ratePitch</a:t>
-            </a:r>
-            <a:r>
-              <a:rPr lang="de-DE" dirty="0">
+              <a:t> = </a:t>
+            </a:r>
+            <a:r>
+              <a:rPr lang="de-DE" sz="1600" dirty="0" err="1">
+                <a:solidFill>
+                  <a:srgbClr val="DCDCAA"/>
+                </a:solidFill>
+                <a:latin typeface="Menlo" panose="020B0609030804020204" pitchFamily="49" charset="0"/>
+              </a:rPr>
+              <a:t>xSemaphoreCreateMutex</a:t>
+            </a:r>
+            <a:r>
+              <a:rPr lang="de-DE" sz="1600" dirty="0">
                 <a:solidFill>
                   <a:srgbClr val="D4D4D4"/>
                 </a:solidFill>
                 <a:latin typeface="Menlo" panose="020B0609030804020204" pitchFamily="49" charset="0"/>
               </a:rPr>
-              <a:t>= </a:t>
-            </a:r>
-            <a:r>
-              <a:rPr lang="de-DE" dirty="0" err="1">
-                <a:solidFill>
-                  <a:srgbClr val="9CDCFE"/>
-                </a:solidFill>
-                <a:latin typeface="Menlo" panose="020B0609030804020204" pitchFamily="49" charset="0"/>
-              </a:rPr>
-              <a:t>sensorData</a:t>
-            </a:r>
-            <a:r>
-              <a:rPr lang="de-DE" dirty="0" err="1">
-                <a:solidFill>
-                  <a:srgbClr val="D4D4D4"/>
-                </a:solidFill>
-                <a:latin typeface="Menlo" panose="020B0609030804020204" pitchFamily="49" charset="0"/>
-              </a:rPr>
-              <a:t>.</a:t>
-            </a:r>
-            <a:r>
-              <a:rPr lang="de-DE" dirty="0" err="1">
-                <a:solidFill>
-                  <a:srgbClr val="9CDCFE"/>
-                </a:solidFill>
-                <a:latin typeface="Menlo" panose="020B0609030804020204" pitchFamily="49" charset="0"/>
-              </a:rPr>
-              <a:t>gyro</a:t>
-            </a:r>
-            <a:r>
-              <a:rPr lang="de-DE" dirty="0" err="1">
-                <a:solidFill>
-                  <a:srgbClr val="D4D4D4"/>
-                </a:solidFill>
-                <a:latin typeface="Menlo" panose="020B0609030804020204" pitchFamily="49" charset="0"/>
-              </a:rPr>
-              <a:t>.</a:t>
-            </a:r>
-            <a:r>
-              <a:rPr lang="de-DE" dirty="0" err="1">
-                <a:solidFill>
-                  <a:srgbClr val="9CDCFE"/>
-                </a:solidFill>
-                <a:latin typeface="Menlo" panose="020B0609030804020204" pitchFamily="49" charset="0"/>
-              </a:rPr>
-              <a:t>y</a:t>
-            </a:r>
-            <a:r>
-              <a:rPr lang="de-DE" dirty="0">
-                <a:solidFill>
-                  <a:srgbClr val="D4D4D4"/>
-                </a:solidFill>
-                <a:latin typeface="Menlo" panose="020B0609030804020204" pitchFamily="49" charset="0"/>
-              </a:rPr>
-              <a:t>;</a:t>
+              <a:t>();</a:t>
             </a:r>
           </a:p>
           <a:p>
@@ -9376,145 +8018,367 @@
               <a:buNone/>
             </a:pPr>
             <a:r>
-              <a:rPr lang="de-DE" dirty="0" err="1">
-                <a:solidFill>
-                  <a:srgbClr val="9CDCFE"/>
-                </a:solidFill>
-                <a:latin typeface="Menlo" panose="020B0609030804020204" pitchFamily="49" charset="0"/>
-              </a:rPr>
-              <a:t>state</a:t>
-            </a:r>
-            <a:r>
-              <a:rPr lang="de-DE" dirty="0" err="1">
+              <a:rPr lang="de-DE" sz="1600" dirty="0">
                 <a:solidFill>
                   <a:srgbClr val="D4D4D4"/>
                 </a:solidFill>
                 <a:latin typeface="Menlo" panose="020B0609030804020204" pitchFamily="49" charset="0"/>
               </a:rPr>
-              <a:t>.</a:t>
-            </a:r>
-            <a:r>
-              <a:rPr lang="de-DE" dirty="0" err="1">
-                <a:solidFill>
-                  <a:srgbClr val="9CDCFE"/>
-                </a:solidFill>
-                <a:latin typeface="Menlo" panose="020B0609030804020204" pitchFamily="49" charset="0"/>
-              </a:rPr>
-              <a:t>rateYaw</a:t>
-            </a:r>
-            <a:r>
-              <a:rPr lang="de-DE" dirty="0">
+              <a:t>  </a:t>
+            </a:r>
+            <a:r>
+              <a:rPr lang="de-DE" sz="1600" dirty="0" err="1">
+                <a:solidFill>
+                  <a:schemeClr val="tx1"/>
+                </a:solidFill>
+                <a:latin typeface="Menlo" panose="020B0609030804020204" pitchFamily="49" charset="0"/>
+              </a:rPr>
+              <a:t>setsema</a:t>
+            </a:r>
+            <a:r>
+              <a:rPr lang="de-DE" sz="1600" dirty="0">
                 <a:solidFill>
                   <a:srgbClr val="D4D4D4"/>
                 </a:solidFill>
                 <a:latin typeface="Menlo" panose="020B0609030804020204" pitchFamily="49" charset="0"/>
               </a:rPr>
-              <a:t>= </a:t>
-            </a:r>
-            <a:r>
-              <a:rPr lang="de-DE" dirty="0" err="1">
-                <a:solidFill>
-                  <a:srgbClr val="9CDCFE"/>
-                </a:solidFill>
-                <a:latin typeface="Menlo" panose="020B0609030804020204" pitchFamily="49" charset="0"/>
-              </a:rPr>
-              <a:t>sensorData</a:t>
-            </a:r>
-            <a:r>
-              <a:rPr lang="de-DE" dirty="0" err="1">
+              <a:t> = </a:t>
+            </a:r>
+            <a:r>
+              <a:rPr lang="de-DE" sz="1600" dirty="0" err="1">
+                <a:solidFill>
+                  <a:srgbClr val="DCDCAA"/>
+                </a:solidFill>
+                <a:latin typeface="Menlo" panose="020B0609030804020204" pitchFamily="49" charset="0"/>
+              </a:rPr>
+              <a:t>xSemaphoreCreateMutex</a:t>
+            </a:r>
+            <a:r>
+              <a:rPr lang="de-DE" sz="1600" dirty="0">
                 <a:solidFill>
                   <a:srgbClr val="D4D4D4"/>
                 </a:solidFill>
                 <a:latin typeface="Menlo" panose="020B0609030804020204" pitchFamily="49" charset="0"/>
               </a:rPr>
-              <a:t>.</a:t>
-            </a:r>
-            <a:r>
-              <a:rPr lang="de-DE" dirty="0" err="1">
-                <a:solidFill>
-                  <a:srgbClr val="9CDCFE"/>
-                </a:solidFill>
-                <a:latin typeface="Menlo" panose="020B0609030804020204" pitchFamily="49" charset="0"/>
-              </a:rPr>
-              <a:t>gyro</a:t>
-            </a:r>
-            <a:r>
-              <a:rPr lang="de-DE" dirty="0" err="1">
-                <a:solidFill>
-                  <a:srgbClr val="D4D4D4"/>
-                </a:solidFill>
-                <a:latin typeface="Menlo" panose="020B0609030804020204" pitchFamily="49" charset="0"/>
-              </a:rPr>
-              <a:t>.</a:t>
-            </a:r>
-            <a:r>
-              <a:rPr lang="de-DE" dirty="0" err="1">
-                <a:solidFill>
-                  <a:srgbClr val="9CDCFE"/>
-                </a:solidFill>
-                <a:latin typeface="Menlo" panose="020B0609030804020204" pitchFamily="49" charset="0"/>
-              </a:rPr>
-              <a:t>z</a:t>
-            </a:r>
-            <a:r>
-              <a:rPr lang="de-DE" dirty="0">
-                <a:solidFill>
-                  <a:srgbClr val="D4D4D4"/>
-                </a:solidFill>
-                <a:latin typeface="Menlo" panose="020B0609030804020204" pitchFamily="49" charset="0"/>
-              </a:rPr>
-              <a:t>;</a:t>
+              <a:t>();</a:t>
             </a:r>
           </a:p>
           <a:p>
             <a:pPr marL="0" indent="0">
               <a:buNone/>
             </a:pPr>
-            <a:r>
-              <a:rPr lang="de-DE" dirty="0">
+            <a:br>
+              <a:rPr lang="de-DE" sz="1600" dirty="0">
+                <a:solidFill>
+                  <a:srgbClr val="D4D4D4"/>
+                </a:solidFill>
+                <a:latin typeface="Menlo" panose="020B0609030804020204" pitchFamily="49" charset="0"/>
+              </a:rPr>
+            </a:br>
+            <a:endParaRPr lang="de-DE" sz="1600" dirty="0"/>
+          </a:p>
+        </p:txBody>
+      </p:sp>
+      <p:sp>
+        <p:nvSpPr>
+          <p:cNvPr id="4" name="Inhaltsplatzhalter 2">
+            <a:extLst>
+              <a:ext uri="{FF2B5EF4-FFF2-40B4-BE49-F238E27FC236}">
+                <a16:creationId xmlns:a16="http://schemas.microsoft.com/office/drawing/2014/main" id="{622E6183-A73A-4F43-8B05-DF2E45162898}"/>
+              </a:ext>
+            </a:extLst>
+          </p:cNvPr>
+          <p:cNvSpPr txBox="1">
+            <a:spLocks/>
+          </p:cNvSpPr>
+          <p:nvPr/>
+        </p:nvSpPr>
+        <p:spPr>
+          <a:xfrm>
+            <a:off x="6096000" y="3144478"/>
+            <a:ext cx="7729728" cy="4072245"/>
+          </a:xfrm>
+          <a:prstGeom prst="rect">
+            <a:avLst/>
+          </a:prstGeom>
+        </p:spPr>
+        <p:txBody>
+          <a:bodyPr vert="horz" lIns="91440" tIns="45720" rIns="91440" bIns="45720" rtlCol="0">
+            <a:normAutofit/>
+          </a:bodyPr>
+          <a:lstStyle>
+            <a:lvl1pPr marL="228600" indent="-228600" algn="l" defTabSz="914400" rtl="0" eaLnBrk="1" latinLnBrk="0" hangingPunct="1">
+              <a:lnSpc>
+                <a:spcPct val="100000"/>
+              </a:lnSpc>
+              <a:spcBef>
+                <a:spcPts val="1000"/>
+              </a:spcBef>
+              <a:buClr>
+                <a:schemeClr val="accent2"/>
+              </a:buClr>
+              <a:buFont typeface="Arial" panose="020B0604020202020204" pitchFamily="34" charset="0"/>
+              <a:buChar char="•"/>
+              <a:defRPr sz="1800" kern="1200">
+                <a:solidFill>
+                  <a:schemeClr val="tx1">
+                    <a:lumMod val="85000"/>
+                    <a:lumOff val="15000"/>
+                  </a:schemeClr>
+                </a:solidFill>
+                <a:latin typeface="+mn-lt"/>
+                <a:ea typeface="+mn-ea"/>
+                <a:cs typeface="+mn-cs"/>
+              </a:defRPr>
+            </a:lvl1pPr>
+            <a:lvl2pPr marL="457200" indent="-228600" algn="l" defTabSz="914400" rtl="0" eaLnBrk="1" latinLnBrk="0" hangingPunct="1">
+              <a:lnSpc>
+                <a:spcPct val="100000"/>
+              </a:lnSpc>
+              <a:spcBef>
+                <a:spcPts val="1000"/>
+              </a:spcBef>
+              <a:buClr>
+                <a:schemeClr val="accent2"/>
+              </a:buClr>
+              <a:buFont typeface="Arial" panose="020B0604020202020204" pitchFamily="34" charset="0"/>
+              <a:buChar char="•"/>
+              <a:defRPr sz="1600" kern="1200">
+                <a:solidFill>
+                  <a:schemeClr val="tx1">
+                    <a:lumMod val="85000"/>
+                    <a:lumOff val="15000"/>
+                  </a:schemeClr>
+                </a:solidFill>
+                <a:latin typeface="+mn-lt"/>
+                <a:ea typeface="+mn-ea"/>
+                <a:cs typeface="+mn-cs"/>
+              </a:defRPr>
+            </a:lvl2pPr>
+            <a:lvl3pPr marL="685800" indent="-228600" algn="l" defTabSz="914400" rtl="0" eaLnBrk="1" latinLnBrk="0" hangingPunct="1">
+              <a:lnSpc>
+                <a:spcPct val="100000"/>
+              </a:lnSpc>
+              <a:spcBef>
+                <a:spcPts val="1000"/>
+              </a:spcBef>
+              <a:buClr>
+                <a:schemeClr val="accent2"/>
+              </a:buClr>
+              <a:buFont typeface="Arial" panose="020B0604020202020204" pitchFamily="34" charset="0"/>
+              <a:buChar char="•"/>
+              <a:defRPr sz="1600" kern="1200">
+                <a:solidFill>
+                  <a:schemeClr val="tx1">
+                    <a:lumMod val="85000"/>
+                    <a:lumOff val="15000"/>
+                  </a:schemeClr>
+                </a:solidFill>
+                <a:latin typeface="+mn-lt"/>
+                <a:ea typeface="+mn-ea"/>
+                <a:cs typeface="+mn-cs"/>
+              </a:defRPr>
+            </a:lvl3pPr>
+            <a:lvl4pPr marL="914400" indent="-228600" algn="l" defTabSz="914400" rtl="0" eaLnBrk="1" latinLnBrk="0" hangingPunct="1">
+              <a:lnSpc>
+                <a:spcPct val="100000"/>
+              </a:lnSpc>
+              <a:spcBef>
+                <a:spcPts val="1000"/>
+              </a:spcBef>
+              <a:buClr>
+                <a:schemeClr val="accent2"/>
+              </a:buClr>
+              <a:buFont typeface="Arial" panose="020B0604020202020204" pitchFamily="34" charset="0"/>
+              <a:buChar char="•"/>
+              <a:defRPr sz="1600" kern="1200">
+                <a:solidFill>
+                  <a:schemeClr val="tx1">
+                    <a:lumMod val="85000"/>
+                    <a:lumOff val="15000"/>
+                  </a:schemeClr>
+                </a:solidFill>
+                <a:latin typeface="+mn-lt"/>
+                <a:ea typeface="+mn-ea"/>
+                <a:cs typeface="+mn-cs"/>
+              </a:defRPr>
+            </a:lvl4pPr>
+            <a:lvl5pPr marL="1143000" indent="-228600" algn="l" defTabSz="914400" rtl="0" eaLnBrk="1" latinLnBrk="0" hangingPunct="1">
+              <a:lnSpc>
+                <a:spcPct val="100000"/>
+              </a:lnSpc>
+              <a:spcBef>
+                <a:spcPts val="1000"/>
+              </a:spcBef>
+              <a:buClr>
+                <a:schemeClr val="accent2"/>
+              </a:buClr>
+              <a:buFont typeface="Arial" panose="020B0604020202020204" pitchFamily="34" charset="0"/>
+              <a:buChar char="•"/>
+              <a:defRPr sz="1600" kern="1200">
+                <a:solidFill>
+                  <a:schemeClr val="tx1">
+                    <a:lumMod val="85000"/>
+                    <a:lumOff val="15000"/>
+                  </a:schemeClr>
+                </a:solidFill>
+                <a:latin typeface="+mn-lt"/>
+                <a:ea typeface="+mn-ea"/>
+                <a:cs typeface="+mn-cs"/>
+              </a:defRPr>
+            </a:lvl5pPr>
+            <a:lvl6pPr marL="1312863" indent="-228600" algn="l" defTabSz="914400" rtl="0" eaLnBrk="1" latinLnBrk="0" hangingPunct="1">
+              <a:lnSpc>
+                <a:spcPct val="100000"/>
+              </a:lnSpc>
+              <a:spcBef>
+                <a:spcPts val="1000"/>
+              </a:spcBef>
+              <a:buClr>
+                <a:schemeClr val="accent2"/>
+              </a:buClr>
+              <a:buFont typeface="Arial" panose="020B0604020202020204" pitchFamily="34" charset="0"/>
+              <a:buChar char="•"/>
+              <a:defRPr sz="1600" kern="1200">
                 <a:solidFill>
                   <a:schemeClr val="tx1"/>
                 </a:solidFill>
-                <a:latin typeface="Menlo" panose="020B0609030804020204" pitchFamily="49" charset="0"/>
-              </a:rPr>
-              <a:t>tick++</a:t>
-            </a:r>
-            <a:r>
-              <a:rPr lang="de-DE" dirty="0">
-                <a:solidFill>
-                  <a:srgbClr val="D4D4D4"/>
-                </a:solidFill>
-                <a:latin typeface="Menlo" panose="020B0609030804020204" pitchFamily="49" charset="0"/>
-              </a:rPr>
-              <a:t>;</a:t>
-            </a:r>
-          </a:p>
+                <a:latin typeface="+mn-lt"/>
+                <a:ea typeface="+mn-ea"/>
+                <a:cs typeface="+mn-cs"/>
+              </a:defRPr>
+            </a:lvl6pPr>
+            <a:lvl7pPr marL="1484313" indent="-228600" algn="l" defTabSz="914400" rtl="0" eaLnBrk="1" latinLnBrk="0" hangingPunct="1">
+              <a:lnSpc>
+                <a:spcPct val="100000"/>
+              </a:lnSpc>
+              <a:spcBef>
+                <a:spcPts val="1000"/>
+              </a:spcBef>
+              <a:buClr>
+                <a:schemeClr val="accent2"/>
+              </a:buClr>
+              <a:buFont typeface="Arial" panose="020B0604020202020204" pitchFamily="34" charset="0"/>
+              <a:buChar char="•"/>
+              <a:defRPr sz="1600" kern="1200">
+                <a:solidFill>
+                  <a:schemeClr val="tx1"/>
+                </a:solidFill>
+                <a:latin typeface="+mn-lt"/>
+                <a:ea typeface="+mn-ea"/>
+                <a:cs typeface="+mn-cs"/>
+              </a:defRPr>
+            </a:lvl7pPr>
+            <a:lvl8pPr marL="1657350" indent="-228600" algn="l" defTabSz="914400" rtl="0" eaLnBrk="1" latinLnBrk="0" hangingPunct="1">
+              <a:lnSpc>
+                <a:spcPct val="100000"/>
+              </a:lnSpc>
+              <a:spcBef>
+                <a:spcPts val="1000"/>
+              </a:spcBef>
+              <a:buClr>
+                <a:schemeClr val="accent2"/>
+              </a:buClr>
+              <a:buFont typeface="Arial" panose="020B0604020202020204" pitchFamily="34" charset="0"/>
+              <a:buChar char="•"/>
+              <a:defRPr sz="1600" kern="1200" baseline="0">
+                <a:solidFill>
+                  <a:schemeClr val="tx1"/>
+                </a:solidFill>
+                <a:latin typeface="+mn-lt"/>
+                <a:ea typeface="+mn-ea"/>
+                <a:cs typeface="+mn-cs"/>
+              </a:defRPr>
+            </a:lvl8pPr>
+            <a:lvl9pPr marL="1882775" indent="-228600" algn="l" defTabSz="914400" rtl="0" eaLnBrk="1" latinLnBrk="0" hangingPunct="1">
+              <a:lnSpc>
+                <a:spcPct val="100000"/>
+              </a:lnSpc>
+              <a:spcBef>
+                <a:spcPts val="1000"/>
+              </a:spcBef>
+              <a:buClr>
+                <a:schemeClr val="accent2"/>
+              </a:buClr>
+              <a:buFont typeface="Arial" panose="020B0604020202020204" pitchFamily="34" charset="0"/>
+              <a:buChar char="•"/>
+              <a:defRPr sz="1600" kern="1200" baseline="0">
+                <a:solidFill>
+                  <a:schemeClr val="tx1"/>
+                </a:solidFill>
+                <a:latin typeface="+mn-lt"/>
+                <a:ea typeface="+mn-ea"/>
+                <a:cs typeface="+mn-cs"/>
+              </a:defRPr>
+            </a:lvl9pPr>
+          </a:lstStyle>
           <a:p>
             <a:pPr marL="0" indent="0">
+              <a:buFont typeface="Arial" panose="020B0604020202020204" pitchFamily="34" charset="0"/>
               <a:buNone/>
             </a:pPr>
-            <a:endParaRPr lang="de-DE" dirty="0">
-              <a:solidFill>
-                <a:srgbClr val="D4D4D4"/>
-              </a:solidFill>
-              <a:latin typeface="Menlo" panose="020B0609030804020204" pitchFamily="49" charset="0"/>
-            </a:endParaRPr>
+            <a:r>
+              <a:rPr lang="de-DE" sz="1600" dirty="0" err="1">
+                <a:solidFill>
+                  <a:srgbClr val="DCDCAA"/>
+                </a:solidFill>
+                <a:latin typeface="Menlo" panose="020B0609030804020204" pitchFamily="49" charset="0"/>
+              </a:rPr>
+              <a:t>xTaskCreate</a:t>
+            </a:r>
+            <a:r>
+              <a:rPr lang="de-DE" sz="1600" dirty="0">
+                <a:solidFill>
+                  <a:srgbClr val="D4D4D4"/>
+                </a:solidFill>
+                <a:latin typeface="Menlo" panose="020B0609030804020204" pitchFamily="49" charset="0"/>
+              </a:rPr>
+              <a:t>(</a:t>
+            </a:r>
+            <a:r>
+              <a:rPr lang="de-DE" sz="1600" dirty="0" err="1">
+                <a:solidFill>
+                  <a:schemeClr val="tx1"/>
+                </a:solidFill>
+                <a:latin typeface="Menlo" panose="020B0609030804020204" pitchFamily="49" charset="0"/>
+              </a:rPr>
+              <a:t>comp_filter</a:t>
+            </a:r>
+            <a:r>
+              <a:rPr lang="de-DE" sz="1600" dirty="0">
+                <a:solidFill>
+                  <a:srgbClr val="D4D4D4"/>
+                </a:solidFill>
+                <a:latin typeface="Menlo" panose="020B0609030804020204" pitchFamily="49" charset="0"/>
+              </a:rPr>
+              <a:t>, </a:t>
+            </a:r>
+            <a:r>
+              <a:rPr lang="de-DE" sz="1600" dirty="0">
+                <a:solidFill>
+                  <a:srgbClr val="CE9178"/>
+                </a:solidFill>
+                <a:latin typeface="Menlo" panose="020B0609030804020204" pitchFamily="49" charset="0"/>
+              </a:rPr>
+              <a:t>"FILTER"</a:t>
+            </a:r>
+            <a:r>
+              <a:rPr lang="de-DE" sz="1600" dirty="0">
+                <a:solidFill>
+                  <a:srgbClr val="D4D4D4"/>
+                </a:solidFill>
+                <a:latin typeface="Menlo" panose="020B0609030804020204" pitchFamily="49" charset="0"/>
+              </a:rPr>
+              <a:t>,</a:t>
+            </a:r>
           </a:p>
           <a:p>
             <a:pPr marL="0" indent="0">
+              <a:buFont typeface="Arial" panose="020B0604020202020204" pitchFamily="34" charset="0"/>
               <a:buNone/>
             </a:pPr>
             <a:r>
-              <a:rPr lang="de-DE" dirty="0" err="1">
-                <a:solidFill>
-                  <a:srgbClr val="DCDCAA"/>
-                </a:solidFill>
-                <a:latin typeface="Menlo" panose="020B0609030804020204" pitchFamily="49" charset="0"/>
-              </a:rPr>
-              <a:t>xSemaphoreGive</a:t>
-            </a:r>
-            <a:r>
-              <a:rPr lang="de-DE" dirty="0">
+              <a:rPr lang="de-DE" sz="1600" dirty="0">
                 <a:solidFill>
                   <a:srgbClr val="D4D4D4"/>
                 </a:solidFill>
@@ -9523,36 +8387,454 @@
               <a:t>(</a:t>
             </a:r>
             <a:r>
-              <a:rPr lang="de-DE" dirty="0" err="1">
+              <a:rPr lang="de-DE" sz="1600" dirty="0">
+                <a:solidFill>
+                  <a:srgbClr val="B5CEA8"/>
+                </a:solidFill>
+                <a:latin typeface="Menlo" panose="020B0609030804020204" pitchFamily="49" charset="0"/>
+              </a:rPr>
+              <a:t>3</a:t>
+            </a:r>
+            <a:r>
+              <a:rPr lang="de-DE" sz="1600" dirty="0">
+                <a:solidFill>
+                  <a:srgbClr val="D4D4D4"/>
+                </a:solidFill>
+                <a:latin typeface="Menlo" panose="020B0609030804020204" pitchFamily="49" charset="0"/>
+              </a:rPr>
+              <a:t> * </a:t>
+            </a:r>
+            <a:r>
+              <a:rPr lang="de-DE" sz="1600" dirty="0" err="1">
                 <a:solidFill>
                   <a:schemeClr val="tx1"/>
                 </a:solidFill>
                 <a:latin typeface="Menlo" panose="020B0609030804020204" pitchFamily="49" charset="0"/>
               </a:rPr>
-              <a:t>filtsema</a:t>
-            </a:r>
-            <a:r>
-              <a:rPr lang="de-DE" dirty="0">
+              <a:t>configMINIMAL_STACK_SIZE</a:t>
+            </a:r>
+            <a:r>
+              <a:rPr lang="de-DE" sz="1600" dirty="0">
                 <a:solidFill>
                   <a:srgbClr val="D4D4D4"/>
                 </a:solidFill>
                 <a:latin typeface="Menlo" panose="020B0609030804020204" pitchFamily="49" charset="0"/>
               </a:rPr>
+              <a:t>), </a:t>
+            </a:r>
+            <a:r>
+              <a:rPr lang="de-DE" sz="1600" dirty="0">
+                <a:solidFill>
+                  <a:srgbClr val="569CD6"/>
+                </a:solidFill>
+                <a:latin typeface="Menlo" panose="020B0609030804020204" pitchFamily="49" charset="0"/>
+              </a:rPr>
+              <a:t>NULL</a:t>
+            </a:r>
+            <a:r>
+              <a:rPr lang="de-DE" sz="1600" dirty="0">
+                <a:solidFill>
+                  <a:srgbClr val="D4D4D4"/>
+                </a:solidFill>
+                <a:latin typeface="Menlo" panose="020B0609030804020204" pitchFamily="49" charset="0"/>
+              </a:rPr>
+              <a:t>, </a:t>
+            </a:r>
+            <a:r>
+              <a:rPr lang="de-DE" sz="1600" dirty="0">
+                <a:solidFill>
+                  <a:srgbClr val="B5CEA8"/>
+                </a:solidFill>
+                <a:latin typeface="Menlo" panose="020B0609030804020204" pitchFamily="49" charset="0"/>
+              </a:rPr>
+              <a:t>3</a:t>
+            </a:r>
+            <a:r>
+              <a:rPr lang="de-DE" sz="1600" dirty="0">
+                <a:solidFill>
+                  <a:srgbClr val="D4D4D4"/>
+                </a:solidFill>
+                <a:latin typeface="Menlo" panose="020B0609030804020204" pitchFamily="49" charset="0"/>
+              </a:rPr>
+              <a:t>, </a:t>
+            </a:r>
+            <a:r>
+              <a:rPr lang="de-DE" sz="1600" dirty="0">
+                <a:solidFill>
+                  <a:srgbClr val="569CD6"/>
+                </a:solidFill>
+                <a:latin typeface="Menlo" panose="020B0609030804020204" pitchFamily="49" charset="0"/>
+              </a:rPr>
+              <a:t>NULL</a:t>
+            </a:r>
+            <a:r>
+              <a:rPr lang="de-DE" sz="1600" dirty="0">
+                <a:solidFill>
+                  <a:srgbClr val="D4D4D4"/>
+                </a:solidFill>
+                <a:latin typeface="Menlo" panose="020B0609030804020204" pitchFamily="49" charset="0"/>
+              </a:rPr>
               <a:t>);</a:t>
             </a:r>
           </a:p>
           <a:p>
             <a:pPr marL="0" indent="0">
+              <a:buFont typeface="Arial" panose="020B0604020202020204" pitchFamily="34" charset="0"/>
               <a:buNone/>
             </a:pPr>
-            <a:endParaRPr lang="de-DE" dirty="0"/>
+            <a:r>
+              <a:rPr lang="de-DE" sz="1600" dirty="0" err="1">
+                <a:solidFill>
+                  <a:srgbClr val="DCDCAA"/>
+                </a:solidFill>
+                <a:latin typeface="Menlo" panose="020B0609030804020204" pitchFamily="49" charset="0"/>
+              </a:rPr>
+              <a:t>xTaskCreate</a:t>
+            </a:r>
+            <a:r>
+              <a:rPr lang="de-DE" sz="1600" dirty="0">
+                <a:solidFill>
+                  <a:srgbClr val="D4D4D4"/>
+                </a:solidFill>
+                <a:latin typeface="Menlo" panose="020B0609030804020204" pitchFamily="49" charset="0"/>
+              </a:rPr>
+              <a:t>(</a:t>
+            </a:r>
+            <a:r>
+              <a:rPr lang="de-DE" sz="1600" dirty="0" err="1">
+                <a:solidFill>
+                  <a:schemeClr val="tx1"/>
+                </a:solidFill>
+                <a:latin typeface="Menlo" panose="020B0609030804020204" pitchFamily="49" charset="0"/>
+              </a:rPr>
+              <a:t>setPointtrack</a:t>
+            </a:r>
+            <a:r>
+              <a:rPr lang="de-DE" sz="1600" dirty="0">
+                <a:solidFill>
+                  <a:srgbClr val="D4D4D4"/>
+                </a:solidFill>
+                <a:latin typeface="Menlo" panose="020B0609030804020204" pitchFamily="49" charset="0"/>
+              </a:rPr>
+              <a:t>, </a:t>
+            </a:r>
+            <a:r>
+              <a:rPr lang="de-DE" sz="1600" dirty="0">
+                <a:solidFill>
+                  <a:srgbClr val="CE9178"/>
+                </a:solidFill>
+                <a:latin typeface="Menlo" panose="020B0609030804020204" pitchFamily="49" charset="0"/>
+              </a:rPr>
+              <a:t>"SETPOINT"</a:t>
+            </a:r>
+            <a:r>
+              <a:rPr lang="de-DE" sz="1600" dirty="0">
+                <a:solidFill>
+                  <a:srgbClr val="D4D4D4"/>
+                </a:solidFill>
+                <a:latin typeface="Menlo" panose="020B0609030804020204" pitchFamily="49" charset="0"/>
+              </a:rPr>
+              <a:t>,</a:t>
+            </a:r>
+          </a:p>
+          <a:p>
+            <a:pPr marL="0" indent="0">
+              <a:buFont typeface="Arial" panose="020B0604020202020204" pitchFamily="34" charset="0"/>
+              <a:buNone/>
+            </a:pPr>
+            <a:r>
+              <a:rPr lang="de-DE" sz="1600" dirty="0">
+                <a:solidFill>
+                  <a:srgbClr val="D4D4D4"/>
+                </a:solidFill>
+                <a:latin typeface="Menlo" panose="020B0609030804020204" pitchFamily="49" charset="0"/>
+              </a:rPr>
+              <a:t>(</a:t>
+            </a:r>
+            <a:r>
+              <a:rPr lang="de-DE" sz="1600" dirty="0">
+                <a:solidFill>
+                  <a:srgbClr val="B5CEA8"/>
+                </a:solidFill>
+                <a:latin typeface="Menlo" panose="020B0609030804020204" pitchFamily="49" charset="0"/>
+              </a:rPr>
+              <a:t>3</a:t>
+            </a:r>
+            <a:r>
+              <a:rPr lang="de-DE" sz="1600" dirty="0">
+                <a:solidFill>
+                  <a:srgbClr val="D4D4D4"/>
+                </a:solidFill>
+                <a:latin typeface="Menlo" panose="020B0609030804020204" pitchFamily="49" charset="0"/>
+              </a:rPr>
+              <a:t> * </a:t>
+            </a:r>
+            <a:r>
+              <a:rPr lang="de-DE" sz="1600" dirty="0" err="1">
+                <a:solidFill>
+                  <a:schemeClr val="tx1"/>
+                </a:solidFill>
+                <a:latin typeface="Menlo" panose="020B0609030804020204" pitchFamily="49" charset="0"/>
+              </a:rPr>
+              <a:t>configMINIMAL_STACK_SIZE</a:t>
+            </a:r>
+            <a:r>
+              <a:rPr lang="de-DE" sz="1600" dirty="0">
+                <a:solidFill>
+                  <a:srgbClr val="D4D4D4"/>
+                </a:solidFill>
+                <a:latin typeface="Menlo" panose="020B0609030804020204" pitchFamily="49" charset="0"/>
+              </a:rPr>
+              <a:t>), </a:t>
+            </a:r>
+            <a:r>
+              <a:rPr lang="de-DE" sz="1600" dirty="0">
+                <a:solidFill>
+                  <a:srgbClr val="569CD6"/>
+                </a:solidFill>
+                <a:latin typeface="Menlo" panose="020B0609030804020204" pitchFamily="49" charset="0"/>
+              </a:rPr>
+              <a:t>NULL</a:t>
+            </a:r>
+            <a:r>
+              <a:rPr lang="de-DE" sz="1600" dirty="0">
+                <a:solidFill>
+                  <a:srgbClr val="D4D4D4"/>
+                </a:solidFill>
+                <a:latin typeface="Menlo" panose="020B0609030804020204" pitchFamily="49" charset="0"/>
+              </a:rPr>
+              <a:t>, </a:t>
+            </a:r>
+            <a:r>
+              <a:rPr lang="de-DE" sz="1600" dirty="0">
+                <a:solidFill>
+                  <a:srgbClr val="B5CEA8"/>
+                </a:solidFill>
+                <a:latin typeface="Menlo" panose="020B0609030804020204" pitchFamily="49" charset="0"/>
+              </a:rPr>
+              <a:t>1</a:t>
+            </a:r>
+            <a:r>
+              <a:rPr lang="de-DE" sz="1600" dirty="0">
+                <a:solidFill>
+                  <a:srgbClr val="D4D4D4"/>
+                </a:solidFill>
+                <a:latin typeface="Menlo" panose="020B0609030804020204" pitchFamily="49" charset="0"/>
+              </a:rPr>
+              <a:t>, </a:t>
+            </a:r>
+            <a:r>
+              <a:rPr lang="de-DE" sz="1600" dirty="0">
+                <a:solidFill>
+                  <a:srgbClr val="569CD6"/>
+                </a:solidFill>
+                <a:latin typeface="Menlo" panose="020B0609030804020204" pitchFamily="49" charset="0"/>
+              </a:rPr>
+              <a:t>NULL</a:t>
+            </a:r>
+            <a:r>
+              <a:rPr lang="de-DE" sz="1600" dirty="0">
+                <a:solidFill>
+                  <a:srgbClr val="D4D4D4"/>
+                </a:solidFill>
+                <a:latin typeface="Menlo" panose="020B0609030804020204" pitchFamily="49" charset="0"/>
+              </a:rPr>
+              <a:t>);</a:t>
+            </a:r>
+          </a:p>
+          <a:p>
+            <a:pPr marL="0" indent="0">
+              <a:buFont typeface="Arial" panose="020B0604020202020204" pitchFamily="34" charset="0"/>
+              <a:buNone/>
+            </a:pPr>
+            <a:r>
+              <a:rPr lang="de-DE" sz="1600" dirty="0" err="1">
+                <a:solidFill>
+                  <a:srgbClr val="DCDCAA"/>
+                </a:solidFill>
+                <a:latin typeface="Menlo" panose="020B0609030804020204" pitchFamily="49" charset="0"/>
+              </a:rPr>
+              <a:t>xTaskCreate</a:t>
+            </a:r>
+            <a:r>
+              <a:rPr lang="de-DE" sz="1600" dirty="0">
+                <a:solidFill>
+                  <a:srgbClr val="D4D4D4"/>
+                </a:solidFill>
+                <a:latin typeface="Menlo" panose="020B0609030804020204" pitchFamily="49" charset="0"/>
+              </a:rPr>
+              <a:t>(</a:t>
+            </a:r>
+            <a:r>
+              <a:rPr lang="de-DE" sz="1600" dirty="0" err="1">
+                <a:solidFill>
+                  <a:schemeClr val="tx1"/>
+                </a:solidFill>
+                <a:latin typeface="Menlo" panose="020B0609030804020204" pitchFamily="49" charset="0"/>
+              </a:rPr>
+              <a:t>controller</a:t>
+            </a:r>
+            <a:r>
+              <a:rPr lang="de-DE" sz="1600" dirty="0">
+                <a:solidFill>
+                  <a:srgbClr val="D4D4D4"/>
+                </a:solidFill>
+                <a:latin typeface="Menlo" panose="020B0609030804020204" pitchFamily="49" charset="0"/>
+              </a:rPr>
+              <a:t>, </a:t>
+            </a:r>
+            <a:r>
+              <a:rPr lang="de-DE" sz="1600" dirty="0">
+                <a:solidFill>
+                  <a:srgbClr val="CE9178"/>
+                </a:solidFill>
+                <a:latin typeface="Menlo" panose="020B0609030804020204" pitchFamily="49" charset="0"/>
+              </a:rPr>
+              <a:t>"CONTROL"</a:t>
+            </a:r>
+            <a:r>
+              <a:rPr lang="de-DE" sz="1600" dirty="0">
+                <a:solidFill>
+                  <a:srgbClr val="D4D4D4"/>
+                </a:solidFill>
+                <a:latin typeface="Menlo" panose="020B0609030804020204" pitchFamily="49" charset="0"/>
+              </a:rPr>
+              <a:t>,</a:t>
+            </a:r>
+          </a:p>
+          <a:p>
+            <a:pPr marL="0" indent="0">
+              <a:buFont typeface="Arial" panose="020B0604020202020204" pitchFamily="34" charset="0"/>
+              <a:buNone/>
+            </a:pPr>
+            <a:r>
+              <a:rPr lang="de-DE" sz="1600" dirty="0">
+                <a:solidFill>
+                  <a:srgbClr val="D4D4D4"/>
+                </a:solidFill>
+                <a:latin typeface="Menlo" panose="020B0609030804020204" pitchFamily="49" charset="0"/>
+              </a:rPr>
+              <a:t>(</a:t>
+            </a:r>
+            <a:r>
+              <a:rPr lang="de-DE" sz="1600" dirty="0">
+                <a:solidFill>
+                  <a:srgbClr val="B5CEA8"/>
+                </a:solidFill>
+                <a:latin typeface="Menlo" panose="020B0609030804020204" pitchFamily="49" charset="0"/>
+              </a:rPr>
+              <a:t>3</a:t>
+            </a:r>
+            <a:r>
+              <a:rPr lang="de-DE" sz="1600" dirty="0">
+                <a:solidFill>
+                  <a:srgbClr val="D4D4D4"/>
+                </a:solidFill>
+                <a:latin typeface="Menlo" panose="020B0609030804020204" pitchFamily="49" charset="0"/>
+              </a:rPr>
+              <a:t> * </a:t>
+            </a:r>
+            <a:r>
+              <a:rPr lang="de-DE" sz="1600" dirty="0" err="1">
+                <a:solidFill>
+                  <a:schemeClr val="tx1"/>
+                </a:solidFill>
+                <a:latin typeface="Menlo" panose="020B0609030804020204" pitchFamily="49" charset="0"/>
+              </a:rPr>
+              <a:t>configMINIMAL_STACK_SIZE</a:t>
+            </a:r>
+            <a:r>
+              <a:rPr lang="de-DE" sz="1600" dirty="0">
+                <a:solidFill>
+                  <a:srgbClr val="D4D4D4"/>
+                </a:solidFill>
+                <a:latin typeface="Menlo" panose="020B0609030804020204" pitchFamily="49" charset="0"/>
+              </a:rPr>
+              <a:t>), </a:t>
+            </a:r>
+            <a:r>
+              <a:rPr lang="de-DE" sz="1600" dirty="0">
+                <a:solidFill>
+                  <a:srgbClr val="569CD6"/>
+                </a:solidFill>
+                <a:latin typeface="Menlo" panose="020B0609030804020204" pitchFamily="49" charset="0"/>
+              </a:rPr>
+              <a:t>NULL</a:t>
+            </a:r>
+            <a:r>
+              <a:rPr lang="de-DE" sz="1600" dirty="0">
+                <a:solidFill>
+                  <a:srgbClr val="D4D4D4"/>
+                </a:solidFill>
+                <a:latin typeface="Menlo" panose="020B0609030804020204" pitchFamily="49" charset="0"/>
+              </a:rPr>
+              <a:t>, </a:t>
+            </a:r>
+            <a:r>
+              <a:rPr lang="de-DE" sz="1600" dirty="0">
+                <a:solidFill>
+                  <a:srgbClr val="B5CEA8"/>
+                </a:solidFill>
+                <a:latin typeface="Menlo" panose="020B0609030804020204" pitchFamily="49" charset="0"/>
+              </a:rPr>
+              <a:t>2</a:t>
+            </a:r>
+            <a:r>
+              <a:rPr lang="de-DE" sz="1600" dirty="0">
+                <a:solidFill>
+                  <a:srgbClr val="D4D4D4"/>
+                </a:solidFill>
+                <a:latin typeface="Menlo" panose="020B0609030804020204" pitchFamily="49" charset="0"/>
+              </a:rPr>
+              <a:t>, </a:t>
+            </a:r>
+            <a:r>
+              <a:rPr lang="de-DE" sz="1600" dirty="0">
+                <a:solidFill>
+                  <a:srgbClr val="569CD6"/>
+                </a:solidFill>
+                <a:latin typeface="Menlo" panose="020B0609030804020204" pitchFamily="49" charset="0"/>
+              </a:rPr>
+              <a:t>NULL</a:t>
+            </a:r>
+            <a:r>
+              <a:rPr lang="de-DE" sz="1600" dirty="0">
+                <a:solidFill>
+                  <a:srgbClr val="D4D4D4"/>
+                </a:solidFill>
+                <a:latin typeface="Menlo" panose="020B0609030804020204" pitchFamily="49" charset="0"/>
+              </a:rPr>
+              <a:t>);</a:t>
+            </a:r>
+          </a:p>
+          <a:p>
+            <a:pPr marL="0" indent="0">
+              <a:buFont typeface="Arial" panose="020B0604020202020204" pitchFamily="34" charset="0"/>
+              <a:buNone/>
+            </a:pPr>
+            <a:r>
+              <a:rPr lang="de-DE" sz="1600" dirty="0">
+                <a:solidFill>
+                  <a:srgbClr val="D4D4D4"/>
+                </a:solidFill>
+                <a:latin typeface="Menlo" panose="020B0609030804020204" pitchFamily="49" charset="0"/>
+              </a:rPr>
+              <a:t>}</a:t>
+            </a:r>
+          </a:p>
+          <a:p>
+            <a:pPr marL="0" indent="0">
+              <a:buFont typeface="Arial" panose="020B0604020202020204" pitchFamily="34" charset="0"/>
+              <a:buNone/>
+            </a:pPr>
+            <a:endParaRPr lang="de-DE" sz="1600" dirty="0"/>
           </a:p>
         </p:txBody>
       </p:sp>
     </p:spTree>
     <p:extLst>
       <p:ext uri="{BB962C8B-B14F-4D97-AF65-F5344CB8AC3E}">
-        <p14:creationId xmlns:p14="http://schemas.microsoft.com/office/powerpoint/2010/main" val="3961163006"/>
+        <p14:creationId xmlns:p14="http://schemas.microsoft.com/office/powerpoint/2010/main" val="331199780"/>
       </p:ext>
     </p:extLst>
   </p:cSld>
@@ -9613,15 +8895,7 @@
             </a:br>
             <a:r>
               <a:rPr lang="de-DE" dirty="0"/>
-              <a:t>- </a:t>
-            </a:r>
-            <a:r>
-              <a:rPr lang="de-DE" dirty="0" err="1"/>
-              <a:t>setpoint</a:t>
-            </a:r>
-            <a:r>
-              <a:rPr lang="de-DE" dirty="0"/>
-              <a:t> </a:t>
+              <a:t>- Filter </a:t>
             </a:r>
             <a:r>
               <a:rPr lang="de-DE" dirty="0" err="1"/>
@@ -9660,13 +8934,13 @@
         </p:nvSpPr>
         <p:spPr>
           <a:xfrm>
-            <a:off x="2231136" y="2497368"/>
-            <a:ext cx="7729728" cy="3664282"/>
+            <a:off x="468923" y="2497368"/>
+            <a:ext cx="11254153" cy="3664282"/>
           </a:xfrm>
         </p:spPr>
         <p:txBody>
           <a:bodyPr>
-            <a:normAutofit/>
+            <a:normAutofit fontScale="92500" lnSpcReduction="10000"/>
           </a:bodyPr>
           <a:lstStyle/>
           <a:p>
@@ -9698,7 +8972,7 @@
                 </a:solidFill>
                 <a:latin typeface="Menlo" panose="020B0609030804020204" pitchFamily="49" charset="0"/>
               </a:rPr>
-              <a:t>setsema,portMAX_DELAY</a:t>
+              <a:t>filtsema,portMAX_DELAY</a:t>
             </a:r>
             <a:r>
               <a:rPr lang="de-DE" dirty="0">
@@ -9707,103 +8981,7 @@
                 </a:solidFill>
                 <a:latin typeface="Menlo" panose="020B0609030804020204" pitchFamily="49" charset="0"/>
               </a:rPr>
-              <a:t>);</a:t>
-            </a:r>
-          </a:p>
-          <a:p>
-            <a:pPr marL="0" indent="0">
-              <a:buNone/>
-            </a:pPr>
-            <a:r>
-              <a:rPr lang="de-DE" dirty="0">
-                <a:solidFill>
-                  <a:srgbClr val="D4D4D4"/>
-                </a:solidFill>
-                <a:latin typeface="Menlo" panose="020B0609030804020204" pitchFamily="49" charset="0"/>
-              </a:rPr>
-              <a:t> </a:t>
-            </a:r>
-          </a:p>
-          <a:p>
-            <a:pPr marL="0" indent="0">
-              <a:buNone/>
-            </a:pPr>
-            <a:r>
-              <a:rPr lang="de-DE" dirty="0" err="1">
-                <a:solidFill>
-                  <a:srgbClr val="DCDCAA"/>
-                </a:solidFill>
-                <a:latin typeface="Menlo" panose="020B0609030804020204" pitchFamily="49" charset="0"/>
-              </a:rPr>
-              <a:t>commanderGetSetpoint</a:t>
-            </a:r>
-            <a:r>
-              <a:rPr lang="de-DE" dirty="0">
-                <a:solidFill>
-                  <a:srgbClr val="D4D4D4"/>
-                </a:solidFill>
-                <a:latin typeface="Menlo" panose="020B0609030804020204" pitchFamily="49" charset="0"/>
-              </a:rPr>
-              <a:t>(</a:t>
-            </a:r>
-            <a:r>
-              <a:rPr lang="de-DE" dirty="0">
-                <a:solidFill>
-                  <a:schemeClr val="tx1"/>
-                </a:solidFill>
-                <a:latin typeface="Menlo" panose="020B0609030804020204" pitchFamily="49" charset="0"/>
-              </a:rPr>
-              <a:t>&amp;</a:t>
-            </a:r>
-            <a:r>
-              <a:rPr lang="de-DE" dirty="0" err="1">
-                <a:solidFill>
-                  <a:schemeClr val="tx1"/>
-                </a:solidFill>
-                <a:latin typeface="Menlo" panose="020B0609030804020204" pitchFamily="49" charset="0"/>
-              </a:rPr>
-              <a:t>setpoint</a:t>
-            </a:r>
-            <a:r>
-              <a:rPr lang="de-DE" dirty="0">
-                <a:solidFill>
-                  <a:schemeClr val="tx1"/>
-                </a:solidFill>
-                <a:latin typeface="Menlo" panose="020B0609030804020204" pitchFamily="49" charset="0"/>
-              </a:rPr>
-              <a:t>, tick</a:t>
-            </a:r>
-            <a:r>
-              <a:rPr lang="de-DE" dirty="0">
-                <a:solidFill>
-                  <a:srgbClr val="D4D4D4"/>
-                </a:solidFill>
-                <a:latin typeface="Menlo" panose="020B0609030804020204" pitchFamily="49" charset="0"/>
-              </a:rPr>
-              <a:t>);</a:t>
-            </a:r>
-          </a:p>
-          <a:p>
-            <a:pPr marL="0" indent="0">
-              <a:buNone/>
-            </a:pPr>
-            <a:r>
-              <a:rPr lang="de-DE" dirty="0">
-                <a:solidFill>
-                  <a:schemeClr val="tx1"/>
-                </a:solidFill>
-                <a:latin typeface="Menlo" panose="020B0609030804020204" pitchFamily="49" charset="0"/>
-              </a:rPr>
-              <a:t>tick++</a:t>
-            </a:r>
-            <a:r>
-              <a:rPr lang="de-DE" dirty="0">
-                <a:solidFill>
-                  <a:srgbClr val="D4D4D4"/>
-                </a:solidFill>
-                <a:latin typeface="Menlo" panose="020B0609030804020204" pitchFamily="49" charset="0"/>
-              </a:rPr>
-              <a:t>;</a:t>
+              <a:t>); </a:t>
             </a:r>
           </a:p>
           <a:p>
@@ -9824,6 +9002,767 @@
             <a:r>
               <a:rPr lang="de-DE" dirty="0" err="1">
                 <a:solidFill>
+                  <a:srgbClr val="9CDCFE"/>
+                </a:solidFill>
+                <a:latin typeface="Menlo" panose="020B0609030804020204" pitchFamily="49" charset="0"/>
+              </a:rPr>
+              <a:t>state</a:t>
+            </a:r>
+            <a:r>
+              <a:rPr lang="de-DE" dirty="0" err="1">
+                <a:solidFill>
+                  <a:srgbClr val="D4D4D4"/>
+                </a:solidFill>
+                <a:latin typeface="Menlo" panose="020B0609030804020204" pitchFamily="49" charset="0"/>
+              </a:rPr>
+              <a:t>.</a:t>
+            </a:r>
+            <a:r>
+              <a:rPr lang="de-DE" dirty="0" err="1">
+                <a:solidFill>
+                  <a:srgbClr val="9CDCFE"/>
+                </a:solidFill>
+                <a:latin typeface="Menlo" panose="020B0609030804020204" pitchFamily="49" charset="0"/>
+              </a:rPr>
+              <a:t>pitch</a:t>
+            </a:r>
+            <a:r>
+              <a:rPr lang="de-DE" dirty="0">
+                <a:solidFill>
+                  <a:srgbClr val="D4D4D4"/>
+                </a:solidFill>
+                <a:latin typeface="Menlo" panose="020B0609030804020204" pitchFamily="49" charset="0"/>
+              </a:rPr>
+              <a:t>= (</a:t>
+            </a:r>
+            <a:r>
+              <a:rPr lang="de-DE" dirty="0">
+                <a:solidFill>
+                  <a:srgbClr val="B5CEA8"/>
+                </a:solidFill>
+                <a:latin typeface="Menlo" panose="020B0609030804020204" pitchFamily="49" charset="0"/>
+              </a:rPr>
+              <a:t>1</a:t>
+            </a:r>
+            <a:r>
+              <a:rPr lang="de-DE" dirty="0">
+                <a:solidFill>
+                  <a:srgbClr val="D4D4D4"/>
+                </a:solidFill>
+                <a:latin typeface="Menlo" panose="020B0609030804020204" pitchFamily="49" charset="0"/>
+              </a:rPr>
+              <a:t>-</a:t>
+            </a:r>
+            <a:r>
+              <a:rPr lang="de-DE" dirty="0">
+                <a:solidFill>
+                  <a:schemeClr val="tx1"/>
+                </a:solidFill>
+                <a:latin typeface="Menlo" panose="020B0609030804020204" pitchFamily="49" charset="0"/>
+              </a:rPr>
+              <a:t>gamma</a:t>
+            </a:r>
+            <a:r>
+              <a:rPr lang="de-DE" dirty="0">
+                <a:solidFill>
+                  <a:srgbClr val="D4D4D4"/>
+                </a:solidFill>
+                <a:latin typeface="Menlo" panose="020B0609030804020204" pitchFamily="49" charset="0"/>
+              </a:rPr>
+              <a:t>)*</a:t>
+            </a:r>
+            <a:r>
+              <a:rPr lang="de-DE" dirty="0" err="1">
+                <a:solidFill>
+                  <a:schemeClr val="tx1"/>
+                </a:solidFill>
+                <a:latin typeface="Menlo" panose="020B0609030804020204" pitchFamily="49" charset="0"/>
+              </a:rPr>
+              <a:t>thetaacc</a:t>
+            </a:r>
+            <a:r>
+              <a:rPr lang="de-DE" dirty="0">
+                <a:solidFill>
+                  <a:srgbClr val="D4D4D4"/>
+                </a:solidFill>
+                <a:latin typeface="Menlo" panose="020B0609030804020204" pitchFamily="49" charset="0"/>
+              </a:rPr>
+              <a:t> + </a:t>
+            </a:r>
+            <a:r>
+              <a:rPr lang="de-DE" dirty="0" err="1">
+                <a:solidFill>
+                  <a:schemeClr val="tx1"/>
+                </a:solidFill>
+                <a:latin typeface="Menlo" panose="020B0609030804020204" pitchFamily="49" charset="0"/>
+              </a:rPr>
+              <a:t>gamma</a:t>
+            </a:r>
+            <a:r>
+              <a:rPr lang="de-DE" dirty="0">
+                <a:solidFill>
+                  <a:srgbClr val="D4D4D4"/>
+                </a:solidFill>
+                <a:latin typeface="Menlo" panose="020B0609030804020204" pitchFamily="49" charset="0"/>
+              </a:rPr>
+              <a:t>*(</a:t>
+            </a:r>
+            <a:r>
+              <a:rPr lang="de-DE" dirty="0" err="1">
+                <a:solidFill>
+                  <a:srgbClr val="9CDCFE"/>
+                </a:solidFill>
+                <a:latin typeface="Menlo" panose="020B0609030804020204" pitchFamily="49" charset="0"/>
+              </a:rPr>
+              <a:t>state</a:t>
+            </a:r>
+            <a:r>
+              <a:rPr lang="de-DE" dirty="0" err="1">
+                <a:solidFill>
+                  <a:srgbClr val="D4D4D4"/>
+                </a:solidFill>
+                <a:latin typeface="Menlo" panose="020B0609030804020204" pitchFamily="49" charset="0"/>
+              </a:rPr>
+              <a:t>.</a:t>
+            </a:r>
+            <a:r>
+              <a:rPr lang="de-DE" dirty="0" err="1">
+                <a:solidFill>
+                  <a:srgbClr val="9CDCFE"/>
+                </a:solidFill>
+                <a:latin typeface="Menlo" panose="020B0609030804020204" pitchFamily="49" charset="0"/>
+              </a:rPr>
+              <a:t>pitch</a:t>
+            </a:r>
+            <a:r>
+              <a:rPr lang="de-DE" dirty="0">
+                <a:solidFill>
+                  <a:srgbClr val="D4D4D4"/>
+                </a:solidFill>
+                <a:latin typeface="Menlo" panose="020B0609030804020204" pitchFamily="49" charset="0"/>
+              </a:rPr>
+              <a:t> + </a:t>
+            </a:r>
+            <a:r>
+              <a:rPr lang="de-DE" dirty="0">
+                <a:solidFill>
+                  <a:schemeClr val="tx1"/>
+                </a:solidFill>
+                <a:latin typeface="Menlo" panose="020B0609030804020204" pitchFamily="49" charset="0"/>
+              </a:rPr>
+              <a:t>h</a:t>
+            </a:r>
+            <a:r>
+              <a:rPr lang="de-DE" dirty="0">
+                <a:solidFill>
+                  <a:srgbClr val="D4D4D4"/>
+                </a:solidFill>
+                <a:latin typeface="Menlo" panose="020B0609030804020204" pitchFamily="49" charset="0"/>
+              </a:rPr>
+              <a:t>*</a:t>
+            </a:r>
+            <a:r>
+              <a:rPr lang="de-DE" dirty="0" err="1">
+                <a:solidFill>
+                  <a:srgbClr val="9CDCFE"/>
+                </a:solidFill>
+                <a:latin typeface="Menlo" panose="020B0609030804020204" pitchFamily="49" charset="0"/>
+              </a:rPr>
+              <a:t>sensorData</a:t>
+            </a:r>
+            <a:r>
+              <a:rPr lang="de-DE" dirty="0" err="1">
+                <a:solidFill>
+                  <a:srgbClr val="D4D4D4"/>
+                </a:solidFill>
+                <a:latin typeface="Menlo" panose="020B0609030804020204" pitchFamily="49" charset="0"/>
+              </a:rPr>
+              <a:t>.</a:t>
+            </a:r>
+            <a:r>
+              <a:rPr lang="de-DE" dirty="0" err="1">
+                <a:solidFill>
+                  <a:srgbClr val="9CDCFE"/>
+                </a:solidFill>
+                <a:latin typeface="Menlo" panose="020B0609030804020204" pitchFamily="49" charset="0"/>
+              </a:rPr>
+              <a:t>gyro</a:t>
+            </a:r>
+            <a:r>
+              <a:rPr lang="de-DE" dirty="0" err="1">
+                <a:solidFill>
+                  <a:srgbClr val="D4D4D4"/>
+                </a:solidFill>
+                <a:latin typeface="Menlo" panose="020B0609030804020204" pitchFamily="49" charset="0"/>
+              </a:rPr>
+              <a:t>.</a:t>
+            </a:r>
+            <a:r>
+              <a:rPr lang="de-DE" dirty="0" err="1">
+                <a:solidFill>
+                  <a:srgbClr val="9CDCFE"/>
+                </a:solidFill>
+                <a:latin typeface="Menlo" panose="020B0609030804020204" pitchFamily="49" charset="0"/>
+              </a:rPr>
+              <a:t>y</a:t>
+            </a:r>
+            <a:r>
+              <a:rPr lang="de-DE" dirty="0">
+                <a:solidFill>
+                  <a:srgbClr val="D4D4D4"/>
+                </a:solidFill>
+                <a:latin typeface="Menlo" panose="020B0609030804020204" pitchFamily="49" charset="0"/>
+              </a:rPr>
+              <a:t>);</a:t>
+            </a:r>
+          </a:p>
+          <a:p>
+            <a:pPr marL="0" indent="0">
+              <a:buNone/>
+            </a:pPr>
+            <a:r>
+              <a:rPr lang="de-DE" dirty="0" err="1">
+                <a:solidFill>
+                  <a:srgbClr val="9CDCFE"/>
+                </a:solidFill>
+                <a:latin typeface="Menlo" panose="020B0609030804020204" pitchFamily="49" charset="0"/>
+              </a:rPr>
+              <a:t>state</a:t>
+            </a:r>
+            <a:r>
+              <a:rPr lang="de-DE" dirty="0" err="1">
+                <a:solidFill>
+                  <a:srgbClr val="D4D4D4"/>
+                </a:solidFill>
+                <a:latin typeface="Menlo" panose="020B0609030804020204" pitchFamily="49" charset="0"/>
+              </a:rPr>
+              <a:t>.</a:t>
+            </a:r>
+            <a:r>
+              <a:rPr lang="de-DE" dirty="0" err="1">
+                <a:solidFill>
+                  <a:srgbClr val="9CDCFE"/>
+                </a:solidFill>
+                <a:latin typeface="Menlo" panose="020B0609030804020204" pitchFamily="49" charset="0"/>
+              </a:rPr>
+              <a:t>roll</a:t>
+            </a:r>
+            <a:r>
+              <a:rPr lang="de-DE" dirty="0">
+                <a:solidFill>
+                  <a:srgbClr val="D4D4D4"/>
+                </a:solidFill>
+                <a:latin typeface="Menlo" panose="020B0609030804020204" pitchFamily="49" charset="0"/>
+              </a:rPr>
+              <a:t>= (</a:t>
+            </a:r>
+            <a:r>
+              <a:rPr lang="de-DE" dirty="0">
+                <a:solidFill>
+                  <a:srgbClr val="B5CEA8"/>
+                </a:solidFill>
+                <a:latin typeface="Menlo" panose="020B0609030804020204" pitchFamily="49" charset="0"/>
+              </a:rPr>
+              <a:t>1</a:t>
+            </a:r>
+            <a:r>
+              <a:rPr lang="de-DE" dirty="0">
+                <a:solidFill>
+                  <a:srgbClr val="D4D4D4"/>
+                </a:solidFill>
+                <a:latin typeface="Menlo" panose="020B0609030804020204" pitchFamily="49" charset="0"/>
+              </a:rPr>
+              <a:t>-</a:t>
+            </a:r>
+            <a:r>
+              <a:rPr lang="de-DE" dirty="0">
+                <a:solidFill>
+                  <a:schemeClr val="tx1"/>
+                </a:solidFill>
+                <a:latin typeface="Menlo" panose="020B0609030804020204" pitchFamily="49" charset="0"/>
+              </a:rPr>
+              <a:t>gamma</a:t>
+            </a:r>
+            <a:r>
+              <a:rPr lang="de-DE" dirty="0">
+                <a:solidFill>
+                  <a:srgbClr val="D4D4D4"/>
+                </a:solidFill>
+                <a:latin typeface="Menlo" panose="020B0609030804020204" pitchFamily="49" charset="0"/>
+              </a:rPr>
+              <a:t>)*</a:t>
+            </a:r>
+            <a:r>
+              <a:rPr lang="de-DE" dirty="0" err="1">
+                <a:solidFill>
+                  <a:schemeClr val="tx1"/>
+                </a:solidFill>
+                <a:latin typeface="Menlo" panose="020B0609030804020204" pitchFamily="49" charset="0"/>
+              </a:rPr>
+              <a:t>phiacc</a:t>
+            </a:r>
+            <a:r>
+              <a:rPr lang="de-DE" dirty="0">
+                <a:solidFill>
+                  <a:srgbClr val="D4D4D4"/>
+                </a:solidFill>
+                <a:latin typeface="Menlo" panose="020B0609030804020204" pitchFamily="49" charset="0"/>
+              </a:rPr>
+              <a:t> + </a:t>
+            </a:r>
+            <a:r>
+              <a:rPr lang="de-DE" dirty="0" err="1">
+                <a:solidFill>
+                  <a:schemeClr val="tx1"/>
+                </a:solidFill>
+                <a:latin typeface="Menlo" panose="020B0609030804020204" pitchFamily="49" charset="0"/>
+              </a:rPr>
+              <a:t>gamma</a:t>
+            </a:r>
+            <a:r>
+              <a:rPr lang="de-DE" dirty="0">
+                <a:solidFill>
+                  <a:srgbClr val="D4D4D4"/>
+                </a:solidFill>
+                <a:latin typeface="Menlo" panose="020B0609030804020204" pitchFamily="49" charset="0"/>
+              </a:rPr>
+              <a:t>*(</a:t>
+            </a:r>
+            <a:r>
+              <a:rPr lang="de-DE" dirty="0" err="1">
+                <a:solidFill>
+                  <a:srgbClr val="9CDCFE"/>
+                </a:solidFill>
+                <a:latin typeface="Menlo" panose="020B0609030804020204" pitchFamily="49" charset="0"/>
+              </a:rPr>
+              <a:t>state</a:t>
+            </a:r>
+            <a:r>
+              <a:rPr lang="de-DE" dirty="0" err="1">
+                <a:solidFill>
+                  <a:srgbClr val="D4D4D4"/>
+                </a:solidFill>
+                <a:latin typeface="Menlo" panose="020B0609030804020204" pitchFamily="49" charset="0"/>
+              </a:rPr>
+              <a:t>.</a:t>
+            </a:r>
+            <a:r>
+              <a:rPr lang="de-DE" dirty="0" err="1">
+                <a:solidFill>
+                  <a:srgbClr val="9CDCFE"/>
+                </a:solidFill>
+                <a:latin typeface="Menlo" panose="020B0609030804020204" pitchFamily="49" charset="0"/>
+              </a:rPr>
+              <a:t>roll</a:t>
+            </a:r>
+            <a:r>
+              <a:rPr lang="de-DE" dirty="0">
+                <a:solidFill>
+                  <a:srgbClr val="D4D4D4"/>
+                </a:solidFill>
+                <a:latin typeface="Menlo" panose="020B0609030804020204" pitchFamily="49" charset="0"/>
+              </a:rPr>
+              <a:t> + </a:t>
+            </a:r>
+            <a:r>
+              <a:rPr lang="de-DE" dirty="0">
+                <a:solidFill>
+                  <a:schemeClr val="tx1"/>
+                </a:solidFill>
+                <a:latin typeface="Menlo" panose="020B0609030804020204" pitchFamily="49" charset="0"/>
+              </a:rPr>
+              <a:t>h</a:t>
+            </a:r>
+            <a:r>
+              <a:rPr lang="de-DE" dirty="0">
+                <a:solidFill>
+                  <a:srgbClr val="D4D4D4"/>
+                </a:solidFill>
+                <a:latin typeface="Menlo" panose="020B0609030804020204" pitchFamily="49" charset="0"/>
+              </a:rPr>
+              <a:t>*</a:t>
+            </a:r>
+            <a:r>
+              <a:rPr lang="de-DE" dirty="0" err="1">
+                <a:solidFill>
+                  <a:srgbClr val="9CDCFE"/>
+                </a:solidFill>
+                <a:latin typeface="Menlo" panose="020B0609030804020204" pitchFamily="49" charset="0"/>
+              </a:rPr>
+              <a:t>sensorData</a:t>
+            </a:r>
+            <a:r>
+              <a:rPr lang="de-DE" dirty="0" err="1">
+                <a:solidFill>
+                  <a:srgbClr val="D4D4D4"/>
+                </a:solidFill>
+                <a:latin typeface="Menlo" panose="020B0609030804020204" pitchFamily="49" charset="0"/>
+              </a:rPr>
+              <a:t>.</a:t>
+            </a:r>
+            <a:r>
+              <a:rPr lang="de-DE" dirty="0" err="1">
+                <a:solidFill>
+                  <a:srgbClr val="9CDCFE"/>
+                </a:solidFill>
+                <a:latin typeface="Menlo" panose="020B0609030804020204" pitchFamily="49" charset="0"/>
+              </a:rPr>
+              <a:t>gyro</a:t>
+            </a:r>
+            <a:r>
+              <a:rPr lang="de-DE" dirty="0" err="1">
+                <a:solidFill>
+                  <a:srgbClr val="D4D4D4"/>
+                </a:solidFill>
+                <a:latin typeface="Menlo" panose="020B0609030804020204" pitchFamily="49" charset="0"/>
+              </a:rPr>
+              <a:t>.</a:t>
+            </a:r>
+            <a:r>
+              <a:rPr lang="de-DE" dirty="0" err="1">
+                <a:solidFill>
+                  <a:srgbClr val="9CDCFE"/>
+                </a:solidFill>
+                <a:latin typeface="Menlo" panose="020B0609030804020204" pitchFamily="49" charset="0"/>
+              </a:rPr>
+              <a:t>x</a:t>
+            </a:r>
+            <a:r>
+              <a:rPr lang="de-DE" dirty="0">
+                <a:solidFill>
+                  <a:srgbClr val="D4D4D4"/>
+                </a:solidFill>
+                <a:latin typeface="Menlo" panose="020B0609030804020204" pitchFamily="49" charset="0"/>
+              </a:rPr>
+              <a:t>);</a:t>
+            </a:r>
+          </a:p>
+          <a:p>
+            <a:pPr marL="0" indent="0">
+              <a:buNone/>
+            </a:pPr>
+            <a:r>
+              <a:rPr lang="de-DE" dirty="0" err="1">
+                <a:solidFill>
+                  <a:srgbClr val="9CDCFE"/>
+                </a:solidFill>
+                <a:latin typeface="Menlo" panose="020B0609030804020204" pitchFamily="49" charset="0"/>
+              </a:rPr>
+              <a:t>state</a:t>
+            </a:r>
+            <a:r>
+              <a:rPr lang="de-DE" dirty="0" err="1">
+                <a:solidFill>
+                  <a:srgbClr val="D4D4D4"/>
+                </a:solidFill>
+                <a:latin typeface="Menlo" panose="020B0609030804020204" pitchFamily="49" charset="0"/>
+              </a:rPr>
+              <a:t>.</a:t>
+            </a:r>
+            <a:r>
+              <a:rPr lang="de-DE" dirty="0" err="1">
+                <a:solidFill>
+                  <a:srgbClr val="9CDCFE"/>
+                </a:solidFill>
+                <a:latin typeface="Menlo" panose="020B0609030804020204" pitchFamily="49" charset="0"/>
+              </a:rPr>
+              <a:t>rateRoll</a:t>
+            </a:r>
+            <a:r>
+              <a:rPr lang="de-DE" dirty="0">
+                <a:solidFill>
+                  <a:srgbClr val="D4D4D4"/>
+                </a:solidFill>
+                <a:latin typeface="Menlo" panose="020B0609030804020204" pitchFamily="49" charset="0"/>
+              </a:rPr>
+              <a:t>= </a:t>
+            </a:r>
+            <a:r>
+              <a:rPr lang="de-DE" dirty="0" err="1">
+                <a:solidFill>
+                  <a:srgbClr val="9CDCFE"/>
+                </a:solidFill>
+                <a:latin typeface="Menlo" panose="020B0609030804020204" pitchFamily="49" charset="0"/>
+              </a:rPr>
+              <a:t>sensorData</a:t>
+            </a:r>
+            <a:r>
+              <a:rPr lang="de-DE" dirty="0" err="1">
+                <a:solidFill>
+                  <a:srgbClr val="D4D4D4"/>
+                </a:solidFill>
+                <a:latin typeface="Menlo" panose="020B0609030804020204" pitchFamily="49" charset="0"/>
+              </a:rPr>
+              <a:t>.</a:t>
+            </a:r>
+            <a:r>
+              <a:rPr lang="de-DE" dirty="0" err="1">
+                <a:solidFill>
+                  <a:srgbClr val="9CDCFE"/>
+                </a:solidFill>
+                <a:latin typeface="Menlo" panose="020B0609030804020204" pitchFamily="49" charset="0"/>
+              </a:rPr>
+              <a:t>gyro</a:t>
+            </a:r>
+            <a:r>
+              <a:rPr lang="de-DE" dirty="0" err="1">
+                <a:solidFill>
+                  <a:srgbClr val="D4D4D4"/>
+                </a:solidFill>
+                <a:latin typeface="Menlo" panose="020B0609030804020204" pitchFamily="49" charset="0"/>
+              </a:rPr>
+              <a:t>.</a:t>
+            </a:r>
+            <a:r>
+              <a:rPr lang="de-DE" dirty="0" err="1">
+                <a:solidFill>
+                  <a:srgbClr val="9CDCFE"/>
+                </a:solidFill>
+                <a:latin typeface="Menlo" panose="020B0609030804020204" pitchFamily="49" charset="0"/>
+              </a:rPr>
+              <a:t>x</a:t>
+            </a:r>
+            <a:r>
+              <a:rPr lang="de-DE" dirty="0">
+                <a:solidFill>
+                  <a:srgbClr val="D4D4D4"/>
+                </a:solidFill>
+                <a:latin typeface="Menlo" panose="020B0609030804020204" pitchFamily="49" charset="0"/>
+              </a:rPr>
+              <a:t>;</a:t>
+            </a:r>
+          </a:p>
+          <a:p>
+            <a:pPr marL="0" indent="0">
+              <a:buNone/>
+            </a:pPr>
+            <a:r>
+              <a:rPr lang="de-DE" dirty="0" err="1">
+                <a:solidFill>
+                  <a:srgbClr val="9CDCFE"/>
+                </a:solidFill>
+                <a:latin typeface="Menlo" panose="020B0609030804020204" pitchFamily="49" charset="0"/>
+              </a:rPr>
+              <a:t>state</a:t>
+            </a:r>
+            <a:r>
+              <a:rPr lang="de-DE" dirty="0" err="1">
+                <a:solidFill>
+                  <a:srgbClr val="D4D4D4"/>
+                </a:solidFill>
+                <a:latin typeface="Menlo" panose="020B0609030804020204" pitchFamily="49" charset="0"/>
+              </a:rPr>
+              <a:t>.</a:t>
+            </a:r>
+            <a:r>
+              <a:rPr lang="de-DE" dirty="0" err="1">
+                <a:solidFill>
+                  <a:srgbClr val="9CDCFE"/>
+                </a:solidFill>
+                <a:latin typeface="Menlo" panose="020B0609030804020204" pitchFamily="49" charset="0"/>
+              </a:rPr>
+              <a:t>ratePitch</a:t>
+            </a:r>
+            <a:r>
+              <a:rPr lang="de-DE" dirty="0">
+                <a:solidFill>
+                  <a:srgbClr val="D4D4D4"/>
+                </a:solidFill>
+                <a:latin typeface="Menlo" panose="020B0609030804020204" pitchFamily="49" charset="0"/>
+              </a:rPr>
+              <a:t>= </a:t>
+            </a:r>
+            <a:r>
+              <a:rPr lang="de-DE" dirty="0" err="1">
+                <a:solidFill>
+                  <a:srgbClr val="9CDCFE"/>
+                </a:solidFill>
+                <a:latin typeface="Menlo" panose="020B0609030804020204" pitchFamily="49" charset="0"/>
+              </a:rPr>
+              <a:t>sensorData</a:t>
+            </a:r>
+            <a:r>
+              <a:rPr lang="de-DE" dirty="0" err="1">
+                <a:solidFill>
+                  <a:srgbClr val="D4D4D4"/>
+                </a:solidFill>
+                <a:latin typeface="Menlo" panose="020B0609030804020204" pitchFamily="49" charset="0"/>
+              </a:rPr>
+              <a:t>.</a:t>
+            </a:r>
+            <a:r>
+              <a:rPr lang="de-DE" dirty="0" err="1">
+                <a:solidFill>
+                  <a:srgbClr val="9CDCFE"/>
+                </a:solidFill>
+                <a:latin typeface="Menlo" panose="020B0609030804020204" pitchFamily="49" charset="0"/>
+              </a:rPr>
+              <a:t>gyro</a:t>
+            </a:r>
+            <a:r>
+              <a:rPr lang="de-DE" dirty="0" err="1">
+                <a:solidFill>
+                  <a:srgbClr val="D4D4D4"/>
+                </a:solidFill>
+                <a:latin typeface="Menlo" panose="020B0609030804020204" pitchFamily="49" charset="0"/>
+              </a:rPr>
+              <a:t>.</a:t>
+            </a:r>
+            <a:r>
+              <a:rPr lang="de-DE" dirty="0" err="1">
+                <a:solidFill>
+                  <a:srgbClr val="9CDCFE"/>
+                </a:solidFill>
+                <a:latin typeface="Menlo" panose="020B0609030804020204" pitchFamily="49" charset="0"/>
+              </a:rPr>
+              <a:t>y</a:t>
+            </a:r>
+            <a:r>
+              <a:rPr lang="de-DE" dirty="0">
+                <a:solidFill>
+                  <a:srgbClr val="D4D4D4"/>
+                </a:solidFill>
+                <a:latin typeface="Menlo" panose="020B0609030804020204" pitchFamily="49" charset="0"/>
+              </a:rPr>
+              <a:t>;</a:t>
+            </a:r>
+          </a:p>
+          <a:p>
+            <a:pPr marL="0" indent="0">
+              <a:buNone/>
+            </a:pPr>
+            <a:r>
+              <a:rPr lang="de-DE" dirty="0" err="1">
+                <a:solidFill>
+                  <a:srgbClr val="9CDCFE"/>
+                </a:solidFill>
+                <a:latin typeface="Menlo" panose="020B0609030804020204" pitchFamily="49" charset="0"/>
+              </a:rPr>
+              <a:t>state</a:t>
+            </a:r>
+            <a:r>
+              <a:rPr lang="de-DE" dirty="0" err="1">
+                <a:solidFill>
+                  <a:srgbClr val="D4D4D4"/>
+                </a:solidFill>
+                <a:latin typeface="Menlo" panose="020B0609030804020204" pitchFamily="49" charset="0"/>
+              </a:rPr>
+              <a:t>.</a:t>
+            </a:r>
+            <a:r>
+              <a:rPr lang="de-DE" dirty="0" err="1">
+                <a:solidFill>
+                  <a:srgbClr val="9CDCFE"/>
+                </a:solidFill>
+                <a:latin typeface="Menlo" panose="020B0609030804020204" pitchFamily="49" charset="0"/>
+              </a:rPr>
+              <a:t>rateYaw</a:t>
+            </a:r>
+            <a:r>
+              <a:rPr lang="de-DE" dirty="0">
+                <a:solidFill>
+                  <a:srgbClr val="D4D4D4"/>
+                </a:solidFill>
+                <a:latin typeface="Menlo" panose="020B0609030804020204" pitchFamily="49" charset="0"/>
+              </a:rPr>
+              <a:t>= </a:t>
+            </a:r>
+            <a:r>
+              <a:rPr lang="de-DE" dirty="0" err="1">
+                <a:solidFill>
+                  <a:srgbClr val="9CDCFE"/>
+                </a:solidFill>
+                <a:latin typeface="Menlo" panose="020B0609030804020204" pitchFamily="49" charset="0"/>
+              </a:rPr>
+              <a:t>sensorData</a:t>
+            </a:r>
+            <a:r>
+              <a:rPr lang="de-DE" dirty="0" err="1">
+                <a:solidFill>
+                  <a:srgbClr val="D4D4D4"/>
+                </a:solidFill>
+                <a:latin typeface="Menlo" panose="020B0609030804020204" pitchFamily="49" charset="0"/>
+              </a:rPr>
+              <a:t>.</a:t>
+            </a:r>
+            <a:r>
+              <a:rPr lang="de-DE" dirty="0" err="1">
+                <a:solidFill>
+                  <a:srgbClr val="9CDCFE"/>
+                </a:solidFill>
+                <a:latin typeface="Menlo" panose="020B0609030804020204" pitchFamily="49" charset="0"/>
+              </a:rPr>
+              <a:t>gyro</a:t>
+            </a:r>
+            <a:r>
+              <a:rPr lang="de-DE" dirty="0" err="1">
+                <a:solidFill>
+                  <a:srgbClr val="D4D4D4"/>
+                </a:solidFill>
+                <a:latin typeface="Menlo" panose="020B0609030804020204" pitchFamily="49" charset="0"/>
+              </a:rPr>
+              <a:t>.</a:t>
+            </a:r>
+            <a:r>
+              <a:rPr lang="de-DE" dirty="0" err="1">
+                <a:solidFill>
+                  <a:srgbClr val="9CDCFE"/>
+                </a:solidFill>
+                <a:latin typeface="Menlo" panose="020B0609030804020204" pitchFamily="49" charset="0"/>
+              </a:rPr>
+              <a:t>z</a:t>
+            </a:r>
+            <a:r>
+              <a:rPr lang="de-DE" dirty="0">
+                <a:solidFill>
+                  <a:srgbClr val="D4D4D4"/>
+                </a:solidFill>
+                <a:latin typeface="Menlo" panose="020B0609030804020204" pitchFamily="49" charset="0"/>
+              </a:rPr>
+              <a:t>;</a:t>
+            </a:r>
+          </a:p>
+          <a:p>
+            <a:pPr marL="0" indent="0">
+              <a:buNone/>
+            </a:pPr>
+            <a:r>
+              <a:rPr lang="de-DE" dirty="0">
+                <a:solidFill>
+                  <a:schemeClr val="tx1"/>
+                </a:solidFill>
+                <a:latin typeface="Menlo" panose="020B0609030804020204" pitchFamily="49" charset="0"/>
+              </a:rPr>
+              <a:t>tick++</a:t>
+            </a:r>
+            <a:r>
+              <a:rPr lang="de-DE" dirty="0">
+                <a:solidFill>
+                  <a:srgbClr val="D4D4D4"/>
+                </a:solidFill>
+                <a:latin typeface="Menlo" panose="020B0609030804020204" pitchFamily="49" charset="0"/>
+              </a:rPr>
+              <a:t>;</a:t>
+            </a:r>
+          </a:p>
+          <a:p>
+            <a:pPr marL="0" indent="0">
+              <a:buNone/>
+            </a:pPr>
+            <a:endParaRPr lang="de-DE" dirty="0">
+              <a:solidFill>
+                <a:srgbClr val="D4D4D4"/>
+              </a:solidFill>
+              <a:latin typeface="Menlo" panose="020B0609030804020204" pitchFamily="49" charset="0"/>
+            </a:endParaRPr>
+          </a:p>
+          <a:p>
+            <a:pPr marL="0" indent="0">
+              <a:buNone/>
+            </a:pPr>
+            <a:r>
+              <a:rPr lang="de-DE" dirty="0" err="1">
+                <a:solidFill>
                   <a:srgbClr val="DCDCAA"/>
                 </a:solidFill>
                 <a:latin typeface="Menlo" panose="020B0609030804020204" pitchFamily="49" charset="0"/>
@@ -9846,7 +9785,7 @@
                 </a:solidFill>
                 <a:latin typeface="Menlo" panose="020B0609030804020204" pitchFamily="49" charset="0"/>
               </a:rPr>
-              <a:t>setsema</a:t>
+              <a:t>filtsema</a:t>
             </a:r>
             <a:r>
               <a:rPr lang="de-DE" dirty="0">
@@ -9869,7 +9808,7 @@
     </p:spTree>
     <p:extLst>
       <p:ext uri="{BB962C8B-B14F-4D97-AF65-F5344CB8AC3E}">
-        <p14:creationId xmlns:p14="http://schemas.microsoft.com/office/powerpoint/2010/main" val="2179710947"/>
+        <p14:creationId xmlns:p14="http://schemas.microsoft.com/office/powerpoint/2010/main" val="3961163006"/>
       </p:ext>
     </p:extLst>
   </p:cSld>
@@ -9930,6 +9869,323 @@
             </a:br>
             <a:r>
               <a:rPr lang="de-DE" dirty="0"/>
+              <a:t>- </a:t>
+            </a:r>
+            <a:r>
+              <a:rPr lang="de-DE" dirty="0" err="1"/>
+              <a:t>setpoint</a:t>
+            </a:r>
+            <a:r>
+              <a:rPr lang="de-DE" dirty="0"/>
+              <a:t> </a:t>
+            </a:r>
+            <a:r>
+              <a:rPr lang="de-DE" dirty="0" err="1"/>
+              <a:t>function</a:t>
+            </a:r>
+            <a:r>
+              <a:rPr lang="de-DE" dirty="0"/>
+              <a:t> </a:t>
+            </a:r>
+            <a:r>
+              <a:rPr lang="de-DE" dirty="0" err="1"/>
+              <a:t>semaphores</a:t>
+            </a:r>
+            <a:r>
+              <a:rPr lang="de-DE" dirty="0"/>
+              <a:t> -</a:t>
+            </a:r>
+          </a:p>
+        </p:txBody>
+      </p:sp>
+      <p:sp>
+        <p:nvSpPr>
+          <p:cNvPr id="6" name="Inhaltsplatzhalter 5">
+            <a:extLst>
+              <a:ext uri="{FF2B5EF4-FFF2-40B4-BE49-F238E27FC236}">
+                <a16:creationId xmlns:a16="http://schemas.microsoft.com/office/drawing/2014/main" id="{7A4B3519-7053-4F4A-9704-0D8536946FB3}"/>
+              </a:ext>
+            </a:extLst>
+          </p:cNvPr>
+          <p:cNvSpPr>
+            <a:spLocks noGrp="1"/>
+          </p:cNvSpPr>
+          <p:nvPr>
+            <p:ph idx="1"/>
+          </p:nvPr>
+        </p:nvSpPr>
+        <p:spPr>
+          <a:xfrm>
+            <a:off x="2231136" y="2497368"/>
+            <a:ext cx="7729728" cy="3664282"/>
+          </a:xfrm>
+        </p:spPr>
+        <p:txBody>
+          <a:bodyPr>
+            <a:normAutofit/>
+          </a:bodyPr>
+          <a:lstStyle/>
+          <a:p>
+            <a:pPr marL="0" indent="0">
+              <a:buNone/>
+            </a:pPr>
+            <a:r>
+              <a:rPr lang="de-DE" dirty="0" err="1">
+                <a:solidFill>
+                  <a:srgbClr val="DCDCAA"/>
+                </a:solidFill>
+                <a:latin typeface="Menlo" panose="020B0609030804020204" pitchFamily="49" charset="0"/>
+              </a:rPr>
+              <a:t>xSemaphoreTake</a:t>
+            </a:r>
+            <a:r>
+              <a:rPr lang="de-DE" dirty="0">
+                <a:solidFill>
+                  <a:srgbClr val="D4D4D4"/>
+                </a:solidFill>
+                <a:latin typeface="Menlo" panose="020B0609030804020204" pitchFamily="49" charset="0"/>
+              </a:rPr>
+              <a:t>(</a:t>
+            </a:r>
+            <a:r>
+              <a:rPr lang="de-DE" dirty="0" err="1">
+                <a:solidFill>
+                  <a:schemeClr val="tx1"/>
+                </a:solidFill>
+                <a:latin typeface="Menlo" panose="020B0609030804020204" pitchFamily="49" charset="0"/>
+              </a:rPr>
+              <a:t>setsema,portMAX_DELAY</a:t>
+            </a:r>
+            <a:r>
+              <a:rPr lang="de-DE" dirty="0">
+                <a:solidFill>
+                  <a:srgbClr val="D4D4D4"/>
+                </a:solidFill>
+                <a:latin typeface="Menlo" panose="020B0609030804020204" pitchFamily="49" charset="0"/>
+              </a:rPr>
+              <a:t>);</a:t>
+            </a:r>
+          </a:p>
+          <a:p>
+            <a:pPr marL="0" indent="0">
+              <a:buNone/>
+            </a:pPr>
+            <a:r>
+              <a:rPr lang="de-DE" dirty="0">
+                <a:solidFill>
+                  <a:srgbClr val="D4D4D4"/>
+                </a:solidFill>
+                <a:latin typeface="Menlo" panose="020B0609030804020204" pitchFamily="49" charset="0"/>
+              </a:rPr>
+              <a:t> </a:t>
+            </a:r>
+          </a:p>
+          <a:p>
+            <a:pPr marL="0" indent="0">
+              <a:buNone/>
+            </a:pPr>
+            <a:r>
+              <a:rPr lang="de-DE" dirty="0" err="1">
+                <a:solidFill>
+                  <a:srgbClr val="DCDCAA"/>
+                </a:solidFill>
+                <a:latin typeface="Menlo" panose="020B0609030804020204" pitchFamily="49" charset="0"/>
+              </a:rPr>
+              <a:t>commanderGetSetpoint</a:t>
+            </a:r>
+            <a:r>
+              <a:rPr lang="de-DE" dirty="0">
+                <a:solidFill>
+                  <a:srgbClr val="D4D4D4"/>
+                </a:solidFill>
+                <a:latin typeface="Menlo" panose="020B0609030804020204" pitchFamily="49" charset="0"/>
+              </a:rPr>
+              <a:t>(</a:t>
+            </a:r>
+            <a:r>
+              <a:rPr lang="de-DE" dirty="0">
+                <a:solidFill>
+                  <a:schemeClr val="tx1"/>
+                </a:solidFill>
+                <a:latin typeface="Menlo" panose="020B0609030804020204" pitchFamily="49" charset="0"/>
+              </a:rPr>
+              <a:t>&amp;</a:t>
+            </a:r>
+            <a:r>
+              <a:rPr lang="de-DE" dirty="0" err="1">
+                <a:solidFill>
+                  <a:schemeClr val="tx1"/>
+                </a:solidFill>
+                <a:latin typeface="Menlo" panose="020B0609030804020204" pitchFamily="49" charset="0"/>
+              </a:rPr>
+              <a:t>setpoint</a:t>
+            </a:r>
+            <a:r>
+              <a:rPr lang="de-DE" dirty="0">
+                <a:solidFill>
+                  <a:schemeClr val="tx1"/>
+                </a:solidFill>
+                <a:latin typeface="Menlo" panose="020B0609030804020204" pitchFamily="49" charset="0"/>
+              </a:rPr>
+              <a:t>, tick</a:t>
+            </a:r>
+            <a:r>
+              <a:rPr lang="de-DE" dirty="0">
+                <a:solidFill>
+                  <a:srgbClr val="D4D4D4"/>
+                </a:solidFill>
+                <a:latin typeface="Menlo" panose="020B0609030804020204" pitchFamily="49" charset="0"/>
+              </a:rPr>
+              <a:t>);</a:t>
+            </a:r>
+          </a:p>
+          <a:p>
+            <a:pPr marL="0" indent="0">
+              <a:buNone/>
+            </a:pPr>
+            <a:r>
+              <a:rPr lang="de-DE" dirty="0">
+                <a:solidFill>
+                  <a:schemeClr val="tx1"/>
+                </a:solidFill>
+                <a:latin typeface="Menlo" panose="020B0609030804020204" pitchFamily="49" charset="0"/>
+              </a:rPr>
+              <a:t>tick++</a:t>
+            </a:r>
+            <a:r>
+              <a:rPr lang="de-DE" dirty="0">
+                <a:solidFill>
+                  <a:srgbClr val="D4D4D4"/>
+                </a:solidFill>
+                <a:latin typeface="Menlo" panose="020B0609030804020204" pitchFamily="49" charset="0"/>
+              </a:rPr>
+              <a:t>;</a:t>
+            </a:r>
+          </a:p>
+          <a:p>
+            <a:pPr marL="0" indent="0">
+              <a:buNone/>
+            </a:pPr>
+            <a:endParaRPr lang="de-DE" dirty="0">
+              <a:solidFill>
+                <a:srgbClr val="D4D4D4"/>
+              </a:solidFill>
+              <a:latin typeface="Menlo" panose="020B0609030804020204" pitchFamily="49" charset="0"/>
+            </a:endParaRPr>
+          </a:p>
+          <a:p>
+            <a:pPr marL="0" indent="0">
+              <a:buNone/>
+            </a:pPr>
+            <a:r>
+              <a:rPr lang="de-DE" dirty="0" err="1">
+                <a:solidFill>
+                  <a:srgbClr val="DCDCAA"/>
+                </a:solidFill>
+                <a:latin typeface="Menlo" panose="020B0609030804020204" pitchFamily="49" charset="0"/>
+              </a:rPr>
+              <a:t>xSemaphoreGive</a:t>
+            </a:r>
+            <a:r>
+              <a:rPr lang="de-DE" dirty="0">
+                <a:solidFill>
+                  <a:srgbClr val="D4D4D4"/>
+                </a:solidFill>
+                <a:latin typeface="Menlo" panose="020B0609030804020204" pitchFamily="49" charset="0"/>
+              </a:rPr>
+              <a:t>(</a:t>
+            </a:r>
+            <a:r>
+              <a:rPr lang="de-DE" dirty="0" err="1">
+                <a:solidFill>
+                  <a:schemeClr val="tx1"/>
+                </a:solidFill>
+                <a:latin typeface="Menlo" panose="020B0609030804020204" pitchFamily="49" charset="0"/>
+              </a:rPr>
+              <a:t>setsema</a:t>
+            </a:r>
+            <a:r>
+              <a:rPr lang="de-DE" dirty="0">
+                <a:solidFill>
+                  <a:srgbClr val="D4D4D4"/>
+                </a:solidFill>
+                <a:latin typeface="Menlo" panose="020B0609030804020204" pitchFamily="49" charset="0"/>
+              </a:rPr>
+              <a:t>);</a:t>
+            </a:r>
+          </a:p>
+          <a:p>
+            <a:pPr marL="0" indent="0">
+              <a:buNone/>
+            </a:pPr>
+            <a:endParaRPr lang="de-DE" dirty="0"/>
+          </a:p>
+        </p:txBody>
+      </p:sp>
+    </p:spTree>
+    <p:extLst>
+      <p:ext uri="{BB962C8B-B14F-4D97-AF65-F5344CB8AC3E}">
+        <p14:creationId xmlns:p14="http://schemas.microsoft.com/office/powerpoint/2010/main" val="2179710947"/>
+      </p:ext>
+    </p:extLst>
+  </p:cSld>
+  <p:clrMapOvr>
+    <a:masterClrMapping/>
+  </p:clrMapOvr>
+</p:sld>
+</file>
+
+<file path=ppt/slides/slide15.xml><?xml version="1.0" encoding="utf-8"?>
+<p:sld xmlns:a="http://schemas.openxmlformats.org/drawingml/2006/main" xmlns:r="http://schemas.openxmlformats.org/officeDocument/2006/relationships" xmlns:p="http://schemas.openxmlformats.org/presentationml/2006/main">
+  <p:cSld>
+    <p:spTree>
+      <p:nvGrpSpPr>
+        <p:cNvPr id="1" name=""/>
+        <p:cNvGrpSpPr/>
+        <p:nvPr/>
+      </p:nvGrpSpPr>
+      <p:grpSpPr>
+        <a:xfrm>
+          <a:off x="0" y="0"/>
+          <a:ext cx="0" cy="0"/>
+          <a:chOff x="0" y="0"/>
+          <a:chExt cx="0" cy="0"/>
+        </a:xfrm>
+      </p:grpSpPr>
+      <p:sp>
+        <p:nvSpPr>
+          <p:cNvPr id="2" name="Titel 1">
+            <a:extLst>
+              <a:ext uri="{FF2B5EF4-FFF2-40B4-BE49-F238E27FC236}">
+                <a16:creationId xmlns:a16="http://schemas.microsoft.com/office/drawing/2014/main" id="{BA3027A2-7564-7A4F-B4F8-5EF3DF79167E}"/>
+              </a:ext>
+            </a:extLst>
+          </p:cNvPr>
+          <p:cNvSpPr>
+            <a:spLocks noGrp="1"/>
+          </p:cNvSpPr>
+          <p:nvPr>
+            <p:ph type="title"/>
+          </p:nvPr>
+        </p:nvSpPr>
+        <p:spPr/>
+        <p:txBody>
+          <a:bodyPr/>
+          <a:lstStyle/>
+          <a:p>
+            <a:r>
+              <a:rPr lang="de-DE" dirty="0"/>
+              <a:t>C-code </a:t>
+            </a:r>
+            <a:r>
+              <a:rPr lang="de-DE" dirty="0" err="1"/>
+              <a:t>implementation</a:t>
+            </a:r>
+            <a:br>
+              <a:rPr lang="de-DE" dirty="0"/>
+            </a:br>
+            <a:r>
+              <a:rPr lang="de-DE" dirty="0"/>
               <a:t>- Control </a:t>
             </a:r>
             <a:r>
@@ -10675,7 +10931,7 @@
 </p:sld>
 </file>
 
-<file path=ppt/slides/slide15.xml><?xml version="1.0" encoding="utf-8"?>
+<file path=ppt/slides/slide16.xml><?xml version="1.0" encoding="utf-8"?>
 <p:sld xmlns:a="http://schemas.openxmlformats.org/drawingml/2006/main" xmlns:r="http://schemas.openxmlformats.org/officeDocument/2006/relationships" xmlns:p="http://schemas.openxmlformats.org/presentationml/2006/main">
   <p:cSld>
     <p:bg>
@@ -10828,7 +11084,7 @@
 </p:sld>
 </file>
 
-<file path=ppt/slides/slide16.xml><?xml version="1.0" encoding="utf-8"?>
+<file path=ppt/slides/slide17.xml><?xml version="1.0" encoding="utf-8"?>
 <p:sld xmlns:a="http://schemas.openxmlformats.org/drawingml/2006/main" xmlns:r="http://schemas.openxmlformats.org/officeDocument/2006/relationships" xmlns:p="http://schemas.openxmlformats.org/presentationml/2006/main">
   <p:cSld>
     <p:bg>
@@ -11572,6 +11828,252 @@
           <p:cNvPr id="2" name="Rubrik 1">
             <a:extLst>
               <a:ext uri="{FF2B5EF4-FFF2-40B4-BE49-F238E27FC236}">
+                <a16:creationId xmlns:a16="http://schemas.microsoft.com/office/drawing/2014/main" id="{D41F9850-D511-4FED-8E9C-DFAF71B9CF9C}"/>
+              </a:ext>
+            </a:extLst>
+          </p:cNvPr>
+          <p:cNvSpPr>
+            <a:spLocks noGrp="1"/>
+          </p:cNvSpPr>
+          <p:nvPr>
+            <p:ph type="title"/>
+          </p:nvPr>
+        </p:nvSpPr>
+        <p:spPr/>
+        <p:txBody>
+          <a:bodyPr/>
+          <a:lstStyle/>
+          <a:p>
+            <a:r>
+              <a:rPr lang="sv-SE" dirty="0" err="1"/>
+              <a:t>Discretization</a:t>
+            </a:r>
+            <a:r>
+              <a:rPr lang="sv-SE"/>
+              <a:t>, LQR </a:t>
+            </a:r>
+            <a:r>
+              <a:rPr lang="sv-SE" dirty="0"/>
+              <a:t>Design</a:t>
+            </a:r>
+          </a:p>
+        </p:txBody>
+      </p:sp>
+      <p:pic>
+        <p:nvPicPr>
+          <p:cNvPr id="10" name="Platshållare för innehåll 4">
+            <a:extLst>
+              <a:ext uri="{FF2B5EF4-FFF2-40B4-BE49-F238E27FC236}">
+                <a16:creationId xmlns:a16="http://schemas.microsoft.com/office/drawing/2014/main" id="{FB98E796-2C21-4310-A183-960C633BB7F5}"/>
+              </a:ext>
+            </a:extLst>
+          </p:cNvPr>
+          <p:cNvPicPr>
+            <a:picLocks noChangeAspect="1"/>
+          </p:cNvPicPr>
+          <p:nvPr/>
+        </p:nvPicPr>
+        <p:blipFill>
+          <a:blip r:embed="rId2"/>
+          <a:stretch>
+            <a:fillRect/>
+          </a:stretch>
+        </p:blipFill>
+        <p:spPr>
+          <a:xfrm>
+            <a:off x="996331" y="2638046"/>
+            <a:ext cx="2606266" cy="1040727"/>
+          </a:xfrm>
+          <a:prstGeom prst="rect">
+            <a:avLst/>
+          </a:prstGeom>
+        </p:spPr>
+      </p:pic>
+      <p:pic>
+        <p:nvPicPr>
+          <p:cNvPr id="12" name="Platshållare för innehåll 4">
+            <a:extLst>
+              <a:ext uri="{FF2B5EF4-FFF2-40B4-BE49-F238E27FC236}">
+                <a16:creationId xmlns:a16="http://schemas.microsoft.com/office/drawing/2014/main" id="{1C4E3E13-6B18-4A58-85B7-07839D386393}"/>
+              </a:ext>
+            </a:extLst>
+          </p:cNvPr>
+          <p:cNvPicPr>
+            <a:picLocks noChangeAspect="1"/>
+          </p:cNvPicPr>
+          <p:nvPr/>
+        </p:nvPicPr>
+        <p:blipFill>
+          <a:blip r:embed="rId3"/>
+          <a:stretch>
+            <a:fillRect/>
+          </a:stretch>
+        </p:blipFill>
+        <p:spPr>
+          <a:xfrm>
+            <a:off x="3612639" y="2638046"/>
+            <a:ext cx="4966721" cy="1040725"/>
+          </a:xfrm>
+          <a:prstGeom prst="rect">
+            <a:avLst/>
+          </a:prstGeom>
+        </p:spPr>
+      </p:pic>
+      <p:pic>
+        <p:nvPicPr>
+          <p:cNvPr id="13" name="Platshållare för innehåll 4">
+            <a:extLst>
+              <a:ext uri="{FF2B5EF4-FFF2-40B4-BE49-F238E27FC236}">
+                <a16:creationId xmlns:a16="http://schemas.microsoft.com/office/drawing/2014/main" id="{70954DF7-7DCD-42B4-9D40-9A84E2CED471}"/>
+              </a:ext>
+            </a:extLst>
+          </p:cNvPr>
+          <p:cNvPicPr>
+            <a:picLocks noChangeAspect="1"/>
+          </p:cNvPicPr>
+          <p:nvPr/>
+        </p:nvPicPr>
+        <p:blipFill>
+          <a:blip r:embed="rId4"/>
+          <a:stretch>
+            <a:fillRect/>
+          </a:stretch>
+        </p:blipFill>
+        <p:spPr>
+          <a:xfrm>
+            <a:off x="8579360" y="2638046"/>
+            <a:ext cx="2910647" cy="1040725"/>
+          </a:xfrm>
+          <a:prstGeom prst="rect">
+            <a:avLst/>
+          </a:prstGeom>
+        </p:spPr>
+      </p:pic>
+      <p:pic>
+        <p:nvPicPr>
+          <p:cNvPr id="14" name="Platshållare för innehåll 4">
+            <a:extLst>
+              <a:ext uri="{FF2B5EF4-FFF2-40B4-BE49-F238E27FC236}">
+                <a16:creationId xmlns:a16="http://schemas.microsoft.com/office/drawing/2014/main" id="{44CBC29E-4E19-4AAD-8435-802290825420}"/>
+              </a:ext>
+            </a:extLst>
+          </p:cNvPr>
+          <p:cNvPicPr>
+            <a:picLocks noChangeAspect="1"/>
+          </p:cNvPicPr>
+          <p:nvPr/>
+        </p:nvPicPr>
+        <p:blipFill>
+          <a:blip r:embed="rId5"/>
+          <a:stretch>
+            <a:fillRect/>
+          </a:stretch>
+        </p:blipFill>
+        <p:spPr>
+          <a:xfrm>
+            <a:off x="491861" y="4783986"/>
+            <a:ext cx="2606266" cy="885837"/>
+          </a:xfrm>
+          <a:prstGeom prst="rect">
+            <a:avLst/>
+          </a:prstGeom>
+        </p:spPr>
+      </p:pic>
+      <p:pic>
+        <p:nvPicPr>
+          <p:cNvPr id="15" name="Platshållare för innehåll 4">
+            <a:extLst>
+              <a:ext uri="{FF2B5EF4-FFF2-40B4-BE49-F238E27FC236}">
+                <a16:creationId xmlns:a16="http://schemas.microsoft.com/office/drawing/2014/main" id="{DBFC9BAB-4610-4C7C-B9A2-B8A8DF73A83A}"/>
+              </a:ext>
+            </a:extLst>
+          </p:cNvPr>
+          <p:cNvPicPr>
+            <a:picLocks noChangeAspect="1"/>
+          </p:cNvPicPr>
+          <p:nvPr/>
+        </p:nvPicPr>
+        <p:blipFill>
+          <a:blip r:embed="rId6"/>
+          <a:stretch>
+            <a:fillRect/>
+          </a:stretch>
+        </p:blipFill>
+        <p:spPr>
+          <a:xfrm>
+            <a:off x="3098127" y="4643845"/>
+            <a:ext cx="4632248" cy="1040725"/>
+          </a:xfrm>
+          <a:prstGeom prst="rect">
+            <a:avLst/>
+          </a:prstGeom>
+        </p:spPr>
+      </p:pic>
+      <p:pic>
+        <p:nvPicPr>
+          <p:cNvPr id="16" name="Platshållare för innehåll 4">
+            <a:extLst>
+              <a:ext uri="{FF2B5EF4-FFF2-40B4-BE49-F238E27FC236}">
+                <a16:creationId xmlns:a16="http://schemas.microsoft.com/office/drawing/2014/main" id="{4A662725-A998-4EB0-AC10-4F3EF98DD6CC}"/>
+              </a:ext>
+            </a:extLst>
+          </p:cNvPr>
+          <p:cNvPicPr>
+            <a:picLocks noChangeAspect="1"/>
+          </p:cNvPicPr>
+          <p:nvPr/>
+        </p:nvPicPr>
+        <p:blipFill>
+          <a:blip r:embed="rId7"/>
+          <a:stretch>
+            <a:fillRect/>
+          </a:stretch>
+        </p:blipFill>
+        <p:spPr>
+          <a:xfrm>
+            <a:off x="7730375" y="4629099"/>
+            <a:ext cx="4461625" cy="1040724"/>
+          </a:xfrm>
+          <a:prstGeom prst="rect">
+            <a:avLst/>
+          </a:prstGeom>
+        </p:spPr>
+      </p:pic>
+    </p:spTree>
+    <p:extLst>
+      <p:ext uri="{BB962C8B-B14F-4D97-AF65-F5344CB8AC3E}">
+        <p14:creationId xmlns:p14="http://schemas.microsoft.com/office/powerpoint/2010/main" val="2736668252"/>
+      </p:ext>
+    </p:extLst>
+  </p:cSld>
+  <p:clrMapOvr>
+    <a:masterClrMapping/>
+  </p:clrMapOvr>
+</p:sld>
+</file>
+
+<file path=ppt/slides/slide7.xml><?xml version="1.0" encoding="utf-8"?>
+<p:sld xmlns:a="http://schemas.openxmlformats.org/drawingml/2006/main" xmlns:r="http://schemas.openxmlformats.org/officeDocument/2006/relationships" xmlns:p="http://schemas.openxmlformats.org/presentationml/2006/main">
+  <p:cSld>
+    <p:spTree>
+      <p:nvGrpSpPr>
+        <p:cNvPr id="1" name=""/>
+        <p:cNvGrpSpPr/>
+        <p:nvPr/>
+      </p:nvGrpSpPr>
+      <p:grpSpPr>
+        <a:xfrm>
+          <a:off x="0" y="0"/>
+          <a:ext cx="0" cy="0"/>
+          <a:chOff x="0" y="0"/>
+          <a:chExt cx="0" cy="0"/>
+        </a:xfrm>
+      </p:grpSpPr>
+      <p:sp>
+        <p:nvSpPr>
+          <p:cNvPr id="2" name="Rubrik 1">
+            <a:extLst>
+              <a:ext uri="{FF2B5EF4-FFF2-40B4-BE49-F238E27FC236}">
                 <a16:creationId xmlns:a16="http://schemas.microsoft.com/office/drawing/2014/main" id="{94B236A1-3670-460F-9999-29245AB5EA81}"/>
               </a:ext>
             </a:extLst>
@@ -11806,7 +12308,7 @@
 </p:sld>
 </file>
 
-<file path=ppt/slides/slide7.xml><?xml version="1.0" encoding="utf-8"?>
+<file path=ppt/slides/slide8.xml><?xml version="1.0" encoding="utf-8"?>
 <p:sld xmlns:a="http://schemas.openxmlformats.org/drawingml/2006/main" xmlns:r="http://schemas.openxmlformats.org/officeDocument/2006/relationships" xmlns:p="http://schemas.openxmlformats.org/presentationml/2006/main">
   <p:cSld>
     <p:bg>
@@ -12066,7 +12568,7 @@
 </p:sld>
 </file>
 
-<file path=ppt/slides/slide8.xml><?xml version="1.0" encoding="utf-8"?>
+<file path=ppt/slides/slide9.xml><?xml version="1.0" encoding="utf-8"?>
 <p:sld xmlns:a="http://schemas.openxmlformats.org/drawingml/2006/main" xmlns:r="http://schemas.openxmlformats.org/officeDocument/2006/relationships" xmlns:p="http://schemas.openxmlformats.org/presentationml/2006/main">
   <p:cSld>
     <p:bg>
@@ -12402,261 +12904,6 @@
     <p:extLst>
       <p:ext uri="{BB962C8B-B14F-4D97-AF65-F5344CB8AC3E}">
         <p14:creationId xmlns:p14="http://schemas.microsoft.com/office/powerpoint/2010/main" val="2922900679"/>
-      </p:ext>
-    </p:extLst>
-  </p:cSld>
-  <p:clrMapOvr>
-    <a:masterClrMapping/>
-  </p:clrMapOvr>
-</p:sld>
-</file>
-
-<file path=ppt/slides/slide9.xml><?xml version="1.0" encoding="utf-8"?>
-<p:sld xmlns:a="http://schemas.openxmlformats.org/drawingml/2006/main" xmlns:r="http://schemas.openxmlformats.org/officeDocument/2006/relationships" xmlns:p="http://schemas.openxmlformats.org/presentationml/2006/main">
-  <p:cSld>
-    <p:bg>
-      <p:bgPr>
-        <a:solidFill>
-          <a:schemeClr val="bg1"/>
-        </a:solidFill>
-        <a:effectLst/>
-      </p:bgPr>
-    </p:bg>
-    <p:spTree>
-      <p:nvGrpSpPr>
-        <p:cNvPr id="1" name=""/>
-        <p:cNvGrpSpPr/>
-        <p:nvPr/>
-      </p:nvGrpSpPr>
-      <p:grpSpPr>
-        <a:xfrm>
-          <a:off x="0" y="0"/>
-          <a:ext cx="0" cy="0"/>
-          <a:chOff x="0" y="0"/>
-          <a:chExt cx="0" cy="0"/>
-        </a:xfrm>
-      </p:grpSpPr>
-      <p:sp>
-        <p:nvSpPr>
-          <p:cNvPr id="10" name="Rectangle 9">
-            <a:extLst>
-              <a:ext uri="{FF2B5EF4-FFF2-40B4-BE49-F238E27FC236}">
-                <a16:creationId xmlns:a16="http://schemas.microsoft.com/office/drawing/2014/main" id="{4E866FF9-A729-45F0-A163-10E89E871602}"/>
-              </a:ext>
-              <a:ext uri="{C183D7F6-B498-43B3-948B-1728B52AA6E4}">
-                <adec:decorative xmlns:adec="http://schemas.microsoft.com/office/drawing/2017/decorative" val="1"/>
-              </a:ext>
-            </a:extLst>
-          </p:cNvPr>
-          <p:cNvSpPr>
-            <a:spLocks noGrp="1" noRot="1" noChangeAspect="1" noMove="1" noResize="1" noEditPoints="1" noAdjustHandles="1" noChangeArrowheads="1" noChangeShapeType="1" noTextEdit="1"/>
-          </p:cNvSpPr>
-          <p:nvPr>
-            <p:extLst>
-              <p:ext uri="{386F3935-93C4-4BCD-93E2-E3B085C9AB24}">
-                <p16:designElem xmlns:p16="http://schemas.microsoft.com/office/powerpoint/2015/main" val="1"/>
-              </p:ext>
-            </p:extLst>
-          </p:nvPr>
-        </p:nvSpPr>
-        <p:spPr>
-          <a:xfrm>
-            <a:off x="0" y="0"/>
-            <a:ext cx="4738255" cy="6858000"/>
-          </a:xfrm>
-          <a:prstGeom prst="rect">
-            <a:avLst/>
-          </a:prstGeom>
-          <a:solidFill>
-            <a:schemeClr val="accent6">
-              <a:lumMod val="60000"/>
-              <a:lumOff val="40000"/>
-            </a:schemeClr>
-          </a:solidFill>
-          <a:ln>
-            <a:noFill/>
-          </a:ln>
-        </p:spPr>
-        <p:style>
-          <a:lnRef idx="2">
-            <a:schemeClr val="accent1">
-              <a:shade val="50000"/>
-            </a:schemeClr>
-          </a:lnRef>
-          <a:fillRef idx="1">
-            <a:schemeClr val="accent1"/>
-          </a:fillRef>
-          <a:effectRef idx="0">
-            <a:schemeClr val="accent1"/>
-          </a:effectRef>
-          <a:fontRef idx="minor">
-            <a:schemeClr val="lt1"/>
-          </a:fontRef>
-        </p:style>
-        <p:txBody>
-          <a:bodyPr rtlCol="0" anchor="ctr"/>
-          <a:lstStyle/>
-          <a:p>
-            <a:pPr algn="ctr"/>
-            <a:endParaRPr lang="en-US"/>
-          </a:p>
-        </p:txBody>
-      </p:sp>
-      <p:sp>
-        <p:nvSpPr>
-          <p:cNvPr id="2" name="Rubrik 1">
-            <a:extLst>
-              <a:ext uri="{FF2B5EF4-FFF2-40B4-BE49-F238E27FC236}">
-                <a16:creationId xmlns:a16="http://schemas.microsoft.com/office/drawing/2014/main" id="{3EAE79DF-8DCA-4485-97CD-A7891C6303D9}"/>
-              </a:ext>
-            </a:extLst>
-          </p:cNvPr>
-          <p:cNvSpPr>
-            <a:spLocks noGrp="1"/>
-          </p:cNvSpPr>
-          <p:nvPr>
-            <p:ph type="title"/>
-          </p:nvPr>
-        </p:nvSpPr>
-        <p:spPr>
-          <a:xfrm>
-            <a:off x="640080" y="2681105"/>
-            <a:ext cx="3401568" cy="1495794"/>
-          </a:xfrm>
-          <a:solidFill>
-            <a:srgbClr val="FFFFFF"/>
-          </a:solidFill>
-          <a:ln>
-            <a:solidFill>
-              <a:srgbClr val="262626"/>
-            </a:solidFill>
-          </a:ln>
-        </p:spPr>
-        <p:txBody>
-          <a:bodyPr>
-            <a:normAutofit/>
-          </a:bodyPr>
-          <a:lstStyle/>
-          <a:p>
-            <a:r>
-              <a:rPr lang="sv-SE" dirty="0" err="1"/>
-              <a:t>Flying</a:t>
-            </a:r>
-            <a:r>
-              <a:rPr lang="sv-SE" dirty="0"/>
-              <a:t> </a:t>
-            </a:r>
-            <a:r>
-              <a:rPr lang="sv-SE" dirty="0" err="1"/>
-              <a:t>freely</a:t>
-            </a:r>
-            <a:r>
-              <a:rPr lang="sv-SE" dirty="0"/>
-              <a:t> in the </a:t>
-            </a:r>
-            <a:r>
-              <a:rPr lang="sv-SE" dirty="0" err="1"/>
-              <a:t>world</a:t>
-            </a:r>
-            <a:endParaRPr lang="LID4096" dirty="0"/>
-          </a:p>
-        </p:txBody>
-      </p:sp>
-      <p:sp useBgFill="1">
-        <p:nvSpPr>
-          <p:cNvPr id="12" name="Rectangle 11">
-            <a:extLst>
-              <a:ext uri="{FF2B5EF4-FFF2-40B4-BE49-F238E27FC236}">
-                <a16:creationId xmlns:a16="http://schemas.microsoft.com/office/drawing/2014/main" id="{A804366F-2366-4688-98E7-B101C7BC6146}"/>
-              </a:ext>
-              <a:ext uri="{C183D7F6-B498-43B3-948B-1728B52AA6E4}">
-                <adec:decorative xmlns:adec="http://schemas.microsoft.com/office/drawing/2017/decorative" val="1"/>
-              </a:ext>
-            </a:extLst>
-          </p:cNvPr>
-          <p:cNvSpPr>
-            <a:spLocks noGrp="1" noRot="1" noChangeAspect="1" noMove="1" noResize="1" noEditPoints="1" noAdjustHandles="1" noChangeArrowheads="1" noChangeShapeType="1" noTextEdit="1"/>
-          </p:cNvSpPr>
-          <p:nvPr>
-            <p:extLst>
-              <p:ext uri="{386F3935-93C4-4BCD-93E2-E3B085C9AB24}">
-                <p16:designElem xmlns:p16="http://schemas.microsoft.com/office/powerpoint/2015/main" val="1"/>
-              </p:ext>
-            </p:extLst>
-          </p:nvPr>
-        </p:nvSpPr>
-        <p:spPr>
-          <a:xfrm>
-            <a:off x="4753278" y="0"/>
-            <a:ext cx="7438722" cy="6857999"/>
-          </a:xfrm>
-          <a:prstGeom prst="rect">
-            <a:avLst/>
-          </a:prstGeom>
-          <a:ln>
-            <a:noFill/>
-          </a:ln>
-        </p:spPr>
-        <p:style>
-          <a:lnRef idx="2">
-            <a:schemeClr val="accent1">
-              <a:shade val="50000"/>
-            </a:schemeClr>
-          </a:lnRef>
-          <a:fillRef idx="1">
-            <a:schemeClr val="accent1"/>
-          </a:fillRef>
-          <a:effectRef idx="0">
-            <a:schemeClr val="accent1"/>
-          </a:effectRef>
-          <a:fontRef idx="minor">
-            <a:schemeClr val="lt1"/>
-          </a:fontRef>
-        </p:style>
-        <p:txBody>
-          <a:bodyPr rtlCol="0" anchor="ctr"/>
-          <a:lstStyle/>
-          <a:p>
-            <a:pPr algn="ctr"/>
-            <a:endParaRPr lang="en-US"/>
-          </a:p>
-        </p:txBody>
-      </p:sp>
-      <p:graphicFrame>
-        <p:nvGraphicFramePr>
-          <p:cNvPr id="5" name="Platshållare för innehåll 2">
-            <a:extLst>
-              <a:ext uri="{FF2B5EF4-FFF2-40B4-BE49-F238E27FC236}">
-                <a16:creationId xmlns:a16="http://schemas.microsoft.com/office/drawing/2014/main" id="{CC3F6FD6-DC7B-416C-BE97-4762CF292410}"/>
-              </a:ext>
-            </a:extLst>
-          </p:cNvPr>
-          <p:cNvGraphicFramePr>
-            <a:graphicFrameLocks noGrp="1"/>
-          </p:cNvGraphicFramePr>
-          <p:nvPr>
-            <p:ph idx="1"/>
-            <p:extLst>
-              <p:ext uri="{D42A27DB-BD31-4B8C-83A1-F6EECF244321}">
-                <p14:modId xmlns:p14="http://schemas.microsoft.com/office/powerpoint/2010/main" val="828883844"/>
-              </p:ext>
-            </p:extLst>
-          </p:nvPr>
-        </p:nvGraphicFramePr>
-        <p:xfrm>
-          <a:off x="5397500" y="639763"/>
-          <a:ext cx="6151563" cy="5276850"/>
-        </p:xfrm>
-        <a:graphic>
-          <a:graphicData uri="http://schemas.openxmlformats.org/drawingml/2006/diagram">
-            <dgm:relIds xmlns:dgm="http://schemas.openxmlformats.org/drawingml/2006/diagram" xmlns:r="http://schemas.openxmlformats.org/officeDocument/2006/relationships" r:dm="rId2" r:lo="rId3" r:qs="rId4" r:cs="rId5"/>
-          </a:graphicData>
-        </a:graphic>
-      </p:graphicFrame>
-    </p:spTree>
-    <p:extLst>
-      <p:ext uri="{BB962C8B-B14F-4D97-AF65-F5344CB8AC3E}">
-        <p14:creationId xmlns:p14="http://schemas.microsoft.com/office/powerpoint/2010/main" val="2331177368"/>
       </p:ext>
     </p:extLst>
   </p:cSld>

--- a/project_presentation/project_presentation.pptx
+++ b/project_presentation/project_presentation.pptx
@@ -4,6 +4,9 @@
   <p:sldMasterIdLst>
     <p:sldMasterId id="2147483696" r:id="rId1"/>
   </p:sldMasterIdLst>
+  <p:notesMasterIdLst>
+    <p:notesMasterId r:id="rId18"/>
+  </p:notesMasterIdLst>
   <p:sldIdLst>
     <p:sldId id="256" r:id="rId2"/>
     <p:sldId id="257" r:id="rId3"/>
@@ -3902,6 +3905,811 @@
 </dgm:styleDef>
 </file>
 
+<file path=ppt/notesMasters/notesMaster1.xml><?xml version="1.0" encoding="utf-8"?>
+<p:notesMaster xmlns:a="http://schemas.openxmlformats.org/drawingml/2006/main" xmlns:r="http://schemas.openxmlformats.org/officeDocument/2006/relationships" xmlns:p="http://schemas.openxmlformats.org/presentationml/2006/main">
+  <p:cSld>
+    <p:bg>
+      <p:bgRef idx="1001">
+        <a:schemeClr val="bg1"/>
+      </p:bgRef>
+    </p:bg>
+    <p:spTree>
+      <p:nvGrpSpPr>
+        <p:cNvPr id="1" name=""/>
+        <p:cNvGrpSpPr/>
+        <p:nvPr/>
+      </p:nvGrpSpPr>
+      <p:grpSpPr>
+        <a:xfrm>
+          <a:off x="0" y="0"/>
+          <a:ext cx="0" cy="0"/>
+          <a:chOff x="0" y="0"/>
+          <a:chExt cx="0" cy="0"/>
+        </a:xfrm>
+      </p:grpSpPr>
+      <p:sp>
+        <p:nvSpPr>
+          <p:cNvPr id="2" name="Platshållare för sidhuvud 1"/>
+          <p:cNvSpPr>
+            <a:spLocks noGrp="1"/>
+          </p:cNvSpPr>
+          <p:nvPr>
+            <p:ph type="hdr" sz="quarter"/>
+          </p:nvPr>
+        </p:nvSpPr>
+        <p:spPr>
+          <a:xfrm>
+            <a:off x="0" y="0"/>
+            <a:ext cx="2971800" cy="458788"/>
+          </a:xfrm>
+          <a:prstGeom prst="rect">
+            <a:avLst/>
+          </a:prstGeom>
+        </p:spPr>
+        <p:txBody>
+          <a:bodyPr vert="horz" lIns="91440" tIns="45720" rIns="91440" bIns="45720" rtlCol="0"/>
+          <a:lstStyle>
+            <a:lvl1pPr algn="l">
+              <a:defRPr sz="1200"/>
+            </a:lvl1pPr>
+          </a:lstStyle>
+          <a:p>
+            <a:endParaRPr lang="sv-SE"/>
+          </a:p>
+        </p:txBody>
+      </p:sp>
+      <p:sp>
+        <p:nvSpPr>
+          <p:cNvPr id="3" name="Platshållare för datum 2"/>
+          <p:cNvSpPr>
+            <a:spLocks noGrp="1"/>
+          </p:cNvSpPr>
+          <p:nvPr>
+            <p:ph type="dt" idx="1"/>
+          </p:nvPr>
+        </p:nvSpPr>
+        <p:spPr>
+          <a:xfrm>
+            <a:off x="3884613" y="0"/>
+            <a:ext cx="2971800" cy="458788"/>
+          </a:xfrm>
+          <a:prstGeom prst="rect">
+            <a:avLst/>
+          </a:prstGeom>
+        </p:spPr>
+        <p:txBody>
+          <a:bodyPr vert="horz" lIns="91440" tIns="45720" rIns="91440" bIns="45720" rtlCol="0"/>
+          <a:lstStyle>
+            <a:lvl1pPr algn="r">
+              <a:defRPr sz="1200"/>
+            </a:lvl1pPr>
+          </a:lstStyle>
+          <a:p>
+            <a:fld id="{1F2C340B-5A20-4E49-A65C-DDC720F9FD07}" type="datetimeFigureOut">
+              <a:rPr lang="sv-SE" smtClean="0"/>
+              <a:t>2019-05-27</a:t>
+            </a:fld>
+            <a:endParaRPr lang="sv-SE"/>
+          </a:p>
+        </p:txBody>
+      </p:sp>
+      <p:sp>
+        <p:nvSpPr>
+          <p:cNvPr id="4" name="Platshållare för bildobjekt 3"/>
+          <p:cNvSpPr>
+            <a:spLocks noGrp="1" noRot="1" noChangeAspect="1"/>
+          </p:cNvSpPr>
+          <p:nvPr>
+            <p:ph type="sldImg" idx="2"/>
+          </p:nvPr>
+        </p:nvSpPr>
+        <p:spPr>
+          <a:xfrm>
+            <a:off x="685800" y="1143000"/>
+            <a:ext cx="5486400" cy="3086100"/>
+          </a:xfrm>
+          <a:prstGeom prst="rect">
+            <a:avLst/>
+          </a:prstGeom>
+          <a:noFill/>
+          <a:ln w="12700">
+            <a:solidFill>
+              <a:prstClr val="black"/>
+            </a:solidFill>
+          </a:ln>
+        </p:spPr>
+        <p:txBody>
+          <a:bodyPr vert="horz" lIns="91440" tIns="45720" rIns="91440" bIns="45720" rtlCol="0" anchor="ctr"/>
+          <a:lstStyle/>
+          <a:p>
+            <a:endParaRPr lang="sv-SE"/>
+          </a:p>
+        </p:txBody>
+      </p:sp>
+      <p:sp>
+        <p:nvSpPr>
+          <p:cNvPr id="5" name="Platshållare för anteckningar 4"/>
+          <p:cNvSpPr>
+            <a:spLocks noGrp="1"/>
+          </p:cNvSpPr>
+          <p:nvPr>
+            <p:ph type="body" sz="quarter" idx="3"/>
+          </p:nvPr>
+        </p:nvSpPr>
+        <p:spPr>
+          <a:xfrm>
+            <a:off x="685800" y="4400550"/>
+            <a:ext cx="5486400" cy="3600450"/>
+          </a:xfrm>
+          <a:prstGeom prst="rect">
+            <a:avLst/>
+          </a:prstGeom>
+        </p:spPr>
+        <p:txBody>
+          <a:bodyPr vert="horz" lIns="91440" tIns="45720" rIns="91440" bIns="45720" rtlCol="0"/>
+          <a:lstStyle/>
+          <a:p>
+            <a:pPr lvl="0"/>
+            <a:r>
+              <a:rPr lang="sv-SE"/>
+              <a:t>Klicka här för att ändra format på bakgrundstexten</a:t>
+            </a:r>
+          </a:p>
+          <a:p>
+            <a:pPr lvl="1"/>
+            <a:r>
+              <a:rPr lang="sv-SE"/>
+              <a:t>Nivå två</a:t>
+            </a:r>
+          </a:p>
+          <a:p>
+            <a:pPr lvl="2"/>
+            <a:r>
+              <a:rPr lang="sv-SE"/>
+              <a:t>Nivå tre</a:t>
+            </a:r>
+          </a:p>
+          <a:p>
+            <a:pPr lvl="3"/>
+            <a:r>
+              <a:rPr lang="sv-SE"/>
+              <a:t>Nivå fyra</a:t>
+            </a:r>
+          </a:p>
+          <a:p>
+            <a:pPr lvl="4"/>
+            <a:r>
+              <a:rPr lang="sv-SE"/>
+              <a:t>Nivå fem</a:t>
+            </a:r>
+          </a:p>
+        </p:txBody>
+      </p:sp>
+      <p:sp>
+        <p:nvSpPr>
+          <p:cNvPr id="6" name="Platshållare för sidfot 5"/>
+          <p:cNvSpPr>
+            <a:spLocks noGrp="1"/>
+          </p:cNvSpPr>
+          <p:nvPr>
+            <p:ph type="ftr" sz="quarter" idx="4"/>
+          </p:nvPr>
+        </p:nvSpPr>
+        <p:spPr>
+          <a:xfrm>
+            <a:off x="0" y="8685213"/>
+            <a:ext cx="2971800" cy="458787"/>
+          </a:xfrm>
+          <a:prstGeom prst="rect">
+            <a:avLst/>
+          </a:prstGeom>
+        </p:spPr>
+        <p:txBody>
+          <a:bodyPr vert="horz" lIns="91440" tIns="45720" rIns="91440" bIns="45720" rtlCol="0" anchor="b"/>
+          <a:lstStyle>
+            <a:lvl1pPr algn="l">
+              <a:defRPr sz="1200"/>
+            </a:lvl1pPr>
+          </a:lstStyle>
+          <a:p>
+            <a:endParaRPr lang="sv-SE"/>
+          </a:p>
+        </p:txBody>
+      </p:sp>
+      <p:sp>
+        <p:nvSpPr>
+          <p:cNvPr id="7" name="Platshållare för bildnummer 6"/>
+          <p:cNvSpPr>
+            <a:spLocks noGrp="1"/>
+          </p:cNvSpPr>
+          <p:nvPr>
+            <p:ph type="sldNum" sz="quarter" idx="5"/>
+          </p:nvPr>
+        </p:nvSpPr>
+        <p:spPr>
+          <a:xfrm>
+            <a:off x="3884613" y="8685213"/>
+            <a:ext cx="2971800" cy="458787"/>
+          </a:xfrm>
+          <a:prstGeom prst="rect">
+            <a:avLst/>
+          </a:prstGeom>
+        </p:spPr>
+        <p:txBody>
+          <a:bodyPr vert="horz" lIns="91440" tIns="45720" rIns="91440" bIns="45720" rtlCol="0" anchor="b"/>
+          <a:lstStyle>
+            <a:lvl1pPr algn="r">
+              <a:defRPr sz="1200"/>
+            </a:lvl1pPr>
+          </a:lstStyle>
+          <a:p>
+            <a:fld id="{865D67F6-43B3-4C19-A638-5F162327A67C}" type="slidenum">
+              <a:rPr lang="sv-SE" smtClean="0"/>
+              <a:t>‹#›</a:t>
+            </a:fld>
+            <a:endParaRPr lang="sv-SE"/>
+          </a:p>
+        </p:txBody>
+      </p:sp>
+    </p:spTree>
+    <p:extLst>
+      <p:ext uri="{BB962C8B-B14F-4D97-AF65-F5344CB8AC3E}">
+        <p14:creationId xmlns:p14="http://schemas.microsoft.com/office/powerpoint/2010/main" val="1032844850"/>
+      </p:ext>
+    </p:extLst>
+  </p:cSld>
+  <p:clrMap bg1="lt1" tx1="dk1" bg2="lt2" tx2="dk2" accent1="accent1" accent2="accent2" accent3="accent3" accent4="accent4" accent5="accent5" accent6="accent6" hlink="hlink" folHlink="folHlink"/>
+  <p:notesStyle>
+    <a:lvl1pPr marL="0" algn="l" defTabSz="914400" rtl="0" eaLnBrk="1" latinLnBrk="0" hangingPunct="1">
+      <a:defRPr sz="1200" kern="1200">
+        <a:solidFill>
+          <a:schemeClr val="tx1"/>
+        </a:solidFill>
+        <a:latin typeface="+mn-lt"/>
+        <a:ea typeface="+mn-ea"/>
+        <a:cs typeface="+mn-cs"/>
+      </a:defRPr>
+    </a:lvl1pPr>
+    <a:lvl2pPr marL="457200" algn="l" defTabSz="914400" rtl="0" eaLnBrk="1" latinLnBrk="0" hangingPunct="1">
+      <a:defRPr sz="1200" kern="1200">
+        <a:solidFill>
+          <a:schemeClr val="tx1"/>
+        </a:solidFill>
+        <a:latin typeface="+mn-lt"/>
+        <a:ea typeface="+mn-ea"/>
+        <a:cs typeface="+mn-cs"/>
+      </a:defRPr>
+    </a:lvl2pPr>
+    <a:lvl3pPr marL="914400" algn="l" defTabSz="914400" rtl="0" eaLnBrk="1" latinLnBrk="0" hangingPunct="1">
+      <a:defRPr sz="1200" kern="1200">
+        <a:solidFill>
+          <a:schemeClr val="tx1"/>
+        </a:solidFill>
+        <a:latin typeface="+mn-lt"/>
+        <a:ea typeface="+mn-ea"/>
+        <a:cs typeface="+mn-cs"/>
+      </a:defRPr>
+    </a:lvl3pPr>
+    <a:lvl4pPr marL="1371600" algn="l" defTabSz="914400" rtl="0" eaLnBrk="1" latinLnBrk="0" hangingPunct="1">
+      <a:defRPr sz="1200" kern="1200">
+        <a:solidFill>
+          <a:schemeClr val="tx1"/>
+        </a:solidFill>
+        <a:latin typeface="+mn-lt"/>
+        <a:ea typeface="+mn-ea"/>
+        <a:cs typeface="+mn-cs"/>
+      </a:defRPr>
+    </a:lvl4pPr>
+    <a:lvl5pPr marL="1828800" algn="l" defTabSz="914400" rtl="0" eaLnBrk="1" latinLnBrk="0" hangingPunct="1">
+      <a:defRPr sz="1200" kern="1200">
+        <a:solidFill>
+          <a:schemeClr val="tx1"/>
+        </a:solidFill>
+        <a:latin typeface="+mn-lt"/>
+        <a:ea typeface="+mn-ea"/>
+        <a:cs typeface="+mn-cs"/>
+      </a:defRPr>
+    </a:lvl5pPr>
+    <a:lvl6pPr marL="2286000" algn="l" defTabSz="914400" rtl="0" eaLnBrk="1" latinLnBrk="0" hangingPunct="1">
+      <a:defRPr sz="1200" kern="1200">
+        <a:solidFill>
+          <a:schemeClr val="tx1"/>
+        </a:solidFill>
+        <a:latin typeface="+mn-lt"/>
+        <a:ea typeface="+mn-ea"/>
+        <a:cs typeface="+mn-cs"/>
+      </a:defRPr>
+    </a:lvl6pPr>
+    <a:lvl7pPr marL="2743200" algn="l" defTabSz="914400" rtl="0" eaLnBrk="1" latinLnBrk="0" hangingPunct="1">
+      <a:defRPr sz="1200" kern="1200">
+        <a:solidFill>
+          <a:schemeClr val="tx1"/>
+        </a:solidFill>
+        <a:latin typeface="+mn-lt"/>
+        <a:ea typeface="+mn-ea"/>
+        <a:cs typeface="+mn-cs"/>
+      </a:defRPr>
+    </a:lvl7pPr>
+    <a:lvl8pPr marL="3200400" algn="l" defTabSz="914400" rtl="0" eaLnBrk="1" latinLnBrk="0" hangingPunct="1">
+      <a:defRPr sz="1200" kern="1200">
+        <a:solidFill>
+          <a:schemeClr val="tx1"/>
+        </a:solidFill>
+        <a:latin typeface="+mn-lt"/>
+        <a:ea typeface="+mn-ea"/>
+        <a:cs typeface="+mn-cs"/>
+      </a:defRPr>
+    </a:lvl8pPr>
+    <a:lvl9pPr marL="3657600" algn="l" defTabSz="914400" rtl="0" eaLnBrk="1" latinLnBrk="0" hangingPunct="1">
+      <a:defRPr sz="1200" kern="1200">
+        <a:solidFill>
+          <a:schemeClr val="tx1"/>
+        </a:solidFill>
+        <a:latin typeface="+mn-lt"/>
+        <a:ea typeface="+mn-ea"/>
+        <a:cs typeface="+mn-cs"/>
+      </a:defRPr>
+    </a:lvl9pPr>
+  </p:notesStyle>
+</p:notesMaster>
+</file>
+
+<file path=ppt/notesSlides/notesSlide1.xml><?xml version="1.0" encoding="utf-8"?>
+<p:notes xmlns:a="http://schemas.openxmlformats.org/drawingml/2006/main" xmlns:r="http://schemas.openxmlformats.org/officeDocument/2006/relationships" xmlns:p="http://schemas.openxmlformats.org/presentationml/2006/main">
+  <p:cSld>
+    <p:spTree>
+      <p:nvGrpSpPr>
+        <p:cNvPr id="1" name=""/>
+        <p:cNvGrpSpPr/>
+        <p:nvPr/>
+      </p:nvGrpSpPr>
+      <p:grpSpPr>
+        <a:xfrm>
+          <a:off x="0" y="0"/>
+          <a:ext cx="0" cy="0"/>
+          <a:chOff x="0" y="0"/>
+          <a:chExt cx="0" cy="0"/>
+        </a:xfrm>
+      </p:grpSpPr>
+      <p:sp>
+        <p:nvSpPr>
+          <p:cNvPr id="2" name="Platshållare för bildobjekt 1"/>
+          <p:cNvSpPr>
+            <a:spLocks noGrp="1" noRot="1" noChangeAspect="1"/>
+          </p:cNvSpPr>
+          <p:nvPr>
+            <p:ph type="sldImg"/>
+          </p:nvPr>
+        </p:nvSpPr>
+        <p:spPr/>
+      </p:sp>
+      <p:sp>
+        <p:nvSpPr>
+          <p:cNvPr id="3" name="Platshållare för anteckningar 2"/>
+          <p:cNvSpPr>
+            <a:spLocks noGrp="1"/>
+          </p:cNvSpPr>
+          <p:nvPr>
+            <p:ph type="body" idx="1"/>
+          </p:nvPr>
+        </p:nvSpPr>
+        <p:spPr/>
+        <p:txBody>
+          <a:bodyPr/>
+          <a:lstStyle/>
+          <a:p>
+            <a:r>
+              <a:rPr lang="en-GB" dirty="0"/>
+              <a:t>Welcome everyone! we are project group 22, my name is Gustav and this is ..., ..., ... Our drone project can be </a:t>
+            </a:r>
+            <a:r>
+              <a:rPr lang="en-GB" dirty="0" err="1"/>
+              <a:t>sumarized</a:t>
+            </a:r>
+            <a:r>
+              <a:rPr lang="en-GB" dirty="0"/>
+              <a:t> into these different points: (Read points). And we will start with by briefly go over how the plant model was derived.</a:t>
+            </a:r>
+            <a:endParaRPr lang="sv-SE" dirty="0"/>
+          </a:p>
+        </p:txBody>
+      </p:sp>
+      <p:sp>
+        <p:nvSpPr>
+          <p:cNvPr id="4" name="Platshållare för bildnummer 3"/>
+          <p:cNvSpPr>
+            <a:spLocks noGrp="1"/>
+          </p:cNvSpPr>
+          <p:nvPr>
+            <p:ph type="sldNum" sz="quarter" idx="5"/>
+          </p:nvPr>
+        </p:nvSpPr>
+        <p:spPr/>
+        <p:txBody>
+          <a:bodyPr/>
+          <a:lstStyle/>
+          <a:p>
+            <a:fld id="{865D67F6-43B3-4C19-A638-5F162327A67C}" type="slidenum">
+              <a:rPr lang="sv-SE" smtClean="0"/>
+              <a:t>1</a:t>
+            </a:fld>
+            <a:endParaRPr lang="sv-SE"/>
+          </a:p>
+        </p:txBody>
+      </p:sp>
+    </p:spTree>
+    <p:extLst>
+      <p:ext uri="{BB962C8B-B14F-4D97-AF65-F5344CB8AC3E}">
+        <p14:creationId xmlns:p14="http://schemas.microsoft.com/office/powerpoint/2010/main" val="2275038529"/>
+      </p:ext>
+    </p:extLst>
+  </p:cSld>
+  <p:clrMapOvr>
+    <a:masterClrMapping/>
+  </p:clrMapOvr>
+</p:notes>
+</file>
+
+<file path=ppt/notesSlides/notesSlide2.xml><?xml version="1.0" encoding="utf-8"?>
+<p:notes xmlns:a="http://schemas.openxmlformats.org/drawingml/2006/main" xmlns:r="http://schemas.openxmlformats.org/officeDocument/2006/relationships" xmlns:p="http://schemas.openxmlformats.org/presentationml/2006/main">
+  <p:cSld>
+    <p:spTree>
+      <p:nvGrpSpPr>
+        <p:cNvPr id="1" name=""/>
+        <p:cNvGrpSpPr/>
+        <p:nvPr/>
+      </p:nvGrpSpPr>
+      <p:grpSpPr>
+        <a:xfrm>
+          <a:off x="0" y="0"/>
+          <a:ext cx="0" cy="0"/>
+          <a:chOff x="0" y="0"/>
+          <a:chExt cx="0" cy="0"/>
+        </a:xfrm>
+      </p:grpSpPr>
+      <p:sp>
+        <p:nvSpPr>
+          <p:cNvPr id="2" name="Platshållare för bildobjekt 1"/>
+          <p:cNvSpPr>
+            <a:spLocks noGrp="1" noRot="1" noChangeAspect="1"/>
+          </p:cNvSpPr>
+          <p:nvPr>
+            <p:ph type="sldImg"/>
+          </p:nvPr>
+        </p:nvSpPr>
+        <p:spPr/>
+      </p:sp>
+      <p:sp>
+        <p:nvSpPr>
+          <p:cNvPr id="3" name="Platshållare för anteckningar 2"/>
+          <p:cNvSpPr>
+            <a:spLocks noGrp="1"/>
+          </p:cNvSpPr>
+          <p:nvPr>
+            <p:ph type="body" idx="1"/>
+          </p:nvPr>
+        </p:nvSpPr>
+        <p:spPr/>
+        <p:txBody>
+          <a:bodyPr/>
+          <a:lstStyle/>
+          <a:p>
+            <a:r>
+              <a:rPr lang="en-GB" dirty="0"/>
+              <a:t>So, in order to model the drone we used </a:t>
+            </a:r>
+            <a:r>
+              <a:rPr lang="en-GB" dirty="0" err="1"/>
+              <a:t>Simscape</a:t>
+            </a:r>
+            <a:r>
+              <a:rPr lang="en-GB" dirty="0"/>
+              <a:t> to implement these equations that describe the simplified dynamics of the drone. I will not go into much detail about these equations since you all probably did the same thing here. I will just mentioned that when we had implement these equations we were given 2 different cases with given </a:t>
+            </a:r>
+            <a:r>
+              <a:rPr lang="en-GB" dirty="0" err="1"/>
+              <a:t>intputs</a:t>
+            </a:r>
+            <a:r>
+              <a:rPr lang="en-GB" dirty="0"/>
+              <a:t> that were supposed to give some outputs. This was just done in order to check if the implementation had been done correctly, which in our case it was. The next step was to implement a LQR controller, but before we could do that we had to linearize the model. </a:t>
+            </a:r>
+            <a:endParaRPr lang="sv-SE" dirty="0"/>
+          </a:p>
+        </p:txBody>
+      </p:sp>
+      <p:sp>
+        <p:nvSpPr>
+          <p:cNvPr id="4" name="Platshållare för bildnummer 3"/>
+          <p:cNvSpPr>
+            <a:spLocks noGrp="1"/>
+          </p:cNvSpPr>
+          <p:nvPr>
+            <p:ph type="sldNum" sz="quarter" idx="5"/>
+          </p:nvPr>
+        </p:nvSpPr>
+        <p:spPr/>
+        <p:txBody>
+          <a:bodyPr/>
+          <a:lstStyle/>
+          <a:p>
+            <a:fld id="{865D67F6-43B3-4C19-A638-5F162327A67C}" type="slidenum">
+              <a:rPr lang="sv-SE" smtClean="0"/>
+              <a:t>3</a:t>
+            </a:fld>
+            <a:endParaRPr lang="sv-SE"/>
+          </a:p>
+        </p:txBody>
+      </p:sp>
+    </p:spTree>
+    <p:extLst>
+      <p:ext uri="{BB962C8B-B14F-4D97-AF65-F5344CB8AC3E}">
+        <p14:creationId xmlns:p14="http://schemas.microsoft.com/office/powerpoint/2010/main" val="1587430604"/>
+      </p:ext>
+    </p:extLst>
+  </p:cSld>
+  <p:clrMapOvr>
+    <a:masterClrMapping/>
+  </p:clrMapOvr>
+</p:notes>
+</file>
+
+<file path=ppt/notesSlides/notesSlide3.xml><?xml version="1.0" encoding="utf-8"?>
+<p:notes xmlns:a="http://schemas.openxmlformats.org/drawingml/2006/main" xmlns:r="http://schemas.openxmlformats.org/officeDocument/2006/relationships" xmlns:p="http://schemas.openxmlformats.org/presentationml/2006/main">
+  <p:cSld>
+    <p:spTree>
+      <p:nvGrpSpPr>
+        <p:cNvPr id="1" name=""/>
+        <p:cNvGrpSpPr/>
+        <p:nvPr/>
+      </p:nvGrpSpPr>
+      <p:grpSpPr>
+        <a:xfrm>
+          <a:off x="0" y="0"/>
+          <a:ext cx="0" cy="0"/>
+          <a:chOff x="0" y="0"/>
+          <a:chExt cx="0" cy="0"/>
+        </a:xfrm>
+      </p:grpSpPr>
+      <p:sp>
+        <p:nvSpPr>
+          <p:cNvPr id="2" name="Platshållare för bildobjekt 1"/>
+          <p:cNvSpPr>
+            <a:spLocks noGrp="1" noRot="1" noChangeAspect="1"/>
+          </p:cNvSpPr>
+          <p:nvPr>
+            <p:ph type="sldImg"/>
+          </p:nvPr>
+        </p:nvSpPr>
+        <p:spPr/>
+      </p:sp>
+      <p:sp>
+        <p:nvSpPr>
+          <p:cNvPr id="3" name="Platshållare för anteckningar 2"/>
+          <p:cNvSpPr>
+            <a:spLocks noGrp="1"/>
+          </p:cNvSpPr>
+          <p:nvPr>
+            <p:ph type="body" idx="1"/>
+          </p:nvPr>
+        </p:nvSpPr>
+        <p:spPr/>
+        <p:txBody>
+          <a:bodyPr/>
+          <a:lstStyle/>
+          <a:p>
+            <a:r>
+              <a:rPr lang="en-GB" dirty="0"/>
+              <a:t>In order to perform the linearization, we used the </a:t>
+            </a:r>
+            <a:r>
+              <a:rPr lang="en-GB" dirty="0" err="1"/>
+              <a:t>Mathlab</a:t>
+            </a:r>
+            <a:r>
+              <a:rPr lang="en-GB" dirty="0"/>
+              <a:t> tool "Linear analysis toolbox". This tool is very easy to use since you just define the input and the output between what you want to linearize (Show the open loop </a:t>
+            </a:r>
+            <a:r>
+              <a:rPr lang="en-GB" dirty="0" err="1"/>
+              <a:t>simulink</a:t>
+            </a:r>
+            <a:r>
+              <a:rPr lang="en-GB" dirty="0"/>
+              <a:t>). Our linearization point were then </a:t>
+            </a:r>
+            <a:r>
+              <a:rPr lang="en-GB" dirty="0" err="1"/>
+              <a:t>choosen</a:t>
+            </a:r>
+            <a:r>
+              <a:rPr lang="en-GB" dirty="0"/>
+              <a:t> as the point when the drone is just hovering without doing anything else. The reason we choose this point is that this point is were the drone will mainly operate </a:t>
+            </a:r>
+            <a:r>
+              <a:rPr lang="en-GB" dirty="0" err="1"/>
+              <a:t>around.With</a:t>
+            </a:r>
+            <a:r>
+              <a:rPr lang="en-GB" dirty="0"/>
+              <a:t> this point we then performed the linearization to get our A and B matrices. Now our state matrix, A contained 15 states which were the position, velocity, acceleration, angles and angular velocity for directions </a:t>
+            </a:r>
+            <a:r>
+              <a:rPr lang="en-GB" dirty="0" err="1"/>
+              <a:t>x,y</a:t>
+            </a:r>
+            <a:r>
+              <a:rPr lang="en-GB" dirty="0"/>
+              <a:t> and z. However since the goal of the project is to fly the drone using small angular changes, the state vector were simplified to only contain the pitch and roll angle and also the angular </a:t>
+            </a:r>
+            <a:r>
+              <a:rPr lang="en-GB" dirty="0" err="1"/>
+              <a:t>velocities.The</a:t>
+            </a:r>
+            <a:r>
+              <a:rPr lang="en-GB" dirty="0"/>
+              <a:t> final A and B matrices then looked like this (Show matrices). In order to control the drone, the pitch and roll angle need to be controlled, however by checking the B matrix, you can see that the inputs doesn't directly affect the </a:t>
+            </a:r>
+            <a:r>
+              <a:rPr lang="en-GB" dirty="0" err="1"/>
+              <a:t>angles,only</a:t>
+            </a:r>
+            <a:r>
+              <a:rPr lang="en-GB" dirty="0"/>
+              <a:t> the angular </a:t>
+            </a:r>
+            <a:r>
+              <a:rPr lang="en-GB" dirty="0" err="1"/>
+              <a:t>velocites</a:t>
+            </a:r>
+            <a:r>
+              <a:rPr lang="en-GB" dirty="0"/>
+              <a:t>. This shows that in order to change the angles, we need to include the angular velocities in our state vector. </a:t>
+            </a:r>
+            <a:endParaRPr lang="sv-SE" dirty="0"/>
+          </a:p>
+        </p:txBody>
+      </p:sp>
+      <p:sp>
+        <p:nvSpPr>
+          <p:cNvPr id="4" name="Platshållare för bildnummer 3"/>
+          <p:cNvSpPr>
+            <a:spLocks noGrp="1"/>
+          </p:cNvSpPr>
+          <p:nvPr>
+            <p:ph type="sldNum" sz="quarter" idx="5"/>
+          </p:nvPr>
+        </p:nvSpPr>
+        <p:spPr/>
+        <p:txBody>
+          <a:bodyPr/>
+          <a:lstStyle/>
+          <a:p>
+            <a:fld id="{865D67F6-43B3-4C19-A638-5F162327A67C}" type="slidenum">
+              <a:rPr lang="sv-SE" smtClean="0"/>
+              <a:t>4</a:t>
+            </a:fld>
+            <a:endParaRPr lang="sv-SE"/>
+          </a:p>
+        </p:txBody>
+      </p:sp>
+    </p:spTree>
+    <p:extLst>
+      <p:ext uri="{BB962C8B-B14F-4D97-AF65-F5344CB8AC3E}">
+        <p14:creationId xmlns:p14="http://schemas.microsoft.com/office/powerpoint/2010/main" val="508956568"/>
+      </p:ext>
+    </p:extLst>
+  </p:cSld>
+  <p:clrMapOvr>
+    <a:masterClrMapping/>
+  </p:clrMapOvr>
+</p:notes>
+</file>
+
+<file path=ppt/notesSlides/notesSlide4.xml><?xml version="1.0" encoding="utf-8"?>
+<p:notes xmlns:a="http://schemas.openxmlformats.org/drawingml/2006/main" xmlns:r="http://schemas.openxmlformats.org/officeDocument/2006/relationships" xmlns:p="http://schemas.openxmlformats.org/presentationml/2006/main">
+  <p:cSld>
+    <p:spTree>
+      <p:nvGrpSpPr>
+        <p:cNvPr id="1" name=""/>
+        <p:cNvGrpSpPr/>
+        <p:nvPr/>
+      </p:nvGrpSpPr>
+      <p:grpSpPr>
+        <a:xfrm>
+          <a:off x="0" y="0"/>
+          <a:ext cx="0" cy="0"/>
+          <a:chOff x="0" y="0"/>
+          <a:chExt cx="0" cy="0"/>
+        </a:xfrm>
+      </p:grpSpPr>
+      <p:sp>
+        <p:nvSpPr>
+          <p:cNvPr id="2" name="Platshållare för bildobjekt 1"/>
+          <p:cNvSpPr>
+            <a:spLocks noGrp="1" noRot="1" noChangeAspect="1"/>
+          </p:cNvSpPr>
+          <p:nvPr>
+            <p:ph type="sldImg"/>
+          </p:nvPr>
+        </p:nvSpPr>
+        <p:spPr/>
+      </p:sp>
+      <p:sp>
+        <p:nvSpPr>
+          <p:cNvPr id="3" name="Platshållare för anteckningar 2"/>
+          <p:cNvSpPr>
+            <a:spLocks noGrp="1"/>
+          </p:cNvSpPr>
+          <p:nvPr>
+            <p:ph type="body" idx="1"/>
+          </p:nvPr>
+        </p:nvSpPr>
+        <p:spPr/>
+        <p:txBody>
+          <a:bodyPr/>
+          <a:lstStyle/>
+          <a:p>
+            <a:r>
+              <a:rPr lang="en-GB" dirty="0"/>
+              <a:t>At first we also included three additional states, namely integral states for the roll and pitch angle and also for the yaw </a:t>
+            </a:r>
+            <a:r>
+              <a:rPr lang="en-GB" dirty="0" err="1"/>
+              <a:t>rate.Firstly</a:t>
+            </a:r>
+            <a:r>
+              <a:rPr lang="en-GB" dirty="0"/>
+              <a:t> what is integral action? Essentially what it means is that the system is augmented to something that looks like this (Show augmented). Now the state z is the integral between the reference and the output. In order to implement integral action, an additional gain is placed on the input signal. This gain is calculated by this formula (Show) and with the use of the new augmented state space </a:t>
+            </a:r>
+            <a:r>
+              <a:rPr lang="en-GB" dirty="0" err="1"/>
+              <a:t>model.The</a:t>
+            </a:r>
+            <a:r>
+              <a:rPr lang="en-GB" dirty="0"/>
+              <a:t> reason to why we added integral action is that in order to achieve an error that is zero, the input signal needs to be perfectly computed and this requires the plant model to be exact. This is not the case in this project so by adding these integral states, this will result in the error eventually being "pushed" down to zero. These states were later removed however. The reason for this was the number of problems that we encountered with the control design and to minimize the number of possible errors, the integral states were removed since they added another uncertainty to the project. We basically wanted to keep things simple in order to not make any unnecessary mistakes.</a:t>
+            </a:r>
+            <a:endParaRPr lang="sv-SE" dirty="0"/>
+          </a:p>
+        </p:txBody>
+      </p:sp>
+      <p:sp>
+        <p:nvSpPr>
+          <p:cNvPr id="4" name="Platshållare för bildnummer 3"/>
+          <p:cNvSpPr>
+            <a:spLocks noGrp="1"/>
+          </p:cNvSpPr>
+          <p:nvPr>
+            <p:ph type="sldNum" sz="quarter" idx="5"/>
+          </p:nvPr>
+        </p:nvSpPr>
+        <p:spPr/>
+        <p:txBody>
+          <a:bodyPr/>
+          <a:lstStyle/>
+          <a:p>
+            <a:fld id="{865D67F6-43B3-4C19-A638-5F162327A67C}" type="slidenum">
+              <a:rPr lang="sv-SE" smtClean="0"/>
+              <a:t>5</a:t>
+            </a:fld>
+            <a:endParaRPr lang="sv-SE"/>
+          </a:p>
+        </p:txBody>
+      </p:sp>
+    </p:spTree>
+    <p:extLst>
+      <p:ext uri="{BB962C8B-B14F-4D97-AF65-F5344CB8AC3E}">
+        <p14:creationId xmlns:p14="http://schemas.microsoft.com/office/powerpoint/2010/main" val="1964248082"/>
+      </p:ext>
+    </p:extLst>
+  </p:cSld>
+  <p:clrMapOvr>
+    <a:masterClrMapping/>
+  </p:clrMapOvr>
+</p:notes>
+</file>
+
 <file path=ppt/slideLayouts/slideLayout1.xml><?xml version="1.0" encoding="utf-8"?>
 <p:sldLayout xmlns:a="http://schemas.openxmlformats.org/drawingml/2006/main" xmlns:r="http://schemas.openxmlformats.org/officeDocument/2006/relationships" xmlns:p="http://schemas.openxmlformats.org/presentationml/2006/main" type="title" preserve="1">
   <p:cSld name="Titelfolie">
@@ -4065,7 +4873,7 @@
           <a:p>
             <a:fld id="{1160EA64-D806-43AC-9DF2-F8C432F32B4C}" type="datetimeFigureOut">
               <a:rPr lang="en-US" dirty="0"/>
-              <a:t>2019-05-26</a:t>
+              <a:t>5/27/2019</a:t>
             </a:fld>
             <a:endParaRPr lang="en-US" dirty="0"/>
           </a:p>
@@ -4207,7 +5015,7 @@
           <a:p>
             <a:fld id="{E9F9C37B-1D36-470B-8223-D6C91242EC14}" type="datetimeFigureOut">
               <a:rPr lang="en-US" dirty="0"/>
-              <a:t>2019-05-26</a:t>
+              <a:t>5/27/2019</a:t>
             </a:fld>
             <a:endParaRPr lang="en-US" dirty="0"/>
           </a:p>
@@ -4358,7 +5166,7 @@
           <a:p>
             <a:fld id="{67C6F52A-A82B-47A2-A83A-8C4C91F2D59F}" type="datetimeFigureOut">
               <a:rPr lang="en-US" dirty="0"/>
-              <a:t>2019-05-26</a:t>
+              <a:t>5/27/2019</a:t>
             </a:fld>
             <a:endParaRPr lang="en-US" dirty="0"/>
           </a:p>
@@ -4499,7 +5307,7 @@
           <a:p>
             <a:fld id="{F070A7B3-6521-4DCA-87E5-044747A908C1}" type="datetimeFigureOut">
               <a:rPr lang="en-US" dirty="0"/>
-              <a:t>2019-05-26</a:t>
+              <a:t>5/27/2019</a:t>
             </a:fld>
             <a:endParaRPr lang="en-US" dirty="0"/>
           </a:p>
@@ -4768,7 +5576,7 @@
           <a:p>
             <a:fld id="{1160EA64-D806-43AC-9DF2-F8C432F32B4C}" type="datetimeFigureOut">
               <a:rPr lang="en-US" dirty="0"/>
-              <a:t>2019-05-26</a:t>
+              <a:t>5/27/2019</a:t>
             </a:fld>
             <a:endParaRPr lang="en-US" dirty="0"/>
           </a:p>
@@ -4948,7 +5756,7 @@
           <a:p>
             <a:fld id="{AB134690-1557-4C89-A502-4959FE7FAD70}" type="datetimeFigureOut">
               <a:rPr lang="en-US" dirty="0"/>
-              <a:t>2019-05-26</a:t>
+              <a:t>5/27/2019</a:t>
             </a:fld>
             <a:endParaRPr lang="en-US" dirty="0"/>
           </a:p>
@@ -5264,7 +6072,7 @@
           <a:p>
             <a:fld id="{4F7D4976-E339-4826-83B7-FBD03F55ECF8}" type="datetimeFigureOut">
               <a:rPr lang="en-US" dirty="0"/>
-              <a:t>2019-05-26</a:t>
+              <a:t>5/27/2019</a:t>
             </a:fld>
             <a:endParaRPr lang="en-US" dirty="0"/>
           </a:p>
@@ -5400,7 +6208,7 @@
           <a:p>
             <a:fld id="{E1037C31-9E7A-4F99-8774-A0E530DE1A42}" type="datetimeFigureOut">
               <a:rPr lang="en-US" dirty="0"/>
-              <a:t>2019-05-26</a:t>
+              <a:t>5/27/2019</a:t>
             </a:fld>
             <a:endParaRPr lang="en-US" dirty="0"/>
           </a:p>
@@ -5490,7 +6298,7 @@
           <a:p>
             <a:fld id="{C278504F-A551-4DE0-9316-4DCD1D8CC752}" type="datetimeFigureOut">
               <a:rPr lang="en-US" dirty="0"/>
-              <a:t>2019-05-26</a:t>
+              <a:t>5/27/2019</a:t>
             </a:fld>
             <a:endParaRPr lang="en-US" dirty="0"/>
           </a:p>
@@ -5823,7 +6631,7 @@
           <a:p>
             <a:fld id="{D1BE4249-C0D0-4B06-8692-E8BB871AF643}" type="datetimeFigureOut">
               <a:rPr lang="en-US" dirty="0"/>
-              <a:t>2019-05-26</a:t>
+              <a:t>5/27/2019</a:t>
             </a:fld>
             <a:endParaRPr lang="en-US" dirty="0"/>
           </a:p>
@@ -6180,7 +6988,7 @@
           <a:p>
             <a:fld id="{042B0DB6-F5C7-45FB-8CF3-31B45F9C2DAC}" type="datetimeFigureOut">
               <a:rPr lang="en-US" dirty="0"/>
-              <a:t>2019-05-26</a:t>
+              <a:t>5/27/2019</a:t>
             </a:fld>
             <a:endParaRPr lang="en-US" dirty="0"/>
           </a:p>
@@ -6416,7 +7224,7 @@
           <a:p>
             <a:fld id="{1160EA64-D806-43AC-9DF2-F8C432F32B4C}" type="datetimeFigureOut">
               <a:rPr lang="en-US" dirty="0"/>
-              <a:t>2019-05-26</a:t>
+              <a:t>5/27/2019</a:t>
             </a:fld>
             <a:endParaRPr lang="en-US" dirty="0"/>
           </a:p>
@@ -11105,7 +11913,7 @@
           </p:nvPr>
         </p:nvPicPr>
         <p:blipFill>
-          <a:blip r:embed="rId2"/>
+          <a:blip r:embed="rId3"/>
           <a:stretch>
             <a:fillRect/>
           </a:stretch>
@@ -11162,7 +11970,7 @@
           <p:nvPr/>
         </p:nvPicPr>
         <p:blipFill>
-          <a:blip r:embed="rId3"/>
+          <a:blip r:embed="rId4"/>
           <a:stretch>
             <a:fillRect/>
           </a:stretch>
@@ -11192,7 +12000,7 @@
           <p:nvPr/>
         </p:nvPicPr>
         <p:blipFill>
-          <a:blip r:embed="rId4"/>
+          <a:blip r:embed="rId5"/>
           <a:stretch>
             <a:fillRect/>
           </a:stretch>
@@ -11222,7 +12030,7 @@
           <p:nvPr/>
         </p:nvPicPr>
         <p:blipFill>
-          <a:blip r:embed="rId5"/>
+          <a:blip r:embed="rId6"/>
           <a:stretch>
             <a:fillRect/>
           </a:stretch>
@@ -11252,7 +12060,7 @@
           <p:nvPr/>
         </p:nvPicPr>
         <p:blipFill>
-          <a:blip r:embed="rId6"/>
+          <a:blip r:embed="rId7"/>
           <a:stretch>
             <a:fillRect/>
           </a:stretch>
@@ -11347,7 +12155,7 @@
           </p:nvPr>
         </p:nvPicPr>
         <p:blipFill>
-          <a:blip r:embed="rId2"/>
+          <a:blip r:embed="rId3"/>
           <a:stretch>
             <a:fillRect/>
           </a:stretch>
@@ -11435,7 +12243,7 @@
           </p:nvPr>
         </p:nvPicPr>
         <p:blipFill>
-          <a:blip r:embed="rId2"/>
+          <a:blip r:embed="rId3"/>
           <a:stretch>
             <a:fillRect/>
           </a:stretch>
@@ -11462,7 +12270,7 @@
           <p:nvPr/>
         </p:nvPicPr>
         <p:blipFill>
-          <a:blip r:embed="rId3"/>
+          <a:blip r:embed="rId4"/>
           <a:stretch>
             <a:fillRect/>
           </a:stretch>
@@ -11492,7 +12300,7 @@
           <p:nvPr/>
         </p:nvPicPr>
         <p:blipFill>
-          <a:blip r:embed="rId4"/>
+          <a:blip r:embed="rId5"/>
           <a:stretch>
             <a:fillRect/>
           </a:stretch>
@@ -11522,7 +12330,7 @@
           <p:nvPr/>
         </p:nvPicPr>
         <p:blipFill>
-          <a:blip r:embed="rId5"/>
+          <a:blip r:embed="rId6"/>
           <a:stretch>
             <a:fillRect/>
           </a:stretch>
@@ -12924,4 +13732,299 @@
     </a:ext>
   </a:extLst>
 </a:theme>
+</file>
+
+<file path=ppt/theme/theme2.xml><?xml version="1.0" encoding="utf-8"?>
+<a:theme xmlns:a="http://schemas.openxmlformats.org/drawingml/2006/main" name="Office-tema">
+  <a:themeElements>
+    <a:clrScheme name="Office">
+      <a:dk1>
+        <a:sysClr val="windowText" lastClr="000000"/>
+      </a:dk1>
+      <a:lt1>
+        <a:sysClr val="window" lastClr="FFFFFF"/>
+      </a:lt1>
+      <a:dk2>
+        <a:srgbClr val="44546A"/>
+      </a:dk2>
+      <a:lt2>
+        <a:srgbClr val="E7E6E6"/>
+      </a:lt2>
+      <a:accent1>
+        <a:srgbClr val="4472C4"/>
+      </a:accent1>
+      <a:accent2>
+        <a:srgbClr val="ED7D31"/>
+      </a:accent2>
+      <a:accent3>
+        <a:srgbClr val="A5A5A5"/>
+      </a:accent3>
+      <a:accent4>
+        <a:srgbClr val="FFC000"/>
+      </a:accent4>
+      <a:accent5>
+        <a:srgbClr val="5B9BD5"/>
+      </a:accent5>
+      <a:accent6>
+        <a:srgbClr val="70AD47"/>
+      </a:accent6>
+      <a:hlink>
+        <a:srgbClr val="0563C1"/>
+      </a:hlink>
+      <a:folHlink>
+        <a:srgbClr val="954F72"/>
+      </a:folHlink>
+    </a:clrScheme>
+    <a:fontScheme name="Office">
+      <a:majorFont>
+        <a:latin typeface="Calibri Light" panose="020F0302020204030204"/>
+        <a:ea typeface=""/>
+        <a:cs typeface=""/>
+        <a:font script="Jpan" typeface="游ゴシック Light"/>
+        <a:font script="Hang" typeface="맑은 고딕"/>
+        <a:font script="Hans" typeface="等线 Light"/>
+        <a:font script="Hant" typeface="新細明體"/>
+        <a:font script="Arab" typeface="Times New Roman"/>
+        <a:font script="Hebr" typeface="Times New Roman"/>
+        <a:font script="Thai" typeface="Angsana New"/>
+        <a:font script="Ethi" typeface="Nyala"/>
+        <a:font script="Beng" typeface="Vrinda"/>
+        <a:font script="Gujr" typeface="Shruti"/>
+        <a:font script="Khmr" typeface="MoolBoran"/>
+        <a:font script="Knda" typeface="Tunga"/>
+        <a:font script="Guru" typeface="Raavi"/>
+        <a:font script="Cans" typeface="Euphemia"/>
+        <a:font script="Cher" typeface="Plantagenet Cherokee"/>
+        <a:font script="Yiii" typeface="Microsoft Yi Baiti"/>
+        <a:font script="Tibt" typeface="Microsoft Himalaya"/>
+        <a:font script="Thaa" typeface="MV Boli"/>
+        <a:font script="Deva" typeface="Mangal"/>
+        <a:font script="Telu" typeface="Gautami"/>
+        <a:font script="Taml" typeface="Latha"/>
+        <a:font script="Syrc" typeface="Estrangelo Edessa"/>
+        <a:font script="Orya" typeface="Kalinga"/>
+        <a:font script="Mlym" typeface="Kartika"/>
+        <a:font script="Laoo" typeface="DokChampa"/>
+        <a:font script="Sinh" typeface="Iskoola Pota"/>
+        <a:font script="Mong" typeface="Mongolian Baiti"/>
+        <a:font script="Viet" typeface="Times New Roman"/>
+        <a:font script="Uigh" typeface="Microsoft Uighur"/>
+        <a:font script="Geor" typeface="Sylfaen"/>
+        <a:font script="Armn" typeface="Arial"/>
+        <a:font script="Bugi" typeface="Leelawadee UI"/>
+        <a:font script="Bopo" typeface="Microsoft JhengHei"/>
+        <a:font script="Java" typeface="Javanese Text"/>
+        <a:font script="Lisu" typeface="Segoe UI"/>
+        <a:font script="Mymr" typeface="Myanmar Text"/>
+        <a:font script="Nkoo" typeface="Ebrima"/>
+        <a:font script="Olck" typeface="Nirmala UI"/>
+        <a:font script="Osma" typeface="Ebrima"/>
+        <a:font script="Phag" typeface="Phagspa"/>
+        <a:font script="Syrn" typeface="Estrangelo Edessa"/>
+        <a:font script="Syrj" typeface="Estrangelo Edessa"/>
+        <a:font script="Syre" typeface="Estrangelo Edessa"/>
+        <a:font script="Sora" typeface="Nirmala UI"/>
+        <a:font script="Tale" typeface="Microsoft Tai Le"/>
+        <a:font script="Talu" typeface="Microsoft New Tai Lue"/>
+        <a:font script="Tfng" typeface="Ebrima"/>
+      </a:majorFont>
+      <a:minorFont>
+        <a:latin typeface="Calibri" panose="020F0502020204030204"/>
+        <a:ea typeface=""/>
+        <a:cs typeface=""/>
+        <a:font script="Jpan" typeface="游ゴシック"/>
+        <a:font script="Hang" typeface="맑은 고딕"/>
+        <a:font script="Hans" typeface="等线"/>
+        <a:font script="Hant" typeface="新細明體"/>
+        <a:font script="Arab" typeface="Arial"/>
+        <a:font script="Hebr" typeface="Arial"/>
+        <a:font script="Thai" typeface="Cordia New"/>
+        <a:font script="Ethi" typeface="Nyala"/>
+        <a:font script="Beng" typeface="Vrinda"/>
+        <a:font script="Gujr" typeface="Shruti"/>
+        <a:font script="Khmr" typeface="DaunPenh"/>
+        <a:font script="Knda" typeface="Tunga"/>
+        <a:font script="Guru" typeface="Raavi"/>
+        <a:font script="Cans" typeface="Euphemia"/>
+        <a:font script="Cher" typeface="Plantagenet Cherokee"/>
+        <a:font script="Yiii" typeface="Microsoft Yi Baiti"/>
+        <a:font script="Tibt" typeface="Microsoft Himalaya"/>
+        <a:font script="Thaa" typeface="MV Boli"/>
+        <a:font script="Deva" typeface="Mangal"/>
+        <a:font script="Telu" typeface="Gautami"/>
+        <a:font script="Taml" typeface="Latha"/>
+        <a:font script="Syrc" typeface="Estrangelo Edessa"/>
+        <a:font script="Orya" typeface="Kalinga"/>
+        <a:font script="Mlym" typeface="Kartika"/>
+        <a:font script="Laoo" typeface="DokChampa"/>
+        <a:font script="Sinh" typeface="Iskoola Pota"/>
+        <a:font script="Mong" typeface="Mongolian Baiti"/>
+        <a:font script="Viet" typeface="Arial"/>
+        <a:font script="Uigh" typeface="Microsoft Uighur"/>
+        <a:font script="Geor" typeface="Sylfaen"/>
+        <a:font script="Armn" typeface="Arial"/>
+        <a:font script="Bugi" typeface="Leelawadee UI"/>
+        <a:font script="Bopo" typeface="Microsoft JhengHei"/>
+        <a:font script="Java" typeface="Javanese Text"/>
+        <a:font script="Lisu" typeface="Segoe UI"/>
+        <a:font script="Mymr" typeface="Myanmar Text"/>
+        <a:font script="Nkoo" typeface="Ebrima"/>
+        <a:font script="Olck" typeface="Nirmala UI"/>
+        <a:font script="Osma" typeface="Ebrima"/>
+        <a:font script="Phag" typeface="Phagspa"/>
+        <a:font script="Syrn" typeface="Estrangelo Edessa"/>
+        <a:font script="Syrj" typeface="Estrangelo Edessa"/>
+        <a:font script="Syre" typeface="Estrangelo Edessa"/>
+        <a:font script="Sora" typeface="Nirmala UI"/>
+        <a:font script="Tale" typeface="Microsoft Tai Le"/>
+        <a:font script="Talu" typeface="Microsoft New Tai Lue"/>
+        <a:font script="Tfng" typeface="Ebrima"/>
+      </a:minorFont>
+    </a:fontScheme>
+    <a:fmtScheme name="Office">
+      <a:fillStyleLst>
+        <a:solidFill>
+          <a:schemeClr val="phClr"/>
+        </a:solidFill>
+        <a:gradFill rotWithShape="1">
+          <a:gsLst>
+            <a:gs pos="0">
+              <a:schemeClr val="phClr">
+                <a:lumMod val="110000"/>
+                <a:satMod val="105000"/>
+                <a:tint val="67000"/>
+              </a:schemeClr>
+            </a:gs>
+            <a:gs pos="50000">
+              <a:schemeClr val="phClr">
+                <a:lumMod val="105000"/>
+                <a:satMod val="103000"/>
+                <a:tint val="73000"/>
+              </a:schemeClr>
+            </a:gs>
+            <a:gs pos="100000">
+              <a:schemeClr val="phClr">
+                <a:lumMod val="105000"/>
+                <a:satMod val="109000"/>
+                <a:tint val="81000"/>
+              </a:schemeClr>
+            </a:gs>
+          </a:gsLst>
+          <a:lin ang="5400000" scaled="0"/>
+        </a:gradFill>
+        <a:gradFill rotWithShape="1">
+          <a:gsLst>
+            <a:gs pos="0">
+              <a:schemeClr val="phClr">
+                <a:satMod val="103000"/>
+                <a:lumMod val="102000"/>
+                <a:tint val="94000"/>
+              </a:schemeClr>
+            </a:gs>
+            <a:gs pos="50000">
+              <a:schemeClr val="phClr">
+                <a:satMod val="110000"/>
+                <a:lumMod val="100000"/>
+                <a:shade val="100000"/>
+              </a:schemeClr>
+            </a:gs>
+            <a:gs pos="100000">
+              <a:schemeClr val="phClr">
+                <a:lumMod val="99000"/>
+                <a:satMod val="120000"/>
+                <a:shade val="78000"/>
+              </a:schemeClr>
+            </a:gs>
+          </a:gsLst>
+          <a:lin ang="5400000" scaled="0"/>
+        </a:gradFill>
+      </a:fillStyleLst>
+      <a:lnStyleLst>
+        <a:ln w="6350" cap="flat" cmpd="sng" algn="ctr">
+          <a:solidFill>
+            <a:schemeClr val="phClr"/>
+          </a:solidFill>
+          <a:prstDash val="solid"/>
+          <a:miter lim="800000"/>
+        </a:ln>
+        <a:ln w="12700" cap="flat" cmpd="sng" algn="ctr">
+          <a:solidFill>
+            <a:schemeClr val="phClr"/>
+          </a:solidFill>
+          <a:prstDash val="solid"/>
+          <a:miter lim="800000"/>
+        </a:ln>
+        <a:ln w="19050" cap="flat" cmpd="sng" algn="ctr">
+          <a:solidFill>
+            <a:schemeClr val="phClr"/>
+          </a:solidFill>
+          <a:prstDash val="solid"/>
+          <a:miter lim="800000"/>
+        </a:ln>
+      </a:lnStyleLst>
+      <a:effectStyleLst>
+        <a:effectStyle>
+          <a:effectLst/>
+        </a:effectStyle>
+        <a:effectStyle>
+          <a:effectLst/>
+        </a:effectStyle>
+        <a:effectStyle>
+          <a:effectLst>
+            <a:outerShdw blurRad="57150" dist="19050" dir="5400000" algn="ctr" rotWithShape="0">
+              <a:srgbClr val="000000">
+                <a:alpha val="63000"/>
+              </a:srgbClr>
+            </a:outerShdw>
+          </a:effectLst>
+        </a:effectStyle>
+      </a:effectStyleLst>
+      <a:bgFillStyleLst>
+        <a:solidFill>
+          <a:schemeClr val="phClr"/>
+        </a:solidFill>
+        <a:solidFill>
+          <a:schemeClr val="phClr">
+            <a:tint val="95000"/>
+            <a:satMod val="170000"/>
+          </a:schemeClr>
+        </a:solidFill>
+        <a:gradFill rotWithShape="1">
+          <a:gsLst>
+            <a:gs pos="0">
+              <a:schemeClr val="phClr">
+                <a:tint val="93000"/>
+                <a:satMod val="150000"/>
+                <a:shade val="98000"/>
+                <a:lumMod val="102000"/>
+              </a:schemeClr>
+            </a:gs>
+            <a:gs pos="50000">
+              <a:schemeClr val="phClr">
+                <a:tint val="98000"/>
+                <a:satMod val="130000"/>
+                <a:shade val="90000"/>
+                <a:lumMod val="103000"/>
+              </a:schemeClr>
+            </a:gs>
+            <a:gs pos="100000">
+              <a:schemeClr val="phClr">
+                <a:shade val="63000"/>
+                <a:satMod val="120000"/>
+              </a:schemeClr>
+            </a:gs>
+          </a:gsLst>
+          <a:lin ang="5400000" scaled="0"/>
+        </a:gradFill>
+      </a:bgFillStyleLst>
+    </a:fmtScheme>
+  </a:themeElements>
+  <a:objectDefaults/>
+  <a:extraClrSchemeLst/>
+  <a:extLst>
+    <a:ext uri="{05A4C25C-085E-4340-85A3-A5531E510DB2}">
+      <thm15:themeFamily xmlns:thm15="http://schemas.microsoft.com/office/thememl/2012/main" name="Office Theme" id="{62F939B6-93AF-4DB8-9C6B-D6C7DFDC589F}" vid="{4A3C46E8-61CC-4603-A589-7422A47A8E4A}"/>
+    </a:ext>
+  </a:extLst>
+</a:theme>
 </file>
--- a/project_presentation/project_presentation.pptx
+++ b/project_presentation/project_presentation.pptx
@@ -5,7 +5,7 @@
     <p:sldMasterId id="2147483696" r:id="rId1"/>
   </p:sldMasterIdLst>
   <p:notesMasterIdLst>
-    <p:notesMasterId r:id="rId18"/>
+    <p:notesMasterId r:id="rId19"/>
   </p:notesMasterIdLst>
   <p:sldIdLst>
     <p:sldId id="256" r:id="rId2"/>
@@ -13,17 +13,18 @@
     <p:sldId id="258" r:id="rId4"/>
     <p:sldId id="259" r:id="rId5"/>
     <p:sldId id="267" r:id="rId6"/>
-    <p:sldId id="268" r:id="rId7"/>
-    <p:sldId id="270" r:id="rId8"/>
-    <p:sldId id="271" r:id="rId9"/>
-    <p:sldId id="272" r:id="rId10"/>
-    <p:sldId id="260" r:id="rId11"/>
-    <p:sldId id="263" r:id="rId12"/>
-    <p:sldId id="264" r:id="rId13"/>
-    <p:sldId id="265" r:id="rId14"/>
-    <p:sldId id="266" r:id="rId15"/>
-    <p:sldId id="261" r:id="rId16"/>
-    <p:sldId id="262" r:id="rId17"/>
+    <p:sldId id="273" r:id="rId7"/>
+    <p:sldId id="268" r:id="rId8"/>
+    <p:sldId id="270" r:id="rId9"/>
+    <p:sldId id="271" r:id="rId10"/>
+    <p:sldId id="272" r:id="rId11"/>
+    <p:sldId id="260" r:id="rId12"/>
+    <p:sldId id="263" r:id="rId13"/>
+    <p:sldId id="264" r:id="rId14"/>
+    <p:sldId id="265" r:id="rId15"/>
+    <p:sldId id="266" r:id="rId16"/>
+    <p:sldId id="261" r:id="rId17"/>
+    <p:sldId id="262" r:id="rId18"/>
   </p:sldIdLst>
   <p:sldSz cx="12192000" cy="6858000"/>
   <p:notesSz cx="6858000" cy="9144000"/>
@@ -4300,15 +4301,7 @@
           <a:p>
             <a:r>
               <a:rPr lang="en-GB" dirty="0"/>
-              <a:t>Welcome everyone! we are project group 22, my name is Gustav and this is ..., ..., ... Our drone project can be </a:t>
-            </a:r>
-            <a:r>
-              <a:rPr lang="en-GB" dirty="0" err="1"/>
-              <a:t>sumarized</a:t>
-            </a:r>
-            <a:r>
-              <a:rPr lang="en-GB" dirty="0"/>
-              <a:t> into these different points: (Read points). And we will start with by briefly go over how the plant model was derived.</a:t>
+              <a:t>Welcome everyone! we are project group 22, my name is Gustav and this is ..., ..., ... </a:t>
             </a:r>
             <a:endParaRPr lang="sv-SE" dirty="0"/>
           </a:p>
@@ -4396,23 +4389,15 @@
           <a:p>
             <a:r>
               <a:rPr lang="en-GB" dirty="0"/>
-              <a:t>So, in order to model the drone we used </a:t>
+              <a:t>Our drone project can be </a:t>
             </a:r>
             <a:r>
               <a:rPr lang="en-GB" dirty="0" err="1"/>
-              <a:t>Simscape</a:t>
+              <a:t>sumarized</a:t>
             </a:r>
             <a:r>
               <a:rPr lang="en-GB" dirty="0"/>
-              <a:t> to implement these equations that describe the simplified dynamics of the drone. I will not go into much detail about these equations since you all probably did the same thing here. I will just mentioned that when we had implement these equations we were given 2 different cases with given </a:t>
-            </a:r>
-            <a:r>
-              <a:rPr lang="en-GB" dirty="0" err="1"/>
-              <a:t>intputs</a:t>
-            </a:r>
-            <a:r>
-              <a:rPr lang="en-GB" dirty="0"/>
-              <a:t> that were supposed to give some outputs. This was just done in order to check if the implementation had been done correctly, which in our case it was. The next step was to implement a LQR controller, but before we could do that we had to linearize the model. </a:t>
+              <a:t> into these different points: (Read points). And we will start with by briefly go over how the plant model was derived.</a:t>
             </a:r>
             <a:endParaRPr lang="sv-SE" dirty="0"/>
           </a:p>
@@ -4435,7 +4420,7 @@
           <a:p>
             <a:fld id="{865D67F6-43B3-4C19-A638-5F162327A67C}" type="slidenum">
               <a:rPr lang="sv-SE" smtClean="0"/>
-              <a:t>3</a:t>
+              <a:t>2</a:t>
             </a:fld>
             <a:endParaRPr lang="sv-SE"/>
           </a:p>
@@ -4444,7 +4429,7 @@
     </p:spTree>
     <p:extLst>
       <p:ext uri="{BB962C8B-B14F-4D97-AF65-F5344CB8AC3E}">
-        <p14:creationId xmlns:p14="http://schemas.microsoft.com/office/powerpoint/2010/main" val="1587430604"/>
+        <p14:creationId xmlns:p14="http://schemas.microsoft.com/office/powerpoint/2010/main" val="1987475820"/>
       </p:ext>
     </p:extLst>
   </p:cSld>
@@ -4500,71 +4485,23 @@
           <a:p>
             <a:r>
               <a:rPr lang="en-GB" dirty="0"/>
-              <a:t>In order to perform the linearization, we used the </a:t>
+              <a:t>So, in order to model the drone we used </a:t>
             </a:r>
             <a:r>
               <a:rPr lang="en-GB" dirty="0" err="1"/>
-              <a:t>Mathlab</a:t>
+              <a:t>Simscape</a:t>
             </a:r>
             <a:r>
               <a:rPr lang="en-GB" dirty="0"/>
-              <a:t> tool "Linear analysis toolbox". This tool is very easy to use since you just define the input and the output between what you want to linearize (Show the open loop </a:t>
+              <a:t> to implement these equations that describe the simplified dynamics of the drone. I will not go into much detail about these equations since you all probably did the same thing here. I will just mentioned that when we had implement these equations we were given 2 different cases with given </a:t>
             </a:r>
             <a:r>
               <a:rPr lang="en-GB" dirty="0" err="1"/>
-              <a:t>simulink</a:t>
+              <a:t>intputs</a:t>
             </a:r>
             <a:r>
               <a:rPr lang="en-GB" dirty="0"/>
-              <a:t>). Our linearization point were then </a:t>
-            </a:r>
-            <a:r>
-              <a:rPr lang="en-GB" dirty="0" err="1"/>
-              <a:t>choosen</a:t>
-            </a:r>
-            <a:r>
-              <a:rPr lang="en-GB" dirty="0"/>
-              <a:t> as the point when the drone is just hovering without doing anything else. The reason we choose this point is that this point is were the drone will mainly operate </a:t>
-            </a:r>
-            <a:r>
-              <a:rPr lang="en-GB" dirty="0" err="1"/>
-              <a:t>around.With</a:t>
-            </a:r>
-            <a:r>
-              <a:rPr lang="en-GB" dirty="0"/>
-              <a:t> this point we then performed the linearization to get our A and B matrices. Now our state matrix, A contained 15 states which were the position, velocity, acceleration, angles and angular velocity for directions </a:t>
-            </a:r>
-            <a:r>
-              <a:rPr lang="en-GB" dirty="0" err="1"/>
-              <a:t>x,y</a:t>
-            </a:r>
-            <a:r>
-              <a:rPr lang="en-GB" dirty="0"/>
-              <a:t> and z. However since the goal of the project is to fly the drone using small angular changes, the state vector were simplified to only contain the pitch and roll angle and also the angular </a:t>
-            </a:r>
-            <a:r>
-              <a:rPr lang="en-GB" dirty="0" err="1"/>
-              <a:t>velocities.The</a:t>
-            </a:r>
-            <a:r>
-              <a:rPr lang="en-GB" dirty="0"/>
-              <a:t> final A and B matrices then looked like this (Show matrices). In order to control the drone, the pitch and roll angle need to be controlled, however by checking the B matrix, you can see that the inputs doesn't directly affect the </a:t>
-            </a:r>
-            <a:r>
-              <a:rPr lang="en-GB" dirty="0" err="1"/>
-              <a:t>angles,only</a:t>
-            </a:r>
-            <a:r>
-              <a:rPr lang="en-GB" dirty="0"/>
-              <a:t> the angular </a:t>
-            </a:r>
-            <a:r>
-              <a:rPr lang="en-GB" dirty="0" err="1"/>
-              <a:t>velocites</a:t>
-            </a:r>
-            <a:r>
-              <a:rPr lang="en-GB" dirty="0"/>
-              <a:t>. This shows that in order to change the angles, we need to include the angular velocities in our state vector. </a:t>
+              <a:t> that were supposed to give some outputs. This was just done in order to check if the implementation had been done correctly, which in our case it was. The next step was to implement a LQR controller, but before we could do that we had to linearize the model. </a:t>
             </a:r>
             <a:endParaRPr lang="sv-SE" dirty="0"/>
           </a:p>
@@ -4587,7 +4524,7 @@
           <a:p>
             <a:fld id="{865D67F6-43B3-4C19-A638-5F162327A67C}" type="slidenum">
               <a:rPr lang="sv-SE" smtClean="0"/>
-              <a:t>4</a:t>
+              <a:t>3</a:t>
             </a:fld>
             <a:endParaRPr lang="sv-SE"/>
           </a:p>
@@ -4596,7 +4533,7 @@
     </p:spTree>
     <p:extLst>
       <p:ext uri="{BB962C8B-B14F-4D97-AF65-F5344CB8AC3E}">
-        <p14:creationId xmlns:p14="http://schemas.microsoft.com/office/powerpoint/2010/main" val="508956568"/>
+        <p14:creationId xmlns:p14="http://schemas.microsoft.com/office/powerpoint/2010/main" val="1587430604"/>
       </p:ext>
     </p:extLst>
   </p:cSld>
@@ -4652,23 +4589,47 @@
           <a:p>
             <a:r>
               <a:rPr lang="en-GB" dirty="0"/>
-              <a:t>At first we also included three additional states, namely integral states for the roll and pitch angle and also for the yaw </a:t>
+              <a:t>In order to perform the linearization, we used the </a:t>
             </a:r>
             <a:r>
               <a:rPr lang="en-GB" dirty="0" err="1"/>
-              <a:t>rate.Firstly</a:t>
+              <a:t>Mathlab</a:t>
             </a:r>
             <a:r>
               <a:rPr lang="en-GB" dirty="0"/>
-              <a:t> what is integral action? Essentially what it means is that the system is augmented to something that looks like this (Show augmented). Now the state z is the integral between the reference and the output. In order to implement integral action, an additional gain is placed on the input signal. This gain is calculated by this formula (Show) and with the use of the new augmented state space </a:t>
+              <a:t> tool "Linear analysis toolbox". This tool is very easy to use since you just define the input and the output between what you want to linearize (Show the open loop </a:t>
             </a:r>
             <a:r>
               <a:rPr lang="en-GB" dirty="0" err="1"/>
-              <a:t>model.The</a:t>
+              <a:t>simulink</a:t>
             </a:r>
             <a:r>
               <a:rPr lang="en-GB" dirty="0"/>
-              <a:t> reason to why we added integral action is that in order to achieve an error that is zero, the input signal needs to be perfectly computed and this requires the plant model to be exact. This is not the case in this project so by adding these integral states, this will result in the error eventually being "pushed" down to zero. These states were later removed however. The reason for this was the number of problems that we encountered with the control design and to minimize the number of possible errors, the integral states were removed since they added another uncertainty to the project. We basically wanted to keep things simple in order to not make any unnecessary mistakes.</a:t>
+              <a:t>). Our linearization point were then </a:t>
+            </a:r>
+            <a:r>
+              <a:rPr lang="en-GB" dirty="0" err="1"/>
+              <a:t>choosen</a:t>
+            </a:r>
+            <a:r>
+              <a:rPr lang="en-GB" dirty="0"/>
+              <a:t> as the point when the drone is just hovering without doing anything else. The reason we choose this point is that this point is were the drone will mainly operate </a:t>
+            </a:r>
+            <a:r>
+              <a:rPr lang="en-GB" dirty="0" err="1"/>
+              <a:t>around.With</a:t>
+            </a:r>
+            <a:r>
+              <a:rPr lang="en-GB" dirty="0"/>
+              <a:t> this point we then performed the linearization to get our A and B matrices. Now our state matrix, A contained 15 states which were the position, velocity, acceleration, angles and angular velocity for directions </a:t>
+            </a:r>
+            <a:r>
+              <a:rPr lang="en-GB" dirty="0" err="1"/>
+              <a:t>x,y</a:t>
+            </a:r>
+            <a:r>
+              <a:rPr lang="en-GB" dirty="0"/>
+              <a:t> and z. However since the goal of the project is to fly the drone using small angular changes, the state vector were simplified to only contain the pitch and roll angle and also the angular velocities.</a:t>
             </a:r>
             <a:endParaRPr lang="sv-SE" dirty="0"/>
           </a:p>
@@ -4691,6 +4652,118 @@
           <a:p>
             <a:fld id="{865D67F6-43B3-4C19-A638-5F162327A67C}" type="slidenum">
               <a:rPr lang="sv-SE" smtClean="0"/>
+              <a:t>4</a:t>
+            </a:fld>
+            <a:endParaRPr lang="sv-SE"/>
+          </a:p>
+        </p:txBody>
+      </p:sp>
+    </p:spTree>
+    <p:extLst>
+      <p:ext uri="{BB962C8B-B14F-4D97-AF65-F5344CB8AC3E}">
+        <p14:creationId xmlns:p14="http://schemas.microsoft.com/office/powerpoint/2010/main" val="508956568"/>
+      </p:ext>
+    </p:extLst>
+  </p:cSld>
+  <p:clrMapOvr>
+    <a:masterClrMapping/>
+  </p:clrMapOvr>
+</p:notes>
+</file>
+
+<file path=ppt/notesSlides/notesSlide5.xml><?xml version="1.0" encoding="utf-8"?>
+<p:notes xmlns:a="http://schemas.openxmlformats.org/drawingml/2006/main" xmlns:r="http://schemas.openxmlformats.org/officeDocument/2006/relationships" xmlns:p="http://schemas.openxmlformats.org/presentationml/2006/main">
+  <p:cSld>
+    <p:spTree>
+      <p:nvGrpSpPr>
+        <p:cNvPr id="1" name=""/>
+        <p:cNvGrpSpPr/>
+        <p:nvPr/>
+      </p:nvGrpSpPr>
+      <p:grpSpPr>
+        <a:xfrm>
+          <a:off x="0" y="0"/>
+          <a:ext cx="0" cy="0"/>
+          <a:chOff x="0" y="0"/>
+          <a:chExt cx="0" cy="0"/>
+        </a:xfrm>
+      </p:grpSpPr>
+      <p:sp>
+        <p:nvSpPr>
+          <p:cNvPr id="2" name="Platshållare för bildobjekt 1"/>
+          <p:cNvSpPr>
+            <a:spLocks noGrp="1" noRot="1" noChangeAspect="1"/>
+          </p:cNvSpPr>
+          <p:nvPr>
+            <p:ph type="sldImg"/>
+          </p:nvPr>
+        </p:nvSpPr>
+        <p:spPr/>
+      </p:sp>
+      <p:sp>
+        <p:nvSpPr>
+          <p:cNvPr id="3" name="Platshållare för anteckningar 2"/>
+          <p:cNvSpPr>
+            <a:spLocks noGrp="1"/>
+          </p:cNvSpPr>
+          <p:nvPr>
+            <p:ph type="body" idx="1"/>
+          </p:nvPr>
+        </p:nvSpPr>
+        <p:spPr/>
+        <p:txBody>
+          <a:bodyPr/>
+          <a:lstStyle/>
+          <a:p>
+            <a:r>
+              <a:rPr lang="en-GB" dirty="0"/>
+              <a:t>The final A and B matrices then looked like this (Show matrices). In order to control the drone, the pitch and roll angle need to be controlled, however by checking the B matrix, you can see that the inputs doesn't directly affect the </a:t>
+            </a:r>
+            <a:r>
+              <a:rPr lang="en-GB" dirty="0" err="1"/>
+              <a:t>angles,only</a:t>
+            </a:r>
+            <a:r>
+              <a:rPr lang="en-GB" dirty="0"/>
+              <a:t> the angular </a:t>
+            </a:r>
+            <a:r>
+              <a:rPr lang="en-GB" dirty="0" err="1"/>
+              <a:t>velocites</a:t>
+            </a:r>
+            <a:r>
+              <a:rPr lang="en-GB" dirty="0"/>
+              <a:t>. This shows that in order to change the angles, we need to include the angular velocities in our state vector. </a:t>
+            </a:r>
+          </a:p>
+          <a:p>
+            <a:endParaRPr lang="en-GB" dirty="0"/>
+          </a:p>
+          <a:p>
+            <a:endParaRPr lang="en-GB" dirty="0"/>
+          </a:p>
+          <a:p>
+            <a:endParaRPr lang="en-GB" dirty="0"/>
+          </a:p>
+        </p:txBody>
+      </p:sp>
+      <p:sp>
+        <p:nvSpPr>
+          <p:cNvPr id="4" name="Platshållare för bildnummer 3"/>
+          <p:cNvSpPr>
+            <a:spLocks noGrp="1"/>
+          </p:cNvSpPr>
+          <p:nvPr>
+            <p:ph type="sldNum" sz="quarter" idx="5"/>
+          </p:nvPr>
+        </p:nvSpPr>
+        <p:spPr/>
+        <p:txBody>
+          <a:bodyPr/>
+          <a:lstStyle/>
+          <a:p>
+            <a:fld id="{865D67F6-43B3-4C19-A638-5F162327A67C}" type="slidenum">
+              <a:rPr lang="sv-SE" smtClean="0"/>
               <a:t>5</a:t>
             </a:fld>
             <a:endParaRPr lang="sv-SE"/>
@@ -4701,6 +4774,130 @@
     <p:extLst>
       <p:ext uri="{BB962C8B-B14F-4D97-AF65-F5344CB8AC3E}">
         <p14:creationId xmlns:p14="http://schemas.microsoft.com/office/powerpoint/2010/main" val="1964248082"/>
+      </p:ext>
+    </p:extLst>
+  </p:cSld>
+  <p:clrMapOvr>
+    <a:masterClrMapping/>
+  </p:clrMapOvr>
+</p:notes>
+</file>
+
+<file path=ppt/notesSlides/notesSlide6.xml><?xml version="1.0" encoding="utf-8"?>
+<p:notes xmlns:a="http://schemas.openxmlformats.org/drawingml/2006/main" xmlns:r="http://schemas.openxmlformats.org/officeDocument/2006/relationships" xmlns:p="http://schemas.openxmlformats.org/presentationml/2006/main">
+  <p:cSld>
+    <p:spTree>
+      <p:nvGrpSpPr>
+        <p:cNvPr id="1" name=""/>
+        <p:cNvGrpSpPr/>
+        <p:nvPr/>
+      </p:nvGrpSpPr>
+      <p:grpSpPr>
+        <a:xfrm>
+          <a:off x="0" y="0"/>
+          <a:ext cx="0" cy="0"/>
+          <a:chOff x="0" y="0"/>
+          <a:chExt cx="0" cy="0"/>
+        </a:xfrm>
+      </p:grpSpPr>
+      <p:sp>
+        <p:nvSpPr>
+          <p:cNvPr id="2" name="Platshållare för bildobjekt 1"/>
+          <p:cNvSpPr>
+            <a:spLocks noGrp="1" noRot="1" noChangeAspect="1"/>
+          </p:cNvSpPr>
+          <p:nvPr>
+            <p:ph type="sldImg"/>
+          </p:nvPr>
+        </p:nvSpPr>
+        <p:spPr/>
+      </p:sp>
+      <p:sp>
+        <p:nvSpPr>
+          <p:cNvPr id="3" name="Platshållare för anteckningar 2"/>
+          <p:cNvSpPr>
+            <a:spLocks noGrp="1"/>
+          </p:cNvSpPr>
+          <p:nvPr>
+            <p:ph type="body" idx="1"/>
+          </p:nvPr>
+        </p:nvSpPr>
+        <p:spPr/>
+        <p:txBody>
+          <a:bodyPr/>
+          <a:lstStyle/>
+          <a:p>
+            <a:pPr marL="0" marR="0" lvl="0" indent="0" algn="l" defTabSz="914400" rtl="0" eaLnBrk="1" fontAlgn="auto" latinLnBrk="0" hangingPunct="1">
+              <a:lnSpc>
+                <a:spcPct val="100000"/>
+              </a:lnSpc>
+              <a:spcBef>
+                <a:spcPts val="0"/>
+              </a:spcBef>
+              <a:spcAft>
+                <a:spcPts val="0"/>
+              </a:spcAft>
+              <a:buClrTx/>
+              <a:buSzTx/>
+              <a:buFontTx/>
+              <a:buNone/>
+              <a:tabLst/>
+              <a:defRPr/>
+            </a:pPr>
+            <a:r>
+              <a:rPr lang="en-GB" dirty="0"/>
+              <a:t>At first we also included three additional states, namely integral states for the roll and pitch angle and also for the yaw </a:t>
+            </a:r>
+            <a:r>
+              <a:rPr lang="en-GB" dirty="0" err="1"/>
+              <a:t>rate.Firstly</a:t>
+            </a:r>
+            <a:r>
+              <a:rPr lang="en-GB" dirty="0"/>
+              <a:t> what is integral action? Essentially what it means is that the system is augmented to something that looks like this (Show augmented). Now the state z is the integral between the reference and the output. In order to implement integral action, an additional gain is placed on the input signal. This gain is calculated by this formula (Show) and with the use of the new augmented state space </a:t>
+            </a:r>
+            <a:r>
+              <a:rPr lang="en-GB" dirty="0" err="1"/>
+              <a:t>model.The</a:t>
+            </a:r>
+            <a:r>
+              <a:rPr lang="en-GB" dirty="0"/>
+              <a:t> reason to why we added integral action is that in order to achieve an error that is zero, the input signal needs to be perfectly computed and this requires the plant model to be exact. This is not the case in this project so by adding these integral states, this will result in the error eventually being "pushed" down to zero. These states were later removed however. The reason for this was the number of problems that we encountered with the control design and to minimize the number of possible errors, the integral states were removed since they added another uncertainty to the project. We basically wanted to keep things simple in order to not make any unnecessary mistakes.</a:t>
+            </a:r>
+            <a:endParaRPr lang="sv-SE" dirty="0"/>
+          </a:p>
+          <a:p>
+            <a:endParaRPr lang="sv-SE" dirty="0"/>
+          </a:p>
+        </p:txBody>
+      </p:sp>
+      <p:sp>
+        <p:nvSpPr>
+          <p:cNvPr id="4" name="Platshållare för bildnummer 3"/>
+          <p:cNvSpPr>
+            <a:spLocks noGrp="1"/>
+          </p:cNvSpPr>
+          <p:nvPr>
+            <p:ph type="sldNum" sz="quarter" idx="5"/>
+          </p:nvPr>
+        </p:nvSpPr>
+        <p:spPr/>
+        <p:txBody>
+          <a:bodyPr/>
+          <a:lstStyle/>
+          <a:p>
+            <a:fld id="{865D67F6-43B3-4C19-A638-5F162327A67C}" type="slidenum">
+              <a:rPr lang="sv-SE" smtClean="0"/>
+              <a:t>7</a:t>
+            </a:fld>
+            <a:endParaRPr lang="sv-SE"/>
+          </a:p>
+        </p:txBody>
+      </p:sp>
+    </p:spTree>
+    <p:extLst>
+      <p:ext uri="{BB962C8B-B14F-4D97-AF65-F5344CB8AC3E}">
+        <p14:creationId xmlns:p14="http://schemas.microsoft.com/office/powerpoint/2010/main" val="2706798913"/>
       </p:ext>
     </p:extLst>
   </p:cSld>
@@ -7725,6 +7922,14 @@
 <file path=ppt/slides/slide10.xml><?xml version="1.0" encoding="utf-8"?>
 <p:sld xmlns:a="http://schemas.openxmlformats.org/drawingml/2006/main" xmlns:r="http://schemas.openxmlformats.org/officeDocument/2006/relationships" xmlns:p="http://schemas.openxmlformats.org/presentationml/2006/main">
   <p:cSld>
+    <p:bg>
+      <p:bgPr>
+        <a:solidFill>
+          <a:schemeClr val="bg1"/>
+        </a:solidFill>
+        <a:effectLst/>
+      </p:bgPr>
+    </p:bg>
     <p:spTree>
       <p:nvGrpSpPr>
         <p:cNvPr id="1" name=""/>
@@ -7741,10 +7946,76 @@
       </p:grpSpPr>
       <p:sp>
         <p:nvSpPr>
-          <p:cNvPr id="2" name="Titel 1">
+          <p:cNvPr id="10" name="Rectangle 9">
             <a:extLst>
               <a:ext uri="{FF2B5EF4-FFF2-40B4-BE49-F238E27FC236}">
-                <a16:creationId xmlns:a16="http://schemas.microsoft.com/office/drawing/2014/main" id="{BA3027A2-7564-7A4F-B4F8-5EF3DF79167E}"/>
+                <a16:creationId xmlns:a16="http://schemas.microsoft.com/office/drawing/2014/main" id="{4E866FF9-A729-45F0-A163-10E89E871602}"/>
+              </a:ext>
+              <a:ext uri="{C183D7F6-B498-43B3-948B-1728B52AA6E4}">
+                <adec:decorative xmlns:adec="http://schemas.microsoft.com/office/drawing/2017/decorative" val="1"/>
+              </a:ext>
+            </a:extLst>
+          </p:cNvPr>
+          <p:cNvSpPr>
+            <a:spLocks noGrp="1" noRot="1" noChangeAspect="1" noMove="1" noResize="1" noEditPoints="1" noAdjustHandles="1" noChangeArrowheads="1" noChangeShapeType="1" noTextEdit="1"/>
+          </p:cNvSpPr>
+          <p:nvPr>
+            <p:extLst>
+              <p:ext uri="{386F3935-93C4-4BCD-93E2-E3B085C9AB24}">
+                <p16:designElem xmlns:p16="http://schemas.microsoft.com/office/powerpoint/2015/main" val="1"/>
+              </p:ext>
+            </p:extLst>
+          </p:nvPr>
+        </p:nvSpPr>
+        <p:spPr>
+          <a:xfrm>
+            <a:off x="0" y="0"/>
+            <a:ext cx="4738255" cy="6858000"/>
+          </a:xfrm>
+          <a:prstGeom prst="rect">
+            <a:avLst/>
+          </a:prstGeom>
+          <a:solidFill>
+            <a:schemeClr val="accent6">
+              <a:lumMod val="60000"/>
+              <a:lumOff val="40000"/>
+            </a:schemeClr>
+          </a:solidFill>
+          <a:ln>
+            <a:noFill/>
+          </a:ln>
+        </p:spPr>
+        <p:style>
+          <a:lnRef idx="2">
+            <a:schemeClr val="accent1">
+              <a:shade val="50000"/>
+            </a:schemeClr>
+          </a:lnRef>
+          <a:fillRef idx="1">
+            <a:schemeClr val="accent1"/>
+          </a:fillRef>
+          <a:effectRef idx="0">
+            <a:schemeClr val="accent1"/>
+          </a:effectRef>
+          <a:fontRef idx="minor">
+            <a:schemeClr val="lt1"/>
+          </a:fontRef>
+        </p:style>
+        <p:txBody>
+          <a:bodyPr rtlCol="0" anchor="ctr"/>
+          <a:lstStyle/>
+          <a:p>
+            <a:pPr algn="ctr"/>
+            <a:endParaRPr lang="en-US"/>
+          </a:p>
+        </p:txBody>
+      </p:sp>
+      <p:sp>
+        <p:nvSpPr>
+          <p:cNvPr id="2" name="Rubrik 1">
+            <a:extLst>
+              <a:ext uri="{FF2B5EF4-FFF2-40B4-BE49-F238E27FC236}">
+                <a16:creationId xmlns:a16="http://schemas.microsoft.com/office/drawing/2014/main" id="{3EAE79DF-8DCA-4485-97CD-A7891C6303D9}"/>
               </a:ext>
             </a:extLst>
           </p:cNvPr>
@@ -7755,443 +8026,145 @@
             <p:ph type="title"/>
           </p:nvPr>
         </p:nvSpPr>
-        <p:spPr/>
+        <p:spPr>
+          <a:xfrm>
+            <a:off x="640080" y="2681105"/>
+            <a:ext cx="3401568" cy="1495794"/>
+          </a:xfrm>
+          <a:solidFill>
+            <a:srgbClr val="FFFFFF"/>
+          </a:solidFill>
+          <a:ln>
+            <a:solidFill>
+              <a:srgbClr val="262626"/>
+            </a:solidFill>
+          </a:ln>
+        </p:spPr>
         <p:txBody>
-          <a:bodyPr/>
+          <a:bodyPr>
+            <a:normAutofit/>
+          </a:bodyPr>
           <a:lstStyle/>
           <a:p>
             <a:r>
-              <a:rPr lang="de-DE" dirty="0"/>
-              <a:t>C-code </a:t>
-            </a:r>
-            <a:r>
-              <a:rPr lang="de-DE" dirty="0" err="1"/>
-              <a:t>implementation</a:t>
-            </a:r>
-            <a:br>
-              <a:rPr lang="de-DE" dirty="0"/>
-            </a:br>
-            <a:r>
-              <a:rPr lang="de-DE" dirty="0"/>
-              <a:t>- State </a:t>
-            </a:r>
-            <a:r>
-              <a:rPr lang="de-DE" dirty="0" err="1"/>
-              <a:t>vector</a:t>
-            </a:r>
-            <a:r>
-              <a:rPr lang="de-DE" dirty="0"/>
-              <a:t> -</a:t>
-            </a:r>
+              <a:rPr lang="sv-SE" dirty="0" err="1"/>
+              <a:t>Flying</a:t>
+            </a:r>
+            <a:r>
+              <a:rPr lang="sv-SE" dirty="0"/>
+              <a:t> </a:t>
+            </a:r>
+            <a:r>
+              <a:rPr lang="sv-SE" dirty="0" err="1"/>
+              <a:t>freely</a:t>
+            </a:r>
+            <a:r>
+              <a:rPr lang="sv-SE" dirty="0"/>
+              <a:t> in the </a:t>
+            </a:r>
+            <a:r>
+              <a:rPr lang="sv-SE" dirty="0" err="1"/>
+              <a:t>world</a:t>
+            </a:r>
+            <a:endParaRPr lang="LID4096" dirty="0"/>
           </a:p>
         </p:txBody>
       </p:sp>
-      <p:sp>
+      <p:sp useBgFill="1">
         <p:nvSpPr>
-          <p:cNvPr id="3" name="Inhaltsplatzhalter 2">
+          <p:cNvPr id="12" name="Rectangle 11">
             <a:extLst>
               <a:ext uri="{FF2B5EF4-FFF2-40B4-BE49-F238E27FC236}">
-                <a16:creationId xmlns:a16="http://schemas.microsoft.com/office/drawing/2014/main" id="{5883414A-B3A6-BE40-8248-C6206154A4F0}"/>
+                <a16:creationId xmlns:a16="http://schemas.microsoft.com/office/drawing/2014/main" id="{A804366F-2366-4688-98E7-B101C7BC6146}"/>
+              </a:ext>
+              <a:ext uri="{C183D7F6-B498-43B3-948B-1728B52AA6E4}">
+                <adec:decorative xmlns:adec="http://schemas.microsoft.com/office/drawing/2017/decorative" val="1"/>
               </a:ext>
             </a:extLst>
           </p:cNvPr>
           <p:cNvSpPr>
-            <a:spLocks noGrp="1"/>
+            <a:spLocks noGrp="1" noRot="1" noChangeAspect="1" noMove="1" noResize="1" noEditPoints="1" noAdjustHandles="1" noChangeArrowheads="1" noChangeShapeType="1" noTextEdit="1"/>
           </p:cNvSpPr>
           <p:nvPr>
-            <p:ph idx="1"/>
+            <p:extLst>
+              <p:ext uri="{386F3935-93C4-4BCD-93E2-E3B085C9AB24}">
+                <p16:designElem xmlns:p16="http://schemas.microsoft.com/office/powerpoint/2015/main" val="1"/>
+              </p:ext>
+            </p:extLst>
           </p:nvPr>
         </p:nvSpPr>
-        <p:spPr/>
+        <p:spPr>
+          <a:xfrm>
+            <a:off x="4753278" y="0"/>
+            <a:ext cx="7438722" cy="6857999"/>
+          </a:xfrm>
+          <a:prstGeom prst="rect">
+            <a:avLst/>
+          </a:prstGeom>
+          <a:ln>
+            <a:noFill/>
+          </a:ln>
+        </p:spPr>
+        <p:style>
+          <a:lnRef idx="2">
+            <a:schemeClr val="accent1">
+              <a:shade val="50000"/>
+            </a:schemeClr>
+          </a:lnRef>
+          <a:fillRef idx="1">
+            <a:schemeClr val="accent1"/>
+          </a:fillRef>
+          <a:effectRef idx="0">
+            <a:schemeClr val="accent1"/>
+          </a:effectRef>
+          <a:fontRef idx="minor">
+            <a:schemeClr val="lt1"/>
+          </a:fontRef>
+        </p:style>
         <p:txBody>
-          <a:bodyPr>
-            <a:normAutofit fontScale="92500" lnSpcReduction="10000"/>
-          </a:bodyPr>
+          <a:bodyPr rtlCol="0" anchor="ctr"/>
           <a:lstStyle/>
           <a:p>
-            <a:pPr marL="0" indent="0">
-              <a:buNone/>
-            </a:pPr>
-            <a:r>
-              <a:rPr lang="de-DE" dirty="0">
-                <a:solidFill>
-                  <a:srgbClr val="569CD6"/>
-                </a:solidFill>
-                <a:latin typeface="Menlo" panose="020B0609030804020204" pitchFamily="49" charset="0"/>
-              </a:rPr>
-              <a:t>volatile</a:t>
-            </a:r>
-            <a:r>
-              <a:rPr lang="de-DE" dirty="0">
-                <a:solidFill>
-                  <a:srgbClr val="D4D4D4"/>
-                </a:solidFill>
-                <a:latin typeface="Menlo" panose="020B0609030804020204" pitchFamily="49" charset="0"/>
-              </a:rPr>
-              <a:t> </a:t>
-            </a:r>
-            <a:r>
-              <a:rPr lang="de-DE" dirty="0" err="1">
-                <a:solidFill>
-                  <a:srgbClr val="569CD6"/>
-                </a:solidFill>
-                <a:latin typeface="Menlo" panose="020B0609030804020204" pitchFamily="49" charset="0"/>
-              </a:rPr>
-              <a:t>struct</a:t>
-            </a:r>
-            <a:r>
-              <a:rPr lang="de-DE" dirty="0">
-                <a:solidFill>
-                  <a:srgbClr val="D4D4D4"/>
-                </a:solidFill>
-                <a:latin typeface="Menlo" panose="020B0609030804020204" pitchFamily="49" charset="0"/>
-              </a:rPr>
-              <a:t> {</a:t>
-            </a:r>
-          </a:p>
-          <a:p>
-            <a:pPr marL="0" indent="0">
-              <a:buNone/>
-            </a:pPr>
-            <a:r>
-              <a:rPr lang="de-DE" dirty="0">
-                <a:solidFill>
-                  <a:srgbClr val="6A9955"/>
-                </a:solidFill>
-                <a:latin typeface="Menlo" panose="020B0609030804020204" pitchFamily="49" charset="0"/>
-              </a:rPr>
-              <a:t>// </a:t>
-            </a:r>
-            <a:r>
-              <a:rPr lang="de-DE" dirty="0" err="1">
-                <a:solidFill>
-                  <a:srgbClr val="6A9955"/>
-                </a:solidFill>
-                <a:latin typeface="Menlo" panose="020B0609030804020204" pitchFamily="49" charset="0"/>
-              </a:rPr>
-              <a:t>angles</a:t>
-            </a:r>
-            <a:r>
-              <a:rPr lang="de-DE" dirty="0">
-                <a:solidFill>
-                  <a:srgbClr val="6A9955"/>
-                </a:solidFill>
-                <a:latin typeface="Menlo" panose="020B0609030804020204" pitchFamily="49" charset="0"/>
-              </a:rPr>
-              <a:t> - </a:t>
-            </a:r>
-            <a:r>
-              <a:rPr lang="de-DE" dirty="0" err="1">
-                <a:solidFill>
-                  <a:srgbClr val="6A9955"/>
-                </a:solidFill>
-                <a:latin typeface="Menlo" panose="020B0609030804020204" pitchFamily="49" charset="0"/>
-              </a:rPr>
-              <a:t>degree</a:t>
-            </a:r>
-            <a:endParaRPr lang="de-DE" dirty="0">
-              <a:solidFill>
-                <a:srgbClr val="D4D4D4"/>
-              </a:solidFill>
-              <a:latin typeface="Menlo" panose="020B0609030804020204" pitchFamily="49" charset="0"/>
-            </a:endParaRPr>
-          </a:p>
-          <a:p>
-            <a:pPr marL="228600" lvl="1" indent="0">
-              <a:buNone/>
-            </a:pPr>
-            <a:r>
-              <a:rPr lang="de-DE" dirty="0" err="1">
-                <a:solidFill>
-                  <a:srgbClr val="569CD6"/>
-                </a:solidFill>
-                <a:latin typeface="Menlo" panose="020B0609030804020204" pitchFamily="49" charset="0"/>
-              </a:rPr>
-              <a:t>float</a:t>
-            </a:r>
-            <a:r>
-              <a:rPr lang="de-DE" dirty="0">
-                <a:solidFill>
-                  <a:srgbClr val="D4D4D4"/>
-                </a:solidFill>
-                <a:latin typeface="Menlo" panose="020B0609030804020204" pitchFamily="49" charset="0"/>
-              </a:rPr>
-              <a:t> </a:t>
-            </a:r>
-            <a:r>
-              <a:rPr lang="de-DE" dirty="0">
-                <a:solidFill>
-                  <a:schemeClr val="tx1"/>
-                </a:solidFill>
-                <a:latin typeface="Menlo" panose="020B0609030804020204" pitchFamily="49" charset="0"/>
-              </a:rPr>
-              <a:t>roll;</a:t>
-            </a:r>
-          </a:p>
-          <a:p>
-            <a:pPr marL="228600" lvl="1" indent="0">
-              <a:buNone/>
-            </a:pPr>
-            <a:r>
-              <a:rPr lang="de-DE" dirty="0" err="1">
-                <a:solidFill>
-                  <a:srgbClr val="569CD6"/>
-                </a:solidFill>
-                <a:latin typeface="Menlo" panose="020B0609030804020204" pitchFamily="49" charset="0"/>
-              </a:rPr>
-              <a:t>float</a:t>
-            </a:r>
-            <a:r>
-              <a:rPr lang="de-DE" dirty="0">
-                <a:solidFill>
-                  <a:srgbClr val="D4D4D4"/>
-                </a:solidFill>
-                <a:latin typeface="Menlo" panose="020B0609030804020204" pitchFamily="49" charset="0"/>
-              </a:rPr>
-              <a:t> </a:t>
-            </a:r>
-            <a:r>
-              <a:rPr lang="de-DE" dirty="0" err="1">
-                <a:solidFill>
-                  <a:schemeClr val="tx1"/>
-                </a:solidFill>
-                <a:latin typeface="Menlo" panose="020B0609030804020204" pitchFamily="49" charset="0"/>
-              </a:rPr>
-              <a:t>pitch</a:t>
-            </a:r>
-            <a:r>
-              <a:rPr lang="de-DE" dirty="0">
-                <a:solidFill>
-                  <a:schemeClr val="tx1"/>
-                </a:solidFill>
-                <a:latin typeface="Menlo" panose="020B0609030804020204" pitchFamily="49" charset="0"/>
-              </a:rPr>
-              <a:t>;</a:t>
-            </a:r>
-          </a:p>
-          <a:p>
-            <a:pPr marL="0" indent="0">
-              <a:buNone/>
-            </a:pPr>
-            <a:r>
-              <a:rPr lang="de-DE" dirty="0">
-                <a:solidFill>
-                  <a:srgbClr val="6A9955"/>
-                </a:solidFill>
-                <a:latin typeface="Menlo" panose="020B0609030804020204" pitchFamily="49" charset="0"/>
-              </a:rPr>
-              <a:t>// angular </a:t>
-            </a:r>
-            <a:r>
-              <a:rPr lang="de-DE" dirty="0" err="1">
-                <a:solidFill>
-                  <a:srgbClr val="6A9955"/>
-                </a:solidFill>
-                <a:latin typeface="Menlo" panose="020B0609030804020204" pitchFamily="49" charset="0"/>
-              </a:rPr>
-              <a:t>velocity</a:t>
-            </a:r>
-            <a:r>
-              <a:rPr lang="de-DE" dirty="0">
-                <a:solidFill>
-                  <a:srgbClr val="6A9955"/>
-                </a:solidFill>
-                <a:latin typeface="Menlo" panose="020B0609030804020204" pitchFamily="49" charset="0"/>
-              </a:rPr>
-              <a:t> - </a:t>
-            </a:r>
-            <a:r>
-              <a:rPr lang="de-DE" dirty="0" err="1">
-                <a:solidFill>
-                  <a:srgbClr val="6A9955"/>
-                </a:solidFill>
-                <a:latin typeface="Menlo" panose="020B0609030804020204" pitchFamily="49" charset="0"/>
-              </a:rPr>
-              <a:t>degree</a:t>
-            </a:r>
-            <a:r>
-              <a:rPr lang="de-DE" dirty="0">
-                <a:solidFill>
-                  <a:srgbClr val="6A9955"/>
-                </a:solidFill>
-                <a:latin typeface="Menlo" panose="020B0609030804020204" pitchFamily="49" charset="0"/>
-              </a:rPr>
-              <a:t> / sec</a:t>
-            </a:r>
-            <a:endParaRPr lang="de-DE" dirty="0">
-              <a:solidFill>
-                <a:srgbClr val="D4D4D4"/>
-              </a:solidFill>
-              <a:latin typeface="Menlo" panose="020B0609030804020204" pitchFamily="49" charset="0"/>
-            </a:endParaRPr>
-          </a:p>
-          <a:p>
-            <a:pPr marL="228600" lvl="1" indent="0">
-              <a:buNone/>
-            </a:pPr>
-            <a:r>
-              <a:rPr lang="de-DE" dirty="0" err="1">
-                <a:solidFill>
-                  <a:srgbClr val="569CD6"/>
-                </a:solidFill>
-                <a:latin typeface="Menlo" panose="020B0609030804020204" pitchFamily="49" charset="0"/>
-              </a:rPr>
-              <a:t>float</a:t>
-            </a:r>
-            <a:r>
-              <a:rPr lang="de-DE" dirty="0">
-                <a:solidFill>
-                  <a:srgbClr val="D4D4D4"/>
-                </a:solidFill>
-                <a:latin typeface="Menlo" panose="020B0609030804020204" pitchFamily="49" charset="0"/>
-              </a:rPr>
-              <a:t> </a:t>
-            </a:r>
-            <a:r>
-              <a:rPr lang="de-DE" dirty="0" err="1">
-                <a:solidFill>
-                  <a:schemeClr val="tx1"/>
-                </a:solidFill>
-                <a:latin typeface="Menlo" panose="020B0609030804020204" pitchFamily="49" charset="0"/>
-              </a:rPr>
-              <a:t>rateRoll</a:t>
-            </a:r>
-            <a:r>
-              <a:rPr lang="de-DE" dirty="0">
-                <a:solidFill>
-                  <a:schemeClr val="tx1"/>
-                </a:solidFill>
-                <a:latin typeface="Menlo" panose="020B0609030804020204" pitchFamily="49" charset="0"/>
-              </a:rPr>
-              <a:t>;</a:t>
-            </a:r>
-          </a:p>
-          <a:p>
-            <a:pPr marL="228600" lvl="1" indent="0">
-              <a:buNone/>
-            </a:pPr>
-            <a:r>
-              <a:rPr lang="de-DE" dirty="0" err="1">
-                <a:solidFill>
-                  <a:srgbClr val="569CD6"/>
-                </a:solidFill>
-                <a:latin typeface="Menlo" panose="020B0609030804020204" pitchFamily="49" charset="0"/>
-              </a:rPr>
-              <a:t>float</a:t>
-            </a:r>
-            <a:r>
-              <a:rPr lang="de-DE" dirty="0">
-                <a:solidFill>
-                  <a:srgbClr val="569CD6"/>
-                </a:solidFill>
-                <a:latin typeface="Menlo" panose="020B0609030804020204" pitchFamily="49" charset="0"/>
-              </a:rPr>
-              <a:t> </a:t>
-            </a:r>
-            <a:r>
-              <a:rPr lang="de-DE" dirty="0" err="1">
-                <a:solidFill>
-                  <a:schemeClr val="tx1"/>
-                </a:solidFill>
-                <a:latin typeface="Menlo" panose="020B0609030804020204" pitchFamily="49" charset="0"/>
-              </a:rPr>
-              <a:t>ratePitch</a:t>
-            </a:r>
-            <a:r>
-              <a:rPr lang="de-DE" dirty="0">
-                <a:solidFill>
-                  <a:schemeClr val="tx1"/>
-                </a:solidFill>
-                <a:latin typeface="Menlo" panose="020B0609030804020204" pitchFamily="49" charset="0"/>
-              </a:rPr>
-              <a:t>;</a:t>
-            </a:r>
-          </a:p>
-          <a:p>
-            <a:pPr marL="228600" lvl="1" indent="0">
-              <a:buNone/>
-            </a:pPr>
-            <a:r>
-              <a:rPr lang="de-DE" dirty="0" err="1">
-                <a:solidFill>
-                  <a:srgbClr val="569CD6"/>
-                </a:solidFill>
-                <a:latin typeface="Menlo" panose="020B0609030804020204" pitchFamily="49" charset="0"/>
-              </a:rPr>
-              <a:t>float</a:t>
-            </a:r>
-            <a:r>
-              <a:rPr lang="de-DE" dirty="0">
-                <a:solidFill>
-                  <a:srgbClr val="D4D4D4"/>
-                </a:solidFill>
-                <a:latin typeface="Menlo" panose="020B0609030804020204" pitchFamily="49" charset="0"/>
-              </a:rPr>
-              <a:t> </a:t>
-            </a:r>
-            <a:r>
-              <a:rPr lang="de-DE" dirty="0" err="1">
-                <a:solidFill>
-                  <a:schemeClr val="tx1"/>
-                </a:solidFill>
-                <a:latin typeface="Menlo" panose="020B0609030804020204" pitchFamily="49" charset="0"/>
-              </a:rPr>
-              <a:t>rateYaw</a:t>
-            </a:r>
-            <a:r>
-              <a:rPr lang="de-DE" dirty="0">
-                <a:solidFill>
-                  <a:schemeClr val="tx1"/>
-                </a:solidFill>
-                <a:latin typeface="Menlo" panose="020B0609030804020204" pitchFamily="49" charset="0"/>
-              </a:rPr>
-              <a:t>;</a:t>
-            </a:r>
-          </a:p>
-          <a:p>
-            <a:pPr marL="0" indent="0">
-              <a:buNone/>
-            </a:pPr>
-            <a:r>
-              <a:rPr lang="de-DE" dirty="0">
-                <a:solidFill>
-                  <a:srgbClr val="D4D4D4"/>
-                </a:solidFill>
-                <a:latin typeface="Menlo" panose="020B0609030804020204" pitchFamily="49" charset="0"/>
-              </a:rPr>
-              <a:t>} </a:t>
-            </a:r>
-            <a:r>
-              <a:rPr lang="de-DE" dirty="0" err="1">
-                <a:solidFill>
-                  <a:schemeClr val="tx1"/>
-                </a:solidFill>
-                <a:latin typeface="Menlo" panose="020B0609030804020204" pitchFamily="49" charset="0"/>
-              </a:rPr>
-              <a:t>state</a:t>
-            </a:r>
-            <a:r>
-              <a:rPr lang="de-DE" dirty="0">
-                <a:solidFill>
-                  <a:schemeClr val="tx1"/>
-                </a:solidFill>
-                <a:latin typeface="Menlo" panose="020B0609030804020204" pitchFamily="49" charset="0"/>
-              </a:rPr>
-              <a:t>;</a:t>
-            </a:r>
-          </a:p>
-          <a:p>
-            <a:pPr marL="0" indent="0">
-              <a:buNone/>
-            </a:pPr>
-            <a:endParaRPr lang="de-DE" dirty="0"/>
+            <a:pPr algn="ctr"/>
+            <a:endParaRPr lang="en-US"/>
           </a:p>
         </p:txBody>
       </p:sp>
+      <p:graphicFrame>
+        <p:nvGraphicFramePr>
+          <p:cNvPr id="5" name="Platshållare för innehåll 2">
+            <a:extLst>
+              <a:ext uri="{FF2B5EF4-FFF2-40B4-BE49-F238E27FC236}">
+                <a16:creationId xmlns:a16="http://schemas.microsoft.com/office/drawing/2014/main" id="{CC3F6FD6-DC7B-416C-BE97-4762CF292410}"/>
+              </a:ext>
+            </a:extLst>
+          </p:cNvPr>
+          <p:cNvGraphicFramePr>
+            <a:graphicFrameLocks noGrp="1"/>
+          </p:cNvGraphicFramePr>
+          <p:nvPr>
+            <p:ph idx="1"/>
+            <p:extLst>
+              <p:ext uri="{D42A27DB-BD31-4B8C-83A1-F6EECF244321}">
+                <p14:modId xmlns:p14="http://schemas.microsoft.com/office/powerpoint/2010/main" val="828883844"/>
+              </p:ext>
+            </p:extLst>
+          </p:nvPr>
+        </p:nvGraphicFramePr>
+        <p:xfrm>
+          <a:off x="5397500" y="639763"/>
+          <a:ext cx="6151563" cy="5276850"/>
+        </p:xfrm>
+        <a:graphic>
+          <a:graphicData uri="http://schemas.openxmlformats.org/drawingml/2006/diagram">
+            <dgm:relIds xmlns:dgm="http://schemas.openxmlformats.org/drawingml/2006/diagram" xmlns:r="http://schemas.openxmlformats.org/officeDocument/2006/relationships" r:dm="rId2" r:lo="rId3" r:qs="rId4" r:cs="rId5"/>
+          </a:graphicData>
+        </a:graphic>
+      </p:graphicFrame>
     </p:spTree>
     <p:extLst>
       <p:ext uri="{BB962C8B-B14F-4D97-AF65-F5344CB8AC3E}">
-        <p14:creationId xmlns:p14="http://schemas.microsoft.com/office/powerpoint/2010/main" val="2246717686"/>
+        <p14:creationId xmlns:p14="http://schemas.microsoft.com/office/powerpoint/2010/main" val="2331177368"/>
       </p:ext>
     </p:extLst>
   </p:cSld>
@@ -8252,15 +8225,15 @@
             </a:br>
             <a:r>
               <a:rPr lang="de-DE" dirty="0"/>
-              <a:t>- Main </a:t>
+              <a:t>- State </a:t>
             </a:r>
             <a:r>
               <a:rPr lang="de-DE" dirty="0" err="1"/>
-              <a:t>function</a:t>
+              <a:t>vector</a:t>
             </a:r>
             <a:r>
               <a:rPr lang="de-DE" dirty="0"/>
-              <a:t>-</a:t>
+              <a:t> -</a:t>
             </a:r>
           </a:p>
         </p:txBody>
@@ -8281,15 +8254,10 @@
             <p:ph idx="1"/>
           </p:nvPr>
         </p:nvSpPr>
-        <p:spPr>
-          <a:xfrm>
-            <a:off x="754027" y="2441094"/>
-            <a:ext cx="7729728" cy="4072245"/>
-          </a:xfrm>
-        </p:spPr>
+        <p:spPr/>
         <p:txBody>
           <a:bodyPr>
-            <a:normAutofit/>
+            <a:normAutofit fontScale="92500" lnSpcReduction="10000"/>
           </a:bodyPr>
           <a:lstStyle/>
           <a:p>
@@ -8297,16 +8265,16 @@
               <a:buNone/>
             </a:pPr>
             <a:r>
-              <a:rPr lang="de-DE" sz="1600" dirty="0" err="1">
+              <a:rPr lang="de-DE" dirty="0">
                 <a:solidFill>
                   <a:srgbClr val="569CD6"/>
                 </a:solidFill>
                 <a:latin typeface="Menlo" panose="020B0609030804020204" pitchFamily="49" charset="0"/>
               </a:rPr>
-              <a:t>void</a:t>
-            </a:r>
-            <a:r>
-              <a:rPr lang="de-DE" sz="1600" dirty="0">
+              <a:t>volatile</a:t>
+            </a:r>
+            <a:r>
+              <a:rPr lang="de-DE" dirty="0">
                 <a:solidFill>
                   <a:srgbClr val="D4D4D4"/>
                 </a:solidFill>
@@ -8315,40 +8283,22 @@
               <a:t> </a:t>
             </a:r>
             <a:r>
-              <a:rPr lang="de-DE" sz="1600" dirty="0" err="1">
-                <a:solidFill>
-                  <a:srgbClr val="DCDCAA"/>
-                </a:solidFill>
-                <a:latin typeface="Menlo" panose="020B0609030804020204" pitchFamily="49" charset="0"/>
-              </a:rPr>
-              <a:t>yourCodeInit</a:t>
-            </a:r>
-            <a:r>
-              <a:rPr lang="de-DE" sz="1600" dirty="0">
+              <a:rPr lang="de-DE" dirty="0" err="1">
+                <a:solidFill>
+                  <a:srgbClr val="569CD6"/>
+                </a:solidFill>
+                <a:latin typeface="Menlo" panose="020B0609030804020204" pitchFamily="49" charset="0"/>
+              </a:rPr>
+              <a:t>struct</a:t>
+            </a:r>
+            <a:r>
+              <a:rPr lang="de-DE" dirty="0">
                 <a:solidFill>
                   <a:srgbClr val="D4D4D4"/>
                 </a:solidFill>
                 <a:latin typeface="Menlo" panose="020B0609030804020204" pitchFamily="49" charset="0"/>
               </a:rPr>
-              <a:t>(</a:t>
-            </a:r>
-            <a:r>
-              <a:rPr lang="de-DE" sz="1600" dirty="0" err="1">
-                <a:solidFill>
-                  <a:srgbClr val="569CD6"/>
-                </a:solidFill>
-                <a:latin typeface="Menlo" panose="020B0609030804020204" pitchFamily="49" charset="0"/>
-              </a:rPr>
-              <a:t>void</a:t>
-            </a:r>
-            <a:r>
-              <a:rPr lang="de-DE" sz="1600" dirty="0">
-                <a:solidFill>
-                  <a:srgbClr val="D4D4D4"/>
-                </a:solidFill>
-                <a:latin typeface="Menlo" panose="020B0609030804020204" pitchFamily="49" charset="0"/>
-              </a:rPr>
-              <a:t>)</a:t>
+              <a:t> {</a:t>
             </a:r>
           </a:p>
           <a:p>
@@ -8356,13 +8306,119 @@
               <a:buNone/>
             </a:pPr>
             <a:r>
-              <a:rPr lang="de-DE" sz="1600" dirty="0">
+              <a:rPr lang="de-DE" dirty="0">
+                <a:solidFill>
+                  <a:srgbClr val="6A9955"/>
+                </a:solidFill>
+                <a:latin typeface="Menlo" panose="020B0609030804020204" pitchFamily="49" charset="0"/>
+              </a:rPr>
+              <a:t>// </a:t>
+            </a:r>
+            <a:r>
+              <a:rPr lang="de-DE" dirty="0" err="1">
+                <a:solidFill>
+                  <a:srgbClr val="6A9955"/>
+                </a:solidFill>
+                <a:latin typeface="Menlo" panose="020B0609030804020204" pitchFamily="49" charset="0"/>
+              </a:rPr>
+              <a:t>angles</a:t>
+            </a:r>
+            <a:r>
+              <a:rPr lang="de-DE" dirty="0">
+                <a:solidFill>
+                  <a:srgbClr val="6A9955"/>
+                </a:solidFill>
+                <a:latin typeface="Menlo" panose="020B0609030804020204" pitchFamily="49" charset="0"/>
+              </a:rPr>
+              <a:t> - </a:t>
+            </a:r>
+            <a:r>
+              <a:rPr lang="de-DE" dirty="0" err="1">
+                <a:solidFill>
+                  <a:srgbClr val="6A9955"/>
+                </a:solidFill>
+                <a:latin typeface="Menlo" panose="020B0609030804020204" pitchFamily="49" charset="0"/>
+              </a:rPr>
+              <a:t>degree</a:t>
+            </a:r>
+            <a:endParaRPr lang="de-DE" dirty="0">
+              <a:solidFill>
+                <a:srgbClr val="D4D4D4"/>
+              </a:solidFill>
+              <a:latin typeface="Menlo" panose="020B0609030804020204" pitchFamily="49" charset="0"/>
+            </a:endParaRPr>
+          </a:p>
+          <a:p>
+            <a:pPr marL="228600" lvl="1" indent="0">
+              <a:buNone/>
+            </a:pPr>
+            <a:r>
+              <a:rPr lang="de-DE" dirty="0" err="1">
+                <a:solidFill>
+                  <a:srgbClr val="569CD6"/>
+                </a:solidFill>
+                <a:latin typeface="Menlo" panose="020B0609030804020204" pitchFamily="49" charset="0"/>
+              </a:rPr>
+              <a:t>float</a:t>
+            </a:r>
+            <a:r>
+              <a:rPr lang="de-DE" dirty="0">
                 <a:solidFill>
                   <a:srgbClr val="D4D4D4"/>
                 </a:solidFill>
                 <a:latin typeface="Menlo" panose="020B0609030804020204" pitchFamily="49" charset="0"/>
               </a:rPr>
-              <a:t>{</a:t>
+              <a:t> </a:t>
+            </a:r>
+            <a:r>
+              <a:rPr lang="de-DE" dirty="0">
+                <a:solidFill>
+                  <a:schemeClr val="tx1"/>
+                </a:solidFill>
+                <a:latin typeface="Menlo" panose="020B0609030804020204" pitchFamily="49" charset="0"/>
+              </a:rPr>
+              <a:t>roll;</a:t>
+            </a:r>
+          </a:p>
+          <a:p>
+            <a:pPr marL="228600" lvl="1" indent="0">
+              <a:buNone/>
+            </a:pPr>
+            <a:r>
+              <a:rPr lang="de-DE" dirty="0" err="1">
+                <a:solidFill>
+                  <a:srgbClr val="569CD6"/>
+                </a:solidFill>
+                <a:latin typeface="Menlo" panose="020B0609030804020204" pitchFamily="49" charset="0"/>
+              </a:rPr>
+              <a:t>float</a:t>
+            </a:r>
+            <a:r>
+              <a:rPr lang="de-DE" dirty="0">
+                <a:solidFill>
+                  <a:srgbClr val="D4D4D4"/>
+                </a:solidFill>
+                <a:latin typeface="Menlo" panose="020B0609030804020204" pitchFamily="49" charset="0"/>
+              </a:rPr>
+              <a:t> </a:t>
+            </a:r>
+            <a:r>
+              <a:rPr lang="de-DE" dirty="0" err="1">
+                <a:solidFill>
+                  <a:schemeClr val="tx1"/>
+                </a:solidFill>
+                <a:latin typeface="Menlo" panose="020B0609030804020204" pitchFamily="49" charset="0"/>
+              </a:rPr>
+              <a:t>pitch</a:t>
+            </a:r>
+            <a:r>
+              <a:rPr lang="de-DE" dirty="0">
+                <a:solidFill>
+                  <a:schemeClr val="tx1"/>
+                </a:solidFill>
+                <a:latin typeface="Menlo" panose="020B0609030804020204" pitchFamily="49" charset="0"/>
+              </a:rPr>
+              <a:t>;</a:t>
             </a:r>
           </a:p>
           <a:p>
@@ -8370,36 +8426,174 @@
               <a:buNone/>
             </a:pPr>
             <a:r>
-              <a:rPr lang="de-DE" sz="1600" dirty="0">
+              <a:rPr lang="de-DE" dirty="0">
+                <a:solidFill>
+                  <a:srgbClr val="6A9955"/>
+                </a:solidFill>
+                <a:latin typeface="Menlo" panose="020B0609030804020204" pitchFamily="49" charset="0"/>
+              </a:rPr>
+              <a:t>// angular </a:t>
+            </a:r>
+            <a:r>
+              <a:rPr lang="de-DE" dirty="0" err="1">
+                <a:solidFill>
+                  <a:srgbClr val="6A9955"/>
+                </a:solidFill>
+                <a:latin typeface="Menlo" panose="020B0609030804020204" pitchFamily="49" charset="0"/>
+              </a:rPr>
+              <a:t>velocity</a:t>
+            </a:r>
+            <a:r>
+              <a:rPr lang="de-DE" dirty="0">
+                <a:solidFill>
+                  <a:srgbClr val="6A9955"/>
+                </a:solidFill>
+                <a:latin typeface="Menlo" panose="020B0609030804020204" pitchFamily="49" charset="0"/>
+              </a:rPr>
+              <a:t> - </a:t>
+            </a:r>
+            <a:r>
+              <a:rPr lang="de-DE" dirty="0" err="1">
+                <a:solidFill>
+                  <a:srgbClr val="6A9955"/>
+                </a:solidFill>
+                <a:latin typeface="Menlo" panose="020B0609030804020204" pitchFamily="49" charset="0"/>
+              </a:rPr>
+              <a:t>degree</a:t>
+            </a:r>
+            <a:r>
+              <a:rPr lang="de-DE" dirty="0">
+                <a:solidFill>
+                  <a:srgbClr val="6A9955"/>
+                </a:solidFill>
+                <a:latin typeface="Menlo" panose="020B0609030804020204" pitchFamily="49" charset="0"/>
+              </a:rPr>
+              <a:t> / sec</a:t>
+            </a:r>
+            <a:endParaRPr lang="de-DE" dirty="0">
+              <a:solidFill>
+                <a:srgbClr val="D4D4D4"/>
+              </a:solidFill>
+              <a:latin typeface="Menlo" panose="020B0609030804020204" pitchFamily="49" charset="0"/>
+            </a:endParaRPr>
+          </a:p>
+          <a:p>
+            <a:pPr marL="228600" lvl="1" indent="0">
+              <a:buNone/>
+            </a:pPr>
+            <a:r>
+              <a:rPr lang="de-DE" dirty="0" err="1">
+                <a:solidFill>
+                  <a:srgbClr val="569CD6"/>
+                </a:solidFill>
+                <a:latin typeface="Menlo" panose="020B0609030804020204" pitchFamily="49" charset="0"/>
+              </a:rPr>
+              <a:t>float</a:t>
+            </a:r>
+            <a:r>
+              <a:rPr lang="de-DE" dirty="0">
+                <a:solidFill>
+                  <a:srgbClr val="D4D4D4"/>
+                </a:solidFill>
+                <a:latin typeface="Menlo" panose="020B0609030804020204" pitchFamily="49" charset="0"/>
+              </a:rPr>
+              <a:t> </a:t>
+            </a:r>
+            <a:r>
+              <a:rPr lang="de-DE" dirty="0" err="1">
                 <a:solidFill>
                   <a:schemeClr val="tx1"/>
                 </a:solidFill>
                 <a:latin typeface="Menlo" panose="020B0609030804020204" pitchFamily="49" charset="0"/>
               </a:rPr>
-              <a:t>tick</a:t>
-            </a:r>
-            <a:r>
-              <a:rPr lang="de-DE" sz="1600" dirty="0">
+              <a:t>rateRoll</a:t>
+            </a:r>
+            <a:r>
+              <a:rPr lang="de-DE" dirty="0">
+                <a:solidFill>
+                  <a:schemeClr val="tx1"/>
+                </a:solidFill>
+                <a:latin typeface="Menlo" panose="020B0609030804020204" pitchFamily="49" charset="0"/>
+              </a:rPr>
+              <a:t>;</a:t>
+            </a:r>
+          </a:p>
+          <a:p>
+            <a:pPr marL="228600" lvl="1" indent="0">
+              <a:buNone/>
+            </a:pPr>
+            <a:r>
+              <a:rPr lang="de-DE" dirty="0" err="1">
+                <a:solidFill>
+                  <a:srgbClr val="569CD6"/>
+                </a:solidFill>
+                <a:latin typeface="Menlo" panose="020B0609030804020204" pitchFamily="49" charset="0"/>
+              </a:rPr>
+              <a:t>float</a:t>
+            </a:r>
+            <a:r>
+              <a:rPr lang="de-DE" dirty="0">
+                <a:solidFill>
+                  <a:srgbClr val="569CD6"/>
+                </a:solidFill>
+                <a:latin typeface="Menlo" panose="020B0609030804020204" pitchFamily="49" charset="0"/>
+              </a:rPr>
+              <a:t> </a:t>
+            </a:r>
+            <a:r>
+              <a:rPr lang="de-DE" dirty="0" err="1">
+                <a:solidFill>
+                  <a:schemeClr val="tx1"/>
+                </a:solidFill>
+                <a:latin typeface="Menlo" panose="020B0609030804020204" pitchFamily="49" charset="0"/>
+              </a:rPr>
+              <a:t>ratePitch</a:t>
+            </a:r>
+            <a:r>
+              <a:rPr lang="de-DE" dirty="0">
+                <a:solidFill>
+                  <a:schemeClr val="tx1"/>
+                </a:solidFill>
+                <a:latin typeface="Menlo" panose="020B0609030804020204" pitchFamily="49" charset="0"/>
+              </a:rPr>
+              <a:t>;</a:t>
+            </a:r>
+          </a:p>
+          <a:p>
+            <a:pPr marL="228600" lvl="1" indent="0">
+              <a:buNone/>
+            </a:pPr>
+            <a:r>
+              <a:rPr lang="de-DE" dirty="0" err="1">
+                <a:solidFill>
+                  <a:srgbClr val="569CD6"/>
+                </a:solidFill>
+                <a:latin typeface="Menlo" panose="020B0609030804020204" pitchFamily="49" charset="0"/>
+              </a:rPr>
+              <a:t>float</a:t>
+            </a:r>
+            <a:r>
+              <a:rPr lang="de-DE" dirty="0">
                 <a:solidFill>
                   <a:srgbClr val="D4D4D4"/>
                 </a:solidFill>
                 <a:latin typeface="Menlo" panose="020B0609030804020204" pitchFamily="49" charset="0"/>
               </a:rPr>
-              <a:t> = </a:t>
-            </a:r>
-            <a:r>
-              <a:rPr lang="de-DE" sz="1600" dirty="0">
-                <a:solidFill>
-                  <a:srgbClr val="B5CEA8"/>
-                </a:solidFill>
-                <a:latin typeface="Menlo" panose="020B0609030804020204" pitchFamily="49" charset="0"/>
-              </a:rPr>
-              <a:t>1</a:t>
-            </a:r>
-            <a:r>
-              <a:rPr lang="de-DE" sz="1600" dirty="0">
-                <a:solidFill>
-                  <a:srgbClr val="D4D4D4"/>
+              <a:t> </a:t>
+            </a:r>
+            <a:r>
+              <a:rPr lang="de-DE" dirty="0" err="1">
+                <a:solidFill>
+                  <a:schemeClr val="tx1"/>
+                </a:solidFill>
+                <a:latin typeface="Menlo" panose="020B0609030804020204" pitchFamily="49" charset="0"/>
+              </a:rPr>
+              <a:t>rateYaw</a:t>
+            </a:r>
+            <a:r>
+              <a:rPr lang="de-DE" dirty="0">
+                <a:solidFill>
+                  <a:schemeClr val="tx1"/>
                 </a:solidFill>
                 <a:latin typeface="Menlo" panose="020B0609030804020204" pitchFamily="49" charset="0"/>
               </a:rPr>
@@ -8411,54 +8605,27 @@
               <a:buNone/>
             </a:pPr>
             <a:r>
-              <a:rPr lang="de-DE" sz="1600" dirty="0" err="1">
-                <a:solidFill>
-                  <a:srgbClr val="9CDCFE"/>
+              <a:rPr lang="de-DE" dirty="0">
+                <a:solidFill>
+                  <a:srgbClr val="D4D4D4"/>
+                </a:solidFill>
+                <a:latin typeface="Menlo" panose="020B0609030804020204" pitchFamily="49" charset="0"/>
+              </a:rPr>
+              <a:t>} </a:t>
+            </a:r>
+            <a:r>
+              <a:rPr lang="de-DE" dirty="0" err="1">
+                <a:solidFill>
+                  <a:schemeClr val="tx1"/>
                 </a:solidFill>
                 <a:latin typeface="Menlo" panose="020B0609030804020204" pitchFamily="49" charset="0"/>
               </a:rPr>
               <a:t>state</a:t>
             </a:r>
             <a:r>
-              <a:rPr lang="de-DE" sz="1600" dirty="0" err="1">
-                <a:solidFill>
-                  <a:srgbClr val="D4D4D4"/>
-                </a:solidFill>
-                <a:latin typeface="Menlo" panose="020B0609030804020204" pitchFamily="49" charset="0"/>
-              </a:rPr>
-              <a:t>.</a:t>
-            </a:r>
-            <a:r>
-              <a:rPr lang="de-DE" sz="1600" dirty="0" err="1">
-                <a:solidFill>
-                  <a:srgbClr val="9CDCFE"/>
-                </a:solidFill>
-                <a:latin typeface="Menlo" panose="020B0609030804020204" pitchFamily="49" charset="0"/>
-              </a:rPr>
-              <a:t>roll</a:t>
-            </a:r>
-            <a:r>
-              <a:rPr lang="de-DE" sz="1600" dirty="0">
-                <a:solidFill>
-                  <a:srgbClr val="D4D4D4"/>
-                </a:solidFill>
-                <a:latin typeface="Menlo" panose="020B0609030804020204" pitchFamily="49" charset="0"/>
-              </a:rPr>
-              <a:t> = </a:t>
-            </a:r>
-            <a:r>
-              <a:rPr lang="de-DE" sz="1600" dirty="0">
-                <a:solidFill>
-                  <a:srgbClr val="B5CEA8"/>
-                </a:solidFill>
-                <a:latin typeface="Menlo" panose="020B0609030804020204" pitchFamily="49" charset="0"/>
-              </a:rPr>
-              <a:t>0.0f</a:t>
-            </a:r>
-            <a:r>
-              <a:rPr lang="de-DE" sz="1600" dirty="0">
-                <a:solidFill>
-                  <a:srgbClr val="D4D4D4"/>
+              <a:rPr lang="de-DE" dirty="0">
+                <a:solidFill>
+                  <a:schemeClr val="tx1"/>
                 </a:solidFill>
                 <a:latin typeface="Menlo" panose="020B0609030804020204" pitchFamily="49" charset="0"/>
               </a:rPr>
@@ -8469,924 +8636,14 @@
             <a:pPr marL="0" indent="0">
               <a:buNone/>
             </a:pPr>
-            <a:r>
-              <a:rPr lang="de-DE" sz="1600" dirty="0" err="1">
-                <a:solidFill>
-                  <a:srgbClr val="9CDCFE"/>
-                </a:solidFill>
-                <a:latin typeface="Menlo" panose="020B0609030804020204" pitchFamily="49" charset="0"/>
-              </a:rPr>
-              <a:t>state</a:t>
-            </a:r>
-            <a:r>
-              <a:rPr lang="de-DE" sz="1600" dirty="0" err="1">
-                <a:solidFill>
-                  <a:srgbClr val="D4D4D4"/>
-                </a:solidFill>
-                <a:latin typeface="Menlo" panose="020B0609030804020204" pitchFamily="49" charset="0"/>
-              </a:rPr>
-              <a:t>.</a:t>
-            </a:r>
-            <a:r>
-              <a:rPr lang="de-DE" sz="1600" dirty="0" err="1">
-                <a:solidFill>
-                  <a:srgbClr val="9CDCFE"/>
-                </a:solidFill>
-                <a:latin typeface="Menlo" panose="020B0609030804020204" pitchFamily="49" charset="0"/>
-              </a:rPr>
-              <a:t>pitch</a:t>
-            </a:r>
-            <a:r>
-              <a:rPr lang="de-DE" sz="1600" dirty="0">
-                <a:solidFill>
-                  <a:srgbClr val="D4D4D4"/>
-                </a:solidFill>
-                <a:latin typeface="Menlo" panose="020B0609030804020204" pitchFamily="49" charset="0"/>
-              </a:rPr>
-              <a:t> = </a:t>
-            </a:r>
-            <a:r>
-              <a:rPr lang="de-DE" sz="1600" dirty="0">
-                <a:solidFill>
-                  <a:srgbClr val="B5CEA8"/>
-                </a:solidFill>
-                <a:latin typeface="Menlo" panose="020B0609030804020204" pitchFamily="49" charset="0"/>
-              </a:rPr>
-              <a:t>0.0f</a:t>
-            </a:r>
-            <a:r>
-              <a:rPr lang="de-DE" sz="1600" dirty="0">
-                <a:solidFill>
-                  <a:srgbClr val="D4D4D4"/>
-                </a:solidFill>
-                <a:latin typeface="Menlo" panose="020B0609030804020204" pitchFamily="49" charset="0"/>
-              </a:rPr>
-              <a:t>;</a:t>
-            </a:r>
-          </a:p>
-          <a:p>
-            <a:pPr marL="0" indent="0">
-              <a:buNone/>
-            </a:pPr>
-            <a:r>
-              <a:rPr lang="de-DE" sz="1600" dirty="0" err="1">
-                <a:solidFill>
-                  <a:schemeClr val="tx1"/>
-                </a:solidFill>
-                <a:latin typeface="Menlo" panose="020B0609030804020204" pitchFamily="49" charset="0"/>
-              </a:rPr>
-              <a:t>filtsema</a:t>
-            </a:r>
-            <a:r>
-              <a:rPr lang="de-DE" sz="1600" dirty="0">
-                <a:solidFill>
-                  <a:srgbClr val="D4D4D4"/>
-                </a:solidFill>
-                <a:latin typeface="Menlo" panose="020B0609030804020204" pitchFamily="49" charset="0"/>
-              </a:rPr>
-              <a:t> = </a:t>
-            </a:r>
-            <a:r>
-              <a:rPr lang="de-DE" sz="1600" dirty="0" err="1">
-                <a:solidFill>
-                  <a:srgbClr val="DCDCAA"/>
-                </a:solidFill>
-                <a:latin typeface="Menlo" panose="020B0609030804020204" pitchFamily="49" charset="0"/>
-              </a:rPr>
-              <a:t>xSemaphoreCreateMutex</a:t>
-            </a:r>
-            <a:r>
-              <a:rPr lang="de-DE" sz="1600" dirty="0">
-                <a:solidFill>
-                  <a:srgbClr val="D4D4D4"/>
-                </a:solidFill>
-                <a:latin typeface="Menlo" panose="020B0609030804020204" pitchFamily="49" charset="0"/>
-              </a:rPr>
-              <a:t>();</a:t>
-            </a:r>
-          </a:p>
-          <a:p>
-            <a:pPr marL="0" indent="0">
-              <a:buNone/>
-            </a:pPr>
-            <a:r>
-              <a:rPr lang="de-DE" sz="1600" dirty="0">
-                <a:solidFill>
-                  <a:srgbClr val="D4D4D4"/>
-                </a:solidFill>
-                <a:latin typeface="Menlo" panose="020B0609030804020204" pitchFamily="49" charset="0"/>
-              </a:rPr>
-              <a:t>  </a:t>
-            </a:r>
-            <a:r>
-              <a:rPr lang="de-DE" sz="1600" dirty="0" err="1">
-                <a:solidFill>
-                  <a:schemeClr val="tx1"/>
-                </a:solidFill>
-                <a:latin typeface="Menlo" panose="020B0609030804020204" pitchFamily="49" charset="0"/>
-              </a:rPr>
-              <a:t>setsema</a:t>
-            </a:r>
-            <a:r>
-              <a:rPr lang="de-DE" sz="1600" dirty="0">
-                <a:solidFill>
-                  <a:srgbClr val="D4D4D4"/>
-                </a:solidFill>
-                <a:latin typeface="Menlo" panose="020B0609030804020204" pitchFamily="49" charset="0"/>
-              </a:rPr>
-              <a:t> = </a:t>
-            </a:r>
-            <a:r>
-              <a:rPr lang="de-DE" sz="1600" dirty="0" err="1">
-                <a:solidFill>
-                  <a:srgbClr val="DCDCAA"/>
-                </a:solidFill>
-                <a:latin typeface="Menlo" panose="020B0609030804020204" pitchFamily="49" charset="0"/>
-              </a:rPr>
-              <a:t>xSemaphoreCreateMutex</a:t>
-            </a:r>
-            <a:r>
-              <a:rPr lang="de-DE" sz="1600" dirty="0">
-                <a:solidFill>
-                  <a:srgbClr val="D4D4D4"/>
-                </a:solidFill>
-                <a:latin typeface="Menlo" panose="020B0609030804020204" pitchFamily="49" charset="0"/>
-              </a:rPr>
-              <a:t>();</a:t>
-            </a:r>
-          </a:p>
-          <a:p>
-            <a:pPr marL="0" indent="0">
-              <a:buNone/>
-            </a:pPr>
-            <a:br>
-              <a:rPr lang="de-DE" sz="1600" dirty="0">
-                <a:solidFill>
-                  <a:srgbClr val="D4D4D4"/>
-                </a:solidFill>
-                <a:latin typeface="Menlo" panose="020B0609030804020204" pitchFamily="49" charset="0"/>
-              </a:rPr>
-            </a:br>
-            <a:endParaRPr lang="de-DE" sz="1600" dirty="0"/>
-          </a:p>
-        </p:txBody>
-      </p:sp>
-      <p:sp>
-        <p:nvSpPr>
-          <p:cNvPr id="4" name="Inhaltsplatzhalter 2">
-            <a:extLst>
-              <a:ext uri="{FF2B5EF4-FFF2-40B4-BE49-F238E27FC236}">
-                <a16:creationId xmlns:a16="http://schemas.microsoft.com/office/drawing/2014/main" id="{622E6183-A73A-4F43-8B05-DF2E45162898}"/>
-              </a:ext>
-            </a:extLst>
-          </p:cNvPr>
-          <p:cNvSpPr txBox="1">
-            <a:spLocks/>
-          </p:cNvSpPr>
-          <p:nvPr/>
-        </p:nvSpPr>
-        <p:spPr>
-          <a:xfrm>
-            <a:off x="6096000" y="3144478"/>
-            <a:ext cx="7729728" cy="4072245"/>
-          </a:xfrm>
-          <a:prstGeom prst="rect">
-            <a:avLst/>
-          </a:prstGeom>
-        </p:spPr>
-        <p:txBody>
-          <a:bodyPr vert="horz" lIns="91440" tIns="45720" rIns="91440" bIns="45720" rtlCol="0">
-            <a:normAutofit/>
-          </a:bodyPr>
-          <a:lstStyle>
-            <a:lvl1pPr marL="228600" indent="-228600" algn="l" defTabSz="914400" rtl="0" eaLnBrk="1" latinLnBrk="0" hangingPunct="1">
-              <a:lnSpc>
-                <a:spcPct val="100000"/>
-              </a:lnSpc>
-              <a:spcBef>
-                <a:spcPts val="1000"/>
-              </a:spcBef>
-              <a:buClr>
-                <a:schemeClr val="accent2"/>
-              </a:buClr>
-              <a:buFont typeface="Arial" panose="020B0604020202020204" pitchFamily="34" charset="0"/>
-              <a:buChar char="•"/>
-              <a:defRPr sz="1800" kern="1200">
-                <a:solidFill>
-                  <a:schemeClr val="tx1">
-                    <a:lumMod val="85000"/>
-                    <a:lumOff val="15000"/>
-                  </a:schemeClr>
-                </a:solidFill>
-                <a:latin typeface="+mn-lt"/>
-                <a:ea typeface="+mn-ea"/>
-                <a:cs typeface="+mn-cs"/>
-              </a:defRPr>
-            </a:lvl1pPr>
-            <a:lvl2pPr marL="457200" indent="-228600" algn="l" defTabSz="914400" rtl="0" eaLnBrk="1" latinLnBrk="0" hangingPunct="1">
-              <a:lnSpc>
-                <a:spcPct val="100000"/>
-              </a:lnSpc>
-              <a:spcBef>
-                <a:spcPts val="1000"/>
-              </a:spcBef>
-              <a:buClr>
-                <a:schemeClr val="accent2"/>
-              </a:buClr>
-              <a:buFont typeface="Arial" panose="020B0604020202020204" pitchFamily="34" charset="0"/>
-              <a:buChar char="•"/>
-              <a:defRPr sz="1600" kern="1200">
-                <a:solidFill>
-                  <a:schemeClr val="tx1">
-                    <a:lumMod val="85000"/>
-                    <a:lumOff val="15000"/>
-                  </a:schemeClr>
-                </a:solidFill>
-                <a:latin typeface="+mn-lt"/>
-                <a:ea typeface="+mn-ea"/>
-                <a:cs typeface="+mn-cs"/>
-              </a:defRPr>
-            </a:lvl2pPr>
-            <a:lvl3pPr marL="685800" indent="-228600" algn="l" defTabSz="914400" rtl="0" eaLnBrk="1" latinLnBrk="0" hangingPunct="1">
-              <a:lnSpc>
-                <a:spcPct val="100000"/>
-              </a:lnSpc>
-              <a:spcBef>
-                <a:spcPts val="1000"/>
-              </a:spcBef>
-              <a:buClr>
-                <a:schemeClr val="accent2"/>
-              </a:buClr>
-              <a:buFont typeface="Arial" panose="020B0604020202020204" pitchFamily="34" charset="0"/>
-              <a:buChar char="•"/>
-              <a:defRPr sz="1600" kern="1200">
-                <a:solidFill>
-                  <a:schemeClr val="tx1">
-                    <a:lumMod val="85000"/>
-                    <a:lumOff val="15000"/>
-                  </a:schemeClr>
-                </a:solidFill>
-                <a:latin typeface="+mn-lt"/>
-                <a:ea typeface="+mn-ea"/>
-                <a:cs typeface="+mn-cs"/>
-              </a:defRPr>
-            </a:lvl3pPr>
-            <a:lvl4pPr marL="914400" indent="-228600" algn="l" defTabSz="914400" rtl="0" eaLnBrk="1" latinLnBrk="0" hangingPunct="1">
-              <a:lnSpc>
-                <a:spcPct val="100000"/>
-              </a:lnSpc>
-              <a:spcBef>
-                <a:spcPts val="1000"/>
-              </a:spcBef>
-              <a:buClr>
-                <a:schemeClr val="accent2"/>
-              </a:buClr>
-              <a:buFont typeface="Arial" panose="020B0604020202020204" pitchFamily="34" charset="0"/>
-              <a:buChar char="•"/>
-              <a:defRPr sz="1600" kern="1200">
-                <a:solidFill>
-                  <a:schemeClr val="tx1">
-                    <a:lumMod val="85000"/>
-                    <a:lumOff val="15000"/>
-                  </a:schemeClr>
-                </a:solidFill>
-                <a:latin typeface="+mn-lt"/>
-                <a:ea typeface="+mn-ea"/>
-                <a:cs typeface="+mn-cs"/>
-              </a:defRPr>
-            </a:lvl4pPr>
-            <a:lvl5pPr marL="1143000" indent="-228600" algn="l" defTabSz="914400" rtl="0" eaLnBrk="1" latinLnBrk="0" hangingPunct="1">
-              <a:lnSpc>
-                <a:spcPct val="100000"/>
-              </a:lnSpc>
-              <a:spcBef>
-                <a:spcPts val="1000"/>
-              </a:spcBef>
-              <a:buClr>
-                <a:schemeClr val="accent2"/>
-              </a:buClr>
-              <a:buFont typeface="Arial" panose="020B0604020202020204" pitchFamily="34" charset="0"/>
-              <a:buChar char="•"/>
-              <a:defRPr sz="1600" kern="1200">
-                <a:solidFill>
-                  <a:schemeClr val="tx1">
-                    <a:lumMod val="85000"/>
-                    <a:lumOff val="15000"/>
-                  </a:schemeClr>
-                </a:solidFill>
-                <a:latin typeface="+mn-lt"/>
-                <a:ea typeface="+mn-ea"/>
-                <a:cs typeface="+mn-cs"/>
-              </a:defRPr>
-            </a:lvl5pPr>
-            <a:lvl6pPr marL="1312863" indent="-228600" algn="l" defTabSz="914400" rtl="0" eaLnBrk="1" latinLnBrk="0" hangingPunct="1">
-              <a:lnSpc>
-                <a:spcPct val="100000"/>
-              </a:lnSpc>
-              <a:spcBef>
-                <a:spcPts val="1000"/>
-              </a:spcBef>
-              <a:buClr>
-                <a:schemeClr val="accent2"/>
-              </a:buClr>
-              <a:buFont typeface="Arial" panose="020B0604020202020204" pitchFamily="34" charset="0"/>
-              <a:buChar char="•"/>
-              <a:defRPr sz="1600" kern="1200">
-                <a:solidFill>
-                  <a:schemeClr val="tx1"/>
-                </a:solidFill>
-                <a:latin typeface="+mn-lt"/>
-                <a:ea typeface="+mn-ea"/>
-                <a:cs typeface="+mn-cs"/>
-              </a:defRPr>
-            </a:lvl6pPr>
-            <a:lvl7pPr marL="1484313" indent="-228600" algn="l" defTabSz="914400" rtl="0" eaLnBrk="1" latinLnBrk="0" hangingPunct="1">
-              <a:lnSpc>
-                <a:spcPct val="100000"/>
-              </a:lnSpc>
-              <a:spcBef>
-                <a:spcPts val="1000"/>
-              </a:spcBef>
-              <a:buClr>
-                <a:schemeClr val="accent2"/>
-              </a:buClr>
-              <a:buFont typeface="Arial" panose="020B0604020202020204" pitchFamily="34" charset="0"/>
-              <a:buChar char="•"/>
-              <a:defRPr sz="1600" kern="1200">
-                <a:solidFill>
-                  <a:schemeClr val="tx1"/>
-                </a:solidFill>
-                <a:latin typeface="+mn-lt"/>
-                <a:ea typeface="+mn-ea"/>
-                <a:cs typeface="+mn-cs"/>
-              </a:defRPr>
-            </a:lvl7pPr>
-            <a:lvl8pPr marL="1657350" indent="-228600" algn="l" defTabSz="914400" rtl="0" eaLnBrk="1" latinLnBrk="0" hangingPunct="1">
-              <a:lnSpc>
-                <a:spcPct val="100000"/>
-              </a:lnSpc>
-              <a:spcBef>
-                <a:spcPts val="1000"/>
-              </a:spcBef>
-              <a:buClr>
-                <a:schemeClr val="accent2"/>
-              </a:buClr>
-              <a:buFont typeface="Arial" panose="020B0604020202020204" pitchFamily="34" charset="0"/>
-              <a:buChar char="•"/>
-              <a:defRPr sz="1600" kern="1200" baseline="0">
-                <a:solidFill>
-                  <a:schemeClr val="tx1"/>
-                </a:solidFill>
-                <a:latin typeface="+mn-lt"/>
-                <a:ea typeface="+mn-ea"/>
-                <a:cs typeface="+mn-cs"/>
-              </a:defRPr>
-            </a:lvl8pPr>
-            <a:lvl9pPr marL="1882775" indent="-228600" algn="l" defTabSz="914400" rtl="0" eaLnBrk="1" latinLnBrk="0" hangingPunct="1">
-              <a:lnSpc>
-                <a:spcPct val="100000"/>
-              </a:lnSpc>
-              <a:spcBef>
-                <a:spcPts val="1000"/>
-              </a:spcBef>
-              <a:buClr>
-                <a:schemeClr val="accent2"/>
-              </a:buClr>
-              <a:buFont typeface="Arial" panose="020B0604020202020204" pitchFamily="34" charset="0"/>
-              <a:buChar char="•"/>
-              <a:defRPr sz="1600" kern="1200" baseline="0">
-                <a:solidFill>
-                  <a:schemeClr val="tx1"/>
-                </a:solidFill>
-                <a:latin typeface="+mn-lt"/>
-                <a:ea typeface="+mn-ea"/>
-                <a:cs typeface="+mn-cs"/>
-              </a:defRPr>
-            </a:lvl9pPr>
-          </a:lstStyle>
-          <a:p>
-            <a:pPr marL="0" indent="0">
-              <a:buFont typeface="Arial" panose="020B0604020202020204" pitchFamily="34" charset="0"/>
-              <a:buNone/>
-            </a:pPr>
-            <a:r>
-              <a:rPr lang="de-DE" sz="1600" dirty="0" err="1">
-                <a:solidFill>
-                  <a:srgbClr val="DCDCAA"/>
-                </a:solidFill>
-                <a:latin typeface="Menlo" panose="020B0609030804020204" pitchFamily="49" charset="0"/>
-              </a:rPr>
-              <a:t>xTaskCreate</a:t>
-            </a:r>
-            <a:r>
-              <a:rPr lang="de-DE" sz="1600" dirty="0">
-                <a:solidFill>
-                  <a:srgbClr val="D4D4D4"/>
-                </a:solidFill>
-                <a:latin typeface="Menlo" panose="020B0609030804020204" pitchFamily="49" charset="0"/>
-              </a:rPr>
-              <a:t>(</a:t>
-            </a:r>
-            <a:r>
-              <a:rPr lang="de-DE" sz="1600" dirty="0" err="1">
-                <a:solidFill>
-                  <a:schemeClr val="tx1"/>
-                </a:solidFill>
-                <a:latin typeface="Menlo" panose="020B0609030804020204" pitchFamily="49" charset="0"/>
-              </a:rPr>
-              <a:t>comp_filter</a:t>
-            </a:r>
-            <a:r>
-              <a:rPr lang="de-DE" sz="1600" dirty="0">
-                <a:solidFill>
-                  <a:srgbClr val="D4D4D4"/>
-                </a:solidFill>
-                <a:latin typeface="Menlo" panose="020B0609030804020204" pitchFamily="49" charset="0"/>
-              </a:rPr>
-              <a:t>, </a:t>
-            </a:r>
-            <a:r>
-              <a:rPr lang="de-DE" sz="1600" dirty="0">
-                <a:solidFill>
-                  <a:srgbClr val="CE9178"/>
-                </a:solidFill>
-                <a:latin typeface="Menlo" panose="020B0609030804020204" pitchFamily="49" charset="0"/>
-              </a:rPr>
-              <a:t>"FILTER"</a:t>
-            </a:r>
-            <a:r>
-              <a:rPr lang="de-DE" sz="1600" dirty="0">
-                <a:solidFill>
-                  <a:srgbClr val="D4D4D4"/>
-                </a:solidFill>
-                <a:latin typeface="Menlo" panose="020B0609030804020204" pitchFamily="49" charset="0"/>
-              </a:rPr>
-              <a:t>,</a:t>
-            </a:r>
-          </a:p>
-          <a:p>
-            <a:pPr marL="0" indent="0">
-              <a:buFont typeface="Arial" panose="020B0604020202020204" pitchFamily="34" charset="0"/>
-              <a:buNone/>
-            </a:pPr>
-            <a:r>
-              <a:rPr lang="de-DE" sz="1600" dirty="0">
-                <a:solidFill>
-                  <a:srgbClr val="D4D4D4"/>
-                </a:solidFill>
-                <a:latin typeface="Menlo" panose="020B0609030804020204" pitchFamily="49" charset="0"/>
-              </a:rPr>
-              <a:t>(</a:t>
-            </a:r>
-            <a:r>
-              <a:rPr lang="de-DE" sz="1600" dirty="0">
-                <a:solidFill>
-                  <a:srgbClr val="B5CEA8"/>
-                </a:solidFill>
-                <a:latin typeface="Menlo" panose="020B0609030804020204" pitchFamily="49" charset="0"/>
-              </a:rPr>
-              <a:t>3</a:t>
-            </a:r>
-            <a:r>
-              <a:rPr lang="de-DE" sz="1600" dirty="0">
-                <a:solidFill>
-                  <a:srgbClr val="D4D4D4"/>
-                </a:solidFill>
-                <a:latin typeface="Menlo" panose="020B0609030804020204" pitchFamily="49" charset="0"/>
-              </a:rPr>
-              <a:t> * </a:t>
-            </a:r>
-            <a:r>
-              <a:rPr lang="de-DE" sz="1600" dirty="0" err="1">
-                <a:solidFill>
-                  <a:schemeClr val="tx1"/>
-                </a:solidFill>
-                <a:latin typeface="Menlo" panose="020B0609030804020204" pitchFamily="49" charset="0"/>
-              </a:rPr>
-              <a:t>configMINIMAL_STACK_SIZE</a:t>
-            </a:r>
-            <a:r>
-              <a:rPr lang="de-DE" sz="1600" dirty="0">
-                <a:solidFill>
-                  <a:srgbClr val="D4D4D4"/>
-                </a:solidFill>
-                <a:latin typeface="Menlo" panose="020B0609030804020204" pitchFamily="49" charset="0"/>
-              </a:rPr>
-              <a:t>), </a:t>
-            </a:r>
-            <a:r>
-              <a:rPr lang="de-DE" sz="1600" dirty="0">
-                <a:solidFill>
-                  <a:srgbClr val="569CD6"/>
-                </a:solidFill>
-                <a:latin typeface="Menlo" panose="020B0609030804020204" pitchFamily="49" charset="0"/>
-              </a:rPr>
-              <a:t>NULL</a:t>
-            </a:r>
-            <a:r>
-              <a:rPr lang="de-DE" sz="1600" dirty="0">
-                <a:solidFill>
-                  <a:srgbClr val="D4D4D4"/>
-                </a:solidFill>
-                <a:latin typeface="Menlo" panose="020B0609030804020204" pitchFamily="49" charset="0"/>
-              </a:rPr>
-              <a:t>, </a:t>
-            </a:r>
-            <a:r>
-              <a:rPr lang="de-DE" sz="1600" dirty="0">
-                <a:solidFill>
-                  <a:srgbClr val="B5CEA8"/>
-                </a:solidFill>
-                <a:latin typeface="Menlo" panose="020B0609030804020204" pitchFamily="49" charset="0"/>
-              </a:rPr>
-              <a:t>3</a:t>
-            </a:r>
-            <a:r>
-              <a:rPr lang="de-DE" sz="1600" dirty="0">
-                <a:solidFill>
-                  <a:srgbClr val="D4D4D4"/>
-                </a:solidFill>
-                <a:latin typeface="Menlo" panose="020B0609030804020204" pitchFamily="49" charset="0"/>
-              </a:rPr>
-              <a:t>, </a:t>
-            </a:r>
-            <a:r>
-              <a:rPr lang="de-DE" sz="1600" dirty="0">
-                <a:solidFill>
-                  <a:srgbClr val="569CD6"/>
-                </a:solidFill>
-                <a:latin typeface="Menlo" panose="020B0609030804020204" pitchFamily="49" charset="0"/>
-              </a:rPr>
-              <a:t>NULL</a:t>
-            </a:r>
-            <a:r>
-              <a:rPr lang="de-DE" sz="1600" dirty="0">
-                <a:solidFill>
-                  <a:srgbClr val="D4D4D4"/>
-                </a:solidFill>
-                <a:latin typeface="Menlo" panose="020B0609030804020204" pitchFamily="49" charset="0"/>
-              </a:rPr>
-              <a:t>);</a:t>
-            </a:r>
-          </a:p>
-          <a:p>
-            <a:pPr marL="0" indent="0">
-              <a:buFont typeface="Arial" panose="020B0604020202020204" pitchFamily="34" charset="0"/>
-              <a:buNone/>
-            </a:pPr>
-            <a:r>
-              <a:rPr lang="de-DE" sz="1600" dirty="0" err="1">
-                <a:solidFill>
-                  <a:srgbClr val="DCDCAA"/>
-                </a:solidFill>
-                <a:latin typeface="Menlo" panose="020B0609030804020204" pitchFamily="49" charset="0"/>
-              </a:rPr>
-              <a:t>xTaskCreate</a:t>
-            </a:r>
-            <a:r>
-              <a:rPr lang="de-DE" sz="1600" dirty="0">
-                <a:solidFill>
-                  <a:srgbClr val="D4D4D4"/>
-                </a:solidFill>
-                <a:latin typeface="Menlo" panose="020B0609030804020204" pitchFamily="49" charset="0"/>
-              </a:rPr>
-              <a:t>(</a:t>
-            </a:r>
-            <a:r>
-              <a:rPr lang="de-DE" sz="1600" dirty="0" err="1">
-                <a:solidFill>
-                  <a:schemeClr val="tx1"/>
-                </a:solidFill>
-                <a:latin typeface="Menlo" panose="020B0609030804020204" pitchFamily="49" charset="0"/>
-              </a:rPr>
-              <a:t>setPointtrack</a:t>
-            </a:r>
-            <a:r>
-              <a:rPr lang="de-DE" sz="1600" dirty="0">
-                <a:solidFill>
-                  <a:srgbClr val="D4D4D4"/>
-                </a:solidFill>
-                <a:latin typeface="Menlo" panose="020B0609030804020204" pitchFamily="49" charset="0"/>
-              </a:rPr>
-              <a:t>, </a:t>
-            </a:r>
-            <a:r>
-              <a:rPr lang="de-DE" sz="1600" dirty="0">
-                <a:solidFill>
-                  <a:srgbClr val="CE9178"/>
-                </a:solidFill>
-                <a:latin typeface="Menlo" panose="020B0609030804020204" pitchFamily="49" charset="0"/>
-              </a:rPr>
-              <a:t>"SETPOINT"</a:t>
-            </a:r>
-            <a:r>
-              <a:rPr lang="de-DE" sz="1600" dirty="0">
-                <a:solidFill>
-                  <a:srgbClr val="D4D4D4"/>
-                </a:solidFill>
-                <a:latin typeface="Menlo" panose="020B0609030804020204" pitchFamily="49" charset="0"/>
-              </a:rPr>
-              <a:t>,</a:t>
-            </a:r>
-          </a:p>
-          <a:p>
-            <a:pPr marL="0" indent="0">
-              <a:buFont typeface="Arial" panose="020B0604020202020204" pitchFamily="34" charset="0"/>
-              <a:buNone/>
-            </a:pPr>
-            <a:r>
-              <a:rPr lang="de-DE" sz="1600" dirty="0">
-                <a:solidFill>
-                  <a:srgbClr val="D4D4D4"/>
-                </a:solidFill>
-                <a:latin typeface="Menlo" panose="020B0609030804020204" pitchFamily="49" charset="0"/>
-              </a:rPr>
-              <a:t>(</a:t>
-            </a:r>
-            <a:r>
-              <a:rPr lang="de-DE" sz="1600" dirty="0">
-                <a:solidFill>
-                  <a:srgbClr val="B5CEA8"/>
-                </a:solidFill>
-                <a:latin typeface="Menlo" panose="020B0609030804020204" pitchFamily="49" charset="0"/>
-              </a:rPr>
-              <a:t>3</a:t>
-            </a:r>
-            <a:r>
-              <a:rPr lang="de-DE" sz="1600" dirty="0">
-                <a:solidFill>
-                  <a:srgbClr val="D4D4D4"/>
-                </a:solidFill>
-                <a:latin typeface="Menlo" panose="020B0609030804020204" pitchFamily="49" charset="0"/>
-              </a:rPr>
-              <a:t> * </a:t>
-            </a:r>
-            <a:r>
-              <a:rPr lang="de-DE" sz="1600" dirty="0" err="1">
-                <a:solidFill>
-                  <a:schemeClr val="tx1"/>
-                </a:solidFill>
-                <a:latin typeface="Menlo" panose="020B0609030804020204" pitchFamily="49" charset="0"/>
-              </a:rPr>
-              <a:t>configMINIMAL_STACK_SIZE</a:t>
-            </a:r>
-            <a:r>
-              <a:rPr lang="de-DE" sz="1600" dirty="0">
-                <a:solidFill>
-                  <a:srgbClr val="D4D4D4"/>
-                </a:solidFill>
-                <a:latin typeface="Menlo" panose="020B0609030804020204" pitchFamily="49" charset="0"/>
-              </a:rPr>
-              <a:t>), </a:t>
-            </a:r>
-            <a:r>
-              <a:rPr lang="de-DE" sz="1600" dirty="0">
-                <a:solidFill>
-                  <a:srgbClr val="569CD6"/>
-                </a:solidFill>
-                <a:latin typeface="Menlo" panose="020B0609030804020204" pitchFamily="49" charset="0"/>
-              </a:rPr>
-              <a:t>NULL</a:t>
-            </a:r>
-            <a:r>
-              <a:rPr lang="de-DE" sz="1600" dirty="0">
-                <a:solidFill>
-                  <a:srgbClr val="D4D4D4"/>
-                </a:solidFill>
-                <a:latin typeface="Menlo" panose="020B0609030804020204" pitchFamily="49" charset="0"/>
-              </a:rPr>
-              <a:t>, </a:t>
-            </a:r>
-            <a:r>
-              <a:rPr lang="de-DE" sz="1600" dirty="0">
-                <a:solidFill>
-                  <a:srgbClr val="B5CEA8"/>
-                </a:solidFill>
-                <a:latin typeface="Menlo" panose="020B0609030804020204" pitchFamily="49" charset="0"/>
-              </a:rPr>
-              <a:t>1</a:t>
-            </a:r>
-            <a:r>
-              <a:rPr lang="de-DE" sz="1600" dirty="0">
-                <a:solidFill>
-                  <a:srgbClr val="D4D4D4"/>
-                </a:solidFill>
-                <a:latin typeface="Menlo" panose="020B0609030804020204" pitchFamily="49" charset="0"/>
-              </a:rPr>
-              <a:t>, </a:t>
-            </a:r>
-            <a:r>
-              <a:rPr lang="de-DE" sz="1600" dirty="0">
-                <a:solidFill>
-                  <a:srgbClr val="569CD6"/>
-                </a:solidFill>
-                <a:latin typeface="Menlo" panose="020B0609030804020204" pitchFamily="49" charset="0"/>
-              </a:rPr>
-              <a:t>NULL</a:t>
-            </a:r>
-            <a:r>
-              <a:rPr lang="de-DE" sz="1600" dirty="0">
-                <a:solidFill>
-                  <a:srgbClr val="D4D4D4"/>
-                </a:solidFill>
-                <a:latin typeface="Menlo" panose="020B0609030804020204" pitchFamily="49" charset="0"/>
-              </a:rPr>
-              <a:t>);</a:t>
-            </a:r>
-          </a:p>
-          <a:p>
-            <a:pPr marL="0" indent="0">
-              <a:buFont typeface="Arial" panose="020B0604020202020204" pitchFamily="34" charset="0"/>
-              <a:buNone/>
-            </a:pPr>
-            <a:r>
-              <a:rPr lang="de-DE" sz="1600" dirty="0" err="1">
-                <a:solidFill>
-                  <a:srgbClr val="DCDCAA"/>
-                </a:solidFill>
-                <a:latin typeface="Menlo" panose="020B0609030804020204" pitchFamily="49" charset="0"/>
-              </a:rPr>
-              <a:t>xTaskCreate</a:t>
-            </a:r>
-            <a:r>
-              <a:rPr lang="de-DE" sz="1600" dirty="0">
-                <a:solidFill>
-                  <a:srgbClr val="D4D4D4"/>
-                </a:solidFill>
-                <a:latin typeface="Menlo" panose="020B0609030804020204" pitchFamily="49" charset="0"/>
-              </a:rPr>
-              <a:t>(</a:t>
-            </a:r>
-            <a:r>
-              <a:rPr lang="de-DE" sz="1600" dirty="0" err="1">
-                <a:solidFill>
-                  <a:schemeClr val="tx1"/>
-                </a:solidFill>
-                <a:latin typeface="Menlo" panose="020B0609030804020204" pitchFamily="49" charset="0"/>
-              </a:rPr>
-              <a:t>controller</a:t>
-            </a:r>
-            <a:r>
-              <a:rPr lang="de-DE" sz="1600" dirty="0">
-                <a:solidFill>
-                  <a:srgbClr val="D4D4D4"/>
-                </a:solidFill>
-                <a:latin typeface="Menlo" panose="020B0609030804020204" pitchFamily="49" charset="0"/>
-              </a:rPr>
-              <a:t>, </a:t>
-            </a:r>
-            <a:r>
-              <a:rPr lang="de-DE" sz="1600" dirty="0">
-                <a:solidFill>
-                  <a:srgbClr val="CE9178"/>
-                </a:solidFill>
-                <a:latin typeface="Menlo" panose="020B0609030804020204" pitchFamily="49" charset="0"/>
-              </a:rPr>
-              <a:t>"CONTROL"</a:t>
-            </a:r>
-            <a:r>
-              <a:rPr lang="de-DE" sz="1600" dirty="0">
-                <a:solidFill>
-                  <a:srgbClr val="D4D4D4"/>
-                </a:solidFill>
-                <a:latin typeface="Menlo" panose="020B0609030804020204" pitchFamily="49" charset="0"/>
-              </a:rPr>
-              <a:t>,</a:t>
-            </a:r>
-          </a:p>
-          <a:p>
-            <a:pPr marL="0" indent="0">
-              <a:buFont typeface="Arial" panose="020B0604020202020204" pitchFamily="34" charset="0"/>
-              <a:buNone/>
-            </a:pPr>
-            <a:r>
-              <a:rPr lang="de-DE" sz="1600" dirty="0">
-                <a:solidFill>
-                  <a:srgbClr val="D4D4D4"/>
-                </a:solidFill>
-                <a:latin typeface="Menlo" panose="020B0609030804020204" pitchFamily="49" charset="0"/>
-              </a:rPr>
-              <a:t>(</a:t>
-            </a:r>
-            <a:r>
-              <a:rPr lang="de-DE" sz="1600" dirty="0">
-                <a:solidFill>
-                  <a:srgbClr val="B5CEA8"/>
-                </a:solidFill>
-                <a:latin typeface="Menlo" panose="020B0609030804020204" pitchFamily="49" charset="0"/>
-              </a:rPr>
-              <a:t>3</a:t>
-            </a:r>
-            <a:r>
-              <a:rPr lang="de-DE" sz="1600" dirty="0">
-                <a:solidFill>
-                  <a:srgbClr val="D4D4D4"/>
-                </a:solidFill>
-                <a:latin typeface="Menlo" panose="020B0609030804020204" pitchFamily="49" charset="0"/>
-              </a:rPr>
-              <a:t> * </a:t>
-            </a:r>
-            <a:r>
-              <a:rPr lang="de-DE" sz="1600" dirty="0" err="1">
-                <a:solidFill>
-                  <a:schemeClr val="tx1"/>
-                </a:solidFill>
-                <a:latin typeface="Menlo" panose="020B0609030804020204" pitchFamily="49" charset="0"/>
-              </a:rPr>
-              <a:t>configMINIMAL_STACK_SIZE</a:t>
-            </a:r>
-            <a:r>
-              <a:rPr lang="de-DE" sz="1600" dirty="0">
-                <a:solidFill>
-                  <a:srgbClr val="D4D4D4"/>
-                </a:solidFill>
-                <a:latin typeface="Menlo" panose="020B0609030804020204" pitchFamily="49" charset="0"/>
-              </a:rPr>
-              <a:t>), </a:t>
-            </a:r>
-            <a:r>
-              <a:rPr lang="de-DE" sz="1600" dirty="0">
-                <a:solidFill>
-                  <a:srgbClr val="569CD6"/>
-                </a:solidFill>
-                <a:latin typeface="Menlo" panose="020B0609030804020204" pitchFamily="49" charset="0"/>
-              </a:rPr>
-              <a:t>NULL</a:t>
-            </a:r>
-            <a:r>
-              <a:rPr lang="de-DE" sz="1600" dirty="0">
-                <a:solidFill>
-                  <a:srgbClr val="D4D4D4"/>
-                </a:solidFill>
-                <a:latin typeface="Menlo" panose="020B0609030804020204" pitchFamily="49" charset="0"/>
-              </a:rPr>
-              <a:t>, </a:t>
-            </a:r>
-            <a:r>
-              <a:rPr lang="de-DE" sz="1600" dirty="0">
-                <a:solidFill>
-                  <a:srgbClr val="B5CEA8"/>
-                </a:solidFill>
-                <a:latin typeface="Menlo" panose="020B0609030804020204" pitchFamily="49" charset="0"/>
-              </a:rPr>
-              <a:t>2</a:t>
-            </a:r>
-            <a:r>
-              <a:rPr lang="de-DE" sz="1600" dirty="0">
-                <a:solidFill>
-                  <a:srgbClr val="D4D4D4"/>
-                </a:solidFill>
-                <a:latin typeface="Menlo" panose="020B0609030804020204" pitchFamily="49" charset="0"/>
-              </a:rPr>
-              <a:t>, </a:t>
-            </a:r>
-            <a:r>
-              <a:rPr lang="de-DE" sz="1600" dirty="0">
-                <a:solidFill>
-                  <a:srgbClr val="569CD6"/>
-                </a:solidFill>
-                <a:latin typeface="Menlo" panose="020B0609030804020204" pitchFamily="49" charset="0"/>
-              </a:rPr>
-              <a:t>NULL</a:t>
-            </a:r>
-            <a:r>
-              <a:rPr lang="de-DE" sz="1600" dirty="0">
-                <a:solidFill>
-                  <a:srgbClr val="D4D4D4"/>
-                </a:solidFill>
-                <a:latin typeface="Menlo" panose="020B0609030804020204" pitchFamily="49" charset="0"/>
-              </a:rPr>
-              <a:t>);</a:t>
-            </a:r>
-          </a:p>
-          <a:p>
-            <a:pPr marL="0" indent="0">
-              <a:buFont typeface="Arial" panose="020B0604020202020204" pitchFamily="34" charset="0"/>
-              <a:buNone/>
-            </a:pPr>
-            <a:r>
-              <a:rPr lang="de-DE" sz="1600" dirty="0">
-                <a:solidFill>
-                  <a:srgbClr val="D4D4D4"/>
-                </a:solidFill>
-                <a:latin typeface="Menlo" panose="020B0609030804020204" pitchFamily="49" charset="0"/>
-              </a:rPr>
-              <a:t>}</a:t>
-            </a:r>
-          </a:p>
-          <a:p>
-            <a:pPr marL="0" indent="0">
-              <a:buFont typeface="Arial" panose="020B0604020202020204" pitchFamily="34" charset="0"/>
-              <a:buNone/>
-            </a:pPr>
-            <a:endParaRPr lang="de-DE" sz="1600" dirty="0"/>
+            <a:endParaRPr lang="de-DE" dirty="0"/>
           </a:p>
         </p:txBody>
       </p:sp>
     </p:spTree>
     <p:extLst>
       <p:ext uri="{BB962C8B-B14F-4D97-AF65-F5344CB8AC3E}">
-        <p14:creationId xmlns:p14="http://schemas.microsoft.com/office/powerpoint/2010/main" val="331199780"/>
+        <p14:creationId xmlns:p14="http://schemas.microsoft.com/office/powerpoint/2010/main" val="2246717686"/>
       </p:ext>
     </p:extLst>
   </p:cSld>
@@ -9447,7 +8704,7 @@
             </a:br>
             <a:r>
               <a:rPr lang="de-DE" dirty="0"/>
-              <a:t>- Filter </a:t>
+              <a:t>- Main </a:t>
             </a:r>
             <a:r>
               <a:rPr lang="de-DE" dirty="0" err="1"/>
@@ -9455,25 +8712,17 @@
             </a:r>
             <a:r>
               <a:rPr lang="de-DE" dirty="0"/>
-              <a:t> </a:t>
-            </a:r>
-            <a:r>
-              <a:rPr lang="de-DE" dirty="0" err="1"/>
-              <a:t>semaphores</a:t>
-            </a:r>
-            <a:r>
-              <a:rPr lang="de-DE" dirty="0"/>
-              <a:t> -</a:t>
+              <a:t>-</a:t>
             </a:r>
           </a:p>
         </p:txBody>
       </p:sp>
       <p:sp>
         <p:nvSpPr>
-          <p:cNvPr id="6" name="Inhaltsplatzhalter 5">
+          <p:cNvPr id="3" name="Inhaltsplatzhalter 2">
             <a:extLst>
               <a:ext uri="{FF2B5EF4-FFF2-40B4-BE49-F238E27FC236}">
-                <a16:creationId xmlns:a16="http://schemas.microsoft.com/office/drawing/2014/main" id="{7A4B3519-7053-4F4A-9704-0D8536946FB3}"/>
+                <a16:creationId xmlns:a16="http://schemas.microsoft.com/office/drawing/2014/main" id="{5883414A-B3A6-BE40-8248-C6206154A4F0}"/>
               </a:ext>
             </a:extLst>
           </p:cNvPr>
@@ -9486,13 +8735,13 @@
         </p:nvSpPr>
         <p:spPr>
           <a:xfrm>
-            <a:off x="468923" y="2497368"/>
-            <a:ext cx="11254153" cy="3664282"/>
+            <a:off x="754027" y="2441094"/>
+            <a:ext cx="7729728" cy="4072245"/>
           </a:xfrm>
         </p:spPr>
         <p:txBody>
           <a:bodyPr>
-            <a:normAutofit fontScale="92500" lnSpcReduction="10000"/>
+            <a:normAutofit/>
           </a:bodyPr>
           <a:lstStyle/>
           <a:p>
@@ -9500,16 +8749,34 @@
               <a:buNone/>
             </a:pPr>
             <a:r>
-              <a:rPr lang="de-DE" dirty="0" err="1">
+              <a:rPr lang="de-DE" sz="1600" dirty="0" err="1">
+                <a:solidFill>
+                  <a:srgbClr val="569CD6"/>
+                </a:solidFill>
+                <a:latin typeface="Menlo" panose="020B0609030804020204" pitchFamily="49" charset="0"/>
+              </a:rPr>
+              <a:t>void</a:t>
+            </a:r>
+            <a:r>
+              <a:rPr lang="de-DE" sz="1600" dirty="0">
+                <a:solidFill>
+                  <a:srgbClr val="D4D4D4"/>
+                </a:solidFill>
+                <a:latin typeface="Menlo" panose="020B0609030804020204" pitchFamily="49" charset="0"/>
+              </a:rPr>
+              <a:t> </a:t>
+            </a:r>
+            <a:r>
+              <a:rPr lang="de-DE" sz="1600" dirty="0" err="1">
                 <a:solidFill>
                   <a:srgbClr val="DCDCAA"/>
                 </a:solidFill>
                 <a:latin typeface="Menlo" panose="020B0609030804020204" pitchFamily="49" charset="0"/>
               </a:rPr>
-              <a:t>xSemaphoreTake</a:t>
-            </a:r>
-            <a:r>
-              <a:rPr lang="de-DE" dirty="0">
+              <a:t>yourCodeInit</a:t>
+            </a:r>
+            <a:r>
+              <a:rPr lang="de-DE" sz="1600" dirty="0">
                 <a:solidFill>
                   <a:srgbClr val="D4D4D4"/>
                 </a:solidFill>
@@ -9518,254 +8785,77 @@
               <a:t>(</a:t>
             </a:r>
             <a:r>
-              <a:rPr lang="de-DE" dirty="0" err="1">
-                <a:solidFill>
-                  <a:schemeClr val="tx1"/>
-                </a:solidFill>
-                <a:latin typeface="Menlo" panose="020B0609030804020204" pitchFamily="49" charset="0"/>
-              </a:rPr>
-              <a:t>filtsema,portMAX_DELAY</a:t>
-            </a:r>
-            <a:r>
-              <a:rPr lang="de-DE" dirty="0">
+              <a:rPr lang="de-DE" sz="1600" dirty="0" err="1">
+                <a:solidFill>
+                  <a:srgbClr val="569CD6"/>
+                </a:solidFill>
+                <a:latin typeface="Menlo" panose="020B0609030804020204" pitchFamily="49" charset="0"/>
+              </a:rPr>
+              <a:t>void</a:t>
+            </a:r>
+            <a:r>
+              <a:rPr lang="de-DE" sz="1600" dirty="0">
                 <a:solidFill>
                   <a:srgbClr val="D4D4D4"/>
                 </a:solidFill>
                 <a:latin typeface="Menlo" panose="020B0609030804020204" pitchFamily="49" charset="0"/>
               </a:rPr>
-              <a:t>); </a:t>
+              <a:t>)</a:t>
             </a:r>
           </a:p>
           <a:p>
             <a:pPr marL="0" indent="0">
               <a:buNone/>
             </a:pPr>
-            <a:endParaRPr lang="de-DE" dirty="0">
-              <a:solidFill>
-                <a:srgbClr val="D4D4D4"/>
-              </a:solidFill>
-              <a:latin typeface="Menlo" panose="020B0609030804020204" pitchFamily="49" charset="0"/>
-            </a:endParaRPr>
+            <a:r>
+              <a:rPr lang="de-DE" sz="1600" dirty="0">
+                <a:solidFill>
+                  <a:srgbClr val="D4D4D4"/>
+                </a:solidFill>
+                <a:latin typeface="Menlo" panose="020B0609030804020204" pitchFamily="49" charset="0"/>
+              </a:rPr>
+              <a:t>{</a:t>
+            </a:r>
           </a:p>
           <a:p>
             <a:pPr marL="0" indent="0">
               <a:buNone/>
             </a:pPr>
             <a:r>
-              <a:rPr lang="de-DE" dirty="0" err="1">
-                <a:solidFill>
-                  <a:srgbClr val="9CDCFE"/>
-                </a:solidFill>
-                <a:latin typeface="Menlo" panose="020B0609030804020204" pitchFamily="49" charset="0"/>
-              </a:rPr>
-              <a:t>state</a:t>
-            </a:r>
-            <a:r>
-              <a:rPr lang="de-DE" dirty="0" err="1">
+              <a:rPr lang="de-DE" sz="1600" dirty="0">
+                <a:solidFill>
+                  <a:schemeClr val="tx1"/>
+                </a:solidFill>
+                <a:latin typeface="Menlo" panose="020B0609030804020204" pitchFamily="49" charset="0"/>
+              </a:rPr>
+              <a:t>tick</a:t>
+            </a:r>
+            <a:r>
+              <a:rPr lang="de-DE" sz="1600" dirty="0">
                 <a:solidFill>
                   <a:srgbClr val="D4D4D4"/>
                 </a:solidFill>
                 <a:latin typeface="Menlo" panose="020B0609030804020204" pitchFamily="49" charset="0"/>
               </a:rPr>
-              <a:t>.</a:t>
-            </a:r>
-            <a:r>
-              <a:rPr lang="de-DE" dirty="0" err="1">
-                <a:solidFill>
-                  <a:srgbClr val="9CDCFE"/>
-                </a:solidFill>
-                <a:latin typeface="Menlo" panose="020B0609030804020204" pitchFamily="49" charset="0"/>
-              </a:rPr>
-              <a:t>pitch</a:t>
-            </a:r>
-            <a:r>
-              <a:rPr lang="de-DE" dirty="0">
+              <a:t> = </a:t>
+            </a:r>
+            <a:r>
+              <a:rPr lang="de-DE" sz="1600" dirty="0">
+                <a:solidFill>
+                  <a:srgbClr val="B5CEA8"/>
+                </a:solidFill>
+                <a:latin typeface="Menlo" panose="020B0609030804020204" pitchFamily="49" charset="0"/>
+              </a:rPr>
+              <a:t>1</a:t>
+            </a:r>
+            <a:r>
+              <a:rPr lang="de-DE" sz="1600" dirty="0">
                 <a:solidFill>
                   <a:srgbClr val="D4D4D4"/>
                 </a:solidFill>
                 <a:latin typeface="Menlo" panose="020B0609030804020204" pitchFamily="49" charset="0"/>
               </a:rPr>
-              <a:t>= (</a:t>
-            </a:r>
-            <a:r>
-              <a:rPr lang="de-DE" dirty="0">
-                <a:solidFill>
-                  <a:srgbClr val="B5CEA8"/>
-                </a:solidFill>
-                <a:latin typeface="Menlo" panose="020B0609030804020204" pitchFamily="49" charset="0"/>
-              </a:rPr>
-              <a:t>1</a:t>
-            </a:r>
-            <a:r>
-              <a:rPr lang="de-DE" dirty="0">
-                <a:solidFill>
-                  <a:srgbClr val="D4D4D4"/>
-                </a:solidFill>
-                <a:latin typeface="Menlo" panose="020B0609030804020204" pitchFamily="49" charset="0"/>
-              </a:rPr>
-              <a:t>-</a:t>
-            </a:r>
-            <a:r>
-              <a:rPr lang="de-DE" dirty="0">
-                <a:solidFill>
-                  <a:schemeClr val="tx1"/>
-                </a:solidFill>
-                <a:latin typeface="Menlo" panose="020B0609030804020204" pitchFamily="49" charset="0"/>
-              </a:rPr>
-              <a:t>gamma</a:t>
-            </a:r>
-            <a:r>
-              <a:rPr lang="de-DE" dirty="0">
-                <a:solidFill>
-                  <a:srgbClr val="D4D4D4"/>
-                </a:solidFill>
-                <a:latin typeface="Menlo" panose="020B0609030804020204" pitchFamily="49" charset="0"/>
-              </a:rPr>
-              <a:t>)*</a:t>
-            </a:r>
-            <a:r>
-              <a:rPr lang="de-DE" dirty="0" err="1">
-                <a:solidFill>
-                  <a:schemeClr val="tx1"/>
-                </a:solidFill>
-                <a:latin typeface="Menlo" panose="020B0609030804020204" pitchFamily="49" charset="0"/>
-              </a:rPr>
-              <a:t>thetaacc</a:t>
-            </a:r>
-            <a:r>
-              <a:rPr lang="de-DE" dirty="0">
-                <a:solidFill>
-                  <a:srgbClr val="D4D4D4"/>
-                </a:solidFill>
-                <a:latin typeface="Menlo" panose="020B0609030804020204" pitchFamily="49" charset="0"/>
-              </a:rPr>
-              <a:t> + </a:t>
-            </a:r>
-            <a:r>
-              <a:rPr lang="de-DE" dirty="0" err="1">
-                <a:solidFill>
-                  <a:schemeClr val="tx1"/>
-                </a:solidFill>
-                <a:latin typeface="Menlo" panose="020B0609030804020204" pitchFamily="49" charset="0"/>
-              </a:rPr>
-              <a:t>gamma</a:t>
-            </a:r>
-            <a:r>
-              <a:rPr lang="de-DE" dirty="0">
-                <a:solidFill>
-                  <a:srgbClr val="D4D4D4"/>
-                </a:solidFill>
-                <a:latin typeface="Menlo" panose="020B0609030804020204" pitchFamily="49" charset="0"/>
-              </a:rPr>
-              <a:t>*(</a:t>
-            </a:r>
-            <a:r>
-              <a:rPr lang="de-DE" dirty="0" err="1">
-                <a:solidFill>
-                  <a:srgbClr val="9CDCFE"/>
-                </a:solidFill>
-                <a:latin typeface="Menlo" panose="020B0609030804020204" pitchFamily="49" charset="0"/>
-              </a:rPr>
-              <a:t>state</a:t>
-            </a:r>
-            <a:r>
-              <a:rPr lang="de-DE" dirty="0" err="1">
-                <a:solidFill>
-                  <a:srgbClr val="D4D4D4"/>
-                </a:solidFill>
-                <a:latin typeface="Menlo" panose="020B0609030804020204" pitchFamily="49" charset="0"/>
-              </a:rPr>
-              <a:t>.</a:t>
-            </a:r>
-            <a:r>
-              <a:rPr lang="de-DE" dirty="0" err="1">
-                <a:solidFill>
-                  <a:srgbClr val="9CDCFE"/>
-                </a:solidFill>
-                <a:latin typeface="Menlo" panose="020B0609030804020204" pitchFamily="49" charset="0"/>
-              </a:rPr>
-              <a:t>pitch</a:t>
-            </a:r>
-            <a:r>
-              <a:rPr lang="de-DE" dirty="0">
-                <a:solidFill>
-                  <a:srgbClr val="D4D4D4"/>
-                </a:solidFill>
-                <a:latin typeface="Menlo" panose="020B0609030804020204" pitchFamily="49" charset="0"/>
-              </a:rPr>
-              <a:t> + </a:t>
-            </a:r>
-            <a:r>
-              <a:rPr lang="de-DE" dirty="0">
-                <a:solidFill>
-                  <a:schemeClr val="tx1"/>
-                </a:solidFill>
-                <a:latin typeface="Menlo" panose="020B0609030804020204" pitchFamily="49" charset="0"/>
-              </a:rPr>
-              <a:t>h</a:t>
-            </a:r>
-            <a:r>
-              <a:rPr lang="de-DE" dirty="0">
-                <a:solidFill>
-                  <a:srgbClr val="D4D4D4"/>
-                </a:solidFill>
-                <a:latin typeface="Menlo" panose="020B0609030804020204" pitchFamily="49" charset="0"/>
-              </a:rPr>
-              <a:t>*</a:t>
-            </a:r>
-            <a:r>
-              <a:rPr lang="de-DE" dirty="0" err="1">
-                <a:solidFill>
-                  <a:srgbClr val="9CDCFE"/>
-                </a:solidFill>
-                <a:latin typeface="Menlo" panose="020B0609030804020204" pitchFamily="49" charset="0"/>
-              </a:rPr>
-              <a:t>sensorData</a:t>
-            </a:r>
-            <a:r>
-              <a:rPr lang="de-DE" dirty="0" err="1">
-                <a:solidFill>
-                  <a:srgbClr val="D4D4D4"/>
-                </a:solidFill>
-                <a:latin typeface="Menlo" panose="020B0609030804020204" pitchFamily="49" charset="0"/>
-              </a:rPr>
-              <a:t>.</a:t>
-            </a:r>
-            <a:r>
-              <a:rPr lang="de-DE" dirty="0" err="1">
-                <a:solidFill>
-                  <a:srgbClr val="9CDCFE"/>
-                </a:solidFill>
-                <a:latin typeface="Menlo" panose="020B0609030804020204" pitchFamily="49" charset="0"/>
-              </a:rPr>
-              <a:t>gyro</a:t>
-            </a:r>
-            <a:r>
-              <a:rPr lang="de-DE" dirty="0" err="1">
-                <a:solidFill>
-                  <a:srgbClr val="D4D4D4"/>
-                </a:solidFill>
-                <a:latin typeface="Menlo" panose="020B0609030804020204" pitchFamily="49" charset="0"/>
-              </a:rPr>
-              <a:t>.</a:t>
-            </a:r>
-            <a:r>
-              <a:rPr lang="de-DE" dirty="0" err="1">
-                <a:solidFill>
-                  <a:srgbClr val="9CDCFE"/>
-                </a:solidFill>
-                <a:latin typeface="Menlo" panose="020B0609030804020204" pitchFamily="49" charset="0"/>
-              </a:rPr>
-              <a:t>y</a:t>
-            </a:r>
-            <a:r>
-              <a:rPr lang="de-DE" dirty="0">
-                <a:solidFill>
-                  <a:srgbClr val="D4D4D4"/>
-                </a:solidFill>
-                <a:latin typeface="Menlo" panose="020B0609030804020204" pitchFamily="49" charset="0"/>
-              </a:rPr>
-              <a:t>);</a:t>
+              <a:t>;</a:t>
             </a:r>
           </a:p>
           <a:p>
@@ -9773,7 +8863,7 @@
               <a:buNone/>
             </a:pPr>
             <a:r>
-              <a:rPr lang="de-DE" dirty="0" err="1">
+              <a:rPr lang="de-DE" sz="1600" dirty="0" err="1">
                 <a:solidFill>
                   <a:srgbClr val="9CDCFE"/>
                 </a:solidFill>
@@ -9782,7 +8872,7 @@
               <a:t>state</a:t>
             </a:r>
             <a:r>
-              <a:rPr lang="de-DE" dirty="0" err="1">
+              <a:rPr lang="de-DE" sz="1600" dirty="0" err="1">
                 <a:solidFill>
                   <a:srgbClr val="D4D4D4"/>
                 </a:solidFill>
@@ -9791,7 +8881,7 @@
               <a:t>.</a:t>
             </a:r>
             <a:r>
-              <a:rPr lang="de-DE" dirty="0" err="1">
+              <a:rPr lang="de-DE" sz="1600" dirty="0" err="1">
                 <a:solidFill>
                   <a:srgbClr val="9CDCFE"/>
                 </a:solidFill>
@@ -9800,193 +8890,31 @@
               <a:t>roll</a:t>
             </a:r>
             <a:r>
-              <a:rPr lang="de-DE" dirty="0">
+              <a:rPr lang="de-DE" sz="1600" dirty="0">
                 <a:solidFill>
                   <a:srgbClr val="D4D4D4"/>
                 </a:solidFill>
                 <a:latin typeface="Menlo" panose="020B0609030804020204" pitchFamily="49" charset="0"/>
               </a:rPr>
-              <a:t>= (</a:t>
-            </a:r>
-            <a:r>
-              <a:rPr lang="de-DE" dirty="0">
+              <a:t> = </a:t>
+            </a:r>
+            <a:r>
+              <a:rPr lang="de-DE" sz="1600" dirty="0">
                 <a:solidFill>
                   <a:srgbClr val="B5CEA8"/>
                 </a:solidFill>
                 <a:latin typeface="Menlo" panose="020B0609030804020204" pitchFamily="49" charset="0"/>
               </a:rPr>
-              <a:t>1</a:t>
-            </a:r>
-            <a:r>
-              <a:rPr lang="de-DE" dirty="0">
+              <a:t>0.0f</a:t>
+            </a:r>
+            <a:r>
+              <a:rPr lang="de-DE" sz="1600" dirty="0">
                 <a:solidFill>
                   <a:srgbClr val="D4D4D4"/>
                 </a:solidFill>
                 <a:latin typeface="Menlo" panose="020B0609030804020204" pitchFamily="49" charset="0"/>
               </a:rPr>
-              <a:t>-</a:t>
-            </a:r>
-            <a:r>
-              <a:rPr lang="de-DE" dirty="0">
-                <a:solidFill>
-                  <a:schemeClr val="tx1"/>
-                </a:solidFill>
-                <a:latin typeface="Menlo" panose="020B0609030804020204" pitchFamily="49" charset="0"/>
-              </a:rPr>
-              <a:t>gamma</a:t>
-            </a:r>
-            <a:r>
-              <a:rPr lang="de-DE" dirty="0">
-                <a:solidFill>
-                  <a:srgbClr val="D4D4D4"/>
-                </a:solidFill>
-                <a:latin typeface="Menlo" panose="020B0609030804020204" pitchFamily="49" charset="0"/>
-              </a:rPr>
-              <a:t>)*</a:t>
-            </a:r>
-            <a:r>
-              <a:rPr lang="de-DE" dirty="0" err="1">
-                <a:solidFill>
-                  <a:schemeClr val="tx1"/>
-                </a:solidFill>
-                <a:latin typeface="Menlo" panose="020B0609030804020204" pitchFamily="49" charset="0"/>
-              </a:rPr>
-              <a:t>phiacc</a:t>
-            </a:r>
-            <a:r>
-              <a:rPr lang="de-DE" dirty="0">
-                <a:solidFill>
-                  <a:srgbClr val="D4D4D4"/>
-                </a:solidFill>
-                <a:latin typeface="Menlo" panose="020B0609030804020204" pitchFamily="49" charset="0"/>
-              </a:rPr>
-              <a:t> + </a:t>
-            </a:r>
-            <a:r>
-              <a:rPr lang="de-DE" dirty="0" err="1">
-                <a:solidFill>
-                  <a:schemeClr val="tx1"/>
-                </a:solidFill>
-                <a:latin typeface="Menlo" panose="020B0609030804020204" pitchFamily="49" charset="0"/>
-              </a:rPr>
-              <a:t>gamma</a:t>
-            </a:r>
-            <a:r>
-              <a:rPr lang="de-DE" dirty="0">
-                <a:solidFill>
-                  <a:srgbClr val="D4D4D4"/>
-                </a:solidFill>
-                <a:latin typeface="Menlo" panose="020B0609030804020204" pitchFamily="49" charset="0"/>
-              </a:rPr>
-              <a:t>*(</a:t>
-            </a:r>
-            <a:r>
-              <a:rPr lang="de-DE" dirty="0" err="1">
-                <a:solidFill>
-                  <a:srgbClr val="9CDCFE"/>
-                </a:solidFill>
-                <a:latin typeface="Menlo" panose="020B0609030804020204" pitchFamily="49" charset="0"/>
-              </a:rPr>
-              <a:t>state</a:t>
-            </a:r>
-            <a:r>
-              <a:rPr lang="de-DE" dirty="0" err="1">
-                <a:solidFill>
-                  <a:srgbClr val="D4D4D4"/>
-                </a:solidFill>
-                <a:latin typeface="Menlo" panose="020B0609030804020204" pitchFamily="49" charset="0"/>
-              </a:rPr>
-              <a:t>.</a:t>
-            </a:r>
-            <a:r>
-              <a:rPr lang="de-DE" dirty="0" err="1">
-                <a:solidFill>
-                  <a:srgbClr val="9CDCFE"/>
-                </a:solidFill>
-                <a:latin typeface="Menlo" panose="020B0609030804020204" pitchFamily="49" charset="0"/>
-              </a:rPr>
-              <a:t>roll</a:t>
-            </a:r>
-            <a:r>
-              <a:rPr lang="de-DE" dirty="0">
-                <a:solidFill>
-                  <a:srgbClr val="D4D4D4"/>
-                </a:solidFill>
-                <a:latin typeface="Menlo" panose="020B0609030804020204" pitchFamily="49" charset="0"/>
-              </a:rPr>
-              <a:t> + </a:t>
-            </a:r>
-            <a:r>
-              <a:rPr lang="de-DE" dirty="0">
-                <a:solidFill>
-                  <a:schemeClr val="tx1"/>
-                </a:solidFill>
-                <a:latin typeface="Menlo" panose="020B0609030804020204" pitchFamily="49" charset="0"/>
-              </a:rPr>
-              <a:t>h</a:t>
-            </a:r>
-            <a:r>
-              <a:rPr lang="de-DE" dirty="0">
-                <a:solidFill>
-                  <a:srgbClr val="D4D4D4"/>
-                </a:solidFill>
-                <a:latin typeface="Menlo" panose="020B0609030804020204" pitchFamily="49" charset="0"/>
-              </a:rPr>
-              <a:t>*</a:t>
-            </a:r>
-            <a:r>
-              <a:rPr lang="de-DE" dirty="0" err="1">
-                <a:solidFill>
-                  <a:srgbClr val="9CDCFE"/>
-                </a:solidFill>
-                <a:latin typeface="Menlo" panose="020B0609030804020204" pitchFamily="49" charset="0"/>
-              </a:rPr>
-              <a:t>sensorData</a:t>
-            </a:r>
-            <a:r>
-              <a:rPr lang="de-DE" dirty="0" err="1">
-                <a:solidFill>
-                  <a:srgbClr val="D4D4D4"/>
-                </a:solidFill>
-                <a:latin typeface="Menlo" panose="020B0609030804020204" pitchFamily="49" charset="0"/>
-              </a:rPr>
-              <a:t>.</a:t>
-            </a:r>
-            <a:r>
-              <a:rPr lang="de-DE" dirty="0" err="1">
-                <a:solidFill>
-                  <a:srgbClr val="9CDCFE"/>
-                </a:solidFill>
-                <a:latin typeface="Menlo" panose="020B0609030804020204" pitchFamily="49" charset="0"/>
-              </a:rPr>
-              <a:t>gyro</a:t>
-            </a:r>
-            <a:r>
-              <a:rPr lang="de-DE" dirty="0" err="1">
-                <a:solidFill>
-                  <a:srgbClr val="D4D4D4"/>
-                </a:solidFill>
-                <a:latin typeface="Menlo" panose="020B0609030804020204" pitchFamily="49" charset="0"/>
-              </a:rPr>
-              <a:t>.</a:t>
-            </a:r>
-            <a:r>
-              <a:rPr lang="de-DE" dirty="0" err="1">
-                <a:solidFill>
-                  <a:srgbClr val="9CDCFE"/>
-                </a:solidFill>
-                <a:latin typeface="Menlo" panose="020B0609030804020204" pitchFamily="49" charset="0"/>
-              </a:rPr>
-              <a:t>x</a:t>
-            </a:r>
-            <a:r>
-              <a:rPr lang="de-DE" dirty="0">
-                <a:solidFill>
-                  <a:srgbClr val="D4D4D4"/>
-                </a:solidFill>
-                <a:latin typeface="Menlo" panose="020B0609030804020204" pitchFamily="49" charset="0"/>
-              </a:rPr>
-              <a:t>);</a:t>
+              <a:t>;</a:t>
             </a:r>
           </a:p>
           <a:p>
@@ -9994,7 +8922,7 @@
               <a:buNone/>
             </a:pPr>
             <a:r>
-              <a:rPr lang="de-DE" dirty="0" err="1">
+              <a:rPr lang="de-DE" sz="1600" dirty="0" err="1">
                 <a:solidFill>
                   <a:srgbClr val="9CDCFE"/>
                 </a:solidFill>
@@ -10003,7 +8931,7 @@
               <a:t>state</a:t>
             </a:r>
             <a:r>
-              <a:rPr lang="de-DE" dirty="0" err="1">
+              <a:rPr lang="de-DE" sz="1600" dirty="0" err="1">
                 <a:solidFill>
                   <a:srgbClr val="D4D4D4"/>
                 </a:solidFill>
@@ -10012,70 +8940,34 @@
               <a:t>.</a:t>
             </a:r>
             <a:r>
-              <a:rPr lang="de-DE" dirty="0" err="1">
+              <a:rPr lang="de-DE" sz="1600" dirty="0" err="1">
                 <a:solidFill>
                   <a:srgbClr val="9CDCFE"/>
                 </a:solidFill>
                 <a:latin typeface="Menlo" panose="020B0609030804020204" pitchFamily="49" charset="0"/>
               </a:rPr>
-              <a:t>rateRoll</a:t>
-            </a:r>
-            <a:r>
-              <a:rPr lang="de-DE" dirty="0">
+              <a:t>pitch</a:t>
+            </a:r>
+            <a:r>
+              <a:rPr lang="de-DE" sz="1600" dirty="0">
                 <a:solidFill>
                   <a:srgbClr val="D4D4D4"/>
                 </a:solidFill>
                 <a:latin typeface="Menlo" panose="020B0609030804020204" pitchFamily="49" charset="0"/>
               </a:rPr>
-              <a:t>= </a:t>
-            </a:r>
-            <a:r>
-              <a:rPr lang="de-DE" dirty="0" err="1">
-                <a:solidFill>
-                  <a:srgbClr val="9CDCFE"/>
-                </a:solidFill>
-                <a:latin typeface="Menlo" panose="020B0609030804020204" pitchFamily="49" charset="0"/>
-              </a:rPr>
-              <a:t>sensorData</a:t>
-            </a:r>
-            <a:r>
-              <a:rPr lang="de-DE" dirty="0" err="1">
-                <a:solidFill>
-                  <a:srgbClr val="D4D4D4"/>
-                </a:solidFill>
-                <a:latin typeface="Menlo" panose="020B0609030804020204" pitchFamily="49" charset="0"/>
-              </a:rPr>
-              <a:t>.</a:t>
-            </a:r>
-            <a:r>
-              <a:rPr lang="de-DE" dirty="0" err="1">
-                <a:solidFill>
-                  <a:srgbClr val="9CDCFE"/>
-                </a:solidFill>
-                <a:latin typeface="Menlo" panose="020B0609030804020204" pitchFamily="49" charset="0"/>
-              </a:rPr>
-              <a:t>gyro</a:t>
-            </a:r>
-            <a:r>
-              <a:rPr lang="de-DE" dirty="0" err="1">
-                <a:solidFill>
-                  <a:srgbClr val="D4D4D4"/>
-                </a:solidFill>
-                <a:latin typeface="Menlo" panose="020B0609030804020204" pitchFamily="49" charset="0"/>
-              </a:rPr>
-              <a:t>.</a:t>
-            </a:r>
-            <a:r>
-              <a:rPr lang="de-DE" dirty="0" err="1">
-                <a:solidFill>
-                  <a:srgbClr val="9CDCFE"/>
-                </a:solidFill>
-                <a:latin typeface="Menlo" panose="020B0609030804020204" pitchFamily="49" charset="0"/>
-              </a:rPr>
-              <a:t>x</a:t>
-            </a:r>
-            <a:r>
-              <a:rPr lang="de-DE" dirty="0">
+              <a:t> = </a:t>
+            </a:r>
+            <a:r>
+              <a:rPr lang="de-DE" sz="1600" dirty="0">
+                <a:solidFill>
+                  <a:srgbClr val="B5CEA8"/>
+                </a:solidFill>
+                <a:latin typeface="Menlo" panose="020B0609030804020204" pitchFamily="49" charset="0"/>
+              </a:rPr>
+              <a:t>0.0f</a:t>
+            </a:r>
+            <a:r>
+              <a:rPr lang="de-DE" sz="1600" dirty="0">
                 <a:solidFill>
                   <a:srgbClr val="D4D4D4"/>
                 </a:solidFill>
@@ -10089,94 +8981,40 @@
               <a:buNone/>
             </a:pPr>
             <a:r>
-              <a:rPr lang="de-DE" dirty="0" err="1">
-                <a:solidFill>
-                  <a:srgbClr val="9CDCFE"/>
-                </a:solidFill>
-                <a:latin typeface="Menlo" panose="020B0609030804020204" pitchFamily="49" charset="0"/>
-              </a:rPr>
-              <a:t>state</a:t>
-            </a:r>
-            <a:r>
-              <a:rPr lang="de-DE" dirty="0" err="1">
+              <a:rPr lang="de-DE" sz="1600" dirty="0" err="1">
+                <a:solidFill>
+                  <a:schemeClr val="tx1"/>
+                </a:solidFill>
+                <a:latin typeface="Menlo" panose="020B0609030804020204" pitchFamily="49" charset="0"/>
+              </a:rPr>
+              <a:t>filtsema</a:t>
+            </a:r>
+            <a:r>
+              <a:rPr lang="de-DE" sz="1600" dirty="0">
                 <a:solidFill>
                   <a:srgbClr val="D4D4D4"/>
                 </a:solidFill>
                 <a:latin typeface="Menlo" panose="020B0609030804020204" pitchFamily="49" charset="0"/>
               </a:rPr>
-              <a:t>.</a:t>
-            </a:r>
-            <a:r>
-              <a:rPr lang="de-DE" dirty="0" err="1">
-                <a:solidFill>
-                  <a:srgbClr val="9CDCFE"/>
-                </a:solidFill>
-                <a:latin typeface="Menlo" panose="020B0609030804020204" pitchFamily="49" charset="0"/>
-              </a:rPr>
-              <a:t>ratePitch</a:t>
-            </a:r>
-            <a:r>
-              <a:rPr lang="de-DE" dirty="0">
+              <a:t> = </a:t>
+            </a:r>
+            <a:r>
+              <a:rPr lang="de-DE" sz="1600" dirty="0" err="1">
+                <a:solidFill>
+                  <a:srgbClr val="DCDCAA"/>
+                </a:solidFill>
+                <a:latin typeface="Menlo" panose="020B0609030804020204" pitchFamily="49" charset="0"/>
+              </a:rPr>
+              <a:t>xSemaphoreCreateMutex</a:t>
+            </a:r>
+            <a:r>
+              <a:rPr lang="de-DE" sz="1600" dirty="0">
                 <a:solidFill>
                   <a:srgbClr val="D4D4D4"/>
                 </a:solidFill>
                 <a:latin typeface="Menlo" panose="020B0609030804020204" pitchFamily="49" charset="0"/>
               </a:rPr>
-              <a:t>= </a:t>
-            </a:r>
-            <a:r>
-              <a:rPr lang="de-DE" dirty="0" err="1">
-                <a:solidFill>
-                  <a:srgbClr val="9CDCFE"/>
-                </a:solidFill>
-                <a:latin typeface="Menlo" panose="020B0609030804020204" pitchFamily="49" charset="0"/>
-              </a:rPr>
-              <a:t>sensorData</a:t>
-            </a:r>
-            <a:r>
-              <a:rPr lang="de-DE" dirty="0" err="1">
-                <a:solidFill>
-                  <a:srgbClr val="D4D4D4"/>
-                </a:solidFill>
-                <a:latin typeface="Menlo" panose="020B0609030804020204" pitchFamily="49" charset="0"/>
-              </a:rPr>
-              <a:t>.</a:t>
-            </a:r>
-            <a:r>
-              <a:rPr lang="de-DE" dirty="0" err="1">
-                <a:solidFill>
-                  <a:srgbClr val="9CDCFE"/>
-                </a:solidFill>
-                <a:latin typeface="Menlo" panose="020B0609030804020204" pitchFamily="49" charset="0"/>
-              </a:rPr>
-              <a:t>gyro</a:t>
-            </a:r>
-            <a:r>
-              <a:rPr lang="de-DE" dirty="0" err="1">
-                <a:solidFill>
-                  <a:srgbClr val="D4D4D4"/>
-                </a:solidFill>
-                <a:latin typeface="Menlo" panose="020B0609030804020204" pitchFamily="49" charset="0"/>
-              </a:rPr>
-              <a:t>.</a:t>
-            </a:r>
-            <a:r>
-              <a:rPr lang="de-DE" dirty="0" err="1">
-                <a:solidFill>
-                  <a:srgbClr val="9CDCFE"/>
-                </a:solidFill>
-                <a:latin typeface="Menlo" panose="020B0609030804020204" pitchFamily="49" charset="0"/>
-              </a:rPr>
-              <a:t>y</a:t>
-            </a:r>
-            <a:r>
-              <a:rPr lang="de-DE" dirty="0">
-                <a:solidFill>
-                  <a:srgbClr val="D4D4D4"/>
-                </a:solidFill>
-                <a:latin typeface="Menlo" panose="020B0609030804020204" pitchFamily="49" charset="0"/>
-              </a:rPr>
-              <a:t>;</a:t>
+              <a:t>();</a:t>
             </a:r>
           </a:p>
           <a:p>
@@ -10184,145 +9022,367 @@
               <a:buNone/>
             </a:pPr>
             <a:r>
-              <a:rPr lang="de-DE" dirty="0" err="1">
-                <a:solidFill>
-                  <a:srgbClr val="9CDCFE"/>
-                </a:solidFill>
-                <a:latin typeface="Menlo" panose="020B0609030804020204" pitchFamily="49" charset="0"/>
-              </a:rPr>
-              <a:t>state</a:t>
-            </a:r>
-            <a:r>
-              <a:rPr lang="de-DE" dirty="0" err="1">
+              <a:rPr lang="de-DE" sz="1600" dirty="0">
                 <a:solidFill>
                   <a:srgbClr val="D4D4D4"/>
                 </a:solidFill>
                 <a:latin typeface="Menlo" panose="020B0609030804020204" pitchFamily="49" charset="0"/>
               </a:rPr>
-              <a:t>.</a:t>
-            </a:r>
-            <a:r>
-              <a:rPr lang="de-DE" dirty="0" err="1">
-                <a:solidFill>
-                  <a:srgbClr val="9CDCFE"/>
-                </a:solidFill>
-                <a:latin typeface="Menlo" panose="020B0609030804020204" pitchFamily="49" charset="0"/>
-              </a:rPr>
-              <a:t>rateYaw</a:t>
-            </a:r>
-            <a:r>
-              <a:rPr lang="de-DE" dirty="0">
+              <a:t>  </a:t>
+            </a:r>
+            <a:r>
+              <a:rPr lang="de-DE" sz="1600" dirty="0" err="1">
+                <a:solidFill>
+                  <a:schemeClr val="tx1"/>
+                </a:solidFill>
+                <a:latin typeface="Menlo" panose="020B0609030804020204" pitchFamily="49" charset="0"/>
+              </a:rPr>
+              <a:t>setsema</a:t>
+            </a:r>
+            <a:r>
+              <a:rPr lang="de-DE" sz="1600" dirty="0">
                 <a:solidFill>
                   <a:srgbClr val="D4D4D4"/>
                 </a:solidFill>
                 <a:latin typeface="Menlo" panose="020B0609030804020204" pitchFamily="49" charset="0"/>
               </a:rPr>
-              <a:t>= </a:t>
-            </a:r>
-            <a:r>
-              <a:rPr lang="de-DE" dirty="0" err="1">
-                <a:solidFill>
-                  <a:srgbClr val="9CDCFE"/>
-                </a:solidFill>
-                <a:latin typeface="Menlo" panose="020B0609030804020204" pitchFamily="49" charset="0"/>
-              </a:rPr>
-              <a:t>sensorData</a:t>
-            </a:r>
-            <a:r>
-              <a:rPr lang="de-DE" dirty="0" err="1">
+              <a:t> = </a:t>
+            </a:r>
+            <a:r>
+              <a:rPr lang="de-DE" sz="1600" dirty="0" err="1">
+                <a:solidFill>
+                  <a:srgbClr val="DCDCAA"/>
+                </a:solidFill>
+                <a:latin typeface="Menlo" panose="020B0609030804020204" pitchFamily="49" charset="0"/>
+              </a:rPr>
+              <a:t>xSemaphoreCreateMutex</a:t>
+            </a:r>
+            <a:r>
+              <a:rPr lang="de-DE" sz="1600" dirty="0">
                 <a:solidFill>
                   <a:srgbClr val="D4D4D4"/>
                 </a:solidFill>
                 <a:latin typeface="Menlo" panose="020B0609030804020204" pitchFamily="49" charset="0"/>
               </a:rPr>
-              <a:t>.</a:t>
-            </a:r>
-            <a:r>
-              <a:rPr lang="de-DE" dirty="0" err="1">
-                <a:solidFill>
-                  <a:srgbClr val="9CDCFE"/>
-                </a:solidFill>
-                <a:latin typeface="Menlo" panose="020B0609030804020204" pitchFamily="49" charset="0"/>
-              </a:rPr>
-              <a:t>gyro</a:t>
-            </a:r>
-            <a:r>
-              <a:rPr lang="de-DE" dirty="0" err="1">
-                <a:solidFill>
-                  <a:srgbClr val="D4D4D4"/>
-                </a:solidFill>
-                <a:latin typeface="Menlo" panose="020B0609030804020204" pitchFamily="49" charset="0"/>
-              </a:rPr>
-              <a:t>.</a:t>
-            </a:r>
-            <a:r>
-              <a:rPr lang="de-DE" dirty="0" err="1">
-                <a:solidFill>
-                  <a:srgbClr val="9CDCFE"/>
-                </a:solidFill>
-                <a:latin typeface="Menlo" panose="020B0609030804020204" pitchFamily="49" charset="0"/>
-              </a:rPr>
-              <a:t>z</a:t>
-            </a:r>
-            <a:r>
-              <a:rPr lang="de-DE" dirty="0">
-                <a:solidFill>
-                  <a:srgbClr val="D4D4D4"/>
-                </a:solidFill>
-                <a:latin typeface="Menlo" panose="020B0609030804020204" pitchFamily="49" charset="0"/>
-              </a:rPr>
-              <a:t>;</a:t>
+              <a:t>();</a:t>
             </a:r>
           </a:p>
           <a:p>
             <a:pPr marL="0" indent="0">
               <a:buNone/>
             </a:pPr>
-            <a:r>
-              <a:rPr lang="de-DE" dirty="0">
+            <a:br>
+              <a:rPr lang="de-DE" sz="1600" dirty="0">
+                <a:solidFill>
+                  <a:srgbClr val="D4D4D4"/>
+                </a:solidFill>
+                <a:latin typeface="Menlo" panose="020B0609030804020204" pitchFamily="49" charset="0"/>
+              </a:rPr>
+            </a:br>
+            <a:endParaRPr lang="de-DE" sz="1600" dirty="0"/>
+          </a:p>
+        </p:txBody>
+      </p:sp>
+      <p:sp>
+        <p:nvSpPr>
+          <p:cNvPr id="4" name="Inhaltsplatzhalter 2">
+            <a:extLst>
+              <a:ext uri="{FF2B5EF4-FFF2-40B4-BE49-F238E27FC236}">
+                <a16:creationId xmlns:a16="http://schemas.microsoft.com/office/drawing/2014/main" id="{622E6183-A73A-4F43-8B05-DF2E45162898}"/>
+              </a:ext>
+            </a:extLst>
+          </p:cNvPr>
+          <p:cNvSpPr txBox="1">
+            <a:spLocks/>
+          </p:cNvSpPr>
+          <p:nvPr/>
+        </p:nvSpPr>
+        <p:spPr>
+          <a:xfrm>
+            <a:off x="6096000" y="3144478"/>
+            <a:ext cx="7729728" cy="4072245"/>
+          </a:xfrm>
+          <a:prstGeom prst="rect">
+            <a:avLst/>
+          </a:prstGeom>
+        </p:spPr>
+        <p:txBody>
+          <a:bodyPr vert="horz" lIns="91440" tIns="45720" rIns="91440" bIns="45720" rtlCol="0">
+            <a:normAutofit/>
+          </a:bodyPr>
+          <a:lstStyle>
+            <a:lvl1pPr marL="228600" indent="-228600" algn="l" defTabSz="914400" rtl="0" eaLnBrk="1" latinLnBrk="0" hangingPunct="1">
+              <a:lnSpc>
+                <a:spcPct val="100000"/>
+              </a:lnSpc>
+              <a:spcBef>
+                <a:spcPts val="1000"/>
+              </a:spcBef>
+              <a:buClr>
+                <a:schemeClr val="accent2"/>
+              </a:buClr>
+              <a:buFont typeface="Arial" panose="020B0604020202020204" pitchFamily="34" charset="0"/>
+              <a:buChar char="•"/>
+              <a:defRPr sz="1800" kern="1200">
+                <a:solidFill>
+                  <a:schemeClr val="tx1">
+                    <a:lumMod val="85000"/>
+                    <a:lumOff val="15000"/>
+                  </a:schemeClr>
+                </a:solidFill>
+                <a:latin typeface="+mn-lt"/>
+                <a:ea typeface="+mn-ea"/>
+                <a:cs typeface="+mn-cs"/>
+              </a:defRPr>
+            </a:lvl1pPr>
+            <a:lvl2pPr marL="457200" indent="-228600" algn="l" defTabSz="914400" rtl="0" eaLnBrk="1" latinLnBrk="0" hangingPunct="1">
+              <a:lnSpc>
+                <a:spcPct val="100000"/>
+              </a:lnSpc>
+              <a:spcBef>
+                <a:spcPts val="1000"/>
+              </a:spcBef>
+              <a:buClr>
+                <a:schemeClr val="accent2"/>
+              </a:buClr>
+              <a:buFont typeface="Arial" panose="020B0604020202020204" pitchFamily="34" charset="0"/>
+              <a:buChar char="•"/>
+              <a:defRPr sz="1600" kern="1200">
+                <a:solidFill>
+                  <a:schemeClr val="tx1">
+                    <a:lumMod val="85000"/>
+                    <a:lumOff val="15000"/>
+                  </a:schemeClr>
+                </a:solidFill>
+                <a:latin typeface="+mn-lt"/>
+                <a:ea typeface="+mn-ea"/>
+                <a:cs typeface="+mn-cs"/>
+              </a:defRPr>
+            </a:lvl2pPr>
+            <a:lvl3pPr marL="685800" indent="-228600" algn="l" defTabSz="914400" rtl="0" eaLnBrk="1" latinLnBrk="0" hangingPunct="1">
+              <a:lnSpc>
+                <a:spcPct val="100000"/>
+              </a:lnSpc>
+              <a:spcBef>
+                <a:spcPts val="1000"/>
+              </a:spcBef>
+              <a:buClr>
+                <a:schemeClr val="accent2"/>
+              </a:buClr>
+              <a:buFont typeface="Arial" panose="020B0604020202020204" pitchFamily="34" charset="0"/>
+              <a:buChar char="•"/>
+              <a:defRPr sz="1600" kern="1200">
+                <a:solidFill>
+                  <a:schemeClr val="tx1">
+                    <a:lumMod val="85000"/>
+                    <a:lumOff val="15000"/>
+                  </a:schemeClr>
+                </a:solidFill>
+                <a:latin typeface="+mn-lt"/>
+                <a:ea typeface="+mn-ea"/>
+                <a:cs typeface="+mn-cs"/>
+              </a:defRPr>
+            </a:lvl3pPr>
+            <a:lvl4pPr marL="914400" indent="-228600" algn="l" defTabSz="914400" rtl="0" eaLnBrk="1" latinLnBrk="0" hangingPunct="1">
+              <a:lnSpc>
+                <a:spcPct val="100000"/>
+              </a:lnSpc>
+              <a:spcBef>
+                <a:spcPts val="1000"/>
+              </a:spcBef>
+              <a:buClr>
+                <a:schemeClr val="accent2"/>
+              </a:buClr>
+              <a:buFont typeface="Arial" panose="020B0604020202020204" pitchFamily="34" charset="0"/>
+              <a:buChar char="•"/>
+              <a:defRPr sz="1600" kern="1200">
+                <a:solidFill>
+                  <a:schemeClr val="tx1">
+                    <a:lumMod val="85000"/>
+                    <a:lumOff val="15000"/>
+                  </a:schemeClr>
+                </a:solidFill>
+                <a:latin typeface="+mn-lt"/>
+                <a:ea typeface="+mn-ea"/>
+                <a:cs typeface="+mn-cs"/>
+              </a:defRPr>
+            </a:lvl4pPr>
+            <a:lvl5pPr marL="1143000" indent="-228600" algn="l" defTabSz="914400" rtl="0" eaLnBrk="1" latinLnBrk="0" hangingPunct="1">
+              <a:lnSpc>
+                <a:spcPct val="100000"/>
+              </a:lnSpc>
+              <a:spcBef>
+                <a:spcPts val="1000"/>
+              </a:spcBef>
+              <a:buClr>
+                <a:schemeClr val="accent2"/>
+              </a:buClr>
+              <a:buFont typeface="Arial" panose="020B0604020202020204" pitchFamily="34" charset="0"/>
+              <a:buChar char="•"/>
+              <a:defRPr sz="1600" kern="1200">
+                <a:solidFill>
+                  <a:schemeClr val="tx1">
+                    <a:lumMod val="85000"/>
+                    <a:lumOff val="15000"/>
+                  </a:schemeClr>
+                </a:solidFill>
+                <a:latin typeface="+mn-lt"/>
+                <a:ea typeface="+mn-ea"/>
+                <a:cs typeface="+mn-cs"/>
+              </a:defRPr>
+            </a:lvl5pPr>
+            <a:lvl6pPr marL="1312863" indent="-228600" algn="l" defTabSz="914400" rtl="0" eaLnBrk="1" latinLnBrk="0" hangingPunct="1">
+              <a:lnSpc>
+                <a:spcPct val="100000"/>
+              </a:lnSpc>
+              <a:spcBef>
+                <a:spcPts val="1000"/>
+              </a:spcBef>
+              <a:buClr>
+                <a:schemeClr val="accent2"/>
+              </a:buClr>
+              <a:buFont typeface="Arial" panose="020B0604020202020204" pitchFamily="34" charset="0"/>
+              <a:buChar char="•"/>
+              <a:defRPr sz="1600" kern="1200">
                 <a:solidFill>
                   <a:schemeClr val="tx1"/>
                 </a:solidFill>
-                <a:latin typeface="Menlo" panose="020B0609030804020204" pitchFamily="49" charset="0"/>
-              </a:rPr>
-              <a:t>tick++</a:t>
-            </a:r>
-            <a:r>
-              <a:rPr lang="de-DE" dirty="0">
-                <a:solidFill>
-                  <a:srgbClr val="D4D4D4"/>
-                </a:solidFill>
-                <a:latin typeface="Menlo" panose="020B0609030804020204" pitchFamily="49" charset="0"/>
-              </a:rPr>
-              <a:t>;</a:t>
-            </a:r>
-          </a:p>
+                <a:latin typeface="+mn-lt"/>
+                <a:ea typeface="+mn-ea"/>
+                <a:cs typeface="+mn-cs"/>
+              </a:defRPr>
+            </a:lvl6pPr>
+            <a:lvl7pPr marL="1484313" indent="-228600" algn="l" defTabSz="914400" rtl="0" eaLnBrk="1" latinLnBrk="0" hangingPunct="1">
+              <a:lnSpc>
+                <a:spcPct val="100000"/>
+              </a:lnSpc>
+              <a:spcBef>
+                <a:spcPts val="1000"/>
+              </a:spcBef>
+              <a:buClr>
+                <a:schemeClr val="accent2"/>
+              </a:buClr>
+              <a:buFont typeface="Arial" panose="020B0604020202020204" pitchFamily="34" charset="0"/>
+              <a:buChar char="•"/>
+              <a:defRPr sz="1600" kern="1200">
+                <a:solidFill>
+                  <a:schemeClr val="tx1"/>
+                </a:solidFill>
+                <a:latin typeface="+mn-lt"/>
+                <a:ea typeface="+mn-ea"/>
+                <a:cs typeface="+mn-cs"/>
+              </a:defRPr>
+            </a:lvl7pPr>
+            <a:lvl8pPr marL="1657350" indent="-228600" algn="l" defTabSz="914400" rtl="0" eaLnBrk="1" latinLnBrk="0" hangingPunct="1">
+              <a:lnSpc>
+                <a:spcPct val="100000"/>
+              </a:lnSpc>
+              <a:spcBef>
+                <a:spcPts val="1000"/>
+              </a:spcBef>
+              <a:buClr>
+                <a:schemeClr val="accent2"/>
+              </a:buClr>
+              <a:buFont typeface="Arial" panose="020B0604020202020204" pitchFamily="34" charset="0"/>
+              <a:buChar char="•"/>
+              <a:defRPr sz="1600" kern="1200" baseline="0">
+                <a:solidFill>
+                  <a:schemeClr val="tx1"/>
+                </a:solidFill>
+                <a:latin typeface="+mn-lt"/>
+                <a:ea typeface="+mn-ea"/>
+                <a:cs typeface="+mn-cs"/>
+              </a:defRPr>
+            </a:lvl8pPr>
+            <a:lvl9pPr marL="1882775" indent="-228600" algn="l" defTabSz="914400" rtl="0" eaLnBrk="1" latinLnBrk="0" hangingPunct="1">
+              <a:lnSpc>
+                <a:spcPct val="100000"/>
+              </a:lnSpc>
+              <a:spcBef>
+                <a:spcPts val="1000"/>
+              </a:spcBef>
+              <a:buClr>
+                <a:schemeClr val="accent2"/>
+              </a:buClr>
+              <a:buFont typeface="Arial" panose="020B0604020202020204" pitchFamily="34" charset="0"/>
+              <a:buChar char="•"/>
+              <a:defRPr sz="1600" kern="1200" baseline="0">
+                <a:solidFill>
+                  <a:schemeClr val="tx1"/>
+                </a:solidFill>
+                <a:latin typeface="+mn-lt"/>
+                <a:ea typeface="+mn-ea"/>
+                <a:cs typeface="+mn-cs"/>
+              </a:defRPr>
+            </a:lvl9pPr>
+          </a:lstStyle>
           <a:p>
             <a:pPr marL="0" indent="0">
+              <a:buFont typeface="Arial" panose="020B0604020202020204" pitchFamily="34" charset="0"/>
               <a:buNone/>
             </a:pPr>
-            <a:endParaRPr lang="de-DE" dirty="0">
-              <a:solidFill>
-                <a:srgbClr val="D4D4D4"/>
-              </a:solidFill>
-              <a:latin typeface="Menlo" panose="020B0609030804020204" pitchFamily="49" charset="0"/>
-            </a:endParaRPr>
+            <a:r>
+              <a:rPr lang="de-DE" sz="1600" dirty="0" err="1">
+                <a:solidFill>
+                  <a:srgbClr val="DCDCAA"/>
+                </a:solidFill>
+                <a:latin typeface="Menlo" panose="020B0609030804020204" pitchFamily="49" charset="0"/>
+              </a:rPr>
+              <a:t>xTaskCreate</a:t>
+            </a:r>
+            <a:r>
+              <a:rPr lang="de-DE" sz="1600" dirty="0">
+                <a:solidFill>
+                  <a:srgbClr val="D4D4D4"/>
+                </a:solidFill>
+                <a:latin typeface="Menlo" panose="020B0609030804020204" pitchFamily="49" charset="0"/>
+              </a:rPr>
+              <a:t>(</a:t>
+            </a:r>
+            <a:r>
+              <a:rPr lang="de-DE" sz="1600" dirty="0" err="1">
+                <a:solidFill>
+                  <a:schemeClr val="tx1"/>
+                </a:solidFill>
+                <a:latin typeface="Menlo" panose="020B0609030804020204" pitchFamily="49" charset="0"/>
+              </a:rPr>
+              <a:t>comp_filter</a:t>
+            </a:r>
+            <a:r>
+              <a:rPr lang="de-DE" sz="1600" dirty="0">
+                <a:solidFill>
+                  <a:srgbClr val="D4D4D4"/>
+                </a:solidFill>
+                <a:latin typeface="Menlo" panose="020B0609030804020204" pitchFamily="49" charset="0"/>
+              </a:rPr>
+              <a:t>, </a:t>
+            </a:r>
+            <a:r>
+              <a:rPr lang="de-DE" sz="1600" dirty="0">
+                <a:solidFill>
+                  <a:srgbClr val="CE9178"/>
+                </a:solidFill>
+                <a:latin typeface="Menlo" panose="020B0609030804020204" pitchFamily="49" charset="0"/>
+              </a:rPr>
+              <a:t>"FILTER"</a:t>
+            </a:r>
+            <a:r>
+              <a:rPr lang="de-DE" sz="1600" dirty="0">
+                <a:solidFill>
+                  <a:srgbClr val="D4D4D4"/>
+                </a:solidFill>
+                <a:latin typeface="Menlo" panose="020B0609030804020204" pitchFamily="49" charset="0"/>
+              </a:rPr>
+              <a:t>,</a:t>
+            </a:r>
           </a:p>
           <a:p>
             <a:pPr marL="0" indent="0">
+              <a:buFont typeface="Arial" panose="020B0604020202020204" pitchFamily="34" charset="0"/>
               <a:buNone/>
             </a:pPr>
             <a:r>
-              <a:rPr lang="de-DE" dirty="0" err="1">
-                <a:solidFill>
-                  <a:srgbClr val="DCDCAA"/>
-                </a:solidFill>
-                <a:latin typeface="Menlo" panose="020B0609030804020204" pitchFamily="49" charset="0"/>
-              </a:rPr>
-              <a:t>xSemaphoreGive</a:t>
-            </a:r>
-            <a:r>
-              <a:rPr lang="de-DE" dirty="0">
+              <a:rPr lang="de-DE" sz="1600" dirty="0">
                 <a:solidFill>
                   <a:srgbClr val="D4D4D4"/>
                 </a:solidFill>
@@ -10331,36 +9391,454 @@
               <a:t>(</a:t>
             </a:r>
             <a:r>
-              <a:rPr lang="de-DE" dirty="0" err="1">
+              <a:rPr lang="de-DE" sz="1600" dirty="0">
+                <a:solidFill>
+                  <a:srgbClr val="B5CEA8"/>
+                </a:solidFill>
+                <a:latin typeface="Menlo" panose="020B0609030804020204" pitchFamily="49" charset="0"/>
+              </a:rPr>
+              <a:t>3</a:t>
+            </a:r>
+            <a:r>
+              <a:rPr lang="de-DE" sz="1600" dirty="0">
+                <a:solidFill>
+                  <a:srgbClr val="D4D4D4"/>
+                </a:solidFill>
+                <a:latin typeface="Menlo" panose="020B0609030804020204" pitchFamily="49" charset="0"/>
+              </a:rPr>
+              <a:t> * </a:t>
+            </a:r>
+            <a:r>
+              <a:rPr lang="de-DE" sz="1600" dirty="0" err="1">
                 <a:solidFill>
                   <a:schemeClr val="tx1"/>
                 </a:solidFill>
                 <a:latin typeface="Menlo" panose="020B0609030804020204" pitchFamily="49" charset="0"/>
               </a:rPr>
-              <a:t>filtsema</a:t>
-            </a:r>
-            <a:r>
-              <a:rPr lang="de-DE" dirty="0">
+              <a:t>configMINIMAL_STACK_SIZE</a:t>
+            </a:r>
+            <a:r>
+              <a:rPr lang="de-DE" sz="1600" dirty="0">
                 <a:solidFill>
                   <a:srgbClr val="D4D4D4"/>
                 </a:solidFill>
                 <a:latin typeface="Menlo" panose="020B0609030804020204" pitchFamily="49" charset="0"/>
               </a:rPr>
+              <a:t>), </a:t>
+            </a:r>
+            <a:r>
+              <a:rPr lang="de-DE" sz="1600" dirty="0">
+                <a:solidFill>
+                  <a:srgbClr val="569CD6"/>
+                </a:solidFill>
+                <a:latin typeface="Menlo" panose="020B0609030804020204" pitchFamily="49" charset="0"/>
+              </a:rPr>
+              <a:t>NULL</a:t>
+            </a:r>
+            <a:r>
+              <a:rPr lang="de-DE" sz="1600" dirty="0">
+                <a:solidFill>
+                  <a:srgbClr val="D4D4D4"/>
+                </a:solidFill>
+                <a:latin typeface="Menlo" panose="020B0609030804020204" pitchFamily="49" charset="0"/>
+              </a:rPr>
+              <a:t>, </a:t>
+            </a:r>
+            <a:r>
+              <a:rPr lang="de-DE" sz="1600" dirty="0">
+                <a:solidFill>
+                  <a:srgbClr val="B5CEA8"/>
+                </a:solidFill>
+                <a:latin typeface="Menlo" panose="020B0609030804020204" pitchFamily="49" charset="0"/>
+              </a:rPr>
+              <a:t>3</a:t>
+            </a:r>
+            <a:r>
+              <a:rPr lang="de-DE" sz="1600" dirty="0">
+                <a:solidFill>
+                  <a:srgbClr val="D4D4D4"/>
+                </a:solidFill>
+                <a:latin typeface="Menlo" panose="020B0609030804020204" pitchFamily="49" charset="0"/>
+              </a:rPr>
+              <a:t>, </a:t>
+            </a:r>
+            <a:r>
+              <a:rPr lang="de-DE" sz="1600" dirty="0">
+                <a:solidFill>
+                  <a:srgbClr val="569CD6"/>
+                </a:solidFill>
+                <a:latin typeface="Menlo" panose="020B0609030804020204" pitchFamily="49" charset="0"/>
+              </a:rPr>
+              <a:t>NULL</a:t>
+            </a:r>
+            <a:r>
+              <a:rPr lang="de-DE" sz="1600" dirty="0">
+                <a:solidFill>
+                  <a:srgbClr val="D4D4D4"/>
+                </a:solidFill>
+                <a:latin typeface="Menlo" panose="020B0609030804020204" pitchFamily="49" charset="0"/>
+              </a:rPr>
               <a:t>);</a:t>
             </a:r>
           </a:p>
           <a:p>
             <a:pPr marL="0" indent="0">
+              <a:buFont typeface="Arial" panose="020B0604020202020204" pitchFamily="34" charset="0"/>
               <a:buNone/>
             </a:pPr>
-            <a:endParaRPr lang="de-DE" dirty="0"/>
+            <a:r>
+              <a:rPr lang="de-DE" sz="1600" dirty="0" err="1">
+                <a:solidFill>
+                  <a:srgbClr val="DCDCAA"/>
+                </a:solidFill>
+                <a:latin typeface="Menlo" panose="020B0609030804020204" pitchFamily="49" charset="0"/>
+              </a:rPr>
+              <a:t>xTaskCreate</a:t>
+            </a:r>
+            <a:r>
+              <a:rPr lang="de-DE" sz="1600" dirty="0">
+                <a:solidFill>
+                  <a:srgbClr val="D4D4D4"/>
+                </a:solidFill>
+                <a:latin typeface="Menlo" panose="020B0609030804020204" pitchFamily="49" charset="0"/>
+              </a:rPr>
+              <a:t>(</a:t>
+            </a:r>
+            <a:r>
+              <a:rPr lang="de-DE" sz="1600" dirty="0" err="1">
+                <a:solidFill>
+                  <a:schemeClr val="tx1"/>
+                </a:solidFill>
+                <a:latin typeface="Menlo" panose="020B0609030804020204" pitchFamily="49" charset="0"/>
+              </a:rPr>
+              <a:t>setPointtrack</a:t>
+            </a:r>
+            <a:r>
+              <a:rPr lang="de-DE" sz="1600" dirty="0">
+                <a:solidFill>
+                  <a:srgbClr val="D4D4D4"/>
+                </a:solidFill>
+                <a:latin typeface="Menlo" panose="020B0609030804020204" pitchFamily="49" charset="0"/>
+              </a:rPr>
+              <a:t>, </a:t>
+            </a:r>
+            <a:r>
+              <a:rPr lang="de-DE" sz="1600" dirty="0">
+                <a:solidFill>
+                  <a:srgbClr val="CE9178"/>
+                </a:solidFill>
+                <a:latin typeface="Menlo" panose="020B0609030804020204" pitchFamily="49" charset="0"/>
+              </a:rPr>
+              <a:t>"SETPOINT"</a:t>
+            </a:r>
+            <a:r>
+              <a:rPr lang="de-DE" sz="1600" dirty="0">
+                <a:solidFill>
+                  <a:srgbClr val="D4D4D4"/>
+                </a:solidFill>
+                <a:latin typeface="Menlo" panose="020B0609030804020204" pitchFamily="49" charset="0"/>
+              </a:rPr>
+              <a:t>,</a:t>
+            </a:r>
+          </a:p>
+          <a:p>
+            <a:pPr marL="0" indent="0">
+              <a:buFont typeface="Arial" panose="020B0604020202020204" pitchFamily="34" charset="0"/>
+              <a:buNone/>
+            </a:pPr>
+            <a:r>
+              <a:rPr lang="de-DE" sz="1600" dirty="0">
+                <a:solidFill>
+                  <a:srgbClr val="D4D4D4"/>
+                </a:solidFill>
+                <a:latin typeface="Menlo" panose="020B0609030804020204" pitchFamily="49" charset="0"/>
+              </a:rPr>
+              <a:t>(</a:t>
+            </a:r>
+            <a:r>
+              <a:rPr lang="de-DE" sz="1600" dirty="0">
+                <a:solidFill>
+                  <a:srgbClr val="B5CEA8"/>
+                </a:solidFill>
+                <a:latin typeface="Menlo" panose="020B0609030804020204" pitchFamily="49" charset="0"/>
+              </a:rPr>
+              <a:t>3</a:t>
+            </a:r>
+            <a:r>
+              <a:rPr lang="de-DE" sz="1600" dirty="0">
+                <a:solidFill>
+                  <a:srgbClr val="D4D4D4"/>
+                </a:solidFill>
+                <a:latin typeface="Menlo" panose="020B0609030804020204" pitchFamily="49" charset="0"/>
+              </a:rPr>
+              <a:t> * </a:t>
+            </a:r>
+            <a:r>
+              <a:rPr lang="de-DE" sz="1600" dirty="0" err="1">
+                <a:solidFill>
+                  <a:schemeClr val="tx1"/>
+                </a:solidFill>
+                <a:latin typeface="Menlo" panose="020B0609030804020204" pitchFamily="49" charset="0"/>
+              </a:rPr>
+              <a:t>configMINIMAL_STACK_SIZE</a:t>
+            </a:r>
+            <a:r>
+              <a:rPr lang="de-DE" sz="1600" dirty="0">
+                <a:solidFill>
+                  <a:srgbClr val="D4D4D4"/>
+                </a:solidFill>
+                <a:latin typeface="Menlo" panose="020B0609030804020204" pitchFamily="49" charset="0"/>
+              </a:rPr>
+              <a:t>), </a:t>
+            </a:r>
+            <a:r>
+              <a:rPr lang="de-DE" sz="1600" dirty="0">
+                <a:solidFill>
+                  <a:srgbClr val="569CD6"/>
+                </a:solidFill>
+                <a:latin typeface="Menlo" panose="020B0609030804020204" pitchFamily="49" charset="0"/>
+              </a:rPr>
+              <a:t>NULL</a:t>
+            </a:r>
+            <a:r>
+              <a:rPr lang="de-DE" sz="1600" dirty="0">
+                <a:solidFill>
+                  <a:srgbClr val="D4D4D4"/>
+                </a:solidFill>
+                <a:latin typeface="Menlo" panose="020B0609030804020204" pitchFamily="49" charset="0"/>
+              </a:rPr>
+              <a:t>, </a:t>
+            </a:r>
+            <a:r>
+              <a:rPr lang="de-DE" sz="1600" dirty="0">
+                <a:solidFill>
+                  <a:srgbClr val="B5CEA8"/>
+                </a:solidFill>
+                <a:latin typeface="Menlo" panose="020B0609030804020204" pitchFamily="49" charset="0"/>
+              </a:rPr>
+              <a:t>1</a:t>
+            </a:r>
+            <a:r>
+              <a:rPr lang="de-DE" sz="1600" dirty="0">
+                <a:solidFill>
+                  <a:srgbClr val="D4D4D4"/>
+                </a:solidFill>
+                <a:latin typeface="Menlo" panose="020B0609030804020204" pitchFamily="49" charset="0"/>
+              </a:rPr>
+              <a:t>, </a:t>
+            </a:r>
+            <a:r>
+              <a:rPr lang="de-DE" sz="1600" dirty="0">
+                <a:solidFill>
+                  <a:srgbClr val="569CD6"/>
+                </a:solidFill>
+                <a:latin typeface="Menlo" panose="020B0609030804020204" pitchFamily="49" charset="0"/>
+              </a:rPr>
+              <a:t>NULL</a:t>
+            </a:r>
+            <a:r>
+              <a:rPr lang="de-DE" sz="1600" dirty="0">
+                <a:solidFill>
+                  <a:srgbClr val="D4D4D4"/>
+                </a:solidFill>
+                <a:latin typeface="Menlo" panose="020B0609030804020204" pitchFamily="49" charset="0"/>
+              </a:rPr>
+              <a:t>);</a:t>
+            </a:r>
+          </a:p>
+          <a:p>
+            <a:pPr marL="0" indent="0">
+              <a:buFont typeface="Arial" panose="020B0604020202020204" pitchFamily="34" charset="0"/>
+              <a:buNone/>
+            </a:pPr>
+            <a:r>
+              <a:rPr lang="de-DE" sz="1600" dirty="0" err="1">
+                <a:solidFill>
+                  <a:srgbClr val="DCDCAA"/>
+                </a:solidFill>
+                <a:latin typeface="Menlo" panose="020B0609030804020204" pitchFamily="49" charset="0"/>
+              </a:rPr>
+              <a:t>xTaskCreate</a:t>
+            </a:r>
+            <a:r>
+              <a:rPr lang="de-DE" sz="1600" dirty="0">
+                <a:solidFill>
+                  <a:srgbClr val="D4D4D4"/>
+                </a:solidFill>
+                <a:latin typeface="Menlo" panose="020B0609030804020204" pitchFamily="49" charset="0"/>
+              </a:rPr>
+              <a:t>(</a:t>
+            </a:r>
+            <a:r>
+              <a:rPr lang="de-DE" sz="1600" dirty="0" err="1">
+                <a:solidFill>
+                  <a:schemeClr val="tx1"/>
+                </a:solidFill>
+                <a:latin typeface="Menlo" panose="020B0609030804020204" pitchFamily="49" charset="0"/>
+              </a:rPr>
+              <a:t>controller</a:t>
+            </a:r>
+            <a:r>
+              <a:rPr lang="de-DE" sz="1600" dirty="0">
+                <a:solidFill>
+                  <a:srgbClr val="D4D4D4"/>
+                </a:solidFill>
+                <a:latin typeface="Menlo" panose="020B0609030804020204" pitchFamily="49" charset="0"/>
+              </a:rPr>
+              <a:t>, </a:t>
+            </a:r>
+            <a:r>
+              <a:rPr lang="de-DE" sz="1600" dirty="0">
+                <a:solidFill>
+                  <a:srgbClr val="CE9178"/>
+                </a:solidFill>
+                <a:latin typeface="Menlo" panose="020B0609030804020204" pitchFamily="49" charset="0"/>
+              </a:rPr>
+              <a:t>"CONTROL"</a:t>
+            </a:r>
+            <a:r>
+              <a:rPr lang="de-DE" sz="1600" dirty="0">
+                <a:solidFill>
+                  <a:srgbClr val="D4D4D4"/>
+                </a:solidFill>
+                <a:latin typeface="Menlo" panose="020B0609030804020204" pitchFamily="49" charset="0"/>
+              </a:rPr>
+              <a:t>,</a:t>
+            </a:r>
+          </a:p>
+          <a:p>
+            <a:pPr marL="0" indent="0">
+              <a:buFont typeface="Arial" panose="020B0604020202020204" pitchFamily="34" charset="0"/>
+              <a:buNone/>
+            </a:pPr>
+            <a:r>
+              <a:rPr lang="de-DE" sz="1600" dirty="0">
+                <a:solidFill>
+                  <a:srgbClr val="D4D4D4"/>
+                </a:solidFill>
+                <a:latin typeface="Menlo" panose="020B0609030804020204" pitchFamily="49" charset="0"/>
+              </a:rPr>
+              <a:t>(</a:t>
+            </a:r>
+            <a:r>
+              <a:rPr lang="de-DE" sz="1600" dirty="0">
+                <a:solidFill>
+                  <a:srgbClr val="B5CEA8"/>
+                </a:solidFill>
+                <a:latin typeface="Menlo" panose="020B0609030804020204" pitchFamily="49" charset="0"/>
+              </a:rPr>
+              <a:t>3</a:t>
+            </a:r>
+            <a:r>
+              <a:rPr lang="de-DE" sz="1600" dirty="0">
+                <a:solidFill>
+                  <a:srgbClr val="D4D4D4"/>
+                </a:solidFill>
+                <a:latin typeface="Menlo" panose="020B0609030804020204" pitchFamily="49" charset="0"/>
+              </a:rPr>
+              <a:t> * </a:t>
+            </a:r>
+            <a:r>
+              <a:rPr lang="de-DE" sz="1600" dirty="0" err="1">
+                <a:solidFill>
+                  <a:schemeClr val="tx1"/>
+                </a:solidFill>
+                <a:latin typeface="Menlo" panose="020B0609030804020204" pitchFamily="49" charset="0"/>
+              </a:rPr>
+              <a:t>configMINIMAL_STACK_SIZE</a:t>
+            </a:r>
+            <a:r>
+              <a:rPr lang="de-DE" sz="1600" dirty="0">
+                <a:solidFill>
+                  <a:srgbClr val="D4D4D4"/>
+                </a:solidFill>
+                <a:latin typeface="Menlo" panose="020B0609030804020204" pitchFamily="49" charset="0"/>
+              </a:rPr>
+              <a:t>), </a:t>
+            </a:r>
+            <a:r>
+              <a:rPr lang="de-DE" sz="1600" dirty="0">
+                <a:solidFill>
+                  <a:srgbClr val="569CD6"/>
+                </a:solidFill>
+                <a:latin typeface="Menlo" panose="020B0609030804020204" pitchFamily="49" charset="0"/>
+              </a:rPr>
+              <a:t>NULL</a:t>
+            </a:r>
+            <a:r>
+              <a:rPr lang="de-DE" sz="1600" dirty="0">
+                <a:solidFill>
+                  <a:srgbClr val="D4D4D4"/>
+                </a:solidFill>
+                <a:latin typeface="Menlo" panose="020B0609030804020204" pitchFamily="49" charset="0"/>
+              </a:rPr>
+              <a:t>, </a:t>
+            </a:r>
+            <a:r>
+              <a:rPr lang="de-DE" sz="1600" dirty="0">
+                <a:solidFill>
+                  <a:srgbClr val="B5CEA8"/>
+                </a:solidFill>
+                <a:latin typeface="Menlo" panose="020B0609030804020204" pitchFamily="49" charset="0"/>
+              </a:rPr>
+              <a:t>2</a:t>
+            </a:r>
+            <a:r>
+              <a:rPr lang="de-DE" sz="1600" dirty="0">
+                <a:solidFill>
+                  <a:srgbClr val="D4D4D4"/>
+                </a:solidFill>
+                <a:latin typeface="Menlo" panose="020B0609030804020204" pitchFamily="49" charset="0"/>
+              </a:rPr>
+              <a:t>, </a:t>
+            </a:r>
+            <a:r>
+              <a:rPr lang="de-DE" sz="1600" dirty="0">
+                <a:solidFill>
+                  <a:srgbClr val="569CD6"/>
+                </a:solidFill>
+                <a:latin typeface="Menlo" panose="020B0609030804020204" pitchFamily="49" charset="0"/>
+              </a:rPr>
+              <a:t>NULL</a:t>
+            </a:r>
+            <a:r>
+              <a:rPr lang="de-DE" sz="1600" dirty="0">
+                <a:solidFill>
+                  <a:srgbClr val="D4D4D4"/>
+                </a:solidFill>
+                <a:latin typeface="Menlo" panose="020B0609030804020204" pitchFamily="49" charset="0"/>
+              </a:rPr>
+              <a:t>);</a:t>
+            </a:r>
+          </a:p>
+          <a:p>
+            <a:pPr marL="0" indent="0">
+              <a:buFont typeface="Arial" panose="020B0604020202020204" pitchFamily="34" charset="0"/>
+              <a:buNone/>
+            </a:pPr>
+            <a:r>
+              <a:rPr lang="de-DE" sz="1600" dirty="0">
+                <a:solidFill>
+                  <a:srgbClr val="D4D4D4"/>
+                </a:solidFill>
+                <a:latin typeface="Menlo" panose="020B0609030804020204" pitchFamily="49" charset="0"/>
+              </a:rPr>
+              <a:t>}</a:t>
+            </a:r>
+          </a:p>
+          <a:p>
+            <a:pPr marL="0" indent="0">
+              <a:buFont typeface="Arial" panose="020B0604020202020204" pitchFamily="34" charset="0"/>
+              <a:buNone/>
+            </a:pPr>
+            <a:endParaRPr lang="de-DE" sz="1600" dirty="0"/>
           </a:p>
         </p:txBody>
       </p:sp>
     </p:spTree>
     <p:extLst>
       <p:ext uri="{BB962C8B-B14F-4D97-AF65-F5344CB8AC3E}">
-        <p14:creationId xmlns:p14="http://schemas.microsoft.com/office/powerpoint/2010/main" val="3961163006"/>
+        <p14:creationId xmlns:p14="http://schemas.microsoft.com/office/powerpoint/2010/main" val="331199780"/>
       </p:ext>
     </p:extLst>
   </p:cSld>
@@ -10421,15 +9899,7 @@
             </a:br>
             <a:r>
               <a:rPr lang="de-DE" dirty="0"/>
-              <a:t>- </a:t>
-            </a:r>
-            <a:r>
-              <a:rPr lang="de-DE" dirty="0" err="1"/>
-              <a:t>setpoint</a:t>
-            </a:r>
-            <a:r>
-              <a:rPr lang="de-DE" dirty="0"/>
-              <a:t> </a:t>
+              <a:t>- Filter </a:t>
             </a:r>
             <a:r>
               <a:rPr lang="de-DE" dirty="0" err="1"/>
@@ -10468,13 +9938,13 @@
         </p:nvSpPr>
         <p:spPr>
           <a:xfrm>
-            <a:off x="2231136" y="2497368"/>
-            <a:ext cx="7729728" cy="3664282"/>
+            <a:off x="468923" y="2497368"/>
+            <a:ext cx="11254153" cy="3664282"/>
           </a:xfrm>
         </p:spPr>
         <p:txBody>
           <a:bodyPr>
-            <a:normAutofit/>
+            <a:normAutofit fontScale="92500" lnSpcReduction="10000"/>
           </a:bodyPr>
           <a:lstStyle/>
           <a:p>
@@ -10506,7 +9976,7 @@
                 </a:solidFill>
                 <a:latin typeface="Menlo" panose="020B0609030804020204" pitchFamily="49" charset="0"/>
               </a:rPr>
-              <a:t>setsema,portMAX_DELAY</a:t>
+              <a:t>filtsema,portMAX_DELAY</a:t>
             </a:r>
             <a:r>
               <a:rPr lang="de-DE" dirty="0">
@@ -10515,103 +9985,7 @@
                 </a:solidFill>
                 <a:latin typeface="Menlo" panose="020B0609030804020204" pitchFamily="49" charset="0"/>
               </a:rPr>
-              <a:t>);</a:t>
-            </a:r>
-          </a:p>
-          <a:p>
-            <a:pPr marL="0" indent="0">
-              <a:buNone/>
-            </a:pPr>
-            <a:r>
-              <a:rPr lang="de-DE" dirty="0">
-                <a:solidFill>
-                  <a:srgbClr val="D4D4D4"/>
-                </a:solidFill>
-                <a:latin typeface="Menlo" panose="020B0609030804020204" pitchFamily="49" charset="0"/>
-              </a:rPr>
-              <a:t> </a:t>
-            </a:r>
-          </a:p>
-          <a:p>
-            <a:pPr marL="0" indent="0">
-              <a:buNone/>
-            </a:pPr>
-            <a:r>
-              <a:rPr lang="de-DE" dirty="0" err="1">
-                <a:solidFill>
-                  <a:srgbClr val="DCDCAA"/>
-                </a:solidFill>
-                <a:latin typeface="Menlo" panose="020B0609030804020204" pitchFamily="49" charset="0"/>
-              </a:rPr>
-              <a:t>commanderGetSetpoint</a:t>
-            </a:r>
-            <a:r>
-              <a:rPr lang="de-DE" dirty="0">
-                <a:solidFill>
-                  <a:srgbClr val="D4D4D4"/>
-                </a:solidFill>
-                <a:latin typeface="Menlo" panose="020B0609030804020204" pitchFamily="49" charset="0"/>
-              </a:rPr>
-              <a:t>(</a:t>
-            </a:r>
-            <a:r>
-              <a:rPr lang="de-DE" dirty="0">
-                <a:solidFill>
-                  <a:schemeClr val="tx1"/>
-                </a:solidFill>
-                <a:latin typeface="Menlo" panose="020B0609030804020204" pitchFamily="49" charset="0"/>
-              </a:rPr>
-              <a:t>&amp;</a:t>
-            </a:r>
-            <a:r>
-              <a:rPr lang="de-DE" dirty="0" err="1">
-                <a:solidFill>
-                  <a:schemeClr val="tx1"/>
-                </a:solidFill>
-                <a:latin typeface="Menlo" panose="020B0609030804020204" pitchFamily="49" charset="0"/>
-              </a:rPr>
-              <a:t>setpoint</a:t>
-            </a:r>
-            <a:r>
-              <a:rPr lang="de-DE" dirty="0">
-                <a:solidFill>
-                  <a:schemeClr val="tx1"/>
-                </a:solidFill>
-                <a:latin typeface="Menlo" panose="020B0609030804020204" pitchFamily="49" charset="0"/>
-              </a:rPr>
-              <a:t>, tick</a:t>
-            </a:r>
-            <a:r>
-              <a:rPr lang="de-DE" dirty="0">
-                <a:solidFill>
-                  <a:srgbClr val="D4D4D4"/>
-                </a:solidFill>
-                <a:latin typeface="Menlo" panose="020B0609030804020204" pitchFamily="49" charset="0"/>
-              </a:rPr>
-              <a:t>);</a:t>
-            </a:r>
-          </a:p>
-          <a:p>
-            <a:pPr marL="0" indent="0">
-              <a:buNone/>
-            </a:pPr>
-            <a:r>
-              <a:rPr lang="de-DE" dirty="0">
-                <a:solidFill>
-                  <a:schemeClr val="tx1"/>
-                </a:solidFill>
-                <a:latin typeface="Menlo" panose="020B0609030804020204" pitchFamily="49" charset="0"/>
-              </a:rPr>
-              <a:t>tick++</a:t>
-            </a:r>
-            <a:r>
-              <a:rPr lang="de-DE" dirty="0">
-                <a:solidFill>
-                  <a:srgbClr val="D4D4D4"/>
-                </a:solidFill>
-                <a:latin typeface="Menlo" panose="020B0609030804020204" pitchFamily="49" charset="0"/>
-              </a:rPr>
-              <a:t>;</a:t>
+              <a:t>); </a:t>
             </a:r>
           </a:p>
           <a:p>
@@ -10632,6 +10006,767 @@
             <a:r>
               <a:rPr lang="de-DE" dirty="0" err="1">
                 <a:solidFill>
+                  <a:srgbClr val="9CDCFE"/>
+                </a:solidFill>
+                <a:latin typeface="Menlo" panose="020B0609030804020204" pitchFamily="49" charset="0"/>
+              </a:rPr>
+              <a:t>state</a:t>
+            </a:r>
+            <a:r>
+              <a:rPr lang="de-DE" dirty="0" err="1">
+                <a:solidFill>
+                  <a:srgbClr val="D4D4D4"/>
+                </a:solidFill>
+                <a:latin typeface="Menlo" panose="020B0609030804020204" pitchFamily="49" charset="0"/>
+              </a:rPr>
+              <a:t>.</a:t>
+            </a:r>
+            <a:r>
+              <a:rPr lang="de-DE" dirty="0" err="1">
+                <a:solidFill>
+                  <a:srgbClr val="9CDCFE"/>
+                </a:solidFill>
+                <a:latin typeface="Menlo" panose="020B0609030804020204" pitchFamily="49" charset="0"/>
+              </a:rPr>
+              <a:t>pitch</a:t>
+            </a:r>
+            <a:r>
+              <a:rPr lang="de-DE" dirty="0">
+                <a:solidFill>
+                  <a:srgbClr val="D4D4D4"/>
+                </a:solidFill>
+                <a:latin typeface="Menlo" panose="020B0609030804020204" pitchFamily="49" charset="0"/>
+              </a:rPr>
+              <a:t>= (</a:t>
+            </a:r>
+            <a:r>
+              <a:rPr lang="de-DE" dirty="0">
+                <a:solidFill>
+                  <a:srgbClr val="B5CEA8"/>
+                </a:solidFill>
+                <a:latin typeface="Menlo" panose="020B0609030804020204" pitchFamily="49" charset="0"/>
+              </a:rPr>
+              <a:t>1</a:t>
+            </a:r>
+            <a:r>
+              <a:rPr lang="de-DE" dirty="0">
+                <a:solidFill>
+                  <a:srgbClr val="D4D4D4"/>
+                </a:solidFill>
+                <a:latin typeface="Menlo" panose="020B0609030804020204" pitchFamily="49" charset="0"/>
+              </a:rPr>
+              <a:t>-</a:t>
+            </a:r>
+            <a:r>
+              <a:rPr lang="de-DE" dirty="0">
+                <a:solidFill>
+                  <a:schemeClr val="tx1"/>
+                </a:solidFill>
+                <a:latin typeface="Menlo" panose="020B0609030804020204" pitchFamily="49" charset="0"/>
+              </a:rPr>
+              <a:t>gamma</a:t>
+            </a:r>
+            <a:r>
+              <a:rPr lang="de-DE" dirty="0">
+                <a:solidFill>
+                  <a:srgbClr val="D4D4D4"/>
+                </a:solidFill>
+                <a:latin typeface="Menlo" panose="020B0609030804020204" pitchFamily="49" charset="0"/>
+              </a:rPr>
+              <a:t>)*</a:t>
+            </a:r>
+            <a:r>
+              <a:rPr lang="de-DE" dirty="0" err="1">
+                <a:solidFill>
+                  <a:schemeClr val="tx1"/>
+                </a:solidFill>
+                <a:latin typeface="Menlo" panose="020B0609030804020204" pitchFamily="49" charset="0"/>
+              </a:rPr>
+              <a:t>thetaacc</a:t>
+            </a:r>
+            <a:r>
+              <a:rPr lang="de-DE" dirty="0">
+                <a:solidFill>
+                  <a:srgbClr val="D4D4D4"/>
+                </a:solidFill>
+                <a:latin typeface="Menlo" panose="020B0609030804020204" pitchFamily="49" charset="0"/>
+              </a:rPr>
+              <a:t> + </a:t>
+            </a:r>
+            <a:r>
+              <a:rPr lang="de-DE" dirty="0" err="1">
+                <a:solidFill>
+                  <a:schemeClr val="tx1"/>
+                </a:solidFill>
+                <a:latin typeface="Menlo" panose="020B0609030804020204" pitchFamily="49" charset="0"/>
+              </a:rPr>
+              <a:t>gamma</a:t>
+            </a:r>
+            <a:r>
+              <a:rPr lang="de-DE" dirty="0">
+                <a:solidFill>
+                  <a:srgbClr val="D4D4D4"/>
+                </a:solidFill>
+                <a:latin typeface="Menlo" panose="020B0609030804020204" pitchFamily="49" charset="0"/>
+              </a:rPr>
+              <a:t>*(</a:t>
+            </a:r>
+            <a:r>
+              <a:rPr lang="de-DE" dirty="0" err="1">
+                <a:solidFill>
+                  <a:srgbClr val="9CDCFE"/>
+                </a:solidFill>
+                <a:latin typeface="Menlo" panose="020B0609030804020204" pitchFamily="49" charset="0"/>
+              </a:rPr>
+              <a:t>state</a:t>
+            </a:r>
+            <a:r>
+              <a:rPr lang="de-DE" dirty="0" err="1">
+                <a:solidFill>
+                  <a:srgbClr val="D4D4D4"/>
+                </a:solidFill>
+                <a:latin typeface="Menlo" panose="020B0609030804020204" pitchFamily="49" charset="0"/>
+              </a:rPr>
+              <a:t>.</a:t>
+            </a:r>
+            <a:r>
+              <a:rPr lang="de-DE" dirty="0" err="1">
+                <a:solidFill>
+                  <a:srgbClr val="9CDCFE"/>
+                </a:solidFill>
+                <a:latin typeface="Menlo" panose="020B0609030804020204" pitchFamily="49" charset="0"/>
+              </a:rPr>
+              <a:t>pitch</a:t>
+            </a:r>
+            <a:r>
+              <a:rPr lang="de-DE" dirty="0">
+                <a:solidFill>
+                  <a:srgbClr val="D4D4D4"/>
+                </a:solidFill>
+                <a:latin typeface="Menlo" panose="020B0609030804020204" pitchFamily="49" charset="0"/>
+              </a:rPr>
+              <a:t> + </a:t>
+            </a:r>
+            <a:r>
+              <a:rPr lang="de-DE" dirty="0">
+                <a:solidFill>
+                  <a:schemeClr val="tx1"/>
+                </a:solidFill>
+                <a:latin typeface="Menlo" panose="020B0609030804020204" pitchFamily="49" charset="0"/>
+              </a:rPr>
+              <a:t>h</a:t>
+            </a:r>
+            <a:r>
+              <a:rPr lang="de-DE" dirty="0">
+                <a:solidFill>
+                  <a:srgbClr val="D4D4D4"/>
+                </a:solidFill>
+                <a:latin typeface="Menlo" panose="020B0609030804020204" pitchFamily="49" charset="0"/>
+              </a:rPr>
+              <a:t>*</a:t>
+            </a:r>
+            <a:r>
+              <a:rPr lang="de-DE" dirty="0" err="1">
+                <a:solidFill>
+                  <a:srgbClr val="9CDCFE"/>
+                </a:solidFill>
+                <a:latin typeface="Menlo" panose="020B0609030804020204" pitchFamily="49" charset="0"/>
+              </a:rPr>
+              <a:t>sensorData</a:t>
+            </a:r>
+            <a:r>
+              <a:rPr lang="de-DE" dirty="0" err="1">
+                <a:solidFill>
+                  <a:srgbClr val="D4D4D4"/>
+                </a:solidFill>
+                <a:latin typeface="Menlo" panose="020B0609030804020204" pitchFamily="49" charset="0"/>
+              </a:rPr>
+              <a:t>.</a:t>
+            </a:r>
+            <a:r>
+              <a:rPr lang="de-DE" dirty="0" err="1">
+                <a:solidFill>
+                  <a:srgbClr val="9CDCFE"/>
+                </a:solidFill>
+                <a:latin typeface="Menlo" panose="020B0609030804020204" pitchFamily="49" charset="0"/>
+              </a:rPr>
+              <a:t>gyro</a:t>
+            </a:r>
+            <a:r>
+              <a:rPr lang="de-DE" dirty="0" err="1">
+                <a:solidFill>
+                  <a:srgbClr val="D4D4D4"/>
+                </a:solidFill>
+                <a:latin typeface="Menlo" panose="020B0609030804020204" pitchFamily="49" charset="0"/>
+              </a:rPr>
+              <a:t>.</a:t>
+            </a:r>
+            <a:r>
+              <a:rPr lang="de-DE" dirty="0" err="1">
+                <a:solidFill>
+                  <a:srgbClr val="9CDCFE"/>
+                </a:solidFill>
+                <a:latin typeface="Menlo" panose="020B0609030804020204" pitchFamily="49" charset="0"/>
+              </a:rPr>
+              <a:t>y</a:t>
+            </a:r>
+            <a:r>
+              <a:rPr lang="de-DE" dirty="0">
+                <a:solidFill>
+                  <a:srgbClr val="D4D4D4"/>
+                </a:solidFill>
+                <a:latin typeface="Menlo" panose="020B0609030804020204" pitchFamily="49" charset="0"/>
+              </a:rPr>
+              <a:t>);</a:t>
+            </a:r>
+          </a:p>
+          <a:p>
+            <a:pPr marL="0" indent="0">
+              <a:buNone/>
+            </a:pPr>
+            <a:r>
+              <a:rPr lang="de-DE" dirty="0" err="1">
+                <a:solidFill>
+                  <a:srgbClr val="9CDCFE"/>
+                </a:solidFill>
+                <a:latin typeface="Menlo" panose="020B0609030804020204" pitchFamily="49" charset="0"/>
+              </a:rPr>
+              <a:t>state</a:t>
+            </a:r>
+            <a:r>
+              <a:rPr lang="de-DE" dirty="0" err="1">
+                <a:solidFill>
+                  <a:srgbClr val="D4D4D4"/>
+                </a:solidFill>
+                <a:latin typeface="Menlo" panose="020B0609030804020204" pitchFamily="49" charset="0"/>
+              </a:rPr>
+              <a:t>.</a:t>
+            </a:r>
+            <a:r>
+              <a:rPr lang="de-DE" dirty="0" err="1">
+                <a:solidFill>
+                  <a:srgbClr val="9CDCFE"/>
+                </a:solidFill>
+                <a:latin typeface="Menlo" panose="020B0609030804020204" pitchFamily="49" charset="0"/>
+              </a:rPr>
+              <a:t>roll</a:t>
+            </a:r>
+            <a:r>
+              <a:rPr lang="de-DE" dirty="0">
+                <a:solidFill>
+                  <a:srgbClr val="D4D4D4"/>
+                </a:solidFill>
+                <a:latin typeface="Menlo" panose="020B0609030804020204" pitchFamily="49" charset="0"/>
+              </a:rPr>
+              <a:t>= (</a:t>
+            </a:r>
+            <a:r>
+              <a:rPr lang="de-DE" dirty="0">
+                <a:solidFill>
+                  <a:srgbClr val="B5CEA8"/>
+                </a:solidFill>
+                <a:latin typeface="Menlo" panose="020B0609030804020204" pitchFamily="49" charset="0"/>
+              </a:rPr>
+              <a:t>1</a:t>
+            </a:r>
+            <a:r>
+              <a:rPr lang="de-DE" dirty="0">
+                <a:solidFill>
+                  <a:srgbClr val="D4D4D4"/>
+                </a:solidFill>
+                <a:latin typeface="Menlo" panose="020B0609030804020204" pitchFamily="49" charset="0"/>
+              </a:rPr>
+              <a:t>-</a:t>
+            </a:r>
+            <a:r>
+              <a:rPr lang="de-DE" dirty="0">
+                <a:solidFill>
+                  <a:schemeClr val="tx1"/>
+                </a:solidFill>
+                <a:latin typeface="Menlo" panose="020B0609030804020204" pitchFamily="49" charset="0"/>
+              </a:rPr>
+              <a:t>gamma</a:t>
+            </a:r>
+            <a:r>
+              <a:rPr lang="de-DE" dirty="0">
+                <a:solidFill>
+                  <a:srgbClr val="D4D4D4"/>
+                </a:solidFill>
+                <a:latin typeface="Menlo" panose="020B0609030804020204" pitchFamily="49" charset="0"/>
+              </a:rPr>
+              <a:t>)*</a:t>
+            </a:r>
+            <a:r>
+              <a:rPr lang="de-DE" dirty="0" err="1">
+                <a:solidFill>
+                  <a:schemeClr val="tx1"/>
+                </a:solidFill>
+                <a:latin typeface="Menlo" panose="020B0609030804020204" pitchFamily="49" charset="0"/>
+              </a:rPr>
+              <a:t>phiacc</a:t>
+            </a:r>
+            <a:r>
+              <a:rPr lang="de-DE" dirty="0">
+                <a:solidFill>
+                  <a:srgbClr val="D4D4D4"/>
+                </a:solidFill>
+                <a:latin typeface="Menlo" panose="020B0609030804020204" pitchFamily="49" charset="0"/>
+              </a:rPr>
+              <a:t> + </a:t>
+            </a:r>
+            <a:r>
+              <a:rPr lang="de-DE" dirty="0" err="1">
+                <a:solidFill>
+                  <a:schemeClr val="tx1"/>
+                </a:solidFill>
+                <a:latin typeface="Menlo" panose="020B0609030804020204" pitchFamily="49" charset="0"/>
+              </a:rPr>
+              <a:t>gamma</a:t>
+            </a:r>
+            <a:r>
+              <a:rPr lang="de-DE" dirty="0">
+                <a:solidFill>
+                  <a:srgbClr val="D4D4D4"/>
+                </a:solidFill>
+                <a:latin typeface="Menlo" panose="020B0609030804020204" pitchFamily="49" charset="0"/>
+              </a:rPr>
+              <a:t>*(</a:t>
+            </a:r>
+            <a:r>
+              <a:rPr lang="de-DE" dirty="0" err="1">
+                <a:solidFill>
+                  <a:srgbClr val="9CDCFE"/>
+                </a:solidFill>
+                <a:latin typeface="Menlo" panose="020B0609030804020204" pitchFamily="49" charset="0"/>
+              </a:rPr>
+              <a:t>state</a:t>
+            </a:r>
+            <a:r>
+              <a:rPr lang="de-DE" dirty="0" err="1">
+                <a:solidFill>
+                  <a:srgbClr val="D4D4D4"/>
+                </a:solidFill>
+                <a:latin typeface="Menlo" panose="020B0609030804020204" pitchFamily="49" charset="0"/>
+              </a:rPr>
+              <a:t>.</a:t>
+            </a:r>
+            <a:r>
+              <a:rPr lang="de-DE" dirty="0" err="1">
+                <a:solidFill>
+                  <a:srgbClr val="9CDCFE"/>
+                </a:solidFill>
+                <a:latin typeface="Menlo" panose="020B0609030804020204" pitchFamily="49" charset="0"/>
+              </a:rPr>
+              <a:t>roll</a:t>
+            </a:r>
+            <a:r>
+              <a:rPr lang="de-DE" dirty="0">
+                <a:solidFill>
+                  <a:srgbClr val="D4D4D4"/>
+                </a:solidFill>
+                <a:latin typeface="Menlo" panose="020B0609030804020204" pitchFamily="49" charset="0"/>
+              </a:rPr>
+              <a:t> + </a:t>
+            </a:r>
+            <a:r>
+              <a:rPr lang="de-DE" dirty="0">
+                <a:solidFill>
+                  <a:schemeClr val="tx1"/>
+                </a:solidFill>
+                <a:latin typeface="Menlo" panose="020B0609030804020204" pitchFamily="49" charset="0"/>
+              </a:rPr>
+              <a:t>h</a:t>
+            </a:r>
+            <a:r>
+              <a:rPr lang="de-DE" dirty="0">
+                <a:solidFill>
+                  <a:srgbClr val="D4D4D4"/>
+                </a:solidFill>
+                <a:latin typeface="Menlo" panose="020B0609030804020204" pitchFamily="49" charset="0"/>
+              </a:rPr>
+              <a:t>*</a:t>
+            </a:r>
+            <a:r>
+              <a:rPr lang="de-DE" dirty="0" err="1">
+                <a:solidFill>
+                  <a:srgbClr val="9CDCFE"/>
+                </a:solidFill>
+                <a:latin typeface="Menlo" panose="020B0609030804020204" pitchFamily="49" charset="0"/>
+              </a:rPr>
+              <a:t>sensorData</a:t>
+            </a:r>
+            <a:r>
+              <a:rPr lang="de-DE" dirty="0" err="1">
+                <a:solidFill>
+                  <a:srgbClr val="D4D4D4"/>
+                </a:solidFill>
+                <a:latin typeface="Menlo" panose="020B0609030804020204" pitchFamily="49" charset="0"/>
+              </a:rPr>
+              <a:t>.</a:t>
+            </a:r>
+            <a:r>
+              <a:rPr lang="de-DE" dirty="0" err="1">
+                <a:solidFill>
+                  <a:srgbClr val="9CDCFE"/>
+                </a:solidFill>
+                <a:latin typeface="Menlo" panose="020B0609030804020204" pitchFamily="49" charset="0"/>
+              </a:rPr>
+              <a:t>gyro</a:t>
+            </a:r>
+            <a:r>
+              <a:rPr lang="de-DE" dirty="0" err="1">
+                <a:solidFill>
+                  <a:srgbClr val="D4D4D4"/>
+                </a:solidFill>
+                <a:latin typeface="Menlo" panose="020B0609030804020204" pitchFamily="49" charset="0"/>
+              </a:rPr>
+              <a:t>.</a:t>
+            </a:r>
+            <a:r>
+              <a:rPr lang="de-DE" dirty="0" err="1">
+                <a:solidFill>
+                  <a:srgbClr val="9CDCFE"/>
+                </a:solidFill>
+                <a:latin typeface="Menlo" panose="020B0609030804020204" pitchFamily="49" charset="0"/>
+              </a:rPr>
+              <a:t>x</a:t>
+            </a:r>
+            <a:r>
+              <a:rPr lang="de-DE" dirty="0">
+                <a:solidFill>
+                  <a:srgbClr val="D4D4D4"/>
+                </a:solidFill>
+                <a:latin typeface="Menlo" panose="020B0609030804020204" pitchFamily="49" charset="0"/>
+              </a:rPr>
+              <a:t>);</a:t>
+            </a:r>
+          </a:p>
+          <a:p>
+            <a:pPr marL="0" indent="0">
+              <a:buNone/>
+            </a:pPr>
+            <a:r>
+              <a:rPr lang="de-DE" dirty="0" err="1">
+                <a:solidFill>
+                  <a:srgbClr val="9CDCFE"/>
+                </a:solidFill>
+                <a:latin typeface="Menlo" panose="020B0609030804020204" pitchFamily="49" charset="0"/>
+              </a:rPr>
+              <a:t>state</a:t>
+            </a:r>
+            <a:r>
+              <a:rPr lang="de-DE" dirty="0" err="1">
+                <a:solidFill>
+                  <a:srgbClr val="D4D4D4"/>
+                </a:solidFill>
+                <a:latin typeface="Menlo" panose="020B0609030804020204" pitchFamily="49" charset="0"/>
+              </a:rPr>
+              <a:t>.</a:t>
+            </a:r>
+            <a:r>
+              <a:rPr lang="de-DE" dirty="0" err="1">
+                <a:solidFill>
+                  <a:srgbClr val="9CDCFE"/>
+                </a:solidFill>
+                <a:latin typeface="Menlo" panose="020B0609030804020204" pitchFamily="49" charset="0"/>
+              </a:rPr>
+              <a:t>rateRoll</a:t>
+            </a:r>
+            <a:r>
+              <a:rPr lang="de-DE" dirty="0">
+                <a:solidFill>
+                  <a:srgbClr val="D4D4D4"/>
+                </a:solidFill>
+                <a:latin typeface="Menlo" panose="020B0609030804020204" pitchFamily="49" charset="0"/>
+              </a:rPr>
+              <a:t>= </a:t>
+            </a:r>
+            <a:r>
+              <a:rPr lang="de-DE" dirty="0" err="1">
+                <a:solidFill>
+                  <a:srgbClr val="9CDCFE"/>
+                </a:solidFill>
+                <a:latin typeface="Menlo" panose="020B0609030804020204" pitchFamily="49" charset="0"/>
+              </a:rPr>
+              <a:t>sensorData</a:t>
+            </a:r>
+            <a:r>
+              <a:rPr lang="de-DE" dirty="0" err="1">
+                <a:solidFill>
+                  <a:srgbClr val="D4D4D4"/>
+                </a:solidFill>
+                <a:latin typeface="Menlo" panose="020B0609030804020204" pitchFamily="49" charset="0"/>
+              </a:rPr>
+              <a:t>.</a:t>
+            </a:r>
+            <a:r>
+              <a:rPr lang="de-DE" dirty="0" err="1">
+                <a:solidFill>
+                  <a:srgbClr val="9CDCFE"/>
+                </a:solidFill>
+                <a:latin typeface="Menlo" panose="020B0609030804020204" pitchFamily="49" charset="0"/>
+              </a:rPr>
+              <a:t>gyro</a:t>
+            </a:r>
+            <a:r>
+              <a:rPr lang="de-DE" dirty="0" err="1">
+                <a:solidFill>
+                  <a:srgbClr val="D4D4D4"/>
+                </a:solidFill>
+                <a:latin typeface="Menlo" panose="020B0609030804020204" pitchFamily="49" charset="0"/>
+              </a:rPr>
+              <a:t>.</a:t>
+            </a:r>
+            <a:r>
+              <a:rPr lang="de-DE" dirty="0" err="1">
+                <a:solidFill>
+                  <a:srgbClr val="9CDCFE"/>
+                </a:solidFill>
+                <a:latin typeface="Menlo" panose="020B0609030804020204" pitchFamily="49" charset="0"/>
+              </a:rPr>
+              <a:t>x</a:t>
+            </a:r>
+            <a:r>
+              <a:rPr lang="de-DE" dirty="0">
+                <a:solidFill>
+                  <a:srgbClr val="D4D4D4"/>
+                </a:solidFill>
+                <a:latin typeface="Menlo" panose="020B0609030804020204" pitchFamily="49" charset="0"/>
+              </a:rPr>
+              <a:t>;</a:t>
+            </a:r>
+          </a:p>
+          <a:p>
+            <a:pPr marL="0" indent="0">
+              <a:buNone/>
+            </a:pPr>
+            <a:r>
+              <a:rPr lang="de-DE" dirty="0" err="1">
+                <a:solidFill>
+                  <a:srgbClr val="9CDCFE"/>
+                </a:solidFill>
+                <a:latin typeface="Menlo" panose="020B0609030804020204" pitchFamily="49" charset="0"/>
+              </a:rPr>
+              <a:t>state</a:t>
+            </a:r>
+            <a:r>
+              <a:rPr lang="de-DE" dirty="0" err="1">
+                <a:solidFill>
+                  <a:srgbClr val="D4D4D4"/>
+                </a:solidFill>
+                <a:latin typeface="Menlo" panose="020B0609030804020204" pitchFamily="49" charset="0"/>
+              </a:rPr>
+              <a:t>.</a:t>
+            </a:r>
+            <a:r>
+              <a:rPr lang="de-DE" dirty="0" err="1">
+                <a:solidFill>
+                  <a:srgbClr val="9CDCFE"/>
+                </a:solidFill>
+                <a:latin typeface="Menlo" panose="020B0609030804020204" pitchFamily="49" charset="0"/>
+              </a:rPr>
+              <a:t>ratePitch</a:t>
+            </a:r>
+            <a:r>
+              <a:rPr lang="de-DE" dirty="0">
+                <a:solidFill>
+                  <a:srgbClr val="D4D4D4"/>
+                </a:solidFill>
+                <a:latin typeface="Menlo" panose="020B0609030804020204" pitchFamily="49" charset="0"/>
+              </a:rPr>
+              <a:t>= </a:t>
+            </a:r>
+            <a:r>
+              <a:rPr lang="de-DE" dirty="0" err="1">
+                <a:solidFill>
+                  <a:srgbClr val="9CDCFE"/>
+                </a:solidFill>
+                <a:latin typeface="Menlo" panose="020B0609030804020204" pitchFamily="49" charset="0"/>
+              </a:rPr>
+              <a:t>sensorData</a:t>
+            </a:r>
+            <a:r>
+              <a:rPr lang="de-DE" dirty="0" err="1">
+                <a:solidFill>
+                  <a:srgbClr val="D4D4D4"/>
+                </a:solidFill>
+                <a:latin typeface="Menlo" panose="020B0609030804020204" pitchFamily="49" charset="0"/>
+              </a:rPr>
+              <a:t>.</a:t>
+            </a:r>
+            <a:r>
+              <a:rPr lang="de-DE" dirty="0" err="1">
+                <a:solidFill>
+                  <a:srgbClr val="9CDCFE"/>
+                </a:solidFill>
+                <a:latin typeface="Menlo" panose="020B0609030804020204" pitchFamily="49" charset="0"/>
+              </a:rPr>
+              <a:t>gyro</a:t>
+            </a:r>
+            <a:r>
+              <a:rPr lang="de-DE" dirty="0" err="1">
+                <a:solidFill>
+                  <a:srgbClr val="D4D4D4"/>
+                </a:solidFill>
+                <a:latin typeface="Menlo" panose="020B0609030804020204" pitchFamily="49" charset="0"/>
+              </a:rPr>
+              <a:t>.</a:t>
+            </a:r>
+            <a:r>
+              <a:rPr lang="de-DE" dirty="0" err="1">
+                <a:solidFill>
+                  <a:srgbClr val="9CDCFE"/>
+                </a:solidFill>
+                <a:latin typeface="Menlo" panose="020B0609030804020204" pitchFamily="49" charset="0"/>
+              </a:rPr>
+              <a:t>y</a:t>
+            </a:r>
+            <a:r>
+              <a:rPr lang="de-DE" dirty="0">
+                <a:solidFill>
+                  <a:srgbClr val="D4D4D4"/>
+                </a:solidFill>
+                <a:latin typeface="Menlo" panose="020B0609030804020204" pitchFamily="49" charset="0"/>
+              </a:rPr>
+              <a:t>;</a:t>
+            </a:r>
+          </a:p>
+          <a:p>
+            <a:pPr marL="0" indent="0">
+              <a:buNone/>
+            </a:pPr>
+            <a:r>
+              <a:rPr lang="de-DE" dirty="0" err="1">
+                <a:solidFill>
+                  <a:srgbClr val="9CDCFE"/>
+                </a:solidFill>
+                <a:latin typeface="Menlo" panose="020B0609030804020204" pitchFamily="49" charset="0"/>
+              </a:rPr>
+              <a:t>state</a:t>
+            </a:r>
+            <a:r>
+              <a:rPr lang="de-DE" dirty="0" err="1">
+                <a:solidFill>
+                  <a:srgbClr val="D4D4D4"/>
+                </a:solidFill>
+                <a:latin typeface="Menlo" panose="020B0609030804020204" pitchFamily="49" charset="0"/>
+              </a:rPr>
+              <a:t>.</a:t>
+            </a:r>
+            <a:r>
+              <a:rPr lang="de-DE" dirty="0" err="1">
+                <a:solidFill>
+                  <a:srgbClr val="9CDCFE"/>
+                </a:solidFill>
+                <a:latin typeface="Menlo" panose="020B0609030804020204" pitchFamily="49" charset="0"/>
+              </a:rPr>
+              <a:t>rateYaw</a:t>
+            </a:r>
+            <a:r>
+              <a:rPr lang="de-DE" dirty="0">
+                <a:solidFill>
+                  <a:srgbClr val="D4D4D4"/>
+                </a:solidFill>
+                <a:latin typeface="Menlo" panose="020B0609030804020204" pitchFamily="49" charset="0"/>
+              </a:rPr>
+              <a:t>= </a:t>
+            </a:r>
+            <a:r>
+              <a:rPr lang="de-DE" dirty="0" err="1">
+                <a:solidFill>
+                  <a:srgbClr val="9CDCFE"/>
+                </a:solidFill>
+                <a:latin typeface="Menlo" panose="020B0609030804020204" pitchFamily="49" charset="0"/>
+              </a:rPr>
+              <a:t>sensorData</a:t>
+            </a:r>
+            <a:r>
+              <a:rPr lang="de-DE" dirty="0" err="1">
+                <a:solidFill>
+                  <a:srgbClr val="D4D4D4"/>
+                </a:solidFill>
+                <a:latin typeface="Menlo" panose="020B0609030804020204" pitchFamily="49" charset="0"/>
+              </a:rPr>
+              <a:t>.</a:t>
+            </a:r>
+            <a:r>
+              <a:rPr lang="de-DE" dirty="0" err="1">
+                <a:solidFill>
+                  <a:srgbClr val="9CDCFE"/>
+                </a:solidFill>
+                <a:latin typeface="Menlo" panose="020B0609030804020204" pitchFamily="49" charset="0"/>
+              </a:rPr>
+              <a:t>gyro</a:t>
+            </a:r>
+            <a:r>
+              <a:rPr lang="de-DE" dirty="0" err="1">
+                <a:solidFill>
+                  <a:srgbClr val="D4D4D4"/>
+                </a:solidFill>
+                <a:latin typeface="Menlo" panose="020B0609030804020204" pitchFamily="49" charset="0"/>
+              </a:rPr>
+              <a:t>.</a:t>
+            </a:r>
+            <a:r>
+              <a:rPr lang="de-DE" dirty="0" err="1">
+                <a:solidFill>
+                  <a:srgbClr val="9CDCFE"/>
+                </a:solidFill>
+                <a:latin typeface="Menlo" panose="020B0609030804020204" pitchFamily="49" charset="0"/>
+              </a:rPr>
+              <a:t>z</a:t>
+            </a:r>
+            <a:r>
+              <a:rPr lang="de-DE" dirty="0">
+                <a:solidFill>
+                  <a:srgbClr val="D4D4D4"/>
+                </a:solidFill>
+                <a:latin typeface="Menlo" panose="020B0609030804020204" pitchFamily="49" charset="0"/>
+              </a:rPr>
+              <a:t>;</a:t>
+            </a:r>
+          </a:p>
+          <a:p>
+            <a:pPr marL="0" indent="0">
+              <a:buNone/>
+            </a:pPr>
+            <a:r>
+              <a:rPr lang="de-DE" dirty="0">
+                <a:solidFill>
+                  <a:schemeClr val="tx1"/>
+                </a:solidFill>
+                <a:latin typeface="Menlo" panose="020B0609030804020204" pitchFamily="49" charset="0"/>
+              </a:rPr>
+              <a:t>tick++</a:t>
+            </a:r>
+            <a:r>
+              <a:rPr lang="de-DE" dirty="0">
+                <a:solidFill>
+                  <a:srgbClr val="D4D4D4"/>
+                </a:solidFill>
+                <a:latin typeface="Menlo" panose="020B0609030804020204" pitchFamily="49" charset="0"/>
+              </a:rPr>
+              <a:t>;</a:t>
+            </a:r>
+          </a:p>
+          <a:p>
+            <a:pPr marL="0" indent="0">
+              <a:buNone/>
+            </a:pPr>
+            <a:endParaRPr lang="de-DE" dirty="0">
+              <a:solidFill>
+                <a:srgbClr val="D4D4D4"/>
+              </a:solidFill>
+              <a:latin typeface="Menlo" panose="020B0609030804020204" pitchFamily="49" charset="0"/>
+            </a:endParaRPr>
+          </a:p>
+          <a:p>
+            <a:pPr marL="0" indent="0">
+              <a:buNone/>
+            </a:pPr>
+            <a:r>
+              <a:rPr lang="de-DE" dirty="0" err="1">
+                <a:solidFill>
                   <a:srgbClr val="DCDCAA"/>
                 </a:solidFill>
                 <a:latin typeface="Menlo" panose="020B0609030804020204" pitchFamily="49" charset="0"/>
@@ -10654,7 +10789,7 @@
                 </a:solidFill>
                 <a:latin typeface="Menlo" panose="020B0609030804020204" pitchFamily="49" charset="0"/>
               </a:rPr>
-              <a:t>setsema</a:t>
+              <a:t>filtsema</a:t>
             </a:r>
             <a:r>
               <a:rPr lang="de-DE" dirty="0">
@@ -10677,7 +10812,7 @@
     </p:spTree>
     <p:extLst>
       <p:ext uri="{BB962C8B-B14F-4D97-AF65-F5344CB8AC3E}">
-        <p14:creationId xmlns:p14="http://schemas.microsoft.com/office/powerpoint/2010/main" val="2179710947"/>
+        <p14:creationId xmlns:p14="http://schemas.microsoft.com/office/powerpoint/2010/main" val="3961163006"/>
       </p:ext>
     </p:extLst>
   </p:cSld>
@@ -10738,6 +10873,323 @@
             </a:br>
             <a:r>
               <a:rPr lang="de-DE" dirty="0"/>
+              <a:t>- </a:t>
+            </a:r>
+            <a:r>
+              <a:rPr lang="de-DE" dirty="0" err="1"/>
+              <a:t>setpoint</a:t>
+            </a:r>
+            <a:r>
+              <a:rPr lang="de-DE" dirty="0"/>
+              <a:t> </a:t>
+            </a:r>
+            <a:r>
+              <a:rPr lang="de-DE" dirty="0" err="1"/>
+              <a:t>function</a:t>
+            </a:r>
+            <a:r>
+              <a:rPr lang="de-DE" dirty="0"/>
+              <a:t> </a:t>
+            </a:r>
+            <a:r>
+              <a:rPr lang="de-DE" dirty="0" err="1"/>
+              <a:t>semaphores</a:t>
+            </a:r>
+            <a:r>
+              <a:rPr lang="de-DE" dirty="0"/>
+              <a:t> -</a:t>
+            </a:r>
+          </a:p>
+        </p:txBody>
+      </p:sp>
+      <p:sp>
+        <p:nvSpPr>
+          <p:cNvPr id="6" name="Inhaltsplatzhalter 5">
+            <a:extLst>
+              <a:ext uri="{FF2B5EF4-FFF2-40B4-BE49-F238E27FC236}">
+                <a16:creationId xmlns:a16="http://schemas.microsoft.com/office/drawing/2014/main" id="{7A4B3519-7053-4F4A-9704-0D8536946FB3}"/>
+              </a:ext>
+            </a:extLst>
+          </p:cNvPr>
+          <p:cNvSpPr>
+            <a:spLocks noGrp="1"/>
+          </p:cNvSpPr>
+          <p:nvPr>
+            <p:ph idx="1"/>
+          </p:nvPr>
+        </p:nvSpPr>
+        <p:spPr>
+          <a:xfrm>
+            <a:off x="2231136" y="2497368"/>
+            <a:ext cx="7729728" cy="3664282"/>
+          </a:xfrm>
+        </p:spPr>
+        <p:txBody>
+          <a:bodyPr>
+            <a:normAutofit/>
+          </a:bodyPr>
+          <a:lstStyle/>
+          <a:p>
+            <a:pPr marL="0" indent="0">
+              <a:buNone/>
+            </a:pPr>
+            <a:r>
+              <a:rPr lang="de-DE" dirty="0" err="1">
+                <a:solidFill>
+                  <a:srgbClr val="DCDCAA"/>
+                </a:solidFill>
+                <a:latin typeface="Menlo" panose="020B0609030804020204" pitchFamily="49" charset="0"/>
+              </a:rPr>
+              <a:t>xSemaphoreTake</a:t>
+            </a:r>
+            <a:r>
+              <a:rPr lang="de-DE" dirty="0">
+                <a:solidFill>
+                  <a:srgbClr val="D4D4D4"/>
+                </a:solidFill>
+                <a:latin typeface="Menlo" panose="020B0609030804020204" pitchFamily="49" charset="0"/>
+              </a:rPr>
+              <a:t>(</a:t>
+            </a:r>
+            <a:r>
+              <a:rPr lang="de-DE" dirty="0" err="1">
+                <a:solidFill>
+                  <a:schemeClr val="tx1"/>
+                </a:solidFill>
+                <a:latin typeface="Menlo" panose="020B0609030804020204" pitchFamily="49" charset="0"/>
+              </a:rPr>
+              <a:t>setsema,portMAX_DELAY</a:t>
+            </a:r>
+            <a:r>
+              <a:rPr lang="de-DE" dirty="0">
+                <a:solidFill>
+                  <a:srgbClr val="D4D4D4"/>
+                </a:solidFill>
+                <a:latin typeface="Menlo" panose="020B0609030804020204" pitchFamily="49" charset="0"/>
+              </a:rPr>
+              <a:t>);</a:t>
+            </a:r>
+          </a:p>
+          <a:p>
+            <a:pPr marL="0" indent="0">
+              <a:buNone/>
+            </a:pPr>
+            <a:r>
+              <a:rPr lang="de-DE" dirty="0">
+                <a:solidFill>
+                  <a:srgbClr val="D4D4D4"/>
+                </a:solidFill>
+                <a:latin typeface="Menlo" panose="020B0609030804020204" pitchFamily="49" charset="0"/>
+              </a:rPr>
+              <a:t> </a:t>
+            </a:r>
+          </a:p>
+          <a:p>
+            <a:pPr marL="0" indent="0">
+              <a:buNone/>
+            </a:pPr>
+            <a:r>
+              <a:rPr lang="de-DE" dirty="0" err="1">
+                <a:solidFill>
+                  <a:srgbClr val="DCDCAA"/>
+                </a:solidFill>
+                <a:latin typeface="Menlo" panose="020B0609030804020204" pitchFamily="49" charset="0"/>
+              </a:rPr>
+              <a:t>commanderGetSetpoint</a:t>
+            </a:r>
+            <a:r>
+              <a:rPr lang="de-DE" dirty="0">
+                <a:solidFill>
+                  <a:srgbClr val="D4D4D4"/>
+                </a:solidFill>
+                <a:latin typeface="Menlo" panose="020B0609030804020204" pitchFamily="49" charset="0"/>
+              </a:rPr>
+              <a:t>(</a:t>
+            </a:r>
+            <a:r>
+              <a:rPr lang="de-DE" dirty="0">
+                <a:solidFill>
+                  <a:schemeClr val="tx1"/>
+                </a:solidFill>
+                <a:latin typeface="Menlo" panose="020B0609030804020204" pitchFamily="49" charset="0"/>
+              </a:rPr>
+              <a:t>&amp;</a:t>
+            </a:r>
+            <a:r>
+              <a:rPr lang="de-DE" dirty="0" err="1">
+                <a:solidFill>
+                  <a:schemeClr val="tx1"/>
+                </a:solidFill>
+                <a:latin typeface="Menlo" panose="020B0609030804020204" pitchFamily="49" charset="0"/>
+              </a:rPr>
+              <a:t>setpoint</a:t>
+            </a:r>
+            <a:r>
+              <a:rPr lang="de-DE" dirty="0">
+                <a:solidFill>
+                  <a:schemeClr val="tx1"/>
+                </a:solidFill>
+                <a:latin typeface="Menlo" panose="020B0609030804020204" pitchFamily="49" charset="0"/>
+              </a:rPr>
+              <a:t>, tick</a:t>
+            </a:r>
+            <a:r>
+              <a:rPr lang="de-DE" dirty="0">
+                <a:solidFill>
+                  <a:srgbClr val="D4D4D4"/>
+                </a:solidFill>
+                <a:latin typeface="Menlo" panose="020B0609030804020204" pitchFamily="49" charset="0"/>
+              </a:rPr>
+              <a:t>);</a:t>
+            </a:r>
+          </a:p>
+          <a:p>
+            <a:pPr marL="0" indent="0">
+              <a:buNone/>
+            </a:pPr>
+            <a:r>
+              <a:rPr lang="de-DE" dirty="0">
+                <a:solidFill>
+                  <a:schemeClr val="tx1"/>
+                </a:solidFill>
+                <a:latin typeface="Menlo" panose="020B0609030804020204" pitchFamily="49" charset="0"/>
+              </a:rPr>
+              <a:t>tick++</a:t>
+            </a:r>
+            <a:r>
+              <a:rPr lang="de-DE" dirty="0">
+                <a:solidFill>
+                  <a:srgbClr val="D4D4D4"/>
+                </a:solidFill>
+                <a:latin typeface="Menlo" panose="020B0609030804020204" pitchFamily="49" charset="0"/>
+              </a:rPr>
+              <a:t>;</a:t>
+            </a:r>
+          </a:p>
+          <a:p>
+            <a:pPr marL="0" indent="0">
+              <a:buNone/>
+            </a:pPr>
+            <a:endParaRPr lang="de-DE" dirty="0">
+              <a:solidFill>
+                <a:srgbClr val="D4D4D4"/>
+              </a:solidFill>
+              <a:latin typeface="Menlo" panose="020B0609030804020204" pitchFamily="49" charset="0"/>
+            </a:endParaRPr>
+          </a:p>
+          <a:p>
+            <a:pPr marL="0" indent="0">
+              <a:buNone/>
+            </a:pPr>
+            <a:r>
+              <a:rPr lang="de-DE" dirty="0" err="1">
+                <a:solidFill>
+                  <a:srgbClr val="DCDCAA"/>
+                </a:solidFill>
+                <a:latin typeface="Menlo" panose="020B0609030804020204" pitchFamily="49" charset="0"/>
+              </a:rPr>
+              <a:t>xSemaphoreGive</a:t>
+            </a:r>
+            <a:r>
+              <a:rPr lang="de-DE" dirty="0">
+                <a:solidFill>
+                  <a:srgbClr val="D4D4D4"/>
+                </a:solidFill>
+                <a:latin typeface="Menlo" panose="020B0609030804020204" pitchFamily="49" charset="0"/>
+              </a:rPr>
+              <a:t>(</a:t>
+            </a:r>
+            <a:r>
+              <a:rPr lang="de-DE" dirty="0" err="1">
+                <a:solidFill>
+                  <a:schemeClr val="tx1"/>
+                </a:solidFill>
+                <a:latin typeface="Menlo" panose="020B0609030804020204" pitchFamily="49" charset="0"/>
+              </a:rPr>
+              <a:t>setsema</a:t>
+            </a:r>
+            <a:r>
+              <a:rPr lang="de-DE" dirty="0">
+                <a:solidFill>
+                  <a:srgbClr val="D4D4D4"/>
+                </a:solidFill>
+                <a:latin typeface="Menlo" panose="020B0609030804020204" pitchFamily="49" charset="0"/>
+              </a:rPr>
+              <a:t>);</a:t>
+            </a:r>
+          </a:p>
+          <a:p>
+            <a:pPr marL="0" indent="0">
+              <a:buNone/>
+            </a:pPr>
+            <a:endParaRPr lang="de-DE" dirty="0"/>
+          </a:p>
+        </p:txBody>
+      </p:sp>
+    </p:spTree>
+    <p:extLst>
+      <p:ext uri="{BB962C8B-B14F-4D97-AF65-F5344CB8AC3E}">
+        <p14:creationId xmlns:p14="http://schemas.microsoft.com/office/powerpoint/2010/main" val="2179710947"/>
+      </p:ext>
+    </p:extLst>
+  </p:cSld>
+  <p:clrMapOvr>
+    <a:masterClrMapping/>
+  </p:clrMapOvr>
+</p:sld>
+</file>
+
+<file path=ppt/slides/slide15.xml><?xml version="1.0" encoding="utf-8"?>
+<p:sld xmlns:a="http://schemas.openxmlformats.org/drawingml/2006/main" xmlns:r="http://schemas.openxmlformats.org/officeDocument/2006/relationships" xmlns:p="http://schemas.openxmlformats.org/presentationml/2006/main">
+  <p:cSld>
+    <p:spTree>
+      <p:nvGrpSpPr>
+        <p:cNvPr id="1" name=""/>
+        <p:cNvGrpSpPr/>
+        <p:nvPr/>
+      </p:nvGrpSpPr>
+      <p:grpSpPr>
+        <a:xfrm>
+          <a:off x="0" y="0"/>
+          <a:ext cx="0" cy="0"/>
+          <a:chOff x="0" y="0"/>
+          <a:chExt cx="0" cy="0"/>
+        </a:xfrm>
+      </p:grpSpPr>
+      <p:sp>
+        <p:nvSpPr>
+          <p:cNvPr id="2" name="Titel 1">
+            <a:extLst>
+              <a:ext uri="{FF2B5EF4-FFF2-40B4-BE49-F238E27FC236}">
+                <a16:creationId xmlns:a16="http://schemas.microsoft.com/office/drawing/2014/main" id="{BA3027A2-7564-7A4F-B4F8-5EF3DF79167E}"/>
+              </a:ext>
+            </a:extLst>
+          </p:cNvPr>
+          <p:cNvSpPr>
+            <a:spLocks noGrp="1"/>
+          </p:cNvSpPr>
+          <p:nvPr>
+            <p:ph type="title"/>
+          </p:nvPr>
+        </p:nvSpPr>
+        <p:spPr/>
+        <p:txBody>
+          <a:bodyPr/>
+          <a:lstStyle/>
+          <a:p>
+            <a:r>
+              <a:rPr lang="de-DE" dirty="0"/>
+              <a:t>C-code </a:t>
+            </a:r>
+            <a:r>
+              <a:rPr lang="de-DE" dirty="0" err="1"/>
+              <a:t>implementation</a:t>
+            </a:r>
+            <a:br>
+              <a:rPr lang="de-DE" dirty="0"/>
+            </a:br>
+            <a:r>
+              <a:rPr lang="de-DE" dirty="0"/>
               <a:t>- Control </a:t>
             </a:r>
             <a:r>
@@ -11483,7 +11935,7 @@
 </p:sld>
 </file>
 
-<file path=ppt/slides/slide15.xml><?xml version="1.0" encoding="utf-8"?>
+<file path=ppt/slides/slide16.xml><?xml version="1.0" encoding="utf-8"?>
 <p:sld xmlns:a="http://schemas.openxmlformats.org/drawingml/2006/main" xmlns:r="http://schemas.openxmlformats.org/officeDocument/2006/relationships" xmlns:p="http://schemas.openxmlformats.org/presentationml/2006/main">
   <p:cSld>
     <p:bg>
@@ -11636,7 +12088,7 @@
 </p:sld>
 </file>
 
-<file path=ppt/slides/slide16.xml><?xml version="1.0" encoding="utf-8"?>
+<file path=ppt/slides/slide17.xml><?xml version="1.0" encoding="utf-8"?>
 <p:sld xmlns:a="http://schemas.openxmlformats.org/drawingml/2006/main" xmlns:r="http://schemas.openxmlformats.org/officeDocument/2006/relationships" xmlns:p="http://schemas.openxmlformats.org/presentationml/2006/main">
   <p:cSld>
     <p:bg>
@@ -12380,6 +12832,252 @@
           <p:cNvPr id="2" name="Rubrik 1">
             <a:extLst>
               <a:ext uri="{FF2B5EF4-FFF2-40B4-BE49-F238E27FC236}">
+                <a16:creationId xmlns:a16="http://schemas.microsoft.com/office/drawing/2014/main" id="{D41F9850-D511-4FED-8E9C-DFAF71B9CF9C}"/>
+              </a:ext>
+            </a:extLst>
+          </p:cNvPr>
+          <p:cNvSpPr>
+            <a:spLocks noGrp="1"/>
+          </p:cNvSpPr>
+          <p:nvPr>
+            <p:ph type="title"/>
+          </p:nvPr>
+        </p:nvSpPr>
+        <p:spPr/>
+        <p:txBody>
+          <a:bodyPr/>
+          <a:lstStyle/>
+          <a:p>
+            <a:r>
+              <a:rPr lang="sv-SE" dirty="0" err="1"/>
+              <a:t>Discretization</a:t>
+            </a:r>
+            <a:r>
+              <a:rPr lang="sv-SE"/>
+              <a:t>, LQR </a:t>
+            </a:r>
+            <a:r>
+              <a:rPr lang="sv-SE" dirty="0"/>
+              <a:t>Design</a:t>
+            </a:r>
+          </a:p>
+        </p:txBody>
+      </p:sp>
+      <p:pic>
+        <p:nvPicPr>
+          <p:cNvPr id="10" name="Platshållare för innehåll 4">
+            <a:extLst>
+              <a:ext uri="{FF2B5EF4-FFF2-40B4-BE49-F238E27FC236}">
+                <a16:creationId xmlns:a16="http://schemas.microsoft.com/office/drawing/2014/main" id="{FB98E796-2C21-4310-A183-960C633BB7F5}"/>
+              </a:ext>
+            </a:extLst>
+          </p:cNvPr>
+          <p:cNvPicPr>
+            <a:picLocks noChangeAspect="1"/>
+          </p:cNvPicPr>
+          <p:nvPr/>
+        </p:nvPicPr>
+        <p:blipFill>
+          <a:blip r:embed="rId2"/>
+          <a:stretch>
+            <a:fillRect/>
+          </a:stretch>
+        </p:blipFill>
+        <p:spPr>
+          <a:xfrm>
+            <a:off x="996331" y="2638046"/>
+            <a:ext cx="2606266" cy="1040727"/>
+          </a:xfrm>
+          <a:prstGeom prst="rect">
+            <a:avLst/>
+          </a:prstGeom>
+        </p:spPr>
+      </p:pic>
+      <p:pic>
+        <p:nvPicPr>
+          <p:cNvPr id="12" name="Platshållare för innehåll 4">
+            <a:extLst>
+              <a:ext uri="{FF2B5EF4-FFF2-40B4-BE49-F238E27FC236}">
+                <a16:creationId xmlns:a16="http://schemas.microsoft.com/office/drawing/2014/main" id="{1C4E3E13-6B18-4A58-85B7-07839D386393}"/>
+              </a:ext>
+            </a:extLst>
+          </p:cNvPr>
+          <p:cNvPicPr>
+            <a:picLocks noChangeAspect="1"/>
+          </p:cNvPicPr>
+          <p:nvPr/>
+        </p:nvPicPr>
+        <p:blipFill>
+          <a:blip r:embed="rId3"/>
+          <a:stretch>
+            <a:fillRect/>
+          </a:stretch>
+        </p:blipFill>
+        <p:spPr>
+          <a:xfrm>
+            <a:off x="3612639" y="2638046"/>
+            <a:ext cx="4966721" cy="1040725"/>
+          </a:xfrm>
+          <a:prstGeom prst="rect">
+            <a:avLst/>
+          </a:prstGeom>
+        </p:spPr>
+      </p:pic>
+      <p:pic>
+        <p:nvPicPr>
+          <p:cNvPr id="13" name="Platshållare för innehåll 4">
+            <a:extLst>
+              <a:ext uri="{FF2B5EF4-FFF2-40B4-BE49-F238E27FC236}">
+                <a16:creationId xmlns:a16="http://schemas.microsoft.com/office/drawing/2014/main" id="{70954DF7-7DCD-42B4-9D40-9A84E2CED471}"/>
+              </a:ext>
+            </a:extLst>
+          </p:cNvPr>
+          <p:cNvPicPr>
+            <a:picLocks noChangeAspect="1"/>
+          </p:cNvPicPr>
+          <p:nvPr/>
+        </p:nvPicPr>
+        <p:blipFill>
+          <a:blip r:embed="rId4"/>
+          <a:stretch>
+            <a:fillRect/>
+          </a:stretch>
+        </p:blipFill>
+        <p:spPr>
+          <a:xfrm>
+            <a:off x="8579360" y="2638046"/>
+            <a:ext cx="2910647" cy="1040725"/>
+          </a:xfrm>
+          <a:prstGeom prst="rect">
+            <a:avLst/>
+          </a:prstGeom>
+        </p:spPr>
+      </p:pic>
+      <p:pic>
+        <p:nvPicPr>
+          <p:cNvPr id="14" name="Platshållare för innehåll 4">
+            <a:extLst>
+              <a:ext uri="{FF2B5EF4-FFF2-40B4-BE49-F238E27FC236}">
+                <a16:creationId xmlns:a16="http://schemas.microsoft.com/office/drawing/2014/main" id="{44CBC29E-4E19-4AAD-8435-802290825420}"/>
+              </a:ext>
+            </a:extLst>
+          </p:cNvPr>
+          <p:cNvPicPr>
+            <a:picLocks noChangeAspect="1"/>
+          </p:cNvPicPr>
+          <p:nvPr/>
+        </p:nvPicPr>
+        <p:blipFill>
+          <a:blip r:embed="rId5"/>
+          <a:stretch>
+            <a:fillRect/>
+          </a:stretch>
+        </p:blipFill>
+        <p:spPr>
+          <a:xfrm>
+            <a:off x="491861" y="4783986"/>
+            <a:ext cx="2606266" cy="885837"/>
+          </a:xfrm>
+          <a:prstGeom prst="rect">
+            <a:avLst/>
+          </a:prstGeom>
+        </p:spPr>
+      </p:pic>
+      <p:pic>
+        <p:nvPicPr>
+          <p:cNvPr id="15" name="Platshållare för innehåll 4">
+            <a:extLst>
+              <a:ext uri="{FF2B5EF4-FFF2-40B4-BE49-F238E27FC236}">
+                <a16:creationId xmlns:a16="http://schemas.microsoft.com/office/drawing/2014/main" id="{DBFC9BAB-4610-4C7C-B9A2-B8A8DF73A83A}"/>
+              </a:ext>
+            </a:extLst>
+          </p:cNvPr>
+          <p:cNvPicPr>
+            <a:picLocks noChangeAspect="1"/>
+          </p:cNvPicPr>
+          <p:nvPr/>
+        </p:nvPicPr>
+        <p:blipFill>
+          <a:blip r:embed="rId6"/>
+          <a:stretch>
+            <a:fillRect/>
+          </a:stretch>
+        </p:blipFill>
+        <p:spPr>
+          <a:xfrm>
+            <a:off x="3098127" y="4643845"/>
+            <a:ext cx="4632248" cy="1040725"/>
+          </a:xfrm>
+          <a:prstGeom prst="rect">
+            <a:avLst/>
+          </a:prstGeom>
+        </p:spPr>
+      </p:pic>
+      <p:pic>
+        <p:nvPicPr>
+          <p:cNvPr id="16" name="Platshållare för innehåll 4">
+            <a:extLst>
+              <a:ext uri="{FF2B5EF4-FFF2-40B4-BE49-F238E27FC236}">
+                <a16:creationId xmlns:a16="http://schemas.microsoft.com/office/drawing/2014/main" id="{4A662725-A998-4EB0-AC10-4F3EF98DD6CC}"/>
+              </a:ext>
+            </a:extLst>
+          </p:cNvPr>
+          <p:cNvPicPr>
+            <a:picLocks noChangeAspect="1"/>
+          </p:cNvPicPr>
+          <p:nvPr/>
+        </p:nvPicPr>
+        <p:blipFill>
+          <a:blip r:embed="rId7"/>
+          <a:stretch>
+            <a:fillRect/>
+          </a:stretch>
+        </p:blipFill>
+        <p:spPr>
+          <a:xfrm>
+            <a:off x="7730375" y="4629099"/>
+            <a:ext cx="4461625" cy="1040724"/>
+          </a:xfrm>
+          <a:prstGeom prst="rect">
+            <a:avLst/>
+          </a:prstGeom>
+        </p:spPr>
+      </p:pic>
+    </p:spTree>
+    <p:extLst>
+      <p:ext uri="{BB962C8B-B14F-4D97-AF65-F5344CB8AC3E}">
+        <p14:creationId xmlns:p14="http://schemas.microsoft.com/office/powerpoint/2010/main" val="2736668252"/>
+      </p:ext>
+    </p:extLst>
+  </p:cSld>
+  <p:clrMapOvr>
+    <a:masterClrMapping/>
+  </p:clrMapOvr>
+</p:sld>
+</file>
+
+<file path=ppt/slides/slide7.xml><?xml version="1.0" encoding="utf-8"?>
+<p:sld xmlns:a="http://schemas.openxmlformats.org/drawingml/2006/main" xmlns:r="http://schemas.openxmlformats.org/officeDocument/2006/relationships" xmlns:p="http://schemas.openxmlformats.org/presentationml/2006/main">
+  <p:cSld>
+    <p:spTree>
+      <p:nvGrpSpPr>
+        <p:cNvPr id="1" name=""/>
+        <p:cNvGrpSpPr/>
+        <p:nvPr/>
+      </p:nvGrpSpPr>
+      <p:grpSpPr>
+        <a:xfrm>
+          <a:off x="0" y="0"/>
+          <a:ext cx="0" cy="0"/>
+          <a:chOff x="0" y="0"/>
+          <a:chExt cx="0" cy="0"/>
+        </a:xfrm>
+      </p:grpSpPr>
+      <p:sp>
+        <p:nvSpPr>
+          <p:cNvPr id="2" name="Rubrik 1">
+            <a:extLst>
+              <a:ext uri="{FF2B5EF4-FFF2-40B4-BE49-F238E27FC236}">
                 <a16:creationId xmlns:a16="http://schemas.microsoft.com/office/drawing/2014/main" id="{94B236A1-3670-460F-9999-29245AB5EA81}"/>
               </a:ext>
             </a:extLst>
@@ -12526,7 +13224,7 @@
           <p:nvPr/>
         </p:nvPicPr>
         <p:blipFill>
-          <a:blip r:embed="rId2"/>
+          <a:blip r:embed="rId3"/>
           <a:stretch>
             <a:fillRect/>
           </a:stretch>
@@ -12556,7 +13254,7 @@
           <p:nvPr/>
         </p:nvPicPr>
         <p:blipFill>
-          <a:blip r:embed="rId3"/>
+          <a:blip r:embed="rId4"/>
           <a:stretch>
             <a:fillRect/>
           </a:stretch>
@@ -12586,7 +13284,7 @@
           <p:nvPr/>
         </p:nvPicPr>
         <p:blipFill>
-          <a:blip r:embed="rId4"/>
+          <a:blip r:embed="rId5"/>
           <a:stretch>
             <a:fillRect/>
           </a:stretch>
@@ -12614,7 +13312,7 @@
 </p:sld>
 </file>
 
-<file path=ppt/slides/slide7.xml><?xml version="1.0" encoding="utf-8"?>
+<file path=ppt/slides/slide8.xml><?xml version="1.0" encoding="utf-8"?>
 <p:sld xmlns:a="http://schemas.openxmlformats.org/drawingml/2006/main" xmlns:r="http://schemas.openxmlformats.org/officeDocument/2006/relationships" xmlns:p="http://schemas.openxmlformats.org/presentationml/2006/main">
   <p:cSld>
     <p:bg>
@@ -12874,7 +13572,7 @@
 </p:sld>
 </file>
 
-<file path=ppt/slides/slide8.xml><?xml version="1.0" encoding="utf-8"?>
+<file path=ppt/slides/slide9.xml><?xml version="1.0" encoding="utf-8"?>
 <p:sld xmlns:a="http://schemas.openxmlformats.org/drawingml/2006/main" xmlns:r="http://schemas.openxmlformats.org/officeDocument/2006/relationships" xmlns:p="http://schemas.openxmlformats.org/presentationml/2006/main">
   <p:cSld>
     <p:bg>
@@ -13210,261 +13908,6 @@
     <p:extLst>
       <p:ext uri="{BB962C8B-B14F-4D97-AF65-F5344CB8AC3E}">
         <p14:creationId xmlns:p14="http://schemas.microsoft.com/office/powerpoint/2010/main" val="2922900679"/>
-      </p:ext>
-    </p:extLst>
-  </p:cSld>
-  <p:clrMapOvr>
-    <a:masterClrMapping/>
-  </p:clrMapOvr>
-</p:sld>
-</file>
-
-<file path=ppt/slides/slide9.xml><?xml version="1.0" encoding="utf-8"?>
-<p:sld xmlns:a="http://schemas.openxmlformats.org/drawingml/2006/main" xmlns:r="http://schemas.openxmlformats.org/officeDocument/2006/relationships" xmlns:p="http://schemas.openxmlformats.org/presentationml/2006/main">
-  <p:cSld>
-    <p:bg>
-      <p:bgPr>
-        <a:solidFill>
-          <a:schemeClr val="bg1"/>
-        </a:solidFill>
-        <a:effectLst/>
-      </p:bgPr>
-    </p:bg>
-    <p:spTree>
-      <p:nvGrpSpPr>
-        <p:cNvPr id="1" name=""/>
-        <p:cNvGrpSpPr/>
-        <p:nvPr/>
-      </p:nvGrpSpPr>
-      <p:grpSpPr>
-        <a:xfrm>
-          <a:off x="0" y="0"/>
-          <a:ext cx="0" cy="0"/>
-          <a:chOff x="0" y="0"/>
-          <a:chExt cx="0" cy="0"/>
-        </a:xfrm>
-      </p:grpSpPr>
-      <p:sp>
-        <p:nvSpPr>
-          <p:cNvPr id="10" name="Rectangle 9">
-            <a:extLst>
-              <a:ext uri="{FF2B5EF4-FFF2-40B4-BE49-F238E27FC236}">
-                <a16:creationId xmlns:a16="http://schemas.microsoft.com/office/drawing/2014/main" id="{4E866FF9-A729-45F0-A163-10E89E871602}"/>
-              </a:ext>
-              <a:ext uri="{C183D7F6-B498-43B3-948B-1728B52AA6E4}">
-                <adec:decorative xmlns:adec="http://schemas.microsoft.com/office/drawing/2017/decorative" val="1"/>
-              </a:ext>
-            </a:extLst>
-          </p:cNvPr>
-          <p:cNvSpPr>
-            <a:spLocks noGrp="1" noRot="1" noChangeAspect="1" noMove="1" noResize="1" noEditPoints="1" noAdjustHandles="1" noChangeArrowheads="1" noChangeShapeType="1" noTextEdit="1"/>
-          </p:cNvSpPr>
-          <p:nvPr>
-            <p:extLst>
-              <p:ext uri="{386F3935-93C4-4BCD-93E2-E3B085C9AB24}">
-                <p16:designElem xmlns:p16="http://schemas.microsoft.com/office/powerpoint/2015/main" val="1"/>
-              </p:ext>
-            </p:extLst>
-          </p:nvPr>
-        </p:nvSpPr>
-        <p:spPr>
-          <a:xfrm>
-            <a:off x="0" y="0"/>
-            <a:ext cx="4738255" cy="6858000"/>
-          </a:xfrm>
-          <a:prstGeom prst="rect">
-            <a:avLst/>
-          </a:prstGeom>
-          <a:solidFill>
-            <a:schemeClr val="accent6">
-              <a:lumMod val="60000"/>
-              <a:lumOff val="40000"/>
-            </a:schemeClr>
-          </a:solidFill>
-          <a:ln>
-            <a:noFill/>
-          </a:ln>
-        </p:spPr>
-        <p:style>
-          <a:lnRef idx="2">
-            <a:schemeClr val="accent1">
-              <a:shade val="50000"/>
-            </a:schemeClr>
-          </a:lnRef>
-          <a:fillRef idx="1">
-            <a:schemeClr val="accent1"/>
-          </a:fillRef>
-          <a:effectRef idx="0">
-            <a:schemeClr val="accent1"/>
-          </a:effectRef>
-          <a:fontRef idx="minor">
-            <a:schemeClr val="lt1"/>
-          </a:fontRef>
-        </p:style>
-        <p:txBody>
-          <a:bodyPr rtlCol="0" anchor="ctr"/>
-          <a:lstStyle/>
-          <a:p>
-            <a:pPr algn="ctr"/>
-            <a:endParaRPr lang="en-US"/>
-          </a:p>
-        </p:txBody>
-      </p:sp>
-      <p:sp>
-        <p:nvSpPr>
-          <p:cNvPr id="2" name="Rubrik 1">
-            <a:extLst>
-              <a:ext uri="{FF2B5EF4-FFF2-40B4-BE49-F238E27FC236}">
-                <a16:creationId xmlns:a16="http://schemas.microsoft.com/office/drawing/2014/main" id="{3EAE79DF-8DCA-4485-97CD-A7891C6303D9}"/>
-              </a:ext>
-            </a:extLst>
-          </p:cNvPr>
-          <p:cNvSpPr>
-            <a:spLocks noGrp="1"/>
-          </p:cNvSpPr>
-          <p:nvPr>
-            <p:ph type="title"/>
-          </p:nvPr>
-        </p:nvSpPr>
-        <p:spPr>
-          <a:xfrm>
-            <a:off x="640080" y="2681105"/>
-            <a:ext cx="3401568" cy="1495794"/>
-          </a:xfrm>
-          <a:solidFill>
-            <a:srgbClr val="FFFFFF"/>
-          </a:solidFill>
-          <a:ln>
-            <a:solidFill>
-              <a:srgbClr val="262626"/>
-            </a:solidFill>
-          </a:ln>
-        </p:spPr>
-        <p:txBody>
-          <a:bodyPr>
-            <a:normAutofit/>
-          </a:bodyPr>
-          <a:lstStyle/>
-          <a:p>
-            <a:r>
-              <a:rPr lang="sv-SE" dirty="0" err="1"/>
-              <a:t>Flying</a:t>
-            </a:r>
-            <a:r>
-              <a:rPr lang="sv-SE" dirty="0"/>
-              <a:t> </a:t>
-            </a:r>
-            <a:r>
-              <a:rPr lang="sv-SE" dirty="0" err="1"/>
-              <a:t>freely</a:t>
-            </a:r>
-            <a:r>
-              <a:rPr lang="sv-SE" dirty="0"/>
-              <a:t> in the </a:t>
-            </a:r>
-            <a:r>
-              <a:rPr lang="sv-SE" dirty="0" err="1"/>
-              <a:t>world</a:t>
-            </a:r>
-            <a:endParaRPr lang="LID4096" dirty="0"/>
-          </a:p>
-        </p:txBody>
-      </p:sp>
-      <p:sp useBgFill="1">
-        <p:nvSpPr>
-          <p:cNvPr id="12" name="Rectangle 11">
-            <a:extLst>
-              <a:ext uri="{FF2B5EF4-FFF2-40B4-BE49-F238E27FC236}">
-                <a16:creationId xmlns:a16="http://schemas.microsoft.com/office/drawing/2014/main" id="{A804366F-2366-4688-98E7-B101C7BC6146}"/>
-              </a:ext>
-              <a:ext uri="{C183D7F6-B498-43B3-948B-1728B52AA6E4}">
-                <adec:decorative xmlns:adec="http://schemas.microsoft.com/office/drawing/2017/decorative" val="1"/>
-              </a:ext>
-            </a:extLst>
-          </p:cNvPr>
-          <p:cNvSpPr>
-            <a:spLocks noGrp="1" noRot="1" noChangeAspect="1" noMove="1" noResize="1" noEditPoints="1" noAdjustHandles="1" noChangeArrowheads="1" noChangeShapeType="1" noTextEdit="1"/>
-          </p:cNvSpPr>
-          <p:nvPr>
-            <p:extLst>
-              <p:ext uri="{386F3935-93C4-4BCD-93E2-E3B085C9AB24}">
-                <p16:designElem xmlns:p16="http://schemas.microsoft.com/office/powerpoint/2015/main" val="1"/>
-              </p:ext>
-            </p:extLst>
-          </p:nvPr>
-        </p:nvSpPr>
-        <p:spPr>
-          <a:xfrm>
-            <a:off x="4753278" y="0"/>
-            <a:ext cx="7438722" cy="6857999"/>
-          </a:xfrm>
-          <a:prstGeom prst="rect">
-            <a:avLst/>
-          </a:prstGeom>
-          <a:ln>
-            <a:noFill/>
-          </a:ln>
-        </p:spPr>
-        <p:style>
-          <a:lnRef idx="2">
-            <a:schemeClr val="accent1">
-              <a:shade val="50000"/>
-            </a:schemeClr>
-          </a:lnRef>
-          <a:fillRef idx="1">
-            <a:schemeClr val="accent1"/>
-          </a:fillRef>
-          <a:effectRef idx="0">
-            <a:schemeClr val="accent1"/>
-          </a:effectRef>
-          <a:fontRef idx="minor">
-            <a:schemeClr val="lt1"/>
-          </a:fontRef>
-        </p:style>
-        <p:txBody>
-          <a:bodyPr rtlCol="0" anchor="ctr"/>
-          <a:lstStyle/>
-          <a:p>
-            <a:pPr algn="ctr"/>
-            <a:endParaRPr lang="en-US"/>
-          </a:p>
-        </p:txBody>
-      </p:sp>
-      <p:graphicFrame>
-        <p:nvGraphicFramePr>
-          <p:cNvPr id="5" name="Platshållare för innehåll 2">
-            <a:extLst>
-              <a:ext uri="{FF2B5EF4-FFF2-40B4-BE49-F238E27FC236}">
-                <a16:creationId xmlns:a16="http://schemas.microsoft.com/office/drawing/2014/main" id="{CC3F6FD6-DC7B-416C-BE97-4762CF292410}"/>
-              </a:ext>
-            </a:extLst>
-          </p:cNvPr>
-          <p:cNvGraphicFramePr>
-            <a:graphicFrameLocks noGrp="1"/>
-          </p:cNvGraphicFramePr>
-          <p:nvPr>
-            <p:ph idx="1"/>
-            <p:extLst>
-              <p:ext uri="{D42A27DB-BD31-4B8C-83A1-F6EECF244321}">
-                <p14:modId xmlns:p14="http://schemas.microsoft.com/office/powerpoint/2010/main" val="828883844"/>
-              </p:ext>
-            </p:extLst>
-          </p:nvPr>
-        </p:nvGraphicFramePr>
-        <p:xfrm>
-          <a:off x="5397500" y="639763"/>
-          <a:ext cx="6151563" cy="5276850"/>
-        </p:xfrm>
-        <a:graphic>
-          <a:graphicData uri="http://schemas.openxmlformats.org/drawingml/2006/diagram">
-            <dgm:relIds xmlns:dgm="http://schemas.openxmlformats.org/drawingml/2006/diagram" xmlns:r="http://schemas.openxmlformats.org/officeDocument/2006/relationships" r:dm="rId2" r:lo="rId3" r:qs="rId4" r:cs="rId5"/>
-          </a:graphicData>
-        </a:graphic>
-      </p:graphicFrame>
-    </p:spTree>
-    <p:extLst>
-      <p:ext uri="{BB962C8B-B14F-4D97-AF65-F5344CB8AC3E}">
-        <p14:creationId xmlns:p14="http://schemas.microsoft.com/office/powerpoint/2010/main" val="2331177368"/>
       </p:ext>
     </p:extLst>
   </p:cSld>
